--- a/ppt/git介绍0325.pptx
+++ b/ppt/git介绍0325.pptx
@@ -5,7 +5,7 @@
     <p:sldMasterId id="2147483648" r:id="rId1"/>
   </p:sldMasterIdLst>
   <p:notesMasterIdLst>
-    <p:notesMasterId r:id="rId28"/>
+    <p:notesMasterId r:id="rId39"/>
   </p:notesMasterIdLst>
   <p:sldIdLst>
     <p:sldId id="311" r:id="rId2"/>
@@ -29,31 +29,42 @@
     <p:sldId id="358" r:id="rId20"/>
     <p:sldId id="323" r:id="rId21"/>
     <p:sldId id="339" r:id="rId22"/>
-    <p:sldId id="324" r:id="rId23"/>
-    <p:sldId id="359" r:id="rId24"/>
-    <p:sldId id="346" r:id="rId25"/>
-    <p:sldId id="347" r:id="rId26"/>
-    <p:sldId id="321" r:id="rId27"/>
+    <p:sldId id="360" r:id="rId23"/>
+    <p:sldId id="361" r:id="rId24"/>
+    <p:sldId id="362" r:id="rId25"/>
+    <p:sldId id="363" r:id="rId26"/>
+    <p:sldId id="364" r:id="rId27"/>
+    <p:sldId id="359" r:id="rId28"/>
+    <p:sldId id="366" r:id="rId29"/>
+    <p:sldId id="371" r:id="rId30"/>
+    <p:sldId id="367" r:id="rId31"/>
+    <p:sldId id="368" r:id="rId32"/>
+    <p:sldId id="369" r:id="rId33"/>
+    <p:sldId id="370" r:id="rId34"/>
+    <p:sldId id="365" r:id="rId35"/>
+    <p:sldId id="346" r:id="rId36"/>
+    <p:sldId id="347" r:id="rId37"/>
+    <p:sldId id="321" r:id="rId38"/>
   </p:sldIdLst>
   <p:sldSz cx="12192000" cy="6858000"/>
   <p:notesSz cx="6858000" cy="9144000"/>
   <p:embeddedFontLst>
     <p:embeddedFont>
       <p:font typeface="OPPOSans R" panose="00020600040101010101" pitchFamily="18" charset="-122"/>
-      <p:regular r:id="rId29"/>
+      <p:regular r:id="rId40"/>
     </p:embeddedFont>
     <p:embeddedFont>
       <p:font typeface="OPPOSans B" panose="00020600040101010101" pitchFamily="18" charset="-122"/>
-      <p:regular r:id="rId30"/>
+      <p:regular r:id="rId41"/>
     </p:embeddedFont>
     <p:embeddedFont>
       <p:font typeface="微软雅黑" panose="020B0503020204020204" pitchFamily="34" charset="-122"/>
-      <p:regular r:id="rId31"/>
-      <p:bold r:id="rId32"/>
+      <p:regular r:id="rId42"/>
+      <p:bold r:id="rId43"/>
     </p:embeddedFont>
   </p:embeddedFontLst>
   <p:custDataLst>
-    <p:tags r:id="rId33"/>
+    <p:tags r:id="rId44"/>
   </p:custDataLst>
   <p:defaultTextStyle>
     <a:defPPr>
@@ -257,7 +268,7 @@
           <a:p>
             <a:fld id="{398BE914-D620-9442-BCCD-51707B6F90D2}" type="datetimeFigureOut">
               <a:rPr kumimoji="1" lang="zh-CN" altLang="en-US" smtClean="0"/>
-              <a:t>2023/2/10</a:t>
+              <a:t>2023/2/15</a:t>
             </a:fld>
             <a:endParaRPr kumimoji="1" lang="zh-CN" altLang="en-US" dirty="0"/>
           </a:p>
@@ -1681,7 +1692,7 @@
     </p:spTree>
     <p:extLst>
       <p:ext uri="{BB962C8B-B14F-4D97-AF65-F5344CB8AC3E}">
-        <p14:creationId xmlns:p14="http://schemas.microsoft.com/office/powerpoint/2010/main" val="2572426015"/>
+        <p14:creationId xmlns:p14="http://schemas.microsoft.com/office/powerpoint/2010/main" val="203370977"/>
       </p:ext>
     </p:extLst>
   </p:cSld>
@@ -1765,7 +1776,7 @@
     </p:spTree>
     <p:extLst>
       <p:ext uri="{BB962C8B-B14F-4D97-AF65-F5344CB8AC3E}">
-        <p14:creationId xmlns:p14="http://schemas.microsoft.com/office/powerpoint/2010/main" val="4128380673"/>
+        <p14:creationId xmlns:p14="http://schemas.microsoft.com/office/powerpoint/2010/main" val="939327639"/>
       </p:ext>
     </p:extLst>
   </p:cSld>
@@ -1849,7 +1860,7 @@
     </p:spTree>
     <p:extLst>
       <p:ext uri="{BB962C8B-B14F-4D97-AF65-F5344CB8AC3E}">
-        <p14:creationId xmlns:p14="http://schemas.microsoft.com/office/powerpoint/2010/main" val="2092360395"/>
+        <p14:creationId xmlns:p14="http://schemas.microsoft.com/office/powerpoint/2010/main" val="789443023"/>
       </p:ext>
     </p:extLst>
   </p:cSld>
@@ -1933,7 +1944,427 @@
     </p:spTree>
     <p:extLst>
       <p:ext uri="{BB962C8B-B14F-4D97-AF65-F5344CB8AC3E}">
-        <p14:creationId xmlns:p14="http://schemas.microsoft.com/office/powerpoint/2010/main" val="2066934552"/>
+        <p14:creationId xmlns:p14="http://schemas.microsoft.com/office/powerpoint/2010/main" val="2400532885"/>
+      </p:ext>
+    </p:extLst>
+  </p:cSld>
+  <p:clrMapOvr>
+    <a:masterClrMapping/>
+  </p:clrMapOvr>
+</p:notes>
+</file>
+
+<file path=ppt/notesSlides/notesSlide25.xml><?xml version="1.0" encoding="utf-8"?>
+<p:notes xmlns:a="http://schemas.openxmlformats.org/drawingml/2006/main" xmlns:r="http://schemas.openxmlformats.org/officeDocument/2006/relationships" xmlns:p="http://schemas.openxmlformats.org/presentationml/2006/main">
+  <p:cSld>
+    <p:spTree>
+      <p:nvGrpSpPr>
+        <p:cNvPr id="1" name=""/>
+        <p:cNvGrpSpPr/>
+        <p:nvPr/>
+      </p:nvGrpSpPr>
+      <p:grpSpPr>
+        <a:xfrm>
+          <a:off x="0" y="0"/>
+          <a:ext cx="0" cy="0"/>
+          <a:chOff x="0" y="0"/>
+          <a:chExt cx="0" cy="0"/>
+        </a:xfrm>
+      </p:grpSpPr>
+      <p:sp>
+        <p:nvSpPr>
+          <p:cNvPr id="2" name="幻灯片图像占位符 1"/>
+          <p:cNvSpPr>
+            <a:spLocks noGrp="1" noRot="1" noChangeAspect="1"/>
+          </p:cNvSpPr>
+          <p:nvPr>
+            <p:ph type="sldImg"/>
+          </p:nvPr>
+        </p:nvSpPr>
+        <p:spPr/>
+      </p:sp>
+      <p:sp>
+        <p:nvSpPr>
+          <p:cNvPr id="3" name="备注占位符 2"/>
+          <p:cNvSpPr>
+            <a:spLocks noGrp="1"/>
+          </p:cNvSpPr>
+          <p:nvPr>
+            <p:ph type="body" idx="1"/>
+          </p:nvPr>
+        </p:nvSpPr>
+        <p:spPr/>
+        <p:txBody>
+          <a:bodyPr/>
+          <a:lstStyle/>
+          <a:p>
+            <a:endParaRPr kumimoji="1" lang="zh-CN" altLang="en-US" dirty="0"/>
+          </a:p>
+        </p:txBody>
+      </p:sp>
+      <p:sp>
+        <p:nvSpPr>
+          <p:cNvPr id="4" name="灯片编号占位符 3"/>
+          <p:cNvSpPr>
+            <a:spLocks noGrp="1"/>
+          </p:cNvSpPr>
+          <p:nvPr>
+            <p:ph type="sldNum" sz="quarter" idx="5"/>
+          </p:nvPr>
+        </p:nvSpPr>
+        <p:spPr/>
+        <p:txBody>
+          <a:bodyPr/>
+          <a:lstStyle/>
+          <a:p>
+            <a:fld id="{42A0AB4E-63C4-9548-A330-CCCE1C9D7716}" type="slidenum">
+              <a:rPr kumimoji="1" lang="zh-CN" altLang="en-US" smtClean="0"/>
+              <a:t>26</a:t>
+            </a:fld>
+            <a:endParaRPr kumimoji="1" lang="zh-CN" altLang="en-US"/>
+          </a:p>
+        </p:txBody>
+      </p:sp>
+    </p:spTree>
+    <p:extLst>
+      <p:ext uri="{BB962C8B-B14F-4D97-AF65-F5344CB8AC3E}">
+        <p14:creationId xmlns:p14="http://schemas.microsoft.com/office/powerpoint/2010/main" val="3301051756"/>
+      </p:ext>
+    </p:extLst>
+  </p:cSld>
+  <p:clrMapOvr>
+    <a:masterClrMapping/>
+  </p:clrMapOvr>
+</p:notes>
+</file>
+
+<file path=ppt/notesSlides/notesSlide26.xml><?xml version="1.0" encoding="utf-8"?>
+<p:notes xmlns:a="http://schemas.openxmlformats.org/drawingml/2006/main" xmlns:r="http://schemas.openxmlformats.org/officeDocument/2006/relationships" xmlns:p="http://schemas.openxmlformats.org/presentationml/2006/main">
+  <p:cSld>
+    <p:spTree>
+      <p:nvGrpSpPr>
+        <p:cNvPr id="1" name=""/>
+        <p:cNvGrpSpPr/>
+        <p:nvPr/>
+      </p:nvGrpSpPr>
+      <p:grpSpPr>
+        <a:xfrm>
+          <a:off x="0" y="0"/>
+          <a:ext cx="0" cy="0"/>
+          <a:chOff x="0" y="0"/>
+          <a:chExt cx="0" cy="0"/>
+        </a:xfrm>
+      </p:grpSpPr>
+      <p:sp>
+        <p:nvSpPr>
+          <p:cNvPr id="2" name="幻灯片图像占位符 1"/>
+          <p:cNvSpPr>
+            <a:spLocks noGrp="1" noRot="1" noChangeAspect="1"/>
+          </p:cNvSpPr>
+          <p:nvPr>
+            <p:ph type="sldImg"/>
+          </p:nvPr>
+        </p:nvSpPr>
+        <p:spPr/>
+      </p:sp>
+      <p:sp>
+        <p:nvSpPr>
+          <p:cNvPr id="3" name="备注占位符 2"/>
+          <p:cNvSpPr>
+            <a:spLocks noGrp="1"/>
+          </p:cNvSpPr>
+          <p:nvPr>
+            <p:ph type="body" idx="1"/>
+          </p:nvPr>
+        </p:nvSpPr>
+        <p:spPr/>
+        <p:txBody>
+          <a:bodyPr/>
+          <a:lstStyle/>
+          <a:p>
+            <a:endParaRPr kumimoji="1" lang="zh-CN" altLang="en-US" dirty="0"/>
+          </a:p>
+        </p:txBody>
+      </p:sp>
+      <p:sp>
+        <p:nvSpPr>
+          <p:cNvPr id="4" name="灯片编号占位符 3"/>
+          <p:cNvSpPr>
+            <a:spLocks noGrp="1"/>
+          </p:cNvSpPr>
+          <p:nvPr>
+            <p:ph type="sldNum" sz="quarter" idx="5"/>
+          </p:nvPr>
+        </p:nvSpPr>
+        <p:spPr/>
+        <p:txBody>
+          <a:bodyPr/>
+          <a:lstStyle/>
+          <a:p>
+            <a:fld id="{42A0AB4E-63C4-9548-A330-CCCE1C9D7716}" type="slidenum">
+              <a:rPr kumimoji="1" lang="zh-CN" altLang="en-US" smtClean="0"/>
+              <a:t>27</a:t>
+            </a:fld>
+            <a:endParaRPr kumimoji="1" lang="zh-CN" altLang="en-US"/>
+          </a:p>
+        </p:txBody>
+      </p:sp>
+    </p:spTree>
+    <p:extLst>
+      <p:ext uri="{BB962C8B-B14F-4D97-AF65-F5344CB8AC3E}">
+        <p14:creationId xmlns:p14="http://schemas.microsoft.com/office/powerpoint/2010/main" val="4128380673"/>
+      </p:ext>
+    </p:extLst>
+  </p:cSld>
+  <p:clrMapOvr>
+    <a:masterClrMapping/>
+  </p:clrMapOvr>
+</p:notes>
+</file>
+
+<file path=ppt/notesSlides/notesSlide27.xml><?xml version="1.0" encoding="utf-8"?>
+<p:notes xmlns:a="http://schemas.openxmlformats.org/drawingml/2006/main" xmlns:r="http://schemas.openxmlformats.org/officeDocument/2006/relationships" xmlns:p="http://schemas.openxmlformats.org/presentationml/2006/main">
+  <p:cSld>
+    <p:spTree>
+      <p:nvGrpSpPr>
+        <p:cNvPr id="1" name=""/>
+        <p:cNvGrpSpPr/>
+        <p:nvPr/>
+      </p:nvGrpSpPr>
+      <p:grpSpPr>
+        <a:xfrm>
+          <a:off x="0" y="0"/>
+          <a:ext cx="0" cy="0"/>
+          <a:chOff x="0" y="0"/>
+          <a:chExt cx="0" cy="0"/>
+        </a:xfrm>
+      </p:grpSpPr>
+      <p:sp>
+        <p:nvSpPr>
+          <p:cNvPr id="2" name="幻灯片图像占位符 1"/>
+          <p:cNvSpPr>
+            <a:spLocks noGrp="1" noRot="1" noChangeAspect="1"/>
+          </p:cNvSpPr>
+          <p:nvPr>
+            <p:ph type="sldImg"/>
+          </p:nvPr>
+        </p:nvSpPr>
+        <p:spPr/>
+      </p:sp>
+      <p:sp>
+        <p:nvSpPr>
+          <p:cNvPr id="3" name="备注占位符 2"/>
+          <p:cNvSpPr>
+            <a:spLocks noGrp="1"/>
+          </p:cNvSpPr>
+          <p:nvPr>
+            <p:ph type="body" idx="1"/>
+          </p:nvPr>
+        </p:nvSpPr>
+        <p:spPr/>
+        <p:txBody>
+          <a:bodyPr/>
+          <a:lstStyle/>
+          <a:p>
+            <a:endParaRPr kumimoji="1" lang="zh-CN" altLang="en-US" dirty="0"/>
+          </a:p>
+        </p:txBody>
+      </p:sp>
+      <p:sp>
+        <p:nvSpPr>
+          <p:cNvPr id="4" name="灯片编号占位符 3"/>
+          <p:cNvSpPr>
+            <a:spLocks noGrp="1"/>
+          </p:cNvSpPr>
+          <p:nvPr>
+            <p:ph type="sldNum" sz="quarter" idx="5"/>
+          </p:nvPr>
+        </p:nvSpPr>
+        <p:spPr/>
+        <p:txBody>
+          <a:bodyPr/>
+          <a:lstStyle/>
+          <a:p>
+            <a:fld id="{42A0AB4E-63C4-9548-A330-CCCE1C9D7716}" type="slidenum">
+              <a:rPr kumimoji="1" lang="zh-CN" altLang="en-US" smtClean="0"/>
+              <a:t>28</a:t>
+            </a:fld>
+            <a:endParaRPr kumimoji="1" lang="zh-CN" altLang="en-US"/>
+          </a:p>
+        </p:txBody>
+      </p:sp>
+    </p:spTree>
+    <p:extLst>
+      <p:ext uri="{BB962C8B-B14F-4D97-AF65-F5344CB8AC3E}">
+        <p14:creationId xmlns:p14="http://schemas.microsoft.com/office/powerpoint/2010/main" val="2878289083"/>
+      </p:ext>
+    </p:extLst>
+  </p:cSld>
+  <p:clrMapOvr>
+    <a:masterClrMapping/>
+  </p:clrMapOvr>
+</p:notes>
+</file>
+
+<file path=ppt/notesSlides/notesSlide28.xml><?xml version="1.0" encoding="utf-8"?>
+<p:notes xmlns:a="http://schemas.openxmlformats.org/drawingml/2006/main" xmlns:r="http://schemas.openxmlformats.org/officeDocument/2006/relationships" xmlns:p="http://schemas.openxmlformats.org/presentationml/2006/main">
+  <p:cSld>
+    <p:spTree>
+      <p:nvGrpSpPr>
+        <p:cNvPr id="1" name=""/>
+        <p:cNvGrpSpPr/>
+        <p:nvPr/>
+      </p:nvGrpSpPr>
+      <p:grpSpPr>
+        <a:xfrm>
+          <a:off x="0" y="0"/>
+          <a:ext cx="0" cy="0"/>
+          <a:chOff x="0" y="0"/>
+          <a:chExt cx="0" cy="0"/>
+        </a:xfrm>
+      </p:grpSpPr>
+      <p:sp>
+        <p:nvSpPr>
+          <p:cNvPr id="2" name="幻灯片图像占位符 1"/>
+          <p:cNvSpPr>
+            <a:spLocks noGrp="1" noRot="1" noChangeAspect="1"/>
+          </p:cNvSpPr>
+          <p:nvPr>
+            <p:ph type="sldImg"/>
+          </p:nvPr>
+        </p:nvSpPr>
+        <p:spPr/>
+      </p:sp>
+      <p:sp>
+        <p:nvSpPr>
+          <p:cNvPr id="3" name="备注占位符 2"/>
+          <p:cNvSpPr>
+            <a:spLocks noGrp="1"/>
+          </p:cNvSpPr>
+          <p:nvPr>
+            <p:ph type="body" idx="1"/>
+          </p:nvPr>
+        </p:nvSpPr>
+        <p:spPr/>
+        <p:txBody>
+          <a:bodyPr/>
+          <a:lstStyle/>
+          <a:p>
+            <a:endParaRPr kumimoji="1" lang="zh-CN" altLang="en-US" dirty="0"/>
+          </a:p>
+        </p:txBody>
+      </p:sp>
+      <p:sp>
+        <p:nvSpPr>
+          <p:cNvPr id="4" name="灯片编号占位符 3"/>
+          <p:cNvSpPr>
+            <a:spLocks noGrp="1"/>
+          </p:cNvSpPr>
+          <p:nvPr>
+            <p:ph type="sldNum" sz="quarter" idx="5"/>
+          </p:nvPr>
+        </p:nvSpPr>
+        <p:spPr/>
+        <p:txBody>
+          <a:bodyPr/>
+          <a:lstStyle/>
+          <a:p>
+            <a:fld id="{42A0AB4E-63C4-9548-A330-CCCE1C9D7716}" type="slidenum">
+              <a:rPr kumimoji="1" lang="zh-CN" altLang="en-US" smtClean="0"/>
+              <a:t>29</a:t>
+            </a:fld>
+            <a:endParaRPr kumimoji="1" lang="zh-CN" altLang="en-US"/>
+          </a:p>
+        </p:txBody>
+      </p:sp>
+    </p:spTree>
+    <p:extLst>
+      <p:ext uri="{BB962C8B-B14F-4D97-AF65-F5344CB8AC3E}">
+        <p14:creationId xmlns:p14="http://schemas.microsoft.com/office/powerpoint/2010/main" val="1002383612"/>
+      </p:ext>
+    </p:extLst>
+  </p:cSld>
+  <p:clrMapOvr>
+    <a:masterClrMapping/>
+  </p:clrMapOvr>
+</p:notes>
+</file>
+
+<file path=ppt/notesSlides/notesSlide29.xml><?xml version="1.0" encoding="utf-8"?>
+<p:notes xmlns:a="http://schemas.openxmlformats.org/drawingml/2006/main" xmlns:r="http://schemas.openxmlformats.org/officeDocument/2006/relationships" xmlns:p="http://schemas.openxmlformats.org/presentationml/2006/main">
+  <p:cSld>
+    <p:spTree>
+      <p:nvGrpSpPr>
+        <p:cNvPr id="1" name=""/>
+        <p:cNvGrpSpPr/>
+        <p:nvPr/>
+      </p:nvGrpSpPr>
+      <p:grpSpPr>
+        <a:xfrm>
+          <a:off x="0" y="0"/>
+          <a:ext cx="0" cy="0"/>
+          <a:chOff x="0" y="0"/>
+          <a:chExt cx="0" cy="0"/>
+        </a:xfrm>
+      </p:grpSpPr>
+      <p:sp>
+        <p:nvSpPr>
+          <p:cNvPr id="2" name="幻灯片图像占位符 1"/>
+          <p:cNvSpPr>
+            <a:spLocks noGrp="1" noRot="1" noChangeAspect="1"/>
+          </p:cNvSpPr>
+          <p:nvPr>
+            <p:ph type="sldImg"/>
+          </p:nvPr>
+        </p:nvSpPr>
+        <p:spPr/>
+      </p:sp>
+      <p:sp>
+        <p:nvSpPr>
+          <p:cNvPr id="3" name="备注占位符 2"/>
+          <p:cNvSpPr>
+            <a:spLocks noGrp="1"/>
+          </p:cNvSpPr>
+          <p:nvPr>
+            <p:ph type="body" idx="1"/>
+          </p:nvPr>
+        </p:nvSpPr>
+        <p:spPr/>
+        <p:txBody>
+          <a:bodyPr/>
+          <a:lstStyle/>
+          <a:p>
+            <a:endParaRPr kumimoji="1" lang="zh-CN" altLang="en-US" dirty="0"/>
+          </a:p>
+        </p:txBody>
+      </p:sp>
+      <p:sp>
+        <p:nvSpPr>
+          <p:cNvPr id="4" name="灯片编号占位符 3"/>
+          <p:cNvSpPr>
+            <a:spLocks noGrp="1"/>
+          </p:cNvSpPr>
+          <p:nvPr>
+            <p:ph type="sldNum" sz="quarter" idx="5"/>
+          </p:nvPr>
+        </p:nvSpPr>
+        <p:spPr/>
+        <p:txBody>
+          <a:bodyPr/>
+          <a:lstStyle/>
+          <a:p>
+            <a:fld id="{42A0AB4E-63C4-9548-A330-CCCE1C9D7716}" type="slidenum">
+              <a:rPr kumimoji="1" lang="zh-CN" altLang="en-US" smtClean="0"/>
+              <a:t>30</a:t>
+            </a:fld>
+            <a:endParaRPr kumimoji="1" lang="zh-CN" altLang="en-US"/>
+          </a:p>
+        </p:txBody>
+      </p:sp>
+    </p:spTree>
+    <p:extLst>
+      <p:ext uri="{BB962C8B-B14F-4D97-AF65-F5344CB8AC3E}">
+        <p14:creationId xmlns:p14="http://schemas.microsoft.com/office/powerpoint/2010/main" val="4263588716"/>
       </p:ext>
     </p:extLst>
   </p:cSld>
@@ -2018,6 +2449,510 @@
     <p:extLst>
       <p:ext uri="{BB962C8B-B14F-4D97-AF65-F5344CB8AC3E}">
         <p14:creationId xmlns:p14="http://schemas.microsoft.com/office/powerpoint/2010/main" val="3431890014"/>
+      </p:ext>
+    </p:extLst>
+  </p:cSld>
+  <p:clrMapOvr>
+    <a:masterClrMapping/>
+  </p:clrMapOvr>
+</p:notes>
+</file>
+
+<file path=ppt/notesSlides/notesSlide30.xml><?xml version="1.0" encoding="utf-8"?>
+<p:notes xmlns:a="http://schemas.openxmlformats.org/drawingml/2006/main" xmlns:r="http://schemas.openxmlformats.org/officeDocument/2006/relationships" xmlns:p="http://schemas.openxmlformats.org/presentationml/2006/main">
+  <p:cSld>
+    <p:spTree>
+      <p:nvGrpSpPr>
+        <p:cNvPr id="1" name=""/>
+        <p:cNvGrpSpPr/>
+        <p:nvPr/>
+      </p:nvGrpSpPr>
+      <p:grpSpPr>
+        <a:xfrm>
+          <a:off x="0" y="0"/>
+          <a:ext cx="0" cy="0"/>
+          <a:chOff x="0" y="0"/>
+          <a:chExt cx="0" cy="0"/>
+        </a:xfrm>
+      </p:grpSpPr>
+      <p:sp>
+        <p:nvSpPr>
+          <p:cNvPr id="2" name="幻灯片图像占位符 1"/>
+          <p:cNvSpPr>
+            <a:spLocks noGrp="1" noRot="1" noChangeAspect="1"/>
+          </p:cNvSpPr>
+          <p:nvPr>
+            <p:ph type="sldImg"/>
+          </p:nvPr>
+        </p:nvSpPr>
+        <p:spPr/>
+      </p:sp>
+      <p:sp>
+        <p:nvSpPr>
+          <p:cNvPr id="3" name="备注占位符 2"/>
+          <p:cNvSpPr>
+            <a:spLocks noGrp="1"/>
+          </p:cNvSpPr>
+          <p:nvPr>
+            <p:ph type="body" idx="1"/>
+          </p:nvPr>
+        </p:nvSpPr>
+        <p:spPr/>
+        <p:txBody>
+          <a:bodyPr/>
+          <a:lstStyle/>
+          <a:p>
+            <a:endParaRPr kumimoji="1" lang="zh-CN" altLang="en-US" dirty="0"/>
+          </a:p>
+        </p:txBody>
+      </p:sp>
+      <p:sp>
+        <p:nvSpPr>
+          <p:cNvPr id="4" name="灯片编号占位符 3"/>
+          <p:cNvSpPr>
+            <a:spLocks noGrp="1"/>
+          </p:cNvSpPr>
+          <p:nvPr>
+            <p:ph type="sldNum" sz="quarter" idx="5"/>
+          </p:nvPr>
+        </p:nvSpPr>
+        <p:spPr/>
+        <p:txBody>
+          <a:bodyPr/>
+          <a:lstStyle/>
+          <a:p>
+            <a:fld id="{42A0AB4E-63C4-9548-A330-CCCE1C9D7716}" type="slidenum">
+              <a:rPr kumimoji="1" lang="zh-CN" altLang="en-US" smtClean="0"/>
+              <a:t>31</a:t>
+            </a:fld>
+            <a:endParaRPr kumimoji="1" lang="zh-CN" altLang="en-US"/>
+          </a:p>
+        </p:txBody>
+      </p:sp>
+    </p:spTree>
+    <p:extLst>
+      <p:ext uri="{BB962C8B-B14F-4D97-AF65-F5344CB8AC3E}">
+        <p14:creationId xmlns:p14="http://schemas.microsoft.com/office/powerpoint/2010/main" val="3716175828"/>
+      </p:ext>
+    </p:extLst>
+  </p:cSld>
+  <p:clrMapOvr>
+    <a:masterClrMapping/>
+  </p:clrMapOvr>
+</p:notes>
+</file>
+
+<file path=ppt/notesSlides/notesSlide31.xml><?xml version="1.0" encoding="utf-8"?>
+<p:notes xmlns:a="http://schemas.openxmlformats.org/drawingml/2006/main" xmlns:r="http://schemas.openxmlformats.org/officeDocument/2006/relationships" xmlns:p="http://schemas.openxmlformats.org/presentationml/2006/main">
+  <p:cSld>
+    <p:spTree>
+      <p:nvGrpSpPr>
+        <p:cNvPr id="1" name=""/>
+        <p:cNvGrpSpPr/>
+        <p:nvPr/>
+      </p:nvGrpSpPr>
+      <p:grpSpPr>
+        <a:xfrm>
+          <a:off x="0" y="0"/>
+          <a:ext cx="0" cy="0"/>
+          <a:chOff x="0" y="0"/>
+          <a:chExt cx="0" cy="0"/>
+        </a:xfrm>
+      </p:grpSpPr>
+      <p:sp>
+        <p:nvSpPr>
+          <p:cNvPr id="2" name="幻灯片图像占位符 1"/>
+          <p:cNvSpPr>
+            <a:spLocks noGrp="1" noRot="1" noChangeAspect="1"/>
+          </p:cNvSpPr>
+          <p:nvPr>
+            <p:ph type="sldImg"/>
+          </p:nvPr>
+        </p:nvSpPr>
+        <p:spPr/>
+      </p:sp>
+      <p:sp>
+        <p:nvSpPr>
+          <p:cNvPr id="3" name="备注占位符 2"/>
+          <p:cNvSpPr>
+            <a:spLocks noGrp="1"/>
+          </p:cNvSpPr>
+          <p:nvPr>
+            <p:ph type="body" idx="1"/>
+          </p:nvPr>
+        </p:nvSpPr>
+        <p:spPr/>
+        <p:txBody>
+          <a:bodyPr/>
+          <a:lstStyle/>
+          <a:p>
+            <a:endParaRPr kumimoji="1" lang="zh-CN" altLang="en-US" dirty="0"/>
+          </a:p>
+        </p:txBody>
+      </p:sp>
+      <p:sp>
+        <p:nvSpPr>
+          <p:cNvPr id="4" name="灯片编号占位符 3"/>
+          <p:cNvSpPr>
+            <a:spLocks noGrp="1"/>
+          </p:cNvSpPr>
+          <p:nvPr>
+            <p:ph type="sldNum" sz="quarter" idx="5"/>
+          </p:nvPr>
+        </p:nvSpPr>
+        <p:spPr/>
+        <p:txBody>
+          <a:bodyPr/>
+          <a:lstStyle/>
+          <a:p>
+            <a:fld id="{42A0AB4E-63C4-9548-A330-CCCE1C9D7716}" type="slidenum">
+              <a:rPr kumimoji="1" lang="zh-CN" altLang="en-US" smtClean="0"/>
+              <a:t>32</a:t>
+            </a:fld>
+            <a:endParaRPr kumimoji="1" lang="zh-CN" altLang="en-US"/>
+          </a:p>
+        </p:txBody>
+      </p:sp>
+    </p:spTree>
+    <p:extLst>
+      <p:ext uri="{BB962C8B-B14F-4D97-AF65-F5344CB8AC3E}">
+        <p14:creationId xmlns:p14="http://schemas.microsoft.com/office/powerpoint/2010/main" val="1722526097"/>
+      </p:ext>
+    </p:extLst>
+  </p:cSld>
+  <p:clrMapOvr>
+    <a:masterClrMapping/>
+  </p:clrMapOvr>
+</p:notes>
+</file>
+
+<file path=ppt/notesSlides/notesSlide32.xml><?xml version="1.0" encoding="utf-8"?>
+<p:notes xmlns:a="http://schemas.openxmlformats.org/drawingml/2006/main" xmlns:r="http://schemas.openxmlformats.org/officeDocument/2006/relationships" xmlns:p="http://schemas.openxmlformats.org/presentationml/2006/main">
+  <p:cSld>
+    <p:spTree>
+      <p:nvGrpSpPr>
+        <p:cNvPr id="1" name=""/>
+        <p:cNvGrpSpPr/>
+        <p:nvPr/>
+      </p:nvGrpSpPr>
+      <p:grpSpPr>
+        <a:xfrm>
+          <a:off x="0" y="0"/>
+          <a:ext cx="0" cy="0"/>
+          <a:chOff x="0" y="0"/>
+          <a:chExt cx="0" cy="0"/>
+        </a:xfrm>
+      </p:grpSpPr>
+      <p:sp>
+        <p:nvSpPr>
+          <p:cNvPr id="2" name="幻灯片图像占位符 1"/>
+          <p:cNvSpPr>
+            <a:spLocks noGrp="1" noRot="1" noChangeAspect="1"/>
+          </p:cNvSpPr>
+          <p:nvPr>
+            <p:ph type="sldImg"/>
+          </p:nvPr>
+        </p:nvSpPr>
+        <p:spPr/>
+      </p:sp>
+      <p:sp>
+        <p:nvSpPr>
+          <p:cNvPr id="3" name="备注占位符 2"/>
+          <p:cNvSpPr>
+            <a:spLocks noGrp="1"/>
+          </p:cNvSpPr>
+          <p:nvPr>
+            <p:ph type="body" idx="1"/>
+          </p:nvPr>
+        </p:nvSpPr>
+        <p:spPr/>
+        <p:txBody>
+          <a:bodyPr/>
+          <a:lstStyle/>
+          <a:p>
+            <a:endParaRPr kumimoji="1" lang="zh-CN" altLang="en-US" dirty="0"/>
+          </a:p>
+        </p:txBody>
+      </p:sp>
+      <p:sp>
+        <p:nvSpPr>
+          <p:cNvPr id="4" name="灯片编号占位符 3"/>
+          <p:cNvSpPr>
+            <a:spLocks noGrp="1"/>
+          </p:cNvSpPr>
+          <p:nvPr>
+            <p:ph type="sldNum" sz="quarter" idx="5"/>
+          </p:nvPr>
+        </p:nvSpPr>
+        <p:spPr/>
+        <p:txBody>
+          <a:bodyPr/>
+          <a:lstStyle/>
+          <a:p>
+            <a:fld id="{42A0AB4E-63C4-9548-A330-CCCE1C9D7716}" type="slidenum">
+              <a:rPr kumimoji="1" lang="zh-CN" altLang="en-US" smtClean="0"/>
+              <a:t>33</a:t>
+            </a:fld>
+            <a:endParaRPr kumimoji="1" lang="zh-CN" altLang="en-US"/>
+          </a:p>
+        </p:txBody>
+      </p:sp>
+    </p:spTree>
+    <p:extLst>
+      <p:ext uri="{BB962C8B-B14F-4D97-AF65-F5344CB8AC3E}">
+        <p14:creationId xmlns:p14="http://schemas.microsoft.com/office/powerpoint/2010/main" val="3927660821"/>
+      </p:ext>
+    </p:extLst>
+  </p:cSld>
+  <p:clrMapOvr>
+    <a:masterClrMapping/>
+  </p:clrMapOvr>
+</p:notes>
+</file>
+
+<file path=ppt/notesSlides/notesSlide33.xml><?xml version="1.0" encoding="utf-8"?>
+<p:notes xmlns:a="http://schemas.openxmlformats.org/drawingml/2006/main" xmlns:r="http://schemas.openxmlformats.org/officeDocument/2006/relationships" xmlns:p="http://schemas.openxmlformats.org/presentationml/2006/main">
+  <p:cSld>
+    <p:spTree>
+      <p:nvGrpSpPr>
+        <p:cNvPr id="1" name=""/>
+        <p:cNvGrpSpPr/>
+        <p:nvPr/>
+      </p:nvGrpSpPr>
+      <p:grpSpPr>
+        <a:xfrm>
+          <a:off x="0" y="0"/>
+          <a:ext cx="0" cy="0"/>
+          <a:chOff x="0" y="0"/>
+          <a:chExt cx="0" cy="0"/>
+        </a:xfrm>
+      </p:grpSpPr>
+      <p:sp>
+        <p:nvSpPr>
+          <p:cNvPr id="2" name="幻灯片图像占位符 1"/>
+          <p:cNvSpPr>
+            <a:spLocks noGrp="1" noRot="1" noChangeAspect="1"/>
+          </p:cNvSpPr>
+          <p:nvPr>
+            <p:ph type="sldImg"/>
+          </p:nvPr>
+        </p:nvSpPr>
+        <p:spPr/>
+      </p:sp>
+      <p:sp>
+        <p:nvSpPr>
+          <p:cNvPr id="3" name="备注占位符 2"/>
+          <p:cNvSpPr>
+            <a:spLocks noGrp="1"/>
+          </p:cNvSpPr>
+          <p:nvPr>
+            <p:ph type="body" idx="1"/>
+          </p:nvPr>
+        </p:nvSpPr>
+        <p:spPr/>
+        <p:txBody>
+          <a:bodyPr/>
+          <a:lstStyle/>
+          <a:p>
+            <a:endParaRPr kumimoji="1" lang="zh-CN" altLang="en-US" dirty="0"/>
+          </a:p>
+        </p:txBody>
+      </p:sp>
+      <p:sp>
+        <p:nvSpPr>
+          <p:cNvPr id="4" name="灯片编号占位符 3"/>
+          <p:cNvSpPr>
+            <a:spLocks noGrp="1"/>
+          </p:cNvSpPr>
+          <p:nvPr>
+            <p:ph type="sldNum" sz="quarter" idx="5"/>
+          </p:nvPr>
+        </p:nvSpPr>
+        <p:spPr/>
+        <p:txBody>
+          <a:bodyPr/>
+          <a:lstStyle/>
+          <a:p>
+            <a:fld id="{42A0AB4E-63C4-9548-A330-CCCE1C9D7716}" type="slidenum">
+              <a:rPr kumimoji="1" lang="zh-CN" altLang="en-US" smtClean="0"/>
+              <a:t>34</a:t>
+            </a:fld>
+            <a:endParaRPr kumimoji="1" lang="zh-CN" altLang="en-US"/>
+          </a:p>
+        </p:txBody>
+      </p:sp>
+    </p:spTree>
+    <p:extLst>
+      <p:ext uri="{BB962C8B-B14F-4D97-AF65-F5344CB8AC3E}">
+        <p14:creationId xmlns:p14="http://schemas.microsoft.com/office/powerpoint/2010/main" val="796378027"/>
+      </p:ext>
+    </p:extLst>
+  </p:cSld>
+  <p:clrMapOvr>
+    <a:masterClrMapping/>
+  </p:clrMapOvr>
+</p:notes>
+</file>
+
+<file path=ppt/notesSlides/notesSlide34.xml><?xml version="1.0" encoding="utf-8"?>
+<p:notes xmlns:a="http://schemas.openxmlformats.org/drawingml/2006/main" xmlns:r="http://schemas.openxmlformats.org/officeDocument/2006/relationships" xmlns:p="http://schemas.openxmlformats.org/presentationml/2006/main">
+  <p:cSld>
+    <p:spTree>
+      <p:nvGrpSpPr>
+        <p:cNvPr id="1" name=""/>
+        <p:cNvGrpSpPr/>
+        <p:nvPr/>
+      </p:nvGrpSpPr>
+      <p:grpSpPr>
+        <a:xfrm>
+          <a:off x="0" y="0"/>
+          <a:ext cx="0" cy="0"/>
+          <a:chOff x="0" y="0"/>
+          <a:chExt cx="0" cy="0"/>
+        </a:xfrm>
+      </p:grpSpPr>
+      <p:sp>
+        <p:nvSpPr>
+          <p:cNvPr id="2" name="幻灯片图像占位符 1"/>
+          <p:cNvSpPr>
+            <a:spLocks noGrp="1" noRot="1" noChangeAspect="1"/>
+          </p:cNvSpPr>
+          <p:nvPr>
+            <p:ph type="sldImg"/>
+          </p:nvPr>
+        </p:nvSpPr>
+        <p:spPr/>
+      </p:sp>
+      <p:sp>
+        <p:nvSpPr>
+          <p:cNvPr id="3" name="备注占位符 2"/>
+          <p:cNvSpPr>
+            <a:spLocks noGrp="1"/>
+          </p:cNvSpPr>
+          <p:nvPr>
+            <p:ph type="body" idx="1"/>
+          </p:nvPr>
+        </p:nvSpPr>
+        <p:spPr/>
+        <p:txBody>
+          <a:bodyPr/>
+          <a:lstStyle/>
+          <a:p>
+            <a:endParaRPr kumimoji="1" lang="zh-CN" altLang="en-US" dirty="0"/>
+          </a:p>
+        </p:txBody>
+      </p:sp>
+      <p:sp>
+        <p:nvSpPr>
+          <p:cNvPr id="4" name="灯片编号占位符 3"/>
+          <p:cNvSpPr>
+            <a:spLocks noGrp="1"/>
+          </p:cNvSpPr>
+          <p:nvPr>
+            <p:ph type="sldNum" sz="quarter" idx="5"/>
+          </p:nvPr>
+        </p:nvSpPr>
+        <p:spPr/>
+        <p:txBody>
+          <a:bodyPr/>
+          <a:lstStyle/>
+          <a:p>
+            <a:fld id="{42A0AB4E-63C4-9548-A330-CCCE1C9D7716}" type="slidenum">
+              <a:rPr kumimoji="1" lang="zh-CN" altLang="en-US" smtClean="0"/>
+              <a:t>35</a:t>
+            </a:fld>
+            <a:endParaRPr kumimoji="1" lang="zh-CN" altLang="en-US"/>
+          </a:p>
+        </p:txBody>
+      </p:sp>
+    </p:spTree>
+    <p:extLst>
+      <p:ext uri="{BB962C8B-B14F-4D97-AF65-F5344CB8AC3E}">
+        <p14:creationId xmlns:p14="http://schemas.microsoft.com/office/powerpoint/2010/main" val="2092360395"/>
+      </p:ext>
+    </p:extLst>
+  </p:cSld>
+  <p:clrMapOvr>
+    <a:masterClrMapping/>
+  </p:clrMapOvr>
+</p:notes>
+</file>
+
+<file path=ppt/notesSlides/notesSlide35.xml><?xml version="1.0" encoding="utf-8"?>
+<p:notes xmlns:a="http://schemas.openxmlformats.org/drawingml/2006/main" xmlns:r="http://schemas.openxmlformats.org/officeDocument/2006/relationships" xmlns:p="http://schemas.openxmlformats.org/presentationml/2006/main">
+  <p:cSld>
+    <p:spTree>
+      <p:nvGrpSpPr>
+        <p:cNvPr id="1" name=""/>
+        <p:cNvGrpSpPr/>
+        <p:nvPr/>
+      </p:nvGrpSpPr>
+      <p:grpSpPr>
+        <a:xfrm>
+          <a:off x="0" y="0"/>
+          <a:ext cx="0" cy="0"/>
+          <a:chOff x="0" y="0"/>
+          <a:chExt cx="0" cy="0"/>
+        </a:xfrm>
+      </p:grpSpPr>
+      <p:sp>
+        <p:nvSpPr>
+          <p:cNvPr id="2" name="幻灯片图像占位符 1"/>
+          <p:cNvSpPr>
+            <a:spLocks noGrp="1" noRot="1" noChangeAspect="1"/>
+          </p:cNvSpPr>
+          <p:nvPr>
+            <p:ph type="sldImg"/>
+          </p:nvPr>
+        </p:nvSpPr>
+        <p:spPr/>
+      </p:sp>
+      <p:sp>
+        <p:nvSpPr>
+          <p:cNvPr id="3" name="备注占位符 2"/>
+          <p:cNvSpPr>
+            <a:spLocks noGrp="1"/>
+          </p:cNvSpPr>
+          <p:nvPr>
+            <p:ph type="body" idx="1"/>
+          </p:nvPr>
+        </p:nvSpPr>
+        <p:spPr/>
+        <p:txBody>
+          <a:bodyPr/>
+          <a:lstStyle/>
+          <a:p>
+            <a:endParaRPr kumimoji="1" lang="zh-CN" altLang="en-US" dirty="0"/>
+          </a:p>
+        </p:txBody>
+      </p:sp>
+      <p:sp>
+        <p:nvSpPr>
+          <p:cNvPr id="4" name="灯片编号占位符 3"/>
+          <p:cNvSpPr>
+            <a:spLocks noGrp="1"/>
+          </p:cNvSpPr>
+          <p:nvPr>
+            <p:ph type="sldNum" sz="quarter" idx="5"/>
+          </p:nvPr>
+        </p:nvSpPr>
+        <p:spPr/>
+        <p:txBody>
+          <a:bodyPr/>
+          <a:lstStyle/>
+          <a:p>
+            <a:fld id="{42A0AB4E-63C4-9548-A330-CCCE1C9D7716}" type="slidenum">
+              <a:rPr kumimoji="1" lang="zh-CN" altLang="en-US" smtClean="0"/>
+              <a:t>36</a:t>
+            </a:fld>
+            <a:endParaRPr kumimoji="1" lang="zh-CN" altLang="en-US"/>
+          </a:p>
+        </p:txBody>
+      </p:sp>
+    </p:spTree>
+    <p:extLst>
+      <p:ext uri="{BB962C8B-B14F-4D97-AF65-F5344CB8AC3E}">
+        <p14:creationId xmlns:p14="http://schemas.microsoft.com/office/powerpoint/2010/main" val="2066934552"/>
       </p:ext>
     </p:extLst>
   </p:cSld>
@@ -2660,7 +3595,7 @@
           <a:p>
             <a:fld id="{A480A4BC-35B1-438E-9152-446B9BB83C97}" type="datetimeFigureOut">
               <a:rPr lang="zh-CN" altLang="en-US" smtClean="0"/>
-              <a:t>2023/2/10</a:t>
+              <a:t>2023/2/15</a:t>
             </a:fld>
             <a:endParaRPr lang="zh-CN" altLang="en-US"/>
           </a:p>
@@ -2835,7 +3770,7 @@
           <a:p>
             <a:fld id="{A480A4BC-35B1-438E-9152-446B9BB83C97}" type="datetimeFigureOut">
               <a:rPr lang="zh-CN" altLang="en-US" smtClean="0"/>
-              <a:t>2023/2/10</a:t>
+              <a:t>2023/2/15</a:t>
             </a:fld>
             <a:endParaRPr lang="zh-CN" altLang="en-US"/>
           </a:p>
@@ -3020,7 +3955,7 @@
           <a:p>
             <a:fld id="{A480A4BC-35B1-438E-9152-446B9BB83C97}" type="datetimeFigureOut">
               <a:rPr lang="zh-CN" altLang="en-US" smtClean="0"/>
-              <a:t>2023/2/10</a:t>
+              <a:t>2023/2/15</a:t>
             </a:fld>
             <a:endParaRPr lang="zh-CN" altLang="en-US"/>
           </a:p>
@@ -3195,7 +4130,7 @@
           <a:p>
             <a:fld id="{A480A4BC-35B1-438E-9152-446B9BB83C97}" type="datetimeFigureOut">
               <a:rPr lang="zh-CN" altLang="en-US" smtClean="0"/>
-              <a:t>2023/2/10</a:t>
+              <a:t>2023/2/15</a:t>
             </a:fld>
             <a:endParaRPr lang="zh-CN" altLang="en-US"/>
           </a:p>
@@ -3447,7 +4382,7 @@
           <a:p>
             <a:fld id="{A480A4BC-35B1-438E-9152-446B9BB83C97}" type="datetimeFigureOut">
               <a:rPr lang="zh-CN" altLang="en-US" smtClean="0"/>
-              <a:t>2023/2/10</a:t>
+              <a:t>2023/2/15</a:t>
             </a:fld>
             <a:endParaRPr lang="zh-CN" altLang="en-US"/>
           </a:p>
@@ -3683,7 +4618,7 @@
           <a:p>
             <a:fld id="{A480A4BC-35B1-438E-9152-446B9BB83C97}" type="datetimeFigureOut">
               <a:rPr lang="zh-CN" altLang="en-US" smtClean="0"/>
-              <a:t>2023/2/10</a:t>
+              <a:t>2023/2/15</a:t>
             </a:fld>
             <a:endParaRPr lang="zh-CN" altLang="en-US"/>
           </a:p>
@@ -4054,7 +4989,7 @@
           <a:p>
             <a:fld id="{A480A4BC-35B1-438E-9152-446B9BB83C97}" type="datetimeFigureOut">
               <a:rPr lang="zh-CN" altLang="en-US" smtClean="0"/>
-              <a:t>2023/2/10</a:t>
+              <a:t>2023/2/15</a:t>
             </a:fld>
             <a:endParaRPr lang="zh-CN" altLang="en-US"/>
           </a:p>
@@ -4178,7 +5113,7 @@
           <a:p>
             <a:fld id="{A480A4BC-35B1-438E-9152-446B9BB83C97}" type="datetimeFigureOut">
               <a:rPr lang="zh-CN" altLang="en-US" smtClean="0"/>
-              <a:t>2023/2/10</a:t>
+              <a:t>2023/2/15</a:t>
             </a:fld>
             <a:endParaRPr lang="zh-CN" altLang="en-US"/>
           </a:p>
@@ -4280,7 +5215,7 @@
           <a:p>
             <a:fld id="{A480A4BC-35B1-438E-9152-446B9BB83C97}" type="datetimeFigureOut">
               <a:rPr lang="zh-CN" altLang="en-US" smtClean="0"/>
-              <a:t>2023/2/10</a:t>
+              <a:t>2023/2/15</a:t>
             </a:fld>
             <a:endParaRPr lang="zh-CN" altLang="en-US"/>
           </a:p>
@@ -4562,7 +5497,7 @@
           <a:p>
             <a:fld id="{A480A4BC-35B1-438E-9152-446B9BB83C97}" type="datetimeFigureOut">
               <a:rPr lang="zh-CN" altLang="en-US" smtClean="0"/>
-              <a:t>2023/2/10</a:t>
+              <a:t>2023/2/15</a:t>
             </a:fld>
             <a:endParaRPr lang="zh-CN" altLang="en-US"/>
           </a:p>
@@ -4821,7 +5756,7 @@
           <a:p>
             <a:fld id="{A480A4BC-35B1-438E-9152-446B9BB83C97}" type="datetimeFigureOut">
               <a:rPr lang="zh-CN" altLang="en-US" smtClean="0"/>
-              <a:t>2023/2/10</a:t>
+              <a:t>2023/2/15</a:t>
             </a:fld>
             <a:endParaRPr lang="zh-CN" altLang="en-US"/>
           </a:p>
@@ -5041,7 +5976,7 @@
           <a:p>
             <a:fld id="{A480A4BC-35B1-438E-9152-446B9BB83C97}" type="datetimeFigureOut">
               <a:rPr lang="zh-CN" altLang="en-US" smtClean="0"/>
-              <a:t>2023/2/10</a:t>
+              <a:t>2023/2/15</a:t>
             </a:fld>
             <a:endParaRPr lang="zh-CN" altLang="en-US" dirty="0"/>
           </a:p>
@@ -5750,15 +6685,7 @@
                 <a:ea typeface="OPPOSans B" panose="00020600040101010101" pitchFamily="18" charset="-122"/>
                 <a:cs typeface="OPPOSans B" panose="00020600040101010101" pitchFamily="18" charset="-122"/>
               </a:rPr>
-              <a:t>技术</a:t>
-            </a:r>
-            <a:r>
-              <a:rPr kumimoji="1" lang="zh-CN" altLang="en-US" sz="6000" dirty="0" smtClean="0">
-                <a:latin typeface="OPPOSans B" panose="00020600040101010101" pitchFamily="18" charset="-122"/>
-                <a:ea typeface="OPPOSans B" panose="00020600040101010101" pitchFamily="18" charset="-122"/>
-                <a:cs typeface="OPPOSans B" panose="00020600040101010101" pitchFamily="18" charset="-122"/>
-              </a:rPr>
-              <a:t>分享</a:t>
+              <a:t>技术分享</a:t>
             </a:r>
             <a:endParaRPr kumimoji="1" lang="zh-CN" altLang="en-US" sz="6000" dirty="0">
               <a:latin typeface="OPPOSans B" panose="00020600040101010101" pitchFamily="18" charset="-122"/>
@@ -11282,9 +12209,9 @@
         <p:grpSpPr>
           <a:xfrm>
             <a:off x="2457002" y="1695754"/>
-            <a:ext cx="2462534" cy="582632"/>
+            <a:ext cx="2494876" cy="577334"/>
             <a:chOff x="2029462" y="2409554"/>
-            <a:chExt cx="2462534" cy="582632"/>
+            <a:chExt cx="2494876" cy="577334"/>
           </a:xfrm>
         </p:grpSpPr>
         <p:sp>
@@ -11295,7 +12222,7 @@
           </p:nvSpPr>
           <p:spPr>
             <a:xfrm>
-              <a:off x="2029462" y="2468966"/>
+              <a:off x="2061804" y="2436611"/>
               <a:ext cx="2462534" cy="523220"/>
             </a:xfrm>
             <a:prstGeom prst="rect">
@@ -11377,7 +12304,7 @@
         </p:nvGrpSpPr>
         <p:grpSpPr>
           <a:xfrm>
-            <a:off x="1627508" y="2609418"/>
+            <a:off x="5724656" y="1630478"/>
             <a:ext cx="2948845" cy="707886"/>
             <a:chOff x="1184078" y="2313500"/>
             <a:chExt cx="2948845" cy="707886"/>
@@ -11406,12 +12333,12 @@
             <a:lstStyle/>
             <a:p>
               <a:r>
-                <a:rPr lang="en-US" altLang="zh-CN" sz="4000" dirty="0">
+                <a:rPr lang="en-US" altLang="zh-CN" sz="4000" dirty="0" smtClean="0">
                   <a:latin typeface="OPPOSans R" panose="00020600040101010101" pitchFamily="18" charset="-122"/>
                   <a:ea typeface="OPPOSans R" panose="00020600040101010101" pitchFamily="18" charset="-122"/>
                   <a:cs typeface="OPPOSans R" panose="00020600040101010101" pitchFamily="18" charset="-122"/>
                 </a:rPr>
-                <a:t>02</a:t>
+                <a:t>04</a:t>
               </a:r>
               <a:endParaRPr lang="zh-CN" altLang="en-US" sz="4000" dirty="0">
                 <a:latin typeface="OPPOSans R" panose="00020600040101010101" pitchFamily="18" charset="-122"/>
@@ -11457,7 +12384,7 @@
                   <a:ea typeface="OPPOSans R" panose="00020600040101010101" pitchFamily="18" charset="-122"/>
                   <a:cs typeface="OPPOSans R" panose="00020600040101010101" pitchFamily="18" charset="-122"/>
                 </a:rPr>
-                <a:t>常用命令</a:t>
+                <a:t>分支管理</a:t>
               </a:r>
               <a:endParaRPr lang="zh-CN" altLang="en-US" sz="2000" dirty="0">
                 <a:latin typeface="OPPOSans R" panose="00020600040101010101" pitchFamily="18" charset="-122"/>
@@ -11511,7 +12438,7 @@
         </p:nvGrpSpPr>
         <p:grpSpPr>
           <a:xfrm>
-            <a:off x="1627508" y="3611865"/>
+            <a:off x="1627508" y="2659937"/>
             <a:ext cx="2948845" cy="712553"/>
             <a:chOff x="1184078" y="2313500"/>
             <a:chExt cx="2948845" cy="712553"/>
@@ -11540,12 +12467,12 @@
             <a:lstStyle/>
             <a:p>
               <a:r>
-                <a:rPr lang="en-US" altLang="zh-CN" sz="4000" dirty="0">
+                <a:rPr lang="en-US" altLang="zh-CN" sz="4000" dirty="0" smtClean="0">
                   <a:latin typeface="OPPOSans R" panose="00020600040101010101" pitchFamily="18" charset="-122"/>
                   <a:ea typeface="OPPOSans R" panose="00020600040101010101" pitchFamily="18" charset="-122"/>
                   <a:cs typeface="OPPOSans R" panose="00020600040101010101" pitchFamily="18" charset="-122"/>
                 </a:rPr>
-                <a:t>03</a:t>
+                <a:t>02</a:t>
               </a:r>
               <a:endParaRPr lang="zh-CN" altLang="en-US" sz="4000" dirty="0">
                 <a:latin typeface="OPPOSans R" panose="00020600040101010101" pitchFamily="18" charset="-122"/>
@@ -11586,12 +12513,20 @@
                 <a:t>Git</a:t>
               </a:r>
               <a:r>
+                <a:rPr lang="zh-CN" altLang="en-US" sz="2800" dirty="0">
+                  <a:latin typeface="OPPOSans R" panose="00020600040101010101" pitchFamily="18" charset="-122"/>
+                  <a:ea typeface="OPPOSans R" panose="00020600040101010101" pitchFamily="18" charset="-122"/>
+                  <a:cs typeface="OPPOSans R" panose="00020600040101010101" pitchFamily="18" charset="-122"/>
+                </a:rPr>
+                <a:t>常用</a:t>
+              </a:r>
+              <a:r>
                 <a:rPr lang="zh-CN" altLang="en-US" sz="2800" dirty="0" smtClean="0">
                   <a:latin typeface="OPPOSans R" panose="00020600040101010101" pitchFamily="18" charset="-122"/>
                   <a:ea typeface="OPPOSans R" panose="00020600040101010101" pitchFamily="18" charset="-122"/>
                   <a:cs typeface="OPPOSans R" panose="00020600040101010101" pitchFamily="18" charset="-122"/>
                 </a:rPr>
-                <a:t>远程仓库</a:t>
+                <a:t>命令</a:t>
               </a:r>
               <a:endParaRPr lang="zh-CN" altLang="en-US" sz="2000" dirty="0">
                 <a:latin typeface="OPPOSans R" panose="00020600040101010101" pitchFamily="18" charset="-122"/>
@@ -11645,7 +12580,7 @@
         </p:nvGrpSpPr>
         <p:grpSpPr>
           <a:xfrm>
-            <a:off x="1627508" y="4607041"/>
+            <a:off x="5724656" y="2805196"/>
             <a:ext cx="2948845" cy="735131"/>
             <a:chOff x="1184078" y="2313500"/>
             <a:chExt cx="2948845" cy="735131"/>
@@ -11674,12 +12609,12 @@
             <a:lstStyle/>
             <a:p>
               <a:r>
-                <a:rPr lang="en-US" altLang="zh-CN" sz="4000" dirty="0">
+                <a:rPr lang="en-US" altLang="zh-CN" sz="4000" dirty="0" smtClean="0">
                   <a:latin typeface="OPPOSans R" panose="00020600040101010101" pitchFamily="18" charset="-122"/>
                   <a:ea typeface="OPPOSans R" panose="00020600040101010101" pitchFamily="18" charset="-122"/>
                   <a:cs typeface="OPPOSans R" panose="00020600040101010101" pitchFamily="18" charset="-122"/>
                 </a:rPr>
-                <a:t>04</a:t>
+                <a:t>05</a:t>
               </a:r>
               <a:endParaRPr lang="zh-CN" altLang="en-US" sz="4000" dirty="0">
                 <a:latin typeface="OPPOSans R" panose="00020600040101010101" pitchFamily="18" charset="-122"/>
@@ -11911,6 +12846,140 @@
           </a:p>
         </p:txBody>
       </p:sp>
+      <p:grpSp>
+        <p:nvGrpSpPr>
+          <p:cNvPr id="27" name="组合 26"/>
+          <p:cNvGrpSpPr/>
+          <p:nvPr/>
+        </p:nvGrpSpPr>
+        <p:grpSpPr>
+          <a:xfrm>
+            <a:off x="1627508" y="3798716"/>
+            <a:ext cx="2948845" cy="735131"/>
+            <a:chOff x="1184078" y="2313500"/>
+            <a:chExt cx="2948845" cy="735131"/>
+          </a:xfrm>
+        </p:grpSpPr>
+        <p:sp>
+          <p:nvSpPr>
+            <p:cNvPr id="28" name="文本框 27"/>
+            <p:cNvSpPr txBox="1"/>
+            <p:nvPr/>
+          </p:nvSpPr>
+          <p:spPr>
+            <a:xfrm>
+              <a:off x="1184078" y="2313500"/>
+              <a:ext cx="813043" cy="707886"/>
+            </a:xfrm>
+            <a:prstGeom prst="rect">
+              <a:avLst/>
+            </a:prstGeom>
+            <a:noFill/>
+          </p:spPr>
+          <p:txBody>
+            <a:bodyPr wrap="none" rtlCol="0">
+              <a:spAutoFit/>
+            </a:bodyPr>
+            <a:lstStyle/>
+            <a:p>
+              <a:r>
+                <a:rPr lang="en-US" altLang="zh-CN" sz="4000" dirty="0" smtClean="0">
+                  <a:latin typeface="OPPOSans R" panose="00020600040101010101" pitchFamily="18" charset="-122"/>
+                  <a:ea typeface="OPPOSans R" panose="00020600040101010101" pitchFamily="18" charset="-122"/>
+                  <a:cs typeface="OPPOSans R" panose="00020600040101010101" pitchFamily="18" charset="-122"/>
+                </a:rPr>
+                <a:t>03</a:t>
+              </a:r>
+              <a:endParaRPr lang="zh-CN" altLang="en-US" sz="4000" dirty="0">
+                <a:latin typeface="OPPOSans R" panose="00020600040101010101" pitchFamily="18" charset="-122"/>
+                <a:ea typeface="OPPOSans R" panose="00020600040101010101" pitchFamily="18" charset="-122"/>
+                <a:cs typeface="OPPOSans R" panose="00020600040101010101" pitchFamily="18" charset="-122"/>
+              </a:endParaRPr>
+            </a:p>
+          </p:txBody>
+        </p:sp>
+        <p:sp>
+          <p:nvSpPr>
+            <p:cNvPr id="29" name="文本框 28"/>
+            <p:cNvSpPr txBox="1"/>
+            <p:nvPr/>
+          </p:nvSpPr>
+          <p:spPr>
+            <a:xfrm>
+              <a:off x="2029462" y="2525411"/>
+              <a:ext cx="2103461" cy="523220"/>
+            </a:xfrm>
+            <a:prstGeom prst="rect">
+              <a:avLst/>
+            </a:prstGeom>
+            <a:noFill/>
+          </p:spPr>
+          <p:txBody>
+            <a:bodyPr wrap="none" rtlCol="0">
+              <a:spAutoFit/>
+            </a:bodyPr>
+            <a:lstStyle/>
+            <a:p>
+              <a:r>
+                <a:rPr lang="en-US" altLang="zh-CN" sz="2800" dirty="0" err="1" smtClean="0">
+                  <a:latin typeface="OPPOSans R" panose="00020600040101010101" pitchFamily="18" charset="-122"/>
+                  <a:ea typeface="OPPOSans R" panose="00020600040101010101" pitchFamily="18" charset="-122"/>
+                  <a:cs typeface="OPPOSans R" panose="00020600040101010101" pitchFamily="18" charset="-122"/>
+                </a:rPr>
+                <a:t>Git</a:t>
+              </a:r>
+              <a:r>
+                <a:rPr lang="zh-CN" altLang="en-US" sz="2800" dirty="0" smtClean="0">
+                  <a:latin typeface="OPPOSans R" panose="00020600040101010101" pitchFamily="18" charset="-122"/>
+                  <a:ea typeface="OPPOSans R" panose="00020600040101010101" pitchFamily="18" charset="-122"/>
+                  <a:cs typeface="OPPOSans R" panose="00020600040101010101" pitchFamily="18" charset="-122"/>
+                </a:rPr>
+                <a:t>远程仓库</a:t>
+              </a:r>
+              <a:endParaRPr lang="en-US" altLang="zh-CN" sz="2800" dirty="0" smtClean="0">
+                <a:latin typeface="OPPOSans R" panose="00020600040101010101" pitchFamily="18" charset="-122"/>
+                <a:ea typeface="OPPOSans R" panose="00020600040101010101" pitchFamily="18" charset="-122"/>
+                <a:cs typeface="OPPOSans R" panose="00020600040101010101" pitchFamily="18" charset="-122"/>
+              </a:endParaRPr>
+            </a:p>
+          </p:txBody>
+        </p:sp>
+        <p:cxnSp>
+          <p:nvCxnSpPr>
+            <p:cNvPr id="30" name="直接连接符 33"/>
+            <p:cNvCxnSpPr/>
+            <p:nvPr/>
+          </p:nvCxnSpPr>
+          <p:spPr>
+            <a:xfrm>
+              <a:off x="2029462" y="2409554"/>
+              <a:ext cx="0" cy="577334"/>
+            </a:xfrm>
+            <a:prstGeom prst="line">
+              <a:avLst/>
+            </a:prstGeom>
+            <a:ln w="63500">
+              <a:solidFill>
+                <a:srgbClr val="9A0001"/>
+              </a:solidFill>
+            </a:ln>
+          </p:spPr>
+          <p:style>
+            <a:lnRef idx="1">
+              <a:schemeClr val="accent1"/>
+            </a:lnRef>
+            <a:fillRef idx="0">
+              <a:schemeClr val="accent1"/>
+            </a:fillRef>
+            <a:effectRef idx="0">
+              <a:schemeClr val="accent1"/>
+            </a:effectRef>
+            <a:fontRef idx="minor">
+              <a:schemeClr val="tx1"/>
+            </a:fontRef>
+          </p:style>
+        </p:cxnSp>
+      </p:grpSp>
     </p:spTree>
   </p:cSld>
   <p:clrMapOvr>
@@ -13621,8 +14690,8 @@
         </p:nvSpPr>
         <p:spPr>
           <a:xfrm>
-            <a:off x="959552" y="1500598"/>
-            <a:ext cx="9753600" cy="540341"/>
+            <a:off x="959551" y="1378618"/>
+            <a:ext cx="9753600" cy="1338828"/>
           </a:xfrm>
           <a:prstGeom prst="rect">
             <a:avLst/>
@@ -13641,27 +14710,101 @@
               </a:lnSpc>
             </a:pPr>
             <a:r>
-              <a:rPr lang="zh-CN" altLang="en-US" sz="2200" dirty="0" smtClean="0">
-                <a:latin typeface="微软雅黑" panose="020B0503020204020204" pitchFamily="34" charset="-122"/>
-                <a:ea typeface="微软雅黑" panose="020B0503020204020204" pitchFamily="34" charset="-122"/>
-              </a:rPr>
-              <a:t>常见的</a:t>
-            </a:r>
-            <a:r>
-              <a:rPr lang="en-US" altLang="zh-CN" sz="2200" dirty="0" err="1" smtClean="0">
-                <a:latin typeface="微软雅黑" panose="020B0503020204020204" pitchFamily="34" charset="-122"/>
-                <a:ea typeface="微软雅黑" panose="020B0503020204020204" pitchFamily="34" charset="-122"/>
-              </a:rPr>
-              <a:t>Git</a:t>
-            </a:r>
-            <a:r>
-              <a:rPr lang="zh-CN" altLang="en-US" sz="2200" dirty="0" smtClean="0">
-                <a:latin typeface="微软雅黑" panose="020B0503020204020204" pitchFamily="34" charset="-122"/>
-                <a:ea typeface="微软雅黑" panose="020B0503020204020204" pitchFamily="34" charset="-122"/>
-              </a:rPr>
-              <a:t>图形操作软件</a:t>
-            </a:r>
-            <a:endParaRPr lang="en-US" altLang="zh-CN" sz="2200" dirty="0" smtClean="0">
+              <a:rPr lang="zh-CN" altLang="en-US" dirty="0" smtClean="0">
+                <a:latin typeface="微软雅黑" panose="020B0503020204020204" pitchFamily="34" charset="-122"/>
+                <a:ea typeface="微软雅黑" panose="020B0503020204020204" pitchFamily="34" charset="-122"/>
+              </a:rPr>
+              <a:t>在电脑上创建自己的</a:t>
+            </a:r>
+            <a:r>
+              <a:rPr lang="en-US" altLang="zh-CN" dirty="0" smtClean="0">
+                <a:latin typeface="微软雅黑" panose="020B0503020204020204" pitchFamily="34" charset="-122"/>
+                <a:ea typeface="微软雅黑" panose="020B0503020204020204" pitchFamily="34" charset="-122"/>
+              </a:rPr>
+              <a:t>SSH</a:t>
+            </a:r>
+            <a:r>
+              <a:rPr lang="zh-CN" altLang="en-US" dirty="0" smtClean="0">
+                <a:latin typeface="微软雅黑" panose="020B0503020204020204" pitchFamily="34" charset="-122"/>
+                <a:ea typeface="微软雅黑" panose="020B0503020204020204" pitchFamily="34" charset="-122"/>
+              </a:rPr>
+              <a:t>密钥，然后再推送到远程仓库。目前最新采用</a:t>
+            </a:r>
+            <a:r>
+              <a:rPr lang="en-US" altLang="zh-CN" dirty="0" smtClean="0">
+                <a:latin typeface="微软雅黑" panose="020B0503020204020204" pitchFamily="34" charset="-122"/>
+                <a:ea typeface="微软雅黑" panose="020B0503020204020204" pitchFamily="34" charset="-122"/>
+              </a:rPr>
+              <a:t>Ed25519</a:t>
+            </a:r>
+            <a:r>
+              <a:rPr lang="zh-CN" altLang="en-US" dirty="0" smtClean="0">
+                <a:latin typeface="微软雅黑" panose="020B0503020204020204" pitchFamily="34" charset="-122"/>
+                <a:ea typeface="微软雅黑" panose="020B0503020204020204" pitchFamily="34" charset="-122"/>
+              </a:rPr>
+              <a:t>加密，</a:t>
+            </a:r>
+            <a:r>
+              <a:rPr lang="en-US" altLang="zh-CN" dirty="0">
+                <a:latin typeface="微软雅黑" panose="020B0503020204020204" pitchFamily="34" charset="-122"/>
+                <a:ea typeface="微软雅黑" panose="020B0503020204020204" pitchFamily="34" charset="-122"/>
+              </a:rPr>
+              <a:t>Ed25519 </a:t>
+            </a:r>
+            <a:r>
+              <a:rPr lang="zh-CN" altLang="en-US" dirty="0">
+                <a:latin typeface="微软雅黑" panose="020B0503020204020204" pitchFamily="34" charset="-122"/>
+                <a:ea typeface="微软雅黑" panose="020B0503020204020204" pitchFamily="34" charset="-122"/>
+              </a:rPr>
+              <a:t>的安全性在 </a:t>
+            </a:r>
+            <a:r>
+              <a:rPr lang="en-US" altLang="zh-CN" dirty="0">
+                <a:latin typeface="微软雅黑" panose="020B0503020204020204" pitchFamily="34" charset="-122"/>
+                <a:ea typeface="微软雅黑" panose="020B0503020204020204" pitchFamily="34" charset="-122"/>
+              </a:rPr>
+              <a:t>RSA 2048 </a:t>
+            </a:r>
+            <a:r>
+              <a:rPr lang="zh-CN" altLang="en-US" dirty="0">
+                <a:latin typeface="微软雅黑" panose="020B0503020204020204" pitchFamily="34" charset="-122"/>
+                <a:ea typeface="微软雅黑" panose="020B0503020204020204" pitchFamily="34" charset="-122"/>
+              </a:rPr>
+              <a:t>与 </a:t>
+            </a:r>
+            <a:r>
+              <a:rPr lang="en-US" altLang="zh-CN" dirty="0">
+                <a:latin typeface="微软雅黑" panose="020B0503020204020204" pitchFamily="34" charset="-122"/>
+                <a:ea typeface="微软雅黑" panose="020B0503020204020204" pitchFamily="34" charset="-122"/>
+              </a:rPr>
+              <a:t>RSA 4096 </a:t>
+            </a:r>
+            <a:r>
+              <a:rPr lang="zh-CN" altLang="en-US" dirty="0">
+                <a:latin typeface="微软雅黑" panose="020B0503020204020204" pitchFamily="34" charset="-122"/>
+                <a:ea typeface="微软雅黑" panose="020B0503020204020204" pitchFamily="34" charset="-122"/>
+              </a:rPr>
+              <a:t>之间，且性能在数十倍以上。</a:t>
+            </a:r>
+            <a:endParaRPr lang="en-US" altLang="zh-CN" dirty="0" smtClean="0">
+              <a:latin typeface="微软雅黑" panose="020B0503020204020204" pitchFamily="34" charset="-122"/>
+              <a:ea typeface="微软雅黑" panose="020B0503020204020204" pitchFamily="34" charset="-122"/>
+            </a:endParaRPr>
+          </a:p>
+          <a:p>
+            <a:pPr>
+              <a:lnSpc>
+                <a:spcPct val="150000"/>
+              </a:lnSpc>
+            </a:pPr>
+            <a:r>
+              <a:rPr lang="de-DE" altLang="zh-CN" dirty="0">
+                <a:latin typeface="微软雅黑" panose="020B0503020204020204" pitchFamily="34" charset="-122"/>
+                <a:ea typeface="微软雅黑" panose="020B0503020204020204" pitchFamily="34" charset="-122"/>
+              </a:rPr>
+              <a:t>ssh-keygen -t ed25519 -C "wudaoxi1100@163.com"</a:t>
+            </a:r>
+            <a:endParaRPr lang="en-US" altLang="zh-CN" dirty="0" smtClean="0">
               <a:latin typeface="微软雅黑" panose="020B0503020204020204" pitchFamily="34" charset="-122"/>
               <a:ea typeface="微软雅黑" panose="020B0503020204020204" pitchFamily="34" charset="-122"/>
             </a:endParaRPr>
@@ -13691,6 +14834,20 @@
           <a:lstStyle/>
           <a:p>
             <a:r>
+              <a:rPr lang="en-US" altLang="zh-CN" dirty="0" smtClean="0">
+                <a:solidFill>
+                  <a:schemeClr val="tx1">
+                    <a:lumMod val="50000"/>
+                    <a:lumOff val="50000"/>
+                  </a:schemeClr>
+                </a:solidFill>
+                <a:latin typeface="OPPOSans R" panose="00020600040101010101" pitchFamily="18" charset="-122"/>
+                <a:ea typeface="OPPOSans R" panose="00020600040101010101" pitchFamily="18" charset="-122"/>
+                <a:cs typeface="OPPOSans R" panose="00020600040101010101" pitchFamily="18" charset="-122"/>
+              </a:rPr>
+              <a:t>SSH</a:t>
+            </a:r>
+            <a:r>
               <a:rPr lang="zh-CN" altLang="en-US" dirty="0" smtClean="0">
                 <a:solidFill>
                   <a:schemeClr val="tx1">
@@ -13702,7 +14859,7 @@
                 <a:ea typeface="OPPOSans R" panose="00020600040101010101" pitchFamily="18" charset="-122"/>
                 <a:cs typeface="OPPOSans R" panose="00020600040101010101" pitchFamily="18" charset="-122"/>
               </a:rPr>
-              <a:t>图形化操作界面</a:t>
+              <a:t>密钥配置</a:t>
             </a:r>
             <a:endParaRPr lang="zh-CN" altLang="en-US" dirty="0">
               <a:solidFill>
@@ -13718,6 +14875,30 @@
           </a:p>
         </p:txBody>
       </p:sp>
+      <p:pic>
+        <p:nvPicPr>
+          <p:cNvPr id="2" name="图片 1"/>
+          <p:cNvPicPr>
+            <a:picLocks noChangeAspect="1"/>
+          </p:cNvPicPr>
+          <p:nvPr/>
+        </p:nvPicPr>
+        <p:blipFill>
+          <a:blip r:embed="rId4"/>
+          <a:stretch>
+            <a:fillRect/>
+          </a:stretch>
+        </p:blipFill>
+        <p:spPr>
+          <a:xfrm>
+            <a:off x="2148339" y="3022338"/>
+            <a:ext cx="5838825" cy="3314700"/>
+          </a:xfrm>
+          <a:prstGeom prst="rect">
+            <a:avLst/>
+          </a:prstGeom>
+        </p:spPr>
+      </p:pic>
     </p:spTree>
     <p:extLst>
       <p:ext uri="{BB962C8B-B14F-4D97-AF65-F5344CB8AC3E}">
@@ -13769,6 +14950,1732 @@
       </p:grpSpPr>
       <p:sp>
         <p:nvSpPr>
+          <p:cNvPr id="32" name="文本框 31"/>
+          <p:cNvSpPr txBox="1"/>
+          <p:nvPr/>
+        </p:nvSpPr>
+        <p:spPr>
+          <a:xfrm>
+            <a:off x="959552" y="340946"/>
+            <a:ext cx="2377574" cy="584775"/>
+          </a:xfrm>
+          <a:prstGeom prst="rect">
+            <a:avLst/>
+          </a:prstGeom>
+          <a:noFill/>
+        </p:spPr>
+        <p:txBody>
+          <a:bodyPr wrap="none" rtlCol="0">
+            <a:spAutoFit/>
+          </a:bodyPr>
+          <a:lstStyle/>
+          <a:p>
+            <a:r>
+              <a:rPr lang="en-US" altLang="zh-CN" sz="3200" dirty="0" err="1" smtClean="0">
+                <a:latin typeface="OPPOSans R" panose="00020600040101010101" pitchFamily="18" charset="-122"/>
+                <a:ea typeface="OPPOSans R" panose="00020600040101010101" pitchFamily="18" charset="-122"/>
+                <a:cs typeface="OPPOSans R" panose="00020600040101010101" pitchFamily="18" charset="-122"/>
+              </a:rPr>
+              <a:t>Git</a:t>
+            </a:r>
+            <a:r>
+              <a:rPr lang="zh-CN" altLang="en-US" sz="3200" dirty="0" smtClean="0">
+                <a:latin typeface="OPPOSans R" panose="00020600040101010101" pitchFamily="18" charset="-122"/>
+                <a:ea typeface="OPPOSans R" panose="00020600040101010101" pitchFamily="18" charset="-122"/>
+                <a:cs typeface="OPPOSans R" panose="00020600040101010101" pitchFamily="18" charset="-122"/>
+              </a:rPr>
+              <a:t>远程仓库</a:t>
+            </a:r>
+            <a:endParaRPr lang="zh-CN" altLang="en-US" sz="3200" dirty="0">
+              <a:latin typeface="OPPOSans R" panose="00020600040101010101" pitchFamily="18" charset="-122"/>
+              <a:ea typeface="OPPOSans R" panose="00020600040101010101" pitchFamily="18" charset="-122"/>
+              <a:cs typeface="OPPOSans R" panose="00020600040101010101" pitchFamily="18" charset="-122"/>
+            </a:endParaRPr>
+          </a:p>
+        </p:txBody>
+      </p:sp>
+      <p:sp>
+        <p:nvSpPr>
+          <p:cNvPr id="39" name="矩形 38"/>
+          <p:cNvSpPr/>
+          <p:nvPr/>
+        </p:nvSpPr>
+        <p:spPr>
+          <a:xfrm>
+            <a:off x="0" y="462703"/>
+            <a:ext cx="794456" cy="738664"/>
+          </a:xfrm>
+          <a:prstGeom prst="rect">
+            <a:avLst/>
+          </a:prstGeom>
+          <a:solidFill>
+            <a:srgbClr val="9A0001"/>
+          </a:solidFill>
+          <a:ln>
+            <a:noFill/>
+          </a:ln>
+        </p:spPr>
+        <p:style>
+          <a:lnRef idx="2">
+            <a:schemeClr val="accent1">
+              <a:shade val="50000"/>
+            </a:schemeClr>
+          </a:lnRef>
+          <a:fillRef idx="1">
+            <a:schemeClr val="accent1"/>
+          </a:fillRef>
+          <a:effectRef idx="0">
+            <a:schemeClr val="accent1"/>
+          </a:effectRef>
+          <a:fontRef idx="minor">
+            <a:schemeClr val="lt1"/>
+          </a:fontRef>
+        </p:style>
+        <p:txBody>
+          <a:bodyPr rtlCol="0" anchor="ctr"/>
+          <a:lstStyle/>
+          <a:p>
+            <a:pPr algn="ctr"/>
+            <a:endParaRPr kumimoji="1" lang="zh-CN" altLang="en-US" sz="1600" dirty="0">
+              <a:latin typeface="OPPOSans R" panose="00020600040101010101" pitchFamily="18" charset="-122"/>
+              <a:ea typeface="OPPOSans R" panose="00020600040101010101" pitchFamily="18" charset="-122"/>
+            </a:endParaRPr>
+          </a:p>
+        </p:txBody>
+      </p:sp>
+      <p:sp>
+        <p:nvSpPr>
+          <p:cNvPr id="34" name="矩形 33"/>
+          <p:cNvSpPr/>
+          <p:nvPr/>
+        </p:nvSpPr>
+        <p:spPr>
+          <a:xfrm flipV="1">
+            <a:off x="7529454" y="6772905"/>
+            <a:ext cx="4682001" cy="128741"/>
+          </a:xfrm>
+          <a:prstGeom prst="rect">
+            <a:avLst/>
+          </a:prstGeom>
+          <a:solidFill>
+            <a:srgbClr val="9A0001"/>
+          </a:solidFill>
+          <a:ln>
+            <a:noFill/>
+          </a:ln>
+        </p:spPr>
+        <p:style>
+          <a:lnRef idx="2">
+            <a:schemeClr val="accent1">
+              <a:shade val="50000"/>
+            </a:schemeClr>
+          </a:lnRef>
+          <a:fillRef idx="1">
+            <a:schemeClr val="accent1"/>
+          </a:fillRef>
+          <a:effectRef idx="0">
+            <a:schemeClr val="accent1"/>
+          </a:effectRef>
+          <a:fontRef idx="minor">
+            <a:schemeClr val="lt1"/>
+          </a:fontRef>
+        </p:style>
+        <p:txBody>
+          <a:bodyPr rtlCol="0" anchor="ctr"/>
+          <a:lstStyle/>
+          <a:p>
+            <a:pPr algn="ctr"/>
+            <a:endParaRPr kumimoji="1" lang="zh-CN" altLang="en-US" sz="1600" dirty="0">
+              <a:latin typeface="OPPOSans R" panose="00020600040101010101" pitchFamily="18" charset="-122"/>
+              <a:ea typeface="OPPOSans R" panose="00020600040101010101" pitchFamily="18" charset="-122"/>
+            </a:endParaRPr>
+          </a:p>
+        </p:txBody>
+      </p:sp>
+      <p:pic>
+        <p:nvPicPr>
+          <p:cNvPr id="40" name="图片 39" descr="微信图片_20210609194104"/>
+          <p:cNvPicPr>
+            <a:picLocks noChangeAspect="1"/>
+          </p:cNvPicPr>
+          <p:nvPr/>
+        </p:nvPicPr>
+        <p:blipFill>
+          <a:blip r:embed="rId3"/>
+          <a:stretch>
+            <a:fillRect/>
+          </a:stretch>
+        </p:blipFill>
+        <p:spPr>
+          <a:xfrm>
+            <a:off x="8303298" y="453877"/>
+            <a:ext cx="3533140" cy="533400"/>
+          </a:xfrm>
+          <a:prstGeom prst="rect">
+            <a:avLst/>
+          </a:prstGeom>
+        </p:spPr>
+      </p:pic>
+      <p:sp>
+        <p:nvSpPr>
+          <p:cNvPr id="8" name="文本框 7"/>
+          <p:cNvSpPr txBox="1"/>
+          <p:nvPr/>
+        </p:nvSpPr>
+        <p:spPr>
+          <a:xfrm>
+            <a:off x="959551" y="1378618"/>
+            <a:ext cx="9753600" cy="458908"/>
+          </a:xfrm>
+          <a:prstGeom prst="rect">
+            <a:avLst/>
+          </a:prstGeom>
+          <a:noFill/>
+        </p:spPr>
+        <p:txBody>
+          <a:bodyPr wrap="square" rtlCol="0">
+            <a:spAutoFit/>
+          </a:bodyPr>
+          <a:lstStyle/>
+          <a:p>
+            <a:pPr>
+              <a:lnSpc>
+                <a:spcPct val="150000"/>
+              </a:lnSpc>
+            </a:pPr>
+            <a:r>
+              <a:rPr lang="zh-CN" altLang="en-US" dirty="0" smtClean="0">
+                <a:latin typeface="微软雅黑" panose="020B0503020204020204" pitchFamily="34" charset="-122"/>
+                <a:ea typeface="微软雅黑" panose="020B0503020204020204" pitchFamily="34" charset="-122"/>
+              </a:rPr>
+              <a:t>上传公钥到远程仓库，以</a:t>
+            </a:r>
+            <a:r>
+              <a:rPr lang="en-US" altLang="zh-CN" dirty="0" err="1" smtClean="0">
+                <a:latin typeface="微软雅黑" panose="020B0503020204020204" pitchFamily="34" charset="-122"/>
+                <a:ea typeface="微软雅黑" panose="020B0503020204020204" pitchFamily="34" charset="-122"/>
+              </a:rPr>
+              <a:t>github</a:t>
+            </a:r>
+            <a:r>
+              <a:rPr lang="zh-CN" altLang="en-US" dirty="0" smtClean="0">
+                <a:latin typeface="微软雅黑" panose="020B0503020204020204" pitchFamily="34" charset="-122"/>
+                <a:ea typeface="微软雅黑" panose="020B0503020204020204" pitchFamily="34" charset="-122"/>
+              </a:rPr>
+              <a:t>为例</a:t>
+            </a:r>
+            <a:endParaRPr lang="en-US" altLang="zh-CN" dirty="0" smtClean="0">
+              <a:latin typeface="微软雅黑" panose="020B0503020204020204" pitchFamily="34" charset="-122"/>
+              <a:ea typeface="微软雅黑" panose="020B0503020204020204" pitchFamily="34" charset="-122"/>
+            </a:endParaRPr>
+          </a:p>
+        </p:txBody>
+      </p:sp>
+      <p:sp>
+        <p:nvSpPr>
+          <p:cNvPr id="9" name="文本框 8"/>
+          <p:cNvSpPr txBox="1"/>
+          <p:nvPr/>
+        </p:nvSpPr>
+        <p:spPr>
+          <a:xfrm>
+            <a:off x="959551" y="904570"/>
+            <a:ext cx="5105087" cy="369332"/>
+          </a:xfrm>
+          <a:prstGeom prst="rect">
+            <a:avLst/>
+          </a:prstGeom>
+          <a:noFill/>
+        </p:spPr>
+        <p:txBody>
+          <a:bodyPr wrap="square">
+            <a:spAutoFit/>
+          </a:bodyPr>
+          <a:lstStyle/>
+          <a:p>
+            <a:r>
+              <a:rPr lang="en-US" altLang="zh-CN" dirty="0" smtClean="0">
+                <a:solidFill>
+                  <a:schemeClr val="tx1">
+                    <a:lumMod val="50000"/>
+                    <a:lumOff val="50000"/>
+                  </a:schemeClr>
+                </a:solidFill>
+                <a:latin typeface="OPPOSans R" panose="00020600040101010101" pitchFamily="18" charset="-122"/>
+                <a:ea typeface="OPPOSans R" panose="00020600040101010101" pitchFamily="18" charset="-122"/>
+                <a:cs typeface="OPPOSans R" panose="00020600040101010101" pitchFamily="18" charset="-122"/>
+              </a:rPr>
+              <a:t>SSH</a:t>
+            </a:r>
+            <a:r>
+              <a:rPr lang="zh-CN" altLang="en-US" dirty="0" smtClean="0">
+                <a:solidFill>
+                  <a:schemeClr val="tx1">
+                    <a:lumMod val="50000"/>
+                    <a:lumOff val="50000"/>
+                  </a:schemeClr>
+                </a:solidFill>
+                <a:latin typeface="OPPOSans R" panose="00020600040101010101" pitchFamily="18" charset="-122"/>
+                <a:ea typeface="OPPOSans R" panose="00020600040101010101" pitchFamily="18" charset="-122"/>
+                <a:cs typeface="OPPOSans R" panose="00020600040101010101" pitchFamily="18" charset="-122"/>
+              </a:rPr>
+              <a:t>密钥配置</a:t>
+            </a:r>
+            <a:endParaRPr lang="zh-CN" altLang="en-US" dirty="0">
+              <a:solidFill>
+                <a:schemeClr val="tx1">
+                  <a:lumMod val="50000"/>
+                  <a:lumOff val="50000"/>
+                </a:schemeClr>
+              </a:solidFill>
+              <a:latin typeface="OPPOSans R" panose="00020600040101010101" pitchFamily="18" charset="-122"/>
+              <a:ea typeface="OPPOSans R" panose="00020600040101010101" pitchFamily="18" charset="-122"/>
+              <a:cs typeface="OPPOSans R" panose="00020600040101010101" pitchFamily="18" charset="-122"/>
+            </a:endParaRPr>
+          </a:p>
+        </p:txBody>
+      </p:sp>
+      <p:pic>
+        <p:nvPicPr>
+          <p:cNvPr id="4" name="图片 3"/>
+          <p:cNvPicPr>
+            <a:picLocks noChangeAspect="1"/>
+          </p:cNvPicPr>
+          <p:nvPr/>
+        </p:nvPicPr>
+        <p:blipFill>
+          <a:blip r:embed="rId4"/>
+          <a:stretch>
+            <a:fillRect/>
+          </a:stretch>
+        </p:blipFill>
+        <p:spPr>
+          <a:xfrm>
+            <a:off x="1567543" y="2044962"/>
+            <a:ext cx="9328376" cy="4164319"/>
+          </a:xfrm>
+          <a:prstGeom prst="rect">
+            <a:avLst/>
+          </a:prstGeom>
+        </p:spPr>
+      </p:pic>
+    </p:spTree>
+    <p:extLst>
+      <p:ext uri="{BB962C8B-B14F-4D97-AF65-F5344CB8AC3E}">
+        <p14:creationId xmlns:p14="http://schemas.microsoft.com/office/powerpoint/2010/main" val="303700613"/>
+      </p:ext>
+    </p:extLst>
+  </p:cSld>
+  <p:clrMapOvr>
+    <a:masterClrMapping/>
+  </p:clrMapOvr>
+  <mc:AlternateContent xmlns:mc="http://schemas.openxmlformats.org/markup-compatibility/2006" xmlns:p14="http://schemas.microsoft.com/office/powerpoint/2010/main">
+    <mc:Choice Requires="p14">
+      <p:transition spd="med" p14:dur="700">
+        <p:fade/>
+      </p:transition>
+    </mc:Choice>
+    <mc:Fallback xmlns="">
+      <p:transition spd="med">
+        <p:fade/>
+      </p:transition>
+    </mc:Fallback>
+  </mc:AlternateContent>
+  <p:timing>
+    <p:tnLst>
+      <p:par>
+        <p:cTn id="1" dur="indefinite" restart="never" nodeType="tmRoot"/>
+      </p:par>
+    </p:tnLst>
+  </p:timing>
+</p:sld>
+</file>
+
+<file path=ppt/slides/slide23.xml><?xml version="1.0" encoding="utf-8"?>
+<p:sld xmlns:a="http://schemas.openxmlformats.org/drawingml/2006/main" xmlns:r="http://schemas.openxmlformats.org/officeDocument/2006/relationships" xmlns:p="http://schemas.openxmlformats.org/presentationml/2006/main">
+  <p:cSld>
+    <p:spTree>
+      <p:nvGrpSpPr>
+        <p:cNvPr id="1" name=""/>
+        <p:cNvGrpSpPr/>
+        <p:nvPr/>
+      </p:nvGrpSpPr>
+      <p:grpSpPr>
+        <a:xfrm>
+          <a:off x="0" y="0"/>
+          <a:ext cx="0" cy="0"/>
+          <a:chOff x="0" y="0"/>
+          <a:chExt cx="0" cy="0"/>
+        </a:xfrm>
+      </p:grpSpPr>
+      <p:sp>
+        <p:nvSpPr>
+          <p:cNvPr id="32" name="文本框 31"/>
+          <p:cNvSpPr txBox="1"/>
+          <p:nvPr/>
+        </p:nvSpPr>
+        <p:spPr>
+          <a:xfrm>
+            <a:off x="959552" y="340946"/>
+            <a:ext cx="2377574" cy="584775"/>
+          </a:xfrm>
+          <a:prstGeom prst="rect">
+            <a:avLst/>
+          </a:prstGeom>
+          <a:noFill/>
+        </p:spPr>
+        <p:txBody>
+          <a:bodyPr wrap="none" rtlCol="0">
+            <a:spAutoFit/>
+          </a:bodyPr>
+          <a:lstStyle/>
+          <a:p>
+            <a:r>
+              <a:rPr lang="en-US" altLang="zh-CN" sz="3200" dirty="0" err="1" smtClean="0">
+                <a:latin typeface="OPPOSans R" panose="00020600040101010101" pitchFamily="18" charset="-122"/>
+                <a:ea typeface="OPPOSans R" panose="00020600040101010101" pitchFamily="18" charset="-122"/>
+                <a:cs typeface="OPPOSans R" panose="00020600040101010101" pitchFamily="18" charset="-122"/>
+              </a:rPr>
+              <a:t>Git</a:t>
+            </a:r>
+            <a:r>
+              <a:rPr lang="zh-CN" altLang="en-US" sz="3200" dirty="0" smtClean="0">
+                <a:latin typeface="OPPOSans R" panose="00020600040101010101" pitchFamily="18" charset="-122"/>
+                <a:ea typeface="OPPOSans R" panose="00020600040101010101" pitchFamily="18" charset="-122"/>
+                <a:cs typeface="OPPOSans R" panose="00020600040101010101" pitchFamily="18" charset="-122"/>
+              </a:rPr>
+              <a:t>远程仓库</a:t>
+            </a:r>
+            <a:endParaRPr lang="zh-CN" altLang="en-US" sz="3200" dirty="0">
+              <a:latin typeface="OPPOSans R" panose="00020600040101010101" pitchFamily="18" charset="-122"/>
+              <a:ea typeface="OPPOSans R" panose="00020600040101010101" pitchFamily="18" charset="-122"/>
+              <a:cs typeface="OPPOSans R" panose="00020600040101010101" pitchFamily="18" charset="-122"/>
+            </a:endParaRPr>
+          </a:p>
+        </p:txBody>
+      </p:sp>
+      <p:sp>
+        <p:nvSpPr>
+          <p:cNvPr id="39" name="矩形 38"/>
+          <p:cNvSpPr/>
+          <p:nvPr/>
+        </p:nvSpPr>
+        <p:spPr>
+          <a:xfrm>
+            <a:off x="0" y="462703"/>
+            <a:ext cx="794456" cy="738664"/>
+          </a:xfrm>
+          <a:prstGeom prst="rect">
+            <a:avLst/>
+          </a:prstGeom>
+          <a:solidFill>
+            <a:srgbClr val="9A0001"/>
+          </a:solidFill>
+          <a:ln>
+            <a:noFill/>
+          </a:ln>
+        </p:spPr>
+        <p:style>
+          <a:lnRef idx="2">
+            <a:schemeClr val="accent1">
+              <a:shade val="50000"/>
+            </a:schemeClr>
+          </a:lnRef>
+          <a:fillRef idx="1">
+            <a:schemeClr val="accent1"/>
+          </a:fillRef>
+          <a:effectRef idx="0">
+            <a:schemeClr val="accent1"/>
+          </a:effectRef>
+          <a:fontRef idx="minor">
+            <a:schemeClr val="lt1"/>
+          </a:fontRef>
+        </p:style>
+        <p:txBody>
+          <a:bodyPr rtlCol="0" anchor="ctr"/>
+          <a:lstStyle/>
+          <a:p>
+            <a:pPr algn="ctr"/>
+            <a:endParaRPr kumimoji="1" lang="zh-CN" altLang="en-US" sz="1600" dirty="0">
+              <a:latin typeface="OPPOSans R" panose="00020600040101010101" pitchFamily="18" charset="-122"/>
+              <a:ea typeface="OPPOSans R" panose="00020600040101010101" pitchFamily="18" charset="-122"/>
+            </a:endParaRPr>
+          </a:p>
+        </p:txBody>
+      </p:sp>
+      <p:sp>
+        <p:nvSpPr>
+          <p:cNvPr id="34" name="矩形 33"/>
+          <p:cNvSpPr/>
+          <p:nvPr/>
+        </p:nvSpPr>
+        <p:spPr>
+          <a:xfrm flipV="1">
+            <a:off x="7529454" y="6772905"/>
+            <a:ext cx="4682001" cy="128741"/>
+          </a:xfrm>
+          <a:prstGeom prst="rect">
+            <a:avLst/>
+          </a:prstGeom>
+          <a:solidFill>
+            <a:srgbClr val="9A0001"/>
+          </a:solidFill>
+          <a:ln>
+            <a:noFill/>
+          </a:ln>
+        </p:spPr>
+        <p:style>
+          <a:lnRef idx="2">
+            <a:schemeClr val="accent1">
+              <a:shade val="50000"/>
+            </a:schemeClr>
+          </a:lnRef>
+          <a:fillRef idx="1">
+            <a:schemeClr val="accent1"/>
+          </a:fillRef>
+          <a:effectRef idx="0">
+            <a:schemeClr val="accent1"/>
+          </a:effectRef>
+          <a:fontRef idx="minor">
+            <a:schemeClr val="lt1"/>
+          </a:fontRef>
+        </p:style>
+        <p:txBody>
+          <a:bodyPr rtlCol="0" anchor="ctr"/>
+          <a:lstStyle/>
+          <a:p>
+            <a:pPr algn="ctr"/>
+            <a:endParaRPr kumimoji="1" lang="zh-CN" altLang="en-US" sz="1600" dirty="0">
+              <a:latin typeface="OPPOSans R" panose="00020600040101010101" pitchFamily="18" charset="-122"/>
+              <a:ea typeface="OPPOSans R" panose="00020600040101010101" pitchFamily="18" charset="-122"/>
+            </a:endParaRPr>
+          </a:p>
+        </p:txBody>
+      </p:sp>
+      <p:pic>
+        <p:nvPicPr>
+          <p:cNvPr id="40" name="图片 39" descr="微信图片_20210609194104"/>
+          <p:cNvPicPr>
+            <a:picLocks noChangeAspect="1"/>
+          </p:cNvPicPr>
+          <p:nvPr/>
+        </p:nvPicPr>
+        <p:blipFill>
+          <a:blip r:embed="rId3"/>
+          <a:stretch>
+            <a:fillRect/>
+          </a:stretch>
+        </p:blipFill>
+        <p:spPr>
+          <a:xfrm>
+            <a:off x="8303298" y="453877"/>
+            <a:ext cx="3533140" cy="533400"/>
+          </a:xfrm>
+          <a:prstGeom prst="rect">
+            <a:avLst/>
+          </a:prstGeom>
+        </p:spPr>
+      </p:pic>
+      <p:sp>
+        <p:nvSpPr>
+          <p:cNvPr id="8" name="文本框 7"/>
+          <p:cNvSpPr txBox="1"/>
+          <p:nvPr/>
+        </p:nvSpPr>
+        <p:spPr>
+          <a:xfrm>
+            <a:off x="959551" y="1378618"/>
+            <a:ext cx="9753600" cy="458908"/>
+          </a:xfrm>
+          <a:prstGeom prst="rect">
+            <a:avLst/>
+          </a:prstGeom>
+          <a:noFill/>
+        </p:spPr>
+        <p:txBody>
+          <a:bodyPr wrap="square" rtlCol="0">
+            <a:spAutoFit/>
+          </a:bodyPr>
+          <a:lstStyle/>
+          <a:p>
+            <a:pPr>
+              <a:lnSpc>
+                <a:spcPct val="150000"/>
+              </a:lnSpc>
+            </a:pPr>
+            <a:r>
+              <a:rPr lang="zh-CN" altLang="en-US" dirty="0" smtClean="0">
+                <a:latin typeface="微软雅黑" panose="020B0503020204020204" pitchFamily="34" charset="-122"/>
+                <a:ea typeface="微软雅黑" panose="020B0503020204020204" pitchFamily="34" charset="-122"/>
+              </a:rPr>
+              <a:t>上传公钥到远程仓库，以</a:t>
+            </a:r>
+            <a:r>
+              <a:rPr lang="en-US" altLang="zh-CN" dirty="0" err="1" smtClean="0">
+                <a:latin typeface="微软雅黑" panose="020B0503020204020204" pitchFamily="34" charset="-122"/>
+                <a:ea typeface="微软雅黑" panose="020B0503020204020204" pitchFamily="34" charset="-122"/>
+              </a:rPr>
+              <a:t>github</a:t>
+            </a:r>
+            <a:r>
+              <a:rPr lang="zh-CN" altLang="en-US" dirty="0" smtClean="0">
+                <a:latin typeface="微软雅黑" panose="020B0503020204020204" pitchFamily="34" charset="-122"/>
+                <a:ea typeface="微软雅黑" panose="020B0503020204020204" pitchFamily="34" charset="-122"/>
+              </a:rPr>
+              <a:t>为例</a:t>
+            </a:r>
+            <a:endParaRPr lang="en-US" altLang="zh-CN" dirty="0" smtClean="0">
+              <a:latin typeface="微软雅黑" panose="020B0503020204020204" pitchFamily="34" charset="-122"/>
+              <a:ea typeface="微软雅黑" panose="020B0503020204020204" pitchFamily="34" charset="-122"/>
+            </a:endParaRPr>
+          </a:p>
+        </p:txBody>
+      </p:sp>
+      <p:sp>
+        <p:nvSpPr>
+          <p:cNvPr id="9" name="文本框 8"/>
+          <p:cNvSpPr txBox="1"/>
+          <p:nvPr/>
+        </p:nvSpPr>
+        <p:spPr>
+          <a:xfrm>
+            <a:off x="959551" y="904570"/>
+            <a:ext cx="5105087" cy="369332"/>
+          </a:xfrm>
+          <a:prstGeom prst="rect">
+            <a:avLst/>
+          </a:prstGeom>
+          <a:noFill/>
+        </p:spPr>
+        <p:txBody>
+          <a:bodyPr wrap="square">
+            <a:spAutoFit/>
+          </a:bodyPr>
+          <a:lstStyle/>
+          <a:p>
+            <a:r>
+              <a:rPr lang="en-US" altLang="zh-CN" dirty="0" smtClean="0">
+                <a:solidFill>
+                  <a:schemeClr val="tx1">
+                    <a:lumMod val="50000"/>
+                    <a:lumOff val="50000"/>
+                  </a:schemeClr>
+                </a:solidFill>
+                <a:latin typeface="OPPOSans R" panose="00020600040101010101" pitchFamily="18" charset="-122"/>
+                <a:ea typeface="OPPOSans R" panose="00020600040101010101" pitchFamily="18" charset="-122"/>
+                <a:cs typeface="OPPOSans R" panose="00020600040101010101" pitchFamily="18" charset="-122"/>
+              </a:rPr>
+              <a:t>SSH</a:t>
+            </a:r>
+            <a:r>
+              <a:rPr lang="zh-CN" altLang="en-US" dirty="0" smtClean="0">
+                <a:solidFill>
+                  <a:schemeClr val="tx1">
+                    <a:lumMod val="50000"/>
+                    <a:lumOff val="50000"/>
+                  </a:schemeClr>
+                </a:solidFill>
+                <a:latin typeface="OPPOSans R" panose="00020600040101010101" pitchFamily="18" charset="-122"/>
+                <a:ea typeface="OPPOSans R" panose="00020600040101010101" pitchFamily="18" charset="-122"/>
+                <a:cs typeface="OPPOSans R" panose="00020600040101010101" pitchFamily="18" charset="-122"/>
+              </a:rPr>
+              <a:t>密钥配置</a:t>
+            </a:r>
+            <a:endParaRPr lang="zh-CN" altLang="en-US" dirty="0">
+              <a:solidFill>
+                <a:schemeClr val="tx1">
+                  <a:lumMod val="50000"/>
+                  <a:lumOff val="50000"/>
+                </a:schemeClr>
+              </a:solidFill>
+              <a:latin typeface="OPPOSans R" panose="00020600040101010101" pitchFamily="18" charset="-122"/>
+              <a:ea typeface="OPPOSans R" panose="00020600040101010101" pitchFamily="18" charset="-122"/>
+              <a:cs typeface="OPPOSans R" panose="00020600040101010101" pitchFamily="18" charset="-122"/>
+            </a:endParaRPr>
+          </a:p>
+        </p:txBody>
+      </p:sp>
+      <p:pic>
+        <p:nvPicPr>
+          <p:cNvPr id="4" name="图片 3"/>
+          <p:cNvPicPr>
+            <a:picLocks noChangeAspect="1"/>
+          </p:cNvPicPr>
+          <p:nvPr/>
+        </p:nvPicPr>
+        <p:blipFill>
+          <a:blip r:embed="rId4"/>
+          <a:stretch>
+            <a:fillRect/>
+          </a:stretch>
+        </p:blipFill>
+        <p:spPr>
+          <a:xfrm>
+            <a:off x="1567543" y="2044962"/>
+            <a:ext cx="9328376" cy="4164319"/>
+          </a:xfrm>
+          <a:prstGeom prst="rect">
+            <a:avLst/>
+          </a:prstGeom>
+        </p:spPr>
+      </p:pic>
+    </p:spTree>
+    <p:extLst>
+      <p:ext uri="{BB962C8B-B14F-4D97-AF65-F5344CB8AC3E}">
+        <p14:creationId xmlns:p14="http://schemas.microsoft.com/office/powerpoint/2010/main" val="3888934728"/>
+      </p:ext>
+    </p:extLst>
+  </p:cSld>
+  <p:clrMapOvr>
+    <a:masterClrMapping/>
+  </p:clrMapOvr>
+  <mc:AlternateContent xmlns:mc="http://schemas.openxmlformats.org/markup-compatibility/2006" xmlns:p14="http://schemas.microsoft.com/office/powerpoint/2010/main">
+    <mc:Choice Requires="p14">
+      <p:transition spd="med" p14:dur="700">
+        <p:fade/>
+      </p:transition>
+    </mc:Choice>
+    <mc:Fallback xmlns="">
+      <p:transition spd="med">
+        <p:fade/>
+      </p:transition>
+    </mc:Fallback>
+  </mc:AlternateContent>
+  <p:timing>
+    <p:tnLst>
+      <p:par>
+        <p:cTn id="1" dur="indefinite" restart="never" nodeType="tmRoot"/>
+      </p:par>
+    </p:tnLst>
+  </p:timing>
+</p:sld>
+</file>
+
+<file path=ppt/slides/slide24.xml><?xml version="1.0" encoding="utf-8"?>
+<p:sld xmlns:a="http://schemas.openxmlformats.org/drawingml/2006/main" xmlns:r="http://schemas.openxmlformats.org/officeDocument/2006/relationships" xmlns:p="http://schemas.openxmlformats.org/presentationml/2006/main">
+  <p:cSld>
+    <p:spTree>
+      <p:nvGrpSpPr>
+        <p:cNvPr id="1" name=""/>
+        <p:cNvGrpSpPr/>
+        <p:nvPr/>
+      </p:nvGrpSpPr>
+      <p:grpSpPr>
+        <a:xfrm>
+          <a:off x="0" y="0"/>
+          <a:ext cx="0" cy="0"/>
+          <a:chOff x="0" y="0"/>
+          <a:chExt cx="0" cy="0"/>
+        </a:xfrm>
+      </p:grpSpPr>
+      <p:sp>
+        <p:nvSpPr>
+          <p:cNvPr id="32" name="文本框 31"/>
+          <p:cNvSpPr txBox="1"/>
+          <p:nvPr/>
+        </p:nvSpPr>
+        <p:spPr>
+          <a:xfrm>
+            <a:off x="959552" y="340946"/>
+            <a:ext cx="2377574" cy="584775"/>
+          </a:xfrm>
+          <a:prstGeom prst="rect">
+            <a:avLst/>
+          </a:prstGeom>
+          <a:noFill/>
+        </p:spPr>
+        <p:txBody>
+          <a:bodyPr wrap="none" rtlCol="0">
+            <a:spAutoFit/>
+          </a:bodyPr>
+          <a:lstStyle/>
+          <a:p>
+            <a:r>
+              <a:rPr lang="en-US" altLang="zh-CN" sz="3200" dirty="0" err="1" smtClean="0">
+                <a:latin typeface="OPPOSans R" panose="00020600040101010101" pitchFamily="18" charset="-122"/>
+                <a:ea typeface="OPPOSans R" panose="00020600040101010101" pitchFamily="18" charset="-122"/>
+                <a:cs typeface="OPPOSans R" panose="00020600040101010101" pitchFamily="18" charset="-122"/>
+              </a:rPr>
+              <a:t>Git</a:t>
+            </a:r>
+            <a:r>
+              <a:rPr lang="zh-CN" altLang="en-US" sz="3200" dirty="0" smtClean="0">
+                <a:latin typeface="OPPOSans R" panose="00020600040101010101" pitchFamily="18" charset="-122"/>
+                <a:ea typeface="OPPOSans R" panose="00020600040101010101" pitchFamily="18" charset="-122"/>
+                <a:cs typeface="OPPOSans R" panose="00020600040101010101" pitchFamily="18" charset="-122"/>
+              </a:rPr>
+              <a:t>远程仓库</a:t>
+            </a:r>
+            <a:endParaRPr lang="zh-CN" altLang="en-US" sz="3200" dirty="0">
+              <a:latin typeface="OPPOSans R" panose="00020600040101010101" pitchFamily="18" charset="-122"/>
+              <a:ea typeface="OPPOSans R" panose="00020600040101010101" pitchFamily="18" charset="-122"/>
+              <a:cs typeface="OPPOSans R" panose="00020600040101010101" pitchFamily="18" charset="-122"/>
+            </a:endParaRPr>
+          </a:p>
+        </p:txBody>
+      </p:sp>
+      <p:sp>
+        <p:nvSpPr>
+          <p:cNvPr id="39" name="矩形 38"/>
+          <p:cNvSpPr/>
+          <p:nvPr/>
+        </p:nvSpPr>
+        <p:spPr>
+          <a:xfrm>
+            <a:off x="0" y="462703"/>
+            <a:ext cx="794456" cy="738664"/>
+          </a:xfrm>
+          <a:prstGeom prst="rect">
+            <a:avLst/>
+          </a:prstGeom>
+          <a:solidFill>
+            <a:srgbClr val="9A0001"/>
+          </a:solidFill>
+          <a:ln>
+            <a:noFill/>
+          </a:ln>
+        </p:spPr>
+        <p:style>
+          <a:lnRef idx="2">
+            <a:schemeClr val="accent1">
+              <a:shade val="50000"/>
+            </a:schemeClr>
+          </a:lnRef>
+          <a:fillRef idx="1">
+            <a:schemeClr val="accent1"/>
+          </a:fillRef>
+          <a:effectRef idx="0">
+            <a:schemeClr val="accent1"/>
+          </a:effectRef>
+          <a:fontRef idx="minor">
+            <a:schemeClr val="lt1"/>
+          </a:fontRef>
+        </p:style>
+        <p:txBody>
+          <a:bodyPr rtlCol="0" anchor="ctr"/>
+          <a:lstStyle/>
+          <a:p>
+            <a:pPr algn="ctr"/>
+            <a:endParaRPr kumimoji="1" lang="zh-CN" altLang="en-US" sz="1600" dirty="0">
+              <a:latin typeface="OPPOSans R" panose="00020600040101010101" pitchFamily="18" charset="-122"/>
+              <a:ea typeface="OPPOSans R" panose="00020600040101010101" pitchFamily="18" charset="-122"/>
+            </a:endParaRPr>
+          </a:p>
+        </p:txBody>
+      </p:sp>
+      <p:sp>
+        <p:nvSpPr>
+          <p:cNvPr id="34" name="矩形 33"/>
+          <p:cNvSpPr/>
+          <p:nvPr/>
+        </p:nvSpPr>
+        <p:spPr>
+          <a:xfrm flipV="1">
+            <a:off x="7529454" y="6772905"/>
+            <a:ext cx="4682001" cy="128741"/>
+          </a:xfrm>
+          <a:prstGeom prst="rect">
+            <a:avLst/>
+          </a:prstGeom>
+          <a:solidFill>
+            <a:srgbClr val="9A0001"/>
+          </a:solidFill>
+          <a:ln>
+            <a:noFill/>
+          </a:ln>
+        </p:spPr>
+        <p:style>
+          <a:lnRef idx="2">
+            <a:schemeClr val="accent1">
+              <a:shade val="50000"/>
+            </a:schemeClr>
+          </a:lnRef>
+          <a:fillRef idx="1">
+            <a:schemeClr val="accent1"/>
+          </a:fillRef>
+          <a:effectRef idx="0">
+            <a:schemeClr val="accent1"/>
+          </a:effectRef>
+          <a:fontRef idx="minor">
+            <a:schemeClr val="lt1"/>
+          </a:fontRef>
+        </p:style>
+        <p:txBody>
+          <a:bodyPr rtlCol="0" anchor="ctr"/>
+          <a:lstStyle/>
+          <a:p>
+            <a:pPr algn="ctr"/>
+            <a:endParaRPr kumimoji="1" lang="zh-CN" altLang="en-US" sz="1600" dirty="0">
+              <a:latin typeface="OPPOSans R" panose="00020600040101010101" pitchFamily="18" charset="-122"/>
+              <a:ea typeface="OPPOSans R" panose="00020600040101010101" pitchFamily="18" charset="-122"/>
+            </a:endParaRPr>
+          </a:p>
+        </p:txBody>
+      </p:sp>
+      <p:pic>
+        <p:nvPicPr>
+          <p:cNvPr id="40" name="图片 39" descr="微信图片_20210609194104"/>
+          <p:cNvPicPr>
+            <a:picLocks noChangeAspect="1"/>
+          </p:cNvPicPr>
+          <p:nvPr/>
+        </p:nvPicPr>
+        <p:blipFill>
+          <a:blip r:embed="rId3"/>
+          <a:stretch>
+            <a:fillRect/>
+          </a:stretch>
+        </p:blipFill>
+        <p:spPr>
+          <a:xfrm>
+            <a:off x="8303298" y="453877"/>
+            <a:ext cx="3533140" cy="533400"/>
+          </a:xfrm>
+          <a:prstGeom prst="rect">
+            <a:avLst/>
+          </a:prstGeom>
+        </p:spPr>
+      </p:pic>
+      <p:sp>
+        <p:nvSpPr>
+          <p:cNvPr id="8" name="文本框 7"/>
+          <p:cNvSpPr txBox="1"/>
+          <p:nvPr/>
+        </p:nvSpPr>
+        <p:spPr>
+          <a:xfrm>
+            <a:off x="959551" y="1233211"/>
+            <a:ext cx="9753600" cy="2862322"/>
+          </a:xfrm>
+          <a:prstGeom prst="rect">
+            <a:avLst/>
+          </a:prstGeom>
+          <a:noFill/>
+        </p:spPr>
+        <p:txBody>
+          <a:bodyPr wrap="square" rtlCol="0">
+            <a:spAutoFit/>
+          </a:bodyPr>
+          <a:lstStyle/>
+          <a:p>
+            <a:pPr>
+              <a:lnSpc>
+                <a:spcPct val="150000"/>
+              </a:lnSpc>
+            </a:pPr>
+            <a:r>
+              <a:rPr lang="zh-CN" altLang="en-US" sz="2000" dirty="0" smtClean="0">
+                <a:latin typeface="微软雅黑" panose="020B0503020204020204" pitchFamily="34" charset="-122"/>
+                <a:ea typeface="微软雅黑" panose="020B0503020204020204" pitchFamily="34" charset="-122"/>
+              </a:rPr>
+              <a:t>把自己的本地库与远程仓库关联起来：</a:t>
+            </a:r>
+            <a:endParaRPr lang="en-US" altLang="zh-CN" sz="2000" dirty="0" smtClean="0">
+              <a:latin typeface="微软雅黑" panose="020B0503020204020204" pitchFamily="34" charset="-122"/>
+              <a:ea typeface="微软雅黑" panose="020B0503020204020204" pitchFamily="34" charset="-122"/>
+            </a:endParaRPr>
+          </a:p>
+          <a:p>
+            <a:pPr>
+              <a:lnSpc>
+                <a:spcPct val="150000"/>
+              </a:lnSpc>
+            </a:pPr>
+            <a:r>
+              <a:rPr lang="zh-CN" altLang="en-US" sz="2000" dirty="0" smtClean="0">
+                <a:latin typeface="微软雅黑" panose="020B0503020204020204" pitchFamily="34" charset="-122"/>
+                <a:ea typeface="微软雅黑" panose="020B0503020204020204" pitchFamily="34" charset="-122"/>
+              </a:rPr>
+              <a:t>（</a:t>
+            </a:r>
+            <a:r>
+              <a:rPr lang="en-US" altLang="zh-CN" sz="2000" dirty="0" smtClean="0">
+                <a:latin typeface="微软雅黑" panose="020B0503020204020204" pitchFamily="34" charset="-122"/>
+                <a:ea typeface="微软雅黑" panose="020B0503020204020204" pitchFamily="34" charset="-122"/>
+              </a:rPr>
+              <a:t>1</a:t>
+            </a:r>
+            <a:r>
+              <a:rPr lang="zh-CN" altLang="en-US" sz="2000" dirty="0" smtClean="0">
+                <a:latin typeface="微软雅黑" panose="020B0503020204020204" pitchFamily="34" charset="-122"/>
+                <a:ea typeface="微软雅黑" panose="020B0503020204020204" pitchFamily="34" charset="-122"/>
+              </a:rPr>
+              <a:t>）关联本地库和远程仓库，远程库名默认为</a:t>
+            </a:r>
+            <a:r>
+              <a:rPr lang="en-US" altLang="zh-CN" sz="2000" dirty="0" smtClean="0">
+                <a:latin typeface="微软雅黑" panose="020B0503020204020204" pitchFamily="34" charset="-122"/>
+                <a:ea typeface="微软雅黑" panose="020B0503020204020204" pitchFamily="34" charset="-122"/>
+              </a:rPr>
+              <a:t>origin</a:t>
+            </a:r>
+            <a:r>
+              <a:rPr lang="zh-CN" altLang="en-US" sz="2000" dirty="0" smtClean="0">
+                <a:latin typeface="微软雅黑" panose="020B0503020204020204" pitchFamily="34" charset="-122"/>
+                <a:ea typeface="微软雅黑" panose="020B0503020204020204" pitchFamily="34" charset="-122"/>
+              </a:rPr>
+              <a:t>，可以自己修改</a:t>
+            </a:r>
+            <a:endParaRPr lang="en-US" altLang="zh-CN" sz="2000" dirty="0" smtClean="0">
+              <a:latin typeface="微软雅黑" panose="020B0503020204020204" pitchFamily="34" charset="-122"/>
+              <a:ea typeface="微软雅黑" panose="020B0503020204020204" pitchFamily="34" charset="-122"/>
+            </a:endParaRPr>
+          </a:p>
+          <a:p>
+            <a:pPr>
+              <a:lnSpc>
+                <a:spcPct val="150000"/>
+              </a:lnSpc>
+            </a:pPr>
+            <a:r>
+              <a:rPr lang="en-US" altLang="zh-CN" sz="2000" dirty="0" smtClean="0">
+                <a:latin typeface="微软雅黑" panose="020B0503020204020204" pitchFamily="34" charset="-122"/>
+                <a:ea typeface="微软雅黑" panose="020B0503020204020204" pitchFamily="34" charset="-122"/>
+              </a:rPr>
+              <a:t>         </a:t>
+            </a:r>
+            <a:r>
+              <a:rPr lang="en-US" altLang="zh-CN" sz="2000" dirty="0" err="1" smtClean="0">
+                <a:latin typeface="微软雅黑" panose="020B0503020204020204" pitchFamily="34" charset="-122"/>
+                <a:ea typeface="微软雅黑" panose="020B0503020204020204" pitchFamily="34" charset="-122"/>
+              </a:rPr>
+              <a:t>git</a:t>
+            </a:r>
+            <a:r>
+              <a:rPr lang="en-US" altLang="zh-CN" sz="2000" dirty="0" smtClean="0">
+                <a:latin typeface="微软雅黑" panose="020B0503020204020204" pitchFamily="34" charset="-122"/>
+                <a:ea typeface="微软雅黑" panose="020B0503020204020204" pitchFamily="34" charset="-122"/>
+              </a:rPr>
+              <a:t> </a:t>
+            </a:r>
+            <a:r>
+              <a:rPr lang="en-US" altLang="zh-CN" sz="2000" dirty="0">
+                <a:latin typeface="微软雅黑" panose="020B0503020204020204" pitchFamily="34" charset="-122"/>
+                <a:ea typeface="微软雅黑" panose="020B0503020204020204" pitchFamily="34" charset="-122"/>
+              </a:rPr>
+              <a:t>remote add origin </a:t>
+            </a:r>
+            <a:r>
+              <a:rPr lang="en-US" altLang="zh-CN" sz="2000" dirty="0">
+                <a:latin typeface="微软雅黑" panose="020B0503020204020204" pitchFamily="34" charset="-122"/>
+                <a:ea typeface="微软雅黑" panose="020B0503020204020204" pitchFamily="34" charset="-122"/>
+                <a:hlinkClick r:id="rId4"/>
+              </a:rPr>
+              <a:t>https://</a:t>
+            </a:r>
+            <a:r>
+              <a:rPr lang="en-US" altLang="zh-CN" sz="2000" dirty="0" smtClean="0">
+                <a:latin typeface="微软雅黑" panose="020B0503020204020204" pitchFamily="34" charset="-122"/>
+                <a:ea typeface="微软雅黑" panose="020B0503020204020204" pitchFamily="34" charset="-122"/>
+                <a:hlinkClick r:id="rId4"/>
+              </a:rPr>
+              <a:t>github.com/wudaoxi1100/blog.git</a:t>
+            </a:r>
+            <a:endParaRPr lang="en-US" altLang="zh-CN" sz="2000" dirty="0" smtClean="0">
+              <a:latin typeface="微软雅黑" panose="020B0503020204020204" pitchFamily="34" charset="-122"/>
+              <a:ea typeface="微软雅黑" panose="020B0503020204020204" pitchFamily="34" charset="-122"/>
+            </a:endParaRPr>
+          </a:p>
+          <a:p>
+            <a:pPr>
+              <a:lnSpc>
+                <a:spcPct val="150000"/>
+              </a:lnSpc>
+            </a:pPr>
+            <a:r>
+              <a:rPr lang="zh-CN" altLang="en-US" sz="2000" dirty="0" smtClean="0">
+                <a:latin typeface="微软雅黑" panose="020B0503020204020204" pitchFamily="34" charset="-122"/>
+                <a:ea typeface="微软雅黑" panose="020B0503020204020204" pitchFamily="34" charset="-122"/>
+              </a:rPr>
+              <a:t>（</a:t>
+            </a:r>
+            <a:r>
+              <a:rPr lang="en-US" altLang="zh-CN" sz="2000" dirty="0" smtClean="0">
+                <a:latin typeface="微软雅黑" panose="020B0503020204020204" pitchFamily="34" charset="-122"/>
+                <a:ea typeface="微软雅黑" panose="020B0503020204020204" pitchFamily="34" charset="-122"/>
+              </a:rPr>
+              <a:t>2</a:t>
+            </a:r>
+            <a:r>
+              <a:rPr lang="zh-CN" altLang="en-US" sz="2000" dirty="0" smtClean="0">
+                <a:latin typeface="微软雅黑" panose="020B0503020204020204" pitchFamily="34" charset="-122"/>
+                <a:ea typeface="微软雅黑" panose="020B0503020204020204" pitchFamily="34" charset="-122"/>
+              </a:rPr>
+              <a:t>）推送本地</a:t>
+            </a:r>
+            <a:r>
+              <a:rPr lang="en-US" altLang="zh-CN" sz="2000" dirty="0" smtClean="0">
+                <a:latin typeface="微软雅黑" panose="020B0503020204020204" pitchFamily="34" charset="-122"/>
+                <a:ea typeface="微软雅黑" panose="020B0503020204020204" pitchFamily="34" charset="-122"/>
+              </a:rPr>
+              <a:t>master</a:t>
+            </a:r>
+            <a:r>
+              <a:rPr lang="zh-CN" altLang="en-US" sz="2000" dirty="0" smtClean="0">
+                <a:latin typeface="微软雅黑" panose="020B0503020204020204" pitchFamily="34" charset="-122"/>
+                <a:ea typeface="微软雅黑" panose="020B0503020204020204" pitchFamily="34" charset="-122"/>
+              </a:rPr>
+              <a:t>分支到远程</a:t>
+            </a:r>
+            <a:r>
+              <a:rPr lang="zh-CN" altLang="en-US" sz="2000" dirty="0" smtClean="0">
+                <a:latin typeface="微软雅黑" panose="020B0503020204020204" pitchFamily="34" charset="-122"/>
+                <a:ea typeface="微软雅黑" panose="020B0503020204020204" pitchFamily="34" charset="-122"/>
+              </a:rPr>
+              <a:t>库，初次推送时，使用</a:t>
+            </a:r>
+            <a:r>
+              <a:rPr lang="en-US" altLang="zh-CN" sz="2000" dirty="0" smtClean="0">
+                <a:latin typeface="微软雅黑" panose="020B0503020204020204" pitchFamily="34" charset="-122"/>
+                <a:ea typeface="微软雅黑" panose="020B0503020204020204" pitchFamily="34" charset="-122"/>
+              </a:rPr>
+              <a:t>-u</a:t>
+            </a:r>
+            <a:r>
+              <a:rPr lang="zh-CN" altLang="en-US" sz="2000" dirty="0" smtClean="0">
+                <a:latin typeface="微软雅黑" panose="020B0503020204020204" pitchFamily="34" charset="-122"/>
+                <a:ea typeface="微软雅黑" panose="020B0503020204020204" pitchFamily="34" charset="-122"/>
+              </a:rPr>
+              <a:t>指定当前分支的</a:t>
+            </a:r>
+            <a:r>
+              <a:rPr lang="en-US" altLang="zh-CN" sz="2000" dirty="0" smtClean="0">
+                <a:latin typeface="微软雅黑" panose="020B0503020204020204" pitchFamily="34" charset="-122"/>
+                <a:ea typeface="微软雅黑" panose="020B0503020204020204" pitchFamily="34" charset="-122"/>
+              </a:rPr>
+              <a:t>upstream</a:t>
+            </a:r>
+            <a:endParaRPr lang="en-US" altLang="zh-CN" sz="2000" dirty="0" smtClean="0">
+              <a:latin typeface="微软雅黑" panose="020B0503020204020204" pitchFamily="34" charset="-122"/>
+              <a:ea typeface="微软雅黑" panose="020B0503020204020204" pitchFamily="34" charset="-122"/>
+            </a:endParaRPr>
+          </a:p>
+          <a:p>
+            <a:pPr>
+              <a:lnSpc>
+                <a:spcPct val="150000"/>
+              </a:lnSpc>
+            </a:pPr>
+            <a:r>
+              <a:rPr lang="en-US" altLang="zh-CN" sz="2000" dirty="0" smtClean="0">
+                <a:latin typeface="微软雅黑" panose="020B0503020204020204" pitchFamily="34" charset="-122"/>
+                <a:ea typeface="微软雅黑" panose="020B0503020204020204" pitchFamily="34" charset="-122"/>
+              </a:rPr>
+              <a:t>         </a:t>
+            </a:r>
+            <a:r>
+              <a:rPr lang="en-US" altLang="zh-CN" sz="2000" dirty="0" err="1" smtClean="0">
+                <a:latin typeface="微软雅黑" panose="020B0503020204020204" pitchFamily="34" charset="-122"/>
+                <a:ea typeface="微软雅黑" panose="020B0503020204020204" pitchFamily="34" charset="-122"/>
+              </a:rPr>
+              <a:t>git</a:t>
+            </a:r>
+            <a:r>
+              <a:rPr lang="en-US" altLang="zh-CN" sz="2000" dirty="0" smtClean="0">
+                <a:latin typeface="微软雅黑" panose="020B0503020204020204" pitchFamily="34" charset="-122"/>
+                <a:ea typeface="微软雅黑" panose="020B0503020204020204" pitchFamily="34" charset="-122"/>
+              </a:rPr>
+              <a:t> </a:t>
+            </a:r>
+            <a:r>
+              <a:rPr lang="en-US" altLang="zh-CN" sz="2000" dirty="0">
+                <a:latin typeface="微软雅黑" panose="020B0503020204020204" pitchFamily="34" charset="-122"/>
+                <a:ea typeface="微软雅黑" panose="020B0503020204020204" pitchFamily="34" charset="-122"/>
+              </a:rPr>
+              <a:t>push </a:t>
+            </a:r>
+            <a:r>
+              <a:rPr lang="en-US" altLang="zh-CN" sz="2000" dirty="0" smtClean="0">
+                <a:latin typeface="微软雅黑" panose="020B0503020204020204" pitchFamily="34" charset="-122"/>
+                <a:ea typeface="微软雅黑" panose="020B0503020204020204" pitchFamily="34" charset="-122"/>
+              </a:rPr>
+              <a:t>–u origin </a:t>
+            </a:r>
+            <a:r>
+              <a:rPr lang="en-US" altLang="zh-CN" sz="2000" dirty="0">
+                <a:latin typeface="微软雅黑" panose="020B0503020204020204" pitchFamily="34" charset="-122"/>
+                <a:ea typeface="微软雅黑" panose="020B0503020204020204" pitchFamily="34" charset="-122"/>
+              </a:rPr>
+              <a:t>master</a:t>
+            </a:r>
+            <a:endParaRPr lang="en-US" altLang="zh-CN" sz="2000" dirty="0" smtClean="0">
+              <a:latin typeface="微软雅黑" panose="020B0503020204020204" pitchFamily="34" charset="-122"/>
+              <a:ea typeface="微软雅黑" panose="020B0503020204020204" pitchFamily="34" charset="-122"/>
+            </a:endParaRPr>
+          </a:p>
+          <a:p>
+            <a:pPr>
+              <a:lnSpc>
+                <a:spcPct val="150000"/>
+              </a:lnSpc>
+            </a:pPr>
+            <a:endParaRPr lang="en-US" altLang="zh-CN" sz="2000" dirty="0" smtClean="0">
+              <a:latin typeface="微软雅黑" panose="020B0503020204020204" pitchFamily="34" charset="-122"/>
+              <a:ea typeface="微软雅黑" panose="020B0503020204020204" pitchFamily="34" charset="-122"/>
+            </a:endParaRPr>
+          </a:p>
+        </p:txBody>
+      </p:sp>
+      <p:sp>
+        <p:nvSpPr>
+          <p:cNvPr id="9" name="文本框 8"/>
+          <p:cNvSpPr txBox="1"/>
+          <p:nvPr/>
+        </p:nvSpPr>
+        <p:spPr>
+          <a:xfrm>
+            <a:off x="959551" y="904570"/>
+            <a:ext cx="5105087" cy="369332"/>
+          </a:xfrm>
+          <a:prstGeom prst="rect">
+            <a:avLst/>
+          </a:prstGeom>
+          <a:noFill/>
+        </p:spPr>
+        <p:txBody>
+          <a:bodyPr wrap="square">
+            <a:spAutoFit/>
+          </a:bodyPr>
+          <a:lstStyle/>
+          <a:p>
+            <a:r>
+              <a:rPr lang="zh-CN" altLang="en-US" dirty="0" smtClean="0">
+                <a:solidFill>
+                  <a:schemeClr val="tx1">
+                    <a:lumMod val="50000"/>
+                    <a:lumOff val="50000"/>
+                  </a:schemeClr>
+                </a:solidFill>
+                <a:latin typeface="OPPOSans R" panose="00020600040101010101" pitchFamily="18" charset="-122"/>
+                <a:ea typeface="OPPOSans R" panose="00020600040101010101" pitchFamily="18" charset="-122"/>
+                <a:cs typeface="OPPOSans R" panose="00020600040101010101" pitchFamily="18" charset="-122"/>
+              </a:rPr>
+              <a:t>关联远程仓库</a:t>
+            </a:r>
+            <a:endParaRPr lang="zh-CN" altLang="en-US" dirty="0">
+              <a:solidFill>
+                <a:schemeClr val="tx1">
+                  <a:lumMod val="50000"/>
+                  <a:lumOff val="50000"/>
+                </a:schemeClr>
+              </a:solidFill>
+              <a:latin typeface="OPPOSans R" panose="00020600040101010101" pitchFamily="18" charset="-122"/>
+              <a:ea typeface="OPPOSans R" panose="00020600040101010101" pitchFamily="18" charset="-122"/>
+              <a:cs typeface="OPPOSans R" panose="00020600040101010101" pitchFamily="18" charset="-122"/>
+            </a:endParaRPr>
+          </a:p>
+        </p:txBody>
+      </p:sp>
+      <p:pic>
+        <p:nvPicPr>
+          <p:cNvPr id="6" name="图片 5"/>
+          <p:cNvPicPr>
+            <a:picLocks noChangeAspect="1"/>
+          </p:cNvPicPr>
+          <p:nvPr/>
+        </p:nvPicPr>
+        <p:blipFill>
+          <a:blip r:embed="rId5"/>
+          <a:stretch>
+            <a:fillRect/>
+          </a:stretch>
+        </p:blipFill>
+        <p:spPr>
+          <a:xfrm>
+            <a:off x="2560320" y="3769027"/>
+            <a:ext cx="5860979" cy="2942322"/>
+          </a:xfrm>
+          <a:prstGeom prst="rect">
+            <a:avLst/>
+          </a:prstGeom>
+        </p:spPr>
+      </p:pic>
+    </p:spTree>
+    <p:extLst>
+      <p:ext uri="{BB962C8B-B14F-4D97-AF65-F5344CB8AC3E}">
+        <p14:creationId xmlns:p14="http://schemas.microsoft.com/office/powerpoint/2010/main" val="887671731"/>
+      </p:ext>
+    </p:extLst>
+  </p:cSld>
+  <p:clrMapOvr>
+    <a:masterClrMapping/>
+  </p:clrMapOvr>
+  <mc:AlternateContent xmlns:mc="http://schemas.openxmlformats.org/markup-compatibility/2006" xmlns:p14="http://schemas.microsoft.com/office/powerpoint/2010/main">
+    <mc:Choice Requires="p14">
+      <p:transition spd="med" p14:dur="700">
+        <p:fade/>
+      </p:transition>
+    </mc:Choice>
+    <mc:Fallback xmlns="">
+      <p:transition spd="med">
+        <p:fade/>
+      </p:transition>
+    </mc:Fallback>
+  </mc:AlternateContent>
+  <p:timing>
+    <p:tnLst>
+      <p:par>
+        <p:cTn id="1" dur="indefinite" restart="never" nodeType="tmRoot"/>
+      </p:par>
+    </p:tnLst>
+  </p:timing>
+</p:sld>
+</file>
+
+<file path=ppt/slides/slide25.xml><?xml version="1.0" encoding="utf-8"?>
+<p:sld xmlns:a="http://schemas.openxmlformats.org/drawingml/2006/main" xmlns:r="http://schemas.openxmlformats.org/officeDocument/2006/relationships" xmlns:p="http://schemas.openxmlformats.org/presentationml/2006/main">
+  <p:cSld>
+    <p:spTree>
+      <p:nvGrpSpPr>
+        <p:cNvPr id="1" name=""/>
+        <p:cNvGrpSpPr/>
+        <p:nvPr/>
+      </p:nvGrpSpPr>
+      <p:grpSpPr>
+        <a:xfrm>
+          <a:off x="0" y="0"/>
+          <a:ext cx="0" cy="0"/>
+          <a:chOff x="0" y="0"/>
+          <a:chExt cx="0" cy="0"/>
+        </a:xfrm>
+      </p:grpSpPr>
+      <p:sp>
+        <p:nvSpPr>
+          <p:cNvPr id="32" name="文本框 31"/>
+          <p:cNvSpPr txBox="1"/>
+          <p:nvPr/>
+        </p:nvSpPr>
+        <p:spPr>
+          <a:xfrm>
+            <a:off x="959552" y="340946"/>
+            <a:ext cx="2377574" cy="584775"/>
+          </a:xfrm>
+          <a:prstGeom prst="rect">
+            <a:avLst/>
+          </a:prstGeom>
+          <a:noFill/>
+        </p:spPr>
+        <p:txBody>
+          <a:bodyPr wrap="none" rtlCol="0">
+            <a:spAutoFit/>
+          </a:bodyPr>
+          <a:lstStyle/>
+          <a:p>
+            <a:r>
+              <a:rPr lang="en-US" altLang="zh-CN" sz="3200" dirty="0" err="1" smtClean="0">
+                <a:latin typeface="OPPOSans R" panose="00020600040101010101" pitchFamily="18" charset="-122"/>
+                <a:ea typeface="OPPOSans R" panose="00020600040101010101" pitchFamily="18" charset="-122"/>
+                <a:cs typeface="OPPOSans R" panose="00020600040101010101" pitchFamily="18" charset="-122"/>
+              </a:rPr>
+              <a:t>Git</a:t>
+            </a:r>
+            <a:r>
+              <a:rPr lang="zh-CN" altLang="en-US" sz="3200" dirty="0" smtClean="0">
+                <a:latin typeface="OPPOSans R" panose="00020600040101010101" pitchFamily="18" charset="-122"/>
+                <a:ea typeface="OPPOSans R" panose="00020600040101010101" pitchFamily="18" charset="-122"/>
+                <a:cs typeface="OPPOSans R" panose="00020600040101010101" pitchFamily="18" charset="-122"/>
+              </a:rPr>
+              <a:t>远程仓库</a:t>
+            </a:r>
+            <a:endParaRPr lang="zh-CN" altLang="en-US" sz="3200" dirty="0">
+              <a:latin typeface="OPPOSans R" panose="00020600040101010101" pitchFamily="18" charset="-122"/>
+              <a:ea typeface="OPPOSans R" panose="00020600040101010101" pitchFamily="18" charset="-122"/>
+              <a:cs typeface="OPPOSans R" panose="00020600040101010101" pitchFamily="18" charset="-122"/>
+            </a:endParaRPr>
+          </a:p>
+        </p:txBody>
+      </p:sp>
+      <p:sp>
+        <p:nvSpPr>
+          <p:cNvPr id="39" name="矩形 38"/>
+          <p:cNvSpPr/>
+          <p:nvPr/>
+        </p:nvSpPr>
+        <p:spPr>
+          <a:xfrm>
+            <a:off x="0" y="462703"/>
+            <a:ext cx="794456" cy="738664"/>
+          </a:xfrm>
+          <a:prstGeom prst="rect">
+            <a:avLst/>
+          </a:prstGeom>
+          <a:solidFill>
+            <a:srgbClr val="9A0001"/>
+          </a:solidFill>
+          <a:ln>
+            <a:noFill/>
+          </a:ln>
+        </p:spPr>
+        <p:style>
+          <a:lnRef idx="2">
+            <a:schemeClr val="accent1">
+              <a:shade val="50000"/>
+            </a:schemeClr>
+          </a:lnRef>
+          <a:fillRef idx="1">
+            <a:schemeClr val="accent1"/>
+          </a:fillRef>
+          <a:effectRef idx="0">
+            <a:schemeClr val="accent1"/>
+          </a:effectRef>
+          <a:fontRef idx="minor">
+            <a:schemeClr val="lt1"/>
+          </a:fontRef>
+        </p:style>
+        <p:txBody>
+          <a:bodyPr rtlCol="0" anchor="ctr"/>
+          <a:lstStyle/>
+          <a:p>
+            <a:pPr algn="ctr"/>
+            <a:endParaRPr kumimoji="1" lang="zh-CN" altLang="en-US" sz="1600" dirty="0">
+              <a:latin typeface="OPPOSans R" panose="00020600040101010101" pitchFamily="18" charset="-122"/>
+              <a:ea typeface="OPPOSans R" panose="00020600040101010101" pitchFamily="18" charset="-122"/>
+            </a:endParaRPr>
+          </a:p>
+        </p:txBody>
+      </p:sp>
+      <p:sp>
+        <p:nvSpPr>
+          <p:cNvPr id="34" name="矩形 33"/>
+          <p:cNvSpPr/>
+          <p:nvPr/>
+        </p:nvSpPr>
+        <p:spPr>
+          <a:xfrm flipV="1">
+            <a:off x="7529454" y="6772905"/>
+            <a:ext cx="4682001" cy="128741"/>
+          </a:xfrm>
+          <a:prstGeom prst="rect">
+            <a:avLst/>
+          </a:prstGeom>
+          <a:solidFill>
+            <a:srgbClr val="9A0001"/>
+          </a:solidFill>
+          <a:ln>
+            <a:noFill/>
+          </a:ln>
+        </p:spPr>
+        <p:style>
+          <a:lnRef idx="2">
+            <a:schemeClr val="accent1">
+              <a:shade val="50000"/>
+            </a:schemeClr>
+          </a:lnRef>
+          <a:fillRef idx="1">
+            <a:schemeClr val="accent1"/>
+          </a:fillRef>
+          <a:effectRef idx="0">
+            <a:schemeClr val="accent1"/>
+          </a:effectRef>
+          <a:fontRef idx="minor">
+            <a:schemeClr val="lt1"/>
+          </a:fontRef>
+        </p:style>
+        <p:txBody>
+          <a:bodyPr rtlCol="0" anchor="ctr"/>
+          <a:lstStyle/>
+          <a:p>
+            <a:pPr algn="ctr"/>
+            <a:endParaRPr kumimoji="1" lang="zh-CN" altLang="en-US" sz="1600" dirty="0">
+              <a:latin typeface="OPPOSans R" panose="00020600040101010101" pitchFamily="18" charset="-122"/>
+              <a:ea typeface="OPPOSans R" panose="00020600040101010101" pitchFamily="18" charset="-122"/>
+            </a:endParaRPr>
+          </a:p>
+        </p:txBody>
+      </p:sp>
+      <p:pic>
+        <p:nvPicPr>
+          <p:cNvPr id="40" name="图片 39" descr="微信图片_20210609194104"/>
+          <p:cNvPicPr>
+            <a:picLocks noChangeAspect="1"/>
+          </p:cNvPicPr>
+          <p:nvPr/>
+        </p:nvPicPr>
+        <p:blipFill>
+          <a:blip r:embed="rId3"/>
+          <a:stretch>
+            <a:fillRect/>
+          </a:stretch>
+        </p:blipFill>
+        <p:spPr>
+          <a:xfrm>
+            <a:off x="8303298" y="453877"/>
+            <a:ext cx="3533140" cy="533400"/>
+          </a:xfrm>
+          <a:prstGeom prst="rect">
+            <a:avLst/>
+          </a:prstGeom>
+        </p:spPr>
+      </p:pic>
+      <p:sp>
+        <p:nvSpPr>
+          <p:cNvPr id="8" name="文本框 7"/>
+          <p:cNvSpPr txBox="1"/>
+          <p:nvPr/>
+        </p:nvSpPr>
+        <p:spPr>
+          <a:xfrm>
+            <a:off x="959551" y="1378618"/>
+            <a:ext cx="9753600" cy="1938992"/>
+          </a:xfrm>
+          <a:prstGeom prst="rect">
+            <a:avLst/>
+          </a:prstGeom>
+          <a:noFill/>
+        </p:spPr>
+        <p:txBody>
+          <a:bodyPr wrap="square" rtlCol="0">
+            <a:spAutoFit/>
+          </a:bodyPr>
+          <a:lstStyle/>
+          <a:p>
+            <a:pPr>
+              <a:lnSpc>
+                <a:spcPct val="150000"/>
+              </a:lnSpc>
+            </a:pPr>
+            <a:r>
+              <a:rPr lang="zh-CN" altLang="en-US" sz="2000" dirty="0" smtClean="0">
+                <a:latin typeface="微软雅黑" panose="020B0503020204020204" pitchFamily="34" charset="-122"/>
+                <a:ea typeface="微软雅黑" panose="020B0503020204020204" pitchFamily="34" charset="-122"/>
+              </a:rPr>
+              <a:t>把远程仓库的文件克隆到本地</a:t>
+            </a:r>
+            <a:endParaRPr lang="en-US" altLang="zh-CN" sz="2000" dirty="0" smtClean="0">
+              <a:latin typeface="微软雅黑" panose="020B0503020204020204" pitchFamily="34" charset="-122"/>
+              <a:ea typeface="微软雅黑" panose="020B0503020204020204" pitchFamily="34" charset="-122"/>
+            </a:endParaRPr>
+          </a:p>
+          <a:p>
+            <a:pPr>
+              <a:lnSpc>
+                <a:spcPct val="150000"/>
+              </a:lnSpc>
+            </a:pPr>
+            <a:r>
+              <a:rPr lang="zh-CN" altLang="en-US" sz="2000" dirty="0" smtClean="0">
+                <a:latin typeface="微软雅黑" panose="020B0503020204020204" pitchFamily="34" charset="-122"/>
+                <a:ea typeface="微软雅黑" panose="020B0503020204020204" pitchFamily="34" charset="-122"/>
+              </a:rPr>
+              <a:t>（</a:t>
+            </a:r>
+            <a:r>
+              <a:rPr lang="en-US" altLang="zh-CN" sz="2000" dirty="0" smtClean="0">
+                <a:latin typeface="微软雅黑" panose="020B0503020204020204" pitchFamily="34" charset="-122"/>
+                <a:ea typeface="微软雅黑" panose="020B0503020204020204" pitchFamily="34" charset="-122"/>
+              </a:rPr>
+              <a:t>1</a:t>
+            </a:r>
+            <a:r>
+              <a:rPr lang="zh-CN" altLang="en-US" sz="2000" dirty="0" smtClean="0">
+                <a:latin typeface="微软雅黑" panose="020B0503020204020204" pitchFamily="34" charset="-122"/>
+                <a:ea typeface="微软雅黑" panose="020B0503020204020204" pitchFamily="34" charset="-122"/>
+              </a:rPr>
+              <a:t>）进入到准备好的目录（建议为空）</a:t>
+            </a:r>
+            <a:endParaRPr lang="en-US" altLang="zh-CN" sz="2000" dirty="0" smtClean="0">
+              <a:latin typeface="微软雅黑" panose="020B0503020204020204" pitchFamily="34" charset="-122"/>
+              <a:ea typeface="微软雅黑" panose="020B0503020204020204" pitchFamily="34" charset="-122"/>
+            </a:endParaRPr>
+          </a:p>
+          <a:p>
+            <a:pPr>
+              <a:lnSpc>
+                <a:spcPct val="150000"/>
+              </a:lnSpc>
+            </a:pPr>
+            <a:r>
+              <a:rPr lang="zh-CN" altLang="en-US" sz="2000" dirty="0" smtClean="0">
+                <a:latin typeface="微软雅黑" panose="020B0503020204020204" pitchFamily="34" charset="-122"/>
+                <a:ea typeface="微软雅黑" panose="020B0503020204020204" pitchFamily="34" charset="-122"/>
+              </a:rPr>
+              <a:t>（</a:t>
+            </a:r>
+            <a:r>
+              <a:rPr lang="en-US" altLang="zh-CN" sz="2000" dirty="0" smtClean="0">
+                <a:latin typeface="微软雅黑" panose="020B0503020204020204" pitchFamily="34" charset="-122"/>
+                <a:ea typeface="微软雅黑" panose="020B0503020204020204" pitchFamily="34" charset="-122"/>
+              </a:rPr>
+              <a:t>2</a:t>
+            </a:r>
+            <a:r>
+              <a:rPr lang="zh-CN" altLang="en-US" sz="2000" dirty="0" smtClean="0">
+                <a:latin typeface="微软雅黑" panose="020B0503020204020204" pitchFamily="34" charset="-122"/>
+                <a:ea typeface="微软雅黑" panose="020B0503020204020204" pitchFamily="34" charset="-122"/>
+              </a:rPr>
+              <a:t>）执行克隆命令，会把远端仓库的所有文件克隆下来。</a:t>
+            </a:r>
+            <a:endParaRPr lang="en-US" altLang="zh-CN" sz="2000" dirty="0" smtClean="0">
+              <a:latin typeface="微软雅黑" panose="020B0503020204020204" pitchFamily="34" charset="-122"/>
+              <a:ea typeface="微软雅黑" panose="020B0503020204020204" pitchFamily="34" charset="-122"/>
+            </a:endParaRPr>
+          </a:p>
+          <a:p>
+            <a:pPr>
+              <a:lnSpc>
+                <a:spcPct val="150000"/>
+              </a:lnSpc>
+            </a:pPr>
+            <a:r>
+              <a:rPr lang="en-US" altLang="zh-CN" sz="2000" dirty="0" smtClean="0">
+                <a:latin typeface="微软雅黑" panose="020B0503020204020204" pitchFamily="34" charset="-122"/>
+                <a:ea typeface="微软雅黑" panose="020B0503020204020204" pitchFamily="34" charset="-122"/>
+              </a:rPr>
+              <a:t>         </a:t>
+            </a:r>
+            <a:r>
+              <a:rPr lang="en-US" altLang="zh-CN" sz="2000" dirty="0" err="1" smtClean="0">
+                <a:latin typeface="微软雅黑" panose="020B0503020204020204" pitchFamily="34" charset="-122"/>
+                <a:ea typeface="微软雅黑" panose="020B0503020204020204" pitchFamily="34" charset="-122"/>
+              </a:rPr>
+              <a:t>git</a:t>
+            </a:r>
+            <a:r>
+              <a:rPr lang="en-US" altLang="zh-CN" sz="2000" dirty="0" smtClean="0">
+                <a:latin typeface="微软雅黑" panose="020B0503020204020204" pitchFamily="34" charset="-122"/>
+                <a:ea typeface="微软雅黑" panose="020B0503020204020204" pitchFamily="34" charset="-122"/>
+              </a:rPr>
+              <a:t> clone https</a:t>
+            </a:r>
+            <a:r>
+              <a:rPr lang="en-US" altLang="zh-CN" sz="2000" dirty="0">
+                <a:latin typeface="微软雅黑" panose="020B0503020204020204" pitchFamily="34" charset="-122"/>
+                <a:ea typeface="微软雅黑" panose="020B0503020204020204" pitchFamily="34" charset="-122"/>
+              </a:rPr>
+              <a:t>://github.com/wudaoxi1100/webapp.git</a:t>
+            </a:r>
+            <a:endParaRPr lang="en-US" altLang="zh-CN" sz="2000" dirty="0" smtClean="0">
+              <a:latin typeface="微软雅黑" panose="020B0503020204020204" pitchFamily="34" charset="-122"/>
+              <a:ea typeface="微软雅黑" panose="020B0503020204020204" pitchFamily="34" charset="-122"/>
+            </a:endParaRPr>
+          </a:p>
+        </p:txBody>
+      </p:sp>
+      <p:sp>
+        <p:nvSpPr>
+          <p:cNvPr id="9" name="文本框 8"/>
+          <p:cNvSpPr txBox="1"/>
+          <p:nvPr/>
+        </p:nvSpPr>
+        <p:spPr>
+          <a:xfrm>
+            <a:off x="959551" y="904570"/>
+            <a:ext cx="5105087" cy="369332"/>
+          </a:xfrm>
+          <a:prstGeom prst="rect">
+            <a:avLst/>
+          </a:prstGeom>
+          <a:noFill/>
+        </p:spPr>
+        <p:txBody>
+          <a:bodyPr wrap="square">
+            <a:spAutoFit/>
+          </a:bodyPr>
+          <a:lstStyle/>
+          <a:p>
+            <a:r>
+              <a:rPr lang="zh-CN" altLang="en-US" dirty="0" smtClean="0">
+                <a:solidFill>
+                  <a:schemeClr val="tx1">
+                    <a:lumMod val="50000"/>
+                    <a:lumOff val="50000"/>
+                  </a:schemeClr>
+                </a:solidFill>
+                <a:latin typeface="OPPOSans R" panose="00020600040101010101" pitchFamily="18" charset="-122"/>
+                <a:ea typeface="OPPOSans R" panose="00020600040101010101" pitchFamily="18" charset="-122"/>
+                <a:cs typeface="OPPOSans R" panose="00020600040101010101" pitchFamily="18" charset="-122"/>
+              </a:rPr>
+              <a:t>克隆远程仓库</a:t>
+            </a:r>
+            <a:endParaRPr lang="zh-CN" altLang="en-US" dirty="0">
+              <a:solidFill>
+                <a:schemeClr val="tx1">
+                  <a:lumMod val="50000"/>
+                  <a:lumOff val="50000"/>
+                </a:schemeClr>
+              </a:solidFill>
+              <a:latin typeface="OPPOSans R" panose="00020600040101010101" pitchFamily="18" charset="-122"/>
+              <a:ea typeface="OPPOSans R" panose="00020600040101010101" pitchFamily="18" charset="-122"/>
+              <a:cs typeface="OPPOSans R" panose="00020600040101010101" pitchFamily="18" charset="-122"/>
+            </a:endParaRPr>
+          </a:p>
+        </p:txBody>
+      </p:sp>
+      <p:pic>
+        <p:nvPicPr>
+          <p:cNvPr id="4" name="图片 3"/>
+          <p:cNvPicPr>
+            <a:picLocks noChangeAspect="1"/>
+          </p:cNvPicPr>
+          <p:nvPr/>
+        </p:nvPicPr>
+        <p:blipFill>
+          <a:blip r:embed="rId4"/>
+          <a:stretch>
+            <a:fillRect/>
+          </a:stretch>
+        </p:blipFill>
+        <p:spPr>
+          <a:xfrm>
+            <a:off x="1151530" y="3656617"/>
+            <a:ext cx="8118419" cy="2145159"/>
+          </a:xfrm>
+          <a:prstGeom prst="rect">
+            <a:avLst/>
+          </a:prstGeom>
+        </p:spPr>
+      </p:pic>
+    </p:spTree>
+    <p:extLst>
+      <p:ext uri="{BB962C8B-B14F-4D97-AF65-F5344CB8AC3E}">
+        <p14:creationId xmlns:p14="http://schemas.microsoft.com/office/powerpoint/2010/main" val="3137279216"/>
+      </p:ext>
+    </p:extLst>
+  </p:cSld>
+  <p:clrMapOvr>
+    <a:masterClrMapping/>
+  </p:clrMapOvr>
+  <mc:AlternateContent xmlns:mc="http://schemas.openxmlformats.org/markup-compatibility/2006" xmlns:p14="http://schemas.microsoft.com/office/powerpoint/2010/main">
+    <mc:Choice Requires="p14">
+      <p:transition spd="med" p14:dur="700">
+        <p:fade/>
+      </p:transition>
+    </mc:Choice>
+    <mc:Fallback xmlns="">
+      <p:transition spd="med">
+        <p:fade/>
+      </p:transition>
+    </mc:Fallback>
+  </mc:AlternateContent>
+  <p:timing>
+    <p:tnLst>
+      <p:par>
+        <p:cTn id="1" dur="indefinite" restart="never" nodeType="tmRoot"/>
+      </p:par>
+    </p:tnLst>
+  </p:timing>
+</p:sld>
+</file>
+
+<file path=ppt/slides/slide26.xml><?xml version="1.0" encoding="utf-8"?>
+<p:sld xmlns:a="http://schemas.openxmlformats.org/drawingml/2006/main" xmlns:r="http://schemas.openxmlformats.org/officeDocument/2006/relationships" xmlns:p="http://schemas.openxmlformats.org/presentationml/2006/main">
+  <p:cSld>
+    <p:spTree>
+      <p:nvGrpSpPr>
+        <p:cNvPr id="1" name=""/>
+        <p:cNvGrpSpPr/>
+        <p:nvPr/>
+      </p:nvGrpSpPr>
+      <p:grpSpPr>
+        <a:xfrm>
+          <a:off x="0" y="0"/>
+          <a:ext cx="0" cy="0"/>
+          <a:chOff x="0" y="0"/>
+          <a:chExt cx="0" cy="0"/>
+        </a:xfrm>
+      </p:grpSpPr>
+      <p:sp>
+        <p:nvSpPr>
           <p:cNvPr id="38" name="矩形 37"/>
           <p:cNvSpPr/>
           <p:nvPr/>
@@ -13881,9 +16788,9 @@
         <p:grpSpPr>
           <a:xfrm>
             <a:off x="2649844" y="2311804"/>
-            <a:ext cx="5357259" cy="1708160"/>
+            <a:ext cx="5357259" cy="1658433"/>
             <a:chOff x="1209755" y="4318056"/>
-            <a:chExt cx="5357259" cy="1708160"/>
+            <a:chExt cx="5357259" cy="1658433"/>
           </a:xfrm>
         </p:grpSpPr>
         <p:sp>
@@ -13933,7 +16840,7 @@
           <p:spPr>
             <a:xfrm>
               <a:off x="3092986" y="4456556"/>
-              <a:ext cx="3474028" cy="1569660"/>
+              <a:ext cx="3474028" cy="830997"/>
             </a:xfrm>
             <a:prstGeom prst="rect">
               <a:avLst/>
@@ -13958,14 +16865,8 @@
                   <a:latin typeface="OPPOSans R" panose="00020600040101010101" pitchFamily="18" charset="-122"/>
                   <a:ea typeface="OPPOSans R" panose="00020600040101010101" pitchFamily="18" charset="-122"/>
                 </a:rPr>
-                <a:t>知识扩展</a:t>
+                <a:t>分支管理</a:t>
               </a:r>
-              <a:endParaRPr lang="en-US" altLang="zh-CN" sz="4800" dirty="0" smtClean="0">
-                <a:latin typeface="OPPOSans R" panose="00020600040101010101" pitchFamily="18" charset="-122"/>
-                <a:ea typeface="OPPOSans R" panose="00020600040101010101" pitchFamily="18" charset="-122"/>
-              </a:endParaRPr>
-            </a:p>
-            <a:p>
               <a:endParaRPr lang="zh-CN" altLang="en-US" sz="4800" dirty="0">
                 <a:latin typeface="OPPOSans R" panose="00020600040101010101" pitchFamily="18" charset="-122"/>
                 <a:ea typeface="OPPOSans R" panose="00020600040101010101" pitchFamily="18" charset="-122"/>
@@ -15217,7 +18118,7 @@
     </p:spTree>
     <p:extLst>
       <p:ext uri="{BB962C8B-B14F-4D97-AF65-F5344CB8AC3E}">
-        <p14:creationId xmlns:p14="http://schemas.microsoft.com/office/powerpoint/2010/main" val="3142876515"/>
+        <p14:creationId xmlns:p14="http://schemas.microsoft.com/office/powerpoint/2010/main" val="1573061146"/>
       </p:ext>
     </p:extLst>
   </p:cSld>
@@ -15246,7 +18147,7 @@
 </p:sld>
 </file>
 
-<file path=ppt/slides/slide23.xml><?xml version="1.0" encoding="utf-8"?>
+<file path=ppt/slides/slide27.xml><?xml version="1.0" encoding="utf-8"?>
 <p:sld xmlns:a="http://schemas.openxmlformats.org/drawingml/2006/main" xmlns:r="http://schemas.openxmlformats.org/officeDocument/2006/relationships" xmlns:p="http://schemas.openxmlformats.org/presentationml/2006/main">
   <p:cSld>
     <p:spTree>
@@ -15294,12 +18195,12 @@
               <a:t>Git</a:t>
             </a:r>
             <a:r>
-              <a:rPr lang="zh-CN" altLang="en-US" sz="3200" dirty="0" smtClean="0">
+              <a:rPr lang="zh-CN" altLang="en-US" sz="3200" dirty="0">
                 <a:latin typeface="OPPOSans R" panose="00020600040101010101" pitchFamily="18" charset="-122"/>
                 <a:ea typeface="OPPOSans R" panose="00020600040101010101" pitchFamily="18" charset="-122"/>
                 <a:cs typeface="OPPOSans R" panose="00020600040101010101" pitchFamily="18" charset="-122"/>
               </a:rPr>
-              <a:t>知识扩展</a:t>
+              <a:t>分制管理</a:t>
             </a:r>
             <a:endParaRPr lang="zh-CN" altLang="en-US" sz="3200" dirty="0">
               <a:latin typeface="OPPOSans R" panose="00020600040101010101" pitchFamily="18" charset="-122"/>
@@ -15440,7 +18341,7 @@
         <p:spPr>
           <a:xfrm>
             <a:off x="959552" y="1500598"/>
-            <a:ext cx="9753600" cy="540341"/>
+            <a:ext cx="9753600" cy="2631490"/>
           </a:xfrm>
           <a:prstGeom prst="rect">
             <a:avLst/>
@@ -15459,12 +18360,37 @@
               </a:lnSpc>
             </a:pPr>
             <a:r>
+              <a:rPr lang="en-US" altLang="zh-CN" sz="2200" dirty="0" err="1" smtClean="0">
+                <a:latin typeface="微软雅黑" panose="020B0503020204020204" pitchFamily="34" charset="-122"/>
+                <a:ea typeface="微软雅黑" panose="020B0503020204020204" pitchFamily="34" charset="-122"/>
+              </a:rPr>
+              <a:t>Git</a:t>
+            </a:r>
+            <a:r>
+              <a:rPr lang="en-US" altLang="zh-CN" sz="2200" dirty="0" smtClean="0">
+                <a:latin typeface="微软雅黑" panose="020B0503020204020204" pitchFamily="34" charset="-122"/>
+                <a:ea typeface="微软雅黑" panose="020B0503020204020204" pitchFamily="34" charset="-122"/>
+              </a:rPr>
+              <a:t> branch</a:t>
+            </a:r>
+            <a:r>
               <a:rPr lang="zh-CN" altLang="en-US" sz="2200" dirty="0" smtClean="0">
                 <a:latin typeface="微软雅黑" panose="020B0503020204020204" pitchFamily="34" charset="-122"/>
                 <a:ea typeface="微软雅黑" panose="020B0503020204020204" pitchFamily="34" charset="-122"/>
               </a:rPr>
-              <a:t>常见的</a:t>
-            </a:r>
+              <a:t>，查看分支</a:t>
+            </a:r>
+            <a:endParaRPr lang="en-US" altLang="zh-CN" sz="2200" dirty="0" smtClean="0">
+              <a:latin typeface="微软雅黑" panose="020B0503020204020204" pitchFamily="34" charset="-122"/>
+              <a:ea typeface="微软雅黑" panose="020B0503020204020204" pitchFamily="34" charset="-122"/>
+            </a:endParaRPr>
+          </a:p>
+          <a:p>
+            <a:pPr>
+              <a:lnSpc>
+                <a:spcPct val="150000"/>
+              </a:lnSpc>
+            </a:pPr>
             <a:r>
               <a:rPr lang="en-US" altLang="zh-CN" sz="2200" dirty="0" err="1" smtClean="0">
                 <a:latin typeface="微软雅黑" panose="020B0503020204020204" pitchFamily="34" charset="-122"/>
@@ -15473,11 +18399,170 @@
               <a:t>Git</a:t>
             </a:r>
             <a:r>
+              <a:rPr lang="en-US" altLang="zh-CN" sz="2200" dirty="0" smtClean="0">
+                <a:latin typeface="微软雅黑" panose="020B0503020204020204" pitchFamily="34" charset="-122"/>
+                <a:ea typeface="微软雅黑" panose="020B0503020204020204" pitchFamily="34" charset="-122"/>
+              </a:rPr>
+              <a:t> branch &lt;name&gt;</a:t>
+            </a:r>
+            <a:r>
               <a:rPr lang="zh-CN" altLang="en-US" sz="2200" dirty="0" smtClean="0">
                 <a:latin typeface="微软雅黑" panose="020B0503020204020204" pitchFamily="34" charset="-122"/>
                 <a:ea typeface="微软雅黑" panose="020B0503020204020204" pitchFamily="34" charset="-122"/>
               </a:rPr>
-              <a:t>图形操作软件</a:t>
+              <a:t>，创建分支</a:t>
+            </a:r>
+            <a:endParaRPr lang="en-US" altLang="zh-CN" sz="2200" dirty="0" smtClean="0">
+              <a:latin typeface="微软雅黑" panose="020B0503020204020204" pitchFamily="34" charset="-122"/>
+              <a:ea typeface="微软雅黑" panose="020B0503020204020204" pitchFamily="34" charset="-122"/>
+            </a:endParaRPr>
+          </a:p>
+          <a:p>
+            <a:pPr>
+              <a:lnSpc>
+                <a:spcPct val="150000"/>
+              </a:lnSpc>
+            </a:pPr>
+            <a:r>
+              <a:rPr lang="en-US" altLang="zh-CN" sz="2200" dirty="0" err="1" smtClean="0">
+                <a:latin typeface="微软雅黑" panose="020B0503020204020204" pitchFamily="34" charset="-122"/>
+                <a:ea typeface="微软雅黑" panose="020B0503020204020204" pitchFamily="34" charset="-122"/>
+              </a:rPr>
+              <a:t>Git</a:t>
+            </a:r>
+            <a:r>
+              <a:rPr lang="en-US" altLang="zh-CN" sz="2200" dirty="0" smtClean="0">
+                <a:latin typeface="微软雅黑" panose="020B0503020204020204" pitchFamily="34" charset="-122"/>
+                <a:ea typeface="微软雅黑" panose="020B0503020204020204" pitchFamily="34" charset="-122"/>
+              </a:rPr>
+              <a:t> </a:t>
+            </a:r>
+            <a:r>
+              <a:rPr lang="en-US" altLang="zh-CN" sz="2200" dirty="0">
+                <a:latin typeface="微软雅黑" panose="020B0503020204020204" pitchFamily="34" charset="-122"/>
+                <a:ea typeface="微软雅黑" panose="020B0503020204020204" pitchFamily="34" charset="-122"/>
+              </a:rPr>
+              <a:t>switch &lt;name</a:t>
+            </a:r>
+            <a:r>
+              <a:rPr lang="en-US" altLang="zh-CN" sz="2200" dirty="0" smtClean="0">
+                <a:latin typeface="微软雅黑" panose="020B0503020204020204" pitchFamily="34" charset="-122"/>
+                <a:ea typeface="微软雅黑" panose="020B0503020204020204" pitchFamily="34" charset="-122"/>
+              </a:rPr>
+              <a:t>&gt; </a:t>
+            </a:r>
+            <a:r>
+              <a:rPr lang="zh-CN" altLang="en-US" sz="2200" dirty="0" smtClean="0">
+                <a:latin typeface="微软雅黑" panose="020B0503020204020204" pitchFamily="34" charset="-122"/>
+                <a:ea typeface="微软雅黑" panose="020B0503020204020204" pitchFamily="34" charset="-122"/>
+              </a:rPr>
+              <a:t>，切换分支，</a:t>
+            </a:r>
+            <a:r>
+              <a:rPr lang="en-US" altLang="zh-CN" sz="2200" dirty="0" smtClean="0">
+                <a:latin typeface="微软雅黑" panose="020B0503020204020204" pitchFamily="34" charset="-122"/>
+                <a:ea typeface="微软雅黑" panose="020B0503020204020204" pitchFamily="34" charset="-122"/>
+              </a:rPr>
+              <a:t>-c </a:t>
+            </a:r>
+            <a:r>
+              <a:rPr lang="zh-CN" altLang="en-US" sz="2200" dirty="0" smtClean="0">
+                <a:latin typeface="微软雅黑" panose="020B0503020204020204" pitchFamily="34" charset="-122"/>
+                <a:ea typeface="微软雅黑" panose="020B0503020204020204" pitchFamily="34" charset="-122"/>
+              </a:rPr>
+              <a:t>参数，创建并切换分支</a:t>
+            </a:r>
+            <a:endParaRPr lang="en-US" altLang="zh-CN" sz="2200" dirty="0" smtClean="0">
+              <a:latin typeface="微软雅黑" panose="020B0503020204020204" pitchFamily="34" charset="-122"/>
+              <a:ea typeface="微软雅黑" panose="020B0503020204020204" pitchFamily="34" charset="-122"/>
+            </a:endParaRPr>
+          </a:p>
+          <a:p>
+            <a:pPr>
+              <a:lnSpc>
+                <a:spcPct val="150000"/>
+              </a:lnSpc>
+            </a:pPr>
+            <a:r>
+              <a:rPr lang="en-US" altLang="zh-CN" sz="2200" dirty="0" err="1" smtClean="0">
+                <a:latin typeface="微软雅黑" panose="020B0503020204020204" pitchFamily="34" charset="-122"/>
+                <a:ea typeface="微软雅黑" panose="020B0503020204020204" pitchFamily="34" charset="-122"/>
+              </a:rPr>
+              <a:t>Git</a:t>
+            </a:r>
+            <a:r>
+              <a:rPr lang="en-US" altLang="zh-CN" sz="2200" dirty="0" smtClean="0">
+                <a:latin typeface="微软雅黑" panose="020B0503020204020204" pitchFamily="34" charset="-122"/>
+                <a:ea typeface="微软雅黑" panose="020B0503020204020204" pitchFamily="34" charset="-122"/>
+              </a:rPr>
+              <a:t> </a:t>
+            </a:r>
+            <a:r>
+              <a:rPr lang="en-US" altLang="zh-CN" sz="2200" dirty="0">
+                <a:latin typeface="微软雅黑" panose="020B0503020204020204" pitchFamily="34" charset="-122"/>
+                <a:ea typeface="微软雅黑" panose="020B0503020204020204" pitchFamily="34" charset="-122"/>
+              </a:rPr>
+              <a:t>merge &lt;name</a:t>
+            </a:r>
+            <a:r>
+              <a:rPr lang="en-US" altLang="zh-CN" sz="2200" dirty="0" smtClean="0">
+                <a:latin typeface="微软雅黑" panose="020B0503020204020204" pitchFamily="34" charset="-122"/>
+                <a:ea typeface="微软雅黑" panose="020B0503020204020204" pitchFamily="34" charset="-122"/>
+              </a:rPr>
+              <a:t>&gt;</a:t>
+            </a:r>
+            <a:r>
+              <a:rPr lang="zh-CN" altLang="en-US" sz="2200" dirty="0" smtClean="0">
+                <a:latin typeface="微软雅黑" panose="020B0503020204020204" pitchFamily="34" charset="-122"/>
+                <a:ea typeface="微软雅黑" panose="020B0503020204020204" pitchFamily="34" charset="-122"/>
+              </a:rPr>
+              <a:t>，合并指定分支到当前分支</a:t>
+            </a:r>
+            <a:endParaRPr lang="en-US" altLang="zh-CN" sz="2200" dirty="0" smtClean="0">
+              <a:latin typeface="微软雅黑" panose="020B0503020204020204" pitchFamily="34" charset="-122"/>
+              <a:ea typeface="微软雅黑" panose="020B0503020204020204" pitchFamily="34" charset="-122"/>
+            </a:endParaRPr>
+          </a:p>
+          <a:p>
+            <a:pPr>
+              <a:lnSpc>
+                <a:spcPct val="150000"/>
+              </a:lnSpc>
+            </a:pPr>
+            <a:r>
+              <a:rPr lang="en-US" altLang="zh-CN" sz="2200" dirty="0" err="1" smtClean="0">
+                <a:latin typeface="微软雅黑" panose="020B0503020204020204" pitchFamily="34" charset="-122"/>
+                <a:ea typeface="微软雅黑" panose="020B0503020204020204" pitchFamily="34" charset="-122"/>
+              </a:rPr>
+              <a:t>Git</a:t>
+            </a:r>
+            <a:r>
+              <a:rPr lang="en-US" altLang="zh-CN" sz="2200" dirty="0" smtClean="0">
+                <a:latin typeface="微软雅黑" panose="020B0503020204020204" pitchFamily="34" charset="-122"/>
+                <a:ea typeface="微软雅黑" panose="020B0503020204020204" pitchFamily="34" charset="-122"/>
+              </a:rPr>
+              <a:t> </a:t>
+            </a:r>
+            <a:r>
+              <a:rPr lang="en-US" altLang="zh-CN" sz="2200" dirty="0">
+                <a:latin typeface="微软雅黑" panose="020B0503020204020204" pitchFamily="34" charset="-122"/>
+                <a:ea typeface="微软雅黑" panose="020B0503020204020204" pitchFamily="34" charset="-122"/>
+              </a:rPr>
+              <a:t>branch -d &lt;name</a:t>
+            </a:r>
+            <a:r>
+              <a:rPr lang="en-US" altLang="zh-CN" sz="2200" dirty="0" smtClean="0">
+                <a:latin typeface="微软雅黑" panose="020B0503020204020204" pitchFamily="34" charset="-122"/>
+                <a:ea typeface="微软雅黑" panose="020B0503020204020204" pitchFamily="34" charset="-122"/>
+              </a:rPr>
+              <a:t>&gt;</a:t>
+            </a:r>
+            <a:r>
+              <a:rPr lang="zh-CN" altLang="en-US" sz="2200" dirty="0" smtClean="0">
+                <a:latin typeface="微软雅黑" panose="020B0503020204020204" pitchFamily="34" charset="-122"/>
+                <a:ea typeface="微软雅黑" panose="020B0503020204020204" pitchFamily="34" charset="-122"/>
+              </a:rPr>
+              <a:t>，删除分支</a:t>
             </a:r>
             <a:endParaRPr lang="en-US" altLang="zh-CN" sz="2200" dirty="0" smtClean="0">
               <a:latin typeface="微软雅黑" panose="020B0503020204020204" pitchFamily="34" charset="-122"/>
@@ -15520,7 +18605,7 @@
                 <a:ea typeface="OPPOSans R" panose="00020600040101010101" pitchFamily="18" charset="-122"/>
                 <a:cs typeface="OPPOSans R" panose="00020600040101010101" pitchFamily="18" charset="-122"/>
               </a:rPr>
-              <a:t>图形化操作界面</a:t>
+              <a:t>常用命令</a:t>
             </a:r>
             <a:endParaRPr lang="zh-CN" altLang="en-US" dirty="0">
               <a:solidFill>
@@ -15568,7 +18653,7 @@
 </p:sld>
 </file>
 
-<file path=ppt/slides/slide24.xml><?xml version="1.0" encoding="utf-8"?>
+<file path=ppt/slides/slide28.xml><?xml version="1.0" encoding="utf-8"?>
 <p:sld xmlns:a="http://schemas.openxmlformats.org/drawingml/2006/main" xmlns:r="http://schemas.openxmlformats.org/officeDocument/2006/relationships" xmlns:p="http://schemas.openxmlformats.org/presentationml/2006/main">
   <p:cSld>
     <p:spTree>
@@ -15616,12 +18701,12 @@
               <a:t>Git</a:t>
             </a:r>
             <a:r>
-              <a:rPr lang="zh-CN" altLang="en-US" sz="3200" dirty="0" smtClean="0">
+              <a:rPr lang="zh-CN" altLang="en-US" sz="3200" dirty="0">
                 <a:latin typeface="OPPOSans R" panose="00020600040101010101" pitchFamily="18" charset="-122"/>
                 <a:ea typeface="OPPOSans R" panose="00020600040101010101" pitchFamily="18" charset="-122"/>
                 <a:cs typeface="OPPOSans R" panose="00020600040101010101" pitchFamily="18" charset="-122"/>
               </a:rPr>
-              <a:t>知识扩展</a:t>
+              <a:t>分制管理</a:t>
             </a:r>
             <a:endParaRPr lang="zh-CN" altLang="en-US" sz="3200" dirty="0">
               <a:latin typeface="OPPOSans R" panose="00020600040101010101" pitchFamily="18" charset="-122"/>
@@ -15755,14 +18840,14 @@
       </p:pic>
       <p:sp>
         <p:nvSpPr>
-          <p:cNvPr id="35" name="文本框 34"/>
+          <p:cNvPr id="8" name="文本框 7"/>
           <p:cNvSpPr txBox="1"/>
           <p:nvPr/>
         </p:nvSpPr>
         <p:spPr>
           <a:xfrm>
-            <a:off x="959552" y="1425054"/>
-            <a:ext cx="9753600" cy="1107996"/>
+            <a:off x="959551" y="1387250"/>
+            <a:ext cx="9753600" cy="2585323"/>
           </a:xfrm>
           <a:prstGeom prst="rect">
             <a:avLst/>
@@ -15781,163 +18866,108 @@
               </a:lnSpc>
             </a:pPr>
             <a:r>
-              <a:rPr lang="zh-CN" altLang="en-US" sz="2200" dirty="0" smtClean="0">
-                <a:latin typeface="微软雅黑" panose="020B0503020204020204" pitchFamily="34" charset="-122"/>
-                <a:ea typeface="微软雅黑" panose="020B0503020204020204" pitchFamily="34" charset="-122"/>
-              </a:rPr>
-              <a:t>既然人人都可以自报家门（自定义</a:t>
-            </a:r>
-            <a:r>
-              <a:rPr lang="en-US" altLang="zh-CN" sz="2200" dirty="0" smtClean="0">
-                <a:latin typeface="微软雅黑" panose="020B0503020204020204" pitchFamily="34" charset="-122"/>
-                <a:ea typeface="微软雅黑" panose="020B0503020204020204" pitchFamily="34" charset="-122"/>
-              </a:rPr>
-              <a:t>user</a:t>
-            </a:r>
-            <a:r>
-              <a:rPr lang="zh-CN" altLang="en-US" sz="2200" dirty="0" smtClean="0">
-                <a:latin typeface="微软雅黑" panose="020B0503020204020204" pitchFamily="34" charset="-122"/>
-                <a:ea typeface="微软雅黑" panose="020B0503020204020204" pitchFamily="34" charset="-122"/>
-              </a:rPr>
-              <a:t>和</a:t>
-            </a:r>
-            <a:r>
-              <a:rPr lang="en-US" altLang="zh-CN" sz="2200" dirty="0" smtClean="0">
-                <a:latin typeface="微软雅黑" panose="020B0503020204020204" pitchFamily="34" charset="-122"/>
-                <a:ea typeface="微软雅黑" panose="020B0503020204020204" pitchFamily="34" charset="-122"/>
-              </a:rPr>
-              <a:t>email</a:t>
-            </a:r>
-            <a:r>
-              <a:rPr lang="zh-CN" altLang="en-US" sz="2200" dirty="0" smtClean="0">
-                <a:latin typeface="微软雅黑" panose="020B0503020204020204" pitchFamily="34" charset="-122"/>
-                <a:ea typeface="微软雅黑" panose="020B0503020204020204" pitchFamily="34" charset="-122"/>
-              </a:rPr>
-              <a:t>），那么如何</a:t>
-            </a:r>
-            <a:r>
-              <a:rPr lang="zh-CN" altLang="en-US" sz="2200" dirty="0">
-                <a:latin typeface="微软雅黑" panose="020B0503020204020204" pitchFamily="34" charset="-122"/>
-                <a:ea typeface="微软雅黑" panose="020B0503020204020204" pitchFamily="34" charset="-122"/>
-              </a:rPr>
-              <a:t>防止别人</a:t>
-            </a:r>
-            <a:r>
-              <a:rPr lang="zh-CN" altLang="en-US" sz="2200" dirty="0" smtClean="0">
-                <a:latin typeface="微软雅黑" panose="020B0503020204020204" pitchFamily="34" charset="-122"/>
-                <a:ea typeface="微软雅黑" panose="020B0503020204020204" pitchFamily="34" charset="-122"/>
-              </a:rPr>
-              <a:t>冒充</a:t>
-            </a:r>
-            <a:r>
-              <a:rPr lang="zh-CN" altLang="en-US" sz="2200" dirty="0">
-                <a:latin typeface="微软雅黑" panose="020B0503020204020204" pitchFamily="34" charset="-122"/>
-                <a:ea typeface="微软雅黑" panose="020B0503020204020204" pitchFamily="34" charset="-122"/>
-              </a:rPr>
-              <a:t>自己</a:t>
-            </a:r>
-            <a:r>
-              <a:rPr lang="zh-CN" altLang="en-US" sz="2200" dirty="0" smtClean="0">
-                <a:latin typeface="微软雅黑" panose="020B0503020204020204" pitchFamily="34" charset="-122"/>
-                <a:ea typeface="微软雅黑" panose="020B0503020204020204" pitchFamily="34" charset="-122"/>
-              </a:rPr>
-              <a:t>身份？</a:t>
-            </a:r>
-            <a:endParaRPr lang="en-US" altLang="zh-CN" sz="2200" dirty="0" smtClean="0">
-              <a:latin typeface="微软雅黑" panose="020B0503020204020204" pitchFamily="34" charset="-122"/>
-              <a:ea typeface="微软雅黑" panose="020B0503020204020204" pitchFamily="34" charset="-122"/>
-            </a:endParaRPr>
-          </a:p>
-        </p:txBody>
-      </p:sp>
-      <p:sp>
-        <p:nvSpPr>
-          <p:cNvPr id="8" name="文本框 7"/>
-          <p:cNvSpPr txBox="1"/>
-          <p:nvPr/>
-        </p:nvSpPr>
-        <p:spPr>
-          <a:xfrm>
-            <a:off x="959551" y="3334705"/>
-            <a:ext cx="9753600" cy="3000821"/>
-          </a:xfrm>
-          <a:prstGeom prst="rect">
-            <a:avLst/>
-          </a:prstGeom>
-          <a:noFill/>
-        </p:spPr>
-        <p:txBody>
-          <a:bodyPr wrap="square" rtlCol="0">
-            <a:spAutoFit/>
-          </a:bodyPr>
-          <a:lstStyle/>
-          <a:p>
-            <a:pPr>
-              <a:lnSpc>
-                <a:spcPct val="150000"/>
-              </a:lnSpc>
-            </a:pPr>
-            <a:r>
               <a:rPr lang="zh-CN" altLang="en-US" dirty="0" smtClean="0">
                 <a:latin typeface="微软雅黑" panose="020B0503020204020204" pitchFamily="34" charset="-122"/>
                 <a:ea typeface="微软雅黑" panose="020B0503020204020204" pitchFamily="34" charset="-122"/>
               </a:rPr>
-              <a:t>我们可以使用</a:t>
+              <a:t>每次</a:t>
             </a:r>
             <a:r>
               <a:rPr lang="en-US" altLang="zh-CN" dirty="0" smtClean="0">
                 <a:latin typeface="微软雅黑" panose="020B0503020204020204" pitchFamily="34" charset="-122"/>
                 <a:ea typeface="微软雅黑" panose="020B0503020204020204" pitchFamily="34" charset="-122"/>
               </a:rPr>
-              <a:t>GPG key</a:t>
+              <a:t>commit</a:t>
             </a:r>
             <a:r>
               <a:rPr lang="zh-CN" altLang="en-US" dirty="0" smtClean="0">
                 <a:latin typeface="微软雅黑" panose="020B0503020204020204" pitchFamily="34" charset="-122"/>
                 <a:ea typeface="微软雅黑" panose="020B0503020204020204" pitchFamily="34" charset="-122"/>
               </a:rPr>
-              <a:t>来证明</a:t>
-            </a:r>
-            <a:r>
-              <a:rPr lang="en-US" altLang="zh-CN" dirty="0" smtClean="0">
-                <a:latin typeface="微软雅黑" panose="020B0503020204020204" pitchFamily="34" charset="-122"/>
-                <a:ea typeface="微软雅黑" panose="020B0503020204020204" pitchFamily="34" charset="-122"/>
-              </a:rPr>
-              <a:t>commit</a:t>
+              <a:t>，</a:t>
+            </a:r>
+            <a:r>
+              <a:rPr lang="en-US" altLang="zh-CN" dirty="0" err="1" smtClean="0">
+                <a:latin typeface="微软雅黑" panose="020B0503020204020204" pitchFamily="34" charset="-122"/>
+                <a:ea typeface="微软雅黑" panose="020B0503020204020204" pitchFamily="34" charset="-122"/>
+              </a:rPr>
+              <a:t>Git</a:t>
+            </a:r>
+            <a:r>
+              <a:rPr lang="zh-CN" altLang="en-US" dirty="0">
+                <a:latin typeface="微软雅黑" panose="020B0503020204020204" pitchFamily="34" charset="-122"/>
+                <a:ea typeface="微软雅黑" panose="020B0503020204020204" pitchFamily="34" charset="-122"/>
+              </a:rPr>
+              <a:t>都把它们串成一条时间线，这条时间线就是一个分支</a:t>
             </a:r>
             <a:r>
               <a:rPr lang="zh-CN" altLang="en-US" dirty="0" smtClean="0">
                 <a:latin typeface="微软雅黑" panose="020B0503020204020204" pitchFamily="34" charset="-122"/>
                 <a:ea typeface="微软雅黑" panose="020B0503020204020204" pitchFamily="34" charset="-122"/>
               </a:rPr>
-              <a:t>著作权。</a:t>
-            </a:r>
-            <a:r>
-              <a:rPr lang="en-US" altLang="zh-CN" dirty="0" smtClean="0">
-                <a:latin typeface="微软雅黑" panose="020B0503020204020204" pitchFamily="34" charset="-122"/>
-                <a:ea typeface="微软雅黑" panose="020B0503020204020204" pitchFamily="34" charset="-122"/>
-              </a:rPr>
-              <a:t>GPG </a:t>
+              <a:t>。刚开始我们只有</a:t>
             </a:r>
             <a:r>
               <a:rPr lang="zh-CN" altLang="en-US" dirty="0">
                 <a:latin typeface="微软雅黑" panose="020B0503020204020204" pitchFamily="34" charset="-122"/>
                 <a:ea typeface="微软雅黑" panose="020B0503020204020204" pitchFamily="34" charset="-122"/>
               </a:rPr>
-              <a:t>全称为 </a:t>
+              <a:t>一条时间线</a:t>
+            </a:r>
+            <a:r>
+              <a:rPr lang="zh-CN" altLang="en-US" dirty="0" smtClean="0">
+                <a:latin typeface="微软雅黑" panose="020B0503020204020204" pitchFamily="34" charset="-122"/>
+                <a:ea typeface="微软雅黑" panose="020B0503020204020204" pitchFamily="34" charset="-122"/>
+              </a:rPr>
+              <a:t>，这个</a:t>
+            </a:r>
+            <a:r>
+              <a:rPr lang="zh-CN" altLang="en-US" dirty="0">
+                <a:latin typeface="微软雅黑" panose="020B0503020204020204" pitchFamily="34" charset="-122"/>
+                <a:ea typeface="微软雅黑" panose="020B0503020204020204" pitchFamily="34" charset="-122"/>
+              </a:rPr>
+              <a:t>分支叫主分支，即</a:t>
             </a:r>
             <a:r>
               <a:rPr lang="en-US" altLang="zh-CN" dirty="0">
                 <a:latin typeface="微软雅黑" panose="020B0503020204020204" pitchFamily="34" charset="-122"/>
                 <a:ea typeface="微软雅黑" panose="020B0503020204020204" pitchFamily="34" charset="-122"/>
               </a:rPr>
-              <a:t>GNU Privacy Guard</a:t>
+              <a:t>master</a:t>
             </a:r>
             <a:r>
               <a:rPr lang="zh-CN" altLang="en-US" dirty="0">
                 <a:latin typeface="微软雅黑" panose="020B0503020204020204" pitchFamily="34" charset="-122"/>
                 <a:ea typeface="微软雅黑" panose="020B0503020204020204" pitchFamily="34" charset="-122"/>
               </a:rPr>
+              <a:t>分支。</a:t>
+            </a:r>
+            <a:r>
+              <a:rPr lang="en-US" altLang="zh-CN" dirty="0">
+                <a:latin typeface="微软雅黑" panose="020B0503020204020204" pitchFamily="34" charset="-122"/>
+                <a:ea typeface="微软雅黑" panose="020B0503020204020204" pitchFamily="34" charset="-122"/>
+              </a:rPr>
+              <a:t>HEAD</a:t>
+            </a:r>
+            <a:r>
+              <a:rPr lang="zh-CN" altLang="en-US" dirty="0">
+                <a:latin typeface="微软雅黑" panose="020B0503020204020204" pitchFamily="34" charset="-122"/>
+                <a:ea typeface="微软雅黑" panose="020B0503020204020204" pitchFamily="34" charset="-122"/>
+              </a:rPr>
+              <a:t>严格来说不是指向提交，而是指向</a:t>
+            </a:r>
+            <a:r>
+              <a:rPr lang="en-US" altLang="zh-CN" dirty="0">
+                <a:latin typeface="微软雅黑" panose="020B0503020204020204" pitchFamily="34" charset="-122"/>
+                <a:ea typeface="微软雅黑" panose="020B0503020204020204" pitchFamily="34" charset="-122"/>
+              </a:rPr>
+              <a:t>master</a:t>
+            </a:r>
+            <a:r>
+              <a:rPr lang="zh-CN" altLang="en-US" dirty="0">
+                <a:latin typeface="微软雅黑" panose="020B0503020204020204" pitchFamily="34" charset="-122"/>
+                <a:ea typeface="微软雅黑" panose="020B0503020204020204" pitchFamily="34" charset="-122"/>
+              </a:rPr>
               <a:t>，</a:t>
             </a:r>
             <a:r>
@@ -15945,236 +18975,179 @@
                 <a:latin typeface="微软雅黑" panose="020B0503020204020204" pitchFamily="34" charset="-122"/>
                 <a:ea typeface="微软雅黑" panose="020B0503020204020204" pitchFamily="34" charset="-122"/>
               </a:rPr>
-              <a:t>GPG </a:t>
+              <a:t>master</a:t>
             </a:r>
             <a:r>
               <a:rPr lang="zh-CN" altLang="en-US" dirty="0">
                 <a:latin typeface="微软雅黑" panose="020B0503020204020204" pitchFamily="34" charset="-122"/>
                 <a:ea typeface="微软雅黑" panose="020B0503020204020204" pitchFamily="34" charset="-122"/>
               </a:rPr>
-              <a:t>通过非对称加密来帮助我们从密码学的角度证明「我是我」，也从而证明「这不一定真的是我</a:t>
+              <a:t>才是指向提交的，所以，</a:t>
+            </a:r>
+            <a:r>
+              <a:rPr lang="en-US" altLang="zh-CN" dirty="0">
+                <a:latin typeface="微软雅黑" panose="020B0503020204020204" pitchFamily="34" charset="-122"/>
+                <a:ea typeface="微软雅黑" panose="020B0503020204020204" pitchFamily="34" charset="-122"/>
+              </a:rPr>
+              <a:t>HEAD</a:t>
+            </a:r>
+            <a:r>
+              <a:rPr lang="zh-CN" altLang="en-US" dirty="0">
+                <a:latin typeface="微软雅黑" panose="020B0503020204020204" pitchFamily="34" charset="-122"/>
+                <a:ea typeface="微软雅黑" panose="020B0503020204020204" pitchFamily="34" charset="-122"/>
+              </a:rPr>
+              <a:t>指向的就是当前分支</a:t>
             </a:r>
             <a:r>
               <a:rPr lang="zh-CN" altLang="en-US" dirty="0" smtClean="0">
                 <a:latin typeface="微软雅黑" panose="020B0503020204020204" pitchFamily="34" charset="-122"/>
                 <a:ea typeface="微软雅黑" panose="020B0503020204020204" pitchFamily="34" charset="-122"/>
               </a:rPr>
-              <a:t>」</a:t>
+              <a:t>。每次</a:t>
+            </a:r>
+            <a:r>
+              <a:rPr lang="zh-CN" altLang="en-US" dirty="0">
+                <a:latin typeface="微软雅黑" panose="020B0503020204020204" pitchFamily="34" charset="-122"/>
+                <a:ea typeface="微软雅黑" panose="020B0503020204020204" pitchFamily="34" charset="-122"/>
+              </a:rPr>
+              <a:t>提交，</a:t>
+            </a:r>
+            <a:r>
+              <a:rPr lang="en-US" altLang="zh-CN" dirty="0">
+                <a:latin typeface="微软雅黑" panose="020B0503020204020204" pitchFamily="34" charset="-122"/>
+                <a:ea typeface="微软雅黑" panose="020B0503020204020204" pitchFamily="34" charset="-122"/>
+              </a:rPr>
+              <a:t>master</a:t>
+            </a:r>
+            <a:r>
+              <a:rPr lang="zh-CN" altLang="en-US" dirty="0">
+                <a:latin typeface="微软雅黑" panose="020B0503020204020204" pitchFamily="34" charset="-122"/>
+                <a:ea typeface="微软雅黑" panose="020B0503020204020204" pitchFamily="34" charset="-122"/>
+              </a:rPr>
+              <a:t>分支都会向前移动一步，这样，随着你不断提交，</a:t>
+            </a:r>
+            <a:r>
+              <a:rPr lang="en-US" altLang="zh-CN" dirty="0">
+                <a:latin typeface="微软雅黑" panose="020B0503020204020204" pitchFamily="34" charset="-122"/>
+                <a:ea typeface="微软雅黑" panose="020B0503020204020204" pitchFamily="34" charset="-122"/>
+              </a:rPr>
+              <a:t>master</a:t>
+            </a:r>
+            <a:r>
+              <a:rPr lang="zh-CN" altLang="en-US" dirty="0">
+                <a:latin typeface="微软雅黑" panose="020B0503020204020204" pitchFamily="34" charset="-122"/>
+                <a:ea typeface="微软雅黑" panose="020B0503020204020204" pitchFamily="34" charset="-122"/>
+              </a:rPr>
+              <a:t>分支的线也越来越长。当我们创建新的分支，例如</a:t>
+            </a:r>
+            <a:r>
+              <a:rPr lang="en-US" altLang="zh-CN" dirty="0">
+                <a:latin typeface="微软雅黑" panose="020B0503020204020204" pitchFamily="34" charset="-122"/>
+                <a:ea typeface="微软雅黑" panose="020B0503020204020204" pitchFamily="34" charset="-122"/>
+              </a:rPr>
+              <a:t>dev</a:t>
+            </a:r>
+            <a:r>
+              <a:rPr lang="zh-CN" altLang="en-US" dirty="0">
+                <a:latin typeface="微软雅黑" panose="020B0503020204020204" pitchFamily="34" charset="-122"/>
+                <a:ea typeface="微软雅黑" panose="020B0503020204020204" pitchFamily="34" charset="-122"/>
+              </a:rPr>
+              <a:t>时，</a:t>
+            </a:r>
+            <a:r>
+              <a:rPr lang="en-US" altLang="zh-CN" dirty="0" err="1">
+                <a:latin typeface="微软雅黑" panose="020B0503020204020204" pitchFamily="34" charset="-122"/>
+                <a:ea typeface="微软雅黑" panose="020B0503020204020204" pitchFamily="34" charset="-122"/>
+              </a:rPr>
+              <a:t>Git</a:t>
+            </a:r>
+            <a:r>
+              <a:rPr lang="zh-CN" altLang="en-US" dirty="0">
+                <a:latin typeface="微软雅黑" panose="020B0503020204020204" pitchFamily="34" charset="-122"/>
+                <a:ea typeface="微软雅黑" panose="020B0503020204020204" pitchFamily="34" charset="-122"/>
+              </a:rPr>
+              <a:t>新建了一个指针叫</a:t>
+            </a:r>
+            <a:r>
+              <a:rPr lang="en-US" altLang="zh-CN" dirty="0">
+                <a:latin typeface="微软雅黑" panose="020B0503020204020204" pitchFamily="34" charset="-122"/>
+                <a:ea typeface="微软雅黑" panose="020B0503020204020204" pitchFamily="34" charset="-122"/>
+              </a:rPr>
+              <a:t>dev</a:t>
+            </a:r>
+            <a:r>
+              <a:rPr lang="zh-CN" altLang="en-US" dirty="0">
+                <a:latin typeface="微软雅黑" panose="020B0503020204020204" pitchFamily="34" charset="-122"/>
+                <a:ea typeface="微软雅黑" panose="020B0503020204020204" pitchFamily="34" charset="-122"/>
+              </a:rPr>
+              <a:t>，指向</a:t>
+            </a:r>
+            <a:r>
+              <a:rPr lang="en-US" altLang="zh-CN" dirty="0">
+                <a:latin typeface="微软雅黑" panose="020B0503020204020204" pitchFamily="34" charset="-122"/>
+                <a:ea typeface="微软雅黑" panose="020B0503020204020204" pitchFamily="34" charset="-122"/>
+              </a:rPr>
+              <a:t>master</a:t>
+            </a:r>
+            <a:r>
+              <a:rPr lang="zh-CN" altLang="en-US" dirty="0">
+                <a:latin typeface="微软雅黑" panose="020B0503020204020204" pitchFamily="34" charset="-122"/>
+                <a:ea typeface="微软雅黑" panose="020B0503020204020204" pitchFamily="34" charset="-122"/>
+              </a:rPr>
+              <a:t>相同的提交，再把</a:t>
+            </a:r>
+            <a:r>
+              <a:rPr lang="en-US" altLang="zh-CN" dirty="0">
+                <a:latin typeface="微软雅黑" panose="020B0503020204020204" pitchFamily="34" charset="-122"/>
+                <a:ea typeface="微软雅黑" panose="020B0503020204020204" pitchFamily="34" charset="-122"/>
+              </a:rPr>
+              <a:t>HEAD</a:t>
+            </a:r>
+            <a:r>
+              <a:rPr lang="zh-CN" altLang="en-US" dirty="0">
+                <a:latin typeface="微软雅黑" panose="020B0503020204020204" pitchFamily="34" charset="-122"/>
+                <a:ea typeface="微软雅黑" panose="020B0503020204020204" pitchFamily="34" charset="-122"/>
+              </a:rPr>
+              <a:t>指向</a:t>
+            </a:r>
+            <a:r>
+              <a:rPr lang="en-US" altLang="zh-CN" dirty="0">
+                <a:latin typeface="微软雅黑" panose="020B0503020204020204" pitchFamily="34" charset="-122"/>
+                <a:ea typeface="微软雅黑" panose="020B0503020204020204" pitchFamily="34" charset="-122"/>
+              </a:rPr>
+              <a:t>dev</a:t>
+            </a:r>
+            <a:r>
+              <a:rPr lang="zh-CN" altLang="en-US" dirty="0">
+                <a:latin typeface="微软雅黑" panose="020B0503020204020204" pitchFamily="34" charset="-122"/>
+                <a:ea typeface="微软雅黑" panose="020B0503020204020204" pitchFamily="34" charset="-122"/>
+              </a:rPr>
+              <a:t>，就表示当前分支在</a:t>
+            </a:r>
+            <a:r>
+              <a:rPr lang="en-US" altLang="zh-CN" dirty="0">
+                <a:latin typeface="微软雅黑" panose="020B0503020204020204" pitchFamily="34" charset="-122"/>
+                <a:ea typeface="微软雅黑" panose="020B0503020204020204" pitchFamily="34" charset="-122"/>
+              </a:rPr>
+              <a:t>dev</a:t>
+            </a:r>
+            <a:r>
+              <a:rPr lang="zh-CN" altLang="en-US" dirty="0">
+                <a:latin typeface="微软雅黑" panose="020B0503020204020204" pitchFamily="34" charset="-122"/>
+                <a:ea typeface="微软雅黑" panose="020B0503020204020204" pitchFamily="34" charset="-122"/>
+              </a:rPr>
+              <a:t>上：</a:t>
             </a:r>
             <a:endParaRPr lang="en-US" altLang="zh-CN" dirty="0" smtClean="0">
               <a:latin typeface="微软雅黑" panose="020B0503020204020204" pitchFamily="34" charset="-122"/>
               <a:ea typeface="微软雅黑" panose="020B0503020204020204" pitchFamily="34" charset="-122"/>
             </a:endParaRPr>
           </a:p>
-          <a:p>
-            <a:pPr>
-              <a:lnSpc>
-                <a:spcPct val="150000"/>
-              </a:lnSpc>
-            </a:pPr>
-            <a:r>
-              <a:rPr lang="en-US" altLang="zh-CN" dirty="0">
-                <a:latin typeface="微软雅黑" panose="020B0503020204020204" pitchFamily="34" charset="-122"/>
-                <a:ea typeface="微软雅黑" panose="020B0503020204020204" pitchFamily="34" charset="-122"/>
-              </a:rPr>
-              <a:t>GPG </a:t>
-            </a:r>
-            <a:r>
-              <a:rPr lang="zh-CN" altLang="en-US" dirty="0">
-                <a:latin typeface="微软雅黑" panose="020B0503020204020204" pitchFamily="34" charset="-122"/>
-                <a:ea typeface="微软雅黑" panose="020B0503020204020204" pitchFamily="34" charset="-122"/>
-              </a:rPr>
-              <a:t>密钥</a:t>
-            </a:r>
-            <a:r>
-              <a:rPr lang="zh-CN" altLang="en-US" dirty="0" smtClean="0">
-                <a:latin typeface="微软雅黑" panose="020B0503020204020204" pitchFamily="34" charset="-122"/>
-                <a:ea typeface="微软雅黑" panose="020B0503020204020204" pitchFamily="34" charset="-122"/>
-              </a:rPr>
-              <a:t>和之前提到的 </a:t>
-            </a:r>
-            <a:r>
-              <a:rPr lang="en-US" altLang="zh-CN" dirty="0">
-                <a:latin typeface="微软雅黑" panose="020B0503020204020204" pitchFamily="34" charset="-122"/>
-                <a:ea typeface="微软雅黑" panose="020B0503020204020204" pitchFamily="34" charset="-122"/>
-              </a:rPr>
-              <a:t>SSH </a:t>
-            </a:r>
-            <a:r>
-              <a:rPr lang="zh-CN" altLang="en-US" dirty="0">
-                <a:latin typeface="微软雅黑" panose="020B0503020204020204" pitchFamily="34" charset="-122"/>
-                <a:ea typeface="微软雅黑" panose="020B0503020204020204" pitchFamily="34" charset="-122"/>
-              </a:rPr>
-              <a:t>密钥并不一样，后者 </a:t>
-            </a:r>
-            <a:r>
-              <a:rPr lang="en-US" altLang="zh-CN" dirty="0">
-                <a:latin typeface="微软雅黑" panose="020B0503020204020204" pitchFamily="34" charset="-122"/>
-                <a:ea typeface="微软雅黑" panose="020B0503020204020204" pitchFamily="34" charset="-122"/>
-              </a:rPr>
-              <a:t>SSH </a:t>
-            </a:r>
-            <a:r>
-              <a:rPr lang="zh-CN" altLang="en-US" dirty="0" smtClean="0">
-                <a:latin typeface="微软雅黑" panose="020B0503020204020204" pitchFamily="34" charset="-122"/>
-                <a:ea typeface="微软雅黑" panose="020B0503020204020204" pitchFamily="34" charset="-122"/>
-              </a:rPr>
-              <a:t>密钥是</a:t>
-            </a:r>
-            <a:r>
-              <a:rPr lang="zh-CN" altLang="en-US" dirty="0">
-                <a:latin typeface="微软雅黑" panose="020B0503020204020204" pitchFamily="34" charset="-122"/>
-                <a:ea typeface="微软雅黑" panose="020B0503020204020204" pitchFamily="34" charset="-122"/>
-              </a:rPr>
-              <a:t>为了向 </a:t>
-            </a:r>
-            <a:r>
-              <a:rPr lang="en-US" altLang="zh-CN" dirty="0">
-                <a:latin typeface="微软雅黑" panose="020B0503020204020204" pitchFamily="34" charset="-122"/>
-                <a:ea typeface="微软雅黑" panose="020B0503020204020204" pitchFamily="34" charset="-122"/>
-              </a:rPr>
-              <a:t>GitHub </a:t>
-            </a:r>
-            <a:r>
-              <a:rPr lang="zh-CN" altLang="en-US" dirty="0">
-                <a:latin typeface="微软雅黑" panose="020B0503020204020204" pitchFamily="34" charset="-122"/>
-                <a:ea typeface="微软雅黑" panose="020B0503020204020204" pitchFamily="34" charset="-122"/>
-              </a:rPr>
-              <a:t>证明身份，用于向我们拥有权限的仓库中进行 </a:t>
-            </a:r>
-            <a:r>
-              <a:rPr lang="en-US" altLang="zh-CN" dirty="0">
-                <a:latin typeface="微软雅黑" panose="020B0503020204020204" pitchFamily="34" charset="-122"/>
-                <a:ea typeface="微软雅黑" panose="020B0503020204020204" pitchFamily="34" charset="-122"/>
-              </a:rPr>
-              <a:t>commit</a:t>
-            </a:r>
-            <a:r>
-              <a:rPr lang="zh-CN" altLang="en-US" dirty="0">
-                <a:latin typeface="微软雅黑" panose="020B0503020204020204" pitchFamily="34" charset="-122"/>
-                <a:ea typeface="微软雅黑" panose="020B0503020204020204" pitchFamily="34" charset="-122"/>
-              </a:rPr>
-              <a:t>，而前者 </a:t>
-            </a:r>
-            <a:r>
-              <a:rPr lang="en-US" altLang="zh-CN" dirty="0">
-                <a:latin typeface="微软雅黑" panose="020B0503020204020204" pitchFamily="34" charset="-122"/>
-                <a:ea typeface="微软雅黑" panose="020B0503020204020204" pitchFamily="34" charset="-122"/>
-              </a:rPr>
-              <a:t>GPG key </a:t>
-            </a:r>
-            <a:r>
-              <a:rPr lang="zh-CN" altLang="en-US" dirty="0">
-                <a:latin typeface="微软雅黑" panose="020B0503020204020204" pitchFamily="34" charset="-122"/>
-                <a:ea typeface="微软雅黑" panose="020B0503020204020204" pitchFamily="34" charset="-122"/>
-              </a:rPr>
-              <a:t>则是</a:t>
-            </a:r>
-            <a:r>
-              <a:rPr lang="zh-CN" altLang="en-US" dirty="0" smtClean="0">
-                <a:latin typeface="微软雅黑" panose="020B0503020204020204" pitchFamily="34" charset="-122"/>
-                <a:ea typeface="微软雅黑" panose="020B0503020204020204" pitchFamily="34" charset="-122"/>
-              </a:rPr>
-              <a:t>为了提交这次</a:t>
-            </a:r>
-            <a:r>
-              <a:rPr lang="en-US" altLang="zh-CN" dirty="0" err="1" smtClean="0">
-                <a:latin typeface="微软雅黑" panose="020B0503020204020204" pitchFamily="34" charset="-122"/>
-                <a:ea typeface="微软雅黑" panose="020B0503020204020204" pitchFamily="34" charset="-122"/>
-              </a:rPr>
-              <a:t>commite</a:t>
-            </a:r>
-            <a:r>
-              <a:rPr lang="zh-CN" altLang="en-US" dirty="0" smtClean="0">
-                <a:latin typeface="微软雅黑" panose="020B0503020204020204" pitchFamily="34" charset="-122"/>
-                <a:ea typeface="微软雅黑" panose="020B0503020204020204" pitchFamily="34" charset="-122"/>
-              </a:rPr>
-              <a:t>的是我本人。</a:t>
-            </a:r>
-            <a:r>
-              <a:rPr lang="zh-CN" altLang="en-US" dirty="0">
-                <a:latin typeface="微软雅黑" panose="020B0503020204020204" pitchFamily="34" charset="-122"/>
-                <a:ea typeface="微软雅黑" panose="020B0503020204020204" pitchFamily="34" charset="-122"/>
-              </a:rPr>
-              <a:t>也只有用 </a:t>
-            </a:r>
-            <a:r>
-              <a:rPr lang="en-US" altLang="zh-CN" dirty="0">
-                <a:latin typeface="微软雅黑" panose="020B0503020204020204" pitchFamily="34" charset="-122"/>
-                <a:ea typeface="微软雅黑" panose="020B0503020204020204" pitchFamily="34" charset="-122"/>
-              </a:rPr>
-              <a:t>GPG </a:t>
-            </a:r>
-            <a:r>
-              <a:rPr lang="zh-CN" altLang="en-US" dirty="0">
-                <a:latin typeface="微软雅黑" panose="020B0503020204020204" pitchFamily="34" charset="-122"/>
-                <a:ea typeface="微软雅黑" panose="020B0503020204020204" pitchFamily="34" charset="-122"/>
-              </a:rPr>
-              <a:t>私钥签名的 </a:t>
-            </a:r>
-            <a:r>
-              <a:rPr lang="en-US" altLang="zh-CN" dirty="0">
-                <a:latin typeface="微软雅黑" panose="020B0503020204020204" pitchFamily="34" charset="-122"/>
-                <a:ea typeface="微软雅黑" panose="020B0503020204020204" pitchFamily="34" charset="-122"/>
-              </a:rPr>
-              <a:t>commit </a:t>
-            </a:r>
-            <a:r>
-              <a:rPr lang="zh-CN" altLang="en-US" dirty="0">
-                <a:latin typeface="微软雅黑" panose="020B0503020204020204" pitchFamily="34" charset="-122"/>
-                <a:ea typeface="微软雅黑" panose="020B0503020204020204" pitchFamily="34" charset="-122"/>
-              </a:rPr>
-              <a:t>在 </a:t>
-            </a:r>
-            <a:r>
-              <a:rPr lang="en-US" altLang="zh-CN" dirty="0">
-                <a:latin typeface="微软雅黑" panose="020B0503020204020204" pitchFamily="34" charset="-122"/>
-                <a:ea typeface="微软雅黑" panose="020B0503020204020204" pitchFamily="34" charset="-122"/>
-              </a:rPr>
-              <a:t>GitHub </a:t>
-            </a:r>
-            <a:r>
-              <a:rPr lang="zh-CN" altLang="en-US" dirty="0">
-                <a:latin typeface="微软雅黑" panose="020B0503020204020204" pitchFamily="34" charset="-122"/>
-                <a:ea typeface="微软雅黑" panose="020B0503020204020204" pitchFamily="34" charset="-122"/>
-              </a:rPr>
-              <a:t>上才会显示如下图的 </a:t>
-            </a:r>
-            <a:r>
-              <a:rPr lang="en-US" altLang="zh-CN" dirty="0">
-                <a:latin typeface="微软雅黑" panose="020B0503020204020204" pitchFamily="34" charset="-122"/>
-                <a:ea typeface="微软雅黑" panose="020B0503020204020204" pitchFamily="34" charset="-122"/>
-              </a:rPr>
-              <a:t>Verified </a:t>
-            </a:r>
-            <a:r>
-              <a:rPr lang="zh-CN" altLang="en-US" dirty="0">
-                <a:latin typeface="微软雅黑" panose="020B0503020204020204" pitchFamily="34" charset="-122"/>
-                <a:ea typeface="微软雅黑" panose="020B0503020204020204" pitchFamily="34" charset="-122"/>
-              </a:rPr>
-              <a:t>绿色钦定小标标。</a:t>
-            </a:r>
-            <a:endParaRPr lang="en-US" altLang="zh-CN" dirty="0" smtClean="0">
-              <a:latin typeface="微软雅黑" panose="020B0503020204020204" pitchFamily="34" charset="-122"/>
-              <a:ea typeface="微软雅黑" panose="020B0503020204020204" pitchFamily="34" charset="-122"/>
-            </a:endParaRPr>
-          </a:p>
-          <a:p>
-            <a:pPr>
-              <a:lnSpc>
-                <a:spcPct val="150000"/>
-              </a:lnSpc>
-            </a:pPr>
-            <a:endParaRPr lang="en-US" altLang="zh-CN" dirty="0" smtClean="0">
-              <a:latin typeface="微软雅黑" panose="020B0503020204020204" pitchFamily="34" charset="-122"/>
-              <a:ea typeface="微软雅黑" panose="020B0503020204020204" pitchFamily="34" charset="-122"/>
-            </a:endParaRPr>
-          </a:p>
-        </p:txBody>
-      </p:sp>
-      <p:sp>
-        <p:nvSpPr>
-          <p:cNvPr id="12" name="文本框 11"/>
+        </p:txBody>
+      </p:sp>
+      <p:sp>
+        <p:nvSpPr>
+          <p:cNvPr id="9" name="文本框 8"/>
           <p:cNvSpPr txBox="1"/>
           <p:nvPr/>
         </p:nvSpPr>
@@ -16206,7 +19179,7 @@
                 <a:ea typeface="OPPOSans R" panose="00020600040101010101" pitchFamily="18" charset="-122"/>
                 <a:cs typeface="OPPOSans R" panose="00020600040101010101" pitchFamily="18" charset="-122"/>
               </a:rPr>
-              <a:t>防冒名顶替</a:t>
+              <a:t>分支概念</a:t>
             </a:r>
             <a:endParaRPr lang="zh-CN" altLang="en-US" dirty="0">
               <a:solidFill>
@@ -16222,65 +19195,58 @@
           </a:p>
         </p:txBody>
       </p:sp>
-      <p:sp>
-        <p:nvSpPr>
-          <p:cNvPr id="13" name="文本框 12"/>
-          <p:cNvSpPr txBox="1"/>
+      <p:pic>
+        <p:nvPicPr>
+          <p:cNvPr id="3" name="图片 2"/>
+          <p:cNvPicPr>
+            <a:picLocks noChangeAspect="1"/>
+          </p:cNvPicPr>
           <p:nvPr/>
-        </p:nvSpPr>
+        </p:nvPicPr>
+        <p:blipFill>
+          <a:blip r:embed="rId4"/>
+          <a:stretch>
+            <a:fillRect/>
+          </a:stretch>
+        </p:blipFill>
         <p:spPr>
           <a:xfrm>
-            <a:off x="959551" y="2679962"/>
-            <a:ext cx="9753600" cy="507831"/>
+            <a:off x="1341910" y="4085921"/>
+            <a:ext cx="2867028" cy="2429685"/>
           </a:xfrm>
           <a:prstGeom prst="rect">
             <a:avLst/>
           </a:prstGeom>
-          <a:noFill/>
         </p:spPr>
-        <p:txBody>
-          <a:bodyPr wrap="square" rtlCol="0">
-            <a:spAutoFit/>
-          </a:bodyPr>
-          <a:lstStyle/>
-          <a:p>
-            <a:pPr>
-              <a:lnSpc>
-                <a:spcPct val="150000"/>
-              </a:lnSpc>
-            </a:pPr>
-            <a:r>
-              <a:rPr lang="zh-CN" altLang="en-US" dirty="0" smtClean="0">
-                <a:latin typeface="微软雅黑" panose="020B0503020204020204" pitchFamily="34" charset="-122"/>
-                <a:ea typeface="微软雅黑" panose="020B0503020204020204" pitchFamily="34" charset="-122"/>
-              </a:rPr>
-              <a:t>“人性本善”，首先我相信</a:t>
-            </a:r>
-            <a:r>
-              <a:rPr lang="zh-CN" altLang="en-US" dirty="0">
-                <a:latin typeface="微软雅黑" panose="020B0503020204020204" pitchFamily="34" charset="-122"/>
-                <a:ea typeface="微软雅黑" panose="020B0503020204020204" pitchFamily="34" charset="-122"/>
-              </a:rPr>
-              <a:t>大家都是善良无知的</a:t>
-            </a:r>
-            <a:r>
-              <a:rPr lang="zh-CN" altLang="en-US" dirty="0" smtClean="0">
-                <a:latin typeface="微软雅黑" panose="020B0503020204020204" pitchFamily="34" charset="-122"/>
-                <a:ea typeface="微软雅黑" panose="020B0503020204020204" pitchFamily="34" charset="-122"/>
-              </a:rPr>
-              <a:t>群众。其次如果真有人冒充，也是有迹可循的</a:t>
-            </a:r>
-            <a:endParaRPr lang="en-US" altLang="zh-CN" dirty="0" smtClean="0">
-              <a:latin typeface="微软雅黑" panose="020B0503020204020204" pitchFamily="34" charset="-122"/>
-              <a:ea typeface="微软雅黑" panose="020B0503020204020204" pitchFamily="34" charset="-122"/>
-            </a:endParaRPr>
-          </a:p>
-        </p:txBody>
-      </p:sp>
+      </p:pic>
+      <p:pic>
+        <p:nvPicPr>
+          <p:cNvPr id="6" name="图片 5"/>
+          <p:cNvPicPr>
+            <a:picLocks noChangeAspect="1"/>
+          </p:cNvPicPr>
+          <p:nvPr/>
+        </p:nvPicPr>
+        <p:blipFill>
+          <a:blip r:embed="rId5"/>
+          <a:stretch>
+            <a:fillRect/>
+          </a:stretch>
+        </p:blipFill>
+        <p:spPr>
+          <a:xfrm>
+            <a:off x="7390198" y="3878897"/>
+            <a:ext cx="2679670" cy="2843731"/>
+          </a:xfrm>
+          <a:prstGeom prst="rect">
+            <a:avLst/>
+          </a:prstGeom>
+        </p:spPr>
+      </p:pic>
     </p:spTree>
     <p:extLst>
       <p:ext uri="{BB962C8B-B14F-4D97-AF65-F5344CB8AC3E}">
-        <p14:creationId xmlns:p14="http://schemas.microsoft.com/office/powerpoint/2010/main" val="2231611571"/>
+        <p14:creationId xmlns:p14="http://schemas.microsoft.com/office/powerpoint/2010/main" val="2865035742"/>
       </p:ext>
     </p:extLst>
   </p:cSld>
@@ -16309,7 +19275,7 @@
 </p:sld>
 </file>
 
-<file path=ppt/slides/slide25.xml><?xml version="1.0" encoding="utf-8"?>
+<file path=ppt/slides/slide29.xml><?xml version="1.0" encoding="utf-8"?>
 <p:sld xmlns:a="http://schemas.openxmlformats.org/drawingml/2006/main" xmlns:r="http://schemas.openxmlformats.org/officeDocument/2006/relationships" xmlns:p="http://schemas.openxmlformats.org/presentationml/2006/main">
   <p:cSld>
     <p:spTree>
@@ -16357,12 +19323,12 @@
               <a:t>Git</a:t>
             </a:r>
             <a:r>
-              <a:rPr lang="zh-CN" altLang="en-US" sz="3200" dirty="0" smtClean="0">
+              <a:rPr lang="zh-CN" altLang="en-US" sz="3200" dirty="0">
                 <a:latin typeface="OPPOSans R" panose="00020600040101010101" pitchFamily="18" charset="-122"/>
                 <a:ea typeface="OPPOSans R" panose="00020600040101010101" pitchFamily="18" charset="-122"/>
                 <a:cs typeface="OPPOSans R" panose="00020600040101010101" pitchFamily="18" charset="-122"/>
               </a:rPr>
-              <a:t>知识扩展</a:t>
+              <a:t>分制管理</a:t>
             </a:r>
             <a:endParaRPr lang="zh-CN" altLang="en-US" sz="3200" dirty="0">
               <a:latin typeface="OPPOSans R" panose="00020600040101010101" pitchFamily="18" charset="-122"/>
@@ -16502,8 +19468,8 @@
         </p:nvSpPr>
         <p:spPr>
           <a:xfrm>
-            <a:off x="959551" y="5262847"/>
-            <a:ext cx="9753600" cy="458908"/>
+            <a:off x="1187838" y="5297428"/>
+            <a:ext cx="9753600" cy="1289905"/>
           </a:xfrm>
           <a:prstGeom prst="rect">
             <a:avLst/>
@@ -16522,25 +19488,134 @@
               </a:lnSpc>
             </a:pPr>
             <a:r>
+              <a:rPr lang="zh-CN" altLang="en-US" dirty="0" smtClean="0">
+                <a:latin typeface="微软雅黑" panose="020B0503020204020204" pitchFamily="34" charset="-122"/>
+                <a:ea typeface="微软雅黑" panose="020B0503020204020204" pitchFamily="34" charset="-122"/>
+              </a:rPr>
+              <a:t>每次</a:t>
+            </a:r>
+            <a:r>
+              <a:rPr lang="en-US" altLang="zh-CN" dirty="0" smtClean="0">
+                <a:latin typeface="微软雅黑" panose="020B0503020204020204" pitchFamily="34" charset="-122"/>
+                <a:ea typeface="微软雅黑" panose="020B0503020204020204" pitchFamily="34" charset="-122"/>
+              </a:rPr>
+              <a:t>commit</a:t>
+            </a:r>
+            <a:r>
+              <a:rPr lang="zh-CN" altLang="en-US" dirty="0" smtClean="0">
+                <a:latin typeface="微软雅黑" panose="020B0503020204020204" pitchFamily="34" charset="-122"/>
+                <a:ea typeface="微软雅黑" panose="020B0503020204020204" pitchFamily="34" charset="-122"/>
+              </a:rPr>
+              <a:t>，</a:t>
+            </a:r>
+            <a:r>
+              <a:rPr lang="en-US" altLang="zh-CN" dirty="0" err="1" smtClean="0">
+                <a:latin typeface="微软雅黑" panose="020B0503020204020204" pitchFamily="34" charset="-122"/>
+                <a:ea typeface="微软雅黑" panose="020B0503020204020204" pitchFamily="34" charset="-122"/>
+              </a:rPr>
+              <a:t>Git</a:t>
+            </a:r>
+            <a:r>
               <a:rPr lang="zh-CN" altLang="en-US" dirty="0">
                 <a:latin typeface="微软雅黑" panose="020B0503020204020204" pitchFamily="34" charset="-122"/>
                 <a:ea typeface="微软雅黑" panose="020B0503020204020204" pitchFamily="34" charset="-122"/>
               </a:rPr>
-              <a:t>教程参见：</a:t>
+              <a:t>都把它们串成一条时间线，这条时间线就是一个分支。截止到目前，只有一条时间线，在</a:t>
+            </a:r>
+            <a:r>
+              <a:rPr lang="en-US" altLang="zh-CN" dirty="0" err="1">
+                <a:latin typeface="微软雅黑" panose="020B0503020204020204" pitchFamily="34" charset="-122"/>
+                <a:ea typeface="微软雅黑" panose="020B0503020204020204" pitchFamily="34" charset="-122"/>
+              </a:rPr>
+              <a:t>Git</a:t>
+            </a:r>
+            <a:r>
+              <a:rPr lang="zh-CN" altLang="en-US" dirty="0">
+                <a:latin typeface="微软雅黑" panose="020B0503020204020204" pitchFamily="34" charset="-122"/>
+                <a:ea typeface="微软雅黑" panose="020B0503020204020204" pitchFamily="34" charset="-122"/>
+              </a:rPr>
+              <a:t>里，这个分支叫主分支，即</a:t>
             </a:r>
             <a:r>
               <a:rPr lang="en-US" altLang="zh-CN" dirty="0">
                 <a:latin typeface="微软雅黑" panose="020B0503020204020204" pitchFamily="34" charset="-122"/>
                 <a:ea typeface="微软雅黑" panose="020B0503020204020204" pitchFamily="34" charset="-122"/>
               </a:rPr>
-              <a:t>https://spencerwoo.com/blog/wait-this-is-not-my-commit</a:t>
-            </a:r>
-          </a:p>
-        </p:txBody>
-      </p:sp>
-      <p:sp>
-        <p:nvSpPr>
-          <p:cNvPr id="12" name="文本框 11"/>
+              <a:t>master</a:t>
+            </a:r>
+            <a:r>
+              <a:rPr lang="zh-CN" altLang="en-US" dirty="0">
+                <a:latin typeface="微软雅黑" panose="020B0503020204020204" pitchFamily="34" charset="-122"/>
+                <a:ea typeface="微软雅黑" panose="020B0503020204020204" pitchFamily="34" charset="-122"/>
+              </a:rPr>
+              <a:t>分支。</a:t>
+            </a:r>
+            <a:r>
+              <a:rPr lang="en-US" altLang="zh-CN" dirty="0">
+                <a:latin typeface="微软雅黑" panose="020B0503020204020204" pitchFamily="34" charset="-122"/>
+                <a:ea typeface="微软雅黑" panose="020B0503020204020204" pitchFamily="34" charset="-122"/>
+              </a:rPr>
+              <a:t>HEAD</a:t>
+            </a:r>
+            <a:r>
+              <a:rPr lang="zh-CN" altLang="en-US" dirty="0">
+                <a:latin typeface="微软雅黑" panose="020B0503020204020204" pitchFamily="34" charset="-122"/>
+                <a:ea typeface="微软雅黑" panose="020B0503020204020204" pitchFamily="34" charset="-122"/>
+              </a:rPr>
+              <a:t>严格来说不是指向提交，而是指向</a:t>
+            </a:r>
+            <a:r>
+              <a:rPr lang="en-US" altLang="zh-CN" dirty="0">
+                <a:latin typeface="微软雅黑" panose="020B0503020204020204" pitchFamily="34" charset="-122"/>
+                <a:ea typeface="微软雅黑" panose="020B0503020204020204" pitchFamily="34" charset="-122"/>
+              </a:rPr>
+              <a:t>master</a:t>
+            </a:r>
+            <a:r>
+              <a:rPr lang="zh-CN" altLang="en-US" dirty="0">
+                <a:latin typeface="微软雅黑" panose="020B0503020204020204" pitchFamily="34" charset="-122"/>
+                <a:ea typeface="微软雅黑" panose="020B0503020204020204" pitchFamily="34" charset="-122"/>
+              </a:rPr>
+              <a:t>，</a:t>
+            </a:r>
+            <a:r>
+              <a:rPr lang="en-US" altLang="zh-CN" dirty="0">
+                <a:latin typeface="微软雅黑" panose="020B0503020204020204" pitchFamily="34" charset="-122"/>
+                <a:ea typeface="微软雅黑" panose="020B0503020204020204" pitchFamily="34" charset="-122"/>
+              </a:rPr>
+              <a:t>master</a:t>
+            </a:r>
+            <a:r>
+              <a:rPr lang="zh-CN" altLang="en-US" dirty="0">
+                <a:latin typeface="微软雅黑" panose="020B0503020204020204" pitchFamily="34" charset="-122"/>
+                <a:ea typeface="微软雅黑" panose="020B0503020204020204" pitchFamily="34" charset="-122"/>
+              </a:rPr>
+              <a:t>才是指向提交的，所以，</a:t>
+            </a:r>
+            <a:r>
+              <a:rPr lang="en-US" altLang="zh-CN" dirty="0">
+                <a:latin typeface="微软雅黑" panose="020B0503020204020204" pitchFamily="34" charset="-122"/>
+                <a:ea typeface="微软雅黑" panose="020B0503020204020204" pitchFamily="34" charset="-122"/>
+              </a:rPr>
+              <a:t>HEAD</a:t>
+            </a:r>
+            <a:r>
+              <a:rPr lang="zh-CN" altLang="en-US" dirty="0">
+                <a:latin typeface="微软雅黑" panose="020B0503020204020204" pitchFamily="34" charset="-122"/>
+                <a:ea typeface="微软雅黑" panose="020B0503020204020204" pitchFamily="34" charset="-122"/>
+              </a:rPr>
+              <a:t>指向的就是当前分支。</a:t>
+            </a:r>
+            <a:endParaRPr lang="en-US" altLang="zh-CN" dirty="0" smtClean="0">
+              <a:latin typeface="微软雅黑" panose="020B0503020204020204" pitchFamily="34" charset="-122"/>
+              <a:ea typeface="微软雅黑" panose="020B0503020204020204" pitchFamily="34" charset="-122"/>
+            </a:endParaRPr>
+          </a:p>
+        </p:txBody>
+      </p:sp>
+      <p:sp>
+        <p:nvSpPr>
+          <p:cNvPr id="9" name="文本框 8"/>
           <p:cNvSpPr txBox="1"/>
           <p:nvPr/>
         </p:nvSpPr>
@@ -16572,7 +19647,7 @@
                 <a:ea typeface="OPPOSans R" panose="00020600040101010101" pitchFamily="18" charset="-122"/>
                 <a:cs typeface="OPPOSans R" panose="00020600040101010101" pitchFamily="18" charset="-122"/>
               </a:rPr>
-              <a:t>防冒名顶替</a:t>
+              <a:t>分支概念</a:t>
             </a:r>
             <a:endParaRPr lang="zh-CN" altLang="en-US" dirty="0">
               <a:solidFill>
@@ -16588,575 +19663,24 @@
           </a:p>
         </p:txBody>
       </p:sp>
-      <p:sp>
-        <p:nvSpPr>
-          <p:cNvPr id="10" name="文本框 9"/>
-          <p:cNvSpPr txBox="1"/>
-          <p:nvPr/>
-        </p:nvSpPr>
-        <p:spPr>
-          <a:xfrm>
-            <a:off x="959551" y="1348384"/>
-            <a:ext cx="9753600" cy="1338828"/>
-          </a:xfrm>
-          <a:prstGeom prst="rect">
-            <a:avLst/>
-          </a:prstGeom>
-          <a:noFill/>
-        </p:spPr>
-        <p:txBody>
-          <a:bodyPr wrap="square" rtlCol="0">
-            <a:spAutoFit/>
-          </a:bodyPr>
-          <a:lstStyle/>
-          <a:p>
-            <a:pPr>
-              <a:lnSpc>
-                <a:spcPct val="150000"/>
-              </a:lnSpc>
-            </a:pPr>
-            <a:r>
-              <a:rPr lang="zh-CN" altLang="en-US" dirty="0" smtClean="0">
-                <a:latin typeface="微软雅黑" panose="020B0503020204020204" pitchFamily="34" charset="-122"/>
-                <a:ea typeface="微软雅黑" panose="020B0503020204020204" pitchFamily="34" charset="-122"/>
-              </a:rPr>
-              <a:t>在</a:t>
-            </a:r>
-            <a:r>
-              <a:rPr lang="en-US" altLang="zh-CN" dirty="0" err="1" smtClean="0">
-                <a:latin typeface="微软雅黑" panose="020B0503020204020204" pitchFamily="34" charset="-122"/>
-                <a:ea typeface="微软雅黑" panose="020B0503020204020204" pitchFamily="34" charset="-122"/>
-              </a:rPr>
-              <a:t>Github</a:t>
-            </a:r>
-            <a:r>
-              <a:rPr lang="zh-CN" altLang="en-US" dirty="0" smtClean="0">
-                <a:latin typeface="微软雅黑" panose="020B0503020204020204" pitchFamily="34" charset="-122"/>
-                <a:ea typeface="微软雅黑" panose="020B0503020204020204" pitchFamily="34" charset="-122"/>
-              </a:rPr>
-              <a:t>上用 </a:t>
-            </a:r>
-            <a:r>
-              <a:rPr lang="en-US" altLang="zh-CN" dirty="0">
-                <a:latin typeface="微软雅黑" panose="020B0503020204020204" pitchFamily="34" charset="-122"/>
-                <a:ea typeface="微软雅黑" panose="020B0503020204020204" pitchFamily="34" charset="-122"/>
-              </a:rPr>
-              <a:t>GPG </a:t>
-            </a:r>
-            <a:r>
-              <a:rPr lang="zh-CN" altLang="en-US" dirty="0">
-                <a:latin typeface="微软雅黑" panose="020B0503020204020204" pitchFamily="34" charset="-122"/>
-                <a:ea typeface="微软雅黑" panose="020B0503020204020204" pitchFamily="34" charset="-122"/>
-              </a:rPr>
-              <a:t>私钥签名的 </a:t>
-            </a:r>
-            <a:r>
-              <a:rPr lang="en-US" altLang="zh-CN" dirty="0">
-                <a:latin typeface="微软雅黑" panose="020B0503020204020204" pitchFamily="34" charset="-122"/>
-                <a:ea typeface="微软雅黑" panose="020B0503020204020204" pitchFamily="34" charset="-122"/>
-              </a:rPr>
-              <a:t>commit </a:t>
-            </a:r>
-            <a:r>
-              <a:rPr lang="zh-CN" altLang="en-US" dirty="0" smtClean="0">
-                <a:latin typeface="微软雅黑" panose="020B0503020204020204" pitchFamily="34" charset="-122"/>
-                <a:ea typeface="微软雅黑" panose="020B0503020204020204" pitchFamily="34" charset="-122"/>
-              </a:rPr>
-              <a:t>会显示</a:t>
-            </a:r>
-            <a:r>
-              <a:rPr lang="zh-CN" altLang="en-US" dirty="0">
-                <a:latin typeface="微软雅黑" panose="020B0503020204020204" pitchFamily="34" charset="-122"/>
-                <a:ea typeface="微软雅黑" panose="020B0503020204020204" pitchFamily="34" charset="-122"/>
-              </a:rPr>
-              <a:t>如下图的 </a:t>
-            </a:r>
-            <a:r>
-              <a:rPr lang="en-US" altLang="zh-CN" dirty="0">
-                <a:latin typeface="微软雅黑" panose="020B0503020204020204" pitchFamily="34" charset="-122"/>
-                <a:ea typeface="微软雅黑" panose="020B0503020204020204" pitchFamily="34" charset="-122"/>
-              </a:rPr>
-              <a:t>Verified </a:t>
-            </a:r>
-            <a:r>
-              <a:rPr lang="zh-CN" altLang="en-US" dirty="0">
-                <a:latin typeface="微软雅黑" panose="020B0503020204020204" pitchFamily="34" charset="-122"/>
-                <a:ea typeface="微软雅黑" panose="020B0503020204020204" pitchFamily="34" charset="-122"/>
-              </a:rPr>
-              <a:t>绿色钦定小</a:t>
-            </a:r>
-            <a:r>
-              <a:rPr lang="zh-CN" altLang="en-US" dirty="0" smtClean="0">
-                <a:latin typeface="微软雅黑" panose="020B0503020204020204" pitchFamily="34" charset="-122"/>
-                <a:ea typeface="微软雅黑" panose="020B0503020204020204" pitchFamily="34" charset="-122"/>
-              </a:rPr>
-              <a:t>标。类似于微博加</a:t>
-            </a:r>
-            <a:r>
-              <a:rPr lang="en-US" altLang="zh-CN" dirty="0" smtClean="0">
-                <a:latin typeface="微软雅黑" panose="020B0503020204020204" pitchFamily="34" charset="-122"/>
-                <a:ea typeface="微软雅黑" panose="020B0503020204020204" pitchFamily="34" charset="-122"/>
-              </a:rPr>
-              <a:t>V</a:t>
-            </a:r>
-            <a:r>
-              <a:rPr lang="zh-CN" altLang="en-US" dirty="0" smtClean="0">
-                <a:latin typeface="微软雅黑" panose="020B0503020204020204" pitchFamily="34" charset="-122"/>
-                <a:ea typeface="微软雅黑" panose="020B0503020204020204" pitchFamily="34" charset="-122"/>
-              </a:rPr>
-              <a:t>认证，证明了你真的是你。</a:t>
-            </a:r>
-            <a:endParaRPr lang="en-US" altLang="zh-CN" dirty="0" smtClean="0">
-              <a:latin typeface="微软雅黑" panose="020B0503020204020204" pitchFamily="34" charset="-122"/>
-              <a:ea typeface="微软雅黑" panose="020B0503020204020204" pitchFamily="34" charset="-122"/>
-            </a:endParaRPr>
-          </a:p>
-          <a:p>
-            <a:pPr>
-              <a:lnSpc>
-                <a:spcPct val="150000"/>
-              </a:lnSpc>
-            </a:pPr>
-            <a:endParaRPr lang="en-US" altLang="zh-CN" dirty="0" smtClean="0">
-              <a:latin typeface="微软雅黑" panose="020B0503020204020204" pitchFamily="34" charset="-122"/>
-              <a:ea typeface="微软雅黑" panose="020B0503020204020204" pitchFamily="34" charset="-122"/>
-            </a:endParaRPr>
-          </a:p>
-        </p:txBody>
-      </p:sp>
-    </p:spTree>
-    <p:extLst>
-      <p:ext uri="{BB962C8B-B14F-4D97-AF65-F5344CB8AC3E}">
-        <p14:creationId xmlns:p14="http://schemas.microsoft.com/office/powerpoint/2010/main" val="3063201792"/>
-      </p:ext>
-    </p:extLst>
-  </p:cSld>
-  <p:clrMapOvr>
-    <a:masterClrMapping/>
-  </p:clrMapOvr>
-  <mc:AlternateContent xmlns:mc="http://schemas.openxmlformats.org/markup-compatibility/2006" xmlns:p14="http://schemas.microsoft.com/office/powerpoint/2010/main">
-    <mc:Choice Requires="p14">
-      <p:transition spd="med" p14:dur="700">
-        <p:fade/>
-      </p:transition>
-    </mc:Choice>
-    <mc:Fallback xmlns="">
-      <p:transition spd="med">
-        <p:fade/>
-      </p:transition>
-    </mc:Fallback>
-  </mc:AlternateContent>
-  <p:timing>
-    <p:tnLst>
-      <p:par>
-        <p:cTn id="1" dur="indefinite" restart="never" nodeType="tmRoot"/>
-      </p:par>
-    </p:tnLst>
-  </p:timing>
-</p:sld>
-</file>
-
-<file path=ppt/slides/slide26.xml><?xml version="1.0" encoding="utf-8"?>
-<p:sld xmlns:a="http://schemas.openxmlformats.org/drawingml/2006/main" xmlns:r="http://schemas.openxmlformats.org/officeDocument/2006/relationships" xmlns:p="http://schemas.openxmlformats.org/presentationml/2006/main">
-  <p:cSld>
-    <p:spTree>
-      <p:nvGrpSpPr>
-        <p:cNvPr id="1" name=""/>
-        <p:cNvGrpSpPr/>
-        <p:nvPr/>
-      </p:nvGrpSpPr>
-      <p:grpSpPr>
-        <a:xfrm>
-          <a:off x="0" y="0"/>
-          <a:ext cx="0" cy="0"/>
-          <a:chOff x="0" y="0"/>
-          <a:chExt cx="0" cy="0"/>
-        </a:xfrm>
-      </p:grpSpPr>
       <p:pic>
         <p:nvPicPr>
-          <p:cNvPr id="3" name="图片 2"/>
+          <p:cNvPr id="4" name="图片 3"/>
           <p:cNvPicPr>
             <a:picLocks noChangeAspect="1"/>
           </p:cNvPicPr>
           <p:nvPr/>
         </p:nvPicPr>
         <p:blipFill>
-          <a:blip r:embed="rId2" cstate="print">
-            <a:duotone>
-              <a:prstClr val="black"/>
-              <a:srgbClr val="7E181B">
-                <a:tint val="45000"/>
-                <a:satMod val="400000"/>
-              </a:srgbClr>
-            </a:duotone>
-            <a:extLst>
-              <a:ext uri="{BEBA8EAE-BF5A-486C-A8C5-ECC9F3942E4B}">
-                <a14:imgProps xmlns:a14="http://schemas.microsoft.com/office/drawing/2010/main">
-                  <a14:imgLayer r:embed="rId3">
-                    <a14:imgEffect>
-                      <a14:artisticPhotocopy detail="2"/>
-                    </a14:imgEffect>
-                  </a14:imgLayer>
-                </a14:imgProps>
-              </a:ext>
-              <a:ext uri="{28A0092B-C50C-407E-A947-70E740481C1C}">
-                <a14:useLocalDpi xmlns:a14="http://schemas.microsoft.com/office/drawing/2010/main" val="0"/>
-              </a:ext>
-            </a:extLst>
-          </a:blip>
+          <a:blip r:embed="rId4"/>
           <a:stretch>
             <a:fillRect/>
           </a:stretch>
         </p:blipFill>
         <p:spPr>
           <a:xfrm>
-            <a:off x="6749177" y="5865878"/>
-            <a:ext cx="5442823" cy="1116382"/>
-          </a:xfrm>
-          <a:prstGeom prst="rect">
-            <a:avLst/>
-          </a:prstGeom>
-        </p:spPr>
-      </p:pic>
-      <p:pic>
-        <p:nvPicPr>
-          <p:cNvPr id="18" name="图片 17"/>
-          <p:cNvPicPr>
-            <a:picLocks noChangeAspect="1"/>
-          </p:cNvPicPr>
-          <p:nvPr/>
-        </p:nvPicPr>
-        <p:blipFill rotWithShape="1">
-          <a:blip r:embed="rId4">
-            <a:extLst>
-              <a:ext uri="{28A0092B-C50C-407E-A947-70E740481C1C}">
-                <a14:useLocalDpi xmlns:a14="http://schemas.microsoft.com/office/drawing/2010/main" val="0"/>
-              </a:ext>
-            </a:extLst>
-          </a:blip>
-          <a:srcRect l="118" t="5474" r="-118" b="39970"/>
-          <a:stretch>
-            <a:fillRect/>
-          </a:stretch>
-        </p:blipFill>
-        <p:spPr>
-          <a:xfrm>
-            <a:off x="-1" y="0"/>
-            <a:ext cx="12206365" cy="4050000"/>
-          </a:xfrm>
-          <a:prstGeom prst="rect">
-            <a:avLst/>
-          </a:prstGeom>
-          <a:ln>
-            <a:noFill/>
-          </a:ln>
-          <a:effectLst/>
-        </p:spPr>
-      </p:pic>
-      <p:cxnSp>
-        <p:nvCxnSpPr>
-          <p:cNvPr id="35" name="直接连接符 26"/>
-          <p:cNvCxnSpPr/>
-          <p:nvPr/>
-        </p:nvCxnSpPr>
-        <p:spPr>
-          <a:xfrm>
-            <a:off x="556895" y="0"/>
-            <a:ext cx="0" cy="314960"/>
-          </a:xfrm>
-          <a:prstGeom prst="line">
-            <a:avLst/>
-          </a:prstGeom>
-          <a:ln w="76200">
-            <a:solidFill>
-              <a:srgbClr val="9A0000"/>
-            </a:solidFill>
-          </a:ln>
-        </p:spPr>
-        <p:style>
-          <a:lnRef idx="1">
-            <a:schemeClr val="accent1"/>
-          </a:lnRef>
-          <a:fillRef idx="0">
-            <a:schemeClr val="accent1"/>
-          </a:fillRef>
-          <a:effectRef idx="0">
-            <a:schemeClr val="accent1"/>
-          </a:effectRef>
-          <a:fontRef idx="minor">
-            <a:schemeClr val="tx1"/>
-          </a:fontRef>
-        </p:style>
-      </p:cxnSp>
-      <p:sp>
-        <p:nvSpPr>
-          <p:cNvPr id="37" name="矩形 36"/>
-          <p:cNvSpPr/>
-          <p:nvPr/>
-        </p:nvSpPr>
-        <p:spPr>
-          <a:xfrm>
-            <a:off x="8490242" y="-1"/>
-            <a:ext cx="2476006" cy="5271911"/>
-          </a:xfrm>
-          <a:prstGeom prst="rect">
-            <a:avLst/>
-          </a:prstGeom>
-          <a:solidFill>
-            <a:srgbClr val="9A0001"/>
-          </a:solidFill>
-          <a:ln>
-            <a:noFill/>
-          </a:ln>
-        </p:spPr>
-        <p:style>
-          <a:lnRef idx="2">
-            <a:schemeClr val="accent1">
-              <a:shade val="50000"/>
-            </a:schemeClr>
-          </a:lnRef>
-          <a:fillRef idx="1">
-            <a:schemeClr val="accent1"/>
-          </a:fillRef>
-          <a:effectRef idx="0">
-            <a:schemeClr val="accent1"/>
-          </a:effectRef>
-          <a:fontRef idx="minor">
-            <a:schemeClr val="lt1"/>
-          </a:fontRef>
-        </p:style>
-        <p:txBody>
-          <a:bodyPr rtlCol="0" anchor="ctr"/>
-          <a:lstStyle/>
-          <a:p>
-            <a:pPr algn="ctr"/>
-            <a:endParaRPr lang="zh-CN" altLang="en-US" sz="1600" dirty="0">
-              <a:latin typeface="OPPOSans R" panose="00020600040101010101" pitchFamily="18" charset="-122"/>
-              <a:ea typeface="OPPOSans R" panose="00020600040101010101" pitchFamily="18" charset="-122"/>
-            </a:endParaRPr>
-          </a:p>
-        </p:txBody>
-      </p:sp>
-      <p:sp>
-        <p:nvSpPr>
-          <p:cNvPr id="38" name="矩形 37"/>
-          <p:cNvSpPr/>
-          <p:nvPr/>
-        </p:nvSpPr>
-        <p:spPr>
-          <a:xfrm>
-            <a:off x="4199467" y="6854573"/>
-            <a:ext cx="8018566" cy="45719"/>
-          </a:xfrm>
-          <a:prstGeom prst="rect">
-            <a:avLst/>
-          </a:prstGeom>
-          <a:solidFill>
-            <a:srgbClr val="9A0001"/>
-          </a:solidFill>
-          <a:ln>
-            <a:noFill/>
-          </a:ln>
-        </p:spPr>
-        <p:style>
-          <a:lnRef idx="2">
-            <a:schemeClr val="accent1">
-              <a:shade val="50000"/>
-            </a:schemeClr>
-          </a:lnRef>
-          <a:fillRef idx="1">
-            <a:schemeClr val="accent1"/>
-          </a:fillRef>
-          <a:effectRef idx="0">
-            <a:schemeClr val="accent1"/>
-          </a:effectRef>
-          <a:fontRef idx="minor">
-            <a:schemeClr val="lt1"/>
-          </a:fontRef>
-        </p:style>
-        <p:txBody>
-          <a:bodyPr rtlCol="0" anchor="ctr"/>
-          <a:lstStyle/>
-          <a:p>
-            <a:pPr algn="ctr"/>
-            <a:endParaRPr lang="zh-CN" altLang="en-US" sz="1600" dirty="0">
-              <a:latin typeface="OPPOSans R" panose="00020600040101010101" pitchFamily="18" charset="-122"/>
-              <a:ea typeface="OPPOSans R" panose="00020600040101010101" pitchFamily="18" charset="-122"/>
-            </a:endParaRPr>
-          </a:p>
-        </p:txBody>
-      </p:sp>
-      <p:sp>
-        <p:nvSpPr>
-          <p:cNvPr id="7" name="文本框 6"/>
-          <p:cNvSpPr txBox="1"/>
-          <p:nvPr/>
-        </p:nvSpPr>
-        <p:spPr>
-          <a:xfrm>
-            <a:off x="9045365" y="1172287"/>
-            <a:ext cx="1365760" cy="3785652"/>
-          </a:xfrm>
-          <a:prstGeom prst="rect">
-            <a:avLst/>
-          </a:prstGeom>
-          <a:noFill/>
-        </p:spPr>
-        <p:txBody>
-          <a:bodyPr wrap="square" rtlCol="0">
-            <a:spAutoFit/>
-          </a:bodyPr>
-          <a:lstStyle/>
-          <a:p>
-            <a:pPr algn="ctr"/>
-            <a:r>
-              <a:rPr lang="zh-CN" altLang="en-US" sz="6000" dirty="0">
-                <a:solidFill>
-                  <a:schemeClr val="bg1"/>
-                </a:solidFill>
-                <a:latin typeface="OPPOSans R" panose="00020600040101010101" pitchFamily="18" charset="-122"/>
-                <a:ea typeface="OPPOSans R" panose="00020600040101010101" pitchFamily="18" charset="-122"/>
-                <a:cs typeface="OPPOSans R" panose="00020600040101010101" pitchFamily="18" charset="-122"/>
-              </a:rPr>
-              <a:t>谢</a:t>
-            </a:r>
-            <a:endParaRPr lang="en-US" altLang="zh-CN" sz="6000" dirty="0">
-              <a:solidFill>
-                <a:schemeClr val="bg1"/>
-              </a:solidFill>
-              <a:latin typeface="OPPOSans R" panose="00020600040101010101" pitchFamily="18" charset="-122"/>
-              <a:ea typeface="OPPOSans R" panose="00020600040101010101" pitchFamily="18" charset="-122"/>
-              <a:cs typeface="OPPOSans R" panose="00020600040101010101" pitchFamily="18" charset="-122"/>
-            </a:endParaRPr>
-          </a:p>
-          <a:p>
-            <a:pPr algn="ctr"/>
-            <a:r>
-              <a:rPr lang="zh-CN" altLang="en-US" sz="6000" dirty="0">
-                <a:solidFill>
-                  <a:schemeClr val="bg1"/>
-                </a:solidFill>
-                <a:latin typeface="OPPOSans R" panose="00020600040101010101" pitchFamily="18" charset="-122"/>
-                <a:ea typeface="OPPOSans R" panose="00020600040101010101" pitchFamily="18" charset="-122"/>
-                <a:cs typeface="OPPOSans R" panose="00020600040101010101" pitchFamily="18" charset="-122"/>
-              </a:rPr>
-              <a:t>谢</a:t>
-            </a:r>
-            <a:endParaRPr lang="en-US" altLang="zh-CN" sz="6000" dirty="0">
-              <a:solidFill>
-                <a:schemeClr val="bg1"/>
-              </a:solidFill>
-              <a:latin typeface="OPPOSans R" panose="00020600040101010101" pitchFamily="18" charset="-122"/>
-              <a:ea typeface="OPPOSans R" panose="00020600040101010101" pitchFamily="18" charset="-122"/>
-              <a:cs typeface="OPPOSans R" panose="00020600040101010101" pitchFamily="18" charset="-122"/>
-            </a:endParaRPr>
-          </a:p>
-          <a:p>
-            <a:pPr algn="ctr"/>
-            <a:r>
-              <a:rPr lang="zh-CN" altLang="en-US" sz="6000" dirty="0">
-                <a:solidFill>
-                  <a:schemeClr val="bg1"/>
-                </a:solidFill>
-                <a:latin typeface="OPPOSans R" panose="00020600040101010101" pitchFamily="18" charset="-122"/>
-                <a:ea typeface="OPPOSans R" panose="00020600040101010101" pitchFamily="18" charset="-122"/>
-                <a:cs typeface="OPPOSans R" panose="00020600040101010101" pitchFamily="18" charset="-122"/>
-              </a:rPr>
-              <a:t>观</a:t>
-            </a:r>
-            <a:endParaRPr lang="en-US" altLang="zh-CN" sz="6000" dirty="0">
-              <a:solidFill>
-                <a:schemeClr val="bg1"/>
-              </a:solidFill>
-              <a:latin typeface="OPPOSans R" panose="00020600040101010101" pitchFamily="18" charset="-122"/>
-              <a:ea typeface="OPPOSans R" panose="00020600040101010101" pitchFamily="18" charset="-122"/>
-              <a:cs typeface="OPPOSans R" panose="00020600040101010101" pitchFamily="18" charset="-122"/>
-            </a:endParaRPr>
-          </a:p>
-          <a:p>
-            <a:pPr algn="ctr"/>
-            <a:r>
-              <a:rPr lang="zh-CN" altLang="en-US" sz="6000" dirty="0">
-                <a:solidFill>
-                  <a:schemeClr val="bg1"/>
-                </a:solidFill>
-                <a:latin typeface="OPPOSans R" panose="00020600040101010101" pitchFamily="18" charset="-122"/>
-                <a:ea typeface="OPPOSans R" panose="00020600040101010101" pitchFamily="18" charset="-122"/>
-                <a:cs typeface="OPPOSans R" panose="00020600040101010101" pitchFamily="18" charset="-122"/>
-              </a:rPr>
-              <a:t>看</a:t>
-            </a:r>
-          </a:p>
-        </p:txBody>
-      </p:sp>
-      <p:sp>
-        <p:nvSpPr>
-          <p:cNvPr id="31" name="矩形 30"/>
-          <p:cNvSpPr/>
-          <p:nvPr/>
-        </p:nvSpPr>
-        <p:spPr>
-          <a:xfrm>
-            <a:off x="0" y="6424069"/>
-            <a:ext cx="400755" cy="436168"/>
-          </a:xfrm>
-          <a:prstGeom prst="rect">
-            <a:avLst/>
-          </a:prstGeom>
-          <a:solidFill>
-            <a:srgbClr val="9A0001"/>
-          </a:solidFill>
-          <a:ln>
-            <a:noFill/>
-          </a:ln>
-        </p:spPr>
-        <p:style>
-          <a:lnRef idx="2">
-            <a:schemeClr val="accent1">
-              <a:shade val="50000"/>
-            </a:schemeClr>
-          </a:lnRef>
-          <a:fillRef idx="1">
-            <a:schemeClr val="accent1"/>
-          </a:fillRef>
-          <a:effectRef idx="0">
-            <a:schemeClr val="accent1"/>
-          </a:effectRef>
-          <a:fontRef idx="minor">
-            <a:schemeClr val="lt1"/>
-          </a:fontRef>
-        </p:style>
-        <p:txBody>
-          <a:bodyPr rtlCol="0" anchor="ctr"/>
-          <a:lstStyle/>
-          <a:p>
-            <a:pPr algn="ctr"/>
-            <a:endParaRPr lang="zh-CN" altLang="en-US" sz="1600" dirty="0">
-              <a:latin typeface="OPPOSans R" panose="00020600040101010101" pitchFamily="18" charset="-122"/>
-              <a:ea typeface="OPPOSans R" panose="00020600040101010101" pitchFamily="18" charset="-122"/>
-            </a:endParaRPr>
-          </a:p>
-        </p:txBody>
-      </p:sp>
-      <p:pic>
-        <p:nvPicPr>
-          <p:cNvPr id="21" name="图片 20" descr="微信图片_20210609194104"/>
-          <p:cNvPicPr>
-            <a:picLocks noChangeAspect="1"/>
-          </p:cNvPicPr>
-          <p:nvPr/>
-        </p:nvPicPr>
-        <p:blipFill>
-          <a:blip r:embed="rId5"/>
-          <a:stretch>
-            <a:fillRect/>
-          </a:stretch>
-        </p:blipFill>
-        <p:spPr>
-          <a:xfrm>
-            <a:off x="400755" y="6366892"/>
-            <a:ext cx="3533140" cy="533400"/>
+            <a:off x="1999841" y="1535053"/>
+            <a:ext cx="7591425" cy="3762375"/>
           </a:xfrm>
           <a:prstGeom prst="rect">
             <a:avLst/>
@@ -17164,6 +19688,11 @@
         </p:spPr>
       </p:pic>
     </p:spTree>
+    <p:extLst>
+      <p:ext uri="{BB962C8B-B14F-4D97-AF65-F5344CB8AC3E}">
+        <p14:creationId xmlns:p14="http://schemas.microsoft.com/office/powerpoint/2010/main" val="221936403"/>
+      </p:ext>
+    </p:extLst>
   </p:cSld>
   <p:clrMapOvr>
     <a:masterClrMapping/>
@@ -18675,7 +21204,7 @@
 </p:sld>
 </file>
 
-<file path=ppt/slides/slide4.xml><?xml version="1.0" encoding="utf-8"?>
+<file path=ppt/slides/slide30.xml><?xml version="1.0" encoding="utf-8"?>
 <p:sld xmlns:a="http://schemas.openxmlformats.org/drawingml/2006/main" xmlns:r="http://schemas.openxmlformats.org/officeDocument/2006/relationships" xmlns:p="http://schemas.openxmlformats.org/presentationml/2006/main">
   <p:cSld>
     <p:spTree>
@@ -18701,7 +21230,7 @@
         <p:spPr>
           <a:xfrm>
             <a:off x="959552" y="340946"/>
-            <a:ext cx="1641796" cy="584775"/>
+            <a:ext cx="2377574" cy="584775"/>
           </a:xfrm>
           <a:prstGeom prst="rect">
             <a:avLst/>
@@ -18715,20 +21244,20 @@
           <a:lstStyle/>
           <a:p>
             <a:r>
-              <a:rPr lang="en-US" altLang="zh-CN" sz="3200" dirty="0" smtClean="0">
+              <a:rPr lang="en-US" altLang="zh-CN" sz="3200" dirty="0" err="1" smtClean="0">
                 <a:latin typeface="OPPOSans R" panose="00020600040101010101" pitchFamily="18" charset="-122"/>
                 <a:ea typeface="OPPOSans R" panose="00020600040101010101" pitchFamily="18" charset="-122"/>
                 <a:cs typeface="OPPOSans R" panose="00020600040101010101" pitchFamily="18" charset="-122"/>
               </a:rPr>
-              <a:t>GIT</a:t>
-            </a:r>
-            <a:r>
-              <a:rPr lang="zh-CN" altLang="en-US" sz="3200" dirty="0" smtClean="0">
+              <a:t>Git</a:t>
+            </a:r>
+            <a:r>
+              <a:rPr lang="zh-CN" altLang="en-US" sz="3200" dirty="0">
                 <a:latin typeface="OPPOSans R" panose="00020600040101010101" pitchFamily="18" charset="-122"/>
                 <a:ea typeface="OPPOSans R" panose="00020600040101010101" pitchFamily="18" charset="-122"/>
                 <a:cs typeface="OPPOSans R" panose="00020600040101010101" pitchFamily="18" charset="-122"/>
               </a:rPr>
-              <a:t>简介</a:t>
+              <a:t>分制管理</a:t>
             </a:r>
             <a:endParaRPr lang="zh-CN" altLang="en-US" sz="3200" dirty="0">
               <a:latin typeface="OPPOSans R" panose="00020600040101010101" pitchFamily="18" charset="-122"/>
@@ -18868,6 +21397,4412 @@
         </p:nvSpPr>
         <p:spPr>
           <a:xfrm>
+            <a:off x="959552" y="1500598"/>
+            <a:ext cx="9753600" cy="540341"/>
+          </a:xfrm>
+          <a:prstGeom prst="rect">
+            <a:avLst/>
+          </a:prstGeom>
+          <a:noFill/>
+        </p:spPr>
+        <p:txBody>
+          <a:bodyPr wrap="square" rtlCol="0">
+            <a:spAutoFit/>
+          </a:bodyPr>
+          <a:lstStyle/>
+          <a:p>
+            <a:pPr>
+              <a:lnSpc>
+                <a:spcPct val="150000"/>
+              </a:lnSpc>
+            </a:pPr>
+            <a:r>
+              <a:rPr lang="zh-CN" altLang="en-US" sz="2200" dirty="0" smtClean="0">
+                <a:latin typeface="微软雅黑" panose="020B0503020204020204" pitchFamily="34" charset="-122"/>
+                <a:ea typeface="微软雅黑" panose="020B0503020204020204" pitchFamily="34" charset="-122"/>
+              </a:rPr>
+              <a:t>常见的</a:t>
+            </a:r>
+            <a:r>
+              <a:rPr lang="en-US" altLang="zh-CN" sz="2200" dirty="0" err="1" smtClean="0">
+                <a:latin typeface="微软雅黑" panose="020B0503020204020204" pitchFamily="34" charset="-122"/>
+                <a:ea typeface="微软雅黑" panose="020B0503020204020204" pitchFamily="34" charset="-122"/>
+              </a:rPr>
+              <a:t>Git</a:t>
+            </a:r>
+            <a:r>
+              <a:rPr lang="zh-CN" altLang="en-US" sz="2200" dirty="0" smtClean="0">
+                <a:latin typeface="微软雅黑" panose="020B0503020204020204" pitchFamily="34" charset="-122"/>
+                <a:ea typeface="微软雅黑" panose="020B0503020204020204" pitchFamily="34" charset="-122"/>
+              </a:rPr>
+              <a:t>图形操作软件</a:t>
+            </a:r>
+            <a:endParaRPr lang="en-US" altLang="zh-CN" sz="2200" dirty="0" smtClean="0">
+              <a:latin typeface="微软雅黑" panose="020B0503020204020204" pitchFamily="34" charset="-122"/>
+              <a:ea typeface="微软雅黑" panose="020B0503020204020204" pitchFamily="34" charset="-122"/>
+            </a:endParaRPr>
+          </a:p>
+        </p:txBody>
+      </p:sp>
+      <p:sp>
+        <p:nvSpPr>
+          <p:cNvPr id="9" name="文本框 8"/>
+          <p:cNvSpPr txBox="1"/>
+          <p:nvPr/>
+        </p:nvSpPr>
+        <p:spPr>
+          <a:xfrm>
+            <a:off x="959551" y="904570"/>
+            <a:ext cx="5105087" cy="369332"/>
+          </a:xfrm>
+          <a:prstGeom prst="rect">
+            <a:avLst/>
+          </a:prstGeom>
+          <a:noFill/>
+        </p:spPr>
+        <p:txBody>
+          <a:bodyPr wrap="square">
+            <a:spAutoFit/>
+          </a:bodyPr>
+          <a:lstStyle/>
+          <a:p>
+            <a:r>
+              <a:rPr lang="zh-CN" altLang="en-US" dirty="0" smtClean="0">
+                <a:solidFill>
+                  <a:schemeClr val="tx1">
+                    <a:lumMod val="50000"/>
+                    <a:lumOff val="50000"/>
+                  </a:schemeClr>
+                </a:solidFill>
+                <a:latin typeface="OPPOSans R" panose="00020600040101010101" pitchFamily="18" charset="-122"/>
+                <a:ea typeface="OPPOSans R" panose="00020600040101010101" pitchFamily="18" charset="-122"/>
+                <a:cs typeface="OPPOSans R" panose="00020600040101010101" pitchFamily="18" charset="-122"/>
+              </a:rPr>
+              <a:t>常用命令</a:t>
+            </a:r>
+            <a:endParaRPr lang="zh-CN" altLang="en-US" dirty="0">
+              <a:solidFill>
+                <a:schemeClr val="tx1">
+                  <a:lumMod val="50000"/>
+                  <a:lumOff val="50000"/>
+                </a:schemeClr>
+              </a:solidFill>
+              <a:latin typeface="OPPOSans R" panose="00020600040101010101" pitchFamily="18" charset="-122"/>
+              <a:ea typeface="OPPOSans R" panose="00020600040101010101" pitchFamily="18" charset="-122"/>
+              <a:cs typeface="OPPOSans R" panose="00020600040101010101" pitchFamily="18" charset="-122"/>
+            </a:endParaRPr>
+          </a:p>
+        </p:txBody>
+      </p:sp>
+    </p:spTree>
+    <p:extLst>
+      <p:ext uri="{BB962C8B-B14F-4D97-AF65-F5344CB8AC3E}">
+        <p14:creationId xmlns:p14="http://schemas.microsoft.com/office/powerpoint/2010/main" val="3286439476"/>
+      </p:ext>
+    </p:extLst>
+  </p:cSld>
+  <p:clrMapOvr>
+    <a:masterClrMapping/>
+  </p:clrMapOvr>
+  <mc:AlternateContent xmlns:mc="http://schemas.openxmlformats.org/markup-compatibility/2006" xmlns:p14="http://schemas.microsoft.com/office/powerpoint/2010/main">
+    <mc:Choice Requires="p14">
+      <p:transition spd="med" p14:dur="700">
+        <p:fade/>
+      </p:transition>
+    </mc:Choice>
+    <mc:Fallback xmlns="">
+      <p:transition spd="med">
+        <p:fade/>
+      </p:transition>
+    </mc:Fallback>
+  </mc:AlternateContent>
+  <p:timing>
+    <p:tnLst>
+      <p:par>
+        <p:cTn id="1" dur="indefinite" restart="never" nodeType="tmRoot"/>
+      </p:par>
+    </p:tnLst>
+  </p:timing>
+</p:sld>
+</file>
+
+<file path=ppt/slides/slide31.xml><?xml version="1.0" encoding="utf-8"?>
+<p:sld xmlns:a="http://schemas.openxmlformats.org/drawingml/2006/main" xmlns:r="http://schemas.openxmlformats.org/officeDocument/2006/relationships" xmlns:p="http://schemas.openxmlformats.org/presentationml/2006/main">
+  <p:cSld>
+    <p:spTree>
+      <p:nvGrpSpPr>
+        <p:cNvPr id="1" name=""/>
+        <p:cNvGrpSpPr/>
+        <p:nvPr/>
+      </p:nvGrpSpPr>
+      <p:grpSpPr>
+        <a:xfrm>
+          <a:off x="0" y="0"/>
+          <a:ext cx="0" cy="0"/>
+          <a:chOff x="0" y="0"/>
+          <a:chExt cx="0" cy="0"/>
+        </a:xfrm>
+      </p:grpSpPr>
+      <p:sp>
+        <p:nvSpPr>
+          <p:cNvPr id="32" name="文本框 31"/>
+          <p:cNvSpPr txBox="1"/>
+          <p:nvPr/>
+        </p:nvSpPr>
+        <p:spPr>
+          <a:xfrm>
+            <a:off x="959552" y="340946"/>
+            <a:ext cx="2377574" cy="584775"/>
+          </a:xfrm>
+          <a:prstGeom prst="rect">
+            <a:avLst/>
+          </a:prstGeom>
+          <a:noFill/>
+        </p:spPr>
+        <p:txBody>
+          <a:bodyPr wrap="none" rtlCol="0">
+            <a:spAutoFit/>
+          </a:bodyPr>
+          <a:lstStyle/>
+          <a:p>
+            <a:r>
+              <a:rPr lang="en-US" altLang="zh-CN" sz="3200" dirty="0" err="1" smtClean="0">
+                <a:latin typeface="OPPOSans R" panose="00020600040101010101" pitchFamily="18" charset="-122"/>
+                <a:ea typeface="OPPOSans R" panose="00020600040101010101" pitchFamily="18" charset="-122"/>
+                <a:cs typeface="OPPOSans R" panose="00020600040101010101" pitchFamily="18" charset="-122"/>
+              </a:rPr>
+              <a:t>Git</a:t>
+            </a:r>
+            <a:r>
+              <a:rPr lang="zh-CN" altLang="en-US" sz="3200" dirty="0">
+                <a:latin typeface="OPPOSans R" panose="00020600040101010101" pitchFamily="18" charset="-122"/>
+                <a:ea typeface="OPPOSans R" panose="00020600040101010101" pitchFamily="18" charset="-122"/>
+                <a:cs typeface="OPPOSans R" panose="00020600040101010101" pitchFamily="18" charset="-122"/>
+              </a:rPr>
+              <a:t>分制管理</a:t>
+            </a:r>
+            <a:endParaRPr lang="zh-CN" altLang="en-US" sz="3200" dirty="0">
+              <a:latin typeface="OPPOSans R" panose="00020600040101010101" pitchFamily="18" charset="-122"/>
+              <a:ea typeface="OPPOSans R" panose="00020600040101010101" pitchFamily="18" charset="-122"/>
+              <a:cs typeface="OPPOSans R" panose="00020600040101010101" pitchFamily="18" charset="-122"/>
+            </a:endParaRPr>
+          </a:p>
+        </p:txBody>
+      </p:sp>
+      <p:sp>
+        <p:nvSpPr>
+          <p:cNvPr id="39" name="矩形 38"/>
+          <p:cNvSpPr/>
+          <p:nvPr/>
+        </p:nvSpPr>
+        <p:spPr>
+          <a:xfrm>
+            <a:off x="0" y="462703"/>
+            <a:ext cx="794456" cy="738664"/>
+          </a:xfrm>
+          <a:prstGeom prst="rect">
+            <a:avLst/>
+          </a:prstGeom>
+          <a:solidFill>
+            <a:srgbClr val="9A0001"/>
+          </a:solidFill>
+          <a:ln>
+            <a:noFill/>
+          </a:ln>
+        </p:spPr>
+        <p:style>
+          <a:lnRef idx="2">
+            <a:schemeClr val="accent1">
+              <a:shade val="50000"/>
+            </a:schemeClr>
+          </a:lnRef>
+          <a:fillRef idx="1">
+            <a:schemeClr val="accent1"/>
+          </a:fillRef>
+          <a:effectRef idx="0">
+            <a:schemeClr val="accent1"/>
+          </a:effectRef>
+          <a:fontRef idx="minor">
+            <a:schemeClr val="lt1"/>
+          </a:fontRef>
+        </p:style>
+        <p:txBody>
+          <a:bodyPr rtlCol="0" anchor="ctr"/>
+          <a:lstStyle/>
+          <a:p>
+            <a:pPr algn="ctr"/>
+            <a:endParaRPr kumimoji="1" lang="zh-CN" altLang="en-US" sz="1600" dirty="0">
+              <a:latin typeface="OPPOSans R" panose="00020600040101010101" pitchFamily="18" charset="-122"/>
+              <a:ea typeface="OPPOSans R" panose="00020600040101010101" pitchFamily="18" charset="-122"/>
+            </a:endParaRPr>
+          </a:p>
+        </p:txBody>
+      </p:sp>
+      <p:sp>
+        <p:nvSpPr>
+          <p:cNvPr id="34" name="矩形 33"/>
+          <p:cNvSpPr/>
+          <p:nvPr/>
+        </p:nvSpPr>
+        <p:spPr>
+          <a:xfrm flipV="1">
+            <a:off x="7529454" y="6772905"/>
+            <a:ext cx="4682001" cy="128741"/>
+          </a:xfrm>
+          <a:prstGeom prst="rect">
+            <a:avLst/>
+          </a:prstGeom>
+          <a:solidFill>
+            <a:srgbClr val="9A0001"/>
+          </a:solidFill>
+          <a:ln>
+            <a:noFill/>
+          </a:ln>
+        </p:spPr>
+        <p:style>
+          <a:lnRef idx="2">
+            <a:schemeClr val="accent1">
+              <a:shade val="50000"/>
+            </a:schemeClr>
+          </a:lnRef>
+          <a:fillRef idx="1">
+            <a:schemeClr val="accent1"/>
+          </a:fillRef>
+          <a:effectRef idx="0">
+            <a:schemeClr val="accent1"/>
+          </a:effectRef>
+          <a:fontRef idx="minor">
+            <a:schemeClr val="lt1"/>
+          </a:fontRef>
+        </p:style>
+        <p:txBody>
+          <a:bodyPr rtlCol="0" anchor="ctr"/>
+          <a:lstStyle/>
+          <a:p>
+            <a:pPr algn="ctr"/>
+            <a:endParaRPr kumimoji="1" lang="zh-CN" altLang="en-US" sz="1600" dirty="0">
+              <a:latin typeface="OPPOSans R" panose="00020600040101010101" pitchFamily="18" charset="-122"/>
+              <a:ea typeface="OPPOSans R" panose="00020600040101010101" pitchFamily="18" charset="-122"/>
+            </a:endParaRPr>
+          </a:p>
+        </p:txBody>
+      </p:sp>
+      <p:pic>
+        <p:nvPicPr>
+          <p:cNvPr id="40" name="图片 39" descr="微信图片_20210609194104"/>
+          <p:cNvPicPr>
+            <a:picLocks noChangeAspect="1"/>
+          </p:cNvPicPr>
+          <p:nvPr/>
+        </p:nvPicPr>
+        <p:blipFill>
+          <a:blip r:embed="rId3"/>
+          <a:stretch>
+            <a:fillRect/>
+          </a:stretch>
+        </p:blipFill>
+        <p:spPr>
+          <a:xfrm>
+            <a:off x="8303298" y="453877"/>
+            <a:ext cx="3533140" cy="533400"/>
+          </a:xfrm>
+          <a:prstGeom prst="rect">
+            <a:avLst/>
+          </a:prstGeom>
+        </p:spPr>
+      </p:pic>
+      <p:sp>
+        <p:nvSpPr>
+          <p:cNvPr id="8" name="文本框 7"/>
+          <p:cNvSpPr txBox="1"/>
+          <p:nvPr/>
+        </p:nvSpPr>
+        <p:spPr>
+          <a:xfrm>
+            <a:off x="959552" y="1500598"/>
+            <a:ext cx="9753600" cy="540341"/>
+          </a:xfrm>
+          <a:prstGeom prst="rect">
+            <a:avLst/>
+          </a:prstGeom>
+          <a:noFill/>
+        </p:spPr>
+        <p:txBody>
+          <a:bodyPr wrap="square" rtlCol="0">
+            <a:spAutoFit/>
+          </a:bodyPr>
+          <a:lstStyle/>
+          <a:p>
+            <a:pPr>
+              <a:lnSpc>
+                <a:spcPct val="150000"/>
+              </a:lnSpc>
+            </a:pPr>
+            <a:r>
+              <a:rPr lang="zh-CN" altLang="en-US" sz="2200" dirty="0" smtClean="0">
+                <a:latin typeface="微软雅黑" panose="020B0503020204020204" pitchFamily="34" charset="-122"/>
+                <a:ea typeface="微软雅黑" panose="020B0503020204020204" pitchFamily="34" charset="-122"/>
+              </a:rPr>
+              <a:t>常见的</a:t>
+            </a:r>
+            <a:r>
+              <a:rPr lang="en-US" altLang="zh-CN" sz="2200" dirty="0" err="1" smtClean="0">
+                <a:latin typeface="微软雅黑" panose="020B0503020204020204" pitchFamily="34" charset="-122"/>
+                <a:ea typeface="微软雅黑" panose="020B0503020204020204" pitchFamily="34" charset="-122"/>
+              </a:rPr>
+              <a:t>Git</a:t>
+            </a:r>
+            <a:r>
+              <a:rPr lang="zh-CN" altLang="en-US" sz="2200" dirty="0" smtClean="0">
+                <a:latin typeface="微软雅黑" panose="020B0503020204020204" pitchFamily="34" charset="-122"/>
+                <a:ea typeface="微软雅黑" panose="020B0503020204020204" pitchFamily="34" charset="-122"/>
+              </a:rPr>
+              <a:t>图形操作软件</a:t>
+            </a:r>
+            <a:endParaRPr lang="en-US" altLang="zh-CN" sz="2200" dirty="0" smtClean="0">
+              <a:latin typeface="微软雅黑" panose="020B0503020204020204" pitchFamily="34" charset="-122"/>
+              <a:ea typeface="微软雅黑" panose="020B0503020204020204" pitchFamily="34" charset="-122"/>
+            </a:endParaRPr>
+          </a:p>
+        </p:txBody>
+      </p:sp>
+      <p:sp>
+        <p:nvSpPr>
+          <p:cNvPr id="9" name="文本框 8"/>
+          <p:cNvSpPr txBox="1"/>
+          <p:nvPr/>
+        </p:nvSpPr>
+        <p:spPr>
+          <a:xfrm>
+            <a:off x="959551" y="904570"/>
+            <a:ext cx="5105087" cy="369332"/>
+          </a:xfrm>
+          <a:prstGeom prst="rect">
+            <a:avLst/>
+          </a:prstGeom>
+          <a:noFill/>
+        </p:spPr>
+        <p:txBody>
+          <a:bodyPr wrap="square">
+            <a:spAutoFit/>
+          </a:bodyPr>
+          <a:lstStyle/>
+          <a:p>
+            <a:r>
+              <a:rPr lang="zh-CN" altLang="en-US" dirty="0" smtClean="0">
+                <a:solidFill>
+                  <a:schemeClr val="tx1">
+                    <a:lumMod val="50000"/>
+                    <a:lumOff val="50000"/>
+                  </a:schemeClr>
+                </a:solidFill>
+                <a:latin typeface="OPPOSans R" panose="00020600040101010101" pitchFamily="18" charset="-122"/>
+                <a:ea typeface="OPPOSans R" panose="00020600040101010101" pitchFamily="18" charset="-122"/>
+                <a:cs typeface="OPPOSans R" panose="00020600040101010101" pitchFamily="18" charset="-122"/>
+              </a:rPr>
+              <a:t>常用命令</a:t>
+            </a:r>
+            <a:endParaRPr lang="zh-CN" altLang="en-US" dirty="0">
+              <a:solidFill>
+                <a:schemeClr val="tx1">
+                  <a:lumMod val="50000"/>
+                  <a:lumOff val="50000"/>
+                </a:schemeClr>
+              </a:solidFill>
+              <a:latin typeface="OPPOSans R" panose="00020600040101010101" pitchFamily="18" charset="-122"/>
+              <a:ea typeface="OPPOSans R" panose="00020600040101010101" pitchFamily="18" charset="-122"/>
+              <a:cs typeface="OPPOSans R" panose="00020600040101010101" pitchFamily="18" charset="-122"/>
+            </a:endParaRPr>
+          </a:p>
+        </p:txBody>
+      </p:sp>
+    </p:spTree>
+    <p:extLst>
+      <p:ext uri="{BB962C8B-B14F-4D97-AF65-F5344CB8AC3E}">
+        <p14:creationId xmlns:p14="http://schemas.microsoft.com/office/powerpoint/2010/main" val="1068870309"/>
+      </p:ext>
+    </p:extLst>
+  </p:cSld>
+  <p:clrMapOvr>
+    <a:masterClrMapping/>
+  </p:clrMapOvr>
+  <mc:AlternateContent xmlns:mc="http://schemas.openxmlformats.org/markup-compatibility/2006" xmlns:p14="http://schemas.microsoft.com/office/powerpoint/2010/main">
+    <mc:Choice Requires="p14">
+      <p:transition spd="med" p14:dur="700">
+        <p:fade/>
+      </p:transition>
+    </mc:Choice>
+    <mc:Fallback xmlns="">
+      <p:transition spd="med">
+        <p:fade/>
+      </p:transition>
+    </mc:Fallback>
+  </mc:AlternateContent>
+  <p:timing>
+    <p:tnLst>
+      <p:par>
+        <p:cTn id="1" dur="indefinite" restart="never" nodeType="tmRoot"/>
+      </p:par>
+    </p:tnLst>
+  </p:timing>
+</p:sld>
+</file>
+
+<file path=ppt/slides/slide32.xml><?xml version="1.0" encoding="utf-8"?>
+<p:sld xmlns:a="http://schemas.openxmlformats.org/drawingml/2006/main" xmlns:r="http://schemas.openxmlformats.org/officeDocument/2006/relationships" xmlns:p="http://schemas.openxmlformats.org/presentationml/2006/main">
+  <p:cSld>
+    <p:spTree>
+      <p:nvGrpSpPr>
+        <p:cNvPr id="1" name=""/>
+        <p:cNvGrpSpPr/>
+        <p:nvPr/>
+      </p:nvGrpSpPr>
+      <p:grpSpPr>
+        <a:xfrm>
+          <a:off x="0" y="0"/>
+          <a:ext cx="0" cy="0"/>
+          <a:chOff x="0" y="0"/>
+          <a:chExt cx="0" cy="0"/>
+        </a:xfrm>
+      </p:grpSpPr>
+      <p:sp>
+        <p:nvSpPr>
+          <p:cNvPr id="32" name="文本框 31"/>
+          <p:cNvSpPr txBox="1"/>
+          <p:nvPr/>
+        </p:nvSpPr>
+        <p:spPr>
+          <a:xfrm>
+            <a:off x="959552" y="340946"/>
+            <a:ext cx="2377574" cy="584775"/>
+          </a:xfrm>
+          <a:prstGeom prst="rect">
+            <a:avLst/>
+          </a:prstGeom>
+          <a:noFill/>
+        </p:spPr>
+        <p:txBody>
+          <a:bodyPr wrap="none" rtlCol="0">
+            <a:spAutoFit/>
+          </a:bodyPr>
+          <a:lstStyle/>
+          <a:p>
+            <a:r>
+              <a:rPr lang="en-US" altLang="zh-CN" sz="3200" dirty="0" err="1" smtClean="0">
+                <a:latin typeface="OPPOSans R" panose="00020600040101010101" pitchFamily="18" charset="-122"/>
+                <a:ea typeface="OPPOSans R" panose="00020600040101010101" pitchFamily="18" charset="-122"/>
+                <a:cs typeface="OPPOSans R" panose="00020600040101010101" pitchFamily="18" charset="-122"/>
+              </a:rPr>
+              <a:t>Git</a:t>
+            </a:r>
+            <a:r>
+              <a:rPr lang="zh-CN" altLang="en-US" sz="3200" dirty="0">
+                <a:latin typeface="OPPOSans R" panose="00020600040101010101" pitchFamily="18" charset="-122"/>
+                <a:ea typeface="OPPOSans R" panose="00020600040101010101" pitchFamily="18" charset="-122"/>
+                <a:cs typeface="OPPOSans R" panose="00020600040101010101" pitchFamily="18" charset="-122"/>
+              </a:rPr>
+              <a:t>分制管理</a:t>
+            </a:r>
+            <a:endParaRPr lang="zh-CN" altLang="en-US" sz="3200" dirty="0">
+              <a:latin typeface="OPPOSans R" panose="00020600040101010101" pitchFamily="18" charset="-122"/>
+              <a:ea typeface="OPPOSans R" panose="00020600040101010101" pitchFamily="18" charset="-122"/>
+              <a:cs typeface="OPPOSans R" panose="00020600040101010101" pitchFamily="18" charset="-122"/>
+            </a:endParaRPr>
+          </a:p>
+        </p:txBody>
+      </p:sp>
+      <p:sp>
+        <p:nvSpPr>
+          <p:cNvPr id="39" name="矩形 38"/>
+          <p:cNvSpPr/>
+          <p:nvPr/>
+        </p:nvSpPr>
+        <p:spPr>
+          <a:xfrm>
+            <a:off x="0" y="462703"/>
+            <a:ext cx="794456" cy="738664"/>
+          </a:xfrm>
+          <a:prstGeom prst="rect">
+            <a:avLst/>
+          </a:prstGeom>
+          <a:solidFill>
+            <a:srgbClr val="9A0001"/>
+          </a:solidFill>
+          <a:ln>
+            <a:noFill/>
+          </a:ln>
+        </p:spPr>
+        <p:style>
+          <a:lnRef idx="2">
+            <a:schemeClr val="accent1">
+              <a:shade val="50000"/>
+            </a:schemeClr>
+          </a:lnRef>
+          <a:fillRef idx="1">
+            <a:schemeClr val="accent1"/>
+          </a:fillRef>
+          <a:effectRef idx="0">
+            <a:schemeClr val="accent1"/>
+          </a:effectRef>
+          <a:fontRef idx="minor">
+            <a:schemeClr val="lt1"/>
+          </a:fontRef>
+        </p:style>
+        <p:txBody>
+          <a:bodyPr rtlCol="0" anchor="ctr"/>
+          <a:lstStyle/>
+          <a:p>
+            <a:pPr algn="ctr"/>
+            <a:endParaRPr kumimoji="1" lang="zh-CN" altLang="en-US" sz="1600" dirty="0">
+              <a:latin typeface="OPPOSans R" panose="00020600040101010101" pitchFamily="18" charset="-122"/>
+              <a:ea typeface="OPPOSans R" panose="00020600040101010101" pitchFamily="18" charset="-122"/>
+            </a:endParaRPr>
+          </a:p>
+        </p:txBody>
+      </p:sp>
+      <p:sp>
+        <p:nvSpPr>
+          <p:cNvPr id="34" name="矩形 33"/>
+          <p:cNvSpPr/>
+          <p:nvPr/>
+        </p:nvSpPr>
+        <p:spPr>
+          <a:xfrm flipV="1">
+            <a:off x="7529454" y="6772905"/>
+            <a:ext cx="4682001" cy="128741"/>
+          </a:xfrm>
+          <a:prstGeom prst="rect">
+            <a:avLst/>
+          </a:prstGeom>
+          <a:solidFill>
+            <a:srgbClr val="9A0001"/>
+          </a:solidFill>
+          <a:ln>
+            <a:noFill/>
+          </a:ln>
+        </p:spPr>
+        <p:style>
+          <a:lnRef idx="2">
+            <a:schemeClr val="accent1">
+              <a:shade val="50000"/>
+            </a:schemeClr>
+          </a:lnRef>
+          <a:fillRef idx="1">
+            <a:schemeClr val="accent1"/>
+          </a:fillRef>
+          <a:effectRef idx="0">
+            <a:schemeClr val="accent1"/>
+          </a:effectRef>
+          <a:fontRef idx="minor">
+            <a:schemeClr val="lt1"/>
+          </a:fontRef>
+        </p:style>
+        <p:txBody>
+          <a:bodyPr rtlCol="0" anchor="ctr"/>
+          <a:lstStyle/>
+          <a:p>
+            <a:pPr algn="ctr"/>
+            <a:endParaRPr kumimoji="1" lang="zh-CN" altLang="en-US" sz="1600" dirty="0">
+              <a:latin typeface="OPPOSans R" panose="00020600040101010101" pitchFamily="18" charset="-122"/>
+              <a:ea typeface="OPPOSans R" panose="00020600040101010101" pitchFamily="18" charset="-122"/>
+            </a:endParaRPr>
+          </a:p>
+        </p:txBody>
+      </p:sp>
+      <p:pic>
+        <p:nvPicPr>
+          <p:cNvPr id="40" name="图片 39" descr="微信图片_20210609194104"/>
+          <p:cNvPicPr>
+            <a:picLocks noChangeAspect="1"/>
+          </p:cNvPicPr>
+          <p:nvPr/>
+        </p:nvPicPr>
+        <p:blipFill>
+          <a:blip r:embed="rId3"/>
+          <a:stretch>
+            <a:fillRect/>
+          </a:stretch>
+        </p:blipFill>
+        <p:spPr>
+          <a:xfrm>
+            <a:off x="8303298" y="453877"/>
+            <a:ext cx="3533140" cy="533400"/>
+          </a:xfrm>
+          <a:prstGeom prst="rect">
+            <a:avLst/>
+          </a:prstGeom>
+        </p:spPr>
+      </p:pic>
+      <p:sp>
+        <p:nvSpPr>
+          <p:cNvPr id="8" name="文本框 7"/>
+          <p:cNvSpPr txBox="1"/>
+          <p:nvPr/>
+        </p:nvSpPr>
+        <p:spPr>
+          <a:xfrm>
+            <a:off x="959552" y="1500598"/>
+            <a:ext cx="9753600" cy="540341"/>
+          </a:xfrm>
+          <a:prstGeom prst="rect">
+            <a:avLst/>
+          </a:prstGeom>
+          <a:noFill/>
+        </p:spPr>
+        <p:txBody>
+          <a:bodyPr wrap="square" rtlCol="0">
+            <a:spAutoFit/>
+          </a:bodyPr>
+          <a:lstStyle/>
+          <a:p>
+            <a:pPr>
+              <a:lnSpc>
+                <a:spcPct val="150000"/>
+              </a:lnSpc>
+            </a:pPr>
+            <a:r>
+              <a:rPr lang="zh-CN" altLang="en-US" sz="2200" dirty="0" smtClean="0">
+                <a:latin typeface="微软雅黑" panose="020B0503020204020204" pitchFamily="34" charset="-122"/>
+                <a:ea typeface="微软雅黑" panose="020B0503020204020204" pitchFamily="34" charset="-122"/>
+              </a:rPr>
+              <a:t>常见的</a:t>
+            </a:r>
+            <a:r>
+              <a:rPr lang="en-US" altLang="zh-CN" sz="2200" dirty="0" err="1" smtClean="0">
+                <a:latin typeface="微软雅黑" panose="020B0503020204020204" pitchFamily="34" charset="-122"/>
+                <a:ea typeface="微软雅黑" panose="020B0503020204020204" pitchFamily="34" charset="-122"/>
+              </a:rPr>
+              <a:t>Git</a:t>
+            </a:r>
+            <a:r>
+              <a:rPr lang="zh-CN" altLang="en-US" sz="2200" dirty="0" smtClean="0">
+                <a:latin typeface="微软雅黑" panose="020B0503020204020204" pitchFamily="34" charset="-122"/>
+                <a:ea typeface="微软雅黑" panose="020B0503020204020204" pitchFamily="34" charset="-122"/>
+              </a:rPr>
+              <a:t>图形操作软件</a:t>
+            </a:r>
+            <a:endParaRPr lang="en-US" altLang="zh-CN" sz="2200" dirty="0" smtClean="0">
+              <a:latin typeface="微软雅黑" panose="020B0503020204020204" pitchFamily="34" charset="-122"/>
+              <a:ea typeface="微软雅黑" panose="020B0503020204020204" pitchFamily="34" charset="-122"/>
+            </a:endParaRPr>
+          </a:p>
+        </p:txBody>
+      </p:sp>
+      <p:sp>
+        <p:nvSpPr>
+          <p:cNvPr id="9" name="文本框 8"/>
+          <p:cNvSpPr txBox="1"/>
+          <p:nvPr/>
+        </p:nvSpPr>
+        <p:spPr>
+          <a:xfrm>
+            <a:off x="959551" y="904570"/>
+            <a:ext cx="5105087" cy="369332"/>
+          </a:xfrm>
+          <a:prstGeom prst="rect">
+            <a:avLst/>
+          </a:prstGeom>
+          <a:noFill/>
+        </p:spPr>
+        <p:txBody>
+          <a:bodyPr wrap="square">
+            <a:spAutoFit/>
+          </a:bodyPr>
+          <a:lstStyle/>
+          <a:p>
+            <a:r>
+              <a:rPr lang="zh-CN" altLang="en-US" dirty="0" smtClean="0">
+                <a:solidFill>
+                  <a:schemeClr val="tx1">
+                    <a:lumMod val="50000"/>
+                    <a:lumOff val="50000"/>
+                  </a:schemeClr>
+                </a:solidFill>
+                <a:latin typeface="OPPOSans R" panose="00020600040101010101" pitchFamily="18" charset="-122"/>
+                <a:ea typeface="OPPOSans R" panose="00020600040101010101" pitchFamily="18" charset="-122"/>
+                <a:cs typeface="OPPOSans R" panose="00020600040101010101" pitchFamily="18" charset="-122"/>
+              </a:rPr>
+              <a:t>常用命令</a:t>
+            </a:r>
+            <a:endParaRPr lang="zh-CN" altLang="en-US" dirty="0">
+              <a:solidFill>
+                <a:schemeClr val="tx1">
+                  <a:lumMod val="50000"/>
+                  <a:lumOff val="50000"/>
+                </a:schemeClr>
+              </a:solidFill>
+              <a:latin typeface="OPPOSans R" panose="00020600040101010101" pitchFamily="18" charset="-122"/>
+              <a:ea typeface="OPPOSans R" panose="00020600040101010101" pitchFamily="18" charset="-122"/>
+              <a:cs typeface="OPPOSans R" panose="00020600040101010101" pitchFamily="18" charset="-122"/>
+            </a:endParaRPr>
+          </a:p>
+        </p:txBody>
+      </p:sp>
+    </p:spTree>
+    <p:extLst>
+      <p:ext uri="{BB962C8B-B14F-4D97-AF65-F5344CB8AC3E}">
+        <p14:creationId xmlns:p14="http://schemas.microsoft.com/office/powerpoint/2010/main" val="459409410"/>
+      </p:ext>
+    </p:extLst>
+  </p:cSld>
+  <p:clrMapOvr>
+    <a:masterClrMapping/>
+  </p:clrMapOvr>
+  <mc:AlternateContent xmlns:mc="http://schemas.openxmlformats.org/markup-compatibility/2006" xmlns:p14="http://schemas.microsoft.com/office/powerpoint/2010/main">
+    <mc:Choice Requires="p14">
+      <p:transition spd="med" p14:dur="700">
+        <p:fade/>
+      </p:transition>
+    </mc:Choice>
+    <mc:Fallback xmlns="">
+      <p:transition spd="med">
+        <p:fade/>
+      </p:transition>
+    </mc:Fallback>
+  </mc:AlternateContent>
+  <p:timing>
+    <p:tnLst>
+      <p:par>
+        <p:cTn id="1" dur="indefinite" restart="never" nodeType="tmRoot"/>
+      </p:par>
+    </p:tnLst>
+  </p:timing>
+</p:sld>
+</file>
+
+<file path=ppt/slides/slide33.xml><?xml version="1.0" encoding="utf-8"?>
+<p:sld xmlns:a="http://schemas.openxmlformats.org/drawingml/2006/main" xmlns:r="http://schemas.openxmlformats.org/officeDocument/2006/relationships" xmlns:p="http://schemas.openxmlformats.org/presentationml/2006/main">
+  <p:cSld>
+    <p:spTree>
+      <p:nvGrpSpPr>
+        <p:cNvPr id="1" name=""/>
+        <p:cNvGrpSpPr/>
+        <p:nvPr/>
+      </p:nvGrpSpPr>
+      <p:grpSpPr>
+        <a:xfrm>
+          <a:off x="0" y="0"/>
+          <a:ext cx="0" cy="0"/>
+          <a:chOff x="0" y="0"/>
+          <a:chExt cx="0" cy="0"/>
+        </a:xfrm>
+      </p:grpSpPr>
+      <p:sp>
+        <p:nvSpPr>
+          <p:cNvPr id="32" name="文本框 31"/>
+          <p:cNvSpPr txBox="1"/>
+          <p:nvPr/>
+        </p:nvSpPr>
+        <p:spPr>
+          <a:xfrm>
+            <a:off x="959552" y="340946"/>
+            <a:ext cx="2377574" cy="584775"/>
+          </a:xfrm>
+          <a:prstGeom prst="rect">
+            <a:avLst/>
+          </a:prstGeom>
+          <a:noFill/>
+        </p:spPr>
+        <p:txBody>
+          <a:bodyPr wrap="none" rtlCol="0">
+            <a:spAutoFit/>
+          </a:bodyPr>
+          <a:lstStyle/>
+          <a:p>
+            <a:r>
+              <a:rPr lang="en-US" altLang="zh-CN" sz="3200" dirty="0" err="1" smtClean="0">
+                <a:latin typeface="OPPOSans R" panose="00020600040101010101" pitchFamily="18" charset="-122"/>
+                <a:ea typeface="OPPOSans R" panose="00020600040101010101" pitchFamily="18" charset="-122"/>
+                <a:cs typeface="OPPOSans R" panose="00020600040101010101" pitchFamily="18" charset="-122"/>
+              </a:rPr>
+              <a:t>Git</a:t>
+            </a:r>
+            <a:r>
+              <a:rPr lang="zh-CN" altLang="en-US" sz="3200" dirty="0">
+                <a:latin typeface="OPPOSans R" panose="00020600040101010101" pitchFamily="18" charset="-122"/>
+                <a:ea typeface="OPPOSans R" panose="00020600040101010101" pitchFamily="18" charset="-122"/>
+                <a:cs typeface="OPPOSans R" panose="00020600040101010101" pitchFamily="18" charset="-122"/>
+              </a:rPr>
+              <a:t>分制管理</a:t>
+            </a:r>
+            <a:endParaRPr lang="zh-CN" altLang="en-US" sz="3200" dirty="0">
+              <a:latin typeface="OPPOSans R" panose="00020600040101010101" pitchFamily="18" charset="-122"/>
+              <a:ea typeface="OPPOSans R" panose="00020600040101010101" pitchFamily="18" charset="-122"/>
+              <a:cs typeface="OPPOSans R" panose="00020600040101010101" pitchFamily="18" charset="-122"/>
+            </a:endParaRPr>
+          </a:p>
+        </p:txBody>
+      </p:sp>
+      <p:sp>
+        <p:nvSpPr>
+          <p:cNvPr id="39" name="矩形 38"/>
+          <p:cNvSpPr/>
+          <p:nvPr/>
+        </p:nvSpPr>
+        <p:spPr>
+          <a:xfrm>
+            <a:off x="0" y="462703"/>
+            <a:ext cx="794456" cy="738664"/>
+          </a:xfrm>
+          <a:prstGeom prst="rect">
+            <a:avLst/>
+          </a:prstGeom>
+          <a:solidFill>
+            <a:srgbClr val="9A0001"/>
+          </a:solidFill>
+          <a:ln>
+            <a:noFill/>
+          </a:ln>
+        </p:spPr>
+        <p:style>
+          <a:lnRef idx="2">
+            <a:schemeClr val="accent1">
+              <a:shade val="50000"/>
+            </a:schemeClr>
+          </a:lnRef>
+          <a:fillRef idx="1">
+            <a:schemeClr val="accent1"/>
+          </a:fillRef>
+          <a:effectRef idx="0">
+            <a:schemeClr val="accent1"/>
+          </a:effectRef>
+          <a:fontRef idx="minor">
+            <a:schemeClr val="lt1"/>
+          </a:fontRef>
+        </p:style>
+        <p:txBody>
+          <a:bodyPr rtlCol="0" anchor="ctr"/>
+          <a:lstStyle/>
+          <a:p>
+            <a:pPr algn="ctr"/>
+            <a:endParaRPr kumimoji="1" lang="zh-CN" altLang="en-US" sz="1600" dirty="0">
+              <a:latin typeface="OPPOSans R" panose="00020600040101010101" pitchFamily="18" charset="-122"/>
+              <a:ea typeface="OPPOSans R" panose="00020600040101010101" pitchFamily="18" charset="-122"/>
+            </a:endParaRPr>
+          </a:p>
+        </p:txBody>
+      </p:sp>
+      <p:sp>
+        <p:nvSpPr>
+          <p:cNvPr id="34" name="矩形 33"/>
+          <p:cNvSpPr/>
+          <p:nvPr/>
+        </p:nvSpPr>
+        <p:spPr>
+          <a:xfrm flipV="1">
+            <a:off x="7529454" y="6772905"/>
+            <a:ext cx="4682001" cy="128741"/>
+          </a:xfrm>
+          <a:prstGeom prst="rect">
+            <a:avLst/>
+          </a:prstGeom>
+          <a:solidFill>
+            <a:srgbClr val="9A0001"/>
+          </a:solidFill>
+          <a:ln>
+            <a:noFill/>
+          </a:ln>
+        </p:spPr>
+        <p:style>
+          <a:lnRef idx="2">
+            <a:schemeClr val="accent1">
+              <a:shade val="50000"/>
+            </a:schemeClr>
+          </a:lnRef>
+          <a:fillRef idx="1">
+            <a:schemeClr val="accent1"/>
+          </a:fillRef>
+          <a:effectRef idx="0">
+            <a:schemeClr val="accent1"/>
+          </a:effectRef>
+          <a:fontRef idx="minor">
+            <a:schemeClr val="lt1"/>
+          </a:fontRef>
+        </p:style>
+        <p:txBody>
+          <a:bodyPr rtlCol="0" anchor="ctr"/>
+          <a:lstStyle/>
+          <a:p>
+            <a:pPr algn="ctr"/>
+            <a:endParaRPr kumimoji="1" lang="zh-CN" altLang="en-US" sz="1600" dirty="0">
+              <a:latin typeface="OPPOSans R" panose="00020600040101010101" pitchFamily="18" charset="-122"/>
+              <a:ea typeface="OPPOSans R" panose="00020600040101010101" pitchFamily="18" charset="-122"/>
+            </a:endParaRPr>
+          </a:p>
+        </p:txBody>
+      </p:sp>
+      <p:pic>
+        <p:nvPicPr>
+          <p:cNvPr id="40" name="图片 39" descr="微信图片_20210609194104"/>
+          <p:cNvPicPr>
+            <a:picLocks noChangeAspect="1"/>
+          </p:cNvPicPr>
+          <p:nvPr/>
+        </p:nvPicPr>
+        <p:blipFill>
+          <a:blip r:embed="rId3"/>
+          <a:stretch>
+            <a:fillRect/>
+          </a:stretch>
+        </p:blipFill>
+        <p:spPr>
+          <a:xfrm>
+            <a:off x="8303298" y="453877"/>
+            <a:ext cx="3533140" cy="533400"/>
+          </a:xfrm>
+          <a:prstGeom prst="rect">
+            <a:avLst/>
+          </a:prstGeom>
+        </p:spPr>
+      </p:pic>
+      <p:sp>
+        <p:nvSpPr>
+          <p:cNvPr id="8" name="文本框 7"/>
+          <p:cNvSpPr txBox="1"/>
+          <p:nvPr/>
+        </p:nvSpPr>
+        <p:spPr>
+          <a:xfrm>
+            <a:off x="959552" y="1500598"/>
+            <a:ext cx="9753600" cy="540341"/>
+          </a:xfrm>
+          <a:prstGeom prst="rect">
+            <a:avLst/>
+          </a:prstGeom>
+          <a:noFill/>
+        </p:spPr>
+        <p:txBody>
+          <a:bodyPr wrap="square" rtlCol="0">
+            <a:spAutoFit/>
+          </a:bodyPr>
+          <a:lstStyle/>
+          <a:p>
+            <a:pPr>
+              <a:lnSpc>
+                <a:spcPct val="150000"/>
+              </a:lnSpc>
+            </a:pPr>
+            <a:r>
+              <a:rPr lang="zh-CN" altLang="en-US" sz="2200" dirty="0" smtClean="0">
+                <a:latin typeface="微软雅黑" panose="020B0503020204020204" pitchFamily="34" charset="-122"/>
+                <a:ea typeface="微软雅黑" panose="020B0503020204020204" pitchFamily="34" charset="-122"/>
+              </a:rPr>
+              <a:t>常见的</a:t>
+            </a:r>
+            <a:r>
+              <a:rPr lang="en-US" altLang="zh-CN" sz="2200" dirty="0" err="1" smtClean="0">
+                <a:latin typeface="微软雅黑" panose="020B0503020204020204" pitchFamily="34" charset="-122"/>
+                <a:ea typeface="微软雅黑" panose="020B0503020204020204" pitchFamily="34" charset="-122"/>
+              </a:rPr>
+              <a:t>Git</a:t>
+            </a:r>
+            <a:r>
+              <a:rPr lang="zh-CN" altLang="en-US" sz="2200" dirty="0" smtClean="0">
+                <a:latin typeface="微软雅黑" panose="020B0503020204020204" pitchFamily="34" charset="-122"/>
+                <a:ea typeface="微软雅黑" panose="020B0503020204020204" pitchFamily="34" charset="-122"/>
+              </a:rPr>
+              <a:t>图形操作软件</a:t>
+            </a:r>
+            <a:endParaRPr lang="en-US" altLang="zh-CN" sz="2200" dirty="0" smtClean="0">
+              <a:latin typeface="微软雅黑" panose="020B0503020204020204" pitchFamily="34" charset="-122"/>
+              <a:ea typeface="微软雅黑" panose="020B0503020204020204" pitchFamily="34" charset="-122"/>
+            </a:endParaRPr>
+          </a:p>
+        </p:txBody>
+      </p:sp>
+      <p:sp>
+        <p:nvSpPr>
+          <p:cNvPr id="9" name="文本框 8"/>
+          <p:cNvSpPr txBox="1"/>
+          <p:nvPr/>
+        </p:nvSpPr>
+        <p:spPr>
+          <a:xfrm>
+            <a:off x="959551" y="904570"/>
+            <a:ext cx="5105087" cy="369332"/>
+          </a:xfrm>
+          <a:prstGeom prst="rect">
+            <a:avLst/>
+          </a:prstGeom>
+          <a:noFill/>
+        </p:spPr>
+        <p:txBody>
+          <a:bodyPr wrap="square">
+            <a:spAutoFit/>
+          </a:bodyPr>
+          <a:lstStyle/>
+          <a:p>
+            <a:r>
+              <a:rPr lang="zh-CN" altLang="en-US" dirty="0" smtClean="0">
+                <a:solidFill>
+                  <a:schemeClr val="tx1">
+                    <a:lumMod val="50000"/>
+                    <a:lumOff val="50000"/>
+                  </a:schemeClr>
+                </a:solidFill>
+                <a:latin typeface="OPPOSans R" panose="00020600040101010101" pitchFamily="18" charset="-122"/>
+                <a:ea typeface="OPPOSans R" panose="00020600040101010101" pitchFamily="18" charset="-122"/>
+                <a:cs typeface="OPPOSans R" panose="00020600040101010101" pitchFamily="18" charset="-122"/>
+              </a:rPr>
+              <a:t>常用命令</a:t>
+            </a:r>
+            <a:endParaRPr lang="zh-CN" altLang="en-US" dirty="0">
+              <a:solidFill>
+                <a:schemeClr val="tx1">
+                  <a:lumMod val="50000"/>
+                  <a:lumOff val="50000"/>
+                </a:schemeClr>
+              </a:solidFill>
+              <a:latin typeface="OPPOSans R" panose="00020600040101010101" pitchFamily="18" charset="-122"/>
+              <a:ea typeface="OPPOSans R" panose="00020600040101010101" pitchFamily="18" charset="-122"/>
+              <a:cs typeface="OPPOSans R" panose="00020600040101010101" pitchFamily="18" charset="-122"/>
+            </a:endParaRPr>
+          </a:p>
+        </p:txBody>
+      </p:sp>
+    </p:spTree>
+    <p:extLst>
+      <p:ext uri="{BB962C8B-B14F-4D97-AF65-F5344CB8AC3E}">
+        <p14:creationId xmlns:p14="http://schemas.microsoft.com/office/powerpoint/2010/main" val="1885847188"/>
+      </p:ext>
+    </p:extLst>
+  </p:cSld>
+  <p:clrMapOvr>
+    <a:masterClrMapping/>
+  </p:clrMapOvr>
+  <mc:AlternateContent xmlns:mc="http://schemas.openxmlformats.org/markup-compatibility/2006" xmlns:p14="http://schemas.microsoft.com/office/powerpoint/2010/main">
+    <mc:Choice Requires="p14">
+      <p:transition spd="med" p14:dur="700">
+        <p:fade/>
+      </p:transition>
+    </mc:Choice>
+    <mc:Fallback xmlns="">
+      <p:transition spd="med">
+        <p:fade/>
+      </p:transition>
+    </mc:Fallback>
+  </mc:AlternateContent>
+  <p:timing>
+    <p:tnLst>
+      <p:par>
+        <p:cTn id="1" dur="indefinite" restart="never" nodeType="tmRoot"/>
+      </p:par>
+    </p:tnLst>
+  </p:timing>
+</p:sld>
+</file>
+
+<file path=ppt/slides/slide34.xml><?xml version="1.0" encoding="utf-8"?>
+<p:sld xmlns:a="http://schemas.openxmlformats.org/drawingml/2006/main" xmlns:r="http://schemas.openxmlformats.org/officeDocument/2006/relationships" xmlns:p="http://schemas.openxmlformats.org/presentationml/2006/main">
+  <p:cSld>
+    <p:spTree>
+      <p:nvGrpSpPr>
+        <p:cNvPr id="1" name=""/>
+        <p:cNvGrpSpPr/>
+        <p:nvPr/>
+      </p:nvGrpSpPr>
+      <p:grpSpPr>
+        <a:xfrm>
+          <a:off x="0" y="0"/>
+          <a:ext cx="0" cy="0"/>
+          <a:chOff x="0" y="0"/>
+          <a:chExt cx="0" cy="0"/>
+        </a:xfrm>
+      </p:grpSpPr>
+      <p:sp>
+        <p:nvSpPr>
+          <p:cNvPr id="38" name="矩形 37"/>
+          <p:cNvSpPr/>
+          <p:nvPr/>
+        </p:nvSpPr>
+        <p:spPr>
+          <a:xfrm>
+            <a:off x="6836194" y="6780865"/>
+            <a:ext cx="5381839" cy="97126"/>
+          </a:xfrm>
+          <a:prstGeom prst="rect">
+            <a:avLst/>
+          </a:prstGeom>
+          <a:solidFill>
+            <a:srgbClr val="9A0001"/>
+          </a:solidFill>
+          <a:ln>
+            <a:noFill/>
+          </a:ln>
+        </p:spPr>
+        <p:style>
+          <a:lnRef idx="2">
+            <a:schemeClr val="accent1">
+              <a:shade val="50000"/>
+            </a:schemeClr>
+          </a:lnRef>
+          <a:fillRef idx="1">
+            <a:schemeClr val="accent1"/>
+          </a:fillRef>
+          <a:effectRef idx="0">
+            <a:schemeClr val="accent1"/>
+          </a:effectRef>
+          <a:fontRef idx="minor">
+            <a:schemeClr val="lt1"/>
+          </a:fontRef>
+        </p:style>
+        <p:txBody>
+          <a:bodyPr rtlCol="0" anchor="ctr"/>
+          <a:lstStyle/>
+          <a:p>
+            <a:pPr algn="ctr"/>
+            <a:endParaRPr lang="zh-CN" altLang="en-US" dirty="0">
+              <a:latin typeface="OPPOSans R" panose="00020600040101010101" pitchFamily="18" charset="-122"/>
+              <a:ea typeface="OPPOSans R" panose="00020600040101010101" pitchFamily="18" charset="-122"/>
+            </a:endParaRPr>
+          </a:p>
+        </p:txBody>
+      </p:sp>
+      <p:sp>
+        <p:nvSpPr>
+          <p:cNvPr id="48" name="矩形 47"/>
+          <p:cNvSpPr/>
+          <p:nvPr/>
+        </p:nvSpPr>
+        <p:spPr>
+          <a:xfrm>
+            <a:off x="0" y="1239655"/>
+            <a:ext cx="766614" cy="3436705"/>
+          </a:xfrm>
+          <a:prstGeom prst="rect">
+            <a:avLst/>
+          </a:prstGeom>
+          <a:solidFill>
+            <a:srgbClr val="9A0001"/>
+          </a:solidFill>
+          <a:ln>
+            <a:noFill/>
+          </a:ln>
+          <a:effectLst>
+            <a:outerShdw blurRad="127000" dist="38100" dir="2700000" algn="tl" rotWithShape="0">
+              <a:prstClr val="black">
+                <a:alpha val="20000"/>
+              </a:prstClr>
+            </a:outerShdw>
+          </a:effectLst>
+        </p:spPr>
+        <p:style>
+          <a:lnRef idx="2">
+            <a:schemeClr val="accent1">
+              <a:shade val="50000"/>
+            </a:schemeClr>
+          </a:lnRef>
+          <a:fillRef idx="1">
+            <a:schemeClr val="accent1"/>
+          </a:fillRef>
+          <a:effectRef idx="0">
+            <a:schemeClr val="accent1"/>
+          </a:effectRef>
+          <a:fontRef idx="minor">
+            <a:schemeClr val="lt1"/>
+          </a:fontRef>
+        </p:style>
+        <p:txBody>
+          <a:bodyPr rtlCol="0" anchor="ctr"/>
+          <a:lstStyle/>
+          <a:p>
+            <a:pPr algn="ctr"/>
+            <a:endParaRPr lang="zh-CN" altLang="en-US" dirty="0">
+              <a:latin typeface="OPPOSans R" panose="00020600040101010101" pitchFamily="18" charset="-122"/>
+              <a:ea typeface="OPPOSans R" panose="00020600040101010101" pitchFamily="18" charset="-122"/>
+            </a:endParaRPr>
+          </a:p>
+        </p:txBody>
+      </p:sp>
+      <p:grpSp>
+        <p:nvGrpSpPr>
+          <p:cNvPr id="62" name="组合 61"/>
+          <p:cNvGrpSpPr/>
+          <p:nvPr/>
+        </p:nvGrpSpPr>
+        <p:grpSpPr>
+          <a:xfrm>
+            <a:off x="2649844" y="2311804"/>
+            <a:ext cx="5357259" cy="1708160"/>
+            <a:chOff x="1209755" y="4318056"/>
+            <a:chExt cx="5357259" cy="1708160"/>
+          </a:xfrm>
+        </p:grpSpPr>
+        <p:sp>
+          <p:nvSpPr>
+            <p:cNvPr id="63" name="文本框 62"/>
+            <p:cNvSpPr txBox="1"/>
+            <p:nvPr/>
+          </p:nvSpPr>
+          <p:spPr>
+            <a:xfrm>
+              <a:off x="1839179" y="4318056"/>
+              <a:ext cx="1220206" cy="1107996"/>
+            </a:xfrm>
+            <a:prstGeom prst="rect">
+              <a:avLst/>
+            </a:prstGeom>
+            <a:noFill/>
+          </p:spPr>
+          <p:txBody>
+            <a:bodyPr wrap="none" rtlCol="0">
+              <a:spAutoFit/>
+            </a:bodyPr>
+            <a:lstStyle/>
+            <a:p>
+              <a:r>
+                <a:rPr lang="en-US" altLang="zh-CN" sz="6600" dirty="0" smtClean="0">
+                  <a:latin typeface="OPPOSans R" panose="00020600040101010101" pitchFamily="18" charset="-122"/>
+                  <a:ea typeface="OPPOSans R" panose="00020600040101010101" pitchFamily="18" charset="-122"/>
+                  <a:cs typeface="OPPOSans R" panose="00020600040101010101" pitchFamily="18" charset="-122"/>
+                </a:rPr>
+                <a:t>05</a:t>
+              </a:r>
+              <a:endParaRPr lang="zh-CN" altLang="en-US" sz="6600" dirty="0">
+                <a:latin typeface="OPPOSans R" panose="00020600040101010101" pitchFamily="18" charset="-122"/>
+                <a:ea typeface="OPPOSans R" panose="00020600040101010101" pitchFamily="18" charset="-122"/>
+                <a:cs typeface="OPPOSans R" panose="00020600040101010101" pitchFamily="18" charset="-122"/>
+              </a:endParaRPr>
+            </a:p>
+          </p:txBody>
+        </p:sp>
+        <p:sp>
+          <p:nvSpPr>
+            <p:cNvPr id="64" name="文本框 63"/>
+            <p:cNvSpPr txBox="1"/>
+            <p:nvPr/>
+          </p:nvSpPr>
+          <p:spPr>
+            <a:xfrm>
+              <a:off x="3092986" y="4456556"/>
+              <a:ext cx="3474028" cy="1569660"/>
+            </a:xfrm>
+            <a:prstGeom prst="rect">
+              <a:avLst/>
+            </a:prstGeom>
+            <a:noFill/>
+          </p:spPr>
+          <p:txBody>
+            <a:bodyPr wrap="none" rtlCol="0">
+              <a:spAutoFit/>
+            </a:bodyPr>
+            <a:lstStyle/>
+            <a:p>
+              <a:r>
+                <a:rPr lang="en-US" altLang="zh-CN" sz="4800" dirty="0" err="1" smtClean="0">
+                  <a:latin typeface="OPPOSans R" panose="00020600040101010101" pitchFamily="18" charset="-122"/>
+                  <a:ea typeface="OPPOSans R" panose="00020600040101010101" pitchFamily="18" charset="-122"/>
+                </a:rPr>
+                <a:t>Git</a:t>
+              </a:r>
+              <a:r>
+                <a:rPr lang="zh-CN" altLang="en-US" sz="4800" dirty="0" smtClean="0">
+                  <a:latin typeface="OPPOSans R" panose="00020600040101010101" pitchFamily="18" charset="-122"/>
+                  <a:ea typeface="OPPOSans R" panose="00020600040101010101" pitchFamily="18" charset="-122"/>
+                </a:rPr>
+                <a:t>知识扩展</a:t>
+              </a:r>
+              <a:endParaRPr lang="en-US" altLang="zh-CN" sz="4800" dirty="0" smtClean="0">
+                <a:latin typeface="OPPOSans R" panose="00020600040101010101" pitchFamily="18" charset="-122"/>
+                <a:ea typeface="OPPOSans R" panose="00020600040101010101" pitchFamily="18" charset="-122"/>
+              </a:endParaRPr>
+            </a:p>
+            <a:p>
+              <a:endParaRPr lang="zh-CN" altLang="en-US" sz="4800" dirty="0">
+                <a:latin typeface="OPPOSans R" panose="00020600040101010101" pitchFamily="18" charset="-122"/>
+                <a:ea typeface="OPPOSans R" panose="00020600040101010101" pitchFamily="18" charset="-122"/>
+              </a:endParaRPr>
+            </a:p>
+          </p:txBody>
+        </p:sp>
+        <p:cxnSp>
+          <p:nvCxnSpPr>
+            <p:cNvPr id="66" name="直接连接符 55"/>
+            <p:cNvCxnSpPr/>
+            <p:nvPr/>
+          </p:nvCxnSpPr>
+          <p:spPr>
+            <a:xfrm>
+              <a:off x="1209755" y="4396902"/>
+              <a:ext cx="0" cy="1579587"/>
+            </a:xfrm>
+            <a:prstGeom prst="line">
+              <a:avLst/>
+            </a:prstGeom>
+            <a:ln w="127000">
+              <a:solidFill>
+                <a:srgbClr val="9A0001"/>
+              </a:solidFill>
+            </a:ln>
+          </p:spPr>
+          <p:style>
+            <a:lnRef idx="1">
+              <a:schemeClr val="accent1"/>
+            </a:lnRef>
+            <a:fillRef idx="0">
+              <a:schemeClr val="accent1"/>
+            </a:fillRef>
+            <a:effectRef idx="0">
+              <a:schemeClr val="accent1"/>
+            </a:effectRef>
+            <a:fontRef idx="minor">
+              <a:schemeClr val="tx1"/>
+            </a:fontRef>
+          </p:style>
+        </p:cxnSp>
+      </p:grpSp>
+      <p:grpSp>
+        <p:nvGrpSpPr>
+          <p:cNvPr id="71" name="组合 70"/>
+          <p:cNvGrpSpPr/>
+          <p:nvPr/>
+        </p:nvGrpSpPr>
+        <p:grpSpPr>
+          <a:xfrm>
+            <a:off x="10254830" y="4962163"/>
+            <a:ext cx="1528321" cy="302448"/>
+            <a:chOff x="5796136" y="4189567"/>
+            <a:chExt cx="1146539" cy="226895"/>
+          </a:xfrm>
+          <a:solidFill>
+            <a:srgbClr val="9A0001"/>
+          </a:solidFill>
+          <a:effectLst/>
+        </p:grpSpPr>
+        <p:sp>
+          <p:nvSpPr>
+            <p:cNvPr id="72" name="流程图: 数据 9"/>
+            <p:cNvSpPr/>
+            <p:nvPr/>
+          </p:nvSpPr>
+          <p:spPr>
+            <a:xfrm>
+              <a:off x="5796136" y="4189567"/>
+              <a:ext cx="156946" cy="226895"/>
+            </a:xfrm>
+            <a:custGeom>
+              <a:avLst/>
+              <a:gdLst>
+                <a:gd name="connsiteX0" fmla="*/ 0 w 10000"/>
+                <a:gd name="connsiteY0" fmla="*/ 10000 h 10000"/>
+                <a:gd name="connsiteX1" fmla="*/ 2000 w 10000"/>
+                <a:gd name="connsiteY1" fmla="*/ 0 h 10000"/>
+                <a:gd name="connsiteX2" fmla="*/ 10000 w 10000"/>
+                <a:gd name="connsiteY2" fmla="*/ 0 h 10000"/>
+                <a:gd name="connsiteX3" fmla="*/ 8000 w 10000"/>
+                <a:gd name="connsiteY3" fmla="*/ 10000 h 10000"/>
+                <a:gd name="connsiteX4" fmla="*/ 0 w 10000"/>
+                <a:gd name="connsiteY4" fmla="*/ 10000 h 10000"/>
+                <a:gd name="connsiteX0-1" fmla="*/ 0 w 18208"/>
+                <a:gd name="connsiteY0-2" fmla="*/ 10042 h 10042"/>
+                <a:gd name="connsiteX1-3" fmla="*/ 2000 w 18208"/>
+                <a:gd name="connsiteY1-4" fmla="*/ 42 h 10042"/>
+                <a:gd name="connsiteX2-5" fmla="*/ 18208 w 18208"/>
+                <a:gd name="connsiteY2-6" fmla="*/ 0 h 10042"/>
+                <a:gd name="connsiteX3-7" fmla="*/ 8000 w 18208"/>
+                <a:gd name="connsiteY3-8" fmla="*/ 10042 h 10042"/>
+                <a:gd name="connsiteX4-9" fmla="*/ 0 w 18208"/>
+                <a:gd name="connsiteY4-10" fmla="*/ 10042 h 10042"/>
+                <a:gd name="connsiteX0-11" fmla="*/ 0 w 18208"/>
+                <a:gd name="connsiteY0-12" fmla="*/ 10042 h 10042"/>
+                <a:gd name="connsiteX1-13" fmla="*/ 10498 w 18208"/>
+                <a:gd name="connsiteY1-14" fmla="*/ 126 h 10042"/>
+                <a:gd name="connsiteX2-15" fmla="*/ 18208 w 18208"/>
+                <a:gd name="connsiteY2-16" fmla="*/ 0 h 10042"/>
+                <a:gd name="connsiteX3-17" fmla="*/ 8000 w 18208"/>
+                <a:gd name="connsiteY3-18" fmla="*/ 10042 h 10042"/>
+                <a:gd name="connsiteX4-19" fmla="*/ 0 w 18208"/>
+                <a:gd name="connsiteY4-20" fmla="*/ 10042 h 10042"/>
+              </a:gdLst>
+              <a:ahLst/>
+              <a:cxnLst>
+                <a:cxn ang="0">
+                  <a:pos x="connsiteX0-1" y="connsiteY0-2"/>
+                </a:cxn>
+                <a:cxn ang="0">
+                  <a:pos x="connsiteX1-3" y="connsiteY1-4"/>
+                </a:cxn>
+                <a:cxn ang="0">
+                  <a:pos x="connsiteX2-5" y="connsiteY2-6"/>
+                </a:cxn>
+                <a:cxn ang="0">
+                  <a:pos x="connsiteX3-7" y="connsiteY3-8"/>
+                </a:cxn>
+                <a:cxn ang="0">
+                  <a:pos x="connsiteX4-9" y="connsiteY4-10"/>
+                </a:cxn>
+              </a:cxnLst>
+              <a:rect l="l" t="t" r="r" b="b"/>
+              <a:pathLst>
+                <a:path w="18208" h="10042">
+                  <a:moveTo>
+                    <a:pt x="0" y="10042"/>
+                  </a:moveTo>
+                  <a:lnTo>
+                    <a:pt x="10498" y="126"/>
+                  </a:lnTo>
+                  <a:lnTo>
+                    <a:pt x="18208" y="0"/>
+                  </a:lnTo>
+                  <a:lnTo>
+                    <a:pt x="8000" y="10042"/>
+                  </a:lnTo>
+                  <a:lnTo>
+                    <a:pt x="0" y="10042"/>
+                  </a:lnTo>
+                  <a:close/>
+                </a:path>
+              </a:pathLst>
+            </a:custGeom>
+            <a:grpFill/>
+            <a:ln>
+              <a:solidFill>
+                <a:srgbClr val="9A0000"/>
+              </a:solidFill>
+            </a:ln>
+          </p:spPr>
+          <p:style>
+            <a:lnRef idx="2">
+              <a:schemeClr val="accent1">
+                <a:shade val="50000"/>
+              </a:schemeClr>
+            </a:lnRef>
+            <a:fillRef idx="1">
+              <a:schemeClr val="accent1"/>
+            </a:fillRef>
+            <a:effectRef idx="0">
+              <a:schemeClr val="accent1"/>
+            </a:effectRef>
+            <a:fontRef idx="minor">
+              <a:schemeClr val="lt1"/>
+            </a:fontRef>
+          </p:style>
+          <p:txBody>
+            <a:bodyPr rtlCol="0" anchor="ctr"/>
+            <a:lstStyle/>
+            <a:p>
+              <a:pPr algn="ctr" defTabSz="1218565"/>
+              <a:endParaRPr lang="zh-CN" altLang="en-US" sz="2400" dirty="0">
+                <a:solidFill>
+                  <a:prstClr val="white"/>
+                </a:solidFill>
+                <a:latin typeface="OPPOSans R" panose="00020600040101010101" pitchFamily="18" charset="-122"/>
+                <a:ea typeface="OPPOSans R" panose="00020600040101010101" pitchFamily="18" charset="-122"/>
+              </a:endParaRPr>
+            </a:p>
+          </p:txBody>
+        </p:sp>
+        <p:sp>
+          <p:nvSpPr>
+            <p:cNvPr id="73" name="流程图: 数据 9"/>
+            <p:cNvSpPr/>
+            <p:nvPr/>
+          </p:nvSpPr>
+          <p:spPr>
+            <a:xfrm>
+              <a:off x="5937506" y="4189567"/>
+              <a:ext cx="156946" cy="226895"/>
+            </a:xfrm>
+            <a:custGeom>
+              <a:avLst/>
+              <a:gdLst>
+                <a:gd name="connsiteX0" fmla="*/ 0 w 10000"/>
+                <a:gd name="connsiteY0" fmla="*/ 10000 h 10000"/>
+                <a:gd name="connsiteX1" fmla="*/ 2000 w 10000"/>
+                <a:gd name="connsiteY1" fmla="*/ 0 h 10000"/>
+                <a:gd name="connsiteX2" fmla="*/ 10000 w 10000"/>
+                <a:gd name="connsiteY2" fmla="*/ 0 h 10000"/>
+                <a:gd name="connsiteX3" fmla="*/ 8000 w 10000"/>
+                <a:gd name="connsiteY3" fmla="*/ 10000 h 10000"/>
+                <a:gd name="connsiteX4" fmla="*/ 0 w 10000"/>
+                <a:gd name="connsiteY4" fmla="*/ 10000 h 10000"/>
+                <a:gd name="connsiteX0-1" fmla="*/ 0 w 18208"/>
+                <a:gd name="connsiteY0-2" fmla="*/ 10042 h 10042"/>
+                <a:gd name="connsiteX1-3" fmla="*/ 2000 w 18208"/>
+                <a:gd name="connsiteY1-4" fmla="*/ 42 h 10042"/>
+                <a:gd name="connsiteX2-5" fmla="*/ 18208 w 18208"/>
+                <a:gd name="connsiteY2-6" fmla="*/ 0 h 10042"/>
+                <a:gd name="connsiteX3-7" fmla="*/ 8000 w 18208"/>
+                <a:gd name="connsiteY3-8" fmla="*/ 10042 h 10042"/>
+                <a:gd name="connsiteX4-9" fmla="*/ 0 w 18208"/>
+                <a:gd name="connsiteY4-10" fmla="*/ 10042 h 10042"/>
+                <a:gd name="connsiteX0-11" fmla="*/ 0 w 18208"/>
+                <a:gd name="connsiteY0-12" fmla="*/ 10042 h 10042"/>
+                <a:gd name="connsiteX1-13" fmla="*/ 10498 w 18208"/>
+                <a:gd name="connsiteY1-14" fmla="*/ 126 h 10042"/>
+                <a:gd name="connsiteX2-15" fmla="*/ 18208 w 18208"/>
+                <a:gd name="connsiteY2-16" fmla="*/ 0 h 10042"/>
+                <a:gd name="connsiteX3-17" fmla="*/ 8000 w 18208"/>
+                <a:gd name="connsiteY3-18" fmla="*/ 10042 h 10042"/>
+                <a:gd name="connsiteX4-19" fmla="*/ 0 w 18208"/>
+                <a:gd name="connsiteY4-20" fmla="*/ 10042 h 10042"/>
+              </a:gdLst>
+              <a:ahLst/>
+              <a:cxnLst>
+                <a:cxn ang="0">
+                  <a:pos x="connsiteX0-1" y="connsiteY0-2"/>
+                </a:cxn>
+                <a:cxn ang="0">
+                  <a:pos x="connsiteX1-3" y="connsiteY1-4"/>
+                </a:cxn>
+                <a:cxn ang="0">
+                  <a:pos x="connsiteX2-5" y="connsiteY2-6"/>
+                </a:cxn>
+                <a:cxn ang="0">
+                  <a:pos x="connsiteX3-7" y="connsiteY3-8"/>
+                </a:cxn>
+                <a:cxn ang="0">
+                  <a:pos x="connsiteX4-9" y="connsiteY4-10"/>
+                </a:cxn>
+              </a:cxnLst>
+              <a:rect l="l" t="t" r="r" b="b"/>
+              <a:pathLst>
+                <a:path w="18208" h="10042">
+                  <a:moveTo>
+                    <a:pt x="0" y="10042"/>
+                  </a:moveTo>
+                  <a:lnTo>
+                    <a:pt x="10498" y="126"/>
+                  </a:lnTo>
+                  <a:lnTo>
+                    <a:pt x="18208" y="0"/>
+                  </a:lnTo>
+                  <a:lnTo>
+                    <a:pt x="8000" y="10042"/>
+                  </a:lnTo>
+                  <a:lnTo>
+                    <a:pt x="0" y="10042"/>
+                  </a:lnTo>
+                  <a:close/>
+                </a:path>
+              </a:pathLst>
+            </a:custGeom>
+            <a:grpFill/>
+            <a:ln>
+              <a:solidFill>
+                <a:srgbClr val="9A0000"/>
+              </a:solidFill>
+            </a:ln>
+          </p:spPr>
+          <p:style>
+            <a:lnRef idx="2">
+              <a:schemeClr val="accent1">
+                <a:shade val="50000"/>
+              </a:schemeClr>
+            </a:lnRef>
+            <a:fillRef idx="1">
+              <a:schemeClr val="accent1"/>
+            </a:fillRef>
+            <a:effectRef idx="0">
+              <a:schemeClr val="accent1"/>
+            </a:effectRef>
+            <a:fontRef idx="minor">
+              <a:schemeClr val="lt1"/>
+            </a:fontRef>
+          </p:style>
+          <p:txBody>
+            <a:bodyPr rtlCol="0" anchor="ctr"/>
+            <a:lstStyle/>
+            <a:p>
+              <a:pPr algn="ctr" defTabSz="1218565"/>
+              <a:endParaRPr lang="zh-CN" altLang="en-US" sz="2400" dirty="0">
+                <a:solidFill>
+                  <a:prstClr val="white"/>
+                </a:solidFill>
+                <a:latin typeface="OPPOSans R" panose="00020600040101010101" pitchFamily="18" charset="-122"/>
+                <a:ea typeface="OPPOSans R" panose="00020600040101010101" pitchFamily="18" charset="-122"/>
+              </a:endParaRPr>
+            </a:p>
+          </p:txBody>
+        </p:sp>
+        <p:sp>
+          <p:nvSpPr>
+            <p:cNvPr id="74" name="流程图: 数据 9"/>
+            <p:cNvSpPr/>
+            <p:nvPr/>
+          </p:nvSpPr>
+          <p:spPr>
+            <a:xfrm>
+              <a:off x="6078876" y="4189567"/>
+              <a:ext cx="156946" cy="226895"/>
+            </a:xfrm>
+            <a:custGeom>
+              <a:avLst/>
+              <a:gdLst>
+                <a:gd name="connsiteX0" fmla="*/ 0 w 10000"/>
+                <a:gd name="connsiteY0" fmla="*/ 10000 h 10000"/>
+                <a:gd name="connsiteX1" fmla="*/ 2000 w 10000"/>
+                <a:gd name="connsiteY1" fmla="*/ 0 h 10000"/>
+                <a:gd name="connsiteX2" fmla="*/ 10000 w 10000"/>
+                <a:gd name="connsiteY2" fmla="*/ 0 h 10000"/>
+                <a:gd name="connsiteX3" fmla="*/ 8000 w 10000"/>
+                <a:gd name="connsiteY3" fmla="*/ 10000 h 10000"/>
+                <a:gd name="connsiteX4" fmla="*/ 0 w 10000"/>
+                <a:gd name="connsiteY4" fmla="*/ 10000 h 10000"/>
+                <a:gd name="connsiteX0-1" fmla="*/ 0 w 18208"/>
+                <a:gd name="connsiteY0-2" fmla="*/ 10042 h 10042"/>
+                <a:gd name="connsiteX1-3" fmla="*/ 2000 w 18208"/>
+                <a:gd name="connsiteY1-4" fmla="*/ 42 h 10042"/>
+                <a:gd name="connsiteX2-5" fmla="*/ 18208 w 18208"/>
+                <a:gd name="connsiteY2-6" fmla="*/ 0 h 10042"/>
+                <a:gd name="connsiteX3-7" fmla="*/ 8000 w 18208"/>
+                <a:gd name="connsiteY3-8" fmla="*/ 10042 h 10042"/>
+                <a:gd name="connsiteX4-9" fmla="*/ 0 w 18208"/>
+                <a:gd name="connsiteY4-10" fmla="*/ 10042 h 10042"/>
+                <a:gd name="connsiteX0-11" fmla="*/ 0 w 18208"/>
+                <a:gd name="connsiteY0-12" fmla="*/ 10042 h 10042"/>
+                <a:gd name="connsiteX1-13" fmla="*/ 10498 w 18208"/>
+                <a:gd name="connsiteY1-14" fmla="*/ 126 h 10042"/>
+                <a:gd name="connsiteX2-15" fmla="*/ 18208 w 18208"/>
+                <a:gd name="connsiteY2-16" fmla="*/ 0 h 10042"/>
+                <a:gd name="connsiteX3-17" fmla="*/ 8000 w 18208"/>
+                <a:gd name="connsiteY3-18" fmla="*/ 10042 h 10042"/>
+                <a:gd name="connsiteX4-19" fmla="*/ 0 w 18208"/>
+                <a:gd name="connsiteY4-20" fmla="*/ 10042 h 10042"/>
+              </a:gdLst>
+              <a:ahLst/>
+              <a:cxnLst>
+                <a:cxn ang="0">
+                  <a:pos x="connsiteX0-1" y="connsiteY0-2"/>
+                </a:cxn>
+                <a:cxn ang="0">
+                  <a:pos x="connsiteX1-3" y="connsiteY1-4"/>
+                </a:cxn>
+                <a:cxn ang="0">
+                  <a:pos x="connsiteX2-5" y="connsiteY2-6"/>
+                </a:cxn>
+                <a:cxn ang="0">
+                  <a:pos x="connsiteX3-7" y="connsiteY3-8"/>
+                </a:cxn>
+                <a:cxn ang="0">
+                  <a:pos x="connsiteX4-9" y="connsiteY4-10"/>
+                </a:cxn>
+              </a:cxnLst>
+              <a:rect l="l" t="t" r="r" b="b"/>
+              <a:pathLst>
+                <a:path w="18208" h="10042">
+                  <a:moveTo>
+                    <a:pt x="0" y="10042"/>
+                  </a:moveTo>
+                  <a:lnTo>
+                    <a:pt x="10498" y="126"/>
+                  </a:lnTo>
+                  <a:lnTo>
+                    <a:pt x="18208" y="0"/>
+                  </a:lnTo>
+                  <a:lnTo>
+                    <a:pt x="8000" y="10042"/>
+                  </a:lnTo>
+                  <a:lnTo>
+                    <a:pt x="0" y="10042"/>
+                  </a:lnTo>
+                  <a:close/>
+                </a:path>
+              </a:pathLst>
+            </a:custGeom>
+            <a:grpFill/>
+            <a:ln>
+              <a:solidFill>
+                <a:srgbClr val="9A0000"/>
+              </a:solidFill>
+            </a:ln>
+          </p:spPr>
+          <p:style>
+            <a:lnRef idx="2">
+              <a:schemeClr val="accent1">
+                <a:shade val="50000"/>
+              </a:schemeClr>
+            </a:lnRef>
+            <a:fillRef idx="1">
+              <a:schemeClr val="accent1"/>
+            </a:fillRef>
+            <a:effectRef idx="0">
+              <a:schemeClr val="accent1"/>
+            </a:effectRef>
+            <a:fontRef idx="minor">
+              <a:schemeClr val="lt1"/>
+            </a:fontRef>
+          </p:style>
+          <p:txBody>
+            <a:bodyPr rtlCol="0" anchor="ctr"/>
+            <a:lstStyle/>
+            <a:p>
+              <a:pPr algn="ctr" defTabSz="1218565"/>
+              <a:endParaRPr lang="zh-CN" altLang="en-US" sz="2400" dirty="0">
+                <a:solidFill>
+                  <a:prstClr val="white"/>
+                </a:solidFill>
+                <a:latin typeface="OPPOSans R" panose="00020600040101010101" pitchFamily="18" charset="-122"/>
+                <a:ea typeface="OPPOSans R" panose="00020600040101010101" pitchFamily="18" charset="-122"/>
+              </a:endParaRPr>
+            </a:p>
+          </p:txBody>
+        </p:sp>
+        <p:sp>
+          <p:nvSpPr>
+            <p:cNvPr id="75" name="流程图: 数据 9"/>
+            <p:cNvSpPr/>
+            <p:nvPr/>
+          </p:nvSpPr>
+          <p:spPr>
+            <a:xfrm>
+              <a:off x="6220246" y="4189567"/>
+              <a:ext cx="156946" cy="226895"/>
+            </a:xfrm>
+            <a:custGeom>
+              <a:avLst/>
+              <a:gdLst>
+                <a:gd name="connsiteX0" fmla="*/ 0 w 10000"/>
+                <a:gd name="connsiteY0" fmla="*/ 10000 h 10000"/>
+                <a:gd name="connsiteX1" fmla="*/ 2000 w 10000"/>
+                <a:gd name="connsiteY1" fmla="*/ 0 h 10000"/>
+                <a:gd name="connsiteX2" fmla="*/ 10000 w 10000"/>
+                <a:gd name="connsiteY2" fmla="*/ 0 h 10000"/>
+                <a:gd name="connsiteX3" fmla="*/ 8000 w 10000"/>
+                <a:gd name="connsiteY3" fmla="*/ 10000 h 10000"/>
+                <a:gd name="connsiteX4" fmla="*/ 0 w 10000"/>
+                <a:gd name="connsiteY4" fmla="*/ 10000 h 10000"/>
+                <a:gd name="connsiteX0-1" fmla="*/ 0 w 18208"/>
+                <a:gd name="connsiteY0-2" fmla="*/ 10042 h 10042"/>
+                <a:gd name="connsiteX1-3" fmla="*/ 2000 w 18208"/>
+                <a:gd name="connsiteY1-4" fmla="*/ 42 h 10042"/>
+                <a:gd name="connsiteX2-5" fmla="*/ 18208 w 18208"/>
+                <a:gd name="connsiteY2-6" fmla="*/ 0 h 10042"/>
+                <a:gd name="connsiteX3-7" fmla="*/ 8000 w 18208"/>
+                <a:gd name="connsiteY3-8" fmla="*/ 10042 h 10042"/>
+                <a:gd name="connsiteX4-9" fmla="*/ 0 w 18208"/>
+                <a:gd name="connsiteY4-10" fmla="*/ 10042 h 10042"/>
+                <a:gd name="connsiteX0-11" fmla="*/ 0 w 18208"/>
+                <a:gd name="connsiteY0-12" fmla="*/ 10042 h 10042"/>
+                <a:gd name="connsiteX1-13" fmla="*/ 10498 w 18208"/>
+                <a:gd name="connsiteY1-14" fmla="*/ 126 h 10042"/>
+                <a:gd name="connsiteX2-15" fmla="*/ 18208 w 18208"/>
+                <a:gd name="connsiteY2-16" fmla="*/ 0 h 10042"/>
+                <a:gd name="connsiteX3-17" fmla="*/ 8000 w 18208"/>
+                <a:gd name="connsiteY3-18" fmla="*/ 10042 h 10042"/>
+                <a:gd name="connsiteX4-19" fmla="*/ 0 w 18208"/>
+                <a:gd name="connsiteY4-20" fmla="*/ 10042 h 10042"/>
+              </a:gdLst>
+              <a:ahLst/>
+              <a:cxnLst>
+                <a:cxn ang="0">
+                  <a:pos x="connsiteX0-1" y="connsiteY0-2"/>
+                </a:cxn>
+                <a:cxn ang="0">
+                  <a:pos x="connsiteX1-3" y="connsiteY1-4"/>
+                </a:cxn>
+                <a:cxn ang="0">
+                  <a:pos x="connsiteX2-5" y="connsiteY2-6"/>
+                </a:cxn>
+                <a:cxn ang="0">
+                  <a:pos x="connsiteX3-7" y="connsiteY3-8"/>
+                </a:cxn>
+                <a:cxn ang="0">
+                  <a:pos x="connsiteX4-9" y="connsiteY4-10"/>
+                </a:cxn>
+              </a:cxnLst>
+              <a:rect l="l" t="t" r="r" b="b"/>
+              <a:pathLst>
+                <a:path w="18208" h="10042">
+                  <a:moveTo>
+                    <a:pt x="0" y="10042"/>
+                  </a:moveTo>
+                  <a:lnTo>
+                    <a:pt x="10498" y="126"/>
+                  </a:lnTo>
+                  <a:lnTo>
+                    <a:pt x="18208" y="0"/>
+                  </a:lnTo>
+                  <a:lnTo>
+                    <a:pt x="8000" y="10042"/>
+                  </a:lnTo>
+                  <a:lnTo>
+                    <a:pt x="0" y="10042"/>
+                  </a:lnTo>
+                  <a:close/>
+                </a:path>
+              </a:pathLst>
+            </a:custGeom>
+            <a:grpFill/>
+            <a:ln>
+              <a:solidFill>
+                <a:srgbClr val="9A0000"/>
+              </a:solidFill>
+            </a:ln>
+          </p:spPr>
+          <p:style>
+            <a:lnRef idx="2">
+              <a:schemeClr val="accent1">
+                <a:shade val="50000"/>
+              </a:schemeClr>
+            </a:lnRef>
+            <a:fillRef idx="1">
+              <a:schemeClr val="accent1"/>
+            </a:fillRef>
+            <a:effectRef idx="0">
+              <a:schemeClr val="accent1"/>
+            </a:effectRef>
+            <a:fontRef idx="minor">
+              <a:schemeClr val="lt1"/>
+            </a:fontRef>
+          </p:style>
+          <p:txBody>
+            <a:bodyPr rtlCol="0" anchor="ctr"/>
+            <a:lstStyle/>
+            <a:p>
+              <a:pPr algn="ctr" defTabSz="1218565"/>
+              <a:endParaRPr lang="zh-CN" altLang="en-US" sz="2400" dirty="0">
+                <a:solidFill>
+                  <a:prstClr val="white"/>
+                </a:solidFill>
+                <a:latin typeface="OPPOSans R" panose="00020600040101010101" pitchFamily="18" charset="-122"/>
+                <a:ea typeface="OPPOSans R" panose="00020600040101010101" pitchFamily="18" charset="-122"/>
+              </a:endParaRPr>
+            </a:p>
+          </p:txBody>
+        </p:sp>
+        <p:sp>
+          <p:nvSpPr>
+            <p:cNvPr id="76" name="流程图: 数据 9"/>
+            <p:cNvSpPr/>
+            <p:nvPr/>
+          </p:nvSpPr>
+          <p:spPr>
+            <a:xfrm>
+              <a:off x="6361616" y="4189567"/>
+              <a:ext cx="156946" cy="226895"/>
+            </a:xfrm>
+            <a:custGeom>
+              <a:avLst/>
+              <a:gdLst>
+                <a:gd name="connsiteX0" fmla="*/ 0 w 10000"/>
+                <a:gd name="connsiteY0" fmla="*/ 10000 h 10000"/>
+                <a:gd name="connsiteX1" fmla="*/ 2000 w 10000"/>
+                <a:gd name="connsiteY1" fmla="*/ 0 h 10000"/>
+                <a:gd name="connsiteX2" fmla="*/ 10000 w 10000"/>
+                <a:gd name="connsiteY2" fmla="*/ 0 h 10000"/>
+                <a:gd name="connsiteX3" fmla="*/ 8000 w 10000"/>
+                <a:gd name="connsiteY3" fmla="*/ 10000 h 10000"/>
+                <a:gd name="connsiteX4" fmla="*/ 0 w 10000"/>
+                <a:gd name="connsiteY4" fmla="*/ 10000 h 10000"/>
+                <a:gd name="connsiteX0-1" fmla="*/ 0 w 18208"/>
+                <a:gd name="connsiteY0-2" fmla="*/ 10042 h 10042"/>
+                <a:gd name="connsiteX1-3" fmla="*/ 2000 w 18208"/>
+                <a:gd name="connsiteY1-4" fmla="*/ 42 h 10042"/>
+                <a:gd name="connsiteX2-5" fmla="*/ 18208 w 18208"/>
+                <a:gd name="connsiteY2-6" fmla="*/ 0 h 10042"/>
+                <a:gd name="connsiteX3-7" fmla="*/ 8000 w 18208"/>
+                <a:gd name="connsiteY3-8" fmla="*/ 10042 h 10042"/>
+                <a:gd name="connsiteX4-9" fmla="*/ 0 w 18208"/>
+                <a:gd name="connsiteY4-10" fmla="*/ 10042 h 10042"/>
+                <a:gd name="connsiteX0-11" fmla="*/ 0 w 18208"/>
+                <a:gd name="connsiteY0-12" fmla="*/ 10042 h 10042"/>
+                <a:gd name="connsiteX1-13" fmla="*/ 10498 w 18208"/>
+                <a:gd name="connsiteY1-14" fmla="*/ 126 h 10042"/>
+                <a:gd name="connsiteX2-15" fmla="*/ 18208 w 18208"/>
+                <a:gd name="connsiteY2-16" fmla="*/ 0 h 10042"/>
+                <a:gd name="connsiteX3-17" fmla="*/ 8000 w 18208"/>
+                <a:gd name="connsiteY3-18" fmla="*/ 10042 h 10042"/>
+                <a:gd name="connsiteX4-19" fmla="*/ 0 w 18208"/>
+                <a:gd name="connsiteY4-20" fmla="*/ 10042 h 10042"/>
+              </a:gdLst>
+              <a:ahLst/>
+              <a:cxnLst>
+                <a:cxn ang="0">
+                  <a:pos x="connsiteX0-1" y="connsiteY0-2"/>
+                </a:cxn>
+                <a:cxn ang="0">
+                  <a:pos x="connsiteX1-3" y="connsiteY1-4"/>
+                </a:cxn>
+                <a:cxn ang="0">
+                  <a:pos x="connsiteX2-5" y="connsiteY2-6"/>
+                </a:cxn>
+                <a:cxn ang="0">
+                  <a:pos x="connsiteX3-7" y="connsiteY3-8"/>
+                </a:cxn>
+                <a:cxn ang="0">
+                  <a:pos x="connsiteX4-9" y="connsiteY4-10"/>
+                </a:cxn>
+              </a:cxnLst>
+              <a:rect l="l" t="t" r="r" b="b"/>
+              <a:pathLst>
+                <a:path w="18208" h="10042">
+                  <a:moveTo>
+                    <a:pt x="0" y="10042"/>
+                  </a:moveTo>
+                  <a:lnTo>
+                    <a:pt x="10498" y="126"/>
+                  </a:lnTo>
+                  <a:lnTo>
+                    <a:pt x="18208" y="0"/>
+                  </a:lnTo>
+                  <a:lnTo>
+                    <a:pt x="8000" y="10042"/>
+                  </a:lnTo>
+                  <a:lnTo>
+                    <a:pt x="0" y="10042"/>
+                  </a:lnTo>
+                  <a:close/>
+                </a:path>
+              </a:pathLst>
+            </a:custGeom>
+            <a:grpFill/>
+            <a:ln>
+              <a:solidFill>
+                <a:srgbClr val="9A0000"/>
+              </a:solidFill>
+            </a:ln>
+          </p:spPr>
+          <p:style>
+            <a:lnRef idx="2">
+              <a:schemeClr val="accent1">
+                <a:shade val="50000"/>
+              </a:schemeClr>
+            </a:lnRef>
+            <a:fillRef idx="1">
+              <a:schemeClr val="accent1"/>
+            </a:fillRef>
+            <a:effectRef idx="0">
+              <a:schemeClr val="accent1"/>
+            </a:effectRef>
+            <a:fontRef idx="minor">
+              <a:schemeClr val="lt1"/>
+            </a:fontRef>
+          </p:style>
+          <p:txBody>
+            <a:bodyPr rtlCol="0" anchor="ctr"/>
+            <a:lstStyle/>
+            <a:p>
+              <a:pPr algn="ctr" defTabSz="1218565"/>
+              <a:endParaRPr lang="zh-CN" altLang="en-US" sz="2400" dirty="0">
+                <a:solidFill>
+                  <a:prstClr val="white"/>
+                </a:solidFill>
+                <a:latin typeface="OPPOSans R" panose="00020600040101010101" pitchFamily="18" charset="-122"/>
+                <a:ea typeface="OPPOSans R" panose="00020600040101010101" pitchFamily="18" charset="-122"/>
+              </a:endParaRPr>
+            </a:p>
+          </p:txBody>
+        </p:sp>
+        <p:sp>
+          <p:nvSpPr>
+            <p:cNvPr id="77" name="流程图: 数据 9"/>
+            <p:cNvSpPr/>
+            <p:nvPr/>
+          </p:nvSpPr>
+          <p:spPr>
+            <a:xfrm>
+              <a:off x="6502986" y="4189567"/>
+              <a:ext cx="156946" cy="226895"/>
+            </a:xfrm>
+            <a:custGeom>
+              <a:avLst/>
+              <a:gdLst>
+                <a:gd name="connsiteX0" fmla="*/ 0 w 10000"/>
+                <a:gd name="connsiteY0" fmla="*/ 10000 h 10000"/>
+                <a:gd name="connsiteX1" fmla="*/ 2000 w 10000"/>
+                <a:gd name="connsiteY1" fmla="*/ 0 h 10000"/>
+                <a:gd name="connsiteX2" fmla="*/ 10000 w 10000"/>
+                <a:gd name="connsiteY2" fmla="*/ 0 h 10000"/>
+                <a:gd name="connsiteX3" fmla="*/ 8000 w 10000"/>
+                <a:gd name="connsiteY3" fmla="*/ 10000 h 10000"/>
+                <a:gd name="connsiteX4" fmla="*/ 0 w 10000"/>
+                <a:gd name="connsiteY4" fmla="*/ 10000 h 10000"/>
+                <a:gd name="connsiteX0-1" fmla="*/ 0 w 18208"/>
+                <a:gd name="connsiteY0-2" fmla="*/ 10042 h 10042"/>
+                <a:gd name="connsiteX1-3" fmla="*/ 2000 w 18208"/>
+                <a:gd name="connsiteY1-4" fmla="*/ 42 h 10042"/>
+                <a:gd name="connsiteX2-5" fmla="*/ 18208 w 18208"/>
+                <a:gd name="connsiteY2-6" fmla="*/ 0 h 10042"/>
+                <a:gd name="connsiteX3-7" fmla="*/ 8000 w 18208"/>
+                <a:gd name="connsiteY3-8" fmla="*/ 10042 h 10042"/>
+                <a:gd name="connsiteX4-9" fmla="*/ 0 w 18208"/>
+                <a:gd name="connsiteY4-10" fmla="*/ 10042 h 10042"/>
+                <a:gd name="connsiteX0-11" fmla="*/ 0 w 18208"/>
+                <a:gd name="connsiteY0-12" fmla="*/ 10042 h 10042"/>
+                <a:gd name="connsiteX1-13" fmla="*/ 10498 w 18208"/>
+                <a:gd name="connsiteY1-14" fmla="*/ 126 h 10042"/>
+                <a:gd name="connsiteX2-15" fmla="*/ 18208 w 18208"/>
+                <a:gd name="connsiteY2-16" fmla="*/ 0 h 10042"/>
+                <a:gd name="connsiteX3-17" fmla="*/ 8000 w 18208"/>
+                <a:gd name="connsiteY3-18" fmla="*/ 10042 h 10042"/>
+                <a:gd name="connsiteX4-19" fmla="*/ 0 w 18208"/>
+                <a:gd name="connsiteY4-20" fmla="*/ 10042 h 10042"/>
+              </a:gdLst>
+              <a:ahLst/>
+              <a:cxnLst>
+                <a:cxn ang="0">
+                  <a:pos x="connsiteX0-1" y="connsiteY0-2"/>
+                </a:cxn>
+                <a:cxn ang="0">
+                  <a:pos x="connsiteX1-3" y="connsiteY1-4"/>
+                </a:cxn>
+                <a:cxn ang="0">
+                  <a:pos x="connsiteX2-5" y="connsiteY2-6"/>
+                </a:cxn>
+                <a:cxn ang="0">
+                  <a:pos x="connsiteX3-7" y="connsiteY3-8"/>
+                </a:cxn>
+                <a:cxn ang="0">
+                  <a:pos x="connsiteX4-9" y="connsiteY4-10"/>
+                </a:cxn>
+              </a:cxnLst>
+              <a:rect l="l" t="t" r="r" b="b"/>
+              <a:pathLst>
+                <a:path w="18208" h="10042">
+                  <a:moveTo>
+                    <a:pt x="0" y="10042"/>
+                  </a:moveTo>
+                  <a:lnTo>
+                    <a:pt x="10498" y="126"/>
+                  </a:lnTo>
+                  <a:lnTo>
+                    <a:pt x="18208" y="0"/>
+                  </a:lnTo>
+                  <a:lnTo>
+                    <a:pt x="8000" y="10042"/>
+                  </a:lnTo>
+                  <a:lnTo>
+                    <a:pt x="0" y="10042"/>
+                  </a:lnTo>
+                  <a:close/>
+                </a:path>
+              </a:pathLst>
+            </a:custGeom>
+            <a:grpFill/>
+            <a:ln>
+              <a:solidFill>
+                <a:srgbClr val="9A0000"/>
+              </a:solidFill>
+            </a:ln>
+          </p:spPr>
+          <p:style>
+            <a:lnRef idx="2">
+              <a:schemeClr val="accent1">
+                <a:shade val="50000"/>
+              </a:schemeClr>
+            </a:lnRef>
+            <a:fillRef idx="1">
+              <a:schemeClr val="accent1"/>
+            </a:fillRef>
+            <a:effectRef idx="0">
+              <a:schemeClr val="accent1"/>
+            </a:effectRef>
+            <a:fontRef idx="minor">
+              <a:schemeClr val="lt1"/>
+            </a:fontRef>
+          </p:style>
+          <p:txBody>
+            <a:bodyPr rtlCol="0" anchor="ctr"/>
+            <a:lstStyle/>
+            <a:p>
+              <a:pPr algn="ctr" defTabSz="1218565"/>
+              <a:endParaRPr lang="zh-CN" altLang="en-US" sz="2400" dirty="0">
+                <a:solidFill>
+                  <a:prstClr val="white"/>
+                </a:solidFill>
+                <a:latin typeface="OPPOSans R" panose="00020600040101010101" pitchFamily="18" charset="-122"/>
+                <a:ea typeface="OPPOSans R" panose="00020600040101010101" pitchFamily="18" charset="-122"/>
+              </a:endParaRPr>
+            </a:p>
+          </p:txBody>
+        </p:sp>
+        <p:sp>
+          <p:nvSpPr>
+            <p:cNvPr id="78" name="流程图: 数据 9"/>
+            <p:cNvSpPr/>
+            <p:nvPr/>
+          </p:nvSpPr>
+          <p:spPr>
+            <a:xfrm>
+              <a:off x="6644356" y="4189567"/>
+              <a:ext cx="156946" cy="226895"/>
+            </a:xfrm>
+            <a:custGeom>
+              <a:avLst/>
+              <a:gdLst>
+                <a:gd name="connsiteX0" fmla="*/ 0 w 10000"/>
+                <a:gd name="connsiteY0" fmla="*/ 10000 h 10000"/>
+                <a:gd name="connsiteX1" fmla="*/ 2000 w 10000"/>
+                <a:gd name="connsiteY1" fmla="*/ 0 h 10000"/>
+                <a:gd name="connsiteX2" fmla="*/ 10000 w 10000"/>
+                <a:gd name="connsiteY2" fmla="*/ 0 h 10000"/>
+                <a:gd name="connsiteX3" fmla="*/ 8000 w 10000"/>
+                <a:gd name="connsiteY3" fmla="*/ 10000 h 10000"/>
+                <a:gd name="connsiteX4" fmla="*/ 0 w 10000"/>
+                <a:gd name="connsiteY4" fmla="*/ 10000 h 10000"/>
+                <a:gd name="connsiteX0-1" fmla="*/ 0 w 18208"/>
+                <a:gd name="connsiteY0-2" fmla="*/ 10042 h 10042"/>
+                <a:gd name="connsiteX1-3" fmla="*/ 2000 w 18208"/>
+                <a:gd name="connsiteY1-4" fmla="*/ 42 h 10042"/>
+                <a:gd name="connsiteX2-5" fmla="*/ 18208 w 18208"/>
+                <a:gd name="connsiteY2-6" fmla="*/ 0 h 10042"/>
+                <a:gd name="connsiteX3-7" fmla="*/ 8000 w 18208"/>
+                <a:gd name="connsiteY3-8" fmla="*/ 10042 h 10042"/>
+                <a:gd name="connsiteX4-9" fmla="*/ 0 w 18208"/>
+                <a:gd name="connsiteY4-10" fmla="*/ 10042 h 10042"/>
+                <a:gd name="connsiteX0-11" fmla="*/ 0 w 18208"/>
+                <a:gd name="connsiteY0-12" fmla="*/ 10042 h 10042"/>
+                <a:gd name="connsiteX1-13" fmla="*/ 10498 w 18208"/>
+                <a:gd name="connsiteY1-14" fmla="*/ 126 h 10042"/>
+                <a:gd name="connsiteX2-15" fmla="*/ 18208 w 18208"/>
+                <a:gd name="connsiteY2-16" fmla="*/ 0 h 10042"/>
+                <a:gd name="connsiteX3-17" fmla="*/ 8000 w 18208"/>
+                <a:gd name="connsiteY3-18" fmla="*/ 10042 h 10042"/>
+                <a:gd name="connsiteX4-19" fmla="*/ 0 w 18208"/>
+                <a:gd name="connsiteY4-20" fmla="*/ 10042 h 10042"/>
+              </a:gdLst>
+              <a:ahLst/>
+              <a:cxnLst>
+                <a:cxn ang="0">
+                  <a:pos x="connsiteX0-1" y="connsiteY0-2"/>
+                </a:cxn>
+                <a:cxn ang="0">
+                  <a:pos x="connsiteX1-3" y="connsiteY1-4"/>
+                </a:cxn>
+                <a:cxn ang="0">
+                  <a:pos x="connsiteX2-5" y="connsiteY2-6"/>
+                </a:cxn>
+                <a:cxn ang="0">
+                  <a:pos x="connsiteX3-7" y="connsiteY3-8"/>
+                </a:cxn>
+                <a:cxn ang="0">
+                  <a:pos x="connsiteX4-9" y="connsiteY4-10"/>
+                </a:cxn>
+              </a:cxnLst>
+              <a:rect l="l" t="t" r="r" b="b"/>
+              <a:pathLst>
+                <a:path w="18208" h="10042">
+                  <a:moveTo>
+                    <a:pt x="0" y="10042"/>
+                  </a:moveTo>
+                  <a:lnTo>
+                    <a:pt x="10498" y="126"/>
+                  </a:lnTo>
+                  <a:lnTo>
+                    <a:pt x="18208" y="0"/>
+                  </a:lnTo>
+                  <a:lnTo>
+                    <a:pt x="8000" y="10042"/>
+                  </a:lnTo>
+                  <a:lnTo>
+                    <a:pt x="0" y="10042"/>
+                  </a:lnTo>
+                  <a:close/>
+                </a:path>
+              </a:pathLst>
+            </a:custGeom>
+            <a:grpFill/>
+            <a:ln>
+              <a:solidFill>
+                <a:srgbClr val="9A0000"/>
+              </a:solidFill>
+            </a:ln>
+          </p:spPr>
+          <p:style>
+            <a:lnRef idx="2">
+              <a:schemeClr val="accent1">
+                <a:shade val="50000"/>
+              </a:schemeClr>
+            </a:lnRef>
+            <a:fillRef idx="1">
+              <a:schemeClr val="accent1"/>
+            </a:fillRef>
+            <a:effectRef idx="0">
+              <a:schemeClr val="accent1"/>
+            </a:effectRef>
+            <a:fontRef idx="minor">
+              <a:schemeClr val="lt1"/>
+            </a:fontRef>
+          </p:style>
+          <p:txBody>
+            <a:bodyPr rtlCol="0" anchor="ctr"/>
+            <a:lstStyle/>
+            <a:p>
+              <a:pPr algn="ctr" defTabSz="1218565"/>
+              <a:endParaRPr lang="zh-CN" altLang="en-US" sz="2400" dirty="0">
+                <a:solidFill>
+                  <a:prstClr val="white"/>
+                </a:solidFill>
+                <a:latin typeface="OPPOSans R" panose="00020600040101010101" pitchFamily="18" charset="-122"/>
+                <a:ea typeface="OPPOSans R" panose="00020600040101010101" pitchFamily="18" charset="-122"/>
+              </a:endParaRPr>
+            </a:p>
+          </p:txBody>
+        </p:sp>
+        <p:sp>
+          <p:nvSpPr>
+            <p:cNvPr id="79" name="流程图: 数据 9"/>
+            <p:cNvSpPr/>
+            <p:nvPr/>
+          </p:nvSpPr>
+          <p:spPr>
+            <a:xfrm>
+              <a:off x="6785729" y="4189567"/>
+              <a:ext cx="156946" cy="226895"/>
+            </a:xfrm>
+            <a:custGeom>
+              <a:avLst/>
+              <a:gdLst>
+                <a:gd name="connsiteX0" fmla="*/ 0 w 10000"/>
+                <a:gd name="connsiteY0" fmla="*/ 10000 h 10000"/>
+                <a:gd name="connsiteX1" fmla="*/ 2000 w 10000"/>
+                <a:gd name="connsiteY1" fmla="*/ 0 h 10000"/>
+                <a:gd name="connsiteX2" fmla="*/ 10000 w 10000"/>
+                <a:gd name="connsiteY2" fmla="*/ 0 h 10000"/>
+                <a:gd name="connsiteX3" fmla="*/ 8000 w 10000"/>
+                <a:gd name="connsiteY3" fmla="*/ 10000 h 10000"/>
+                <a:gd name="connsiteX4" fmla="*/ 0 w 10000"/>
+                <a:gd name="connsiteY4" fmla="*/ 10000 h 10000"/>
+                <a:gd name="connsiteX0-1" fmla="*/ 0 w 18208"/>
+                <a:gd name="connsiteY0-2" fmla="*/ 10042 h 10042"/>
+                <a:gd name="connsiteX1-3" fmla="*/ 2000 w 18208"/>
+                <a:gd name="connsiteY1-4" fmla="*/ 42 h 10042"/>
+                <a:gd name="connsiteX2-5" fmla="*/ 18208 w 18208"/>
+                <a:gd name="connsiteY2-6" fmla="*/ 0 h 10042"/>
+                <a:gd name="connsiteX3-7" fmla="*/ 8000 w 18208"/>
+                <a:gd name="connsiteY3-8" fmla="*/ 10042 h 10042"/>
+                <a:gd name="connsiteX4-9" fmla="*/ 0 w 18208"/>
+                <a:gd name="connsiteY4-10" fmla="*/ 10042 h 10042"/>
+                <a:gd name="connsiteX0-11" fmla="*/ 0 w 18208"/>
+                <a:gd name="connsiteY0-12" fmla="*/ 10042 h 10042"/>
+                <a:gd name="connsiteX1-13" fmla="*/ 10498 w 18208"/>
+                <a:gd name="connsiteY1-14" fmla="*/ 126 h 10042"/>
+                <a:gd name="connsiteX2-15" fmla="*/ 18208 w 18208"/>
+                <a:gd name="connsiteY2-16" fmla="*/ 0 h 10042"/>
+                <a:gd name="connsiteX3-17" fmla="*/ 8000 w 18208"/>
+                <a:gd name="connsiteY3-18" fmla="*/ 10042 h 10042"/>
+                <a:gd name="connsiteX4-19" fmla="*/ 0 w 18208"/>
+                <a:gd name="connsiteY4-20" fmla="*/ 10042 h 10042"/>
+              </a:gdLst>
+              <a:ahLst/>
+              <a:cxnLst>
+                <a:cxn ang="0">
+                  <a:pos x="connsiteX0-1" y="connsiteY0-2"/>
+                </a:cxn>
+                <a:cxn ang="0">
+                  <a:pos x="connsiteX1-3" y="connsiteY1-4"/>
+                </a:cxn>
+                <a:cxn ang="0">
+                  <a:pos x="connsiteX2-5" y="connsiteY2-6"/>
+                </a:cxn>
+                <a:cxn ang="0">
+                  <a:pos x="connsiteX3-7" y="connsiteY3-8"/>
+                </a:cxn>
+                <a:cxn ang="0">
+                  <a:pos x="connsiteX4-9" y="connsiteY4-10"/>
+                </a:cxn>
+              </a:cxnLst>
+              <a:rect l="l" t="t" r="r" b="b"/>
+              <a:pathLst>
+                <a:path w="18208" h="10042">
+                  <a:moveTo>
+                    <a:pt x="0" y="10042"/>
+                  </a:moveTo>
+                  <a:lnTo>
+                    <a:pt x="10498" y="126"/>
+                  </a:lnTo>
+                  <a:lnTo>
+                    <a:pt x="18208" y="0"/>
+                  </a:lnTo>
+                  <a:lnTo>
+                    <a:pt x="8000" y="10042"/>
+                  </a:lnTo>
+                  <a:lnTo>
+                    <a:pt x="0" y="10042"/>
+                  </a:lnTo>
+                  <a:close/>
+                </a:path>
+              </a:pathLst>
+            </a:custGeom>
+            <a:grpFill/>
+            <a:ln>
+              <a:solidFill>
+                <a:srgbClr val="9A0000"/>
+              </a:solidFill>
+            </a:ln>
+          </p:spPr>
+          <p:style>
+            <a:lnRef idx="2">
+              <a:schemeClr val="accent1">
+                <a:shade val="50000"/>
+              </a:schemeClr>
+            </a:lnRef>
+            <a:fillRef idx="1">
+              <a:schemeClr val="accent1"/>
+            </a:fillRef>
+            <a:effectRef idx="0">
+              <a:schemeClr val="accent1"/>
+            </a:effectRef>
+            <a:fontRef idx="minor">
+              <a:schemeClr val="lt1"/>
+            </a:fontRef>
+          </p:style>
+          <p:txBody>
+            <a:bodyPr rtlCol="0" anchor="ctr"/>
+            <a:lstStyle/>
+            <a:p>
+              <a:pPr algn="ctr" defTabSz="1218565"/>
+              <a:endParaRPr lang="zh-CN" altLang="en-US" sz="2400" dirty="0">
+                <a:solidFill>
+                  <a:prstClr val="white"/>
+                </a:solidFill>
+                <a:latin typeface="OPPOSans R" panose="00020600040101010101" pitchFamily="18" charset="-122"/>
+                <a:ea typeface="OPPOSans R" panose="00020600040101010101" pitchFamily="18" charset="-122"/>
+              </a:endParaRPr>
+            </a:p>
+          </p:txBody>
+        </p:sp>
+      </p:grpSp>
+      <p:cxnSp>
+        <p:nvCxnSpPr>
+          <p:cNvPr id="80" name="直接连接符 92"/>
+          <p:cNvCxnSpPr/>
+          <p:nvPr/>
+        </p:nvCxnSpPr>
+        <p:spPr>
+          <a:xfrm>
+            <a:off x="5313328" y="5113387"/>
+            <a:ext cx="4726249" cy="0"/>
+          </a:xfrm>
+          <a:prstGeom prst="line">
+            <a:avLst/>
+          </a:prstGeom>
+          <a:ln w="38100">
+            <a:solidFill>
+              <a:srgbClr val="9A0001"/>
+            </a:solidFill>
+          </a:ln>
+          <a:effectLst/>
+        </p:spPr>
+        <p:style>
+          <a:lnRef idx="1">
+            <a:schemeClr val="accent1"/>
+          </a:lnRef>
+          <a:fillRef idx="0">
+            <a:schemeClr val="accent1"/>
+          </a:fillRef>
+          <a:effectRef idx="0">
+            <a:schemeClr val="accent1"/>
+          </a:effectRef>
+          <a:fontRef idx="minor">
+            <a:schemeClr val="tx1"/>
+          </a:fontRef>
+        </p:style>
+      </p:cxnSp>
+      <p:grpSp>
+        <p:nvGrpSpPr>
+          <p:cNvPr id="5" name="组合 4"/>
+          <p:cNvGrpSpPr/>
+          <p:nvPr/>
+        </p:nvGrpSpPr>
+        <p:grpSpPr>
+          <a:xfrm>
+            <a:off x="766614" y="602490"/>
+            <a:ext cx="1130656" cy="197719"/>
+            <a:chOff x="2551974" y="630077"/>
+            <a:chExt cx="697715" cy="122010"/>
+          </a:xfrm>
+        </p:grpSpPr>
+        <p:sp>
+          <p:nvSpPr>
+            <p:cNvPr id="81" name="椭圆 80"/>
+            <p:cNvSpPr/>
+            <p:nvPr/>
+          </p:nvSpPr>
+          <p:spPr>
+            <a:xfrm>
+              <a:off x="2551974" y="630077"/>
+              <a:ext cx="122010" cy="122010"/>
+            </a:xfrm>
+            <a:prstGeom prst="ellipse">
+              <a:avLst/>
+            </a:prstGeom>
+            <a:solidFill>
+              <a:srgbClr val="9A0000"/>
+            </a:solidFill>
+            <a:ln>
+              <a:noFill/>
+            </a:ln>
+          </p:spPr>
+          <p:style>
+            <a:lnRef idx="2">
+              <a:schemeClr val="accent1">
+                <a:shade val="50000"/>
+              </a:schemeClr>
+            </a:lnRef>
+            <a:fillRef idx="1">
+              <a:schemeClr val="accent1"/>
+            </a:fillRef>
+            <a:effectRef idx="0">
+              <a:schemeClr val="accent1"/>
+            </a:effectRef>
+            <a:fontRef idx="minor">
+              <a:schemeClr val="lt1"/>
+            </a:fontRef>
+          </p:style>
+          <p:txBody>
+            <a:bodyPr rtlCol="0" anchor="ctr"/>
+            <a:lstStyle/>
+            <a:p>
+              <a:pPr algn="ctr"/>
+              <a:endParaRPr lang="zh-CN" altLang="en-US" sz="3200" dirty="0">
+                <a:latin typeface="OPPOSans R" panose="00020600040101010101" pitchFamily="18" charset="-122"/>
+                <a:ea typeface="OPPOSans R" panose="00020600040101010101" pitchFamily="18" charset="-122"/>
+              </a:endParaRPr>
+            </a:p>
+          </p:txBody>
+        </p:sp>
+        <p:sp>
+          <p:nvSpPr>
+            <p:cNvPr id="82" name="椭圆 81"/>
+            <p:cNvSpPr/>
+            <p:nvPr/>
+          </p:nvSpPr>
+          <p:spPr>
+            <a:xfrm>
+              <a:off x="2839826" y="630077"/>
+              <a:ext cx="122010" cy="122010"/>
+            </a:xfrm>
+            <a:prstGeom prst="ellipse">
+              <a:avLst/>
+            </a:prstGeom>
+            <a:solidFill>
+              <a:srgbClr val="9A0000">
+                <a:alpha val="60000"/>
+              </a:srgbClr>
+            </a:solidFill>
+            <a:ln>
+              <a:noFill/>
+            </a:ln>
+          </p:spPr>
+          <p:style>
+            <a:lnRef idx="2">
+              <a:schemeClr val="accent1">
+                <a:shade val="50000"/>
+              </a:schemeClr>
+            </a:lnRef>
+            <a:fillRef idx="1">
+              <a:schemeClr val="accent1"/>
+            </a:fillRef>
+            <a:effectRef idx="0">
+              <a:schemeClr val="accent1"/>
+            </a:effectRef>
+            <a:fontRef idx="minor">
+              <a:schemeClr val="lt1"/>
+            </a:fontRef>
+          </p:style>
+          <p:txBody>
+            <a:bodyPr rtlCol="0" anchor="ctr"/>
+            <a:lstStyle/>
+            <a:p>
+              <a:pPr algn="ctr"/>
+              <a:endParaRPr lang="zh-CN" altLang="en-US" sz="3200" dirty="0">
+                <a:latin typeface="OPPOSans R" panose="00020600040101010101" pitchFamily="18" charset="-122"/>
+                <a:ea typeface="OPPOSans R" panose="00020600040101010101" pitchFamily="18" charset="-122"/>
+              </a:endParaRPr>
+            </a:p>
+          </p:txBody>
+        </p:sp>
+        <p:sp>
+          <p:nvSpPr>
+            <p:cNvPr id="83" name="椭圆 82"/>
+            <p:cNvSpPr/>
+            <p:nvPr/>
+          </p:nvSpPr>
+          <p:spPr>
+            <a:xfrm>
+              <a:off x="3127679" y="630077"/>
+              <a:ext cx="122010" cy="122010"/>
+            </a:xfrm>
+            <a:prstGeom prst="ellipse">
+              <a:avLst/>
+            </a:prstGeom>
+            <a:solidFill>
+              <a:srgbClr val="9A0000">
+                <a:alpha val="20000"/>
+              </a:srgbClr>
+            </a:solidFill>
+            <a:ln>
+              <a:noFill/>
+            </a:ln>
+          </p:spPr>
+          <p:style>
+            <a:lnRef idx="2">
+              <a:schemeClr val="accent1">
+                <a:shade val="50000"/>
+              </a:schemeClr>
+            </a:lnRef>
+            <a:fillRef idx="1">
+              <a:schemeClr val="accent1"/>
+            </a:fillRef>
+            <a:effectRef idx="0">
+              <a:schemeClr val="accent1"/>
+            </a:effectRef>
+            <a:fontRef idx="minor">
+              <a:schemeClr val="lt1"/>
+            </a:fontRef>
+          </p:style>
+          <p:txBody>
+            <a:bodyPr rtlCol="0" anchor="ctr"/>
+            <a:lstStyle/>
+            <a:p>
+              <a:pPr algn="ctr"/>
+              <a:endParaRPr lang="zh-CN" altLang="en-US" sz="3200" dirty="0">
+                <a:latin typeface="OPPOSans R" panose="00020600040101010101" pitchFamily="18" charset="-122"/>
+                <a:ea typeface="OPPOSans R" panose="00020600040101010101" pitchFamily="18" charset="-122"/>
+              </a:endParaRPr>
+            </a:p>
+          </p:txBody>
+        </p:sp>
+      </p:grpSp>
+    </p:spTree>
+    <p:extLst>
+      <p:ext uri="{BB962C8B-B14F-4D97-AF65-F5344CB8AC3E}">
+        <p14:creationId xmlns:p14="http://schemas.microsoft.com/office/powerpoint/2010/main" val="3031250868"/>
+      </p:ext>
+    </p:extLst>
+  </p:cSld>
+  <p:clrMapOvr>
+    <a:masterClrMapping/>
+  </p:clrMapOvr>
+  <mc:AlternateContent xmlns:mc="http://schemas.openxmlformats.org/markup-compatibility/2006" xmlns:p14="http://schemas.microsoft.com/office/powerpoint/2010/main">
+    <mc:Choice Requires="p14">
+      <p:transition spd="med" p14:dur="700">
+        <p:fade/>
+      </p:transition>
+    </mc:Choice>
+    <mc:Fallback xmlns="">
+      <p:transition spd="med">
+        <p:fade/>
+      </p:transition>
+    </mc:Fallback>
+  </mc:AlternateContent>
+  <p:timing>
+    <p:tnLst>
+      <p:par>
+        <p:cTn id="1" dur="indefinite" restart="never" nodeType="tmRoot"/>
+      </p:par>
+    </p:tnLst>
+  </p:timing>
+</p:sld>
+</file>
+
+<file path=ppt/slides/slide35.xml><?xml version="1.0" encoding="utf-8"?>
+<p:sld xmlns:a="http://schemas.openxmlformats.org/drawingml/2006/main" xmlns:r="http://schemas.openxmlformats.org/officeDocument/2006/relationships" xmlns:p="http://schemas.openxmlformats.org/presentationml/2006/main">
+  <p:cSld>
+    <p:spTree>
+      <p:nvGrpSpPr>
+        <p:cNvPr id="1" name=""/>
+        <p:cNvGrpSpPr/>
+        <p:nvPr/>
+      </p:nvGrpSpPr>
+      <p:grpSpPr>
+        <a:xfrm>
+          <a:off x="0" y="0"/>
+          <a:ext cx="0" cy="0"/>
+          <a:chOff x="0" y="0"/>
+          <a:chExt cx="0" cy="0"/>
+        </a:xfrm>
+      </p:grpSpPr>
+      <p:sp>
+        <p:nvSpPr>
+          <p:cNvPr id="32" name="文本框 31"/>
+          <p:cNvSpPr txBox="1"/>
+          <p:nvPr/>
+        </p:nvSpPr>
+        <p:spPr>
+          <a:xfrm>
+            <a:off x="959552" y="340946"/>
+            <a:ext cx="2377574" cy="584775"/>
+          </a:xfrm>
+          <a:prstGeom prst="rect">
+            <a:avLst/>
+          </a:prstGeom>
+          <a:noFill/>
+        </p:spPr>
+        <p:txBody>
+          <a:bodyPr wrap="none" rtlCol="0">
+            <a:spAutoFit/>
+          </a:bodyPr>
+          <a:lstStyle/>
+          <a:p>
+            <a:r>
+              <a:rPr lang="en-US" altLang="zh-CN" sz="3200" dirty="0" err="1" smtClean="0">
+                <a:latin typeface="OPPOSans R" panose="00020600040101010101" pitchFamily="18" charset="-122"/>
+                <a:ea typeface="OPPOSans R" panose="00020600040101010101" pitchFamily="18" charset="-122"/>
+                <a:cs typeface="OPPOSans R" panose="00020600040101010101" pitchFamily="18" charset="-122"/>
+              </a:rPr>
+              <a:t>Git</a:t>
+            </a:r>
+            <a:r>
+              <a:rPr lang="zh-CN" altLang="en-US" sz="3200" dirty="0" smtClean="0">
+                <a:latin typeface="OPPOSans R" panose="00020600040101010101" pitchFamily="18" charset="-122"/>
+                <a:ea typeface="OPPOSans R" panose="00020600040101010101" pitchFamily="18" charset="-122"/>
+                <a:cs typeface="OPPOSans R" panose="00020600040101010101" pitchFamily="18" charset="-122"/>
+              </a:rPr>
+              <a:t>知识扩展</a:t>
+            </a:r>
+            <a:endParaRPr lang="zh-CN" altLang="en-US" sz="3200" dirty="0">
+              <a:latin typeface="OPPOSans R" panose="00020600040101010101" pitchFamily="18" charset="-122"/>
+              <a:ea typeface="OPPOSans R" panose="00020600040101010101" pitchFamily="18" charset="-122"/>
+              <a:cs typeface="OPPOSans R" panose="00020600040101010101" pitchFamily="18" charset="-122"/>
+            </a:endParaRPr>
+          </a:p>
+        </p:txBody>
+      </p:sp>
+      <p:sp>
+        <p:nvSpPr>
+          <p:cNvPr id="39" name="矩形 38"/>
+          <p:cNvSpPr/>
+          <p:nvPr/>
+        </p:nvSpPr>
+        <p:spPr>
+          <a:xfrm>
+            <a:off x="0" y="462703"/>
+            <a:ext cx="794456" cy="738664"/>
+          </a:xfrm>
+          <a:prstGeom prst="rect">
+            <a:avLst/>
+          </a:prstGeom>
+          <a:solidFill>
+            <a:srgbClr val="9A0001"/>
+          </a:solidFill>
+          <a:ln>
+            <a:noFill/>
+          </a:ln>
+        </p:spPr>
+        <p:style>
+          <a:lnRef idx="2">
+            <a:schemeClr val="accent1">
+              <a:shade val="50000"/>
+            </a:schemeClr>
+          </a:lnRef>
+          <a:fillRef idx="1">
+            <a:schemeClr val="accent1"/>
+          </a:fillRef>
+          <a:effectRef idx="0">
+            <a:schemeClr val="accent1"/>
+          </a:effectRef>
+          <a:fontRef idx="minor">
+            <a:schemeClr val="lt1"/>
+          </a:fontRef>
+        </p:style>
+        <p:txBody>
+          <a:bodyPr rtlCol="0" anchor="ctr"/>
+          <a:lstStyle/>
+          <a:p>
+            <a:pPr algn="ctr"/>
+            <a:endParaRPr kumimoji="1" lang="zh-CN" altLang="en-US" sz="1600" dirty="0">
+              <a:latin typeface="OPPOSans R" panose="00020600040101010101" pitchFamily="18" charset="-122"/>
+              <a:ea typeface="OPPOSans R" panose="00020600040101010101" pitchFamily="18" charset="-122"/>
+            </a:endParaRPr>
+          </a:p>
+        </p:txBody>
+      </p:sp>
+      <p:sp>
+        <p:nvSpPr>
+          <p:cNvPr id="34" name="矩形 33"/>
+          <p:cNvSpPr/>
+          <p:nvPr/>
+        </p:nvSpPr>
+        <p:spPr>
+          <a:xfrm flipV="1">
+            <a:off x="7529454" y="6772905"/>
+            <a:ext cx="4682001" cy="128741"/>
+          </a:xfrm>
+          <a:prstGeom prst="rect">
+            <a:avLst/>
+          </a:prstGeom>
+          <a:solidFill>
+            <a:srgbClr val="9A0001"/>
+          </a:solidFill>
+          <a:ln>
+            <a:noFill/>
+          </a:ln>
+        </p:spPr>
+        <p:style>
+          <a:lnRef idx="2">
+            <a:schemeClr val="accent1">
+              <a:shade val="50000"/>
+            </a:schemeClr>
+          </a:lnRef>
+          <a:fillRef idx="1">
+            <a:schemeClr val="accent1"/>
+          </a:fillRef>
+          <a:effectRef idx="0">
+            <a:schemeClr val="accent1"/>
+          </a:effectRef>
+          <a:fontRef idx="minor">
+            <a:schemeClr val="lt1"/>
+          </a:fontRef>
+        </p:style>
+        <p:txBody>
+          <a:bodyPr rtlCol="0" anchor="ctr"/>
+          <a:lstStyle/>
+          <a:p>
+            <a:pPr algn="ctr"/>
+            <a:endParaRPr kumimoji="1" lang="zh-CN" altLang="en-US" sz="1600" dirty="0">
+              <a:latin typeface="OPPOSans R" panose="00020600040101010101" pitchFamily="18" charset="-122"/>
+              <a:ea typeface="OPPOSans R" panose="00020600040101010101" pitchFamily="18" charset="-122"/>
+            </a:endParaRPr>
+          </a:p>
+        </p:txBody>
+      </p:sp>
+      <p:pic>
+        <p:nvPicPr>
+          <p:cNvPr id="40" name="图片 39" descr="微信图片_20210609194104"/>
+          <p:cNvPicPr>
+            <a:picLocks noChangeAspect="1"/>
+          </p:cNvPicPr>
+          <p:nvPr/>
+        </p:nvPicPr>
+        <p:blipFill>
+          <a:blip r:embed="rId3"/>
+          <a:stretch>
+            <a:fillRect/>
+          </a:stretch>
+        </p:blipFill>
+        <p:spPr>
+          <a:xfrm>
+            <a:off x="8303298" y="453877"/>
+            <a:ext cx="3533140" cy="533400"/>
+          </a:xfrm>
+          <a:prstGeom prst="rect">
+            <a:avLst/>
+          </a:prstGeom>
+        </p:spPr>
+      </p:pic>
+      <p:sp>
+        <p:nvSpPr>
+          <p:cNvPr id="35" name="文本框 34"/>
+          <p:cNvSpPr txBox="1"/>
+          <p:nvPr/>
+        </p:nvSpPr>
+        <p:spPr>
+          <a:xfrm>
+            <a:off x="959552" y="1425054"/>
+            <a:ext cx="9753600" cy="1107996"/>
+          </a:xfrm>
+          <a:prstGeom prst="rect">
+            <a:avLst/>
+          </a:prstGeom>
+          <a:noFill/>
+        </p:spPr>
+        <p:txBody>
+          <a:bodyPr wrap="square" rtlCol="0">
+            <a:spAutoFit/>
+          </a:bodyPr>
+          <a:lstStyle/>
+          <a:p>
+            <a:pPr>
+              <a:lnSpc>
+                <a:spcPct val="150000"/>
+              </a:lnSpc>
+            </a:pPr>
+            <a:r>
+              <a:rPr lang="zh-CN" altLang="en-US" sz="2200" dirty="0" smtClean="0">
+                <a:latin typeface="微软雅黑" panose="020B0503020204020204" pitchFamily="34" charset="-122"/>
+                <a:ea typeface="微软雅黑" panose="020B0503020204020204" pitchFamily="34" charset="-122"/>
+              </a:rPr>
+              <a:t>既然人人都可以自报家门（自定义</a:t>
+            </a:r>
+            <a:r>
+              <a:rPr lang="en-US" altLang="zh-CN" sz="2200" dirty="0" smtClean="0">
+                <a:latin typeface="微软雅黑" panose="020B0503020204020204" pitchFamily="34" charset="-122"/>
+                <a:ea typeface="微软雅黑" panose="020B0503020204020204" pitchFamily="34" charset="-122"/>
+              </a:rPr>
+              <a:t>user</a:t>
+            </a:r>
+            <a:r>
+              <a:rPr lang="zh-CN" altLang="en-US" sz="2200" dirty="0" smtClean="0">
+                <a:latin typeface="微软雅黑" panose="020B0503020204020204" pitchFamily="34" charset="-122"/>
+                <a:ea typeface="微软雅黑" panose="020B0503020204020204" pitchFamily="34" charset="-122"/>
+              </a:rPr>
+              <a:t>和</a:t>
+            </a:r>
+            <a:r>
+              <a:rPr lang="en-US" altLang="zh-CN" sz="2200" dirty="0" smtClean="0">
+                <a:latin typeface="微软雅黑" panose="020B0503020204020204" pitchFamily="34" charset="-122"/>
+                <a:ea typeface="微软雅黑" panose="020B0503020204020204" pitchFamily="34" charset="-122"/>
+              </a:rPr>
+              <a:t>email</a:t>
+            </a:r>
+            <a:r>
+              <a:rPr lang="zh-CN" altLang="en-US" sz="2200" dirty="0" smtClean="0">
+                <a:latin typeface="微软雅黑" panose="020B0503020204020204" pitchFamily="34" charset="-122"/>
+                <a:ea typeface="微软雅黑" panose="020B0503020204020204" pitchFamily="34" charset="-122"/>
+              </a:rPr>
+              <a:t>），那么如何</a:t>
+            </a:r>
+            <a:r>
+              <a:rPr lang="zh-CN" altLang="en-US" sz="2200" dirty="0">
+                <a:latin typeface="微软雅黑" panose="020B0503020204020204" pitchFamily="34" charset="-122"/>
+                <a:ea typeface="微软雅黑" panose="020B0503020204020204" pitchFamily="34" charset="-122"/>
+              </a:rPr>
+              <a:t>防止别人</a:t>
+            </a:r>
+            <a:r>
+              <a:rPr lang="zh-CN" altLang="en-US" sz="2200" dirty="0" smtClean="0">
+                <a:latin typeface="微软雅黑" panose="020B0503020204020204" pitchFamily="34" charset="-122"/>
+                <a:ea typeface="微软雅黑" panose="020B0503020204020204" pitchFamily="34" charset="-122"/>
+              </a:rPr>
+              <a:t>冒充</a:t>
+            </a:r>
+            <a:r>
+              <a:rPr lang="zh-CN" altLang="en-US" sz="2200" dirty="0">
+                <a:latin typeface="微软雅黑" panose="020B0503020204020204" pitchFamily="34" charset="-122"/>
+                <a:ea typeface="微软雅黑" panose="020B0503020204020204" pitchFamily="34" charset="-122"/>
+              </a:rPr>
+              <a:t>自己</a:t>
+            </a:r>
+            <a:r>
+              <a:rPr lang="zh-CN" altLang="en-US" sz="2200" dirty="0" smtClean="0">
+                <a:latin typeface="微软雅黑" panose="020B0503020204020204" pitchFamily="34" charset="-122"/>
+                <a:ea typeface="微软雅黑" panose="020B0503020204020204" pitchFamily="34" charset="-122"/>
+              </a:rPr>
+              <a:t>身份？</a:t>
+            </a:r>
+            <a:endParaRPr lang="en-US" altLang="zh-CN" sz="2200" dirty="0" smtClean="0">
+              <a:latin typeface="微软雅黑" panose="020B0503020204020204" pitchFamily="34" charset="-122"/>
+              <a:ea typeface="微软雅黑" panose="020B0503020204020204" pitchFamily="34" charset="-122"/>
+            </a:endParaRPr>
+          </a:p>
+        </p:txBody>
+      </p:sp>
+      <p:sp>
+        <p:nvSpPr>
+          <p:cNvPr id="8" name="文本框 7"/>
+          <p:cNvSpPr txBox="1"/>
+          <p:nvPr/>
+        </p:nvSpPr>
+        <p:spPr>
+          <a:xfrm>
+            <a:off x="959551" y="3334705"/>
+            <a:ext cx="9753600" cy="3000821"/>
+          </a:xfrm>
+          <a:prstGeom prst="rect">
+            <a:avLst/>
+          </a:prstGeom>
+          <a:noFill/>
+        </p:spPr>
+        <p:txBody>
+          <a:bodyPr wrap="square" rtlCol="0">
+            <a:spAutoFit/>
+          </a:bodyPr>
+          <a:lstStyle/>
+          <a:p>
+            <a:pPr>
+              <a:lnSpc>
+                <a:spcPct val="150000"/>
+              </a:lnSpc>
+            </a:pPr>
+            <a:r>
+              <a:rPr lang="zh-CN" altLang="en-US" dirty="0" smtClean="0">
+                <a:latin typeface="微软雅黑" panose="020B0503020204020204" pitchFamily="34" charset="-122"/>
+                <a:ea typeface="微软雅黑" panose="020B0503020204020204" pitchFamily="34" charset="-122"/>
+              </a:rPr>
+              <a:t>我们可以使用</a:t>
+            </a:r>
+            <a:r>
+              <a:rPr lang="en-US" altLang="zh-CN" dirty="0" smtClean="0">
+                <a:latin typeface="微软雅黑" panose="020B0503020204020204" pitchFamily="34" charset="-122"/>
+                <a:ea typeface="微软雅黑" panose="020B0503020204020204" pitchFamily="34" charset="-122"/>
+              </a:rPr>
+              <a:t>GPG key</a:t>
+            </a:r>
+            <a:r>
+              <a:rPr lang="zh-CN" altLang="en-US" dirty="0" smtClean="0">
+                <a:latin typeface="微软雅黑" panose="020B0503020204020204" pitchFamily="34" charset="-122"/>
+                <a:ea typeface="微软雅黑" panose="020B0503020204020204" pitchFamily="34" charset="-122"/>
+              </a:rPr>
+              <a:t>来证明</a:t>
+            </a:r>
+            <a:r>
+              <a:rPr lang="en-US" altLang="zh-CN" dirty="0" smtClean="0">
+                <a:latin typeface="微软雅黑" panose="020B0503020204020204" pitchFamily="34" charset="-122"/>
+                <a:ea typeface="微软雅黑" panose="020B0503020204020204" pitchFamily="34" charset="-122"/>
+              </a:rPr>
+              <a:t>commit</a:t>
+            </a:r>
+            <a:r>
+              <a:rPr lang="zh-CN" altLang="en-US" dirty="0" smtClean="0">
+                <a:latin typeface="微软雅黑" panose="020B0503020204020204" pitchFamily="34" charset="-122"/>
+                <a:ea typeface="微软雅黑" panose="020B0503020204020204" pitchFamily="34" charset="-122"/>
+              </a:rPr>
+              <a:t>著作权。</a:t>
+            </a:r>
+            <a:r>
+              <a:rPr lang="en-US" altLang="zh-CN" dirty="0" smtClean="0">
+                <a:latin typeface="微软雅黑" panose="020B0503020204020204" pitchFamily="34" charset="-122"/>
+                <a:ea typeface="微软雅黑" panose="020B0503020204020204" pitchFamily="34" charset="-122"/>
+              </a:rPr>
+              <a:t>GPG </a:t>
+            </a:r>
+            <a:r>
+              <a:rPr lang="zh-CN" altLang="en-US" dirty="0">
+                <a:latin typeface="微软雅黑" panose="020B0503020204020204" pitchFamily="34" charset="-122"/>
+                <a:ea typeface="微软雅黑" panose="020B0503020204020204" pitchFamily="34" charset="-122"/>
+              </a:rPr>
+              <a:t>全称为 </a:t>
+            </a:r>
+            <a:r>
+              <a:rPr lang="en-US" altLang="zh-CN" dirty="0">
+                <a:latin typeface="微软雅黑" panose="020B0503020204020204" pitchFamily="34" charset="-122"/>
+                <a:ea typeface="微软雅黑" panose="020B0503020204020204" pitchFamily="34" charset="-122"/>
+              </a:rPr>
+              <a:t>GNU Privacy Guard</a:t>
+            </a:r>
+            <a:r>
+              <a:rPr lang="zh-CN" altLang="en-US" dirty="0">
+                <a:latin typeface="微软雅黑" panose="020B0503020204020204" pitchFamily="34" charset="-122"/>
+                <a:ea typeface="微软雅黑" panose="020B0503020204020204" pitchFamily="34" charset="-122"/>
+              </a:rPr>
+              <a:t>，</a:t>
+            </a:r>
+            <a:r>
+              <a:rPr lang="en-US" altLang="zh-CN" dirty="0">
+                <a:latin typeface="微软雅黑" panose="020B0503020204020204" pitchFamily="34" charset="-122"/>
+                <a:ea typeface="微软雅黑" panose="020B0503020204020204" pitchFamily="34" charset="-122"/>
+              </a:rPr>
+              <a:t>GPG </a:t>
+            </a:r>
+            <a:r>
+              <a:rPr lang="zh-CN" altLang="en-US" dirty="0">
+                <a:latin typeface="微软雅黑" panose="020B0503020204020204" pitchFamily="34" charset="-122"/>
+                <a:ea typeface="微软雅黑" panose="020B0503020204020204" pitchFamily="34" charset="-122"/>
+              </a:rPr>
+              <a:t>通过非对称加密来帮助我们从密码学的角度证明「我是我」，也从而证明「这不一定真的是我</a:t>
+            </a:r>
+            <a:r>
+              <a:rPr lang="zh-CN" altLang="en-US" dirty="0" smtClean="0">
+                <a:latin typeface="微软雅黑" panose="020B0503020204020204" pitchFamily="34" charset="-122"/>
+                <a:ea typeface="微软雅黑" panose="020B0503020204020204" pitchFamily="34" charset="-122"/>
+              </a:rPr>
+              <a:t>」</a:t>
+            </a:r>
+            <a:endParaRPr lang="en-US" altLang="zh-CN" dirty="0" smtClean="0">
+              <a:latin typeface="微软雅黑" panose="020B0503020204020204" pitchFamily="34" charset="-122"/>
+              <a:ea typeface="微软雅黑" panose="020B0503020204020204" pitchFamily="34" charset="-122"/>
+            </a:endParaRPr>
+          </a:p>
+          <a:p>
+            <a:pPr>
+              <a:lnSpc>
+                <a:spcPct val="150000"/>
+              </a:lnSpc>
+            </a:pPr>
+            <a:r>
+              <a:rPr lang="en-US" altLang="zh-CN" dirty="0">
+                <a:latin typeface="微软雅黑" panose="020B0503020204020204" pitchFamily="34" charset="-122"/>
+                <a:ea typeface="微软雅黑" panose="020B0503020204020204" pitchFamily="34" charset="-122"/>
+              </a:rPr>
+              <a:t>GPG </a:t>
+            </a:r>
+            <a:r>
+              <a:rPr lang="zh-CN" altLang="en-US" dirty="0">
+                <a:latin typeface="微软雅黑" panose="020B0503020204020204" pitchFamily="34" charset="-122"/>
+                <a:ea typeface="微软雅黑" panose="020B0503020204020204" pitchFamily="34" charset="-122"/>
+              </a:rPr>
+              <a:t>密钥</a:t>
+            </a:r>
+            <a:r>
+              <a:rPr lang="zh-CN" altLang="en-US" dirty="0" smtClean="0">
+                <a:latin typeface="微软雅黑" panose="020B0503020204020204" pitchFamily="34" charset="-122"/>
+                <a:ea typeface="微软雅黑" panose="020B0503020204020204" pitchFamily="34" charset="-122"/>
+              </a:rPr>
+              <a:t>和之前提到的 </a:t>
+            </a:r>
+            <a:r>
+              <a:rPr lang="en-US" altLang="zh-CN" dirty="0">
+                <a:latin typeface="微软雅黑" panose="020B0503020204020204" pitchFamily="34" charset="-122"/>
+                <a:ea typeface="微软雅黑" panose="020B0503020204020204" pitchFamily="34" charset="-122"/>
+              </a:rPr>
+              <a:t>SSH </a:t>
+            </a:r>
+            <a:r>
+              <a:rPr lang="zh-CN" altLang="en-US" dirty="0">
+                <a:latin typeface="微软雅黑" panose="020B0503020204020204" pitchFamily="34" charset="-122"/>
+                <a:ea typeface="微软雅黑" panose="020B0503020204020204" pitchFamily="34" charset="-122"/>
+              </a:rPr>
+              <a:t>密钥并不一样，后者 </a:t>
+            </a:r>
+            <a:r>
+              <a:rPr lang="en-US" altLang="zh-CN" dirty="0">
+                <a:latin typeface="微软雅黑" panose="020B0503020204020204" pitchFamily="34" charset="-122"/>
+                <a:ea typeface="微软雅黑" panose="020B0503020204020204" pitchFamily="34" charset="-122"/>
+              </a:rPr>
+              <a:t>SSH </a:t>
+            </a:r>
+            <a:r>
+              <a:rPr lang="zh-CN" altLang="en-US" dirty="0" smtClean="0">
+                <a:latin typeface="微软雅黑" panose="020B0503020204020204" pitchFamily="34" charset="-122"/>
+                <a:ea typeface="微软雅黑" panose="020B0503020204020204" pitchFamily="34" charset="-122"/>
+              </a:rPr>
+              <a:t>密钥是</a:t>
+            </a:r>
+            <a:r>
+              <a:rPr lang="zh-CN" altLang="en-US" dirty="0">
+                <a:latin typeface="微软雅黑" panose="020B0503020204020204" pitchFamily="34" charset="-122"/>
+                <a:ea typeface="微软雅黑" panose="020B0503020204020204" pitchFamily="34" charset="-122"/>
+              </a:rPr>
+              <a:t>为了向 </a:t>
+            </a:r>
+            <a:r>
+              <a:rPr lang="en-US" altLang="zh-CN" dirty="0">
+                <a:latin typeface="微软雅黑" panose="020B0503020204020204" pitchFamily="34" charset="-122"/>
+                <a:ea typeface="微软雅黑" panose="020B0503020204020204" pitchFamily="34" charset="-122"/>
+              </a:rPr>
+              <a:t>GitHub </a:t>
+            </a:r>
+            <a:r>
+              <a:rPr lang="zh-CN" altLang="en-US" dirty="0">
+                <a:latin typeface="微软雅黑" panose="020B0503020204020204" pitchFamily="34" charset="-122"/>
+                <a:ea typeface="微软雅黑" panose="020B0503020204020204" pitchFamily="34" charset="-122"/>
+              </a:rPr>
+              <a:t>证明身份，用于向我们拥有权限的仓库中进行 </a:t>
+            </a:r>
+            <a:r>
+              <a:rPr lang="en-US" altLang="zh-CN" dirty="0">
+                <a:latin typeface="微软雅黑" panose="020B0503020204020204" pitchFamily="34" charset="-122"/>
+                <a:ea typeface="微软雅黑" panose="020B0503020204020204" pitchFamily="34" charset="-122"/>
+              </a:rPr>
+              <a:t>commit</a:t>
+            </a:r>
+            <a:r>
+              <a:rPr lang="zh-CN" altLang="en-US" dirty="0">
+                <a:latin typeface="微软雅黑" panose="020B0503020204020204" pitchFamily="34" charset="-122"/>
+                <a:ea typeface="微软雅黑" panose="020B0503020204020204" pitchFamily="34" charset="-122"/>
+              </a:rPr>
+              <a:t>，而前者 </a:t>
+            </a:r>
+            <a:r>
+              <a:rPr lang="en-US" altLang="zh-CN" dirty="0">
+                <a:latin typeface="微软雅黑" panose="020B0503020204020204" pitchFamily="34" charset="-122"/>
+                <a:ea typeface="微软雅黑" panose="020B0503020204020204" pitchFamily="34" charset="-122"/>
+              </a:rPr>
+              <a:t>GPG key </a:t>
+            </a:r>
+            <a:r>
+              <a:rPr lang="zh-CN" altLang="en-US" dirty="0">
+                <a:latin typeface="微软雅黑" panose="020B0503020204020204" pitchFamily="34" charset="-122"/>
+                <a:ea typeface="微软雅黑" panose="020B0503020204020204" pitchFamily="34" charset="-122"/>
+              </a:rPr>
+              <a:t>则是</a:t>
+            </a:r>
+            <a:r>
+              <a:rPr lang="zh-CN" altLang="en-US" dirty="0" smtClean="0">
+                <a:latin typeface="微软雅黑" panose="020B0503020204020204" pitchFamily="34" charset="-122"/>
+                <a:ea typeface="微软雅黑" panose="020B0503020204020204" pitchFamily="34" charset="-122"/>
+              </a:rPr>
+              <a:t>为了提交这次</a:t>
+            </a:r>
+            <a:r>
+              <a:rPr lang="en-US" altLang="zh-CN" dirty="0" err="1" smtClean="0">
+                <a:latin typeface="微软雅黑" panose="020B0503020204020204" pitchFamily="34" charset="-122"/>
+                <a:ea typeface="微软雅黑" panose="020B0503020204020204" pitchFamily="34" charset="-122"/>
+              </a:rPr>
+              <a:t>commite</a:t>
+            </a:r>
+            <a:r>
+              <a:rPr lang="zh-CN" altLang="en-US" dirty="0" smtClean="0">
+                <a:latin typeface="微软雅黑" panose="020B0503020204020204" pitchFamily="34" charset="-122"/>
+                <a:ea typeface="微软雅黑" panose="020B0503020204020204" pitchFamily="34" charset="-122"/>
+              </a:rPr>
+              <a:t>的是我本人。</a:t>
+            </a:r>
+            <a:r>
+              <a:rPr lang="zh-CN" altLang="en-US" dirty="0">
+                <a:latin typeface="微软雅黑" panose="020B0503020204020204" pitchFamily="34" charset="-122"/>
+                <a:ea typeface="微软雅黑" panose="020B0503020204020204" pitchFamily="34" charset="-122"/>
+              </a:rPr>
+              <a:t>也只有用 </a:t>
+            </a:r>
+            <a:r>
+              <a:rPr lang="en-US" altLang="zh-CN" dirty="0">
+                <a:latin typeface="微软雅黑" panose="020B0503020204020204" pitchFamily="34" charset="-122"/>
+                <a:ea typeface="微软雅黑" panose="020B0503020204020204" pitchFamily="34" charset="-122"/>
+              </a:rPr>
+              <a:t>GPG </a:t>
+            </a:r>
+            <a:r>
+              <a:rPr lang="zh-CN" altLang="en-US" dirty="0">
+                <a:latin typeface="微软雅黑" panose="020B0503020204020204" pitchFamily="34" charset="-122"/>
+                <a:ea typeface="微软雅黑" panose="020B0503020204020204" pitchFamily="34" charset="-122"/>
+              </a:rPr>
+              <a:t>私钥签名的 </a:t>
+            </a:r>
+            <a:r>
+              <a:rPr lang="en-US" altLang="zh-CN" dirty="0">
+                <a:latin typeface="微软雅黑" panose="020B0503020204020204" pitchFamily="34" charset="-122"/>
+                <a:ea typeface="微软雅黑" panose="020B0503020204020204" pitchFamily="34" charset="-122"/>
+              </a:rPr>
+              <a:t>commit </a:t>
+            </a:r>
+            <a:r>
+              <a:rPr lang="zh-CN" altLang="en-US" dirty="0">
+                <a:latin typeface="微软雅黑" panose="020B0503020204020204" pitchFamily="34" charset="-122"/>
+                <a:ea typeface="微软雅黑" panose="020B0503020204020204" pitchFamily="34" charset="-122"/>
+              </a:rPr>
+              <a:t>在 </a:t>
+            </a:r>
+            <a:r>
+              <a:rPr lang="en-US" altLang="zh-CN" dirty="0">
+                <a:latin typeface="微软雅黑" panose="020B0503020204020204" pitchFamily="34" charset="-122"/>
+                <a:ea typeface="微软雅黑" panose="020B0503020204020204" pitchFamily="34" charset="-122"/>
+              </a:rPr>
+              <a:t>GitHub </a:t>
+            </a:r>
+            <a:r>
+              <a:rPr lang="zh-CN" altLang="en-US" dirty="0">
+                <a:latin typeface="微软雅黑" panose="020B0503020204020204" pitchFamily="34" charset="-122"/>
+                <a:ea typeface="微软雅黑" panose="020B0503020204020204" pitchFamily="34" charset="-122"/>
+              </a:rPr>
+              <a:t>上才会显示如下图的 </a:t>
+            </a:r>
+            <a:r>
+              <a:rPr lang="en-US" altLang="zh-CN" dirty="0">
+                <a:latin typeface="微软雅黑" panose="020B0503020204020204" pitchFamily="34" charset="-122"/>
+                <a:ea typeface="微软雅黑" panose="020B0503020204020204" pitchFamily="34" charset="-122"/>
+              </a:rPr>
+              <a:t>Verified </a:t>
+            </a:r>
+            <a:r>
+              <a:rPr lang="zh-CN" altLang="en-US" dirty="0">
+                <a:latin typeface="微软雅黑" panose="020B0503020204020204" pitchFamily="34" charset="-122"/>
+                <a:ea typeface="微软雅黑" panose="020B0503020204020204" pitchFamily="34" charset="-122"/>
+              </a:rPr>
+              <a:t>绿色钦定小标标。</a:t>
+            </a:r>
+            <a:endParaRPr lang="en-US" altLang="zh-CN" dirty="0" smtClean="0">
+              <a:latin typeface="微软雅黑" panose="020B0503020204020204" pitchFamily="34" charset="-122"/>
+              <a:ea typeface="微软雅黑" panose="020B0503020204020204" pitchFamily="34" charset="-122"/>
+            </a:endParaRPr>
+          </a:p>
+          <a:p>
+            <a:pPr>
+              <a:lnSpc>
+                <a:spcPct val="150000"/>
+              </a:lnSpc>
+            </a:pPr>
+            <a:endParaRPr lang="en-US" altLang="zh-CN" dirty="0" smtClean="0">
+              <a:latin typeface="微软雅黑" panose="020B0503020204020204" pitchFamily="34" charset="-122"/>
+              <a:ea typeface="微软雅黑" panose="020B0503020204020204" pitchFamily="34" charset="-122"/>
+            </a:endParaRPr>
+          </a:p>
+        </p:txBody>
+      </p:sp>
+      <p:sp>
+        <p:nvSpPr>
+          <p:cNvPr id="12" name="文本框 11"/>
+          <p:cNvSpPr txBox="1"/>
+          <p:nvPr/>
+        </p:nvSpPr>
+        <p:spPr>
+          <a:xfrm>
+            <a:off x="959551" y="904570"/>
+            <a:ext cx="5105087" cy="369332"/>
+          </a:xfrm>
+          <a:prstGeom prst="rect">
+            <a:avLst/>
+          </a:prstGeom>
+          <a:noFill/>
+        </p:spPr>
+        <p:txBody>
+          <a:bodyPr wrap="square">
+            <a:spAutoFit/>
+          </a:bodyPr>
+          <a:lstStyle/>
+          <a:p>
+            <a:r>
+              <a:rPr lang="zh-CN" altLang="en-US" dirty="0" smtClean="0">
+                <a:solidFill>
+                  <a:schemeClr val="tx1">
+                    <a:lumMod val="50000"/>
+                    <a:lumOff val="50000"/>
+                  </a:schemeClr>
+                </a:solidFill>
+                <a:latin typeface="OPPOSans R" panose="00020600040101010101" pitchFamily="18" charset="-122"/>
+                <a:ea typeface="OPPOSans R" panose="00020600040101010101" pitchFamily="18" charset="-122"/>
+                <a:cs typeface="OPPOSans R" panose="00020600040101010101" pitchFamily="18" charset="-122"/>
+              </a:rPr>
+              <a:t>防冒名顶替</a:t>
+            </a:r>
+            <a:endParaRPr lang="zh-CN" altLang="en-US" dirty="0">
+              <a:solidFill>
+                <a:schemeClr val="tx1">
+                  <a:lumMod val="50000"/>
+                  <a:lumOff val="50000"/>
+                </a:schemeClr>
+              </a:solidFill>
+              <a:latin typeface="OPPOSans R" panose="00020600040101010101" pitchFamily="18" charset="-122"/>
+              <a:ea typeface="OPPOSans R" panose="00020600040101010101" pitchFamily="18" charset="-122"/>
+              <a:cs typeface="OPPOSans R" panose="00020600040101010101" pitchFamily="18" charset="-122"/>
+            </a:endParaRPr>
+          </a:p>
+        </p:txBody>
+      </p:sp>
+      <p:sp>
+        <p:nvSpPr>
+          <p:cNvPr id="13" name="文本框 12"/>
+          <p:cNvSpPr txBox="1"/>
+          <p:nvPr/>
+        </p:nvSpPr>
+        <p:spPr>
+          <a:xfrm>
+            <a:off x="959551" y="2679962"/>
+            <a:ext cx="9753600" cy="507831"/>
+          </a:xfrm>
+          <a:prstGeom prst="rect">
+            <a:avLst/>
+          </a:prstGeom>
+          <a:noFill/>
+        </p:spPr>
+        <p:txBody>
+          <a:bodyPr wrap="square" rtlCol="0">
+            <a:spAutoFit/>
+          </a:bodyPr>
+          <a:lstStyle/>
+          <a:p>
+            <a:pPr>
+              <a:lnSpc>
+                <a:spcPct val="150000"/>
+              </a:lnSpc>
+            </a:pPr>
+            <a:r>
+              <a:rPr lang="zh-CN" altLang="en-US" dirty="0" smtClean="0">
+                <a:latin typeface="微软雅黑" panose="020B0503020204020204" pitchFamily="34" charset="-122"/>
+                <a:ea typeface="微软雅黑" panose="020B0503020204020204" pitchFamily="34" charset="-122"/>
+              </a:rPr>
+              <a:t>“人性本善”，首先我相信</a:t>
+            </a:r>
+            <a:r>
+              <a:rPr lang="zh-CN" altLang="en-US" dirty="0">
+                <a:latin typeface="微软雅黑" panose="020B0503020204020204" pitchFamily="34" charset="-122"/>
+                <a:ea typeface="微软雅黑" panose="020B0503020204020204" pitchFamily="34" charset="-122"/>
+              </a:rPr>
+              <a:t>大家都是善良无知的</a:t>
+            </a:r>
+            <a:r>
+              <a:rPr lang="zh-CN" altLang="en-US" dirty="0" smtClean="0">
+                <a:latin typeface="微软雅黑" panose="020B0503020204020204" pitchFamily="34" charset="-122"/>
+                <a:ea typeface="微软雅黑" panose="020B0503020204020204" pitchFamily="34" charset="-122"/>
+              </a:rPr>
+              <a:t>群众。其次如果真有人冒充，也是有迹可循的</a:t>
+            </a:r>
+            <a:endParaRPr lang="en-US" altLang="zh-CN" dirty="0" smtClean="0">
+              <a:latin typeface="微软雅黑" panose="020B0503020204020204" pitchFamily="34" charset="-122"/>
+              <a:ea typeface="微软雅黑" panose="020B0503020204020204" pitchFamily="34" charset="-122"/>
+            </a:endParaRPr>
+          </a:p>
+        </p:txBody>
+      </p:sp>
+    </p:spTree>
+    <p:extLst>
+      <p:ext uri="{BB962C8B-B14F-4D97-AF65-F5344CB8AC3E}">
+        <p14:creationId xmlns:p14="http://schemas.microsoft.com/office/powerpoint/2010/main" val="2231611571"/>
+      </p:ext>
+    </p:extLst>
+  </p:cSld>
+  <p:clrMapOvr>
+    <a:masterClrMapping/>
+  </p:clrMapOvr>
+  <mc:AlternateContent xmlns:mc="http://schemas.openxmlformats.org/markup-compatibility/2006" xmlns:p14="http://schemas.microsoft.com/office/powerpoint/2010/main">
+    <mc:Choice Requires="p14">
+      <p:transition spd="med" p14:dur="700">
+        <p:fade/>
+      </p:transition>
+    </mc:Choice>
+    <mc:Fallback xmlns="">
+      <p:transition spd="med">
+        <p:fade/>
+      </p:transition>
+    </mc:Fallback>
+  </mc:AlternateContent>
+  <p:timing>
+    <p:tnLst>
+      <p:par>
+        <p:cTn id="1" dur="indefinite" restart="never" nodeType="tmRoot"/>
+      </p:par>
+    </p:tnLst>
+  </p:timing>
+</p:sld>
+</file>
+
+<file path=ppt/slides/slide36.xml><?xml version="1.0" encoding="utf-8"?>
+<p:sld xmlns:a="http://schemas.openxmlformats.org/drawingml/2006/main" xmlns:r="http://schemas.openxmlformats.org/officeDocument/2006/relationships" xmlns:p="http://schemas.openxmlformats.org/presentationml/2006/main">
+  <p:cSld>
+    <p:spTree>
+      <p:nvGrpSpPr>
+        <p:cNvPr id="1" name=""/>
+        <p:cNvGrpSpPr/>
+        <p:nvPr/>
+      </p:nvGrpSpPr>
+      <p:grpSpPr>
+        <a:xfrm>
+          <a:off x="0" y="0"/>
+          <a:ext cx="0" cy="0"/>
+          <a:chOff x="0" y="0"/>
+          <a:chExt cx="0" cy="0"/>
+        </a:xfrm>
+      </p:grpSpPr>
+      <p:sp>
+        <p:nvSpPr>
+          <p:cNvPr id="32" name="文本框 31"/>
+          <p:cNvSpPr txBox="1"/>
+          <p:nvPr/>
+        </p:nvSpPr>
+        <p:spPr>
+          <a:xfrm>
+            <a:off x="959552" y="340946"/>
+            <a:ext cx="2377574" cy="584775"/>
+          </a:xfrm>
+          <a:prstGeom prst="rect">
+            <a:avLst/>
+          </a:prstGeom>
+          <a:noFill/>
+        </p:spPr>
+        <p:txBody>
+          <a:bodyPr wrap="none" rtlCol="0">
+            <a:spAutoFit/>
+          </a:bodyPr>
+          <a:lstStyle/>
+          <a:p>
+            <a:r>
+              <a:rPr lang="en-US" altLang="zh-CN" sz="3200" dirty="0" err="1" smtClean="0">
+                <a:latin typeface="OPPOSans R" panose="00020600040101010101" pitchFamily="18" charset="-122"/>
+                <a:ea typeface="OPPOSans R" panose="00020600040101010101" pitchFamily="18" charset="-122"/>
+                <a:cs typeface="OPPOSans R" panose="00020600040101010101" pitchFamily="18" charset="-122"/>
+              </a:rPr>
+              <a:t>Git</a:t>
+            </a:r>
+            <a:r>
+              <a:rPr lang="zh-CN" altLang="en-US" sz="3200" dirty="0" smtClean="0">
+                <a:latin typeface="OPPOSans R" panose="00020600040101010101" pitchFamily="18" charset="-122"/>
+                <a:ea typeface="OPPOSans R" panose="00020600040101010101" pitchFamily="18" charset="-122"/>
+                <a:cs typeface="OPPOSans R" panose="00020600040101010101" pitchFamily="18" charset="-122"/>
+              </a:rPr>
+              <a:t>知识扩展</a:t>
+            </a:r>
+            <a:endParaRPr lang="zh-CN" altLang="en-US" sz="3200" dirty="0">
+              <a:latin typeface="OPPOSans R" panose="00020600040101010101" pitchFamily="18" charset="-122"/>
+              <a:ea typeface="OPPOSans R" panose="00020600040101010101" pitchFamily="18" charset="-122"/>
+              <a:cs typeface="OPPOSans R" panose="00020600040101010101" pitchFamily="18" charset="-122"/>
+            </a:endParaRPr>
+          </a:p>
+        </p:txBody>
+      </p:sp>
+      <p:sp>
+        <p:nvSpPr>
+          <p:cNvPr id="39" name="矩形 38"/>
+          <p:cNvSpPr/>
+          <p:nvPr/>
+        </p:nvSpPr>
+        <p:spPr>
+          <a:xfrm>
+            <a:off x="0" y="462703"/>
+            <a:ext cx="794456" cy="738664"/>
+          </a:xfrm>
+          <a:prstGeom prst="rect">
+            <a:avLst/>
+          </a:prstGeom>
+          <a:solidFill>
+            <a:srgbClr val="9A0001"/>
+          </a:solidFill>
+          <a:ln>
+            <a:noFill/>
+          </a:ln>
+        </p:spPr>
+        <p:style>
+          <a:lnRef idx="2">
+            <a:schemeClr val="accent1">
+              <a:shade val="50000"/>
+            </a:schemeClr>
+          </a:lnRef>
+          <a:fillRef idx="1">
+            <a:schemeClr val="accent1"/>
+          </a:fillRef>
+          <a:effectRef idx="0">
+            <a:schemeClr val="accent1"/>
+          </a:effectRef>
+          <a:fontRef idx="minor">
+            <a:schemeClr val="lt1"/>
+          </a:fontRef>
+        </p:style>
+        <p:txBody>
+          <a:bodyPr rtlCol="0" anchor="ctr"/>
+          <a:lstStyle/>
+          <a:p>
+            <a:pPr algn="ctr"/>
+            <a:endParaRPr kumimoji="1" lang="zh-CN" altLang="en-US" sz="1600" dirty="0">
+              <a:latin typeface="OPPOSans R" panose="00020600040101010101" pitchFamily="18" charset="-122"/>
+              <a:ea typeface="OPPOSans R" panose="00020600040101010101" pitchFamily="18" charset="-122"/>
+            </a:endParaRPr>
+          </a:p>
+        </p:txBody>
+      </p:sp>
+      <p:sp>
+        <p:nvSpPr>
+          <p:cNvPr id="34" name="矩形 33"/>
+          <p:cNvSpPr/>
+          <p:nvPr/>
+        </p:nvSpPr>
+        <p:spPr>
+          <a:xfrm flipV="1">
+            <a:off x="7529454" y="6772905"/>
+            <a:ext cx="4682001" cy="128741"/>
+          </a:xfrm>
+          <a:prstGeom prst="rect">
+            <a:avLst/>
+          </a:prstGeom>
+          <a:solidFill>
+            <a:srgbClr val="9A0001"/>
+          </a:solidFill>
+          <a:ln>
+            <a:noFill/>
+          </a:ln>
+        </p:spPr>
+        <p:style>
+          <a:lnRef idx="2">
+            <a:schemeClr val="accent1">
+              <a:shade val="50000"/>
+            </a:schemeClr>
+          </a:lnRef>
+          <a:fillRef idx="1">
+            <a:schemeClr val="accent1"/>
+          </a:fillRef>
+          <a:effectRef idx="0">
+            <a:schemeClr val="accent1"/>
+          </a:effectRef>
+          <a:fontRef idx="minor">
+            <a:schemeClr val="lt1"/>
+          </a:fontRef>
+        </p:style>
+        <p:txBody>
+          <a:bodyPr rtlCol="0" anchor="ctr"/>
+          <a:lstStyle/>
+          <a:p>
+            <a:pPr algn="ctr"/>
+            <a:endParaRPr kumimoji="1" lang="zh-CN" altLang="en-US" sz="1600" dirty="0">
+              <a:latin typeface="OPPOSans R" panose="00020600040101010101" pitchFamily="18" charset="-122"/>
+              <a:ea typeface="OPPOSans R" panose="00020600040101010101" pitchFamily="18" charset="-122"/>
+            </a:endParaRPr>
+          </a:p>
+        </p:txBody>
+      </p:sp>
+      <p:pic>
+        <p:nvPicPr>
+          <p:cNvPr id="40" name="图片 39" descr="微信图片_20210609194104"/>
+          <p:cNvPicPr>
+            <a:picLocks noChangeAspect="1"/>
+          </p:cNvPicPr>
+          <p:nvPr/>
+        </p:nvPicPr>
+        <p:blipFill>
+          <a:blip r:embed="rId3"/>
+          <a:stretch>
+            <a:fillRect/>
+          </a:stretch>
+        </p:blipFill>
+        <p:spPr>
+          <a:xfrm>
+            <a:off x="8303298" y="453877"/>
+            <a:ext cx="3533140" cy="533400"/>
+          </a:xfrm>
+          <a:prstGeom prst="rect">
+            <a:avLst/>
+          </a:prstGeom>
+        </p:spPr>
+      </p:pic>
+      <p:sp>
+        <p:nvSpPr>
+          <p:cNvPr id="8" name="文本框 7"/>
+          <p:cNvSpPr txBox="1"/>
+          <p:nvPr/>
+        </p:nvSpPr>
+        <p:spPr>
+          <a:xfrm>
+            <a:off x="959551" y="5262847"/>
+            <a:ext cx="9753600" cy="458908"/>
+          </a:xfrm>
+          <a:prstGeom prst="rect">
+            <a:avLst/>
+          </a:prstGeom>
+          <a:noFill/>
+        </p:spPr>
+        <p:txBody>
+          <a:bodyPr wrap="square" rtlCol="0">
+            <a:spAutoFit/>
+          </a:bodyPr>
+          <a:lstStyle/>
+          <a:p>
+            <a:pPr>
+              <a:lnSpc>
+                <a:spcPct val="150000"/>
+              </a:lnSpc>
+            </a:pPr>
+            <a:r>
+              <a:rPr lang="zh-CN" altLang="en-US" dirty="0">
+                <a:latin typeface="微软雅黑" panose="020B0503020204020204" pitchFamily="34" charset="-122"/>
+                <a:ea typeface="微软雅黑" panose="020B0503020204020204" pitchFamily="34" charset="-122"/>
+              </a:rPr>
+              <a:t>教程参见：</a:t>
+            </a:r>
+            <a:r>
+              <a:rPr lang="en-US" altLang="zh-CN" dirty="0">
+                <a:latin typeface="微软雅黑" panose="020B0503020204020204" pitchFamily="34" charset="-122"/>
+                <a:ea typeface="微软雅黑" panose="020B0503020204020204" pitchFamily="34" charset="-122"/>
+              </a:rPr>
+              <a:t>https://spencerwoo.com/blog/wait-this-is-not-my-commit</a:t>
+            </a:r>
+          </a:p>
+        </p:txBody>
+      </p:sp>
+      <p:sp>
+        <p:nvSpPr>
+          <p:cNvPr id="12" name="文本框 11"/>
+          <p:cNvSpPr txBox="1"/>
+          <p:nvPr/>
+        </p:nvSpPr>
+        <p:spPr>
+          <a:xfrm>
+            <a:off x="959551" y="904570"/>
+            <a:ext cx="5105087" cy="369332"/>
+          </a:xfrm>
+          <a:prstGeom prst="rect">
+            <a:avLst/>
+          </a:prstGeom>
+          <a:noFill/>
+        </p:spPr>
+        <p:txBody>
+          <a:bodyPr wrap="square">
+            <a:spAutoFit/>
+          </a:bodyPr>
+          <a:lstStyle/>
+          <a:p>
+            <a:r>
+              <a:rPr lang="zh-CN" altLang="en-US" dirty="0" smtClean="0">
+                <a:solidFill>
+                  <a:schemeClr val="tx1">
+                    <a:lumMod val="50000"/>
+                    <a:lumOff val="50000"/>
+                  </a:schemeClr>
+                </a:solidFill>
+                <a:latin typeface="OPPOSans R" panose="00020600040101010101" pitchFamily="18" charset="-122"/>
+                <a:ea typeface="OPPOSans R" panose="00020600040101010101" pitchFamily="18" charset="-122"/>
+                <a:cs typeface="OPPOSans R" panose="00020600040101010101" pitchFamily="18" charset="-122"/>
+              </a:rPr>
+              <a:t>防冒名顶替</a:t>
+            </a:r>
+            <a:endParaRPr lang="zh-CN" altLang="en-US" dirty="0">
+              <a:solidFill>
+                <a:schemeClr val="tx1">
+                  <a:lumMod val="50000"/>
+                  <a:lumOff val="50000"/>
+                </a:schemeClr>
+              </a:solidFill>
+              <a:latin typeface="OPPOSans R" panose="00020600040101010101" pitchFamily="18" charset="-122"/>
+              <a:ea typeface="OPPOSans R" panose="00020600040101010101" pitchFamily="18" charset="-122"/>
+              <a:cs typeface="OPPOSans R" panose="00020600040101010101" pitchFamily="18" charset="-122"/>
+            </a:endParaRPr>
+          </a:p>
+        </p:txBody>
+      </p:sp>
+      <p:sp>
+        <p:nvSpPr>
+          <p:cNvPr id="10" name="文本框 9"/>
+          <p:cNvSpPr txBox="1"/>
+          <p:nvPr/>
+        </p:nvSpPr>
+        <p:spPr>
+          <a:xfrm>
+            <a:off x="959551" y="1348384"/>
+            <a:ext cx="9753600" cy="1338828"/>
+          </a:xfrm>
+          <a:prstGeom prst="rect">
+            <a:avLst/>
+          </a:prstGeom>
+          <a:noFill/>
+        </p:spPr>
+        <p:txBody>
+          <a:bodyPr wrap="square" rtlCol="0">
+            <a:spAutoFit/>
+          </a:bodyPr>
+          <a:lstStyle/>
+          <a:p>
+            <a:pPr>
+              <a:lnSpc>
+                <a:spcPct val="150000"/>
+              </a:lnSpc>
+            </a:pPr>
+            <a:r>
+              <a:rPr lang="zh-CN" altLang="en-US" dirty="0" smtClean="0">
+                <a:latin typeface="微软雅黑" panose="020B0503020204020204" pitchFamily="34" charset="-122"/>
+                <a:ea typeface="微软雅黑" panose="020B0503020204020204" pitchFamily="34" charset="-122"/>
+              </a:rPr>
+              <a:t>在</a:t>
+            </a:r>
+            <a:r>
+              <a:rPr lang="en-US" altLang="zh-CN" dirty="0" err="1" smtClean="0">
+                <a:latin typeface="微软雅黑" panose="020B0503020204020204" pitchFamily="34" charset="-122"/>
+                <a:ea typeface="微软雅黑" panose="020B0503020204020204" pitchFamily="34" charset="-122"/>
+              </a:rPr>
+              <a:t>Github</a:t>
+            </a:r>
+            <a:r>
+              <a:rPr lang="zh-CN" altLang="en-US" dirty="0" smtClean="0">
+                <a:latin typeface="微软雅黑" panose="020B0503020204020204" pitchFamily="34" charset="-122"/>
+                <a:ea typeface="微软雅黑" panose="020B0503020204020204" pitchFamily="34" charset="-122"/>
+              </a:rPr>
+              <a:t>上用 </a:t>
+            </a:r>
+            <a:r>
+              <a:rPr lang="en-US" altLang="zh-CN" dirty="0">
+                <a:latin typeface="微软雅黑" panose="020B0503020204020204" pitchFamily="34" charset="-122"/>
+                <a:ea typeface="微软雅黑" panose="020B0503020204020204" pitchFamily="34" charset="-122"/>
+              </a:rPr>
+              <a:t>GPG </a:t>
+            </a:r>
+            <a:r>
+              <a:rPr lang="zh-CN" altLang="en-US" dirty="0">
+                <a:latin typeface="微软雅黑" panose="020B0503020204020204" pitchFamily="34" charset="-122"/>
+                <a:ea typeface="微软雅黑" panose="020B0503020204020204" pitchFamily="34" charset="-122"/>
+              </a:rPr>
+              <a:t>私钥签名的 </a:t>
+            </a:r>
+            <a:r>
+              <a:rPr lang="en-US" altLang="zh-CN" dirty="0">
+                <a:latin typeface="微软雅黑" panose="020B0503020204020204" pitchFamily="34" charset="-122"/>
+                <a:ea typeface="微软雅黑" panose="020B0503020204020204" pitchFamily="34" charset="-122"/>
+              </a:rPr>
+              <a:t>commit </a:t>
+            </a:r>
+            <a:r>
+              <a:rPr lang="zh-CN" altLang="en-US" dirty="0" smtClean="0">
+                <a:latin typeface="微软雅黑" panose="020B0503020204020204" pitchFamily="34" charset="-122"/>
+                <a:ea typeface="微软雅黑" panose="020B0503020204020204" pitchFamily="34" charset="-122"/>
+              </a:rPr>
+              <a:t>会显示</a:t>
+            </a:r>
+            <a:r>
+              <a:rPr lang="zh-CN" altLang="en-US" dirty="0">
+                <a:latin typeface="微软雅黑" panose="020B0503020204020204" pitchFamily="34" charset="-122"/>
+                <a:ea typeface="微软雅黑" panose="020B0503020204020204" pitchFamily="34" charset="-122"/>
+              </a:rPr>
+              <a:t>如下图的 </a:t>
+            </a:r>
+            <a:r>
+              <a:rPr lang="en-US" altLang="zh-CN" dirty="0">
+                <a:latin typeface="微软雅黑" panose="020B0503020204020204" pitchFamily="34" charset="-122"/>
+                <a:ea typeface="微软雅黑" panose="020B0503020204020204" pitchFamily="34" charset="-122"/>
+              </a:rPr>
+              <a:t>Verified </a:t>
+            </a:r>
+            <a:r>
+              <a:rPr lang="zh-CN" altLang="en-US" dirty="0">
+                <a:latin typeface="微软雅黑" panose="020B0503020204020204" pitchFamily="34" charset="-122"/>
+                <a:ea typeface="微软雅黑" panose="020B0503020204020204" pitchFamily="34" charset="-122"/>
+              </a:rPr>
+              <a:t>绿色钦定小</a:t>
+            </a:r>
+            <a:r>
+              <a:rPr lang="zh-CN" altLang="en-US" dirty="0" smtClean="0">
+                <a:latin typeface="微软雅黑" panose="020B0503020204020204" pitchFamily="34" charset="-122"/>
+                <a:ea typeface="微软雅黑" panose="020B0503020204020204" pitchFamily="34" charset="-122"/>
+              </a:rPr>
+              <a:t>标。类似于微博加</a:t>
+            </a:r>
+            <a:r>
+              <a:rPr lang="en-US" altLang="zh-CN" dirty="0" smtClean="0">
+                <a:latin typeface="微软雅黑" panose="020B0503020204020204" pitchFamily="34" charset="-122"/>
+                <a:ea typeface="微软雅黑" panose="020B0503020204020204" pitchFamily="34" charset="-122"/>
+              </a:rPr>
+              <a:t>V</a:t>
+            </a:r>
+            <a:r>
+              <a:rPr lang="zh-CN" altLang="en-US" dirty="0" smtClean="0">
+                <a:latin typeface="微软雅黑" panose="020B0503020204020204" pitchFamily="34" charset="-122"/>
+                <a:ea typeface="微软雅黑" panose="020B0503020204020204" pitchFamily="34" charset="-122"/>
+              </a:rPr>
+              <a:t>认证，证明了你真的是你。</a:t>
+            </a:r>
+            <a:endParaRPr lang="en-US" altLang="zh-CN" dirty="0" smtClean="0">
+              <a:latin typeface="微软雅黑" panose="020B0503020204020204" pitchFamily="34" charset="-122"/>
+              <a:ea typeface="微软雅黑" panose="020B0503020204020204" pitchFamily="34" charset="-122"/>
+            </a:endParaRPr>
+          </a:p>
+          <a:p>
+            <a:pPr>
+              <a:lnSpc>
+                <a:spcPct val="150000"/>
+              </a:lnSpc>
+            </a:pPr>
+            <a:endParaRPr lang="en-US" altLang="zh-CN" dirty="0" smtClean="0">
+              <a:latin typeface="微软雅黑" panose="020B0503020204020204" pitchFamily="34" charset="-122"/>
+              <a:ea typeface="微软雅黑" panose="020B0503020204020204" pitchFamily="34" charset="-122"/>
+            </a:endParaRPr>
+          </a:p>
+        </p:txBody>
+      </p:sp>
+    </p:spTree>
+    <p:extLst>
+      <p:ext uri="{BB962C8B-B14F-4D97-AF65-F5344CB8AC3E}">
+        <p14:creationId xmlns:p14="http://schemas.microsoft.com/office/powerpoint/2010/main" val="3063201792"/>
+      </p:ext>
+    </p:extLst>
+  </p:cSld>
+  <p:clrMapOvr>
+    <a:masterClrMapping/>
+  </p:clrMapOvr>
+  <mc:AlternateContent xmlns:mc="http://schemas.openxmlformats.org/markup-compatibility/2006" xmlns:p14="http://schemas.microsoft.com/office/powerpoint/2010/main">
+    <mc:Choice Requires="p14">
+      <p:transition spd="med" p14:dur="700">
+        <p:fade/>
+      </p:transition>
+    </mc:Choice>
+    <mc:Fallback xmlns="">
+      <p:transition spd="med">
+        <p:fade/>
+      </p:transition>
+    </mc:Fallback>
+  </mc:AlternateContent>
+  <p:timing>
+    <p:tnLst>
+      <p:par>
+        <p:cTn id="1" dur="indefinite" restart="never" nodeType="tmRoot"/>
+      </p:par>
+    </p:tnLst>
+  </p:timing>
+</p:sld>
+</file>
+
+<file path=ppt/slides/slide37.xml><?xml version="1.0" encoding="utf-8"?>
+<p:sld xmlns:a="http://schemas.openxmlformats.org/drawingml/2006/main" xmlns:r="http://schemas.openxmlformats.org/officeDocument/2006/relationships" xmlns:p="http://schemas.openxmlformats.org/presentationml/2006/main">
+  <p:cSld>
+    <p:spTree>
+      <p:nvGrpSpPr>
+        <p:cNvPr id="1" name=""/>
+        <p:cNvGrpSpPr/>
+        <p:nvPr/>
+      </p:nvGrpSpPr>
+      <p:grpSpPr>
+        <a:xfrm>
+          <a:off x="0" y="0"/>
+          <a:ext cx="0" cy="0"/>
+          <a:chOff x="0" y="0"/>
+          <a:chExt cx="0" cy="0"/>
+        </a:xfrm>
+      </p:grpSpPr>
+      <p:pic>
+        <p:nvPicPr>
+          <p:cNvPr id="3" name="图片 2"/>
+          <p:cNvPicPr>
+            <a:picLocks noChangeAspect="1"/>
+          </p:cNvPicPr>
+          <p:nvPr/>
+        </p:nvPicPr>
+        <p:blipFill>
+          <a:blip r:embed="rId2" cstate="print">
+            <a:duotone>
+              <a:prstClr val="black"/>
+              <a:srgbClr val="7E181B">
+                <a:tint val="45000"/>
+                <a:satMod val="400000"/>
+              </a:srgbClr>
+            </a:duotone>
+            <a:extLst>
+              <a:ext uri="{BEBA8EAE-BF5A-486C-A8C5-ECC9F3942E4B}">
+                <a14:imgProps xmlns:a14="http://schemas.microsoft.com/office/drawing/2010/main">
+                  <a14:imgLayer r:embed="rId3">
+                    <a14:imgEffect>
+                      <a14:artisticPhotocopy detail="2"/>
+                    </a14:imgEffect>
+                  </a14:imgLayer>
+                </a14:imgProps>
+              </a:ext>
+              <a:ext uri="{28A0092B-C50C-407E-A947-70E740481C1C}">
+                <a14:useLocalDpi xmlns:a14="http://schemas.microsoft.com/office/drawing/2010/main" val="0"/>
+              </a:ext>
+            </a:extLst>
+          </a:blip>
+          <a:stretch>
+            <a:fillRect/>
+          </a:stretch>
+        </p:blipFill>
+        <p:spPr>
+          <a:xfrm>
+            <a:off x="6749177" y="5865878"/>
+            <a:ext cx="5442823" cy="1116382"/>
+          </a:xfrm>
+          <a:prstGeom prst="rect">
+            <a:avLst/>
+          </a:prstGeom>
+        </p:spPr>
+      </p:pic>
+      <p:pic>
+        <p:nvPicPr>
+          <p:cNvPr id="18" name="图片 17"/>
+          <p:cNvPicPr>
+            <a:picLocks noChangeAspect="1"/>
+          </p:cNvPicPr>
+          <p:nvPr/>
+        </p:nvPicPr>
+        <p:blipFill rotWithShape="1">
+          <a:blip r:embed="rId4">
+            <a:extLst>
+              <a:ext uri="{28A0092B-C50C-407E-A947-70E740481C1C}">
+                <a14:useLocalDpi xmlns:a14="http://schemas.microsoft.com/office/drawing/2010/main" val="0"/>
+              </a:ext>
+            </a:extLst>
+          </a:blip>
+          <a:srcRect l="118" t="5474" r="-118" b="39970"/>
+          <a:stretch>
+            <a:fillRect/>
+          </a:stretch>
+        </p:blipFill>
+        <p:spPr>
+          <a:xfrm>
+            <a:off x="-1" y="0"/>
+            <a:ext cx="12206365" cy="4050000"/>
+          </a:xfrm>
+          <a:prstGeom prst="rect">
+            <a:avLst/>
+          </a:prstGeom>
+          <a:ln>
+            <a:noFill/>
+          </a:ln>
+          <a:effectLst/>
+        </p:spPr>
+      </p:pic>
+      <p:cxnSp>
+        <p:nvCxnSpPr>
+          <p:cNvPr id="35" name="直接连接符 26"/>
+          <p:cNvCxnSpPr/>
+          <p:nvPr/>
+        </p:nvCxnSpPr>
+        <p:spPr>
+          <a:xfrm>
+            <a:off x="556895" y="0"/>
+            <a:ext cx="0" cy="314960"/>
+          </a:xfrm>
+          <a:prstGeom prst="line">
+            <a:avLst/>
+          </a:prstGeom>
+          <a:ln w="76200">
+            <a:solidFill>
+              <a:srgbClr val="9A0000"/>
+            </a:solidFill>
+          </a:ln>
+        </p:spPr>
+        <p:style>
+          <a:lnRef idx="1">
+            <a:schemeClr val="accent1"/>
+          </a:lnRef>
+          <a:fillRef idx="0">
+            <a:schemeClr val="accent1"/>
+          </a:fillRef>
+          <a:effectRef idx="0">
+            <a:schemeClr val="accent1"/>
+          </a:effectRef>
+          <a:fontRef idx="minor">
+            <a:schemeClr val="tx1"/>
+          </a:fontRef>
+        </p:style>
+      </p:cxnSp>
+      <p:sp>
+        <p:nvSpPr>
+          <p:cNvPr id="37" name="矩形 36"/>
+          <p:cNvSpPr/>
+          <p:nvPr/>
+        </p:nvSpPr>
+        <p:spPr>
+          <a:xfrm>
+            <a:off x="8490242" y="-1"/>
+            <a:ext cx="2476006" cy="5271911"/>
+          </a:xfrm>
+          <a:prstGeom prst="rect">
+            <a:avLst/>
+          </a:prstGeom>
+          <a:solidFill>
+            <a:srgbClr val="9A0001"/>
+          </a:solidFill>
+          <a:ln>
+            <a:noFill/>
+          </a:ln>
+        </p:spPr>
+        <p:style>
+          <a:lnRef idx="2">
+            <a:schemeClr val="accent1">
+              <a:shade val="50000"/>
+            </a:schemeClr>
+          </a:lnRef>
+          <a:fillRef idx="1">
+            <a:schemeClr val="accent1"/>
+          </a:fillRef>
+          <a:effectRef idx="0">
+            <a:schemeClr val="accent1"/>
+          </a:effectRef>
+          <a:fontRef idx="minor">
+            <a:schemeClr val="lt1"/>
+          </a:fontRef>
+        </p:style>
+        <p:txBody>
+          <a:bodyPr rtlCol="0" anchor="ctr"/>
+          <a:lstStyle/>
+          <a:p>
+            <a:pPr algn="ctr"/>
+            <a:endParaRPr lang="zh-CN" altLang="en-US" sz="1600" dirty="0">
+              <a:latin typeface="OPPOSans R" panose="00020600040101010101" pitchFamily="18" charset="-122"/>
+              <a:ea typeface="OPPOSans R" panose="00020600040101010101" pitchFamily="18" charset="-122"/>
+            </a:endParaRPr>
+          </a:p>
+        </p:txBody>
+      </p:sp>
+      <p:sp>
+        <p:nvSpPr>
+          <p:cNvPr id="38" name="矩形 37"/>
+          <p:cNvSpPr/>
+          <p:nvPr/>
+        </p:nvSpPr>
+        <p:spPr>
+          <a:xfrm>
+            <a:off x="4199467" y="6854573"/>
+            <a:ext cx="8018566" cy="45719"/>
+          </a:xfrm>
+          <a:prstGeom prst="rect">
+            <a:avLst/>
+          </a:prstGeom>
+          <a:solidFill>
+            <a:srgbClr val="9A0001"/>
+          </a:solidFill>
+          <a:ln>
+            <a:noFill/>
+          </a:ln>
+        </p:spPr>
+        <p:style>
+          <a:lnRef idx="2">
+            <a:schemeClr val="accent1">
+              <a:shade val="50000"/>
+            </a:schemeClr>
+          </a:lnRef>
+          <a:fillRef idx="1">
+            <a:schemeClr val="accent1"/>
+          </a:fillRef>
+          <a:effectRef idx="0">
+            <a:schemeClr val="accent1"/>
+          </a:effectRef>
+          <a:fontRef idx="minor">
+            <a:schemeClr val="lt1"/>
+          </a:fontRef>
+        </p:style>
+        <p:txBody>
+          <a:bodyPr rtlCol="0" anchor="ctr"/>
+          <a:lstStyle/>
+          <a:p>
+            <a:pPr algn="ctr"/>
+            <a:endParaRPr lang="zh-CN" altLang="en-US" sz="1600" dirty="0">
+              <a:latin typeface="OPPOSans R" panose="00020600040101010101" pitchFamily="18" charset="-122"/>
+              <a:ea typeface="OPPOSans R" panose="00020600040101010101" pitchFamily="18" charset="-122"/>
+            </a:endParaRPr>
+          </a:p>
+        </p:txBody>
+      </p:sp>
+      <p:sp>
+        <p:nvSpPr>
+          <p:cNvPr id="7" name="文本框 6"/>
+          <p:cNvSpPr txBox="1"/>
+          <p:nvPr/>
+        </p:nvSpPr>
+        <p:spPr>
+          <a:xfrm>
+            <a:off x="9045365" y="1172287"/>
+            <a:ext cx="1365760" cy="3785652"/>
+          </a:xfrm>
+          <a:prstGeom prst="rect">
+            <a:avLst/>
+          </a:prstGeom>
+          <a:noFill/>
+        </p:spPr>
+        <p:txBody>
+          <a:bodyPr wrap="square" rtlCol="0">
+            <a:spAutoFit/>
+          </a:bodyPr>
+          <a:lstStyle/>
+          <a:p>
+            <a:pPr algn="ctr"/>
+            <a:r>
+              <a:rPr lang="zh-CN" altLang="en-US" sz="6000" dirty="0">
+                <a:solidFill>
+                  <a:schemeClr val="bg1"/>
+                </a:solidFill>
+                <a:latin typeface="OPPOSans R" panose="00020600040101010101" pitchFamily="18" charset="-122"/>
+                <a:ea typeface="OPPOSans R" panose="00020600040101010101" pitchFamily="18" charset="-122"/>
+                <a:cs typeface="OPPOSans R" panose="00020600040101010101" pitchFamily="18" charset="-122"/>
+              </a:rPr>
+              <a:t>谢</a:t>
+            </a:r>
+            <a:endParaRPr lang="en-US" altLang="zh-CN" sz="6000" dirty="0">
+              <a:solidFill>
+                <a:schemeClr val="bg1"/>
+              </a:solidFill>
+              <a:latin typeface="OPPOSans R" panose="00020600040101010101" pitchFamily="18" charset="-122"/>
+              <a:ea typeface="OPPOSans R" panose="00020600040101010101" pitchFamily="18" charset="-122"/>
+              <a:cs typeface="OPPOSans R" panose="00020600040101010101" pitchFamily="18" charset="-122"/>
+            </a:endParaRPr>
+          </a:p>
+          <a:p>
+            <a:pPr algn="ctr"/>
+            <a:r>
+              <a:rPr lang="zh-CN" altLang="en-US" sz="6000" dirty="0">
+                <a:solidFill>
+                  <a:schemeClr val="bg1"/>
+                </a:solidFill>
+                <a:latin typeface="OPPOSans R" panose="00020600040101010101" pitchFamily="18" charset="-122"/>
+                <a:ea typeface="OPPOSans R" panose="00020600040101010101" pitchFamily="18" charset="-122"/>
+                <a:cs typeface="OPPOSans R" panose="00020600040101010101" pitchFamily="18" charset="-122"/>
+              </a:rPr>
+              <a:t>谢</a:t>
+            </a:r>
+            <a:endParaRPr lang="en-US" altLang="zh-CN" sz="6000" dirty="0">
+              <a:solidFill>
+                <a:schemeClr val="bg1"/>
+              </a:solidFill>
+              <a:latin typeface="OPPOSans R" panose="00020600040101010101" pitchFamily="18" charset="-122"/>
+              <a:ea typeface="OPPOSans R" panose="00020600040101010101" pitchFamily="18" charset="-122"/>
+              <a:cs typeface="OPPOSans R" panose="00020600040101010101" pitchFamily="18" charset="-122"/>
+            </a:endParaRPr>
+          </a:p>
+          <a:p>
+            <a:pPr algn="ctr"/>
+            <a:r>
+              <a:rPr lang="zh-CN" altLang="en-US" sz="6000" dirty="0">
+                <a:solidFill>
+                  <a:schemeClr val="bg1"/>
+                </a:solidFill>
+                <a:latin typeface="OPPOSans R" panose="00020600040101010101" pitchFamily="18" charset="-122"/>
+                <a:ea typeface="OPPOSans R" panose="00020600040101010101" pitchFamily="18" charset="-122"/>
+                <a:cs typeface="OPPOSans R" panose="00020600040101010101" pitchFamily="18" charset="-122"/>
+              </a:rPr>
+              <a:t>观</a:t>
+            </a:r>
+            <a:endParaRPr lang="en-US" altLang="zh-CN" sz="6000" dirty="0">
+              <a:solidFill>
+                <a:schemeClr val="bg1"/>
+              </a:solidFill>
+              <a:latin typeface="OPPOSans R" panose="00020600040101010101" pitchFamily="18" charset="-122"/>
+              <a:ea typeface="OPPOSans R" panose="00020600040101010101" pitchFamily="18" charset="-122"/>
+              <a:cs typeface="OPPOSans R" panose="00020600040101010101" pitchFamily="18" charset="-122"/>
+            </a:endParaRPr>
+          </a:p>
+          <a:p>
+            <a:pPr algn="ctr"/>
+            <a:r>
+              <a:rPr lang="zh-CN" altLang="en-US" sz="6000" dirty="0">
+                <a:solidFill>
+                  <a:schemeClr val="bg1"/>
+                </a:solidFill>
+                <a:latin typeface="OPPOSans R" panose="00020600040101010101" pitchFamily="18" charset="-122"/>
+                <a:ea typeface="OPPOSans R" panose="00020600040101010101" pitchFamily="18" charset="-122"/>
+                <a:cs typeface="OPPOSans R" panose="00020600040101010101" pitchFamily="18" charset="-122"/>
+              </a:rPr>
+              <a:t>看</a:t>
+            </a:r>
+          </a:p>
+        </p:txBody>
+      </p:sp>
+      <p:sp>
+        <p:nvSpPr>
+          <p:cNvPr id="31" name="矩形 30"/>
+          <p:cNvSpPr/>
+          <p:nvPr/>
+        </p:nvSpPr>
+        <p:spPr>
+          <a:xfrm>
+            <a:off x="0" y="6424069"/>
+            <a:ext cx="400755" cy="436168"/>
+          </a:xfrm>
+          <a:prstGeom prst="rect">
+            <a:avLst/>
+          </a:prstGeom>
+          <a:solidFill>
+            <a:srgbClr val="9A0001"/>
+          </a:solidFill>
+          <a:ln>
+            <a:noFill/>
+          </a:ln>
+        </p:spPr>
+        <p:style>
+          <a:lnRef idx="2">
+            <a:schemeClr val="accent1">
+              <a:shade val="50000"/>
+            </a:schemeClr>
+          </a:lnRef>
+          <a:fillRef idx="1">
+            <a:schemeClr val="accent1"/>
+          </a:fillRef>
+          <a:effectRef idx="0">
+            <a:schemeClr val="accent1"/>
+          </a:effectRef>
+          <a:fontRef idx="minor">
+            <a:schemeClr val="lt1"/>
+          </a:fontRef>
+        </p:style>
+        <p:txBody>
+          <a:bodyPr rtlCol="0" anchor="ctr"/>
+          <a:lstStyle/>
+          <a:p>
+            <a:pPr algn="ctr"/>
+            <a:endParaRPr lang="zh-CN" altLang="en-US" sz="1600" dirty="0">
+              <a:latin typeface="OPPOSans R" panose="00020600040101010101" pitchFamily="18" charset="-122"/>
+              <a:ea typeface="OPPOSans R" panose="00020600040101010101" pitchFamily="18" charset="-122"/>
+            </a:endParaRPr>
+          </a:p>
+        </p:txBody>
+      </p:sp>
+      <p:pic>
+        <p:nvPicPr>
+          <p:cNvPr id="21" name="图片 20" descr="微信图片_20210609194104"/>
+          <p:cNvPicPr>
+            <a:picLocks noChangeAspect="1"/>
+          </p:cNvPicPr>
+          <p:nvPr/>
+        </p:nvPicPr>
+        <p:blipFill>
+          <a:blip r:embed="rId5"/>
+          <a:stretch>
+            <a:fillRect/>
+          </a:stretch>
+        </p:blipFill>
+        <p:spPr>
+          <a:xfrm>
+            <a:off x="400755" y="6366892"/>
+            <a:ext cx="3533140" cy="533400"/>
+          </a:xfrm>
+          <a:prstGeom prst="rect">
+            <a:avLst/>
+          </a:prstGeom>
+        </p:spPr>
+      </p:pic>
+    </p:spTree>
+  </p:cSld>
+  <p:clrMapOvr>
+    <a:masterClrMapping/>
+  </p:clrMapOvr>
+  <mc:AlternateContent xmlns:mc="http://schemas.openxmlformats.org/markup-compatibility/2006" xmlns:p14="http://schemas.microsoft.com/office/powerpoint/2010/main">
+    <mc:Choice Requires="p14">
+      <p:transition spd="med" p14:dur="700">
+        <p:fade/>
+      </p:transition>
+    </mc:Choice>
+    <mc:Fallback xmlns="">
+      <p:transition spd="med">
+        <p:fade/>
+      </p:transition>
+    </mc:Fallback>
+  </mc:AlternateContent>
+  <p:timing>
+    <p:tnLst>
+      <p:par>
+        <p:cTn id="1" dur="indefinite" restart="never" nodeType="tmRoot"/>
+      </p:par>
+    </p:tnLst>
+  </p:timing>
+</p:sld>
+</file>
+
+<file path=ppt/slides/slide4.xml><?xml version="1.0" encoding="utf-8"?>
+<p:sld xmlns:a="http://schemas.openxmlformats.org/drawingml/2006/main" xmlns:r="http://schemas.openxmlformats.org/officeDocument/2006/relationships" xmlns:p="http://schemas.openxmlformats.org/presentationml/2006/main">
+  <p:cSld>
+    <p:spTree>
+      <p:nvGrpSpPr>
+        <p:cNvPr id="1" name=""/>
+        <p:cNvGrpSpPr/>
+        <p:nvPr/>
+      </p:nvGrpSpPr>
+      <p:grpSpPr>
+        <a:xfrm>
+          <a:off x="0" y="0"/>
+          <a:ext cx="0" cy="0"/>
+          <a:chOff x="0" y="0"/>
+          <a:chExt cx="0" cy="0"/>
+        </a:xfrm>
+      </p:grpSpPr>
+      <p:sp>
+        <p:nvSpPr>
+          <p:cNvPr id="32" name="文本框 31"/>
+          <p:cNvSpPr txBox="1"/>
+          <p:nvPr/>
+        </p:nvSpPr>
+        <p:spPr>
+          <a:xfrm>
+            <a:off x="959552" y="340946"/>
+            <a:ext cx="1641796" cy="584775"/>
+          </a:xfrm>
+          <a:prstGeom prst="rect">
+            <a:avLst/>
+          </a:prstGeom>
+          <a:noFill/>
+        </p:spPr>
+        <p:txBody>
+          <a:bodyPr wrap="none" rtlCol="0">
+            <a:spAutoFit/>
+          </a:bodyPr>
+          <a:lstStyle/>
+          <a:p>
+            <a:r>
+              <a:rPr lang="en-US" altLang="zh-CN" sz="3200" dirty="0" smtClean="0">
+                <a:latin typeface="OPPOSans R" panose="00020600040101010101" pitchFamily="18" charset="-122"/>
+                <a:ea typeface="OPPOSans R" panose="00020600040101010101" pitchFamily="18" charset="-122"/>
+                <a:cs typeface="OPPOSans R" panose="00020600040101010101" pitchFamily="18" charset="-122"/>
+              </a:rPr>
+              <a:t>GIT</a:t>
+            </a:r>
+            <a:r>
+              <a:rPr lang="zh-CN" altLang="en-US" sz="3200" dirty="0" smtClean="0">
+                <a:latin typeface="OPPOSans R" panose="00020600040101010101" pitchFamily="18" charset="-122"/>
+                <a:ea typeface="OPPOSans R" panose="00020600040101010101" pitchFamily="18" charset="-122"/>
+                <a:cs typeface="OPPOSans R" panose="00020600040101010101" pitchFamily="18" charset="-122"/>
+              </a:rPr>
+              <a:t>简介</a:t>
+            </a:r>
+            <a:endParaRPr lang="zh-CN" altLang="en-US" sz="3200" dirty="0">
+              <a:latin typeface="OPPOSans R" panose="00020600040101010101" pitchFamily="18" charset="-122"/>
+              <a:ea typeface="OPPOSans R" panose="00020600040101010101" pitchFamily="18" charset="-122"/>
+              <a:cs typeface="OPPOSans R" panose="00020600040101010101" pitchFamily="18" charset="-122"/>
+            </a:endParaRPr>
+          </a:p>
+        </p:txBody>
+      </p:sp>
+      <p:sp>
+        <p:nvSpPr>
+          <p:cNvPr id="39" name="矩形 38"/>
+          <p:cNvSpPr/>
+          <p:nvPr/>
+        </p:nvSpPr>
+        <p:spPr>
+          <a:xfrm>
+            <a:off x="0" y="462703"/>
+            <a:ext cx="794456" cy="738664"/>
+          </a:xfrm>
+          <a:prstGeom prst="rect">
+            <a:avLst/>
+          </a:prstGeom>
+          <a:solidFill>
+            <a:srgbClr val="9A0001"/>
+          </a:solidFill>
+          <a:ln>
+            <a:noFill/>
+          </a:ln>
+        </p:spPr>
+        <p:style>
+          <a:lnRef idx="2">
+            <a:schemeClr val="accent1">
+              <a:shade val="50000"/>
+            </a:schemeClr>
+          </a:lnRef>
+          <a:fillRef idx="1">
+            <a:schemeClr val="accent1"/>
+          </a:fillRef>
+          <a:effectRef idx="0">
+            <a:schemeClr val="accent1"/>
+          </a:effectRef>
+          <a:fontRef idx="minor">
+            <a:schemeClr val="lt1"/>
+          </a:fontRef>
+        </p:style>
+        <p:txBody>
+          <a:bodyPr rtlCol="0" anchor="ctr"/>
+          <a:lstStyle/>
+          <a:p>
+            <a:pPr algn="ctr"/>
+            <a:endParaRPr kumimoji="1" lang="zh-CN" altLang="en-US" sz="1600" dirty="0">
+              <a:latin typeface="OPPOSans R" panose="00020600040101010101" pitchFamily="18" charset="-122"/>
+              <a:ea typeface="OPPOSans R" panose="00020600040101010101" pitchFamily="18" charset="-122"/>
+            </a:endParaRPr>
+          </a:p>
+        </p:txBody>
+      </p:sp>
+      <p:sp>
+        <p:nvSpPr>
+          <p:cNvPr id="34" name="矩形 33"/>
+          <p:cNvSpPr/>
+          <p:nvPr/>
+        </p:nvSpPr>
+        <p:spPr>
+          <a:xfrm flipV="1">
+            <a:off x="7529454" y="6772905"/>
+            <a:ext cx="4682001" cy="128741"/>
+          </a:xfrm>
+          <a:prstGeom prst="rect">
+            <a:avLst/>
+          </a:prstGeom>
+          <a:solidFill>
+            <a:srgbClr val="9A0001"/>
+          </a:solidFill>
+          <a:ln>
+            <a:noFill/>
+          </a:ln>
+        </p:spPr>
+        <p:style>
+          <a:lnRef idx="2">
+            <a:schemeClr val="accent1">
+              <a:shade val="50000"/>
+            </a:schemeClr>
+          </a:lnRef>
+          <a:fillRef idx="1">
+            <a:schemeClr val="accent1"/>
+          </a:fillRef>
+          <a:effectRef idx="0">
+            <a:schemeClr val="accent1"/>
+          </a:effectRef>
+          <a:fontRef idx="minor">
+            <a:schemeClr val="lt1"/>
+          </a:fontRef>
+        </p:style>
+        <p:txBody>
+          <a:bodyPr rtlCol="0" anchor="ctr"/>
+          <a:lstStyle/>
+          <a:p>
+            <a:pPr algn="ctr"/>
+            <a:endParaRPr kumimoji="1" lang="zh-CN" altLang="en-US" sz="1600" dirty="0">
+              <a:latin typeface="OPPOSans R" panose="00020600040101010101" pitchFamily="18" charset="-122"/>
+              <a:ea typeface="OPPOSans R" panose="00020600040101010101" pitchFamily="18" charset="-122"/>
+            </a:endParaRPr>
+          </a:p>
+        </p:txBody>
+      </p:sp>
+      <p:pic>
+        <p:nvPicPr>
+          <p:cNvPr id="40" name="图片 39" descr="微信图片_20210609194104"/>
+          <p:cNvPicPr>
+            <a:picLocks noChangeAspect="1"/>
+          </p:cNvPicPr>
+          <p:nvPr/>
+        </p:nvPicPr>
+        <p:blipFill>
+          <a:blip r:embed="rId3"/>
+          <a:stretch>
+            <a:fillRect/>
+          </a:stretch>
+        </p:blipFill>
+        <p:spPr>
+          <a:xfrm>
+            <a:off x="8303298" y="453877"/>
+            <a:ext cx="3533140" cy="533400"/>
+          </a:xfrm>
+          <a:prstGeom prst="rect">
+            <a:avLst/>
+          </a:prstGeom>
+        </p:spPr>
+      </p:pic>
+      <p:sp>
+        <p:nvSpPr>
+          <p:cNvPr id="8" name="文本框 7"/>
+          <p:cNvSpPr txBox="1"/>
+          <p:nvPr/>
+        </p:nvSpPr>
+        <p:spPr>
+          <a:xfrm>
             <a:off x="959551" y="904570"/>
             <a:ext cx="5105087" cy="369332"/>
           </a:xfrm>
@@ -18907,7 +25842,6 @@
               <a:rPr lang="zh-CN" altLang="en-US" dirty="0"/>
               <a:t>的起源</a:t>
             </a:r>
-            <a:endParaRPr lang="zh-CN" altLang="en-US" dirty="0"/>
           </a:p>
         </p:txBody>
       </p:sp>
@@ -20046,7 +26980,6 @@
               <a:rPr lang="zh-CN" altLang="en-US" dirty="0"/>
               <a:t>等区别</a:t>
             </a:r>
-            <a:endParaRPr lang="zh-CN" altLang="en-US" dirty="0"/>
           </a:p>
         </p:txBody>
       </p:sp>

--- a/ppt/git介绍0325.pptx
+++ b/ppt/git介绍0325.pptx
@@ -51,17 +51,17 @@
   <p:notesSz cx="6858000" cy="9144000"/>
   <p:embeddedFontLst>
     <p:embeddedFont>
-      <p:font typeface="OPPOSans B" panose="00020600040101010101" pitchFamily="18" charset="-122"/>
+      <p:font typeface="OPPOSans R" panose="00020600040101010101" pitchFamily="18" charset="-122"/>
       <p:regular r:id="rId41"/>
     </p:embeddedFont>
     <p:embeddedFont>
-      <p:font typeface="OPPOSans R" panose="00020600040101010101" pitchFamily="18" charset="-122"/>
+      <p:font typeface="微软雅黑" panose="020B0503020204020204" pitchFamily="34" charset="-122"/>
       <p:regular r:id="rId42"/>
+      <p:bold r:id="rId43"/>
     </p:embeddedFont>
     <p:embeddedFont>
-      <p:font typeface="微软雅黑" panose="020B0503020204020204" pitchFamily="34" charset="-122"/>
-      <p:regular r:id="rId43"/>
-      <p:bold r:id="rId44"/>
+      <p:font typeface="OPPOSans B" panose="00020600040101010101" pitchFamily="18" charset="-122"/>
+      <p:regular r:id="rId44"/>
     </p:embeddedFont>
   </p:embeddedFontLst>
   <p:custDataLst>
@@ -18269,13 +18269,18 @@
               <a:t>Git</a:t>
             </a:r>
             <a:r>
-              <a:rPr lang="zh-CN" altLang="en-US" sz="3200" dirty="0">
+              <a:rPr lang="zh-CN" altLang="en-US" sz="3200" dirty="0" smtClean="0">
                 <a:latin typeface="OPPOSans R" panose="00020600040101010101" pitchFamily="18" charset="-122"/>
                 <a:ea typeface="OPPOSans R" panose="00020600040101010101" pitchFamily="18" charset="-122"/>
                 <a:cs typeface="OPPOSans R" panose="00020600040101010101" pitchFamily="18" charset="-122"/>
               </a:rPr>
-              <a:t>分制管理</a:t>
-            </a:r>
+              <a:t>分支管理</a:t>
+            </a:r>
+            <a:endParaRPr lang="zh-CN" altLang="en-US" sz="3200" dirty="0">
+              <a:latin typeface="OPPOSans R" panose="00020600040101010101" pitchFamily="18" charset="-122"/>
+              <a:ea typeface="OPPOSans R" panose="00020600040101010101" pitchFamily="18" charset="-122"/>
+              <a:cs typeface="OPPOSans R" panose="00020600040101010101" pitchFamily="18" charset="-122"/>
+            </a:endParaRPr>
           </a:p>
         </p:txBody>
       </p:sp>
@@ -18410,7 +18415,7 @@
         <p:spPr>
           <a:xfrm>
             <a:off x="959552" y="1500598"/>
-            <a:ext cx="9753600" cy="2631490"/>
+            <a:ext cx="9753600" cy="3139321"/>
           </a:xfrm>
           <a:prstGeom prst="rect">
             <a:avLst/>
@@ -18631,7 +18636,46 @@
                 <a:latin typeface="微软雅黑" panose="020B0503020204020204" pitchFamily="34" charset="-122"/>
                 <a:ea typeface="微软雅黑" panose="020B0503020204020204" pitchFamily="34" charset="-122"/>
               </a:rPr>
-              <a:t>，删除分支</a:t>
+              <a:t>，删除</a:t>
+            </a:r>
+            <a:r>
+              <a:rPr lang="zh-CN" altLang="en-US" sz="2200" dirty="0" smtClean="0">
+                <a:latin typeface="微软雅黑" panose="020B0503020204020204" pitchFamily="34" charset="-122"/>
+                <a:ea typeface="微软雅黑" panose="020B0503020204020204" pitchFamily="34" charset="-122"/>
+              </a:rPr>
+              <a:t>分支</a:t>
+            </a:r>
+            <a:endParaRPr lang="en-US" altLang="zh-CN" sz="2200" dirty="0" smtClean="0">
+              <a:latin typeface="微软雅黑" panose="020B0503020204020204" pitchFamily="34" charset="-122"/>
+              <a:ea typeface="微软雅黑" panose="020B0503020204020204" pitchFamily="34" charset="-122"/>
+            </a:endParaRPr>
+          </a:p>
+          <a:p>
+            <a:pPr>
+              <a:lnSpc>
+                <a:spcPct val="150000"/>
+              </a:lnSpc>
+            </a:pPr>
+            <a:r>
+              <a:rPr lang="en-US" altLang="zh-CN" sz="2200" dirty="0" err="1" smtClean="0">
+                <a:latin typeface="微软雅黑" panose="020B0503020204020204" pitchFamily="34" charset="-122"/>
+                <a:ea typeface="微软雅黑" panose="020B0503020204020204" pitchFamily="34" charset="-122"/>
+              </a:rPr>
+              <a:t>Git</a:t>
+            </a:r>
+            <a:r>
+              <a:rPr lang="en-US" altLang="zh-CN" sz="2200" dirty="0" smtClean="0">
+                <a:latin typeface="微软雅黑" panose="020B0503020204020204" pitchFamily="34" charset="-122"/>
+                <a:ea typeface="微软雅黑" panose="020B0503020204020204" pitchFamily="34" charset="-122"/>
+              </a:rPr>
+              <a:t> stash</a:t>
+            </a:r>
+            <a:r>
+              <a:rPr lang="zh-CN" altLang="en-US" sz="2200" dirty="0" smtClean="0">
+                <a:latin typeface="微软雅黑" panose="020B0503020204020204" pitchFamily="34" charset="-122"/>
+                <a:ea typeface="微软雅黑" panose="020B0503020204020204" pitchFamily="34" charset="-122"/>
+              </a:rPr>
+              <a:t>，数据临时缓存</a:t>
             </a:r>
             <a:endParaRPr lang="en-US" altLang="zh-CN" sz="2200" dirty="0" smtClean="0">
               <a:latin typeface="微软雅黑" panose="020B0503020204020204" pitchFamily="34" charset="-122"/>
@@ -18770,13 +18814,18 @@
               <a:t>Git</a:t>
             </a:r>
             <a:r>
-              <a:rPr lang="zh-CN" altLang="en-US" sz="3200" dirty="0">
+              <a:rPr lang="zh-CN" altLang="en-US" sz="3200" dirty="0" smtClean="0">
                 <a:latin typeface="OPPOSans R" panose="00020600040101010101" pitchFamily="18" charset="-122"/>
                 <a:ea typeface="OPPOSans R" panose="00020600040101010101" pitchFamily="18" charset="-122"/>
                 <a:cs typeface="OPPOSans R" panose="00020600040101010101" pitchFamily="18" charset="-122"/>
               </a:rPr>
-              <a:t>分制管理</a:t>
-            </a:r>
+              <a:t>分支管理</a:t>
+            </a:r>
+            <a:endParaRPr lang="zh-CN" altLang="en-US" sz="3200" dirty="0">
+              <a:latin typeface="OPPOSans R" panose="00020600040101010101" pitchFamily="18" charset="-122"/>
+              <a:ea typeface="OPPOSans R" panose="00020600040101010101" pitchFamily="18" charset="-122"/>
+              <a:cs typeface="OPPOSans R" panose="00020600040101010101" pitchFamily="18" charset="-122"/>
+            </a:endParaRPr>
           </a:p>
         </p:txBody>
       </p:sp>
@@ -19387,13 +19436,18 @@
               <a:t>Git</a:t>
             </a:r>
             <a:r>
-              <a:rPr lang="zh-CN" altLang="en-US" sz="3200" dirty="0">
+              <a:rPr lang="zh-CN" altLang="en-US" sz="3200" dirty="0" smtClean="0">
                 <a:latin typeface="OPPOSans R" panose="00020600040101010101" pitchFamily="18" charset="-122"/>
                 <a:ea typeface="OPPOSans R" panose="00020600040101010101" pitchFamily="18" charset="-122"/>
                 <a:cs typeface="OPPOSans R" panose="00020600040101010101" pitchFamily="18" charset="-122"/>
               </a:rPr>
-              <a:t>分制管理</a:t>
-            </a:r>
+              <a:t>分支管理</a:t>
+            </a:r>
+            <a:endParaRPr lang="zh-CN" altLang="en-US" sz="3200" dirty="0">
+              <a:latin typeface="OPPOSans R" panose="00020600040101010101" pitchFamily="18" charset="-122"/>
+              <a:ea typeface="OPPOSans R" panose="00020600040101010101" pitchFamily="18" charset="-122"/>
+              <a:cs typeface="OPPOSans R" panose="00020600040101010101" pitchFamily="18" charset="-122"/>
+            </a:endParaRPr>
           </a:p>
         </p:txBody>
       </p:sp>
@@ -21335,13 +21389,18 @@
               <a:t>Git</a:t>
             </a:r>
             <a:r>
-              <a:rPr lang="zh-CN" altLang="en-US" sz="3200" dirty="0">
+              <a:rPr lang="zh-CN" altLang="en-US" sz="3200" dirty="0" smtClean="0">
                 <a:latin typeface="OPPOSans R" panose="00020600040101010101" pitchFamily="18" charset="-122"/>
                 <a:ea typeface="OPPOSans R" panose="00020600040101010101" pitchFamily="18" charset="-122"/>
                 <a:cs typeface="OPPOSans R" panose="00020600040101010101" pitchFamily="18" charset="-122"/>
               </a:rPr>
-              <a:t>分制管理</a:t>
-            </a:r>
+              <a:t>分支管理</a:t>
+            </a:r>
+            <a:endParaRPr lang="zh-CN" altLang="en-US" sz="3200" dirty="0">
+              <a:latin typeface="OPPOSans R" panose="00020600040101010101" pitchFamily="18" charset="-122"/>
+              <a:ea typeface="OPPOSans R" panose="00020600040101010101" pitchFamily="18" charset="-122"/>
+              <a:cs typeface="OPPOSans R" panose="00020600040101010101" pitchFamily="18" charset="-122"/>
+            </a:endParaRPr>
           </a:p>
         </p:txBody>
       </p:sp>
@@ -21499,7 +21558,21 @@
                 <a:latin typeface="微软雅黑" panose="020B0503020204020204" pitchFamily="34" charset="-122"/>
                 <a:ea typeface="微软雅黑" panose="020B0503020204020204" pitchFamily="34" charset="-122"/>
               </a:rPr>
-              <a:t>切换分支时可以看到文本内容也同步发生改变，另外如果修改文件的没有</a:t>
+              <a:t>切换分支时可以看到文本内容也同步发生改变，</a:t>
+            </a:r>
+            <a:r>
+              <a:rPr lang="zh-CN" altLang="en-US" dirty="0" smtClean="0">
+                <a:latin typeface="微软雅黑" panose="020B0503020204020204" pitchFamily="34" charset="-122"/>
+                <a:ea typeface="微软雅黑" panose="020B0503020204020204" pitchFamily="34" charset="-122"/>
+              </a:rPr>
+              <a:t>另外如果</a:t>
+            </a:r>
+            <a:r>
+              <a:rPr lang="zh-CN" altLang="en-US" dirty="0" smtClean="0">
+                <a:latin typeface="微软雅黑" panose="020B0503020204020204" pitchFamily="34" charset="-122"/>
+                <a:ea typeface="微软雅黑" panose="020B0503020204020204" pitchFamily="34" charset="-122"/>
+              </a:rPr>
+              <a:t>修改文件的没有</a:t>
             </a:r>
             <a:r>
               <a:rPr lang="en-US" altLang="zh-CN" dirty="0" smtClean="0">
@@ -21700,13 +21773,18 @@
               <a:t>Git</a:t>
             </a:r>
             <a:r>
-              <a:rPr lang="zh-CN" altLang="en-US" sz="3200" dirty="0">
+              <a:rPr lang="zh-CN" altLang="en-US" sz="3200" dirty="0" smtClean="0">
                 <a:latin typeface="OPPOSans R" panose="00020600040101010101" pitchFamily="18" charset="-122"/>
                 <a:ea typeface="OPPOSans R" panose="00020600040101010101" pitchFamily="18" charset="-122"/>
                 <a:cs typeface="OPPOSans R" panose="00020600040101010101" pitchFamily="18" charset="-122"/>
               </a:rPr>
-              <a:t>分制管理</a:t>
-            </a:r>
+              <a:t>分支管理</a:t>
+            </a:r>
+            <a:endParaRPr lang="zh-CN" altLang="en-US" sz="3200" dirty="0">
+              <a:latin typeface="OPPOSans R" panose="00020600040101010101" pitchFamily="18" charset="-122"/>
+              <a:ea typeface="OPPOSans R" panose="00020600040101010101" pitchFamily="18" charset="-122"/>
+              <a:cs typeface="OPPOSans R" panose="00020600040101010101" pitchFamily="18" charset="-122"/>
+            </a:endParaRPr>
           </a:p>
         </p:txBody>
       </p:sp>
@@ -21841,7 +21919,7 @@
         <p:spPr>
           <a:xfrm>
             <a:off x="959551" y="1297185"/>
-            <a:ext cx="9753600" cy="1107996"/>
+            <a:ext cx="9753600" cy="961289"/>
           </a:xfrm>
           <a:prstGeom prst="rect">
             <a:avLst/>
@@ -21860,76 +21938,76 @@
               </a:lnSpc>
             </a:pPr>
             <a:r>
-              <a:rPr lang="en-US" altLang="zh-CN" sz="2200" dirty="0" err="1">
+              <a:rPr lang="en-US" altLang="zh-CN" sz="2000" dirty="0" err="1">
                 <a:latin typeface="微软雅黑" panose="020B0503020204020204" pitchFamily="34" charset="-122"/>
                 <a:ea typeface="微软雅黑" panose="020B0503020204020204" pitchFamily="34" charset="-122"/>
               </a:rPr>
               <a:t>Git</a:t>
             </a:r>
             <a:r>
-              <a:rPr lang="en-US" altLang="zh-CN" sz="2200" dirty="0">
+              <a:rPr lang="en-US" altLang="zh-CN" sz="2000" dirty="0">
                 <a:latin typeface="微软雅黑" panose="020B0503020204020204" pitchFamily="34" charset="-122"/>
                 <a:ea typeface="微软雅黑" panose="020B0503020204020204" pitchFamily="34" charset="-122"/>
               </a:rPr>
               <a:t> </a:t>
             </a:r>
             <a:r>
-              <a:rPr lang="en-US" altLang="zh-CN" sz="2200" dirty="0" smtClean="0">
+              <a:rPr lang="en-US" altLang="zh-CN" sz="2000" dirty="0" smtClean="0">
                 <a:latin typeface="微软雅黑" panose="020B0503020204020204" pitchFamily="34" charset="-122"/>
                 <a:ea typeface="微软雅黑" panose="020B0503020204020204" pitchFamily="34" charset="-122"/>
               </a:rPr>
               <a:t>merge</a:t>
             </a:r>
             <a:r>
-              <a:rPr lang="zh-CN" altLang="en-US" sz="2200" dirty="0" smtClean="0">
+              <a:rPr lang="zh-CN" altLang="en-US" sz="2000" dirty="0" smtClean="0">
                 <a:latin typeface="微软雅黑" panose="020B0503020204020204" pitchFamily="34" charset="-122"/>
                 <a:ea typeface="微软雅黑" panose="020B0503020204020204" pitchFamily="34" charset="-122"/>
               </a:rPr>
               <a:t>命令合并分支，但如果</a:t>
             </a:r>
             <a:r>
-              <a:rPr lang="en-US" altLang="zh-CN" sz="2200" dirty="0" smtClean="0">
+              <a:rPr lang="en-US" altLang="zh-CN" sz="2000" dirty="0" smtClean="0">
                 <a:latin typeface="微软雅黑" panose="020B0503020204020204" pitchFamily="34" charset="-122"/>
                 <a:ea typeface="微软雅黑" panose="020B0503020204020204" pitchFamily="34" charset="-122"/>
               </a:rPr>
               <a:t>dev</a:t>
             </a:r>
             <a:r>
-              <a:rPr lang="zh-CN" altLang="en-US" sz="2200" dirty="0" smtClean="0">
+              <a:rPr lang="zh-CN" altLang="en-US" sz="2000" dirty="0" smtClean="0">
                 <a:latin typeface="微软雅黑" panose="020B0503020204020204" pitchFamily="34" charset="-122"/>
                 <a:ea typeface="微软雅黑" panose="020B0503020204020204" pitchFamily="34" charset="-122"/>
               </a:rPr>
               <a:t>和</a:t>
             </a:r>
             <a:r>
-              <a:rPr lang="en-US" altLang="zh-CN" sz="2200" dirty="0" smtClean="0">
+              <a:rPr lang="en-US" altLang="zh-CN" sz="2000" dirty="0" smtClean="0">
                 <a:latin typeface="微软雅黑" panose="020B0503020204020204" pitchFamily="34" charset="-122"/>
                 <a:ea typeface="微软雅黑" panose="020B0503020204020204" pitchFamily="34" charset="-122"/>
               </a:rPr>
               <a:t>master</a:t>
             </a:r>
             <a:r>
-              <a:rPr lang="zh-CN" altLang="en-US" sz="2200" dirty="0" smtClean="0">
+              <a:rPr lang="zh-CN" altLang="en-US" sz="2000" dirty="0" smtClean="0">
                 <a:latin typeface="微软雅黑" panose="020B0503020204020204" pitchFamily="34" charset="-122"/>
                 <a:ea typeface="微软雅黑" panose="020B0503020204020204" pitchFamily="34" charset="-122"/>
               </a:rPr>
               <a:t>分别有不同的</a:t>
             </a:r>
             <a:r>
-              <a:rPr lang="en-US" altLang="zh-CN" sz="2200" dirty="0" smtClean="0">
+              <a:rPr lang="en-US" altLang="zh-CN" sz="2000" dirty="0" smtClean="0">
                 <a:latin typeface="微软雅黑" panose="020B0503020204020204" pitchFamily="34" charset="-122"/>
                 <a:ea typeface="微软雅黑" panose="020B0503020204020204" pitchFamily="34" charset="-122"/>
               </a:rPr>
               <a:t>commit</a:t>
             </a:r>
             <a:r>
-              <a:rPr lang="zh-CN" altLang="en-US" sz="2200" dirty="0" smtClean="0">
+              <a:rPr lang="zh-CN" altLang="en-US" sz="2000" dirty="0" smtClean="0">
                 <a:latin typeface="微软雅黑" panose="020B0503020204020204" pitchFamily="34" charset="-122"/>
                 <a:ea typeface="微软雅黑" panose="020B0503020204020204" pitchFamily="34" charset="-122"/>
               </a:rPr>
               <a:t>的时候回出现合并冲突，需要我们手动解决。</a:t>
             </a:r>
-            <a:endParaRPr lang="en-US" altLang="zh-CN" sz="2200" dirty="0" smtClean="0">
+            <a:endParaRPr lang="en-US" altLang="zh-CN" sz="2000" dirty="0" smtClean="0">
               <a:latin typeface="微软雅黑" panose="020B0503020204020204" pitchFamily="34" charset="-122"/>
               <a:ea typeface="微软雅黑" panose="020B0503020204020204" pitchFamily="34" charset="-122"/>
             </a:endParaRPr>
@@ -22090,13 +22168,18 @@
               <a:t>Git</a:t>
             </a:r>
             <a:r>
-              <a:rPr lang="zh-CN" altLang="en-US" sz="3200" dirty="0">
+              <a:rPr lang="zh-CN" altLang="en-US" sz="3200" dirty="0" smtClean="0">
                 <a:latin typeface="OPPOSans R" panose="00020600040101010101" pitchFamily="18" charset="-122"/>
                 <a:ea typeface="OPPOSans R" panose="00020600040101010101" pitchFamily="18" charset="-122"/>
                 <a:cs typeface="OPPOSans R" panose="00020600040101010101" pitchFamily="18" charset="-122"/>
               </a:rPr>
-              <a:t>分制管理</a:t>
-            </a:r>
+              <a:t>分支管理</a:t>
+            </a:r>
+            <a:endParaRPr lang="zh-CN" altLang="en-US" sz="3200" dirty="0">
+              <a:latin typeface="OPPOSans R" panose="00020600040101010101" pitchFamily="18" charset="-122"/>
+              <a:ea typeface="OPPOSans R" panose="00020600040101010101" pitchFamily="18" charset="-122"/>
+              <a:cs typeface="OPPOSans R" panose="00020600040101010101" pitchFamily="18" charset="-122"/>
+            </a:endParaRPr>
           </a:p>
         </p:txBody>
       </p:sp>

--- a/ppt/git介绍0325.pptx
+++ b/ppt/git介绍0325.pptx
@@ -51,13 +51,13 @@
   <p:notesSz cx="6858000" cy="9144000"/>
   <p:embeddedFontLst>
     <p:embeddedFont>
-      <p:font typeface="OPPOSans R" panose="00020600040101010101" pitchFamily="18" charset="-122"/>
+      <p:font typeface="微软雅黑" panose="020B0503020204020204" pitchFamily="34" charset="-122"/>
       <p:regular r:id="rId41"/>
+      <p:bold r:id="rId42"/>
     </p:embeddedFont>
     <p:embeddedFont>
-      <p:font typeface="微软雅黑" panose="020B0503020204020204" pitchFamily="34" charset="-122"/>
-      <p:regular r:id="rId42"/>
-      <p:bold r:id="rId43"/>
+      <p:font typeface="OPPOSans R" panose="00020600040101010101" pitchFamily="18" charset="-122"/>
+      <p:regular r:id="rId43"/>
     </p:embeddedFont>
     <p:embeddedFont>
       <p:font typeface="OPPOSans B" panose="00020600040101010101" pitchFamily="18" charset="-122"/>
@@ -18415,7 +18415,7 @@
         <p:spPr>
           <a:xfrm>
             <a:off x="959552" y="1500598"/>
-            <a:ext cx="9753600" cy="3139321"/>
+            <a:ext cx="9753600" cy="3647152"/>
           </a:xfrm>
           <a:prstGeom prst="rect">
             <a:avLst/>
@@ -18636,14 +18636,7 @@
                 <a:latin typeface="微软雅黑" panose="020B0503020204020204" pitchFamily="34" charset="-122"/>
                 <a:ea typeface="微软雅黑" panose="020B0503020204020204" pitchFamily="34" charset="-122"/>
               </a:rPr>
-              <a:t>，删除</a:t>
-            </a:r>
-            <a:r>
-              <a:rPr lang="zh-CN" altLang="en-US" sz="2200" dirty="0" smtClean="0">
-                <a:latin typeface="微软雅黑" panose="020B0503020204020204" pitchFamily="34" charset="-122"/>
-                <a:ea typeface="微软雅黑" panose="020B0503020204020204" pitchFamily="34" charset="-122"/>
-              </a:rPr>
-              <a:t>分支</a:t>
+              <a:t>，删除分支</a:t>
             </a:r>
             <a:endParaRPr lang="en-US" altLang="zh-CN" sz="2200" dirty="0" smtClean="0">
               <a:latin typeface="微软雅黑" panose="020B0503020204020204" pitchFamily="34" charset="-122"/>
@@ -18675,7 +18668,46 @@
                 <a:latin typeface="微软雅黑" panose="020B0503020204020204" pitchFamily="34" charset="-122"/>
                 <a:ea typeface="微软雅黑" panose="020B0503020204020204" pitchFamily="34" charset="-122"/>
               </a:rPr>
-              <a:t>，数据临时缓存</a:t>
+              <a:t>，数据临时</a:t>
+            </a:r>
+            <a:r>
+              <a:rPr lang="zh-CN" altLang="en-US" sz="2200" dirty="0" smtClean="0">
+                <a:latin typeface="微软雅黑" panose="020B0503020204020204" pitchFamily="34" charset="-122"/>
+                <a:ea typeface="微软雅黑" panose="020B0503020204020204" pitchFamily="34" charset="-122"/>
+              </a:rPr>
+              <a:t>缓存</a:t>
+            </a:r>
+            <a:endParaRPr lang="en-US" altLang="zh-CN" sz="2200" dirty="0" smtClean="0">
+              <a:latin typeface="微软雅黑" panose="020B0503020204020204" pitchFamily="34" charset="-122"/>
+              <a:ea typeface="微软雅黑" panose="020B0503020204020204" pitchFamily="34" charset="-122"/>
+            </a:endParaRPr>
+          </a:p>
+          <a:p>
+            <a:pPr>
+              <a:lnSpc>
+                <a:spcPct val="150000"/>
+              </a:lnSpc>
+            </a:pPr>
+            <a:r>
+              <a:rPr lang="en-US" altLang="zh-CN" sz="2200" dirty="0" err="1" smtClean="0">
+                <a:latin typeface="微软雅黑" panose="020B0503020204020204" pitchFamily="34" charset="-122"/>
+                <a:ea typeface="微软雅黑" panose="020B0503020204020204" pitchFamily="34" charset="-122"/>
+              </a:rPr>
+              <a:t>Git</a:t>
+            </a:r>
+            <a:r>
+              <a:rPr lang="en-US" altLang="zh-CN" sz="2200" dirty="0" smtClean="0">
+                <a:latin typeface="微软雅黑" panose="020B0503020204020204" pitchFamily="34" charset="-122"/>
+                <a:ea typeface="微软雅黑" panose="020B0503020204020204" pitchFamily="34" charset="-122"/>
+              </a:rPr>
+              <a:t> remote –v </a:t>
+            </a:r>
+            <a:r>
+              <a:rPr lang="zh-CN" altLang="en-US" sz="2200" dirty="0" smtClean="0">
+                <a:latin typeface="微软雅黑" panose="020B0503020204020204" pitchFamily="34" charset="-122"/>
+                <a:ea typeface="微软雅黑" panose="020B0503020204020204" pitchFamily="34" charset="-122"/>
+              </a:rPr>
+              <a:t>查看远程数据库信息</a:t>
             </a:r>
             <a:endParaRPr lang="en-US" altLang="zh-CN" sz="2200" dirty="0" smtClean="0">
               <a:latin typeface="微软雅黑" panose="020B0503020204020204" pitchFamily="34" charset="-122"/>
@@ -21558,21 +21590,7 @@
                 <a:latin typeface="微软雅黑" panose="020B0503020204020204" pitchFamily="34" charset="-122"/>
                 <a:ea typeface="微软雅黑" panose="020B0503020204020204" pitchFamily="34" charset="-122"/>
               </a:rPr>
-              <a:t>切换分支时可以看到文本内容也同步发生改变，</a:t>
-            </a:r>
-            <a:r>
-              <a:rPr lang="zh-CN" altLang="en-US" dirty="0" smtClean="0">
-                <a:latin typeface="微软雅黑" panose="020B0503020204020204" pitchFamily="34" charset="-122"/>
-                <a:ea typeface="微软雅黑" panose="020B0503020204020204" pitchFamily="34" charset="-122"/>
-              </a:rPr>
-              <a:t>另外如果</a:t>
-            </a:r>
-            <a:r>
-              <a:rPr lang="zh-CN" altLang="en-US" dirty="0" smtClean="0">
-                <a:latin typeface="微软雅黑" panose="020B0503020204020204" pitchFamily="34" charset="-122"/>
-                <a:ea typeface="微软雅黑" panose="020B0503020204020204" pitchFamily="34" charset="-122"/>
-              </a:rPr>
-              <a:t>修改文件的没有</a:t>
+              <a:t>切换分支时可以看到文本内容也同步发生改变，另外如果修改文件的没有</a:t>
             </a:r>
             <a:r>
               <a:rPr lang="en-US" altLang="zh-CN" dirty="0" smtClean="0">

--- a/ppt/git介绍0325.pptx
+++ b/ppt/git介绍0325.pptx
@@ -5,7 +5,7 @@
     <p:sldMasterId id="2147483648" r:id="rId1"/>
   </p:sldMasterIdLst>
   <p:notesMasterIdLst>
-    <p:notesMasterId r:id="rId40"/>
+    <p:notesMasterId r:id="rId41"/>
   </p:notesMasterIdLst>
   <p:sldIdLst>
     <p:sldId id="311" r:id="rId2"/>
@@ -40,32 +40,33 @@
     <p:sldId id="372" r:id="rId31"/>
     <p:sldId id="367" r:id="rId32"/>
     <p:sldId id="368" r:id="rId33"/>
-    <p:sldId id="369" r:id="rId34"/>
-    <p:sldId id="370" r:id="rId35"/>
-    <p:sldId id="365" r:id="rId36"/>
-    <p:sldId id="346" r:id="rId37"/>
-    <p:sldId id="347" r:id="rId38"/>
-    <p:sldId id="321" r:id="rId39"/>
+    <p:sldId id="373" r:id="rId34"/>
+    <p:sldId id="365" r:id="rId35"/>
+    <p:sldId id="374" r:id="rId36"/>
+    <p:sldId id="375" r:id="rId37"/>
+    <p:sldId id="346" r:id="rId38"/>
+    <p:sldId id="347" r:id="rId39"/>
+    <p:sldId id="321" r:id="rId40"/>
   </p:sldIdLst>
   <p:sldSz cx="12192000" cy="6858000"/>
   <p:notesSz cx="6858000" cy="9144000"/>
   <p:embeddedFontLst>
     <p:embeddedFont>
       <p:font typeface="微软雅黑" panose="020B0503020204020204" pitchFamily="34" charset="-122"/>
-      <p:regular r:id="rId41"/>
-      <p:bold r:id="rId42"/>
+      <p:regular r:id="rId42"/>
+      <p:bold r:id="rId43"/>
     </p:embeddedFont>
     <p:embeddedFont>
       <p:font typeface="OPPOSans R" panose="00020600040101010101" pitchFamily="18" charset="-122"/>
-      <p:regular r:id="rId43"/>
+      <p:regular r:id="rId44"/>
     </p:embeddedFont>
     <p:embeddedFont>
       <p:font typeface="OPPOSans B" panose="00020600040101010101" pitchFamily="18" charset="-122"/>
-      <p:regular r:id="rId44"/>
+      <p:regular r:id="rId45"/>
     </p:embeddedFont>
   </p:embeddedFontLst>
   <p:custDataLst>
-    <p:tags r:id="rId45"/>
+    <p:tags r:id="rId46"/>
   </p:custDataLst>
   <p:defaultTextStyle>
     <a:defPPr>
@@ -269,7 +270,7 @@
           <a:p>
             <a:fld id="{398BE914-D620-9442-BCCD-51707B6F90D2}" type="datetimeFigureOut">
               <a:rPr kumimoji="1" lang="zh-CN" altLang="en-US" smtClean="0"/>
-              <a:t>2023/2/15</a:t>
+              <a:t>2023/2/16</a:t>
             </a:fld>
             <a:endParaRPr kumimoji="1" lang="zh-CN" altLang="en-US" dirty="0"/>
           </a:p>
@@ -2701,7 +2702,7 @@
     </p:spTree>
     <p:extLst>
       <p:ext uri="{BB962C8B-B14F-4D97-AF65-F5344CB8AC3E}">
-        <p14:creationId xmlns:p14="http://schemas.microsoft.com/office/powerpoint/2010/main" val="1722526097"/>
+        <p14:creationId xmlns:p14="http://schemas.microsoft.com/office/powerpoint/2010/main" val="139865168"/>
       </p:ext>
     </p:extLst>
   </p:cSld>
@@ -2785,7 +2786,7 @@
     </p:spTree>
     <p:extLst>
       <p:ext uri="{BB962C8B-B14F-4D97-AF65-F5344CB8AC3E}">
-        <p14:creationId xmlns:p14="http://schemas.microsoft.com/office/powerpoint/2010/main" val="3927660821"/>
+        <p14:creationId xmlns:p14="http://schemas.microsoft.com/office/powerpoint/2010/main" val="796378027"/>
       </p:ext>
     </p:extLst>
   </p:cSld>
@@ -2869,7 +2870,7 @@
     </p:spTree>
     <p:extLst>
       <p:ext uri="{BB962C8B-B14F-4D97-AF65-F5344CB8AC3E}">
-        <p14:creationId xmlns:p14="http://schemas.microsoft.com/office/powerpoint/2010/main" val="796378027"/>
+        <p14:creationId xmlns:p14="http://schemas.microsoft.com/office/powerpoint/2010/main" val="181602985"/>
       </p:ext>
     </p:extLst>
   </p:cSld>
@@ -2953,7 +2954,7 @@
     </p:spTree>
     <p:extLst>
       <p:ext uri="{BB962C8B-B14F-4D97-AF65-F5344CB8AC3E}">
-        <p14:creationId xmlns:p14="http://schemas.microsoft.com/office/powerpoint/2010/main" val="2092360395"/>
+        <p14:creationId xmlns:p14="http://schemas.microsoft.com/office/powerpoint/2010/main" val="180940547"/>
       </p:ext>
     </p:extLst>
   </p:cSld>
@@ -3029,6 +3030,90 @@
             <a:fld id="{42A0AB4E-63C4-9548-A330-CCCE1C9D7716}" type="slidenum">
               <a:rPr kumimoji="1" lang="zh-CN" altLang="en-US" smtClean="0"/>
               <a:t>37</a:t>
+            </a:fld>
+            <a:endParaRPr kumimoji="1" lang="zh-CN" altLang="en-US"/>
+          </a:p>
+        </p:txBody>
+      </p:sp>
+    </p:spTree>
+    <p:extLst>
+      <p:ext uri="{BB962C8B-B14F-4D97-AF65-F5344CB8AC3E}">
+        <p14:creationId xmlns:p14="http://schemas.microsoft.com/office/powerpoint/2010/main" val="2092360395"/>
+      </p:ext>
+    </p:extLst>
+  </p:cSld>
+  <p:clrMapOvr>
+    <a:masterClrMapping/>
+  </p:clrMapOvr>
+</p:notes>
+</file>
+
+<file path=ppt/notesSlides/notesSlide37.xml><?xml version="1.0" encoding="utf-8"?>
+<p:notes xmlns:a="http://schemas.openxmlformats.org/drawingml/2006/main" xmlns:r="http://schemas.openxmlformats.org/officeDocument/2006/relationships" xmlns:p="http://schemas.openxmlformats.org/presentationml/2006/main">
+  <p:cSld>
+    <p:spTree>
+      <p:nvGrpSpPr>
+        <p:cNvPr id="1" name=""/>
+        <p:cNvGrpSpPr/>
+        <p:nvPr/>
+      </p:nvGrpSpPr>
+      <p:grpSpPr>
+        <a:xfrm>
+          <a:off x="0" y="0"/>
+          <a:ext cx="0" cy="0"/>
+          <a:chOff x="0" y="0"/>
+          <a:chExt cx="0" cy="0"/>
+        </a:xfrm>
+      </p:grpSpPr>
+      <p:sp>
+        <p:nvSpPr>
+          <p:cNvPr id="2" name="幻灯片图像占位符 1"/>
+          <p:cNvSpPr>
+            <a:spLocks noGrp="1" noRot="1" noChangeAspect="1"/>
+          </p:cNvSpPr>
+          <p:nvPr>
+            <p:ph type="sldImg"/>
+          </p:nvPr>
+        </p:nvSpPr>
+        <p:spPr/>
+      </p:sp>
+      <p:sp>
+        <p:nvSpPr>
+          <p:cNvPr id="3" name="备注占位符 2"/>
+          <p:cNvSpPr>
+            <a:spLocks noGrp="1"/>
+          </p:cNvSpPr>
+          <p:nvPr>
+            <p:ph type="body" idx="1"/>
+          </p:nvPr>
+        </p:nvSpPr>
+        <p:spPr/>
+        <p:txBody>
+          <a:bodyPr/>
+          <a:lstStyle/>
+          <a:p>
+            <a:endParaRPr kumimoji="1" lang="zh-CN" altLang="en-US" dirty="0"/>
+          </a:p>
+        </p:txBody>
+      </p:sp>
+      <p:sp>
+        <p:nvSpPr>
+          <p:cNvPr id="4" name="灯片编号占位符 3"/>
+          <p:cNvSpPr>
+            <a:spLocks noGrp="1"/>
+          </p:cNvSpPr>
+          <p:nvPr>
+            <p:ph type="sldNum" sz="quarter" idx="5"/>
+          </p:nvPr>
+        </p:nvSpPr>
+        <p:spPr/>
+        <p:txBody>
+          <a:bodyPr/>
+          <a:lstStyle/>
+          <a:p>
+            <a:fld id="{42A0AB4E-63C4-9548-A330-CCCE1C9D7716}" type="slidenum">
+              <a:rPr kumimoji="1" lang="zh-CN" altLang="en-US" smtClean="0"/>
+              <a:t>38</a:t>
             </a:fld>
             <a:endParaRPr kumimoji="1" lang="zh-CN" altLang="en-US"/>
           </a:p>
@@ -3680,7 +3765,7 @@
           <a:p>
             <a:fld id="{A480A4BC-35B1-438E-9152-446B9BB83C97}" type="datetimeFigureOut">
               <a:rPr lang="zh-CN" altLang="en-US" smtClean="0"/>
-              <a:t>2023/2/15</a:t>
+              <a:t>2023/2/16</a:t>
             </a:fld>
             <a:endParaRPr lang="zh-CN" altLang="en-US"/>
           </a:p>
@@ -3855,7 +3940,7 @@
           <a:p>
             <a:fld id="{A480A4BC-35B1-438E-9152-446B9BB83C97}" type="datetimeFigureOut">
               <a:rPr lang="zh-CN" altLang="en-US" smtClean="0"/>
-              <a:t>2023/2/15</a:t>
+              <a:t>2023/2/16</a:t>
             </a:fld>
             <a:endParaRPr lang="zh-CN" altLang="en-US"/>
           </a:p>
@@ -4040,7 +4125,7 @@
           <a:p>
             <a:fld id="{A480A4BC-35B1-438E-9152-446B9BB83C97}" type="datetimeFigureOut">
               <a:rPr lang="zh-CN" altLang="en-US" smtClean="0"/>
-              <a:t>2023/2/15</a:t>
+              <a:t>2023/2/16</a:t>
             </a:fld>
             <a:endParaRPr lang="zh-CN" altLang="en-US"/>
           </a:p>
@@ -4215,7 +4300,7 @@
           <a:p>
             <a:fld id="{A480A4BC-35B1-438E-9152-446B9BB83C97}" type="datetimeFigureOut">
               <a:rPr lang="zh-CN" altLang="en-US" smtClean="0"/>
-              <a:t>2023/2/15</a:t>
+              <a:t>2023/2/16</a:t>
             </a:fld>
             <a:endParaRPr lang="zh-CN" altLang="en-US"/>
           </a:p>
@@ -4467,7 +4552,7 @@
           <a:p>
             <a:fld id="{A480A4BC-35B1-438E-9152-446B9BB83C97}" type="datetimeFigureOut">
               <a:rPr lang="zh-CN" altLang="en-US" smtClean="0"/>
-              <a:t>2023/2/15</a:t>
+              <a:t>2023/2/16</a:t>
             </a:fld>
             <a:endParaRPr lang="zh-CN" altLang="en-US"/>
           </a:p>
@@ -4703,7 +4788,7 @@
           <a:p>
             <a:fld id="{A480A4BC-35B1-438E-9152-446B9BB83C97}" type="datetimeFigureOut">
               <a:rPr lang="zh-CN" altLang="en-US" smtClean="0"/>
-              <a:t>2023/2/15</a:t>
+              <a:t>2023/2/16</a:t>
             </a:fld>
             <a:endParaRPr lang="zh-CN" altLang="en-US"/>
           </a:p>
@@ -5074,7 +5159,7 @@
           <a:p>
             <a:fld id="{A480A4BC-35B1-438E-9152-446B9BB83C97}" type="datetimeFigureOut">
               <a:rPr lang="zh-CN" altLang="en-US" smtClean="0"/>
-              <a:t>2023/2/15</a:t>
+              <a:t>2023/2/16</a:t>
             </a:fld>
             <a:endParaRPr lang="zh-CN" altLang="en-US"/>
           </a:p>
@@ -5198,7 +5283,7 @@
           <a:p>
             <a:fld id="{A480A4BC-35B1-438E-9152-446B9BB83C97}" type="datetimeFigureOut">
               <a:rPr lang="zh-CN" altLang="en-US" smtClean="0"/>
-              <a:t>2023/2/15</a:t>
+              <a:t>2023/2/16</a:t>
             </a:fld>
             <a:endParaRPr lang="zh-CN" altLang="en-US"/>
           </a:p>
@@ -5300,7 +5385,7 @@
           <a:p>
             <a:fld id="{A480A4BC-35B1-438E-9152-446B9BB83C97}" type="datetimeFigureOut">
               <a:rPr lang="zh-CN" altLang="en-US" smtClean="0"/>
-              <a:t>2023/2/15</a:t>
+              <a:t>2023/2/16</a:t>
             </a:fld>
             <a:endParaRPr lang="zh-CN" altLang="en-US"/>
           </a:p>
@@ -5582,7 +5667,7 @@
           <a:p>
             <a:fld id="{A480A4BC-35B1-438E-9152-446B9BB83C97}" type="datetimeFigureOut">
               <a:rPr lang="zh-CN" altLang="en-US" smtClean="0"/>
-              <a:t>2023/2/15</a:t>
+              <a:t>2023/2/16</a:t>
             </a:fld>
             <a:endParaRPr lang="zh-CN" altLang="en-US"/>
           </a:p>
@@ -5841,7 +5926,7 @@
           <a:p>
             <a:fld id="{A480A4BC-35B1-438E-9152-446B9BB83C97}" type="datetimeFigureOut">
               <a:rPr lang="zh-CN" altLang="en-US" smtClean="0"/>
-              <a:t>2023/2/15</a:t>
+              <a:t>2023/2/16</a:t>
             </a:fld>
             <a:endParaRPr lang="zh-CN" altLang="en-US"/>
           </a:p>
@@ -6061,7 +6146,7 @@
           <a:p>
             <a:fld id="{A480A4BC-35B1-438E-9152-446B9BB83C97}" type="datetimeFigureOut">
               <a:rPr lang="zh-CN" altLang="en-US" smtClean="0"/>
-              <a:t>2023/2/15</a:t>
+              <a:t>2023/2/16</a:t>
             </a:fld>
             <a:endParaRPr lang="zh-CN" altLang="en-US" dirty="0"/>
           </a:p>
@@ -18415,7 +18500,7 @@
         <p:spPr>
           <a:xfrm>
             <a:off x="959552" y="1500598"/>
-            <a:ext cx="9753600" cy="3647152"/>
+            <a:ext cx="9753600" cy="5678478"/>
           </a:xfrm>
           <a:prstGeom prst="rect">
             <a:avLst/>
@@ -18438,14 +18523,21 @@
                 <a:latin typeface="微软雅黑" panose="020B0503020204020204" pitchFamily="34" charset="-122"/>
                 <a:ea typeface="微软雅黑" panose="020B0503020204020204" pitchFamily="34" charset="-122"/>
               </a:rPr>
-              <a:t>Git</a:t>
+              <a:t>git</a:t>
             </a:r>
             <a:r>
               <a:rPr lang="en-US" altLang="zh-CN" sz="2200" dirty="0" smtClean="0">
                 <a:latin typeface="微软雅黑" panose="020B0503020204020204" pitchFamily="34" charset="-122"/>
                 <a:ea typeface="微软雅黑" panose="020B0503020204020204" pitchFamily="34" charset="-122"/>
               </a:rPr>
-              <a:t> branch</a:t>
+              <a:t> </a:t>
+            </a:r>
+            <a:r>
+              <a:rPr lang="en-US" altLang="zh-CN" sz="2200" dirty="0" smtClean="0">
+                <a:latin typeface="微软雅黑" panose="020B0503020204020204" pitchFamily="34" charset="-122"/>
+                <a:ea typeface="微软雅黑" panose="020B0503020204020204" pitchFamily="34" charset="-122"/>
+              </a:rPr>
+              <a:t>branch</a:t>
             </a:r>
             <a:r>
               <a:rPr lang="zh-CN" altLang="en-US" sz="2200" dirty="0" smtClean="0">
@@ -18470,14 +18562,21 @@
                 <a:latin typeface="微软雅黑" panose="020B0503020204020204" pitchFamily="34" charset="-122"/>
                 <a:ea typeface="微软雅黑" panose="020B0503020204020204" pitchFamily="34" charset="-122"/>
               </a:rPr>
-              <a:t>Git</a:t>
+              <a:t>git</a:t>
             </a:r>
             <a:r>
               <a:rPr lang="en-US" altLang="zh-CN" sz="2200" dirty="0" smtClean="0">
                 <a:latin typeface="微软雅黑" panose="020B0503020204020204" pitchFamily="34" charset="-122"/>
                 <a:ea typeface="微软雅黑" panose="020B0503020204020204" pitchFamily="34" charset="-122"/>
               </a:rPr>
-              <a:t> branch &lt;name&gt;</a:t>
+              <a:t> </a:t>
+            </a:r>
+            <a:r>
+              <a:rPr lang="en-US" altLang="zh-CN" sz="2200" dirty="0" smtClean="0">
+                <a:latin typeface="微软雅黑" panose="020B0503020204020204" pitchFamily="34" charset="-122"/>
+                <a:ea typeface="微软雅黑" panose="020B0503020204020204" pitchFamily="34" charset="-122"/>
+              </a:rPr>
+              <a:t>branch &lt;name&gt;</a:t>
             </a:r>
             <a:r>
               <a:rPr lang="zh-CN" altLang="en-US" sz="2200" dirty="0" smtClean="0">
@@ -18502,7 +18601,7 @@
                 <a:latin typeface="微软雅黑" panose="020B0503020204020204" pitchFamily="34" charset="-122"/>
                 <a:ea typeface="微软雅黑" panose="020B0503020204020204" pitchFamily="34" charset="-122"/>
               </a:rPr>
-              <a:t>Git</a:t>
+              <a:t>git</a:t>
             </a:r>
             <a:r>
               <a:rPr lang="en-US" altLang="zh-CN" sz="2200" dirty="0" smtClean="0">
@@ -18562,7 +18661,7 @@
                 <a:latin typeface="微软雅黑" panose="020B0503020204020204" pitchFamily="34" charset="-122"/>
                 <a:ea typeface="微软雅黑" panose="020B0503020204020204" pitchFamily="34" charset="-122"/>
               </a:rPr>
-              <a:t>Git</a:t>
+              <a:t>git</a:t>
             </a:r>
             <a:r>
               <a:rPr lang="en-US" altLang="zh-CN" sz="2200" dirty="0" smtClean="0">
@@ -18608,7 +18707,7 @@
                 <a:latin typeface="微软雅黑" panose="020B0503020204020204" pitchFamily="34" charset="-122"/>
                 <a:ea typeface="微软雅黑" panose="020B0503020204020204" pitchFamily="34" charset="-122"/>
               </a:rPr>
-              <a:t>Git</a:t>
+              <a:t>git</a:t>
             </a:r>
             <a:r>
               <a:rPr lang="en-US" altLang="zh-CN" sz="2200" dirty="0" smtClean="0">
@@ -18654,28 +18753,28 @@
                 <a:latin typeface="微软雅黑" panose="020B0503020204020204" pitchFamily="34" charset="-122"/>
                 <a:ea typeface="微软雅黑" panose="020B0503020204020204" pitchFamily="34" charset="-122"/>
               </a:rPr>
-              <a:t>Git</a:t>
+              <a:t>git</a:t>
             </a:r>
             <a:r>
               <a:rPr lang="en-US" altLang="zh-CN" sz="2200" dirty="0" smtClean="0">
                 <a:latin typeface="微软雅黑" panose="020B0503020204020204" pitchFamily="34" charset="-122"/>
                 <a:ea typeface="微软雅黑" panose="020B0503020204020204" pitchFamily="34" charset="-122"/>
               </a:rPr>
-              <a:t> stash</a:t>
+              <a:t> </a:t>
+            </a:r>
+            <a:r>
+              <a:rPr lang="en-US" altLang="zh-CN" sz="2200" dirty="0" smtClean="0">
+                <a:latin typeface="微软雅黑" panose="020B0503020204020204" pitchFamily="34" charset="-122"/>
+                <a:ea typeface="微软雅黑" panose="020B0503020204020204" pitchFamily="34" charset="-122"/>
+              </a:rPr>
+              <a:t>remote –v </a:t>
             </a:r>
             <a:r>
               <a:rPr lang="zh-CN" altLang="en-US" sz="2200" dirty="0" smtClean="0">
                 <a:latin typeface="微软雅黑" panose="020B0503020204020204" pitchFamily="34" charset="-122"/>
                 <a:ea typeface="微软雅黑" panose="020B0503020204020204" pitchFamily="34" charset="-122"/>
               </a:rPr>
-              <a:t>，数据临时</a:t>
-            </a:r>
-            <a:r>
-              <a:rPr lang="zh-CN" altLang="en-US" sz="2200" dirty="0" smtClean="0">
-                <a:latin typeface="微软雅黑" panose="020B0503020204020204" pitchFamily="34" charset="-122"/>
-                <a:ea typeface="微软雅黑" panose="020B0503020204020204" pitchFamily="34" charset="-122"/>
-              </a:rPr>
-              <a:t>缓存</a:t>
+              <a:t>查看远程数据库信息</a:t>
             </a:r>
             <a:endParaRPr lang="en-US" altLang="zh-CN" sz="2200" dirty="0" smtClean="0">
               <a:latin typeface="微软雅黑" panose="020B0503020204020204" pitchFamily="34" charset="-122"/>
@@ -18693,22 +18792,164 @@
                 <a:latin typeface="微软雅黑" panose="020B0503020204020204" pitchFamily="34" charset="-122"/>
                 <a:ea typeface="微软雅黑" panose="020B0503020204020204" pitchFamily="34" charset="-122"/>
               </a:rPr>
-              <a:t>Git</a:t>
+              <a:t>git</a:t>
             </a:r>
             <a:r>
               <a:rPr lang="en-US" altLang="zh-CN" sz="2200" dirty="0" smtClean="0">
                 <a:latin typeface="微软雅黑" panose="020B0503020204020204" pitchFamily="34" charset="-122"/>
                 <a:ea typeface="微软雅黑" panose="020B0503020204020204" pitchFamily="34" charset="-122"/>
               </a:rPr>
-              <a:t> remote –v </a:t>
+              <a:t> </a:t>
+            </a:r>
+            <a:r>
+              <a:rPr lang="en-US" altLang="zh-CN" sz="2200" dirty="0" smtClean="0">
+                <a:latin typeface="微软雅黑" panose="020B0503020204020204" pitchFamily="34" charset="-122"/>
+                <a:ea typeface="微软雅黑" panose="020B0503020204020204" pitchFamily="34" charset="-122"/>
+              </a:rPr>
+              <a:t>push </a:t>
             </a:r>
             <a:r>
               <a:rPr lang="zh-CN" altLang="en-US" sz="2200" dirty="0" smtClean="0">
                 <a:latin typeface="微软雅黑" panose="020B0503020204020204" pitchFamily="34" charset="-122"/>
                 <a:ea typeface="微软雅黑" panose="020B0503020204020204" pitchFamily="34" charset="-122"/>
               </a:rPr>
-              <a:t>查看远程数据库信息</a:t>
-            </a:r>
+              <a:t>推送分支</a:t>
+            </a:r>
+            <a:endParaRPr lang="en-US" altLang="zh-CN" sz="2200" dirty="0" smtClean="0">
+              <a:latin typeface="微软雅黑" panose="020B0503020204020204" pitchFamily="34" charset="-122"/>
+              <a:ea typeface="微软雅黑" panose="020B0503020204020204" pitchFamily="34" charset="-122"/>
+            </a:endParaRPr>
+          </a:p>
+          <a:p>
+            <a:pPr>
+              <a:lnSpc>
+                <a:spcPct val="150000"/>
+              </a:lnSpc>
+            </a:pPr>
+            <a:r>
+              <a:rPr lang="en-US" altLang="zh-CN" sz="2200" dirty="0" err="1" smtClean="0">
+                <a:latin typeface="微软雅黑" panose="020B0503020204020204" pitchFamily="34" charset="-122"/>
+                <a:ea typeface="微软雅黑" panose="020B0503020204020204" pitchFamily="34" charset="-122"/>
+              </a:rPr>
+              <a:t>git</a:t>
+            </a:r>
+            <a:r>
+              <a:rPr lang="en-US" altLang="zh-CN" sz="2200" dirty="0" smtClean="0">
+                <a:latin typeface="微软雅黑" panose="020B0503020204020204" pitchFamily="34" charset="-122"/>
+                <a:ea typeface="微软雅黑" panose="020B0503020204020204" pitchFamily="34" charset="-122"/>
+              </a:rPr>
+              <a:t> </a:t>
+            </a:r>
+            <a:r>
+              <a:rPr lang="en-US" altLang="zh-CN" sz="2200" dirty="0" smtClean="0">
+                <a:latin typeface="微软雅黑" panose="020B0503020204020204" pitchFamily="34" charset="-122"/>
+                <a:ea typeface="微软雅黑" panose="020B0503020204020204" pitchFamily="34" charset="-122"/>
+              </a:rPr>
+              <a:t>pull  </a:t>
+            </a:r>
+            <a:r>
+              <a:rPr lang="zh-CN" altLang="en-US" sz="2200" dirty="0" smtClean="0">
+                <a:latin typeface="微软雅黑" panose="020B0503020204020204" pitchFamily="34" charset="-122"/>
+                <a:ea typeface="微软雅黑" panose="020B0503020204020204" pitchFamily="34" charset="-122"/>
+              </a:rPr>
+              <a:t>拉取分支</a:t>
+            </a:r>
+            <a:endParaRPr lang="en-US" altLang="zh-CN" sz="2200" dirty="0" smtClean="0">
+              <a:latin typeface="微软雅黑" panose="020B0503020204020204" pitchFamily="34" charset="-122"/>
+              <a:ea typeface="微软雅黑" panose="020B0503020204020204" pitchFamily="34" charset="-122"/>
+            </a:endParaRPr>
+          </a:p>
+          <a:p>
+            <a:pPr>
+              <a:lnSpc>
+                <a:spcPct val="150000"/>
+              </a:lnSpc>
+            </a:pPr>
+            <a:r>
+              <a:rPr lang="en-US" altLang="zh-CN" sz="2200" dirty="0" err="1" smtClean="0">
+                <a:latin typeface="微软雅黑" panose="020B0503020204020204" pitchFamily="34" charset="-122"/>
+                <a:ea typeface="微软雅黑" panose="020B0503020204020204" pitchFamily="34" charset="-122"/>
+              </a:rPr>
+              <a:t>git</a:t>
+            </a:r>
+            <a:r>
+              <a:rPr lang="en-US" altLang="zh-CN" sz="2200" dirty="0" smtClean="0">
+                <a:latin typeface="微软雅黑" panose="020B0503020204020204" pitchFamily="34" charset="-122"/>
+                <a:ea typeface="微软雅黑" panose="020B0503020204020204" pitchFamily="34" charset="-122"/>
+              </a:rPr>
+              <a:t> </a:t>
+            </a:r>
+            <a:r>
+              <a:rPr lang="en-US" altLang="zh-CN" sz="2200" dirty="0">
+                <a:latin typeface="微软雅黑" panose="020B0503020204020204" pitchFamily="34" charset="-122"/>
+                <a:ea typeface="微软雅黑" panose="020B0503020204020204" pitchFamily="34" charset="-122"/>
+              </a:rPr>
+              <a:t>stash</a:t>
+            </a:r>
+            <a:r>
+              <a:rPr lang="zh-CN" altLang="en-US" sz="2200" dirty="0">
+                <a:latin typeface="微软雅黑" panose="020B0503020204020204" pitchFamily="34" charset="-122"/>
+                <a:ea typeface="微软雅黑" panose="020B0503020204020204" pitchFamily="34" charset="-122"/>
+              </a:rPr>
+              <a:t>，数据临时</a:t>
+            </a:r>
+            <a:r>
+              <a:rPr lang="zh-CN" altLang="en-US" sz="2200" dirty="0" smtClean="0">
+                <a:latin typeface="微软雅黑" panose="020B0503020204020204" pitchFamily="34" charset="-122"/>
+                <a:ea typeface="微软雅黑" panose="020B0503020204020204" pitchFamily="34" charset="-122"/>
+              </a:rPr>
+              <a:t>缓存</a:t>
+            </a:r>
+            <a:endParaRPr lang="en-US" altLang="zh-CN" sz="2200" dirty="0" smtClean="0">
+              <a:latin typeface="微软雅黑" panose="020B0503020204020204" pitchFamily="34" charset="-122"/>
+              <a:ea typeface="微软雅黑" panose="020B0503020204020204" pitchFamily="34" charset="-122"/>
+            </a:endParaRPr>
+          </a:p>
+          <a:p>
+            <a:pPr>
+              <a:lnSpc>
+                <a:spcPct val="150000"/>
+              </a:lnSpc>
+            </a:pPr>
+            <a:r>
+              <a:rPr lang="en-US" altLang="zh-CN" sz="2200" dirty="0" err="1" smtClean="0">
+                <a:latin typeface="微软雅黑" panose="020B0503020204020204" pitchFamily="34" charset="-122"/>
+                <a:ea typeface="微软雅黑" panose="020B0503020204020204" pitchFamily="34" charset="-122"/>
+              </a:rPr>
+              <a:t>git</a:t>
+            </a:r>
+            <a:r>
+              <a:rPr lang="en-US" altLang="zh-CN" sz="2200" dirty="0" smtClean="0">
+                <a:latin typeface="微软雅黑" panose="020B0503020204020204" pitchFamily="34" charset="-122"/>
+                <a:ea typeface="微软雅黑" panose="020B0503020204020204" pitchFamily="34" charset="-122"/>
+              </a:rPr>
+              <a:t> </a:t>
+            </a:r>
+            <a:r>
+              <a:rPr lang="en-US" altLang="zh-CN" sz="2200" dirty="0" smtClean="0">
+                <a:latin typeface="微软雅黑" panose="020B0503020204020204" pitchFamily="34" charset="-122"/>
+                <a:ea typeface="微软雅黑" panose="020B0503020204020204" pitchFamily="34" charset="-122"/>
+              </a:rPr>
+              <a:t>tag</a:t>
+            </a:r>
+            <a:r>
+              <a:rPr lang="zh-CN" altLang="en-US" sz="2200" dirty="0" smtClean="0">
+                <a:latin typeface="微软雅黑" panose="020B0503020204020204" pitchFamily="34" charset="-122"/>
+                <a:ea typeface="微软雅黑" panose="020B0503020204020204" pitchFamily="34" charset="-122"/>
+              </a:rPr>
+              <a:t>，打标签</a:t>
+            </a:r>
+            <a:endParaRPr lang="en-US" altLang="zh-CN" sz="2200" dirty="0">
+              <a:latin typeface="微软雅黑" panose="020B0503020204020204" pitchFamily="34" charset="-122"/>
+              <a:ea typeface="微软雅黑" panose="020B0503020204020204" pitchFamily="34" charset="-122"/>
+            </a:endParaRPr>
+          </a:p>
+          <a:p>
+            <a:pPr>
+              <a:lnSpc>
+                <a:spcPct val="150000"/>
+              </a:lnSpc>
+            </a:pPr>
             <a:endParaRPr lang="en-US" altLang="zh-CN" sz="2200" dirty="0" smtClean="0">
               <a:latin typeface="微软雅黑" panose="020B0503020204020204" pitchFamily="34" charset="-122"/>
               <a:ea typeface="微软雅黑" panose="020B0503020204020204" pitchFamily="34" charset="-122"/>
@@ -19607,159 +19848,6 @@
       </p:pic>
       <p:sp>
         <p:nvSpPr>
-          <p:cNvPr id="8" name="文本框 7"/>
-          <p:cNvSpPr txBox="1"/>
-          <p:nvPr/>
-        </p:nvSpPr>
-        <p:spPr>
-          <a:xfrm>
-            <a:off x="1187838" y="5297428"/>
-            <a:ext cx="9753600" cy="1289905"/>
-          </a:xfrm>
-          <a:prstGeom prst="rect">
-            <a:avLst/>
-          </a:prstGeom>
-          <a:noFill/>
-        </p:spPr>
-        <p:txBody>
-          <a:bodyPr wrap="square" rtlCol="0">
-            <a:spAutoFit/>
-          </a:bodyPr>
-          <a:lstStyle/>
-          <a:p>
-            <a:pPr>
-              <a:lnSpc>
-                <a:spcPct val="150000"/>
-              </a:lnSpc>
-            </a:pPr>
-            <a:r>
-              <a:rPr lang="zh-CN" altLang="en-US" dirty="0" smtClean="0">
-                <a:latin typeface="微软雅黑" panose="020B0503020204020204" pitchFamily="34" charset="-122"/>
-                <a:ea typeface="微软雅黑" panose="020B0503020204020204" pitchFamily="34" charset="-122"/>
-              </a:rPr>
-              <a:t>每次</a:t>
-            </a:r>
-            <a:r>
-              <a:rPr lang="en-US" altLang="zh-CN" dirty="0" smtClean="0">
-                <a:latin typeface="微软雅黑" panose="020B0503020204020204" pitchFamily="34" charset="-122"/>
-                <a:ea typeface="微软雅黑" panose="020B0503020204020204" pitchFamily="34" charset="-122"/>
-              </a:rPr>
-              <a:t>commit</a:t>
-            </a:r>
-            <a:r>
-              <a:rPr lang="zh-CN" altLang="en-US" dirty="0" smtClean="0">
-                <a:latin typeface="微软雅黑" panose="020B0503020204020204" pitchFamily="34" charset="-122"/>
-                <a:ea typeface="微软雅黑" panose="020B0503020204020204" pitchFamily="34" charset="-122"/>
-              </a:rPr>
-              <a:t>，</a:t>
-            </a:r>
-            <a:r>
-              <a:rPr lang="en-US" altLang="zh-CN" dirty="0" err="1" smtClean="0">
-                <a:latin typeface="微软雅黑" panose="020B0503020204020204" pitchFamily="34" charset="-122"/>
-                <a:ea typeface="微软雅黑" panose="020B0503020204020204" pitchFamily="34" charset="-122"/>
-              </a:rPr>
-              <a:t>Git</a:t>
-            </a:r>
-            <a:r>
-              <a:rPr lang="zh-CN" altLang="en-US" dirty="0">
-                <a:latin typeface="微软雅黑" panose="020B0503020204020204" pitchFamily="34" charset="-122"/>
-                <a:ea typeface="微软雅黑" panose="020B0503020204020204" pitchFamily="34" charset="-122"/>
-              </a:rPr>
-              <a:t>都把它们串成一条时间线，这条时间线就是一个分支。截止到目前，只有一条时间线，在</a:t>
-            </a:r>
-            <a:r>
-              <a:rPr lang="en-US" altLang="zh-CN" dirty="0" err="1">
-                <a:latin typeface="微软雅黑" panose="020B0503020204020204" pitchFamily="34" charset="-122"/>
-                <a:ea typeface="微软雅黑" panose="020B0503020204020204" pitchFamily="34" charset="-122"/>
-              </a:rPr>
-              <a:t>Git</a:t>
-            </a:r>
-            <a:r>
-              <a:rPr lang="zh-CN" altLang="en-US" dirty="0">
-                <a:latin typeface="微软雅黑" panose="020B0503020204020204" pitchFamily="34" charset="-122"/>
-                <a:ea typeface="微软雅黑" panose="020B0503020204020204" pitchFamily="34" charset="-122"/>
-              </a:rPr>
-              <a:t>里，这个分支叫主分支，即</a:t>
-            </a:r>
-            <a:r>
-              <a:rPr lang="en-US" altLang="zh-CN" dirty="0">
-                <a:latin typeface="微软雅黑" panose="020B0503020204020204" pitchFamily="34" charset="-122"/>
-                <a:ea typeface="微软雅黑" panose="020B0503020204020204" pitchFamily="34" charset="-122"/>
-              </a:rPr>
-              <a:t>master</a:t>
-            </a:r>
-            <a:r>
-              <a:rPr lang="zh-CN" altLang="en-US" dirty="0">
-                <a:latin typeface="微软雅黑" panose="020B0503020204020204" pitchFamily="34" charset="-122"/>
-                <a:ea typeface="微软雅黑" panose="020B0503020204020204" pitchFamily="34" charset="-122"/>
-              </a:rPr>
-              <a:t>分支。</a:t>
-            </a:r>
-            <a:r>
-              <a:rPr lang="en-US" altLang="zh-CN" dirty="0">
-                <a:latin typeface="微软雅黑" panose="020B0503020204020204" pitchFamily="34" charset="-122"/>
-                <a:ea typeface="微软雅黑" panose="020B0503020204020204" pitchFamily="34" charset="-122"/>
-              </a:rPr>
-              <a:t>HEAD</a:t>
-            </a:r>
-            <a:r>
-              <a:rPr lang="zh-CN" altLang="en-US" dirty="0">
-                <a:latin typeface="微软雅黑" panose="020B0503020204020204" pitchFamily="34" charset="-122"/>
-                <a:ea typeface="微软雅黑" panose="020B0503020204020204" pitchFamily="34" charset="-122"/>
-              </a:rPr>
-              <a:t>严格来说不是指向提交，而是指向</a:t>
-            </a:r>
-            <a:r>
-              <a:rPr lang="en-US" altLang="zh-CN" dirty="0">
-                <a:latin typeface="微软雅黑" panose="020B0503020204020204" pitchFamily="34" charset="-122"/>
-                <a:ea typeface="微软雅黑" panose="020B0503020204020204" pitchFamily="34" charset="-122"/>
-              </a:rPr>
-              <a:t>master</a:t>
-            </a:r>
-            <a:r>
-              <a:rPr lang="zh-CN" altLang="en-US" dirty="0">
-                <a:latin typeface="微软雅黑" panose="020B0503020204020204" pitchFamily="34" charset="-122"/>
-                <a:ea typeface="微软雅黑" panose="020B0503020204020204" pitchFamily="34" charset="-122"/>
-              </a:rPr>
-              <a:t>，</a:t>
-            </a:r>
-            <a:r>
-              <a:rPr lang="en-US" altLang="zh-CN" dirty="0">
-                <a:latin typeface="微软雅黑" panose="020B0503020204020204" pitchFamily="34" charset="-122"/>
-                <a:ea typeface="微软雅黑" panose="020B0503020204020204" pitchFamily="34" charset="-122"/>
-              </a:rPr>
-              <a:t>master</a:t>
-            </a:r>
-            <a:r>
-              <a:rPr lang="zh-CN" altLang="en-US" dirty="0">
-                <a:latin typeface="微软雅黑" panose="020B0503020204020204" pitchFamily="34" charset="-122"/>
-                <a:ea typeface="微软雅黑" panose="020B0503020204020204" pitchFamily="34" charset="-122"/>
-              </a:rPr>
-              <a:t>才是指向提交的，所以，</a:t>
-            </a:r>
-            <a:r>
-              <a:rPr lang="en-US" altLang="zh-CN" dirty="0">
-                <a:latin typeface="微软雅黑" panose="020B0503020204020204" pitchFamily="34" charset="-122"/>
-                <a:ea typeface="微软雅黑" panose="020B0503020204020204" pitchFamily="34" charset="-122"/>
-              </a:rPr>
-              <a:t>HEAD</a:t>
-            </a:r>
-            <a:r>
-              <a:rPr lang="zh-CN" altLang="en-US" dirty="0">
-                <a:latin typeface="微软雅黑" panose="020B0503020204020204" pitchFamily="34" charset="-122"/>
-                <a:ea typeface="微软雅黑" panose="020B0503020204020204" pitchFamily="34" charset="-122"/>
-              </a:rPr>
-              <a:t>指向的就是当前分支。</a:t>
-            </a:r>
-            <a:endParaRPr lang="en-US" altLang="zh-CN" dirty="0" smtClean="0">
-              <a:latin typeface="微软雅黑" panose="020B0503020204020204" pitchFamily="34" charset="-122"/>
-              <a:ea typeface="微软雅黑" panose="020B0503020204020204" pitchFamily="34" charset="-122"/>
-            </a:endParaRPr>
-          </a:p>
-        </p:txBody>
-      </p:sp>
-      <p:sp>
-        <p:nvSpPr>
           <p:cNvPr id="9" name="文本框 8"/>
           <p:cNvSpPr txBox="1"/>
           <p:nvPr/>
@@ -19824,32 +19912,8 @@
         </p:blipFill>
         <p:spPr>
           <a:xfrm>
-            <a:off x="1999841" y="1535053"/>
+            <a:off x="1908401" y="1717933"/>
             <a:ext cx="7591425" cy="3762375"/>
-          </a:xfrm>
-          <a:prstGeom prst="rect">
-            <a:avLst/>
-          </a:prstGeom>
-        </p:spPr>
-      </p:pic>
-      <p:pic>
-        <p:nvPicPr>
-          <p:cNvPr id="2" name="图片 1"/>
-          <p:cNvPicPr>
-            <a:picLocks noChangeAspect="1"/>
-          </p:cNvPicPr>
-          <p:nvPr/>
-        </p:nvPicPr>
-        <p:blipFill>
-          <a:blip r:embed="rId5"/>
-          <a:stretch>
-            <a:fillRect/>
-          </a:stretch>
-        </p:blipFill>
-        <p:spPr>
-          <a:xfrm>
-            <a:off x="1471612" y="1319212"/>
-            <a:ext cx="9248775" cy="4219575"/>
           </a:xfrm>
           <a:prstGeom prst="rect">
             <a:avLst/>
@@ -22331,8 +22395,8 @@
         </p:nvSpPr>
         <p:spPr>
           <a:xfrm>
-            <a:off x="959552" y="1500598"/>
-            <a:ext cx="9753600" cy="540341"/>
+            <a:off x="959551" y="1297185"/>
+            <a:ext cx="9753600" cy="2400657"/>
           </a:xfrm>
           <a:prstGeom prst="rect">
             <a:avLst/>
@@ -22351,27 +22415,126 @@
               </a:lnSpc>
             </a:pPr>
             <a:r>
-              <a:rPr lang="zh-CN" altLang="en-US" sz="2200" dirty="0" smtClean="0">
-                <a:latin typeface="微软雅黑" panose="020B0503020204020204" pitchFamily="34" charset="-122"/>
-                <a:ea typeface="微软雅黑" panose="020B0503020204020204" pitchFamily="34" charset="-122"/>
-              </a:rPr>
-              <a:t>常见的</a:t>
-            </a:r>
-            <a:r>
-              <a:rPr lang="en-US" altLang="zh-CN" sz="2200" dirty="0" err="1" smtClean="0">
-                <a:latin typeface="微软雅黑" panose="020B0503020204020204" pitchFamily="34" charset="-122"/>
-                <a:ea typeface="微软雅黑" panose="020B0503020204020204" pitchFamily="34" charset="-122"/>
-              </a:rPr>
-              <a:t>Git</a:t>
-            </a:r>
-            <a:r>
-              <a:rPr lang="zh-CN" altLang="en-US" sz="2200" dirty="0" smtClean="0">
-                <a:latin typeface="微软雅黑" panose="020B0503020204020204" pitchFamily="34" charset="-122"/>
-                <a:ea typeface="微软雅黑" panose="020B0503020204020204" pitchFamily="34" charset="-122"/>
-              </a:rPr>
-              <a:t>图形操作软件</a:t>
-            </a:r>
-            <a:endParaRPr lang="en-US" altLang="zh-CN" sz="2200" dirty="0" smtClean="0">
+              <a:rPr lang="zh-CN" altLang="en-US" sz="2000" dirty="0" smtClean="0">
+                <a:latin typeface="微软雅黑" panose="020B0503020204020204" pitchFamily="34" charset="-122"/>
+                <a:ea typeface="微软雅黑" panose="020B0503020204020204" pitchFamily="34" charset="-122"/>
+              </a:rPr>
+              <a:t>多人协作的时候，对同一个分支进行推送的时候，可能出现冲突。这时候可以先</a:t>
+            </a:r>
+            <a:r>
+              <a:rPr lang="en-US" altLang="zh-CN" sz="2000" dirty="0" err="1" smtClean="0">
+                <a:latin typeface="微软雅黑" panose="020B0503020204020204" pitchFamily="34" charset="-122"/>
+                <a:ea typeface="微软雅黑" panose="020B0503020204020204" pitchFamily="34" charset="-122"/>
+              </a:rPr>
+              <a:t>git</a:t>
+            </a:r>
+            <a:r>
+              <a:rPr lang="en-US" altLang="zh-CN" sz="2000" dirty="0" smtClean="0">
+                <a:latin typeface="微软雅黑" panose="020B0503020204020204" pitchFamily="34" charset="-122"/>
+                <a:ea typeface="微软雅黑" panose="020B0503020204020204" pitchFamily="34" charset="-122"/>
+              </a:rPr>
+              <a:t> pull </a:t>
+            </a:r>
+            <a:r>
+              <a:rPr lang="zh-CN" altLang="en-US" sz="2000" dirty="0" smtClean="0">
+                <a:latin typeface="微软雅黑" panose="020B0503020204020204" pitchFamily="34" charset="-122"/>
+                <a:ea typeface="微软雅黑" panose="020B0503020204020204" pitchFamily="34" charset="-122"/>
+              </a:rPr>
+              <a:t>拉取最新的提交，进行本地合并，然后再</a:t>
+            </a:r>
+            <a:r>
+              <a:rPr lang="en-US" altLang="zh-CN" sz="2000" dirty="0" err="1" smtClean="0">
+                <a:latin typeface="微软雅黑" panose="020B0503020204020204" pitchFamily="34" charset="-122"/>
+                <a:ea typeface="微软雅黑" panose="020B0503020204020204" pitchFamily="34" charset="-122"/>
+              </a:rPr>
+              <a:t>git</a:t>
+            </a:r>
+            <a:r>
+              <a:rPr lang="en-US" altLang="zh-CN" sz="2000" dirty="0" smtClean="0">
+                <a:latin typeface="微软雅黑" panose="020B0503020204020204" pitchFamily="34" charset="-122"/>
+                <a:ea typeface="微软雅黑" panose="020B0503020204020204" pitchFamily="34" charset="-122"/>
+              </a:rPr>
+              <a:t> push</a:t>
+            </a:r>
+            <a:r>
+              <a:rPr lang="zh-CN" altLang="en-US" sz="2000" dirty="0" smtClean="0">
+                <a:latin typeface="微软雅黑" panose="020B0503020204020204" pitchFamily="34" charset="-122"/>
+                <a:ea typeface="微软雅黑" panose="020B0503020204020204" pitchFamily="34" charset="-122"/>
+              </a:rPr>
+              <a:t>。如果第一次拉取可能需要指定本地与仓库的连接</a:t>
+            </a:r>
+            <a:endParaRPr lang="en-US" altLang="zh-CN" sz="2000" dirty="0" smtClean="0">
+              <a:latin typeface="微软雅黑" panose="020B0503020204020204" pitchFamily="34" charset="-122"/>
+              <a:ea typeface="微软雅黑" panose="020B0503020204020204" pitchFamily="34" charset="-122"/>
+            </a:endParaRPr>
+          </a:p>
+          <a:p>
+            <a:pPr>
+              <a:lnSpc>
+                <a:spcPct val="150000"/>
+              </a:lnSpc>
+            </a:pPr>
+            <a:r>
+              <a:rPr lang="en-US" altLang="zh-CN" sz="2000" dirty="0" err="1">
+                <a:latin typeface="微软雅黑" panose="020B0503020204020204" pitchFamily="34" charset="-122"/>
+                <a:ea typeface="微软雅黑" panose="020B0503020204020204" pitchFamily="34" charset="-122"/>
+              </a:rPr>
+              <a:t>git</a:t>
+            </a:r>
+            <a:r>
+              <a:rPr lang="en-US" altLang="zh-CN" sz="2000" dirty="0">
+                <a:latin typeface="微软雅黑" panose="020B0503020204020204" pitchFamily="34" charset="-122"/>
+                <a:ea typeface="微软雅黑" panose="020B0503020204020204" pitchFamily="34" charset="-122"/>
+              </a:rPr>
+              <a:t> branch --set-upstream-to=origin/dev </a:t>
+            </a:r>
+            <a:r>
+              <a:rPr lang="en-US" altLang="zh-CN" sz="2000" dirty="0" err="1">
+                <a:latin typeface="微软雅黑" panose="020B0503020204020204" pitchFamily="34" charset="-122"/>
+                <a:ea typeface="微软雅黑" panose="020B0503020204020204" pitchFamily="34" charset="-122"/>
+              </a:rPr>
+              <a:t>dev</a:t>
+            </a:r>
+            <a:endParaRPr lang="en-US" altLang="zh-CN" sz="2000" dirty="0" smtClean="0">
+              <a:latin typeface="微软雅黑" panose="020B0503020204020204" pitchFamily="34" charset="-122"/>
+              <a:ea typeface="微软雅黑" panose="020B0503020204020204" pitchFamily="34" charset="-122"/>
+            </a:endParaRPr>
+          </a:p>
+          <a:p>
+            <a:pPr>
+              <a:lnSpc>
+                <a:spcPct val="150000"/>
+              </a:lnSpc>
+            </a:pPr>
+            <a:r>
+              <a:rPr lang="zh-CN" altLang="en-US" sz="2000" dirty="0" smtClean="0">
+                <a:latin typeface="微软雅黑" panose="020B0503020204020204" pitchFamily="34" charset="-122"/>
+                <a:ea typeface="微软雅黑" panose="020B0503020204020204" pitchFamily="34" charset="-122"/>
+              </a:rPr>
+              <a:t>注意拉取的时候会覆盖本地的文件，最好先</a:t>
+            </a:r>
+            <a:r>
+              <a:rPr lang="en-US" altLang="zh-CN" sz="2000" dirty="0" err="1" smtClean="0">
+                <a:latin typeface="微软雅黑" panose="020B0503020204020204" pitchFamily="34" charset="-122"/>
+                <a:ea typeface="微软雅黑" panose="020B0503020204020204" pitchFamily="34" charset="-122"/>
+              </a:rPr>
+              <a:t>git</a:t>
+            </a:r>
+            <a:r>
+              <a:rPr lang="en-US" altLang="zh-CN" sz="2000" dirty="0" smtClean="0">
+                <a:latin typeface="微软雅黑" panose="020B0503020204020204" pitchFamily="34" charset="-122"/>
+                <a:ea typeface="微软雅黑" panose="020B0503020204020204" pitchFamily="34" charset="-122"/>
+              </a:rPr>
+              <a:t> stash</a:t>
+            </a:r>
+            <a:r>
+              <a:rPr lang="zh-CN" altLang="en-US" sz="2000" dirty="0" smtClean="0">
+                <a:latin typeface="微软雅黑" panose="020B0503020204020204" pitchFamily="34" charset="-122"/>
+                <a:ea typeface="微软雅黑" panose="020B0503020204020204" pitchFamily="34" charset="-122"/>
+              </a:rPr>
+              <a:t>缓存一下</a:t>
+            </a:r>
+            <a:endParaRPr lang="en-US" altLang="zh-CN" sz="2000" dirty="0" smtClean="0">
               <a:latin typeface="微软雅黑" panose="020B0503020204020204" pitchFamily="34" charset="-122"/>
               <a:ea typeface="微软雅黑" panose="020B0503020204020204" pitchFamily="34" charset="-122"/>
             </a:endParaRPr>
@@ -22401,6 +22564,20 @@
           <a:lstStyle/>
           <a:p>
             <a:r>
+              <a:rPr lang="zh-CN" altLang="en-US" dirty="0">
+                <a:solidFill>
+                  <a:schemeClr val="tx1">
+                    <a:lumMod val="50000"/>
+                    <a:lumOff val="50000"/>
+                  </a:schemeClr>
+                </a:solidFill>
+                <a:latin typeface="OPPOSans R" panose="00020600040101010101" pitchFamily="18" charset="-122"/>
+                <a:ea typeface="OPPOSans R" panose="00020600040101010101" pitchFamily="18" charset="-122"/>
+                <a:cs typeface="OPPOSans R" panose="00020600040101010101" pitchFamily="18" charset="-122"/>
+              </a:rPr>
+              <a:t>多</a:t>
+            </a:r>
+            <a:r>
               <a:rPr lang="zh-CN" altLang="en-US" dirty="0" smtClean="0">
                 <a:solidFill>
                   <a:schemeClr val="tx1">
@@ -22412,7 +22589,7 @@
                 <a:ea typeface="OPPOSans R" panose="00020600040101010101" pitchFamily="18" charset="-122"/>
                 <a:cs typeface="OPPOSans R" panose="00020600040101010101" pitchFamily="18" charset="-122"/>
               </a:rPr>
-              <a:t>常用命令</a:t>
+              <a:t>人协作</a:t>
             </a:r>
             <a:endParaRPr lang="zh-CN" altLang="en-US" dirty="0">
               <a:solidFill>
@@ -22428,6 +22605,30 @@
           </a:p>
         </p:txBody>
       </p:sp>
+      <p:pic>
+        <p:nvPicPr>
+          <p:cNvPr id="2" name="图片 1"/>
+          <p:cNvPicPr>
+            <a:picLocks noChangeAspect="1"/>
+          </p:cNvPicPr>
+          <p:nvPr/>
+        </p:nvPicPr>
+        <p:blipFill>
+          <a:blip r:embed="rId4"/>
+          <a:stretch>
+            <a:fillRect/>
+          </a:stretch>
+        </p:blipFill>
+        <p:spPr>
+          <a:xfrm>
+            <a:off x="997623" y="4062340"/>
+            <a:ext cx="7305675" cy="1762125"/>
+          </a:xfrm>
+          <a:prstGeom prst="rect">
+            <a:avLst/>
+          </a:prstGeom>
+        </p:spPr>
+      </p:pic>
     </p:spTree>
     <p:extLst>
       <p:ext uri="{BB962C8B-B14F-4D97-AF65-F5344CB8AC3E}">
@@ -22508,13 +22709,18 @@
               <a:t>Git</a:t>
             </a:r>
             <a:r>
-              <a:rPr lang="zh-CN" altLang="en-US" sz="3200" dirty="0">
+              <a:rPr lang="zh-CN" altLang="en-US" sz="3200" dirty="0" smtClean="0">
                 <a:latin typeface="OPPOSans R" panose="00020600040101010101" pitchFamily="18" charset="-122"/>
                 <a:ea typeface="OPPOSans R" panose="00020600040101010101" pitchFamily="18" charset="-122"/>
                 <a:cs typeface="OPPOSans R" panose="00020600040101010101" pitchFamily="18" charset="-122"/>
               </a:rPr>
-              <a:t>分制管理</a:t>
-            </a:r>
+              <a:t>分支管理</a:t>
+            </a:r>
+            <a:endParaRPr lang="zh-CN" altLang="en-US" sz="3200" dirty="0">
+              <a:latin typeface="OPPOSans R" panose="00020600040101010101" pitchFamily="18" charset="-122"/>
+              <a:ea typeface="OPPOSans R" panose="00020600040101010101" pitchFamily="18" charset="-122"/>
+              <a:cs typeface="OPPOSans R" panose="00020600040101010101" pitchFamily="18" charset="-122"/>
+            </a:endParaRPr>
           </a:p>
         </p:txBody>
       </p:sp>
@@ -22648,8 +22854,8 @@
         </p:nvSpPr>
         <p:spPr>
           <a:xfrm>
-            <a:off x="959552" y="1500598"/>
-            <a:ext cx="9753600" cy="540341"/>
+            <a:off x="959551" y="1297185"/>
+            <a:ext cx="9753600" cy="5170646"/>
           </a:xfrm>
           <a:prstGeom prst="rect">
             <a:avLst/>
@@ -22668,27 +22874,457 @@
               </a:lnSpc>
             </a:pPr>
             <a:r>
-              <a:rPr lang="zh-CN" altLang="en-US" sz="2200" dirty="0" smtClean="0">
-                <a:latin typeface="微软雅黑" panose="020B0503020204020204" pitchFamily="34" charset="-122"/>
-                <a:ea typeface="微软雅黑" panose="020B0503020204020204" pitchFamily="34" charset="-122"/>
-              </a:rPr>
-              <a:t>常见的</a:t>
-            </a:r>
-            <a:r>
-              <a:rPr lang="en-US" altLang="zh-CN" sz="2200" dirty="0" err="1" smtClean="0">
-                <a:latin typeface="微软雅黑" panose="020B0503020204020204" pitchFamily="34" charset="-122"/>
-                <a:ea typeface="微软雅黑" panose="020B0503020204020204" pitchFamily="34" charset="-122"/>
-              </a:rPr>
-              <a:t>Git</a:t>
-            </a:r>
-            <a:r>
-              <a:rPr lang="zh-CN" altLang="en-US" sz="2200" dirty="0" smtClean="0">
-                <a:latin typeface="微软雅黑" panose="020B0503020204020204" pitchFamily="34" charset="-122"/>
-                <a:ea typeface="微软雅黑" panose="020B0503020204020204" pitchFamily="34" charset="-122"/>
-              </a:rPr>
-              <a:t>图形操作软件</a:t>
-            </a:r>
-            <a:endParaRPr lang="en-US" altLang="zh-CN" sz="2200" dirty="0" smtClean="0">
+              <a:rPr lang="zh-CN" altLang="en-US" sz="2000" dirty="0" smtClean="0">
+                <a:latin typeface="微软雅黑" panose="020B0503020204020204" pitchFamily="34" charset="-122"/>
+                <a:ea typeface="微软雅黑" panose="020B0503020204020204" pitchFamily="34" charset="-122"/>
+              </a:rPr>
+              <a:t>由于</a:t>
+            </a:r>
+            <a:r>
+              <a:rPr lang="en-US" altLang="zh-CN" sz="2000" dirty="0" smtClean="0">
+                <a:latin typeface="微软雅黑" panose="020B0503020204020204" pitchFamily="34" charset="-122"/>
+                <a:ea typeface="微软雅黑" panose="020B0503020204020204" pitchFamily="34" charset="-122"/>
+              </a:rPr>
+              <a:t>commit</a:t>
+            </a:r>
+            <a:r>
+              <a:rPr lang="zh-CN" altLang="en-US" sz="2000" dirty="0" smtClean="0">
+                <a:latin typeface="微软雅黑" panose="020B0503020204020204" pitchFamily="34" charset="-122"/>
+                <a:ea typeface="微软雅黑" panose="020B0503020204020204" pitchFamily="34" charset="-122"/>
+              </a:rPr>
+              <a:t>繁琐无规律，难以记忆，我们一般会通过打标签的方式对版本进行标记，方便查找和记忆，类似网页</a:t>
+            </a:r>
+            <a:r>
+              <a:rPr lang="en-US" altLang="zh-CN" sz="2000" dirty="0" smtClean="0">
+                <a:latin typeface="微软雅黑" panose="020B0503020204020204" pitchFamily="34" charset="-122"/>
+                <a:ea typeface="微软雅黑" panose="020B0503020204020204" pitchFamily="34" charset="-122"/>
+              </a:rPr>
+              <a:t>IP</a:t>
+            </a:r>
+            <a:r>
+              <a:rPr lang="zh-CN" altLang="en-US" sz="2000" dirty="0" smtClean="0">
+                <a:latin typeface="微软雅黑" panose="020B0503020204020204" pitchFamily="34" charset="-122"/>
+                <a:ea typeface="微软雅黑" panose="020B0503020204020204" pitchFamily="34" charset="-122"/>
+              </a:rPr>
+              <a:t>和域名的关系。</a:t>
+            </a:r>
+            <a:endParaRPr lang="en-US" altLang="zh-CN" sz="2000" dirty="0" smtClean="0">
+              <a:latin typeface="微软雅黑" panose="020B0503020204020204" pitchFamily="34" charset="-122"/>
+              <a:ea typeface="微软雅黑" panose="020B0503020204020204" pitchFamily="34" charset="-122"/>
+            </a:endParaRPr>
+          </a:p>
+          <a:p>
+            <a:pPr>
+              <a:lnSpc>
+                <a:spcPct val="150000"/>
+              </a:lnSpc>
+            </a:pPr>
+            <a:r>
+              <a:rPr lang="zh-CN" altLang="en-US" sz="2000" dirty="0" smtClean="0">
+                <a:latin typeface="微软雅黑" panose="020B0503020204020204" pitchFamily="34" charset="-122"/>
+                <a:ea typeface="微软雅黑" panose="020B0503020204020204" pitchFamily="34" charset="-122"/>
+              </a:rPr>
+              <a:t>我们切换到需要打标签的分支上，执行“</a:t>
+            </a:r>
+            <a:r>
+              <a:rPr lang="en-US" altLang="zh-CN" sz="2000" dirty="0" err="1">
+                <a:latin typeface="微软雅黑" panose="020B0503020204020204" pitchFamily="34" charset="-122"/>
+                <a:ea typeface="微软雅黑" panose="020B0503020204020204" pitchFamily="34" charset="-122"/>
+              </a:rPr>
+              <a:t>git</a:t>
+            </a:r>
+            <a:r>
+              <a:rPr lang="en-US" altLang="zh-CN" sz="2000" dirty="0">
+                <a:latin typeface="微软雅黑" panose="020B0503020204020204" pitchFamily="34" charset="-122"/>
+                <a:ea typeface="微软雅黑" panose="020B0503020204020204" pitchFamily="34" charset="-122"/>
+              </a:rPr>
+              <a:t> tag </a:t>
+            </a:r>
+            <a:r>
+              <a:rPr lang="zh-CN" altLang="en-US" sz="2000" dirty="0">
+                <a:latin typeface="微软雅黑" panose="020B0503020204020204" pitchFamily="34" charset="-122"/>
+                <a:ea typeface="微软雅黑" panose="020B0503020204020204" pitchFamily="34" charset="-122"/>
+              </a:rPr>
+              <a:t>标签名</a:t>
+            </a:r>
+            <a:r>
+              <a:rPr lang="zh-CN" altLang="en-US" sz="2000" dirty="0" smtClean="0">
+                <a:latin typeface="微软雅黑" panose="020B0503020204020204" pitchFamily="34" charset="-122"/>
+                <a:ea typeface="微软雅黑" panose="020B0503020204020204" pitchFamily="34" charset="-122"/>
+              </a:rPr>
+              <a:t>”</a:t>
+            </a:r>
+            <a:r>
+              <a:rPr lang="en-US" altLang="zh-CN" sz="2000" dirty="0" smtClean="0">
+                <a:latin typeface="微软雅黑" panose="020B0503020204020204" pitchFamily="34" charset="-122"/>
+                <a:ea typeface="微软雅黑" panose="020B0503020204020204" pitchFamily="34" charset="-122"/>
+              </a:rPr>
+              <a:t> </a:t>
+            </a:r>
+            <a:r>
+              <a:rPr lang="zh-CN" altLang="en-US" sz="2000" dirty="0" smtClean="0">
+                <a:latin typeface="微软雅黑" panose="020B0503020204020204" pitchFamily="34" charset="-122"/>
+                <a:ea typeface="微软雅黑" panose="020B0503020204020204" pitchFamily="34" charset="-122"/>
+              </a:rPr>
+              <a:t>即可，默认对当前</a:t>
+            </a:r>
+            <a:r>
+              <a:rPr lang="en-US" altLang="zh-CN" sz="2000" dirty="0" smtClean="0">
+                <a:latin typeface="微软雅黑" panose="020B0503020204020204" pitchFamily="34" charset="-122"/>
+                <a:ea typeface="微软雅黑" panose="020B0503020204020204" pitchFamily="34" charset="-122"/>
+              </a:rPr>
+              <a:t>commit</a:t>
+            </a:r>
+            <a:r>
+              <a:rPr lang="zh-CN" altLang="en-US" sz="2000" dirty="0" smtClean="0">
+                <a:latin typeface="微软雅黑" panose="020B0503020204020204" pitchFamily="34" charset="-122"/>
+                <a:ea typeface="微软雅黑" panose="020B0503020204020204" pitchFamily="34" charset="-122"/>
+              </a:rPr>
+              <a:t>打标签</a:t>
+            </a:r>
+            <a:endParaRPr lang="en-US" altLang="zh-CN" sz="2000" dirty="0" smtClean="0">
+              <a:latin typeface="微软雅黑" panose="020B0503020204020204" pitchFamily="34" charset="-122"/>
+              <a:ea typeface="微软雅黑" panose="020B0503020204020204" pitchFamily="34" charset="-122"/>
+            </a:endParaRPr>
+          </a:p>
+          <a:p>
+            <a:pPr>
+              <a:lnSpc>
+                <a:spcPct val="150000"/>
+              </a:lnSpc>
+            </a:pPr>
+            <a:r>
+              <a:rPr lang="en-US" altLang="zh-CN" sz="2000" dirty="0" err="1">
+                <a:latin typeface="微软雅黑" panose="020B0503020204020204" pitchFamily="34" charset="-122"/>
+                <a:ea typeface="微软雅黑" panose="020B0503020204020204" pitchFamily="34" charset="-122"/>
+              </a:rPr>
+              <a:t>git</a:t>
+            </a:r>
+            <a:r>
+              <a:rPr lang="en-US" altLang="zh-CN" sz="2000" dirty="0">
+                <a:latin typeface="微软雅黑" panose="020B0503020204020204" pitchFamily="34" charset="-122"/>
+                <a:ea typeface="微软雅黑" panose="020B0503020204020204" pitchFamily="34" charset="-122"/>
+              </a:rPr>
+              <a:t> tag &lt;</a:t>
+            </a:r>
+            <a:r>
+              <a:rPr lang="en-US" altLang="zh-CN" sz="2000" dirty="0" err="1">
+                <a:latin typeface="微软雅黑" panose="020B0503020204020204" pitchFamily="34" charset="-122"/>
+                <a:ea typeface="微软雅黑" panose="020B0503020204020204" pitchFamily="34" charset="-122"/>
+              </a:rPr>
+              <a:t>tagname</a:t>
+            </a:r>
+            <a:r>
+              <a:rPr lang="en-US" altLang="zh-CN" sz="2000" dirty="0">
+                <a:latin typeface="微软雅黑" panose="020B0503020204020204" pitchFamily="34" charset="-122"/>
+                <a:ea typeface="微软雅黑" panose="020B0503020204020204" pitchFamily="34" charset="-122"/>
+              </a:rPr>
+              <a:t>&gt;</a:t>
+            </a:r>
+            <a:r>
+              <a:rPr lang="zh-CN" altLang="en-US" sz="2000" dirty="0">
+                <a:latin typeface="微软雅黑" panose="020B0503020204020204" pitchFamily="34" charset="-122"/>
+                <a:ea typeface="微软雅黑" panose="020B0503020204020204" pitchFamily="34" charset="-122"/>
+              </a:rPr>
+              <a:t>用于新建一个标签，默认为</a:t>
+            </a:r>
+            <a:r>
+              <a:rPr lang="en-US" altLang="zh-CN" sz="2000" dirty="0">
+                <a:latin typeface="微软雅黑" panose="020B0503020204020204" pitchFamily="34" charset="-122"/>
+                <a:ea typeface="微软雅黑" panose="020B0503020204020204" pitchFamily="34" charset="-122"/>
+              </a:rPr>
+              <a:t>HEAD</a:t>
+            </a:r>
+            <a:r>
+              <a:rPr lang="zh-CN" altLang="en-US" sz="2000" dirty="0">
+                <a:latin typeface="微软雅黑" panose="020B0503020204020204" pitchFamily="34" charset="-122"/>
+                <a:ea typeface="微软雅黑" panose="020B0503020204020204" pitchFamily="34" charset="-122"/>
+              </a:rPr>
+              <a:t>，也可以指定一个</a:t>
+            </a:r>
+            <a:r>
+              <a:rPr lang="en-US" altLang="zh-CN" sz="2000" dirty="0">
+                <a:latin typeface="微软雅黑" panose="020B0503020204020204" pitchFamily="34" charset="-122"/>
+                <a:ea typeface="微软雅黑" panose="020B0503020204020204" pitchFamily="34" charset="-122"/>
+              </a:rPr>
+              <a:t>commit id </a:t>
+            </a:r>
+            <a:r>
+              <a:rPr lang="en-US" altLang="zh-CN" sz="2000" dirty="0" err="1">
+                <a:latin typeface="微软雅黑" panose="020B0503020204020204" pitchFamily="34" charset="-122"/>
+                <a:ea typeface="微软雅黑" panose="020B0503020204020204" pitchFamily="34" charset="-122"/>
+              </a:rPr>
+              <a:t>git</a:t>
+            </a:r>
+            <a:r>
+              <a:rPr lang="en-US" altLang="zh-CN" sz="2000" dirty="0">
+                <a:latin typeface="微软雅黑" panose="020B0503020204020204" pitchFamily="34" charset="-122"/>
+                <a:ea typeface="微软雅黑" panose="020B0503020204020204" pitchFamily="34" charset="-122"/>
+              </a:rPr>
+              <a:t> tag -a &lt;</a:t>
+            </a:r>
+            <a:r>
+              <a:rPr lang="en-US" altLang="zh-CN" sz="2000" dirty="0" err="1">
+                <a:latin typeface="微软雅黑" panose="020B0503020204020204" pitchFamily="34" charset="-122"/>
+                <a:ea typeface="微软雅黑" panose="020B0503020204020204" pitchFamily="34" charset="-122"/>
+              </a:rPr>
+              <a:t>tagname</a:t>
+            </a:r>
+            <a:r>
+              <a:rPr lang="en-US" altLang="zh-CN" sz="2000" dirty="0">
+                <a:latin typeface="微软雅黑" panose="020B0503020204020204" pitchFamily="34" charset="-122"/>
+                <a:ea typeface="微软雅黑" panose="020B0503020204020204" pitchFamily="34" charset="-122"/>
+              </a:rPr>
+              <a:t>&gt; -m </a:t>
+            </a:r>
+            <a:r>
+              <a:rPr lang="en-US" altLang="zh-CN" sz="2000" dirty="0" smtClean="0">
+                <a:latin typeface="微软雅黑" panose="020B0503020204020204" pitchFamily="34" charset="-122"/>
+                <a:ea typeface="微软雅黑" panose="020B0503020204020204" pitchFamily="34" charset="-122"/>
+              </a:rPr>
+              <a:t>“</a:t>
+            </a:r>
+            <a:r>
+              <a:rPr lang="zh-CN" altLang="en-US" sz="2000" dirty="0" smtClean="0">
+                <a:latin typeface="微软雅黑" panose="020B0503020204020204" pitchFamily="34" charset="-122"/>
+                <a:ea typeface="微软雅黑" panose="020B0503020204020204" pitchFamily="34" charset="-122"/>
+              </a:rPr>
+              <a:t>说明</a:t>
+            </a:r>
+            <a:r>
+              <a:rPr lang="en-US" altLang="zh-CN" sz="2000" dirty="0" smtClean="0">
+                <a:latin typeface="微软雅黑" panose="020B0503020204020204" pitchFamily="34" charset="-122"/>
+                <a:ea typeface="微软雅黑" panose="020B0503020204020204" pitchFamily="34" charset="-122"/>
+              </a:rPr>
+              <a:t>“ </a:t>
+            </a:r>
+            <a:r>
+              <a:rPr lang="zh-CN" altLang="en-US" sz="2000" dirty="0" smtClean="0">
+                <a:latin typeface="微软雅黑" panose="020B0503020204020204" pitchFamily="34" charset="-122"/>
+                <a:ea typeface="微软雅黑" panose="020B0503020204020204" pitchFamily="34" charset="-122"/>
+              </a:rPr>
+              <a:t>可以给标签添加</a:t>
+            </a:r>
+            <a:r>
+              <a:rPr lang="zh-CN" altLang="en-US" sz="2000" dirty="0" smtClean="0">
+                <a:latin typeface="微软雅黑" panose="020B0503020204020204" pitchFamily="34" charset="-122"/>
+                <a:ea typeface="微软雅黑" panose="020B0503020204020204" pitchFamily="34" charset="-122"/>
+              </a:rPr>
+              <a:t>注释</a:t>
+            </a:r>
+            <a:endParaRPr lang="en-US" altLang="zh-CN" sz="2000" dirty="0" smtClean="0">
+              <a:latin typeface="微软雅黑" panose="020B0503020204020204" pitchFamily="34" charset="-122"/>
+              <a:ea typeface="微软雅黑" panose="020B0503020204020204" pitchFamily="34" charset="-122"/>
+            </a:endParaRPr>
+          </a:p>
+          <a:p>
+            <a:pPr>
+              <a:lnSpc>
+                <a:spcPct val="150000"/>
+              </a:lnSpc>
+            </a:pPr>
+            <a:r>
+              <a:rPr lang="en-US" altLang="zh-CN" sz="2000" dirty="0" err="1" smtClean="0">
+                <a:latin typeface="微软雅黑" panose="020B0503020204020204" pitchFamily="34" charset="-122"/>
+                <a:ea typeface="微软雅黑" panose="020B0503020204020204" pitchFamily="34" charset="-122"/>
+              </a:rPr>
+              <a:t>git</a:t>
+            </a:r>
+            <a:r>
+              <a:rPr lang="en-US" altLang="zh-CN" sz="2000" dirty="0" smtClean="0">
+                <a:latin typeface="微软雅黑" panose="020B0503020204020204" pitchFamily="34" charset="-122"/>
+                <a:ea typeface="微软雅黑" panose="020B0503020204020204" pitchFamily="34" charset="-122"/>
+              </a:rPr>
+              <a:t> </a:t>
+            </a:r>
+            <a:r>
+              <a:rPr lang="en-US" altLang="zh-CN" sz="2000" dirty="0">
+                <a:latin typeface="微软雅黑" panose="020B0503020204020204" pitchFamily="34" charset="-122"/>
+                <a:ea typeface="微软雅黑" panose="020B0503020204020204" pitchFamily="34" charset="-122"/>
+              </a:rPr>
+              <a:t>show &lt;</a:t>
+            </a:r>
+            <a:r>
+              <a:rPr lang="en-US" altLang="zh-CN" sz="2000" dirty="0" err="1">
+                <a:latin typeface="微软雅黑" panose="020B0503020204020204" pitchFamily="34" charset="-122"/>
+                <a:ea typeface="微软雅黑" panose="020B0503020204020204" pitchFamily="34" charset="-122"/>
+              </a:rPr>
+              <a:t>tagname</a:t>
+            </a:r>
+            <a:r>
+              <a:rPr lang="en-US" altLang="zh-CN" sz="2000" dirty="0" smtClean="0">
+                <a:latin typeface="微软雅黑" panose="020B0503020204020204" pitchFamily="34" charset="-122"/>
+                <a:ea typeface="微软雅黑" panose="020B0503020204020204" pitchFamily="34" charset="-122"/>
+              </a:rPr>
+              <a:t>&gt;</a:t>
+            </a:r>
+            <a:r>
+              <a:rPr lang="zh-CN" altLang="en-US" sz="2000" dirty="0" smtClean="0">
+                <a:latin typeface="微软雅黑" panose="020B0503020204020204" pitchFamily="34" charset="-122"/>
+                <a:ea typeface="微软雅黑" panose="020B0503020204020204" pitchFamily="34" charset="-122"/>
+              </a:rPr>
+              <a:t>，查看说明文字</a:t>
+            </a:r>
+            <a:endParaRPr lang="en-US" altLang="zh-CN" sz="2000" dirty="0" smtClean="0">
+              <a:latin typeface="微软雅黑" panose="020B0503020204020204" pitchFamily="34" charset="-122"/>
+              <a:ea typeface="微软雅黑" panose="020B0503020204020204" pitchFamily="34" charset="-122"/>
+            </a:endParaRPr>
+          </a:p>
+          <a:p>
+            <a:pPr>
+              <a:lnSpc>
+                <a:spcPct val="150000"/>
+              </a:lnSpc>
+            </a:pPr>
+            <a:r>
+              <a:rPr lang="en-US" altLang="zh-CN" sz="2000" dirty="0" err="1" smtClean="0">
+                <a:latin typeface="微软雅黑" panose="020B0503020204020204" pitchFamily="34" charset="-122"/>
+                <a:ea typeface="微软雅黑" panose="020B0503020204020204" pitchFamily="34" charset="-122"/>
+              </a:rPr>
+              <a:t>git</a:t>
+            </a:r>
+            <a:r>
+              <a:rPr lang="en-US" altLang="zh-CN" sz="2000" dirty="0" smtClean="0">
+                <a:latin typeface="微软雅黑" panose="020B0503020204020204" pitchFamily="34" charset="-122"/>
+                <a:ea typeface="微软雅黑" panose="020B0503020204020204" pitchFamily="34" charset="-122"/>
+              </a:rPr>
+              <a:t> </a:t>
+            </a:r>
+            <a:r>
+              <a:rPr lang="en-US" altLang="zh-CN" sz="2000" dirty="0">
+                <a:latin typeface="微软雅黑" panose="020B0503020204020204" pitchFamily="34" charset="-122"/>
+                <a:ea typeface="微软雅黑" panose="020B0503020204020204" pitchFamily="34" charset="-122"/>
+              </a:rPr>
+              <a:t>tag </a:t>
+            </a:r>
+            <a:r>
+              <a:rPr lang="en-US" altLang="zh-CN" sz="2000" dirty="0" smtClean="0">
+                <a:latin typeface="微软雅黑" panose="020B0503020204020204" pitchFamily="34" charset="-122"/>
+                <a:ea typeface="微软雅黑" panose="020B0503020204020204" pitchFamily="34" charset="-122"/>
+              </a:rPr>
+              <a:t>–d &lt;</a:t>
+            </a:r>
+            <a:r>
+              <a:rPr lang="en-US" altLang="zh-CN" sz="2000" dirty="0" err="1" smtClean="0">
+                <a:latin typeface="微软雅黑" panose="020B0503020204020204" pitchFamily="34" charset="-122"/>
+                <a:ea typeface="微软雅黑" panose="020B0503020204020204" pitchFamily="34" charset="-122"/>
+              </a:rPr>
+              <a:t>tagname</a:t>
+            </a:r>
+            <a:r>
+              <a:rPr lang="en-US" altLang="zh-CN" sz="2000" dirty="0" smtClean="0">
+                <a:latin typeface="微软雅黑" panose="020B0503020204020204" pitchFamily="34" charset="-122"/>
+                <a:ea typeface="微软雅黑" panose="020B0503020204020204" pitchFamily="34" charset="-122"/>
+              </a:rPr>
+              <a:t>&gt; </a:t>
+            </a:r>
+            <a:r>
+              <a:rPr lang="zh-CN" altLang="en-US" sz="2000" dirty="0" smtClean="0">
+                <a:latin typeface="微软雅黑" panose="020B0503020204020204" pitchFamily="34" charset="-122"/>
+                <a:ea typeface="微软雅黑" panose="020B0503020204020204" pitchFamily="34" charset="-122"/>
+              </a:rPr>
+              <a:t>，删除</a:t>
+            </a:r>
+            <a:r>
+              <a:rPr lang="zh-CN" altLang="en-US" sz="2000" dirty="0" smtClean="0">
+                <a:latin typeface="微软雅黑" panose="020B0503020204020204" pitchFamily="34" charset="-122"/>
+                <a:ea typeface="微软雅黑" panose="020B0503020204020204" pitchFamily="34" charset="-122"/>
+              </a:rPr>
+              <a:t>标签</a:t>
+            </a:r>
+            <a:endParaRPr lang="en-US" altLang="zh-CN" sz="2000" dirty="0" smtClean="0">
+              <a:latin typeface="微软雅黑" panose="020B0503020204020204" pitchFamily="34" charset="-122"/>
+              <a:ea typeface="微软雅黑" panose="020B0503020204020204" pitchFamily="34" charset="-122"/>
+            </a:endParaRPr>
+          </a:p>
+          <a:p>
+            <a:pPr>
+              <a:lnSpc>
+                <a:spcPct val="150000"/>
+              </a:lnSpc>
+            </a:pPr>
+            <a:r>
+              <a:rPr lang="zh-CN" altLang="en-US" sz="2000" dirty="0" smtClean="0">
+                <a:latin typeface="微软雅黑" panose="020B0503020204020204" pitchFamily="34" charset="-122"/>
+                <a:ea typeface="微软雅黑" panose="020B0503020204020204" pitchFamily="34" charset="-122"/>
+              </a:rPr>
+              <a:t>注意的是创建</a:t>
+            </a:r>
+            <a:r>
+              <a:rPr lang="zh-CN" altLang="en-US" sz="2000" dirty="0">
+                <a:latin typeface="微软雅黑" panose="020B0503020204020204" pitchFamily="34" charset="-122"/>
+                <a:ea typeface="微软雅黑" panose="020B0503020204020204" pitchFamily="34" charset="-122"/>
+              </a:rPr>
+              <a:t>的标签都只存储在本地，不会自动推送到远程</a:t>
+            </a:r>
+            <a:r>
+              <a:rPr lang="zh-CN" altLang="en-US" sz="2000" dirty="0" smtClean="0">
+                <a:latin typeface="微软雅黑" panose="020B0503020204020204" pitchFamily="34" charset="-122"/>
+                <a:ea typeface="微软雅黑" panose="020B0503020204020204" pitchFamily="34" charset="-122"/>
+              </a:rPr>
+              <a:t>。如果</a:t>
+            </a:r>
+            <a:r>
+              <a:rPr lang="zh-CN" altLang="en-US" sz="2000" dirty="0">
+                <a:latin typeface="微软雅黑" panose="020B0503020204020204" pitchFamily="34" charset="-122"/>
+                <a:ea typeface="微软雅黑" panose="020B0503020204020204" pitchFamily="34" charset="-122"/>
+              </a:rPr>
+              <a:t>要推送某个标签到远程，使用</a:t>
+            </a:r>
+            <a:r>
+              <a:rPr lang="zh-CN" altLang="en-US" sz="2000" dirty="0" smtClean="0">
+                <a:latin typeface="微软雅黑" panose="020B0503020204020204" pitchFamily="34" charset="-122"/>
+                <a:ea typeface="微软雅黑" panose="020B0503020204020204" pitchFamily="34" charset="-122"/>
+              </a:rPr>
+              <a:t>命令</a:t>
+            </a:r>
+            <a:endParaRPr lang="en-US" altLang="zh-CN" sz="2000" dirty="0" smtClean="0">
+              <a:latin typeface="微软雅黑" panose="020B0503020204020204" pitchFamily="34" charset="-122"/>
+              <a:ea typeface="微软雅黑" panose="020B0503020204020204" pitchFamily="34" charset="-122"/>
+            </a:endParaRPr>
+          </a:p>
+          <a:p>
+            <a:pPr>
+              <a:lnSpc>
+                <a:spcPct val="150000"/>
+              </a:lnSpc>
+            </a:pPr>
+            <a:r>
+              <a:rPr lang="en-US" altLang="zh-CN" sz="2000" dirty="0" err="1" smtClean="0">
+                <a:latin typeface="微软雅黑" panose="020B0503020204020204" pitchFamily="34" charset="-122"/>
+                <a:ea typeface="微软雅黑" panose="020B0503020204020204" pitchFamily="34" charset="-122"/>
+              </a:rPr>
+              <a:t>git</a:t>
+            </a:r>
+            <a:r>
+              <a:rPr lang="en-US" altLang="zh-CN" sz="2000" dirty="0" smtClean="0">
+                <a:latin typeface="微软雅黑" panose="020B0503020204020204" pitchFamily="34" charset="-122"/>
+                <a:ea typeface="微软雅黑" panose="020B0503020204020204" pitchFamily="34" charset="-122"/>
+              </a:rPr>
+              <a:t> </a:t>
+            </a:r>
+            <a:r>
+              <a:rPr lang="en-US" altLang="zh-CN" sz="2000" dirty="0">
+                <a:latin typeface="微软雅黑" panose="020B0503020204020204" pitchFamily="34" charset="-122"/>
+                <a:ea typeface="微软雅黑" panose="020B0503020204020204" pitchFamily="34" charset="-122"/>
+              </a:rPr>
+              <a:t>push origin &lt;</a:t>
+            </a:r>
+            <a:r>
+              <a:rPr lang="en-US" altLang="zh-CN" sz="2000" dirty="0" err="1">
+                <a:latin typeface="微软雅黑" panose="020B0503020204020204" pitchFamily="34" charset="-122"/>
+                <a:ea typeface="微软雅黑" panose="020B0503020204020204" pitchFamily="34" charset="-122"/>
+              </a:rPr>
+              <a:t>tagname</a:t>
+            </a:r>
+            <a:r>
+              <a:rPr lang="en-US" altLang="zh-CN" sz="2000" dirty="0" smtClean="0">
+                <a:latin typeface="微软雅黑" panose="020B0503020204020204" pitchFamily="34" charset="-122"/>
+                <a:ea typeface="微软雅黑" panose="020B0503020204020204" pitchFamily="34" charset="-122"/>
+              </a:rPr>
+              <a:t>&gt;</a:t>
+            </a:r>
+            <a:endParaRPr lang="en-US" altLang="zh-CN" sz="2000" dirty="0" smtClean="0">
               <a:latin typeface="微软雅黑" panose="020B0503020204020204" pitchFamily="34" charset="-122"/>
               <a:ea typeface="微软雅黑" panose="020B0503020204020204" pitchFamily="34" charset="-122"/>
             </a:endParaRPr>
@@ -22729,7 +23365,7 @@
                 <a:ea typeface="OPPOSans R" panose="00020600040101010101" pitchFamily="18" charset="-122"/>
                 <a:cs typeface="OPPOSans R" panose="00020600040101010101" pitchFamily="18" charset="-122"/>
               </a:rPr>
-              <a:t>常用命令</a:t>
+              <a:t>标签管理</a:t>
             </a:r>
             <a:endParaRPr lang="zh-CN" altLang="en-US" dirty="0">
               <a:solidFill>
@@ -22748,7 +23384,7 @@
     </p:spTree>
     <p:extLst>
       <p:ext uri="{BB962C8B-B14F-4D97-AF65-F5344CB8AC3E}">
-        <p14:creationId xmlns:p14="http://schemas.microsoft.com/office/powerpoint/2010/main" val="459409410"/>
+        <p14:creationId xmlns:p14="http://schemas.microsoft.com/office/powerpoint/2010/main" val="4231484073"/>
       </p:ext>
     </p:extLst>
   </p:cSld>
@@ -22778,323 +23414,6 @@
 </file>
 
 <file path=ppt/slides/slide34.xml><?xml version="1.0" encoding="utf-8"?>
-<p:sld xmlns:a="http://schemas.openxmlformats.org/drawingml/2006/main" xmlns:r="http://schemas.openxmlformats.org/officeDocument/2006/relationships" xmlns:p="http://schemas.openxmlformats.org/presentationml/2006/main">
-  <p:cSld>
-    <p:spTree>
-      <p:nvGrpSpPr>
-        <p:cNvPr id="1" name=""/>
-        <p:cNvGrpSpPr/>
-        <p:nvPr/>
-      </p:nvGrpSpPr>
-      <p:grpSpPr>
-        <a:xfrm>
-          <a:off x="0" y="0"/>
-          <a:ext cx="0" cy="0"/>
-          <a:chOff x="0" y="0"/>
-          <a:chExt cx="0" cy="0"/>
-        </a:xfrm>
-      </p:grpSpPr>
-      <p:sp>
-        <p:nvSpPr>
-          <p:cNvPr id="32" name="文本框 31"/>
-          <p:cNvSpPr txBox="1"/>
-          <p:nvPr/>
-        </p:nvSpPr>
-        <p:spPr>
-          <a:xfrm>
-            <a:off x="959552" y="340946"/>
-            <a:ext cx="2377574" cy="584775"/>
-          </a:xfrm>
-          <a:prstGeom prst="rect">
-            <a:avLst/>
-          </a:prstGeom>
-          <a:noFill/>
-        </p:spPr>
-        <p:txBody>
-          <a:bodyPr wrap="none" rtlCol="0">
-            <a:spAutoFit/>
-          </a:bodyPr>
-          <a:lstStyle/>
-          <a:p>
-            <a:r>
-              <a:rPr lang="en-US" altLang="zh-CN" sz="3200" dirty="0" err="1" smtClean="0">
-                <a:latin typeface="OPPOSans R" panose="00020600040101010101" pitchFamily="18" charset="-122"/>
-                <a:ea typeface="OPPOSans R" panose="00020600040101010101" pitchFamily="18" charset="-122"/>
-                <a:cs typeface="OPPOSans R" panose="00020600040101010101" pitchFamily="18" charset="-122"/>
-              </a:rPr>
-              <a:t>Git</a:t>
-            </a:r>
-            <a:r>
-              <a:rPr lang="zh-CN" altLang="en-US" sz="3200" dirty="0">
-                <a:latin typeface="OPPOSans R" panose="00020600040101010101" pitchFamily="18" charset="-122"/>
-                <a:ea typeface="OPPOSans R" panose="00020600040101010101" pitchFamily="18" charset="-122"/>
-                <a:cs typeface="OPPOSans R" panose="00020600040101010101" pitchFamily="18" charset="-122"/>
-              </a:rPr>
-              <a:t>分制管理</a:t>
-            </a:r>
-          </a:p>
-        </p:txBody>
-      </p:sp>
-      <p:sp>
-        <p:nvSpPr>
-          <p:cNvPr id="39" name="矩形 38"/>
-          <p:cNvSpPr/>
-          <p:nvPr/>
-        </p:nvSpPr>
-        <p:spPr>
-          <a:xfrm>
-            <a:off x="0" y="462703"/>
-            <a:ext cx="794456" cy="738664"/>
-          </a:xfrm>
-          <a:prstGeom prst="rect">
-            <a:avLst/>
-          </a:prstGeom>
-          <a:solidFill>
-            <a:srgbClr val="9A0001"/>
-          </a:solidFill>
-          <a:ln>
-            <a:noFill/>
-          </a:ln>
-        </p:spPr>
-        <p:style>
-          <a:lnRef idx="2">
-            <a:schemeClr val="accent1">
-              <a:shade val="50000"/>
-            </a:schemeClr>
-          </a:lnRef>
-          <a:fillRef idx="1">
-            <a:schemeClr val="accent1"/>
-          </a:fillRef>
-          <a:effectRef idx="0">
-            <a:schemeClr val="accent1"/>
-          </a:effectRef>
-          <a:fontRef idx="minor">
-            <a:schemeClr val="lt1"/>
-          </a:fontRef>
-        </p:style>
-        <p:txBody>
-          <a:bodyPr rtlCol="0" anchor="ctr"/>
-          <a:lstStyle/>
-          <a:p>
-            <a:pPr algn="ctr"/>
-            <a:endParaRPr kumimoji="1" lang="zh-CN" altLang="en-US" sz="1600" dirty="0">
-              <a:latin typeface="OPPOSans R" panose="00020600040101010101" pitchFamily="18" charset="-122"/>
-              <a:ea typeface="OPPOSans R" panose="00020600040101010101" pitchFamily="18" charset="-122"/>
-            </a:endParaRPr>
-          </a:p>
-        </p:txBody>
-      </p:sp>
-      <p:sp>
-        <p:nvSpPr>
-          <p:cNvPr id="34" name="矩形 33"/>
-          <p:cNvSpPr/>
-          <p:nvPr/>
-        </p:nvSpPr>
-        <p:spPr>
-          <a:xfrm flipV="1">
-            <a:off x="7529454" y="6772905"/>
-            <a:ext cx="4682001" cy="128741"/>
-          </a:xfrm>
-          <a:prstGeom prst="rect">
-            <a:avLst/>
-          </a:prstGeom>
-          <a:solidFill>
-            <a:srgbClr val="9A0001"/>
-          </a:solidFill>
-          <a:ln>
-            <a:noFill/>
-          </a:ln>
-        </p:spPr>
-        <p:style>
-          <a:lnRef idx="2">
-            <a:schemeClr val="accent1">
-              <a:shade val="50000"/>
-            </a:schemeClr>
-          </a:lnRef>
-          <a:fillRef idx="1">
-            <a:schemeClr val="accent1"/>
-          </a:fillRef>
-          <a:effectRef idx="0">
-            <a:schemeClr val="accent1"/>
-          </a:effectRef>
-          <a:fontRef idx="minor">
-            <a:schemeClr val="lt1"/>
-          </a:fontRef>
-        </p:style>
-        <p:txBody>
-          <a:bodyPr rtlCol="0" anchor="ctr"/>
-          <a:lstStyle/>
-          <a:p>
-            <a:pPr algn="ctr"/>
-            <a:endParaRPr kumimoji="1" lang="zh-CN" altLang="en-US" sz="1600" dirty="0">
-              <a:latin typeface="OPPOSans R" panose="00020600040101010101" pitchFamily="18" charset="-122"/>
-              <a:ea typeface="OPPOSans R" panose="00020600040101010101" pitchFamily="18" charset="-122"/>
-            </a:endParaRPr>
-          </a:p>
-        </p:txBody>
-      </p:sp>
-      <p:pic>
-        <p:nvPicPr>
-          <p:cNvPr id="40" name="图片 39" descr="微信图片_20210609194104"/>
-          <p:cNvPicPr>
-            <a:picLocks noChangeAspect="1"/>
-          </p:cNvPicPr>
-          <p:nvPr/>
-        </p:nvPicPr>
-        <p:blipFill>
-          <a:blip r:embed="rId3"/>
-          <a:stretch>
-            <a:fillRect/>
-          </a:stretch>
-        </p:blipFill>
-        <p:spPr>
-          <a:xfrm>
-            <a:off x="8303298" y="453877"/>
-            <a:ext cx="3533140" cy="533400"/>
-          </a:xfrm>
-          <a:prstGeom prst="rect">
-            <a:avLst/>
-          </a:prstGeom>
-        </p:spPr>
-      </p:pic>
-      <p:sp>
-        <p:nvSpPr>
-          <p:cNvPr id="8" name="文本框 7"/>
-          <p:cNvSpPr txBox="1"/>
-          <p:nvPr/>
-        </p:nvSpPr>
-        <p:spPr>
-          <a:xfrm>
-            <a:off x="959552" y="1500598"/>
-            <a:ext cx="9753600" cy="540341"/>
-          </a:xfrm>
-          <a:prstGeom prst="rect">
-            <a:avLst/>
-          </a:prstGeom>
-          <a:noFill/>
-        </p:spPr>
-        <p:txBody>
-          <a:bodyPr wrap="square" rtlCol="0">
-            <a:spAutoFit/>
-          </a:bodyPr>
-          <a:lstStyle/>
-          <a:p>
-            <a:pPr>
-              <a:lnSpc>
-                <a:spcPct val="150000"/>
-              </a:lnSpc>
-            </a:pPr>
-            <a:r>
-              <a:rPr lang="zh-CN" altLang="en-US" sz="2200" dirty="0" smtClean="0">
-                <a:latin typeface="微软雅黑" panose="020B0503020204020204" pitchFamily="34" charset="-122"/>
-                <a:ea typeface="微软雅黑" panose="020B0503020204020204" pitchFamily="34" charset="-122"/>
-              </a:rPr>
-              <a:t>常见的</a:t>
-            </a:r>
-            <a:r>
-              <a:rPr lang="en-US" altLang="zh-CN" sz="2200" dirty="0" err="1" smtClean="0">
-                <a:latin typeface="微软雅黑" panose="020B0503020204020204" pitchFamily="34" charset="-122"/>
-                <a:ea typeface="微软雅黑" panose="020B0503020204020204" pitchFamily="34" charset="-122"/>
-              </a:rPr>
-              <a:t>Git</a:t>
-            </a:r>
-            <a:r>
-              <a:rPr lang="zh-CN" altLang="en-US" sz="2200" dirty="0" smtClean="0">
-                <a:latin typeface="微软雅黑" panose="020B0503020204020204" pitchFamily="34" charset="-122"/>
-                <a:ea typeface="微软雅黑" panose="020B0503020204020204" pitchFamily="34" charset="-122"/>
-              </a:rPr>
-              <a:t>图形操作软件</a:t>
-            </a:r>
-            <a:endParaRPr lang="en-US" altLang="zh-CN" sz="2200" dirty="0" smtClean="0">
-              <a:latin typeface="微软雅黑" panose="020B0503020204020204" pitchFamily="34" charset="-122"/>
-              <a:ea typeface="微软雅黑" panose="020B0503020204020204" pitchFamily="34" charset="-122"/>
-            </a:endParaRPr>
-          </a:p>
-        </p:txBody>
-      </p:sp>
-      <p:sp>
-        <p:nvSpPr>
-          <p:cNvPr id="9" name="文本框 8"/>
-          <p:cNvSpPr txBox="1"/>
-          <p:nvPr/>
-        </p:nvSpPr>
-        <p:spPr>
-          <a:xfrm>
-            <a:off x="959551" y="904570"/>
-            <a:ext cx="5105087" cy="369332"/>
-          </a:xfrm>
-          <a:prstGeom prst="rect">
-            <a:avLst/>
-          </a:prstGeom>
-          <a:noFill/>
-        </p:spPr>
-        <p:txBody>
-          <a:bodyPr wrap="square">
-            <a:spAutoFit/>
-          </a:bodyPr>
-          <a:lstStyle/>
-          <a:p>
-            <a:r>
-              <a:rPr lang="zh-CN" altLang="en-US" dirty="0" smtClean="0">
-                <a:solidFill>
-                  <a:schemeClr val="tx1">
-                    <a:lumMod val="50000"/>
-                    <a:lumOff val="50000"/>
-                  </a:schemeClr>
-                </a:solidFill>
-                <a:latin typeface="OPPOSans R" panose="00020600040101010101" pitchFamily="18" charset="-122"/>
-                <a:ea typeface="OPPOSans R" panose="00020600040101010101" pitchFamily="18" charset="-122"/>
-                <a:cs typeface="OPPOSans R" panose="00020600040101010101" pitchFamily="18" charset="-122"/>
-              </a:rPr>
-              <a:t>常用命令</a:t>
-            </a:r>
-            <a:endParaRPr lang="zh-CN" altLang="en-US" dirty="0">
-              <a:solidFill>
-                <a:schemeClr val="tx1">
-                  <a:lumMod val="50000"/>
-                  <a:lumOff val="50000"/>
-                </a:schemeClr>
-              </a:solidFill>
-              <a:latin typeface="OPPOSans R" panose="00020600040101010101" pitchFamily="18" charset="-122"/>
-              <a:ea typeface="OPPOSans R" panose="00020600040101010101" pitchFamily="18" charset="-122"/>
-              <a:cs typeface="OPPOSans R" panose="00020600040101010101" pitchFamily="18" charset="-122"/>
-            </a:endParaRPr>
-          </a:p>
-        </p:txBody>
-      </p:sp>
-    </p:spTree>
-    <p:extLst>
-      <p:ext uri="{BB962C8B-B14F-4D97-AF65-F5344CB8AC3E}">
-        <p14:creationId xmlns:p14="http://schemas.microsoft.com/office/powerpoint/2010/main" val="1885847188"/>
-      </p:ext>
-    </p:extLst>
-  </p:cSld>
-  <p:clrMapOvr>
-    <a:masterClrMapping/>
-  </p:clrMapOvr>
-  <mc:AlternateContent xmlns:mc="http://schemas.openxmlformats.org/markup-compatibility/2006" xmlns:p14="http://schemas.microsoft.com/office/powerpoint/2010/main">
-    <mc:Choice Requires="p14">
-      <p:transition spd="med" p14:dur="700">
-        <p:fade/>
-      </p:transition>
-    </mc:Choice>
-    <mc:Fallback xmlns="">
-      <p:transition spd="med">
-        <p:fade/>
-      </p:transition>
-    </mc:Fallback>
-  </mc:AlternateContent>
-  <p:timing>
-    <p:tnLst>
-      <p:par>
-        <p:cTn id="1" dur="indefinite" restart="never" nodeType="tmRoot"/>
-      </p:par>
-    </p:tnLst>
-  </p:timing>
-</p:sld>
-</file>
-
-<file path=ppt/slides/slide35.xml><?xml version="1.0" encoding="utf-8"?>
 <p:sld xmlns:a="http://schemas.openxmlformats.org/drawingml/2006/main" xmlns:r="http://schemas.openxmlformats.org/officeDocument/2006/relationships" xmlns:p="http://schemas.openxmlformats.org/presentationml/2006/main">
   <p:cSld>
     <p:spTree>
@@ -24590,7 +24909,7 @@
 </p:sld>
 </file>
 
-<file path=ppt/slides/slide36.xml><?xml version="1.0" encoding="utf-8"?>
+<file path=ppt/slides/slide35.xml><?xml version="1.0" encoding="utf-8"?>
 <p:sld xmlns:a="http://schemas.openxmlformats.org/drawingml/2006/main" xmlns:r="http://schemas.openxmlformats.org/officeDocument/2006/relationships" xmlns:p="http://schemas.openxmlformats.org/presentationml/2006/main">
   <p:cSld>
     <p:spTree>
@@ -24777,14 +25096,14 @@
       </p:pic>
       <p:sp>
         <p:nvSpPr>
-          <p:cNvPr id="35" name="文本框 34"/>
+          <p:cNvPr id="8" name="文本框 7"/>
           <p:cNvSpPr txBox="1"/>
           <p:nvPr/>
         </p:nvSpPr>
         <p:spPr>
           <a:xfrm>
-            <a:off x="959552" y="1425054"/>
-            <a:ext cx="9753600" cy="1107996"/>
+            <a:off x="959551" y="1191857"/>
+            <a:ext cx="9753600" cy="2400657"/>
           </a:xfrm>
           <a:prstGeom prst="rect">
             <a:avLst/>
@@ -24803,69 +25122,174 @@
               </a:lnSpc>
             </a:pPr>
             <a:r>
-              <a:rPr lang="zh-CN" altLang="en-US" sz="2200" dirty="0" smtClean="0">
-                <a:latin typeface="微软雅黑" panose="020B0503020204020204" pitchFamily="34" charset="-122"/>
-                <a:ea typeface="微软雅黑" panose="020B0503020204020204" pitchFamily="34" charset="-122"/>
-              </a:rPr>
-              <a:t>既然人人都可以自报家门（自定义</a:t>
-            </a:r>
-            <a:r>
-              <a:rPr lang="en-US" altLang="zh-CN" sz="2200" dirty="0" smtClean="0">
-                <a:latin typeface="微软雅黑" panose="020B0503020204020204" pitchFamily="34" charset="-122"/>
-                <a:ea typeface="微软雅黑" panose="020B0503020204020204" pitchFamily="34" charset="-122"/>
-              </a:rPr>
-              <a:t>user</a:t>
-            </a:r>
-            <a:r>
-              <a:rPr lang="zh-CN" altLang="en-US" sz="2200" dirty="0" smtClean="0">
-                <a:latin typeface="微软雅黑" panose="020B0503020204020204" pitchFamily="34" charset="-122"/>
-                <a:ea typeface="微软雅黑" panose="020B0503020204020204" pitchFamily="34" charset="-122"/>
-              </a:rPr>
-              <a:t>和</a:t>
-            </a:r>
-            <a:r>
-              <a:rPr lang="en-US" altLang="zh-CN" sz="2200" dirty="0" smtClean="0">
-                <a:latin typeface="微软雅黑" panose="020B0503020204020204" pitchFamily="34" charset="-122"/>
-                <a:ea typeface="微软雅黑" panose="020B0503020204020204" pitchFamily="34" charset="-122"/>
-              </a:rPr>
-              <a:t>email</a:t>
-            </a:r>
-            <a:r>
-              <a:rPr lang="zh-CN" altLang="en-US" sz="2200" dirty="0" smtClean="0">
-                <a:latin typeface="微软雅黑" panose="020B0503020204020204" pitchFamily="34" charset="-122"/>
-                <a:ea typeface="微软雅黑" panose="020B0503020204020204" pitchFamily="34" charset="-122"/>
-              </a:rPr>
-              <a:t>），那么如何</a:t>
-            </a:r>
-            <a:r>
-              <a:rPr lang="zh-CN" altLang="en-US" sz="2200" dirty="0">
-                <a:latin typeface="微软雅黑" panose="020B0503020204020204" pitchFamily="34" charset="-122"/>
-                <a:ea typeface="微软雅黑" panose="020B0503020204020204" pitchFamily="34" charset="-122"/>
-              </a:rPr>
-              <a:t>防止别人</a:t>
-            </a:r>
-            <a:r>
-              <a:rPr lang="zh-CN" altLang="en-US" sz="2200" dirty="0" smtClean="0">
-                <a:latin typeface="微软雅黑" panose="020B0503020204020204" pitchFamily="34" charset="-122"/>
-                <a:ea typeface="微软雅黑" panose="020B0503020204020204" pitchFamily="34" charset="-122"/>
-              </a:rPr>
-              <a:t>冒充</a:t>
-            </a:r>
-            <a:r>
-              <a:rPr lang="zh-CN" altLang="en-US" sz="2200" dirty="0">
-                <a:latin typeface="微软雅黑" panose="020B0503020204020204" pitchFamily="34" charset="-122"/>
-                <a:ea typeface="微软雅黑" panose="020B0503020204020204" pitchFamily="34" charset="-122"/>
-              </a:rPr>
-              <a:t>自己</a:t>
-            </a:r>
-            <a:r>
-              <a:rPr lang="zh-CN" altLang="en-US" sz="2200" dirty="0" smtClean="0">
-                <a:latin typeface="微软雅黑" panose="020B0503020204020204" pitchFamily="34" charset="-122"/>
-                <a:ea typeface="微软雅黑" panose="020B0503020204020204" pitchFamily="34" charset="-122"/>
-              </a:rPr>
-              <a:t>身份？</a:t>
-            </a:r>
-            <a:endParaRPr lang="en-US" altLang="zh-CN" sz="2200" dirty="0" smtClean="0">
+              <a:rPr lang="zh-CN" altLang="en-US" sz="2000" dirty="0" smtClean="0">
+                <a:latin typeface="微软雅黑" panose="020B0503020204020204" pitchFamily="34" charset="-122"/>
+                <a:ea typeface="微软雅黑" panose="020B0503020204020204" pitchFamily="34" charset="-122"/>
+              </a:rPr>
+              <a:t>有时候我们必须把某些文件放到</a:t>
+            </a:r>
+            <a:r>
+              <a:rPr lang="zh-CN" altLang="en-US" sz="2000" dirty="0" smtClean="0">
+                <a:latin typeface="微软雅黑" panose="020B0503020204020204" pitchFamily="34" charset="-122"/>
+                <a:ea typeface="微软雅黑" panose="020B0503020204020204" pitchFamily="34" charset="-122"/>
+              </a:rPr>
+              <a:t>本地</a:t>
+            </a:r>
+            <a:r>
+              <a:rPr lang="en-US" altLang="zh-CN" sz="2000" dirty="0" err="1" smtClean="0">
+                <a:latin typeface="微软雅黑" panose="020B0503020204020204" pitchFamily="34" charset="-122"/>
+                <a:ea typeface="微软雅黑" panose="020B0503020204020204" pitchFamily="34" charset="-122"/>
+              </a:rPr>
+              <a:t>git</a:t>
+            </a:r>
+            <a:r>
+              <a:rPr lang="zh-CN" altLang="en-US" sz="2000" dirty="0" smtClean="0">
+                <a:latin typeface="微软雅黑" panose="020B0503020204020204" pitchFamily="34" charset="-122"/>
+                <a:ea typeface="微软雅黑" panose="020B0503020204020204" pitchFamily="34" charset="-122"/>
+              </a:rPr>
+              <a:t>仓库，但是又不能提交他们</a:t>
+            </a:r>
+            <a:r>
+              <a:rPr lang="zh-CN" altLang="en-US" sz="2000" dirty="0">
+                <a:latin typeface="微软雅黑" panose="020B0503020204020204" pitchFamily="34" charset="-122"/>
+                <a:ea typeface="微软雅黑" panose="020B0503020204020204" pitchFamily="34" charset="-122"/>
+              </a:rPr>
+              <a:t>，</a:t>
+            </a:r>
+            <a:r>
+              <a:rPr lang="zh-CN" altLang="en-US" sz="2000" dirty="0" smtClean="0">
+                <a:latin typeface="微软雅黑" panose="020B0503020204020204" pitchFamily="34" charset="-122"/>
+                <a:ea typeface="微软雅黑" panose="020B0503020204020204" pitchFamily="34" charset="-122"/>
+              </a:rPr>
+              <a:t>例如保存</a:t>
+            </a:r>
+            <a:r>
+              <a:rPr lang="zh-CN" altLang="en-US" sz="2000" dirty="0">
+                <a:latin typeface="微软雅黑" panose="020B0503020204020204" pitchFamily="34" charset="-122"/>
+                <a:ea typeface="微软雅黑" panose="020B0503020204020204" pitchFamily="34" charset="-122"/>
+              </a:rPr>
+              <a:t>了数据库密码的配置文件等等</a:t>
+            </a:r>
+            <a:r>
+              <a:rPr lang="zh-CN" altLang="en-US" sz="2000" dirty="0" smtClean="0">
+                <a:latin typeface="微软雅黑" panose="020B0503020204020204" pitchFamily="34" charset="-122"/>
+                <a:ea typeface="微软雅黑" panose="020B0503020204020204" pitchFamily="34" charset="-122"/>
+              </a:rPr>
+              <a:t>，这样导致每次</a:t>
+            </a:r>
+            <a:r>
+              <a:rPr lang="en-US" altLang="zh-CN" sz="2000" dirty="0" err="1">
+                <a:latin typeface="微软雅黑" panose="020B0503020204020204" pitchFamily="34" charset="-122"/>
+                <a:ea typeface="微软雅黑" panose="020B0503020204020204" pitchFamily="34" charset="-122"/>
+              </a:rPr>
+              <a:t>git</a:t>
+            </a:r>
+            <a:r>
+              <a:rPr lang="en-US" altLang="zh-CN" sz="2000" dirty="0">
+                <a:latin typeface="微软雅黑" panose="020B0503020204020204" pitchFamily="34" charset="-122"/>
+                <a:ea typeface="微软雅黑" panose="020B0503020204020204" pitchFamily="34" charset="-122"/>
+              </a:rPr>
+              <a:t> status</a:t>
+            </a:r>
+            <a:r>
+              <a:rPr lang="zh-CN" altLang="en-US" sz="2000" dirty="0">
+                <a:latin typeface="微软雅黑" panose="020B0503020204020204" pitchFamily="34" charset="-122"/>
+                <a:ea typeface="微软雅黑" panose="020B0503020204020204" pitchFamily="34" charset="-122"/>
+              </a:rPr>
+              <a:t>都会显示</a:t>
+            </a:r>
+            <a:r>
+              <a:rPr lang="en-US" altLang="zh-CN" sz="2000" dirty="0">
+                <a:latin typeface="微软雅黑" panose="020B0503020204020204" pitchFamily="34" charset="-122"/>
+                <a:ea typeface="微软雅黑" panose="020B0503020204020204" pitchFamily="34" charset="-122"/>
+              </a:rPr>
+              <a:t>Untracked files ...</a:t>
+            </a:r>
+            <a:r>
+              <a:rPr lang="zh-CN" altLang="en-US" sz="2000" dirty="0">
+                <a:latin typeface="微软雅黑" panose="020B0503020204020204" pitchFamily="34" charset="-122"/>
+                <a:ea typeface="微软雅黑" panose="020B0503020204020204" pitchFamily="34" charset="-122"/>
+              </a:rPr>
+              <a:t>，有强迫症</a:t>
+            </a:r>
+            <a:r>
+              <a:rPr lang="zh-CN" altLang="en-US" sz="2000" dirty="0" smtClean="0">
+                <a:latin typeface="微软雅黑" panose="020B0503020204020204" pitchFamily="34" charset="-122"/>
+                <a:ea typeface="微软雅黑" panose="020B0503020204020204" pitchFamily="34" charset="-122"/>
+              </a:rPr>
+              <a:t>的看着不舒服。因此我们需要在</a:t>
+            </a:r>
+            <a:r>
+              <a:rPr lang="en-US" altLang="zh-CN" sz="2000" dirty="0" err="1">
+                <a:latin typeface="微软雅黑" panose="020B0503020204020204" pitchFamily="34" charset="-122"/>
+                <a:ea typeface="微软雅黑" panose="020B0503020204020204" pitchFamily="34" charset="-122"/>
+              </a:rPr>
+              <a:t>Git</a:t>
+            </a:r>
+            <a:r>
+              <a:rPr lang="zh-CN" altLang="en-US" sz="2000" dirty="0">
+                <a:latin typeface="微软雅黑" panose="020B0503020204020204" pitchFamily="34" charset="-122"/>
+                <a:ea typeface="微软雅黑" panose="020B0503020204020204" pitchFamily="34" charset="-122"/>
+              </a:rPr>
+              <a:t>工作区的根目录下创建一个特殊的</a:t>
+            </a:r>
+            <a:r>
+              <a:rPr lang="en-US" altLang="zh-CN" sz="2000" dirty="0">
+                <a:latin typeface="微软雅黑" panose="020B0503020204020204" pitchFamily="34" charset="-122"/>
+                <a:ea typeface="微软雅黑" panose="020B0503020204020204" pitchFamily="34" charset="-122"/>
+              </a:rPr>
+              <a:t>.</a:t>
+            </a:r>
+            <a:r>
+              <a:rPr lang="en-US" altLang="zh-CN" sz="2000" dirty="0" err="1">
+                <a:latin typeface="微软雅黑" panose="020B0503020204020204" pitchFamily="34" charset="-122"/>
+                <a:ea typeface="微软雅黑" panose="020B0503020204020204" pitchFamily="34" charset="-122"/>
+              </a:rPr>
+              <a:t>gitignore</a:t>
+            </a:r>
+            <a:r>
+              <a:rPr lang="zh-CN" altLang="en-US" sz="2000" dirty="0">
+                <a:latin typeface="微软雅黑" panose="020B0503020204020204" pitchFamily="34" charset="-122"/>
+                <a:ea typeface="微软雅黑" panose="020B0503020204020204" pitchFamily="34" charset="-122"/>
+              </a:rPr>
+              <a:t>文件，然后把要忽略的文件名填进去，</a:t>
+            </a:r>
+            <a:r>
+              <a:rPr lang="en-US" altLang="zh-CN" sz="2000" dirty="0" err="1">
+                <a:latin typeface="微软雅黑" panose="020B0503020204020204" pitchFamily="34" charset="-122"/>
+                <a:ea typeface="微软雅黑" panose="020B0503020204020204" pitchFamily="34" charset="-122"/>
+              </a:rPr>
+              <a:t>Git</a:t>
+            </a:r>
+            <a:r>
+              <a:rPr lang="zh-CN" altLang="en-US" sz="2000" dirty="0">
+                <a:latin typeface="微软雅黑" panose="020B0503020204020204" pitchFamily="34" charset="-122"/>
+                <a:ea typeface="微软雅黑" panose="020B0503020204020204" pitchFamily="34" charset="-122"/>
+              </a:rPr>
+              <a:t>就会自动忽略这些</a:t>
+            </a:r>
+            <a:r>
+              <a:rPr lang="zh-CN" altLang="en-US" sz="2000" dirty="0" smtClean="0">
+                <a:latin typeface="微软雅黑" panose="020B0503020204020204" pitchFamily="34" charset="-122"/>
+                <a:ea typeface="微软雅黑" panose="020B0503020204020204" pitchFamily="34" charset="-122"/>
+              </a:rPr>
+              <a:t>文件，常见的配置文件可以参考</a:t>
+            </a:r>
+            <a:r>
+              <a:rPr lang="en-US" altLang="zh-CN" sz="2000" dirty="0" smtClean="0">
+                <a:latin typeface="微软雅黑" panose="020B0503020204020204" pitchFamily="34" charset="-122"/>
+                <a:ea typeface="微软雅黑" panose="020B0503020204020204" pitchFamily="34" charset="-122"/>
+              </a:rPr>
+              <a:t>https</a:t>
+            </a:r>
+            <a:r>
+              <a:rPr lang="en-US" altLang="zh-CN" sz="2000" dirty="0">
+                <a:latin typeface="微软雅黑" panose="020B0503020204020204" pitchFamily="34" charset="-122"/>
+                <a:ea typeface="微软雅黑" panose="020B0503020204020204" pitchFamily="34" charset="-122"/>
+              </a:rPr>
+              <a:t>://github.com/github/gitignore</a:t>
+            </a:r>
+            <a:endParaRPr lang="en-US" altLang="zh-CN" sz="2000" dirty="0" smtClean="0">
               <a:latin typeface="微软雅黑" panose="020B0503020204020204" pitchFamily="34" charset="-122"/>
               <a:ea typeface="微软雅黑" panose="020B0503020204020204" pitchFamily="34" charset="-122"/>
             </a:endParaRPr>
@@ -24874,329 +25298,7 @@
       </p:sp>
       <p:sp>
         <p:nvSpPr>
-          <p:cNvPr id="8" name="文本框 7"/>
-          <p:cNvSpPr txBox="1"/>
-          <p:nvPr/>
-        </p:nvSpPr>
-        <p:spPr>
-          <a:xfrm>
-            <a:off x="959551" y="3334705"/>
-            <a:ext cx="9753600" cy="3000821"/>
-          </a:xfrm>
-          <a:prstGeom prst="rect">
-            <a:avLst/>
-          </a:prstGeom>
-          <a:noFill/>
-        </p:spPr>
-        <p:txBody>
-          <a:bodyPr wrap="square" rtlCol="0">
-            <a:spAutoFit/>
-          </a:bodyPr>
-          <a:lstStyle/>
-          <a:p>
-            <a:pPr>
-              <a:lnSpc>
-                <a:spcPct val="150000"/>
-              </a:lnSpc>
-            </a:pPr>
-            <a:r>
-              <a:rPr lang="zh-CN" altLang="en-US" dirty="0" smtClean="0">
-                <a:latin typeface="微软雅黑" panose="020B0503020204020204" pitchFamily="34" charset="-122"/>
-                <a:ea typeface="微软雅黑" panose="020B0503020204020204" pitchFamily="34" charset="-122"/>
-              </a:rPr>
-              <a:t>我们可以使用</a:t>
-            </a:r>
-            <a:r>
-              <a:rPr lang="en-US" altLang="zh-CN" dirty="0" smtClean="0">
-                <a:latin typeface="微软雅黑" panose="020B0503020204020204" pitchFamily="34" charset="-122"/>
-                <a:ea typeface="微软雅黑" panose="020B0503020204020204" pitchFamily="34" charset="-122"/>
-              </a:rPr>
-              <a:t>GPG key</a:t>
-            </a:r>
-            <a:r>
-              <a:rPr lang="zh-CN" altLang="en-US" dirty="0" smtClean="0">
-                <a:latin typeface="微软雅黑" panose="020B0503020204020204" pitchFamily="34" charset="-122"/>
-                <a:ea typeface="微软雅黑" panose="020B0503020204020204" pitchFamily="34" charset="-122"/>
-              </a:rPr>
-              <a:t>来证明</a:t>
-            </a:r>
-            <a:r>
-              <a:rPr lang="en-US" altLang="zh-CN" dirty="0" smtClean="0">
-                <a:latin typeface="微软雅黑" panose="020B0503020204020204" pitchFamily="34" charset="-122"/>
-                <a:ea typeface="微软雅黑" panose="020B0503020204020204" pitchFamily="34" charset="-122"/>
-              </a:rPr>
-              <a:t>commit</a:t>
-            </a:r>
-            <a:r>
-              <a:rPr lang="zh-CN" altLang="en-US" dirty="0" smtClean="0">
-                <a:latin typeface="微软雅黑" panose="020B0503020204020204" pitchFamily="34" charset="-122"/>
-                <a:ea typeface="微软雅黑" panose="020B0503020204020204" pitchFamily="34" charset="-122"/>
-              </a:rPr>
-              <a:t>著作权。</a:t>
-            </a:r>
-            <a:r>
-              <a:rPr lang="en-US" altLang="zh-CN" dirty="0" smtClean="0">
-                <a:latin typeface="微软雅黑" panose="020B0503020204020204" pitchFamily="34" charset="-122"/>
-                <a:ea typeface="微软雅黑" panose="020B0503020204020204" pitchFamily="34" charset="-122"/>
-              </a:rPr>
-              <a:t>GPG </a:t>
-            </a:r>
-            <a:r>
-              <a:rPr lang="zh-CN" altLang="en-US" dirty="0">
-                <a:latin typeface="微软雅黑" panose="020B0503020204020204" pitchFamily="34" charset="-122"/>
-                <a:ea typeface="微软雅黑" panose="020B0503020204020204" pitchFamily="34" charset="-122"/>
-              </a:rPr>
-              <a:t>全称为 </a:t>
-            </a:r>
-            <a:r>
-              <a:rPr lang="en-US" altLang="zh-CN" dirty="0">
-                <a:latin typeface="微软雅黑" panose="020B0503020204020204" pitchFamily="34" charset="-122"/>
-                <a:ea typeface="微软雅黑" panose="020B0503020204020204" pitchFamily="34" charset="-122"/>
-              </a:rPr>
-              <a:t>GNU Privacy Guard</a:t>
-            </a:r>
-            <a:r>
-              <a:rPr lang="zh-CN" altLang="en-US" dirty="0">
-                <a:latin typeface="微软雅黑" panose="020B0503020204020204" pitchFamily="34" charset="-122"/>
-                <a:ea typeface="微软雅黑" panose="020B0503020204020204" pitchFamily="34" charset="-122"/>
-              </a:rPr>
-              <a:t>，</a:t>
-            </a:r>
-            <a:r>
-              <a:rPr lang="en-US" altLang="zh-CN" dirty="0">
-                <a:latin typeface="微软雅黑" panose="020B0503020204020204" pitchFamily="34" charset="-122"/>
-                <a:ea typeface="微软雅黑" panose="020B0503020204020204" pitchFamily="34" charset="-122"/>
-              </a:rPr>
-              <a:t>GPG </a:t>
-            </a:r>
-            <a:r>
-              <a:rPr lang="zh-CN" altLang="en-US" dirty="0">
-                <a:latin typeface="微软雅黑" panose="020B0503020204020204" pitchFamily="34" charset="-122"/>
-                <a:ea typeface="微软雅黑" panose="020B0503020204020204" pitchFamily="34" charset="-122"/>
-              </a:rPr>
-              <a:t>通过非对称加密来帮助我们从密码学的角度证明「我是我」，也从而证明「这不一定真的是我</a:t>
-            </a:r>
-            <a:r>
-              <a:rPr lang="zh-CN" altLang="en-US" dirty="0" smtClean="0">
-                <a:latin typeface="微软雅黑" panose="020B0503020204020204" pitchFamily="34" charset="-122"/>
-                <a:ea typeface="微软雅黑" panose="020B0503020204020204" pitchFamily="34" charset="-122"/>
-              </a:rPr>
-              <a:t>」</a:t>
-            </a:r>
-            <a:endParaRPr lang="en-US" altLang="zh-CN" dirty="0" smtClean="0">
-              <a:latin typeface="微软雅黑" panose="020B0503020204020204" pitchFamily="34" charset="-122"/>
-              <a:ea typeface="微软雅黑" panose="020B0503020204020204" pitchFamily="34" charset="-122"/>
-            </a:endParaRPr>
-          </a:p>
-          <a:p>
-            <a:pPr>
-              <a:lnSpc>
-                <a:spcPct val="150000"/>
-              </a:lnSpc>
-            </a:pPr>
-            <a:r>
-              <a:rPr lang="en-US" altLang="zh-CN" dirty="0">
-                <a:latin typeface="微软雅黑" panose="020B0503020204020204" pitchFamily="34" charset="-122"/>
-                <a:ea typeface="微软雅黑" panose="020B0503020204020204" pitchFamily="34" charset="-122"/>
-              </a:rPr>
-              <a:t>GPG </a:t>
-            </a:r>
-            <a:r>
-              <a:rPr lang="zh-CN" altLang="en-US" dirty="0">
-                <a:latin typeface="微软雅黑" panose="020B0503020204020204" pitchFamily="34" charset="-122"/>
-                <a:ea typeface="微软雅黑" panose="020B0503020204020204" pitchFamily="34" charset="-122"/>
-              </a:rPr>
-              <a:t>密钥</a:t>
-            </a:r>
-            <a:r>
-              <a:rPr lang="zh-CN" altLang="en-US" dirty="0" smtClean="0">
-                <a:latin typeface="微软雅黑" panose="020B0503020204020204" pitchFamily="34" charset="-122"/>
-                <a:ea typeface="微软雅黑" panose="020B0503020204020204" pitchFamily="34" charset="-122"/>
-              </a:rPr>
-              <a:t>和之前提到的 </a:t>
-            </a:r>
-            <a:r>
-              <a:rPr lang="en-US" altLang="zh-CN" dirty="0">
-                <a:latin typeface="微软雅黑" panose="020B0503020204020204" pitchFamily="34" charset="-122"/>
-                <a:ea typeface="微软雅黑" panose="020B0503020204020204" pitchFamily="34" charset="-122"/>
-              </a:rPr>
-              <a:t>SSH </a:t>
-            </a:r>
-            <a:r>
-              <a:rPr lang="zh-CN" altLang="en-US" dirty="0">
-                <a:latin typeface="微软雅黑" panose="020B0503020204020204" pitchFamily="34" charset="-122"/>
-                <a:ea typeface="微软雅黑" panose="020B0503020204020204" pitchFamily="34" charset="-122"/>
-              </a:rPr>
-              <a:t>密钥并不一样，后者 </a:t>
-            </a:r>
-            <a:r>
-              <a:rPr lang="en-US" altLang="zh-CN" dirty="0">
-                <a:latin typeface="微软雅黑" panose="020B0503020204020204" pitchFamily="34" charset="-122"/>
-                <a:ea typeface="微软雅黑" panose="020B0503020204020204" pitchFamily="34" charset="-122"/>
-              </a:rPr>
-              <a:t>SSH </a:t>
-            </a:r>
-            <a:r>
-              <a:rPr lang="zh-CN" altLang="en-US" dirty="0" smtClean="0">
-                <a:latin typeface="微软雅黑" panose="020B0503020204020204" pitchFamily="34" charset="-122"/>
-                <a:ea typeface="微软雅黑" panose="020B0503020204020204" pitchFamily="34" charset="-122"/>
-              </a:rPr>
-              <a:t>密钥是</a:t>
-            </a:r>
-            <a:r>
-              <a:rPr lang="zh-CN" altLang="en-US" dirty="0">
-                <a:latin typeface="微软雅黑" panose="020B0503020204020204" pitchFamily="34" charset="-122"/>
-                <a:ea typeface="微软雅黑" panose="020B0503020204020204" pitchFamily="34" charset="-122"/>
-              </a:rPr>
-              <a:t>为了向 </a:t>
-            </a:r>
-            <a:r>
-              <a:rPr lang="en-US" altLang="zh-CN" dirty="0">
-                <a:latin typeface="微软雅黑" panose="020B0503020204020204" pitchFamily="34" charset="-122"/>
-                <a:ea typeface="微软雅黑" panose="020B0503020204020204" pitchFamily="34" charset="-122"/>
-              </a:rPr>
-              <a:t>GitHub </a:t>
-            </a:r>
-            <a:r>
-              <a:rPr lang="zh-CN" altLang="en-US" dirty="0">
-                <a:latin typeface="微软雅黑" panose="020B0503020204020204" pitchFamily="34" charset="-122"/>
-                <a:ea typeface="微软雅黑" panose="020B0503020204020204" pitchFamily="34" charset="-122"/>
-              </a:rPr>
-              <a:t>证明身份，用于向我们拥有权限的仓库中进行 </a:t>
-            </a:r>
-            <a:r>
-              <a:rPr lang="en-US" altLang="zh-CN" dirty="0">
-                <a:latin typeface="微软雅黑" panose="020B0503020204020204" pitchFamily="34" charset="-122"/>
-                <a:ea typeface="微软雅黑" panose="020B0503020204020204" pitchFamily="34" charset="-122"/>
-              </a:rPr>
-              <a:t>commit</a:t>
-            </a:r>
-            <a:r>
-              <a:rPr lang="zh-CN" altLang="en-US" dirty="0">
-                <a:latin typeface="微软雅黑" panose="020B0503020204020204" pitchFamily="34" charset="-122"/>
-                <a:ea typeface="微软雅黑" panose="020B0503020204020204" pitchFamily="34" charset="-122"/>
-              </a:rPr>
-              <a:t>，而前者 </a:t>
-            </a:r>
-            <a:r>
-              <a:rPr lang="en-US" altLang="zh-CN" dirty="0">
-                <a:latin typeface="微软雅黑" panose="020B0503020204020204" pitchFamily="34" charset="-122"/>
-                <a:ea typeface="微软雅黑" panose="020B0503020204020204" pitchFamily="34" charset="-122"/>
-              </a:rPr>
-              <a:t>GPG key </a:t>
-            </a:r>
-            <a:r>
-              <a:rPr lang="zh-CN" altLang="en-US" dirty="0">
-                <a:latin typeface="微软雅黑" panose="020B0503020204020204" pitchFamily="34" charset="-122"/>
-                <a:ea typeface="微软雅黑" panose="020B0503020204020204" pitchFamily="34" charset="-122"/>
-              </a:rPr>
-              <a:t>则是</a:t>
-            </a:r>
-            <a:r>
-              <a:rPr lang="zh-CN" altLang="en-US" dirty="0" smtClean="0">
-                <a:latin typeface="微软雅黑" panose="020B0503020204020204" pitchFamily="34" charset="-122"/>
-                <a:ea typeface="微软雅黑" panose="020B0503020204020204" pitchFamily="34" charset="-122"/>
-              </a:rPr>
-              <a:t>为了提交这次</a:t>
-            </a:r>
-            <a:r>
-              <a:rPr lang="en-US" altLang="zh-CN" dirty="0" err="1" smtClean="0">
-                <a:latin typeface="微软雅黑" panose="020B0503020204020204" pitchFamily="34" charset="-122"/>
-                <a:ea typeface="微软雅黑" panose="020B0503020204020204" pitchFamily="34" charset="-122"/>
-              </a:rPr>
-              <a:t>commite</a:t>
-            </a:r>
-            <a:r>
-              <a:rPr lang="zh-CN" altLang="en-US" dirty="0" smtClean="0">
-                <a:latin typeface="微软雅黑" panose="020B0503020204020204" pitchFamily="34" charset="-122"/>
-                <a:ea typeface="微软雅黑" panose="020B0503020204020204" pitchFamily="34" charset="-122"/>
-              </a:rPr>
-              <a:t>的是我本人。</a:t>
-            </a:r>
-            <a:r>
-              <a:rPr lang="zh-CN" altLang="en-US" dirty="0">
-                <a:latin typeface="微软雅黑" panose="020B0503020204020204" pitchFamily="34" charset="-122"/>
-                <a:ea typeface="微软雅黑" panose="020B0503020204020204" pitchFamily="34" charset="-122"/>
-              </a:rPr>
-              <a:t>也只有用 </a:t>
-            </a:r>
-            <a:r>
-              <a:rPr lang="en-US" altLang="zh-CN" dirty="0">
-                <a:latin typeface="微软雅黑" panose="020B0503020204020204" pitchFamily="34" charset="-122"/>
-                <a:ea typeface="微软雅黑" panose="020B0503020204020204" pitchFamily="34" charset="-122"/>
-              </a:rPr>
-              <a:t>GPG </a:t>
-            </a:r>
-            <a:r>
-              <a:rPr lang="zh-CN" altLang="en-US" dirty="0">
-                <a:latin typeface="微软雅黑" panose="020B0503020204020204" pitchFamily="34" charset="-122"/>
-                <a:ea typeface="微软雅黑" panose="020B0503020204020204" pitchFamily="34" charset="-122"/>
-              </a:rPr>
-              <a:t>私钥签名的 </a:t>
-            </a:r>
-            <a:r>
-              <a:rPr lang="en-US" altLang="zh-CN" dirty="0">
-                <a:latin typeface="微软雅黑" panose="020B0503020204020204" pitchFamily="34" charset="-122"/>
-                <a:ea typeface="微软雅黑" panose="020B0503020204020204" pitchFamily="34" charset="-122"/>
-              </a:rPr>
-              <a:t>commit </a:t>
-            </a:r>
-            <a:r>
-              <a:rPr lang="zh-CN" altLang="en-US" dirty="0">
-                <a:latin typeface="微软雅黑" panose="020B0503020204020204" pitchFamily="34" charset="-122"/>
-                <a:ea typeface="微软雅黑" panose="020B0503020204020204" pitchFamily="34" charset="-122"/>
-              </a:rPr>
-              <a:t>在 </a:t>
-            </a:r>
-            <a:r>
-              <a:rPr lang="en-US" altLang="zh-CN" dirty="0">
-                <a:latin typeface="微软雅黑" panose="020B0503020204020204" pitchFamily="34" charset="-122"/>
-                <a:ea typeface="微软雅黑" panose="020B0503020204020204" pitchFamily="34" charset="-122"/>
-              </a:rPr>
-              <a:t>GitHub </a:t>
-            </a:r>
-            <a:r>
-              <a:rPr lang="zh-CN" altLang="en-US" dirty="0">
-                <a:latin typeface="微软雅黑" panose="020B0503020204020204" pitchFamily="34" charset="-122"/>
-                <a:ea typeface="微软雅黑" panose="020B0503020204020204" pitchFamily="34" charset="-122"/>
-              </a:rPr>
-              <a:t>上才会显示如下图的 </a:t>
-            </a:r>
-            <a:r>
-              <a:rPr lang="en-US" altLang="zh-CN" dirty="0">
-                <a:latin typeface="微软雅黑" panose="020B0503020204020204" pitchFamily="34" charset="-122"/>
-                <a:ea typeface="微软雅黑" panose="020B0503020204020204" pitchFamily="34" charset="-122"/>
-              </a:rPr>
-              <a:t>Verified </a:t>
-            </a:r>
-            <a:r>
-              <a:rPr lang="zh-CN" altLang="en-US" dirty="0">
-                <a:latin typeface="微软雅黑" panose="020B0503020204020204" pitchFamily="34" charset="-122"/>
-                <a:ea typeface="微软雅黑" panose="020B0503020204020204" pitchFamily="34" charset="-122"/>
-              </a:rPr>
-              <a:t>绿色钦定小标标。</a:t>
-            </a:r>
-            <a:endParaRPr lang="en-US" altLang="zh-CN" dirty="0" smtClean="0">
-              <a:latin typeface="微软雅黑" panose="020B0503020204020204" pitchFamily="34" charset="-122"/>
-              <a:ea typeface="微软雅黑" panose="020B0503020204020204" pitchFamily="34" charset="-122"/>
-            </a:endParaRPr>
-          </a:p>
-          <a:p>
-            <a:pPr>
-              <a:lnSpc>
-                <a:spcPct val="150000"/>
-              </a:lnSpc>
-            </a:pPr>
-            <a:endParaRPr lang="en-US" altLang="zh-CN" dirty="0" smtClean="0">
-              <a:latin typeface="微软雅黑" panose="020B0503020204020204" pitchFamily="34" charset="-122"/>
-              <a:ea typeface="微软雅黑" panose="020B0503020204020204" pitchFamily="34" charset="-122"/>
-            </a:endParaRPr>
-          </a:p>
-        </p:txBody>
-      </p:sp>
-      <p:sp>
-        <p:nvSpPr>
-          <p:cNvPr id="12" name="文本框 11"/>
+          <p:cNvPr id="9" name="文本框 8"/>
           <p:cNvSpPr txBox="1"/>
           <p:nvPr/>
         </p:nvSpPr>
@@ -25228,7 +25330,7 @@
                 <a:ea typeface="OPPOSans R" panose="00020600040101010101" pitchFamily="18" charset="-122"/>
                 <a:cs typeface="OPPOSans R" panose="00020600040101010101" pitchFamily="18" charset="-122"/>
               </a:rPr>
-              <a:t>防冒名顶替</a:t>
+              <a:t>忽略特殊文件</a:t>
             </a:r>
             <a:endParaRPr lang="zh-CN" altLang="en-US" dirty="0">
               <a:solidFill>
@@ -25244,16 +25346,113 @@
           </a:p>
         </p:txBody>
       </p:sp>
-      <p:sp>
-        <p:nvSpPr>
-          <p:cNvPr id="13" name="文本框 12"/>
+      <p:pic>
+        <p:nvPicPr>
+          <p:cNvPr id="2" name="图片 1"/>
+          <p:cNvPicPr>
+            <a:picLocks noChangeAspect="1"/>
+          </p:cNvPicPr>
+          <p:nvPr/>
+        </p:nvPicPr>
+        <p:blipFill>
+          <a:blip r:embed="rId4"/>
+          <a:stretch>
+            <a:fillRect/>
+          </a:stretch>
+        </p:blipFill>
+        <p:spPr>
+          <a:xfrm>
+            <a:off x="1162594" y="3697842"/>
+            <a:ext cx="3411830" cy="2978457"/>
+          </a:xfrm>
+          <a:prstGeom prst="rect">
+            <a:avLst/>
+          </a:prstGeom>
+        </p:spPr>
+      </p:pic>
+      <p:pic>
+        <p:nvPicPr>
+          <p:cNvPr id="3" name="图片 2"/>
+          <p:cNvPicPr>
+            <a:picLocks noChangeAspect="1"/>
+          </p:cNvPicPr>
+          <p:nvPr/>
+        </p:nvPicPr>
+        <p:blipFill>
+          <a:blip r:embed="rId5"/>
+          <a:stretch>
+            <a:fillRect/>
+          </a:stretch>
+        </p:blipFill>
+        <p:spPr>
+          <a:xfrm>
+            <a:off x="6583718" y="3721125"/>
+            <a:ext cx="3704088" cy="2955174"/>
+          </a:xfrm>
+          <a:prstGeom prst="rect">
+            <a:avLst/>
+          </a:prstGeom>
+        </p:spPr>
+      </p:pic>
+    </p:spTree>
+    <p:extLst>
+      <p:ext uri="{BB962C8B-B14F-4D97-AF65-F5344CB8AC3E}">
+        <p14:creationId xmlns:p14="http://schemas.microsoft.com/office/powerpoint/2010/main" val="2086891413"/>
+      </p:ext>
+    </p:extLst>
+  </p:cSld>
+  <p:clrMapOvr>
+    <a:masterClrMapping/>
+  </p:clrMapOvr>
+  <mc:AlternateContent xmlns:mc="http://schemas.openxmlformats.org/markup-compatibility/2006" xmlns:p14="http://schemas.microsoft.com/office/powerpoint/2010/main">
+    <mc:Choice Requires="p14">
+      <p:transition spd="med" p14:dur="700">
+        <p:fade/>
+      </p:transition>
+    </mc:Choice>
+    <mc:Fallback xmlns="">
+      <p:transition spd="med">
+        <p:fade/>
+      </p:transition>
+    </mc:Fallback>
+  </mc:AlternateContent>
+  <p:timing>
+    <p:tnLst>
+      <p:par>
+        <p:cTn id="1" dur="indefinite" restart="never" nodeType="tmRoot"/>
+      </p:par>
+    </p:tnLst>
+  </p:timing>
+</p:sld>
+</file>
+
+<file path=ppt/slides/slide36.xml><?xml version="1.0" encoding="utf-8"?>
+<p:sld xmlns:a="http://schemas.openxmlformats.org/drawingml/2006/main" xmlns:r="http://schemas.openxmlformats.org/officeDocument/2006/relationships" xmlns:p="http://schemas.openxmlformats.org/presentationml/2006/main">
+  <p:cSld>
+    <p:spTree>
+      <p:nvGrpSpPr>
+        <p:cNvPr id="1" name=""/>
+        <p:cNvGrpSpPr/>
+        <p:nvPr/>
+      </p:nvGrpSpPr>
+      <p:grpSpPr>
+        <a:xfrm>
+          <a:off x="0" y="0"/>
+          <a:ext cx="0" cy="0"/>
+          <a:chOff x="0" y="0"/>
+          <a:chExt cx="0" cy="0"/>
+        </a:xfrm>
+      </p:grpSpPr>
+      <p:sp>
+        <p:nvSpPr>
+          <p:cNvPr id="32" name="文本框 31"/>
           <p:cNvSpPr txBox="1"/>
           <p:nvPr/>
         </p:nvSpPr>
         <p:spPr>
           <a:xfrm>
-            <a:off x="959551" y="2679962"/>
-            <a:ext cx="9753600" cy="507831"/>
+            <a:off x="959552" y="340946"/>
+            <a:ext cx="2377574" cy="584775"/>
           </a:xfrm>
           <a:prstGeom prst="rect">
             <a:avLst/>
@@ -25261,6 +25460,174 @@
           <a:noFill/>
         </p:spPr>
         <p:txBody>
+          <a:bodyPr wrap="none" rtlCol="0">
+            <a:spAutoFit/>
+          </a:bodyPr>
+          <a:lstStyle/>
+          <a:p>
+            <a:r>
+              <a:rPr lang="en-US" altLang="zh-CN" sz="3200" dirty="0" err="1" smtClean="0">
+                <a:latin typeface="OPPOSans R" panose="00020600040101010101" pitchFamily="18" charset="-122"/>
+                <a:ea typeface="OPPOSans R" panose="00020600040101010101" pitchFamily="18" charset="-122"/>
+                <a:cs typeface="OPPOSans R" panose="00020600040101010101" pitchFamily="18" charset="-122"/>
+              </a:rPr>
+              <a:t>Git</a:t>
+            </a:r>
+            <a:r>
+              <a:rPr lang="zh-CN" altLang="en-US" sz="3200" dirty="0" smtClean="0">
+                <a:latin typeface="OPPOSans R" panose="00020600040101010101" pitchFamily="18" charset="-122"/>
+                <a:ea typeface="OPPOSans R" panose="00020600040101010101" pitchFamily="18" charset="-122"/>
+                <a:cs typeface="OPPOSans R" panose="00020600040101010101" pitchFamily="18" charset="-122"/>
+              </a:rPr>
+              <a:t>知识扩展</a:t>
+            </a:r>
+            <a:endParaRPr lang="zh-CN" altLang="en-US" sz="3200" dirty="0">
+              <a:latin typeface="OPPOSans R" panose="00020600040101010101" pitchFamily="18" charset="-122"/>
+              <a:ea typeface="OPPOSans R" panose="00020600040101010101" pitchFamily="18" charset="-122"/>
+              <a:cs typeface="OPPOSans R" panose="00020600040101010101" pitchFamily="18" charset="-122"/>
+            </a:endParaRPr>
+          </a:p>
+        </p:txBody>
+      </p:sp>
+      <p:sp>
+        <p:nvSpPr>
+          <p:cNvPr id="39" name="矩形 38"/>
+          <p:cNvSpPr/>
+          <p:nvPr/>
+        </p:nvSpPr>
+        <p:spPr>
+          <a:xfrm>
+            <a:off x="0" y="462703"/>
+            <a:ext cx="794456" cy="738664"/>
+          </a:xfrm>
+          <a:prstGeom prst="rect">
+            <a:avLst/>
+          </a:prstGeom>
+          <a:solidFill>
+            <a:srgbClr val="9A0001"/>
+          </a:solidFill>
+          <a:ln>
+            <a:noFill/>
+          </a:ln>
+        </p:spPr>
+        <p:style>
+          <a:lnRef idx="2">
+            <a:schemeClr val="accent1">
+              <a:shade val="50000"/>
+            </a:schemeClr>
+          </a:lnRef>
+          <a:fillRef idx="1">
+            <a:schemeClr val="accent1"/>
+          </a:fillRef>
+          <a:effectRef idx="0">
+            <a:schemeClr val="accent1"/>
+          </a:effectRef>
+          <a:fontRef idx="minor">
+            <a:schemeClr val="lt1"/>
+          </a:fontRef>
+        </p:style>
+        <p:txBody>
+          <a:bodyPr rtlCol="0" anchor="ctr"/>
+          <a:lstStyle/>
+          <a:p>
+            <a:pPr algn="ctr"/>
+            <a:endParaRPr kumimoji="1" lang="zh-CN" altLang="en-US" sz="1600" dirty="0">
+              <a:latin typeface="OPPOSans R" panose="00020600040101010101" pitchFamily="18" charset="-122"/>
+              <a:ea typeface="OPPOSans R" panose="00020600040101010101" pitchFamily="18" charset="-122"/>
+            </a:endParaRPr>
+          </a:p>
+        </p:txBody>
+      </p:sp>
+      <p:sp>
+        <p:nvSpPr>
+          <p:cNvPr id="34" name="矩形 33"/>
+          <p:cNvSpPr/>
+          <p:nvPr/>
+        </p:nvSpPr>
+        <p:spPr>
+          <a:xfrm flipV="1">
+            <a:off x="7529454" y="6772905"/>
+            <a:ext cx="4682001" cy="128741"/>
+          </a:xfrm>
+          <a:prstGeom prst="rect">
+            <a:avLst/>
+          </a:prstGeom>
+          <a:solidFill>
+            <a:srgbClr val="9A0001"/>
+          </a:solidFill>
+          <a:ln>
+            <a:noFill/>
+          </a:ln>
+        </p:spPr>
+        <p:style>
+          <a:lnRef idx="2">
+            <a:schemeClr val="accent1">
+              <a:shade val="50000"/>
+            </a:schemeClr>
+          </a:lnRef>
+          <a:fillRef idx="1">
+            <a:schemeClr val="accent1"/>
+          </a:fillRef>
+          <a:effectRef idx="0">
+            <a:schemeClr val="accent1"/>
+          </a:effectRef>
+          <a:fontRef idx="minor">
+            <a:schemeClr val="lt1"/>
+          </a:fontRef>
+        </p:style>
+        <p:txBody>
+          <a:bodyPr rtlCol="0" anchor="ctr"/>
+          <a:lstStyle/>
+          <a:p>
+            <a:pPr algn="ctr"/>
+            <a:endParaRPr kumimoji="1" lang="zh-CN" altLang="en-US" sz="1600" dirty="0">
+              <a:latin typeface="OPPOSans R" panose="00020600040101010101" pitchFamily="18" charset="-122"/>
+              <a:ea typeface="OPPOSans R" panose="00020600040101010101" pitchFamily="18" charset="-122"/>
+            </a:endParaRPr>
+          </a:p>
+        </p:txBody>
+      </p:sp>
+      <p:pic>
+        <p:nvPicPr>
+          <p:cNvPr id="40" name="图片 39" descr="微信图片_20210609194104"/>
+          <p:cNvPicPr>
+            <a:picLocks noChangeAspect="1"/>
+          </p:cNvPicPr>
+          <p:nvPr/>
+        </p:nvPicPr>
+        <p:blipFill>
+          <a:blip r:embed="rId3"/>
+          <a:stretch>
+            <a:fillRect/>
+          </a:stretch>
+        </p:blipFill>
+        <p:spPr>
+          <a:xfrm>
+            <a:off x="8303298" y="453877"/>
+            <a:ext cx="3533140" cy="533400"/>
+          </a:xfrm>
+          <a:prstGeom prst="rect">
+            <a:avLst/>
+          </a:prstGeom>
+        </p:spPr>
+      </p:pic>
+      <p:sp>
+        <p:nvSpPr>
+          <p:cNvPr id="8" name="文本框 7"/>
+          <p:cNvSpPr txBox="1"/>
+          <p:nvPr/>
+        </p:nvSpPr>
+        <p:spPr>
+          <a:xfrm>
+            <a:off x="959551" y="1201367"/>
+            <a:ext cx="9753600" cy="499624"/>
+          </a:xfrm>
+          <a:prstGeom prst="rect">
+            <a:avLst/>
+          </a:prstGeom>
+          <a:noFill/>
+        </p:spPr>
+        <p:txBody>
           <a:bodyPr wrap="square" rtlCol="0">
             <a:spAutoFit/>
           </a:bodyPr>
@@ -25272,37 +25639,139 @@
               </a:lnSpc>
             </a:pPr>
             <a:r>
-              <a:rPr lang="zh-CN" altLang="en-US" dirty="0" smtClean="0">
-                <a:latin typeface="微软雅黑" panose="020B0503020204020204" pitchFamily="34" charset="-122"/>
-                <a:ea typeface="微软雅黑" panose="020B0503020204020204" pitchFamily="34" charset="-122"/>
-              </a:rPr>
-              <a:t>“人性本善”，首先我相信</a:t>
-            </a:r>
-            <a:r>
-              <a:rPr lang="zh-CN" altLang="en-US" dirty="0">
-                <a:latin typeface="微软雅黑" panose="020B0503020204020204" pitchFamily="34" charset="-122"/>
-                <a:ea typeface="微软雅黑" panose="020B0503020204020204" pitchFamily="34" charset="-122"/>
-              </a:rPr>
-              <a:t>大家都是善良无知的</a:t>
-            </a:r>
-            <a:r>
-              <a:rPr lang="zh-CN" altLang="en-US" dirty="0" smtClean="0">
-                <a:latin typeface="微软雅黑" panose="020B0503020204020204" pitchFamily="34" charset="-122"/>
-                <a:ea typeface="微软雅黑" panose="020B0503020204020204" pitchFamily="34" charset="-122"/>
-              </a:rPr>
-              <a:t>群众。其次如果真有人冒充，也是有迹可循的</a:t>
-            </a:r>
-            <a:endParaRPr lang="en-US" altLang="zh-CN" dirty="0" smtClean="0">
+              <a:rPr lang="zh-CN" altLang="en-US" sz="2000" dirty="0" smtClean="0">
+                <a:latin typeface="微软雅黑" panose="020B0503020204020204" pitchFamily="34" charset="-122"/>
+                <a:ea typeface="微软雅黑" panose="020B0503020204020204" pitchFamily="34" charset="-122"/>
+              </a:rPr>
+              <a:t>中文教程</a:t>
+            </a:r>
+            <a:r>
+              <a:rPr lang="en-US" altLang="zh-CN" sz="2000" dirty="0" smtClean="0">
+                <a:latin typeface="微软雅黑" panose="020B0503020204020204" pitchFamily="34" charset="-122"/>
+                <a:ea typeface="微软雅黑" panose="020B0503020204020204" pitchFamily="34" charset="-122"/>
+              </a:rPr>
+              <a:t>https</a:t>
+            </a:r>
+            <a:r>
+              <a:rPr lang="en-US" altLang="zh-CN" sz="2000" dirty="0">
+                <a:latin typeface="微软雅黑" panose="020B0503020204020204" pitchFamily="34" charset="-122"/>
+                <a:ea typeface="微软雅黑" panose="020B0503020204020204" pitchFamily="34" charset="-122"/>
+              </a:rPr>
+              <a:t>://zhuanlan.zhihu.com/p/514135557</a:t>
+            </a:r>
+            <a:endParaRPr lang="en-US" altLang="zh-CN" sz="2000" dirty="0" smtClean="0">
               <a:latin typeface="微软雅黑" panose="020B0503020204020204" pitchFamily="34" charset="-122"/>
               <a:ea typeface="微软雅黑" panose="020B0503020204020204" pitchFamily="34" charset="-122"/>
             </a:endParaRPr>
           </a:p>
         </p:txBody>
       </p:sp>
+      <p:sp>
+        <p:nvSpPr>
+          <p:cNvPr id="9" name="文本框 8"/>
+          <p:cNvSpPr txBox="1"/>
+          <p:nvPr/>
+        </p:nvSpPr>
+        <p:spPr>
+          <a:xfrm>
+            <a:off x="959551" y="904570"/>
+            <a:ext cx="5105087" cy="369332"/>
+          </a:xfrm>
+          <a:prstGeom prst="rect">
+            <a:avLst/>
+          </a:prstGeom>
+          <a:noFill/>
+        </p:spPr>
+        <p:txBody>
+          <a:bodyPr wrap="square">
+            <a:spAutoFit/>
+          </a:bodyPr>
+          <a:lstStyle/>
+          <a:p>
+            <a:r>
+              <a:rPr lang="en-US" altLang="zh-CN" dirty="0" smtClean="0">
+                <a:solidFill>
+                  <a:schemeClr val="tx1">
+                    <a:lumMod val="50000"/>
+                    <a:lumOff val="50000"/>
+                  </a:schemeClr>
+                </a:solidFill>
+                <a:latin typeface="OPPOSans R" panose="00020600040101010101" pitchFamily="18" charset="-122"/>
+                <a:ea typeface="OPPOSans R" panose="00020600040101010101" pitchFamily="18" charset="-122"/>
+                <a:cs typeface="OPPOSans R" panose="00020600040101010101" pitchFamily="18" charset="-122"/>
+              </a:rPr>
+              <a:t>VSCODE</a:t>
+            </a:r>
+            <a:r>
+              <a:rPr lang="zh-CN" altLang="en-US" dirty="0" smtClean="0">
+                <a:solidFill>
+                  <a:schemeClr val="tx1">
+                    <a:lumMod val="50000"/>
+                    <a:lumOff val="50000"/>
+                  </a:schemeClr>
+                </a:solidFill>
+                <a:latin typeface="OPPOSans R" panose="00020600040101010101" pitchFamily="18" charset="-122"/>
+                <a:ea typeface="OPPOSans R" panose="00020600040101010101" pitchFamily="18" charset="-122"/>
+                <a:cs typeface="OPPOSans R" panose="00020600040101010101" pitchFamily="18" charset="-122"/>
+              </a:rPr>
+              <a:t>中配置</a:t>
+            </a:r>
+            <a:r>
+              <a:rPr lang="en-US" altLang="zh-CN" dirty="0" smtClean="0">
+                <a:solidFill>
+                  <a:schemeClr val="tx1">
+                    <a:lumMod val="50000"/>
+                    <a:lumOff val="50000"/>
+                  </a:schemeClr>
+                </a:solidFill>
+                <a:latin typeface="OPPOSans R" panose="00020600040101010101" pitchFamily="18" charset="-122"/>
+                <a:ea typeface="OPPOSans R" panose="00020600040101010101" pitchFamily="18" charset="-122"/>
+                <a:cs typeface="OPPOSans R" panose="00020600040101010101" pitchFamily="18" charset="-122"/>
+              </a:rPr>
+              <a:t>GIT</a:t>
+            </a:r>
+            <a:endParaRPr lang="zh-CN" altLang="en-US" dirty="0">
+              <a:solidFill>
+                <a:schemeClr val="tx1">
+                  <a:lumMod val="50000"/>
+                  <a:lumOff val="50000"/>
+                </a:schemeClr>
+              </a:solidFill>
+              <a:latin typeface="OPPOSans R" panose="00020600040101010101" pitchFamily="18" charset="-122"/>
+              <a:ea typeface="OPPOSans R" panose="00020600040101010101" pitchFamily="18" charset="-122"/>
+              <a:cs typeface="OPPOSans R" panose="00020600040101010101" pitchFamily="18" charset="-122"/>
+            </a:endParaRPr>
+          </a:p>
+        </p:txBody>
+      </p:sp>
+      <p:pic>
+        <p:nvPicPr>
+          <p:cNvPr id="5" name="图片 4"/>
+          <p:cNvPicPr>
+            <a:picLocks noChangeAspect="1"/>
+          </p:cNvPicPr>
+          <p:nvPr/>
+        </p:nvPicPr>
+        <p:blipFill>
+          <a:blip r:embed="rId4"/>
+          <a:stretch>
+            <a:fillRect/>
+          </a:stretch>
+        </p:blipFill>
+        <p:spPr>
+          <a:xfrm>
+            <a:off x="959551" y="1962009"/>
+            <a:ext cx="9839325" cy="3695700"/>
+          </a:xfrm>
+          <a:prstGeom prst="rect">
+            <a:avLst/>
+          </a:prstGeom>
+        </p:spPr>
+      </p:pic>
     </p:spTree>
     <p:extLst>
       <p:ext uri="{BB962C8B-B14F-4D97-AF65-F5344CB8AC3E}">
-        <p14:creationId xmlns:p14="http://schemas.microsoft.com/office/powerpoint/2010/main" val="2231611571"/>
+        <p14:creationId xmlns:p14="http://schemas.microsoft.com/office/powerpoint/2010/main" val="1281752681"/>
       </p:ext>
     </p:extLst>
   </p:cSld>
@@ -25518,6 +25987,747 @@
       </p:pic>
       <p:sp>
         <p:nvSpPr>
+          <p:cNvPr id="35" name="文本框 34"/>
+          <p:cNvSpPr txBox="1"/>
+          <p:nvPr/>
+        </p:nvSpPr>
+        <p:spPr>
+          <a:xfrm>
+            <a:off x="959552" y="1425054"/>
+            <a:ext cx="9753600" cy="499624"/>
+          </a:xfrm>
+          <a:prstGeom prst="rect">
+            <a:avLst/>
+          </a:prstGeom>
+          <a:noFill/>
+        </p:spPr>
+        <p:txBody>
+          <a:bodyPr wrap="square" rtlCol="0">
+            <a:spAutoFit/>
+          </a:bodyPr>
+          <a:lstStyle/>
+          <a:p>
+            <a:pPr>
+              <a:lnSpc>
+                <a:spcPct val="150000"/>
+              </a:lnSpc>
+            </a:pPr>
+            <a:r>
+              <a:rPr lang="zh-CN" altLang="en-US" sz="2000" dirty="0" smtClean="0">
+                <a:latin typeface="微软雅黑" panose="020B0503020204020204" pitchFamily="34" charset="-122"/>
+                <a:ea typeface="微软雅黑" panose="020B0503020204020204" pitchFamily="34" charset="-122"/>
+              </a:rPr>
+              <a:t>既然人人都可以自报家门（自定义</a:t>
+            </a:r>
+            <a:r>
+              <a:rPr lang="en-US" altLang="zh-CN" sz="2000" dirty="0" smtClean="0">
+                <a:latin typeface="微软雅黑" panose="020B0503020204020204" pitchFamily="34" charset="-122"/>
+                <a:ea typeface="微软雅黑" panose="020B0503020204020204" pitchFamily="34" charset="-122"/>
+              </a:rPr>
+              <a:t>user</a:t>
+            </a:r>
+            <a:r>
+              <a:rPr lang="zh-CN" altLang="en-US" sz="2000" dirty="0" smtClean="0">
+                <a:latin typeface="微软雅黑" panose="020B0503020204020204" pitchFamily="34" charset="-122"/>
+                <a:ea typeface="微软雅黑" panose="020B0503020204020204" pitchFamily="34" charset="-122"/>
+              </a:rPr>
+              <a:t>和</a:t>
+            </a:r>
+            <a:r>
+              <a:rPr lang="en-US" altLang="zh-CN" sz="2000" dirty="0" smtClean="0">
+                <a:latin typeface="微软雅黑" panose="020B0503020204020204" pitchFamily="34" charset="-122"/>
+                <a:ea typeface="微软雅黑" panose="020B0503020204020204" pitchFamily="34" charset="-122"/>
+              </a:rPr>
+              <a:t>email</a:t>
+            </a:r>
+            <a:r>
+              <a:rPr lang="zh-CN" altLang="en-US" sz="2000" dirty="0" smtClean="0">
+                <a:latin typeface="微软雅黑" panose="020B0503020204020204" pitchFamily="34" charset="-122"/>
+                <a:ea typeface="微软雅黑" panose="020B0503020204020204" pitchFamily="34" charset="-122"/>
+              </a:rPr>
+              <a:t>），那么如何</a:t>
+            </a:r>
+            <a:r>
+              <a:rPr lang="zh-CN" altLang="en-US" sz="2000" dirty="0">
+                <a:latin typeface="微软雅黑" panose="020B0503020204020204" pitchFamily="34" charset="-122"/>
+                <a:ea typeface="微软雅黑" panose="020B0503020204020204" pitchFamily="34" charset="-122"/>
+              </a:rPr>
+              <a:t>防止别人</a:t>
+            </a:r>
+            <a:r>
+              <a:rPr lang="zh-CN" altLang="en-US" sz="2000" dirty="0" smtClean="0">
+                <a:latin typeface="微软雅黑" panose="020B0503020204020204" pitchFamily="34" charset="-122"/>
+                <a:ea typeface="微软雅黑" panose="020B0503020204020204" pitchFamily="34" charset="-122"/>
+              </a:rPr>
+              <a:t>冒充</a:t>
+            </a:r>
+            <a:r>
+              <a:rPr lang="zh-CN" altLang="en-US" sz="2000" dirty="0">
+                <a:latin typeface="微软雅黑" panose="020B0503020204020204" pitchFamily="34" charset="-122"/>
+                <a:ea typeface="微软雅黑" panose="020B0503020204020204" pitchFamily="34" charset="-122"/>
+              </a:rPr>
+              <a:t>自己</a:t>
+            </a:r>
+            <a:r>
+              <a:rPr lang="zh-CN" altLang="en-US" sz="2000" dirty="0" smtClean="0">
+                <a:latin typeface="微软雅黑" panose="020B0503020204020204" pitchFamily="34" charset="-122"/>
+                <a:ea typeface="微软雅黑" panose="020B0503020204020204" pitchFamily="34" charset="-122"/>
+              </a:rPr>
+              <a:t>身份？</a:t>
+            </a:r>
+            <a:endParaRPr lang="en-US" altLang="zh-CN" sz="2000" dirty="0" smtClean="0">
+              <a:latin typeface="微软雅黑" panose="020B0503020204020204" pitchFamily="34" charset="-122"/>
+              <a:ea typeface="微软雅黑" panose="020B0503020204020204" pitchFamily="34" charset="-122"/>
+            </a:endParaRPr>
+          </a:p>
+        </p:txBody>
+      </p:sp>
+      <p:sp>
+        <p:nvSpPr>
+          <p:cNvPr id="8" name="文本框 7"/>
+          <p:cNvSpPr txBox="1"/>
+          <p:nvPr/>
+        </p:nvSpPr>
+        <p:spPr>
+          <a:xfrm>
+            <a:off x="959551" y="3232200"/>
+            <a:ext cx="9753600" cy="3000821"/>
+          </a:xfrm>
+          <a:prstGeom prst="rect">
+            <a:avLst/>
+          </a:prstGeom>
+          <a:noFill/>
+        </p:spPr>
+        <p:txBody>
+          <a:bodyPr wrap="square" rtlCol="0">
+            <a:spAutoFit/>
+          </a:bodyPr>
+          <a:lstStyle/>
+          <a:p>
+            <a:pPr>
+              <a:lnSpc>
+                <a:spcPct val="150000"/>
+              </a:lnSpc>
+            </a:pPr>
+            <a:r>
+              <a:rPr lang="zh-CN" altLang="en-US" dirty="0" smtClean="0">
+                <a:latin typeface="微软雅黑" panose="020B0503020204020204" pitchFamily="34" charset="-122"/>
+                <a:ea typeface="微软雅黑" panose="020B0503020204020204" pitchFamily="34" charset="-122"/>
+              </a:rPr>
+              <a:t>我们可以使用</a:t>
+            </a:r>
+            <a:r>
+              <a:rPr lang="en-US" altLang="zh-CN" dirty="0" smtClean="0">
+                <a:latin typeface="微软雅黑" panose="020B0503020204020204" pitchFamily="34" charset="-122"/>
+                <a:ea typeface="微软雅黑" panose="020B0503020204020204" pitchFamily="34" charset="-122"/>
+              </a:rPr>
+              <a:t>GPG key</a:t>
+            </a:r>
+            <a:r>
+              <a:rPr lang="zh-CN" altLang="en-US" dirty="0" smtClean="0">
+                <a:latin typeface="微软雅黑" panose="020B0503020204020204" pitchFamily="34" charset="-122"/>
+                <a:ea typeface="微软雅黑" panose="020B0503020204020204" pitchFamily="34" charset="-122"/>
+              </a:rPr>
+              <a:t>来证明</a:t>
+            </a:r>
+            <a:r>
+              <a:rPr lang="en-US" altLang="zh-CN" dirty="0" smtClean="0">
+                <a:latin typeface="微软雅黑" panose="020B0503020204020204" pitchFamily="34" charset="-122"/>
+                <a:ea typeface="微软雅黑" panose="020B0503020204020204" pitchFamily="34" charset="-122"/>
+              </a:rPr>
+              <a:t>commit</a:t>
+            </a:r>
+            <a:r>
+              <a:rPr lang="zh-CN" altLang="en-US" dirty="0" smtClean="0">
+                <a:latin typeface="微软雅黑" panose="020B0503020204020204" pitchFamily="34" charset="-122"/>
+                <a:ea typeface="微软雅黑" panose="020B0503020204020204" pitchFamily="34" charset="-122"/>
+              </a:rPr>
+              <a:t>著作权。</a:t>
+            </a:r>
+            <a:r>
+              <a:rPr lang="en-US" altLang="zh-CN" dirty="0" smtClean="0">
+                <a:latin typeface="微软雅黑" panose="020B0503020204020204" pitchFamily="34" charset="-122"/>
+                <a:ea typeface="微软雅黑" panose="020B0503020204020204" pitchFamily="34" charset="-122"/>
+              </a:rPr>
+              <a:t>GPG </a:t>
+            </a:r>
+            <a:r>
+              <a:rPr lang="zh-CN" altLang="en-US" dirty="0">
+                <a:latin typeface="微软雅黑" panose="020B0503020204020204" pitchFamily="34" charset="-122"/>
+                <a:ea typeface="微软雅黑" panose="020B0503020204020204" pitchFamily="34" charset="-122"/>
+              </a:rPr>
+              <a:t>全称为 </a:t>
+            </a:r>
+            <a:r>
+              <a:rPr lang="en-US" altLang="zh-CN" dirty="0">
+                <a:latin typeface="微软雅黑" panose="020B0503020204020204" pitchFamily="34" charset="-122"/>
+                <a:ea typeface="微软雅黑" panose="020B0503020204020204" pitchFamily="34" charset="-122"/>
+              </a:rPr>
+              <a:t>GNU Privacy Guard</a:t>
+            </a:r>
+            <a:r>
+              <a:rPr lang="zh-CN" altLang="en-US" dirty="0">
+                <a:latin typeface="微软雅黑" panose="020B0503020204020204" pitchFamily="34" charset="-122"/>
+                <a:ea typeface="微软雅黑" panose="020B0503020204020204" pitchFamily="34" charset="-122"/>
+              </a:rPr>
+              <a:t>，</a:t>
+            </a:r>
+            <a:r>
+              <a:rPr lang="en-US" altLang="zh-CN" dirty="0">
+                <a:latin typeface="微软雅黑" panose="020B0503020204020204" pitchFamily="34" charset="-122"/>
+                <a:ea typeface="微软雅黑" panose="020B0503020204020204" pitchFamily="34" charset="-122"/>
+              </a:rPr>
+              <a:t>GPG </a:t>
+            </a:r>
+            <a:r>
+              <a:rPr lang="zh-CN" altLang="en-US" dirty="0">
+                <a:latin typeface="微软雅黑" panose="020B0503020204020204" pitchFamily="34" charset="-122"/>
+                <a:ea typeface="微软雅黑" panose="020B0503020204020204" pitchFamily="34" charset="-122"/>
+              </a:rPr>
+              <a:t>通过非对称加密来帮助我们从密码学的角度证明「我是我」，也从而证明「这不一定真的是我</a:t>
+            </a:r>
+            <a:r>
+              <a:rPr lang="zh-CN" altLang="en-US" dirty="0" smtClean="0">
+                <a:latin typeface="微软雅黑" panose="020B0503020204020204" pitchFamily="34" charset="-122"/>
+                <a:ea typeface="微软雅黑" panose="020B0503020204020204" pitchFamily="34" charset="-122"/>
+              </a:rPr>
+              <a:t>」</a:t>
+            </a:r>
+            <a:endParaRPr lang="en-US" altLang="zh-CN" dirty="0" smtClean="0">
+              <a:latin typeface="微软雅黑" panose="020B0503020204020204" pitchFamily="34" charset="-122"/>
+              <a:ea typeface="微软雅黑" panose="020B0503020204020204" pitchFamily="34" charset="-122"/>
+            </a:endParaRPr>
+          </a:p>
+          <a:p>
+            <a:pPr>
+              <a:lnSpc>
+                <a:spcPct val="150000"/>
+              </a:lnSpc>
+            </a:pPr>
+            <a:r>
+              <a:rPr lang="en-US" altLang="zh-CN" dirty="0">
+                <a:latin typeface="微软雅黑" panose="020B0503020204020204" pitchFamily="34" charset="-122"/>
+                <a:ea typeface="微软雅黑" panose="020B0503020204020204" pitchFamily="34" charset="-122"/>
+              </a:rPr>
+              <a:t>GPG </a:t>
+            </a:r>
+            <a:r>
+              <a:rPr lang="zh-CN" altLang="en-US" dirty="0">
+                <a:latin typeface="微软雅黑" panose="020B0503020204020204" pitchFamily="34" charset="-122"/>
+                <a:ea typeface="微软雅黑" panose="020B0503020204020204" pitchFamily="34" charset="-122"/>
+              </a:rPr>
+              <a:t>密钥</a:t>
+            </a:r>
+            <a:r>
+              <a:rPr lang="zh-CN" altLang="en-US" dirty="0" smtClean="0">
+                <a:latin typeface="微软雅黑" panose="020B0503020204020204" pitchFamily="34" charset="-122"/>
+                <a:ea typeface="微软雅黑" panose="020B0503020204020204" pitchFamily="34" charset="-122"/>
+              </a:rPr>
+              <a:t>和之前提到的 </a:t>
+            </a:r>
+            <a:r>
+              <a:rPr lang="en-US" altLang="zh-CN" dirty="0">
+                <a:latin typeface="微软雅黑" panose="020B0503020204020204" pitchFamily="34" charset="-122"/>
+                <a:ea typeface="微软雅黑" panose="020B0503020204020204" pitchFamily="34" charset="-122"/>
+              </a:rPr>
+              <a:t>SSH </a:t>
+            </a:r>
+            <a:r>
+              <a:rPr lang="zh-CN" altLang="en-US" dirty="0">
+                <a:latin typeface="微软雅黑" panose="020B0503020204020204" pitchFamily="34" charset="-122"/>
+                <a:ea typeface="微软雅黑" panose="020B0503020204020204" pitchFamily="34" charset="-122"/>
+              </a:rPr>
+              <a:t>密钥并不一样，后者 </a:t>
+            </a:r>
+            <a:r>
+              <a:rPr lang="en-US" altLang="zh-CN" dirty="0">
+                <a:latin typeface="微软雅黑" panose="020B0503020204020204" pitchFamily="34" charset="-122"/>
+                <a:ea typeface="微软雅黑" panose="020B0503020204020204" pitchFamily="34" charset="-122"/>
+              </a:rPr>
+              <a:t>SSH </a:t>
+            </a:r>
+            <a:r>
+              <a:rPr lang="zh-CN" altLang="en-US" dirty="0" smtClean="0">
+                <a:latin typeface="微软雅黑" panose="020B0503020204020204" pitchFamily="34" charset="-122"/>
+                <a:ea typeface="微软雅黑" panose="020B0503020204020204" pitchFamily="34" charset="-122"/>
+              </a:rPr>
+              <a:t>密钥是</a:t>
+            </a:r>
+            <a:r>
+              <a:rPr lang="zh-CN" altLang="en-US" dirty="0">
+                <a:latin typeface="微软雅黑" panose="020B0503020204020204" pitchFamily="34" charset="-122"/>
+                <a:ea typeface="微软雅黑" panose="020B0503020204020204" pitchFamily="34" charset="-122"/>
+              </a:rPr>
+              <a:t>为了向 </a:t>
+            </a:r>
+            <a:r>
+              <a:rPr lang="en-US" altLang="zh-CN" dirty="0">
+                <a:latin typeface="微软雅黑" panose="020B0503020204020204" pitchFamily="34" charset="-122"/>
+                <a:ea typeface="微软雅黑" panose="020B0503020204020204" pitchFamily="34" charset="-122"/>
+              </a:rPr>
+              <a:t>GitHub </a:t>
+            </a:r>
+            <a:r>
+              <a:rPr lang="zh-CN" altLang="en-US" dirty="0">
+                <a:latin typeface="微软雅黑" panose="020B0503020204020204" pitchFamily="34" charset="-122"/>
+                <a:ea typeface="微软雅黑" panose="020B0503020204020204" pitchFamily="34" charset="-122"/>
+              </a:rPr>
+              <a:t>证明身份，用于向我们拥有权限的仓库中进行 </a:t>
+            </a:r>
+            <a:r>
+              <a:rPr lang="en-US" altLang="zh-CN" dirty="0">
+                <a:latin typeface="微软雅黑" panose="020B0503020204020204" pitchFamily="34" charset="-122"/>
+                <a:ea typeface="微软雅黑" panose="020B0503020204020204" pitchFamily="34" charset="-122"/>
+              </a:rPr>
+              <a:t>commit</a:t>
+            </a:r>
+            <a:r>
+              <a:rPr lang="zh-CN" altLang="en-US" dirty="0">
+                <a:latin typeface="微软雅黑" panose="020B0503020204020204" pitchFamily="34" charset="-122"/>
+                <a:ea typeface="微软雅黑" panose="020B0503020204020204" pitchFamily="34" charset="-122"/>
+              </a:rPr>
+              <a:t>，而前者 </a:t>
+            </a:r>
+            <a:r>
+              <a:rPr lang="en-US" altLang="zh-CN" dirty="0">
+                <a:latin typeface="微软雅黑" panose="020B0503020204020204" pitchFamily="34" charset="-122"/>
+                <a:ea typeface="微软雅黑" panose="020B0503020204020204" pitchFamily="34" charset="-122"/>
+              </a:rPr>
+              <a:t>GPG key </a:t>
+            </a:r>
+            <a:r>
+              <a:rPr lang="zh-CN" altLang="en-US" dirty="0">
+                <a:latin typeface="微软雅黑" panose="020B0503020204020204" pitchFamily="34" charset="-122"/>
+                <a:ea typeface="微软雅黑" panose="020B0503020204020204" pitchFamily="34" charset="-122"/>
+              </a:rPr>
+              <a:t>则是</a:t>
+            </a:r>
+            <a:r>
+              <a:rPr lang="zh-CN" altLang="en-US" dirty="0" smtClean="0">
+                <a:latin typeface="微软雅黑" panose="020B0503020204020204" pitchFamily="34" charset="-122"/>
+                <a:ea typeface="微软雅黑" panose="020B0503020204020204" pitchFamily="34" charset="-122"/>
+              </a:rPr>
+              <a:t>为了提交这次</a:t>
+            </a:r>
+            <a:r>
+              <a:rPr lang="en-US" altLang="zh-CN" dirty="0" err="1" smtClean="0">
+                <a:latin typeface="微软雅黑" panose="020B0503020204020204" pitchFamily="34" charset="-122"/>
+                <a:ea typeface="微软雅黑" panose="020B0503020204020204" pitchFamily="34" charset="-122"/>
+              </a:rPr>
+              <a:t>commite</a:t>
+            </a:r>
+            <a:r>
+              <a:rPr lang="zh-CN" altLang="en-US" dirty="0" smtClean="0">
+                <a:latin typeface="微软雅黑" panose="020B0503020204020204" pitchFamily="34" charset="-122"/>
+                <a:ea typeface="微软雅黑" panose="020B0503020204020204" pitchFamily="34" charset="-122"/>
+              </a:rPr>
+              <a:t>的是我本人。</a:t>
+            </a:r>
+            <a:r>
+              <a:rPr lang="zh-CN" altLang="en-US" dirty="0">
+                <a:latin typeface="微软雅黑" panose="020B0503020204020204" pitchFamily="34" charset="-122"/>
+                <a:ea typeface="微软雅黑" panose="020B0503020204020204" pitchFamily="34" charset="-122"/>
+              </a:rPr>
+              <a:t>也只有用 </a:t>
+            </a:r>
+            <a:r>
+              <a:rPr lang="en-US" altLang="zh-CN" dirty="0">
+                <a:latin typeface="微软雅黑" panose="020B0503020204020204" pitchFamily="34" charset="-122"/>
+                <a:ea typeface="微软雅黑" panose="020B0503020204020204" pitchFamily="34" charset="-122"/>
+              </a:rPr>
+              <a:t>GPG </a:t>
+            </a:r>
+            <a:r>
+              <a:rPr lang="zh-CN" altLang="en-US" dirty="0">
+                <a:latin typeface="微软雅黑" panose="020B0503020204020204" pitchFamily="34" charset="-122"/>
+                <a:ea typeface="微软雅黑" panose="020B0503020204020204" pitchFamily="34" charset="-122"/>
+              </a:rPr>
+              <a:t>私钥签名的 </a:t>
+            </a:r>
+            <a:r>
+              <a:rPr lang="en-US" altLang="zh-CN" dirty="0">
+                <a:latin typeface="微软雅黑" panose="020B0503020204020204" pitchFamily="34" charset="-122"/>
+                <a:ea typeface="微软雅黑" panose="020B0503020204020204" pitchFamily="34" charset="-122"/>
+              </a:rPr>
+              <a:t>commit </a:t>
+            </a:r>
+            <a:r>
+              <a:rPr lang="zh-CN" altLang="en-US" dirty="0">
+                <a:latin typeface="微软雅黑" panose="020B0503020204020204" pitchFamily="34" charset="-122"/>
+                <a:ea typeface="微软雅黑" panose="020B0503020204020204" pitchFamily="34" charset="-122"/>
+              </a:rPr>
+              <a:t>在 </a:t>
+            </a:r>
+            <a:r>
+              <a:rPr lang="en-US" altLang="zh-CN" dirty="0">
+                <a:latin typeface="微软雅黑" panose="020B0503020204020204" pitchFamily="34" charset="-122"/>
+                <a:ea typeface="微软雅黑" panose="020B0503020204020204" pitchFamily="34" charset="-122"/>
+              </a:rPr>
+              <a:t>GitHub </a:t>
+            </a:r>
+            <a:r>
+              <a:rPr lang="zh-CN" altLang="en-US" dirty="0">
+                <a:latin typeface="微软雅黑" panose="020B0503020204020204" pitchFamily="34" charset="-122"/>
+                <a:ea typeface="微软雅黑" panose="020B0503020204020204" pitchFamily="34" charset="-122"/>
+              </a:rPr>
+              <a:t>上才会显示如下图的 </a:t>
+            </a:r>
+            <a:r>
+              <a:rPr lang="en-US" altLang="zh-CN" dirty="0">
+                <a:latin typeface="微软雅黑" panose="020B0503020204020204" pitchFamily="34" charset="-122"/>
+                <a:ea typeface="微软雅黑" panose="020B0503020204020204" pitchFamily="34" charset="-122"/>
+              </a:rPr>
+              <a:t>Verified </a:t>
+            </a:r>
+            <a:r>
+              <a:rPr lang="zh-CN" altLang="en-US" dirty="0">
+                <a:latin typeface="微软雅黑" panose="020B0503020204020204" pitchFamily="34" charset="-122"/>
+                <a:ea typeface="微软雅黑" panose="020B0503020204020204" pitchFamily="34" charset="-122"/>
+              </a:rPr>
+              <a:t>绿色钦定小标标。</a:t>
+            </a:r>
+            <a:endParaRPr lang="en-US" altLang="zh-CN" dirty="0" smtClean="0">
+              <a:latin typeface="微软雅黑" panose="020B0503020204020204" pitchFamily="34" charset="-122"/>
+              <a:ea typeface="微软雅黑" panose="020B0503020204020204" pitchFamily="34" charset="-122"/>
+            </a:endParaRPr>
+          </a:p>
+          <a:p>
+            <a:pPr>
+              <a:lnSpc>
+                <a:spcPct val="150000"/>
+              </a:lnSpc>
+            </a:pPr>
+            <a:endParaRPr lang="en-US" altLang="zh-CN" dirty="0" smtClean="0">
+              <a:latin typeface="微软雅黑" panose="020B0503020204020204" pitchFamily="34" charset="-122"/>
+              <a:ea typeface="微软雅黑" panose="020B0503020204020204" pitchFamily="34" charset="-122"/>
+            </a:endParaRPr>
+          </a:p>
+        </p:txBody>
+      </p:sp>
+      <p:sp>
+        <p:nvSpPr>
+          <p:cNvPr id="12" name="文本框 11"/>
+          <p:cNvSpPr txBox="1"/>
+          <p:nvPr/>
+        </p:nvSpPr>
+        <p:spPr>
+          <a:xfrm>
+            <a:off x="959551" y="904570"/>
+            <a:ext cx="5105087" cy="369332"/>
+          </a:xfrm>
+          <a:prstGeom prst="rect">
+            <a:avLst/>
+          </a:prstGeom>
+          <a:noFill/>
+        </p:spPr>
+        <p:txBody>
+          <a:bodyPr wrap="square">
+            <a:spAutoFit/>
+          </a:bodyPr>
+          <a:lstStyle/>
+          <a:p>
+            <a:r>
+              <a:rPr lang="zh-CN" altLang="en-US" dirty="0" smtClean="0">
+                <a:solidFill>
+                  <a:schemeClr val="tx1">
+                    <a:lumMod val="50000"/>
+                    <a:lumOff val="50000"/>
+                  </a:schemeClr>
+                </a:solidFill>
+                <a:latin typeface="OPPOSans R" panose="00020600040101010101" pitchFamily="18" charset="-122"/>
+                <a:ea typeface="OPPOSans R" panose="00020600040101010101" pitchFamily="18" charset="-122"/>
+                <a:cs typeface="OPPOSans R" panose="00020600040101010101" pitchFamily="18" charset="-122"/>
+              </a:rPr>
+              <a:t>防冒名顶替</a:t>
+            </a:r>
+            <a:endParaRPr lang="zh-CN" altLang="en-US" dirty="0">
+              <a:solidFill>
+                <a:schemeClr val="tx1">
+                  <a:lumMod val="50000"/>
+                  <a:lumOff val="50000"/>
+                </a:schemeClr>
+              </a:solidFill>
+              <a:latin typeface="OPPOSans R" panose="00020600040101010101" pitchFamily="18" charset="-122"/>
+              <a:ea typeface="OPPOSans R" panose="00020600040101010101" pitchFamily="18" charset="-122"/>
+              <a:cs typeface="OPPOSans R" panose="00020600040101010101" pitchFamily="18" charset="-122"/>
+            </a:endParaRPr>
+          </a:p>
+        </p:txBody>
+      </p:sp>
+      <p:sp>
+        <p:nvSpPr>
+          <p:cNvPr id="13" name="文本框 12"/>
+          <p:cNvSpPr txBox="1"/>
+          <p:nvPr/>
+        </p:nvSpPr>
+        <p:spPr>
+          <a:xfrm>
+            <a:off x="794456" y="2335748"/>
+            <a:ext cx="9753600" cy="458908"/>
+          </a:xfrm>
+          <a:prstGeom prst="rect">
+            <a:avLst/>
+          </a:prstGeom>
+          <a:noFill/>
+        </p:spPr>
+        <p:txBody>
+          <a:bodyPr wrap="square" rtlCol="0">
+            <a:spAutoFit/>
+          </a:bodyPr>
+          <a:lstStyle/>
+          <a:p>
+            <a:pPr>
+              <a:lnSpc>
+                <a:spcPct val="150000"/>
+              </a:lnSpc>
+            </a:pPr>
+            <a:r>
+              <a:rPr lang="zh-CN" altLang="en-US" dirty="0" smtClean="0">
+                <a:latin typeface="微软雅黑" panose="020B0503020204020204" pitchFamily="34" charset="-122"/>
+                <a:ea typeface="微软雅黑" panose="020B0503020204020204" pitchFamily="34" charset="-122"/>
+              </a:rPr>
+              <a:t>“人性本善”，首先我相信</a:t>
+            </a:r>
+            <a:r>
+              <a:rPr lang="zh-CN" altLang="en-US" dirty="0">
+                <a:latin typeface="微软雅黑" panose="020B0503020204020204" pitchFamily="34" charset="-122"/>
+                <a:ea typeface="微软雅黑" panose="020B0503020204020204" pitchFamily="34" charset="-122"/>
+              </a:rPr>
+              <a:t>大家都是善良无知的</a:t>
+            </a:r>
+            <a:r>
+              <a:rPr lang="zh-CN" altLang="en-US" dirty="0" smtClean="0">
+                <a:latin typeface="微软雅黑" panose="020B0503020204020204" pitchFamily="34" charset="-122"/>
+                <a:ea typeface="微软雅黑" panose="020B0503020204020204" pitchFamily="34" charset="-122"/>
+              </a:rPr>
+              <a:t>群众。其次如果真有人冒充，也是有迹可循的</a:t>
+            </a:r>
+            <a:endParaRPr lang="en-US" altLang="zh-CN" dirty="0" smtClean="0">
+              <a:latin typeface="微软雅黑" panose="020B0503020204020204" pitchFamily="34" charset="-122"/>
+              <a:ea typeface="微软雅黑" panose="020B0503020204020204" pitchFamily="34" charset="-122"/>
+            </a:endParaRPr>
+          </a:p>
+        </p:txBody>
+      </p:sp>
+    </p:spTree>
+    <p:extLst>
+      <p:ext uri="{BB962C8B-B14F-4D97-AF65-F5344CB8AC3E}">
+        <p14:creationId xmlns:p14="http://schemas.microsoft.com/office/powerpoint/2010/main" val="2231611571"/>
+      </p:ext>
+    </p:extLst>
+  </p:cSld>
+  <p:clrMapOvr>
+    <a:masterClrMapping/>
+  </p:clrMapOvr>
+  <mc:AlternateContent xmlns:mc="http://schemas.openxmlformats.org/markup-compatibility/2006" xmlns:p14="http://schemas.microsoft.com/office/powerpoint/2010/main">
+    <mc:Choice Requires="p14">
+      <p:transition spd="med" p14:dur="700">
+        <p:fade/>
+      </p:transition>
+    </mc:Choice>
+    <mc:Fallback xmlns="">
+      <p:transition spd="med">
+        <p:fade/>
+      </p:transition>
+    </mc:Fallback>
+  </mc:AlternateContent>
+  <p:timing>
+    <p:tnLst>
+      <p:par>
+        <p:cTn id="1" dur="indefinite" restart="never" nodeType="tmRoot"/>
+      </p:par>
+    </p:tnLst>
+  </p:timing>
+</p:sld>
+</file>
+
+<file path=ppt/slides/slide38.xml><?xml version="1.0" encoding="utf-8"?>
+<p:sld xmlns:a="http://schemas.openxmlformats.org/drawingml/2006/main" xmlns:r="http://schemas.openxmlformats.org/officeDocument/2006/relationships" xmlns:p="http://schemas.openxmlformats.org/presentationml/2006/main">
+  <p:cSld>
+    <p:spTree>
+      <p:nvGrpSpPr>
+        <p:cNvPr id="1" name=""/>
+        <p:cNvGrpSpPr/>
+        <p:nvPr/>
+      </p:nvGrpSpPr>
+      <p:grpSpPr>
+        <a:xfrm>
+          <a:off x="0" y="0"/>
+          <a:ext cx="0" cy="0"/>
+          <a:chOff x="0" y="0"/>
+          <a:chExt cx="0" cy="0"/>
+        </a:xfrm>
+      </p:grpSpPr>
+      <p:sp>
+        <p:nvSpPr>
+          <p:cNvPr id="32" name="文本框 31"/>
+          <p:cNvSpPr txBox="1"/>
+          <p:nvPr/>
+        </p:nvSpPr>
+        <p:spPr>
+          <a:xfrm>
+            <a:off x="959552" y="340946"/>
+            <a:ext cx="2377574" cy="584775"/>
+          </a:xfrm>
+          <a:prstGeom prst="rect">
+            <a:avLst/>
+          </a:prstGeom>
+          <a:noFill/>
+        </p:spPr>
+        <p:txBody>
+          <a:bodyPr wrap="none" rtlCol="0">
+            <a:spAutoFit/>
+          </a:bodyPr>
+          <a:lstStyle/>
+          <a:p>
+            <a:r>
+              <a:rPr lang="en-US" altLang="zh-CN" sz="3200" dirty="0" err="1" smtClean="0">
+                <a:latin typeface="OPPOSans R" panose="00020600040101010101" pitchFamily="18" charset="-122"/>
+                <a:ea typeface="OPPOSans R" panose="00020600040101010101" pitchFamily="18" charset="-122"/>
+                <a:cs typeface="OPPOSans R" panose="00020600040101010101" pitchFamily="18" charset="-122"/>
+              </a:rPr>
+              <a:t>Git</a:t>
+            </a:r>
+            <a:r>
+              <a:rPr lang="zh-CN" altLang="en-US" sz="3200" dirty="0" smtClean="0">
+                <a:latin typeface="OPPOSans R" panose="00020600040101010101" pitchFamily="18" charset="-122"/>
+                <a:ea typeface="OPPOSans R" panose="00020600040101010101" pitchFamily="18" charset="-122"/>
+                <a:cs typeface="OPPOSans R" panose="00020600040101010101" pitchFamily="18" charset="-122"/>
+              </a:rPr>
+              <a:t>知识扩展</a:t>
+            </a:r>
+            <a:endParaRPr lang="zh-CN" altLang="en-US" sz="3200" dirty="0">
+              <a:latin typeface="OPPOSans R" panose="00020600040101010101" pitchFamily="18" charset="-122"/>
+              <a:ea typeface="OPPOSans R" panose="00020600040101010101" pitchFamily="18" charset="-122"/>
+              <a:cs typeface="OPPOSans R" panose="00020600040101010101" pitchFamily="18" charset="-122"/>
+            </a:endParaRPr>
+          </a:p>
+        </p:txBody>
+      </p:sp>
+      <p:sp>
+        <p:nvSpPr>
+          <p:cNvPr id="39" name="矩形 38"/>
+          <p:cNvSpPr/>
+          <p:nvPr/>
+        </p:nvSpPr>
+        <p:spPr>
+          <a:xfrm>
+            <a:off x="0" y="462703"/>
+            <a:ext cx="794456" cy="738664"/>
+          </a:xfrm>
+          <a:prstGeom prst="rect">
+            <a:avLst/>
+          </a:prstGeom>
+          <a:solidFill>
+            <a:srgbClr val="9A0001"/>
+          </a:solidFill>
+          <a:ln>
+            <a:noFill/>
+          </a:ln>
+        </p:spPr>
+        <p:style>
+          <a:lnRef idx="2">
+            <a:schemeClr val="accent1">
+              <a:shade val="50000"/>
+            </a:schemeClr>
+          </a:lnRef>
+          <a:fillRef idx="1">
+            <a:schemeClr val="accent1"/>
+          </a:fillRef>
+          <a:effectRef idx="0">
+            <a:schemeClr val="accent1"/>
+          </a:effectRef>
+          <a:fontRef idx="minor">
+            <a:schemeClr val="lt1"/>
+          </a:fontRef>
+        </p:style>
+        <p:txBody>
+          <a:bodyPr rtlCol="0" anchor="ctr"/>
+          <a:lstStyle/>
+          <a:p>
+            <a:pPr algn="ctr"/>
+            <a:endParaRPr kumimoji="1" lang="zh-CN" altLang="en-US" sz="1600" dirty="0">
+              <a:latin typeface="OPPOSans R" panose="00020600040101010101" pitchFamily="18" charset="-122"/>
+              <a:ea typeface="OPPOSans R" panose="00020600040101010101" pitchFamily="18" charset="-122"/>
+            </a:endParaRPr>
+          </a:p>
+        </p:txBody>
+      </p:sp>
+      <p:sp>
+        <p:nvSpPr>
+          <p:cNvPr id="34" name="矩形 33"/>
+          <p:cNvSpPr/>
+          <p:nvPr/>
+        </p:nvSpPr>
+        <p:spPr>
+          <a:xfrm flipV="1">
+            <a:off x="7529454" y="6772905"/>
+            <a:ext cx="4682001" cy="128741"/>
+          </a:xfrm>
+          <a:prstGeom prst="rect">
+            <a:avLst/>
+          </a:prstGeom>
+          <a:solidFill>
+            <a:srgbClr val="9A0001"/>
+          </a:solidFill>
+          <a:ln>
+            <a:noFill/>
+          </a:ln>
+        </p:spPr>
+        <p:style>
+          <a:lnRef idx="2">
+            <a:schemeClr val="accent1">
+              <a:shade val="50000"/>
+            </a:schemeClr>
+          </a:lnRef>
+          <a:fillRef idx="1">
+            <a:schemeClr val="accent1"/>
+          </a:fillRef>
+          <a:effectRef idx="0">
+            <a:schemeClr val="accent1"/>
+          </a:effectRef>
+          <a:fontRef idx="minor">
+            <a:schemeClr val="lt1"/>
+          </a:fontRef>
+        </p:style>
+        <p:txBody>
+          <a:bodyPr rtlCol="0" anchor="ctr"/>
+          <a:lstStyle/>
+          <a:p>
+            <a:pPr algn="ctr"/>
+            <a:endParaRPr kumimoji="1" lang="zh-CN" altLang="en-US" sz="1600" dirty="0">
+              <a:latin typeface="OPPOSans R" panose="00020600040101010101" pitchFamily="18" charset="-122"/>
+              <a:ea typeface="OPPOSans R" panose="00020600040101010101" pitchFamily="18" charset="-122"/>
+            </a:endParaRPr>
+          </a:p>
+        </p:txBody>
+      </p:sp>
+      <p:pic>
+        <p:nvPicPr>
+          <p:cNvPr id="40" name="图片 39" descr="微信图片_20210609194104"/>
+          <p:cNvPicPr>
+            <a:picLocks noChangeAspect="1"/>
+          </p:cNvPicPr>
+          <p:nvPr/>
+        </p:nvPicPr>
+        <p:blipFill>
+          <a:blip r:embed="rId3"/>
+          <a:stretch>
+            <a:fillRect/>
+          </a:stretch>
+        </p:blipFill>
+        <p:spPr>
+          <a:xfrm>
+            <a:off x="8303298" y="453877"/>
+            <a:ext cx="3533140" cy="533400"/>
+          </a:xfrm>
+          <a:prstGeom prst="rect">
+            <a:avLst/>
+          </a:prstGeom>
+        </p:spPr>
+      </p:pic>
+      <p:sp>
+        <p:nvSpPr>
           <p:cNvPr id="8" name="文本框 7"/>
           <p:cNvSpPr txBox="1"/>
           <p:nvPr/>
@@ -25778,7 +26988,7 @@
 </p:sld>
 </file>
 
-<file path=ppt/slides/slide38.xml><?xml version="1.0" encoding="utf-8"?>
+<file path=ppt/slides/slide39.xml><?xml version="1.0" encoding="utf-8"?>
 <p:sld xmlns:a="http://schemas.openxmlformats.org/drawingml/2006/main" xmlns:r="http://schemas.openxmlformats.org/officeDocument/2006/relationships" xmlns:p="http://schemas.openxmlformats.org/presentationml/2006/main">
   <p:cSld>
     <p:spTree>

--- a/ppt/git介绍0325.pptx
+++ b/ppt/git介绍0325.pptx
@@ -5,7 +5,7 @@
     <p:sldMasterId id="2147483648" r:id="rId1"/>
   </p:sldMasterIdLst>
   <p:notesMasterIdLst>
-    <p:notesMasterId r:id="rId41"/>
+    <p:notesMasterId r:id="rId43"/>
   </p:notesMasterIdLst>
   <p:sldIdLst>
     <p:sldId id="311" r:id="rId2"/>
@@ -45,17 +45,14 @@
     <p:sldId id="374" r:id="rId36"/>
     <p:sldId id="375" r:id="rId37"/>
     <p:sldId id="346" r:id="rId38"/>
-    <p:sldId id="347" r:id="rId39"/>
-    <p:sldId id="321" r:id="rId40"/>
+    <p:sldId id="376" r:id="rId39"/>
+    <p:sldId id="378" r:id="rId40"/>
+    <p:sldId id="347" r:id="rId41"/>
+    <p:sldId id="321" r:id="rId42"/>
   </p:sldIdLst>
   <p:sldSz cx="12192000" cy="6858000"/>
   <p:notesSz cx="6858000" cy="9144000"/>
   <p:embeddedFontLst>
-    <p:embeddedFont>
-      <p:font typeface="微软雅黑" panose="020B0503020204020204" pitchFamily="34" charset="-122"/>
-      <p:regular r:id="rId42"/>
-      <p:bold r:id="rId43"/>
-    </p:embeddedFont>
     <p:embeddedFont>
       <p:font typeface="OPPOSans R" panose="00020600040101010101" pitchFamily="18" charset="-122"/>
       <p:regular r:id="rId44"/>
@@ -64,9 +61,14 @@
       <p:font typeface="OPPOSans B" panose="00020600040101010101" pitchFamily="18" charset="-122"/>
       <p:regular r:id="rId45"/>
     </p:embeddedFont>
+    <p:embeddedFont>
+      <p:font typeface="微软雅黑" panose="020B0503020204020204" pitchFamily="34" charset="-122"/>
+      <p:regular r:id="rId46"/>
+      <p:bold r:id="rId47"/>
+    </p:embeddedFont>
   </p:embeddedFontLst>
   <p:custDataLst>
-    <p:tags r:id="rId46"/>
+    <p:tags r:id="rId48"/>
   </p:custDataLst>
   <p:defaultTextStyle>
     <a:defPPr>
@@ -3114,6 +3116,174 @@
             <a:fld id="{42A0AB4E-63C4-9548-A330-CCCE1C9D7716}" type="slidenum">
               <a:rPr kumimoji="1" lang="zh-CN" altLang="en-US" smtClean="0"/>
               <a:t>38</a:t>
+            </a:fld>
+            <a:endParaRPr kumimoji="1" lang="zh-CN" altLang="en-US"/>
+          </a:p>
+        </p:txBody>
+      </p:sp>
+    </p:spTree>
+    <p:extLst>
+      <p:ext uri="{BB962C8B-B14F-4D97-AF65-F5344CB8AC3E}">
+        <p14:creationId xmlns:p14="http://schemas.microsoft.com/office/powerpoint/2010/main" val="2153768864"/>
+      </p:ext>
+    </p:extLst>
+  </p:cSld>
+  <p:clrMapOvr>
+    <a:masterClrMapping/>
+  </p:clrMapOvr>
+</p:notes>
+</file>
+
+<file path=ppt/notesSlides/notesSlide38.xml><?xml version="1.0" encoding="utf-8"?>
+<p:notes xmlns:a="http://schemas.openxmlformats.org/drawingml/2006/main" xmlns:r="http://schemas.openxmlformats.org/officeDocument/2006/relationships" xmlns:p="http://schemas.openxmlformats.org/presentationml/2006/main">
+  <p:cSld>
+    <p:spTree>
+      <p:nvGrpSpPr>
+        <p:cNvPr id="1" name=""/>
+        <p:cNvGrpSpPr/>
+        <p:nvPr/>
+      </p:nvGrpSpPr>
+      <p:grpSpPr>
+        <a:xfrm>
+          <a:off x="0" y="0"/>
+          <a:ext cx="0" cy="0"/>
+          <a:chOff x="0" y="0"/>
+          <a:chExt cx="0" cy="0"/>
+        </a:xfrm>
+      </p:grpSpPr>
+      <p:sp>
+        <p:nvSpPr>
+          <p:cNvPr id="2" name="幻灯片图像占位符 1"/>
+          <p:cNvSpPr>
+            <a:spLocks noGrp="1" noRot="1" noChangeAspect="1"/>
+          </p:cNvSpPr>
+          <p:nvPr>
+            <p:ph type="sldImg"/>
+          </p:nvPr>
+        </p:nvSpPr>
+        <p:spPr/>
+      </p:sp>
+      <p:sp>
+        <p:nvSpPr>
+          <p:cNvPr id="3" name="备注占位符 2"/>
+          <p:cNvSpPr>
+            <a:spLocks noGrp="1"/>
+          </p:cNvSpPr>
+          <p:nvPr>
+            <p:ph type="body" idx="1"/>
+          </p:nvPr>
+        </p:nvSpPr>
+        <p:spPr/>
+        <p:txBody>
+          <a:bodyPr/>
+          <a:lstStyle/>
+          <a:p>
+            <a:endParaRPr kumimoji="1" lang="zh-CN" altLang="en-US" dirty="0"/>
+          </a:p>
+        </p:txBody>
+      </p:sp>
+      <p:sp>
+        <p:nvSpPr>
+          <p:cNvPr id="4" name="灯片编号占位符 3"/>
+          <p:cNvSpPr>
+            <a:spLocks noGrp="1"/>
+          </p:cNvSpPr>
+          <p:nvPr>
+            <p:ph type="sldNum" sz="quarter" idx="5"/>
+          </p:nvPr>
+        </p:nvSpPr>
+        <p:spPr/>
+        <p:txBody>
+          <a:bodyPr/>
+          <a:lstStyle/>
+          <a:p>
+            <a:fld id="{42A0AB4E-63C4-9548-A330-CCCE1C9D7716}" type="slidenum">
+              <a:rPr kumimoji="1" lang="zh-CN" altLang="en-US" smtClean="0"/>
+              <a:t>39</a:t>
+            </a:fld>
+            <a:endParaRPr kumimoji="1" lang="zh-CN" altLang="en-US"/>
+          </a:p>
+        </p:txBody>
+      </p:sp>
+    </p:spTree>
+    <p:extLst>
+      <p:ext uri="{BB962C8B-B14F-4D97-AF65-F5344CB8AC3E}">
+        <p14:creationId xmlns:p14="http://schemas.microsoft.com/office/powerpoint/2010/main" val="2501866698"/>
+      </p:ext>
+    </p:extLst>
+  </p:cSld>
+  <p:clrMapOvr>
+    <a:masterClrMapping/>
+  </p:clrMapOvr>
+</p:notes>
+</file>
+
+<file path=ppt/notesSlides/notesSlide39.xml><?xml version="1.0" encoding="utf-8"?>
+<p:notes xmlns:a="http://schemas.openxmlformats.org/drawingml/2006/main" xmlns:r="http://schemas.openxmlformats.org/officeDocument/2006/relationships" xmlns:p="http://schemas.openxmlformats.org/presentationml/2006/main">
+  <p:cSld>
+    <p:spTree>
+      <p:nvGrpSpPr>
+        <p:cNvPr id="1" name=""/>
+        <p:cNvGrpSpPr/>
+        <p:nvPr/>
+      </p:nvGrpSpPr>
+      <p:grpSpPr>
+        <a:xfrm>
+          <a:off x="0" y="0"/>
+          <a:ext cx="0" cy="0"/>
+          <a:chOff x="0" y="0"/>
+          <a:chExt cx="0" cy="0"/>
+        </a:xfrm>
+      </p:grpSpPr>
+      <p:sp>
+        <p:nvSpPr>
+          <p:cNvPr id="2" name="幻灯片图像占位符 1"/>
+          <p:cNvSpPr>
+            <a:spLocks noGrp="1" noRot="1" noChangeAspect="1"/>
+          </p:cNvSpPr>
+          <p:nvPr>
+            <p:ph type="sldImg"/>
+          </p:nvPr>
+        </p:nvSpPr>
+        <p:spPr/>
+      </p:sp>
+      <p:sp>
+        <p:nvSpPr>
+          <p:cNvPr id="3" name="备注占位符 2"/>
+          <p:cNvSpPr>
+            <a:spLocks noGrp="1"/>
+          </p:cNvSpPr>
+          <p:nvPr>
+            <p:ph type="body" idx="1"/>
+          </p:nvPr>
+        </p:nvSpPr>
+        <p:spPr/>
+        <p:txBody>
+          <a:bodyPr/>
+          <a:lstStyle/>
+          <a:p>
+            <a:endParaRPr kumimoji="1" lang="zh-CN" altLang="en-US" dirty="0"/>
+          </a:p>
+        </p:txBody>
+      </p:sp>
+      <p:sp>
+        <p:nvSpPr>
+          <p:cNvPr id="4" name="灯片编号占位符 3"/>
+          <p:cNvSpPr>
+            <a:spLocks noGrp="1"/>
+          </p:cNvSpPr>
+          <p:nvPr>
+            <p:ph type="sldNum" sz="quarter" idx="5"/>
+          </p:nvPr>
+        </p:nvSpPr>
+        <p:spPr/>
+        <p:txBody>
+          <a:bodyPr/>
+          <a:lstStyle/>
+          <a:p>
+            <a:fld id="{42A0AB4E-63C4-9548-A330-CCCE1C9D7716}" type="slidenum">
+              <a:rPr kumimoji="1" lang="zh-CN" altLang="en-US" smtClean="0"/>
+              <a:t>40</a:t>
             </a:fld>
             <a:endParaRPr kumimoji="1" lang="zh-CN" altLang="en-US"/>
           </a:p>
@@ -18530,14 +18700,7 @@
                 <a:latin typeface="微软雅黑" panose="020B0503020204020204" pitchFamily="34" charset="-122"/>
                 <a:ea typeface="微软雅黑" panose="020B0503020204020204" pitchFamily="34" charset="-122"/>
               </a:rPr>
-              <a:t> </a:t>
-            </a:r>
-            <a:r>
-              <a:rPr lang="en-US" altLang="zh-CN" sz="2200" dirty="0" smtClean="0">
-                <a:latin typeface="微软雅黑" panose="020B0503020204020204" pitchFamily="34" charset="-122"/>
-                <a:ea typeface="微软雅黑" panose="020B0503020204020204" pitchFamily="34" charset="-122"/>
-              </a:rPr>
-              <a:t>branch</a:t>
+              <a:t> branch</a:t>
             </a:r>
             <a:r>
               <a:rPr lang="zh-CN" altLang="en-US" sz="2200" dirty="0" smtClean="0">
@@ -18569,14 +18732,7 @@
                 <a:latin typeface="微软雅黑" panose="020B0503020204020204" pitchFamily="34" charset="-122"/>
                 <a:ea typeface="微软雅黑" panose="020B0503020204020204" pitchFamily="34" charset="-122"/>
               </a:rPr>
-              <a:t> </a:t>
-            </a:r>
-            <a:r>
-              <a:rPr lang="en-US" altLang="zh-CN" sz="2200" dirty="0" smtClean="0">
-                <a:latin typeface="微软雅黑" panose="020B0503020204020204" pitchFamily="34" charset="-122"/>
-                <a:ea typeface="微软雅黑" panose="020B0503020204020204" pitchFamily="34" charset="-122"/>
-              </a:rPr>
-              <a:t>branch &lt;name&gt;</a:t>
+              <a:t> branch &lt;name&gt;</a:t>
             </a:r>
             <a:r>
               <a:rPr lang="zh-CN" altLang="en-US" sz="2200" dirty="0" smtClean="0">
@@ -18760,14 +18916,7 @@
                 <a:latin typeface="微软雅黑" panose="020B0503020204020204" pitchFamily="34" charset="-122"/>
                 <a:ea typeface="微软雅黑" panose="020B0503020204020204" pitchFamily="34" charset="-122"/>
               </a:rPr>
-              <a:t> </a:t>
-            </a:r>
-            <a:r>
-              <a:rPr lang="en-US" altLang="zh-CN" sz="2200" dirty="0" smtClean="0">
-                <a:latin typeface="微软雅黑" panose="020B0503020204020204" pitchFamily="34" charset="-122"/>
-                <a:ea typeface="微软雅黑" panose="020B0503020204020204" pitchFamily="34" charset="-122"/>
-              </a:rPr>
-              <a:t>remote –v </a:t>
+              <a:t> remote –v </a:t>
             </a:r>
             <a:r>
               <a:rPr lang="zh-CN" altLang="en-US" sz="2200" dirty="0" smtClean="0">
@@ -18799,14 +18948,7 @@
                 <a:latin typeface="微软雅黑" panose="020B0503020204020204" pitchFamily="34" charset="-122"/>
                 <a:ea typeface="微软雅黑" panose="020B0503020204020204" pitchFamily="34" charset="-122"/>
               </a:rPr>
-              <a:t> </a:t>
-            </a:r>
-            <a:r>
-              <a:rPr lang="en-US" altLang="zh-CN" sz="2200" dirty="0" smtClean="0">
-                <a:latin typeface="微软雅黑" panose="020B0503020204020204" pitchFamily="34" charset="-122"/>
-                <a:ea typeface="微软雅黑" panose="020B0503020204020204" pitchFamily="34" charset="-122"/>
-              </a:rPr>
-              <a:t>push </a:t>
+              <a:t> push </a:t>
             </a:r>
             <a:r>
               <a:rPr lang="zh-CN" altLang="en-US" sz="2200" dirty="0" smtClean="0">
@@ -18838,14 +18980,7 @@
                 <a:latin typeface="微软雅黑" panose="020B0503020204020204" pitchFamily="34" charset="-122"/>
                 <a:ea typeface="微软雅黑" panose="020B0503020204020204" pitchFamily="34" charset="-122"/>
               </a:rPr>
-              <a:t> </a:t>
-            </a:r>
-            <a:r>
-              <a:rPr lang="en-US" altLang="zh-CN" sz="2200" dirty="0" smtClean="0">
-                <a:latin typeface="微软雅黑" panose="020B0503020204020204" pitchFamily="34" charset="-122"/>
-                <a:ea typeface="微软雅黑" panose="020B0503020204020204" pitchFamily="34" charset="-122"/>
-              </a:rPr>
-              <a:t>pull  </a:t>
+              <a:t> pull  </a:t>
             </a:r>
             <a:r>
               <a:rPr lang="zh-CN" altLang="en-US" sz="2200" dirty="0" smtClean="0">
@@ -18923,14 +19058,7 @@
                 <a:latin typeface="微软雅黑" panose="020B0503020204020204" pitchFamily="34" charset="-122"/>
                 <a:ea typeface="微软雅黑" panose="020B0503020204020204" pitchFamily="34" charset="-122"/>
               </a:rPr>
-              <a:t> </a:t>
-            </a:r>
-            <a:r>
-              <a:rPr lang="en-US" altLang="zh-CN" sz="2200" dirty="0" smtClean="0">
-                <a:latin typeface="微软雅黑" panose="020B0503020204020204" pitchFamily="34" charset="-122"/>
-                <a:ea typeface="微软雅黑" panose="020B0503020204020204" pitchFamily="34" charset="-122"/>
-              </a:rPr>
-              <a:t>tag</a:t>
+              <a:t> tag</a:t>
             </a:r>
             <a:r>
               <a:rPr lang="zh-CN" altLang="en-US" sz="2200" dirty="0" smtClean="0">
@@ -23103,14 +23231,7 @@
                 <a:latin typeface="微软雅黑" panose="020B0503020204020204" pitchFamily="34" charset="-122"/>
                 <a:ea typeface="微软雅黑" panose="020B0503020204020204" pitchFamily="34" charset="-122"/>
               </a:rPr>
-              <a:t>可以给标签添加</a:t>
-            </a:r>
-            <a:r>
-              <a:rPr lang="zh-CN" altLang="en-US" sz="2000" dirty="0" smtClean="0">
-                <a:latin typeface="微软雅黑" panose="020B0503020204020204" pitchFamily="34" charset="-122"/>
-                <a:ea typeface="微软雅黑" panose="020B0503020204020204" pitchFamily="34" charset="-122"/>
-              </a:rPr>
-              <a:t>注释</a:t>
+              <a:t>可以给标签添加注释</a:t>
             </a:r>
             <a:endParaRPr lang="en-US" altLang="zh-CN" sz="2000" dirty="0" smtClean="0">
               <a:latin typeface="微软雅黑" panose="020B0503020204020204" pitchFamily="34" charset="-122"/>
@@ -23223,14 +23344,7 @@
                 <a:latin typeface="微软雅黑" panose="020B0503020204020204" pitchFamily="34" charset="-122"/>
                 <a:ea typeface="微软雅黑" panose="020B0503020204020204" pitchFamily="34" charset="-122"/>
               </a:rPr>
-              <a:t>，删除</a:t>
-            </a:r>
-            <a:r>
-              <a:rPr lang="zh-CN" altLang="en-US" sz="2000" dirty="0" smtClean="0">
-                <a:latin typeface="微软雅黑" panose="020B0503020204020204" pitchFamily="34" charset="-122"/>
-                <a:ea typeface="微软雅黑" panose="020B0503020204020204" pitchFamily="34" charset="-122"/>
-              </a:rPr>
-              <a:t>标签</a:t>
+              <a:t>，删除标签</a:t>
             </a:r>
             <a:endParaRPr lang="en-US" altLang="zh-CN" sz="2000" dirty="0" smtClean="0">
               <a:latin typeface="微软雅黑" panose="020B0503020204020204" pitchFamily="34" charset="-122"/>
@@ -23324,10 +23438,6 @@
               </a:rPr>
               <a:t>&gt;</a:t>
             </a:r>
-            <a:endParaRPr lang="en-US" altLang="zh-CN" sz="2000" dirty="0" smtClean="0">
-              <a:latin typeface="微软雅黑" panose="020B0503020204020204" pitchFamily="34" charset="-122"/>
-              <a:ea typeface="微软雅黑" panose="020B0503020204020204" pitchFamily="34" charset="-122"/>
-            </a:endParaRPr>
           </a:p>
         </p:txBody>
       </p:sp>
@@ -25126,14 +25236,7 @@
                 <a:latin typeface="微软雅黑" panose="020B0503020204020204" pitchFamily="34" charset="-122"/>
                 <a:ea typeface="微软雅黑" panose="020B0503020204020204" pitchFamily="34" charset="-122"/>
               </a:rPr>
-              <a:t>有时候我们必须把某些文件放到</a:t>
-            </a:r>
-            <a:r>
-              <a:rPr lang="zh-CN" altLang="en-US" sz="2000" dirty="0" smtClean="0">
-                <a:latin typeface="微软雅黑" panose="020B0503020204020204" pitchFamily="34" charset="-122"/>
-                <a:ea typeface="微软雅黑" panose="020B0503020204020204" pitchFamily="34" charset="-122"/>
-              </a:rPr>
-              <a:t>本地</a:t>
+              <a:t>有时候我们必须把某些文件放到本地</a:t>
             </a:r>
             <a:r>
               <a:rPr lang="en-US" altLang="zh-CN" sz="2000" dirty="0" err="1" smtClean="0">
@@ -25620,7 +25723,7 @@
         <p:spPr>
           <a:xfrm>
             <a:off x="959551" y="1201367"/>
-            <a:ext cx="9753600" cy="499624"/>
+            <a:ext cx="9753600" cy="2400657"/>
           </a:xfrm>
           <a:prstGeom prst="rect">
             <a:avLst/>
@@ -25643,7 +25746,7 @@
                 <a:latin typeface="微软雅黑" panose="020B0503020204020204" pitchFamily="34" charset="-122"/>
                 <a:ea typeface="微软雅黑" panose="020B0503020204020204" pitchFamily="34" charset="-122"/>
               </a:rPr>
-              <a:t>中文教程</a:t>
+              <a:t>教程参考</a:t>
             </a:r>
             <a:r>
               <a:rPr lang="en-US" altLang="zh-CN" sz="2000" dirty="0" smtClean="0">
@@ -25657,7 +25760,7 @@
                 <a:latin typeface="微软雅黑" panose="020B0503020204020204" pitchFamily="34" charset="-122"/>
                 <a:ea typeface="微软雅黑" panose="020B0503020204020204" pitchFamily="34" charset="-122"/>
               </a:rPr>
-              <a:t>://zhuanlan.zhihu.com/p/514135557</a:t>
+              <a:t>://mp.weixin.qq.com/s?src=11&amp;timestamp=1676539016&amp;ver=4354&amp;signature=LeKEeLPUe8UdPIQunl8DDapOFJIUYLofqRvNOIxzxBGLk25jHlgVeuY3NlTaFRcadXqG-JnvLS5cEmdIXOd5JJlii8-FQCP4pZahn7k0u90gaRSVMpa1gFUVkpR74n9j&amp;new=1</a:t>
             </a:r>
             <a:endParaRPr lang="en-US" altLang="zh-CN" sz="2000" dirty="0" smtClean="0">
               <a:latin typeface="微软雅黑" panose="020B0503020204020204" pitchFamily="34" charset="-122"/>
@@ -25760,7 +25863,7 @@
         </p:blipFill>
         <p:spPr>
           <a:xfrm>
-            <a:off x="959551" y="1962009"/>
+            <a:off x="916688" y="2753688"/>
             <a:ext cx="9839325" cy="3695700"/>
           </a:xfrm>
           <a:prstGeom prst="rect">
@@ -26091,7 +26194,7 @@
         <p:spPr>
           <a:xfrm>
             <a:off x="959551" y="3232200"/>
-            <a:ext cx="9753600" cy="3000821"/>
+            <a:ext cx="9753600" cy="2169825"/>
           </a:xfrm>
           <a:prstGeom prst="rect">
             <a:avLst/>
@@ -26321,82 +26424,15 @@
                 <a:latin typeface="微软雅黑" panose="020B0503020204020204" pitchFamily="34" charset="-122"/>
                 <a:ea typeface="微软雅黑" panose="020B0503020204020204" pitchFamily="34" charset="-122"/>
               </a:rPr>
-              <a:t>的是我本人。</a:t>
-            </a:r>
-            <a:r>
-              <a:rPr lang="zh-CN" altLang="en-US" dirty="0">
-                <a:latin typeface="微软雅黑" panose="020B0503020204020204" pitchFamily="34" charset="-122"/>
-                <a:ea typeface="微软雅黑" panose="020B0503020204020204" pitchFamily="34" charset="-122"/>
-              </a:rPr>
-              <a:t>也只有用 </a:t>
-            </a:r>
-            <a:r>
-              <a:rPr lang="en-US" altLang="zh-CN" dirty="0">
-                <a:latin typeface="微软雅黑" panose="020B0503020204020204" pitchFamily="34" charset="-122"/>
-                <a:ea typeface="微软雅黑" panose="020B0503020204020204" pitchFamily="34" charset="-122"/>
-              </a:rPr>
-              <a:t>GPG </a:t>
-            </a:r>
-            <a:r>
-              <a:rPr lang="zh-CN" altLang="en-US" dirty="0">
-                <a:latin typeface="微软雅黑" panose="020B0503020204020204" pitchFamily="34" charset="-122"/>
-                <a:ea typeface="微软雅黑" panose="020B0503020204020204" pitchFamily="34" charset="-122"/>
-              </a:rPr>
-              <a:t>私钥签名的 </a:t>
-            </a:r>
-            <a:r>
-              <a:rPr lang="en-US" altLang="zh-CN" dirty="0">
-                <a:latin typeface="微软雅黑" panose="020B0503020204020204" pitchFamily="34" charset="-122"/>
-                <a:ea typeface="微软雅黑" panose="020B0503020204020204" pitchFamily="34" charset="-122"/>
-              </a:rPr>
-              <a:t>commit </a:t>
-            </a:r>
-            <a:r>
-              <a:rPr lang="zh-CN" altLang="en-US" dirty="0">
-                <a:latin typeface="微软雅黑" panose="020B0503020204020204" pitchFamily="34" charset="-122"/>
-                <a:ea typeface="微软雅黑" panose="020B0503020204020204" pitchFamily="34" charset="-122"/>
-              </a:rPr>
-              <a:t>在 </a:t>
-            </a:r>
-            <a:r>
-              <a:rPr lang="en-US" altLang="zh-CN" dirty="0">
-                <a:latin typeface="微软雅黑" panose="020B0503020204020204" pitchFamily="34" charset="-122"/>
-                <a:ea typeface="微软雅黑" panose="020B0503020204020204" pitchFamily="34" charset="-122"/>
-              </a:rPr>
-              <a:t>GitHub </a:t>
-            </a:r>
-            <a:r>
-              <a:rPr lang="zh-CN" altLang="en-US" dirty="0">
-                <a:latin typeface="微软雅黑" panose="020B0503020204020204" pitchFamily="34" charset="-122"/>
-                <a:ea typeface="微软雅黑" panose="020B0503020204020204" pitchFamily="34" charset="-122"/>
-              </a:rPr>
-              <a:t>上才会显示如下图的 </a:t>
-            </a:r>
-            <a:r>
-              <a:rPr lang="en-US" altLang="zh-CN" dirty="0">
-                <a:latin typeface="微软雅黑" panose="020B0503020204020204" pitchFamily="34" charset="-122"/>
-                <a:ea typeface="微软雅黑" panose="020B0503020204020204" pitchFamily="34" charset="-122"/>
-              </a:rPr>
-              <a:t>Verified </a:t>
-            </a:r>
-            <a:r>
-              <a:rPr lang="zh-CN" altLang="en-US" dirty="0">
-                <a:latin typeface="微软雅黑" panose="020B0503020204020204" pitchFamily="34" charset="-122"/>
-                <a:ea typeface="微软雅黑" panose="020B0503020204020204" pitchFamily="34" charset="-122"/>
-              </a:rPr>
-              <a:t>绿色钦定小标标。</a:t>
-            </a:r>
-            <a:endParaRPr lang="en-US" altLang="zh-CN" dirty="0" smtClean="0">
-              <a:latin typeface="微软雅黑" panose="020B0503020204020204" pitchFamily="34" charset="-122"/>
-              <a:ea typeface="微软雅黑" panose="020B0503020204020204" pitchFamily="34" charset="-122"/>
-            </a:endParaRPr>
-          </a:p>
-          <a:p>
-            <a:pPr>
-              <a:lnSpc>
-                <a:spcPct val="150000"/>
-              </a:lnSpc>
-            </a:pPr>
+              <a:t>的是我本人</a:t>
+            </a:r>
+            <a:r>
+              <a:rPr lang="zh-CN" altLang="en-US" dirty="0" smtClean="0">
+                <a:latin typeface="微软雅黑" panose="020B0503020204020204" pitchFamily="34" charset="-122"/>
+                <a:ea typeface="微软雅黑" panose="020B0503020204020204" pitchFamily="34" charset="-122"/>
+              </a:rPr>
+              <a:t>。</a:t>
+            </a:r>
             <a:endParaRPr lang="en-US" altLang="zh-CN" dirty="0" smtClean="0">
               <a:latin typeface="微软雅黑" panose="020B0503020204020204" pitchFamily="34" charset="-122"/>
               <a:ea typeface="微软雅黑" panose="020B0503020204020204" pitchFamily="34" charset="-122"/>
@@ -26728,50 +26764,6 @@
       </p:pic>
       <p:sp>
         <p:nvSpPr>
-          <p:cNvPr id="8" name="文本框 7"/>
-          <p:cNvSpPr txBox="1"/>
-          <p:nvPr/>
-        </p:nvSpPr>
-        <p:spPr>
-          <a:xfrm>
-            <a:off x="959551" y="5262847"/>
-            <a:ext cx="9753600" cy="458908"/>
-          </a:xfrm>
-          <a:prstGeom prst="rect">
-            <a:avLst/>
-          </a:prstGeom>
-          <a:noFill/>
-        </p:spPr>
-        <p:txBody>
-          <a:bodyPr wrap="square" rtlCol="0">
-            <a:spAutoFit/>
-          </a:bodyPr>
-          <a:lstStyle/>
-          <a:p>
-            <a:pPr>
-              <a:lnSpc>
-                <a:spcPct val="150000"/>
-              </a:lnSpc>
-            </a:pPr>
-            <a:r>
-              <a:rPr lang="zh-CN" altLang="en-US" dirty="0">
-                <a:latin typeface="微软雅黑" panose="020B0503020204020204" pitchFamily="34" charset="-122"/>
-                <a:ea typeface="微软雅黑" panose="020B0503020204020204" pitchFamily="34" charset="-122"/>
-              </a:rPr>
-              <a:t>教程参见：</a:t>
-            </a:r>
-            <a:r>
-              <a:rPr lang="en-US" altLang="zh-CN" dirty="0">
-                <a:latin typeface="微软雅黑" panose="020B0503020204020204" pitchFamily="34" charset="-122"/>
-                <a:ea typeface="微软雅黑" panose="020B0503020204020204" pitchFamily="34" charset="-122"/>
-              </a:rPr>
-              <a:t>https://spencerwoo.com/blog/wait-this-is-not-my-commit</a:t>
-            </a:r>
-          </a:p>
-        </p:txBody>
-      </p:sp>
-      <p:sp>
-        <p:nvSpPr>
           <p:cNvPr id="12" name="文本框 11"/>
           <p:cNvSpPr txBox="1"/>
           <p:nvPr/>
@@ -26822,6 +26814,2208 @@
       </p:sp>
       <p:sp>
         <p:nvSpPr>
+          <p:cNvPr id="11" name="文本框 10"/>
+          <p:cNvSpPr txBox="1"/>
+          <p:nvPr/>
+        </p:nvSpPr>
+        <p:spPr>
+          <a:xfrm>
+            <a:off x="959551" y="1348384"/>
+            <a:ext cx="9753600" cy="458908"/>
+          </a:xfrm>
+          <a:prstGeom prst="rect">
+            <a:avLst/>
+          </a:prstGeom>
+          <a:noFill/>
+        </p:spPr>
+        <p:txBody>
+          <a:bodyPr wrap="square" rtlCol="0">
+            <a:spAutoFit/>
+          </a:bodyPr>
+          <a:lstStyle/>
+          <a:p>
+            <a:pPr>
+              <a:lnSpc>
+                <a:spcPct val="150000"/>
+              </a:lnSpc>
+            </a:pPr>
+            <a:r>
+              <a:rPr lang="zh-CN" altLang="en-US" dirty="0" smtClean="0">
+                <a:latin typeface="微软雅黑" panose="020B0503020204020204" pitchFamily="34" charset="-122"/>
+                <a:ea typeface="微软雅黑" panose="020B0503020204020204" pitchFamily="34" charset="-122"/>
+              </a:rPr>
+              <a:t>我们下载的</a:t>
+            </a:r>
+            <a:r>
+              <a:rPr lang="en-US" altLang="zh-CN" dirty="0" smtClean="0">
+                <a:latin typeface="微软雅黑" panose="020B0503020204020204" pitchFamily="34" charset="-122"/>
+                <a:ea typeface="微软雅黑" panose="020B0503020204020204" pitchFamily="34" charset="-122"/>
+              </a:rPr>
+              <a:t>windows </a:t>
+            </a:r>
+            <a:r>
+              <a:rPr lang="en-US" altLang="zh-CN" dirty="0" err="1" smtClean="0">
+                <a:latin typeface="微软雅黑" panose="020B0503020204020204" pitchFamily="34" charset="-122"/>
+                <a:ea typeface="微软雅黑" panose="020B0503020204020204" pitchFamily="34" charset="-122"/>
+              </a:rPr>
+              <a:t>git</a:t>
+            </a:r>
+            <a:r>
+              <a:rPr lang="en-US" altLang="zh-CN" dirty="0" smtClean="0">
+                <a:latin typeface="微软雅黑" panose="020B0503020204020204" pitchFamily="34" charset="-122"/>
+                <a:ea typeface="微软雅黑" panose="020B0503020204020204" pitchFamily="34" charset="-122"/>
+              </a:rPr>
+              <a:t> bash</a:t>
+            </a:r>
+            <a:r>
+              <a:rPr lang="zh-CN" altLang="en-US" dirty="0" smtClean="0">
+                <a:latin typeface="微软雅黑" panose="020B0503020204020204" pitchFamily="34" charset="-122"/>
+                <a:ea typeface="微软雅黑" panose="020B0503020204020204" pitchFamily="34" charset="-122"/>
+              </a:rPr>
+              <a:t>自带</a:t>
+            </a:r>
+            <a:r>
+              <a:rPr lang="en-US" altLang="zh-CN" dirty="0" err="1" smtClean="0">
+                <a:latin typeface="微软雅黑" panose="020B0503020204020204" pitchFamily="34" charset="-122"/>
+                <a:ea typeface="微软雅黑" panose="020B0503020204020204" pitchFamily="34" charset="-122"/>
+              </a:rPr>
+              <a:t>gpg</a:t>
+            </a:r>
+            <a:r>
+              <a:rPr lang="zh-CN" altLang="en-US" dirty="0" smtClean="0">
+                <a:latin typeface="微软雅黑" panose="020B0503020204020204" pitchFamily="34" charset="-122"/>
+                <a:ea typeface="微软雅黑" panose="020B0503020204020204" pitchFamily="34" charset="-122"/>
+              </a:rPr>
+              <a:t>密钥生成工具</a:t>
+            </a:r>
+            <a:endParaRPr lang="en-US" altLang="zh-CN" dirty="0" smtClean="0">
+              <a:latin typeface="微软雅黑" panose="020B0503020204020204" pitchFamily="34" charset="-122"/>
+              <a:ea typeface="微软雅黑" panose="020B0503020204020204" pitchFamily="34" charset="-122"/>
+            </a:endParaRPr>
+          </a:p>
+        </p:txBody>
+      </p:sp>
+      <p:sp>
+        <p:nvSpPr>
+          <p:cNvPr id="13" name="文本框 12"/>
+          <p:cNvSpPr txBox="1"/>
+          <p:nvPr/>
+        </p:nvSpPr>
+        <p:spPr>
+          <a:xfrm>
+            <a:off x="794456" y="1807292"/>
+            <a:ext cx="9753600" cy="1754326"/>
+          </a:xfrm>
+          <a:prstGeom prst="rect">
+            <a:avLst/>
+          </a:prstGeom>
+          <a:noFill/>
+        </p:spPr>
+        <p:txBody>
+          <a:bodyPr wrap="square" rtlCol="0">
+            <a:spAutoFit/>
+          </a:bodyPr>
+          <a:lstStyle/>
+          <a:p>
+            <a:pPr>
+              <a:lnSpc>
+                <a:spcPct val="150000"/>
+              </a:lnSpc>
+            </a:pPr>
+            <a:r>
+              <a:rPr lang="zh-CN" altLang="en-US" dirty="0" smtClean="0">
+                <a:latin typeface="微软雅黑" panose="020B0503020204020204" pitchFamily="34" charset="-122"/>
+                <a:ea typeface="微软雅黑" panose="020B0503020204020204" pitchFamily="34" charset="-122"/>
+              </a:rPr>
+              <a:t>（</a:t>
+            </a:r>
+            <a:r>
+              <a:rPr lang="en-US" altLang="zh-CN" dirty="0" smtClean="0">
+                <a:latin typeface="微软雅黑" panose="020B0503020204020204" pitchFamily="34" charset="-122"/>
+                <a:ea typeface="微软雅黑" panose="020B0503020204020204" pitchFamily="34" charset="-122"/>
+              </a:rPr>
+              <a:t>1</a:t>
+            </a:r>
+            <a:r>
+              <a:rPr lang="zh-CN" altLang="en-US" dirty="0" smtClean="0">
+                <a:latin typeface="微软雅黑" panose="020B0503020204020204" pitchFamily="34" charset="-122"/>
+                <a:ea typeface="微软雅黑" panose="020B0503020204020204" pitchFamily="34" charset="-122"/>
+              </a:rPr>
+              <a:t>）执行</a:t>
+            </a:r>
+            <a:r>
+              <a:rPr lang="en-US" altLang="zh-CN" dirty="0" err="1" smtClean="0">
+                <a:latin typeface="微软雅黑" panose="020B0503020204020204" pitchFamily="34" charset="-122"/>
+                <a:ea typeface="微软雅黑" panose="020B0503020204020204" pitchFamily="34" charset="-122"/>
+              </a:rPr>
+              <a:t>gpg</a:t>
+            </a:r>
+            <a:r>
+              <a:rPr lang="en-US" altLang="zh-CN" dirty="0" smtClean="0">
+                <a:latin typeface="微软雅黑" panose="020B0503020204020204" pitchFamily="34" charset="-122"/>
+                <a:ea typeface="微软雅黑" panose="020B0503020204020204" pitchFamily="34" charset="-122"/>
+              </a:rPr>
+              <a:t> </a:t>
+            </a:r>
+            <a:r>
+              <a:rPr lang="en-US" altLang="zh-CN" dirty="0">
+                <a:latin typeface="微软雅黑" panose="020B0503020204020204" pitchFamily="34" charset="-122"/>
+                <a:ea typeface="微软雅黑" panose="020B0503020204020204" pitchFamily="34" charset="-122"/>
+              </a:rPr>
+              <a:t>--</a:t>
+            </a:r>
+            <a:r>
+              <a:rPr lang="en-US" altLang="zh-CN" dirty="0" smtClean="0">
+                <a:latin typeface="微软雅黑" panose="020B0503020204020204" pitchFamily="34" charset="-122"/>
+                <a:ea typeface="微软雅黑" panose="020B0503020204020204" pitchFamily="34" charset="-122"/>
+              </a:rPr>
+              <a:t>full-generate-key</a:t>
+            </a:r>
+          </a:p>
+          <a:p>
+            <a:pPr>
+              <a:lnSpc>
+                <a:spcPct val="150000"/>
+              </a:lnSpc>
+            </a:pPr>
+            <a:r>
+              <a:rPr lang="zh-CN" altLang="en-US" dirty="0" smtClean="0">
+                <a:latin typeface="微软雅黑" panose="020B0503020204020204" pitchFamily="34" charset="-122"/>
+                <a:ea typeface="微软雅黑" panose="020B0503020204020204" pitchFamily="34" charset="-122"/>
+              </a:rPr>
+              <a:t>（</a:t>
+            </a:r>
+            <a:r>
+              <a:rPr lang="en-US" altLang="zh-CN" dirty="0" smtClean="0">
+                <a:latin typeface="微软雅黑" panose="020B0503020204020204" pitchFamily="34" charset="-122"/>
+                <a:ea typeface="微软雅黑" panose="020B0503020204020204" pitchFamily="34" charset="-122"/>
+              </a:rPr>
+              <a:t>2</a:t>
+            </a:r>
+            <a:r>
+              <a:rPr lang="zh-CN" altLang="en-US" dirty="0" smtClean="0">
+                <a:latin typeface="微软雅黑" panose="020B0503020204020204" pitchFamily="34" charset="-122"/>
+                <a:ea typeface="微软雅黑" panose="020B0503020204020204" pitchFamily="34" charset="-122"/>
+              </a:rPr>
+              <a:t>）选择 </a:t>
+            </a:r>
+            <a:r>
+              <a:rPr lang="en-US" altLang="zh-CN" dirty="0" smtClean="0">
+                <a:latin typeface="微软雅黑" panose="020B0503020204020204" pitchFamily="34" charset="-122"/>
+                <a:ea typeface="微软雅黑" panose="020B0503020204020204" pitchFamily="34" charset="-122"/>
+              </a:rPr>
+              <a:t>RSA </a:t>
+            </a:r>
+            <a:r>
+              <a:rPr lang="zh-CN" altLang="en-US" dirty="0" smtClean="0">
+                <a:latin typeface="微软雅黑" panose="020B0503020204020204" pitchFamily="34" charset="-122"/>
+                <a:ea typeface="微软雅黑" panose="020B0503020204020204" pitchFamily="34" charset="-122"/>
+              </a:rPr>
+              <a:t>和 </a:t>
+            </a:r>
+            <a:r>
+              <a:rPr lang="en-US" altLang="zh-CN" dirty="0" smtClean="0">
+                <a:latin typeface="微软雅黑" panose="020B0503020204020204" pitchFamily="34" charset="-122"/>
+                <a:ea typeface="微软雅黑" panose="020B0503020204020204" pitchFamily="34" charset="-122"/>
+              </a:rPr>
+              <a:t>RSA </a:t>
+            </a:r>
+            <a:r>
+              <a:rPr lang="zh-CN" altLang="en-US" dirty="0" smtClean="0">
+                <a:latin typeface="微软雅黑" panose="020B0503020204020204" pitchFamily="34" charset="-122"/>
+                <a:ea typeface="微软雅黑" panose="020B0503020204020204" pitchFamily="34" charset="-122"/>
+              </a:rPr>
+              <a:t>加密，加密长度输入</a:t>
+            </a:r>
+            <a:r>
+              <a:rPr lang="en-US" altLang="zh-CN" dirty="0" smtClean="0">
+                <a:latin typeface="微软雅黑" panose="020B0503020204020204" pitchFamily="34" charset="-122"/>
+                <a:ea typeface="微软雅黑" panose="020B0503020204020204" pitchFamily="34" charset="-122"/>
+              </a:rPr>
+              <a:t>4096</a:t>
+            </a:r>
+            <a:r>
+              <a:rPr lang="zh-CN" altLang="en-US" dirty="0" smtClean="0">
+                <a:latin typeface="微软雅黑" panose="020B0503020204020204" pitchFamily="34" charset="-122"/>
+                <a:ea typeface="微软雅黑" panose="020B0503020204020204" pitchFamily="34" charset="-122"/>
+              </a:rPr>
+              <a:t>，选择密钥永不过期。</a:t>
+            </a:r>
+            <a:endParaRPr lang="en-US" altLang="zh-CN" dirty="0" smtClean="0">
+              <a:latin typeface="微软雅黑" panose="020B0503020204020204" pitchFamily="34" charset="-122"/>
+              <a:ea typeface="微软雅黑" panose="020B0503020204020204" pitchFamily="34" charset="-122"/>
+            </a:endParaRPr>
+          </a:p>
+          <a:p>
+            <a:pPr>
+              <a:lnSpc>
+                <a:spcPct val="150000"/>
+              </a:lnSpc>
+            </a:pPr>
+            <a:r>
+              <a:rPr lang="zh-CN" altLang="en-US" dirty="0" smtClean="0">
+                <a:latin typeface="微软雅黑" panose="020B0503020204020204" pitchFamily="34" charset="-122"/>
+                <a:ea typeface="微软雅黑" panose="020B0503020204020204" pitchFamily="34" charset="-122"/>
+              </a:rPr>
+              <a:t>（</a:t>
+            </a:r>
+            <a:r>
+              <a:rPr lang="en-US" altLang="zh-CN" dirty="0" smtClean="0">
+                <a:latin typeface="微软雅黑" panose="020B0503020204020204" pitchFamily="34" charset="-122"/>
+                <a:ea typeface="微软雅黑" panose="020B0503020204020204" pitchFamily="34" charset="-122"/>
+              </a:rPr>
+              <a:t>3</a:t>
+            </a:r>
+            <a:r>
+              <a:rPr lang="zh-CN" altLang="en-US" dirty="0" smtClean="0">
+                <a:latin typeface="微软雅黑" panose="020B0503020204020204" pitchFamily="34" charset="-122"/>
+                <a:ea typeface="微软雅黑" panose="020B0503020204020204" pitchFamily="34" charset="-122"/>
+              </a:rPr>
+              <a:t>）输入</a:t>
+            </a:r>
+            <a:r>
+              <a:rPr lang="en-US" altLang="zh-CN" dirty="0" smtClean="0">
+                <a:latin typeface="微软雅黑" panose="020B0503020204020204" pitchFamily="34" charset="-122"/>
+                <a:ea typeface="微软雅黑" panose="020B0503020204020204" pitchFamily="34" charset="-122"/>
+              </a:rPr>
+              <a:t>name</a:t>
+            </a:r>
+            <a:r>
+              <a:rPr lang="zh-CN" altLang="en-US" dirty="0" smtClean="0">
+                <a:latin typeface="微软雅黑" panose="020B0503020204020204" pitchFamily="34" charset="-122"/>
+                <a:ea typeface="微软雅黑" panose="020B0503020204020204" pitchFamily="34" charset="-122"/>
+              </a:rPr>
+              <a:t>和</a:t>
+            </a:r>
+            <a:r>
+              <a:rPr lang="en-US" altLang="zh-CN" dirty="0" smtClean="0">
+                <a:latin typeface="微软雅黑" panose="020B0503020204020204" pitchFamily="34" charset="-122"/>
+                <a:ea typeface="微软雅黑" panose="020B0503020204020204" pitchFamily="34" charset="-122"/>
+              </a:rPr>
+              <a:t>email</a:t>
+            </a:r>
+            <a:r>
+              <a:rPr lang="zh-CN" altLang="en-US" dirty="0" smtClean="0">
+                <a:latin typeface="微软雅黑" panose="020B0503020204020204" pitchFamily="34" charset="-122"/>
+                <a:ea typeface="微软雅黑" panose="020B0503020204020204" pitchFamily="34" charset="-122"/>
+              </a:rPr>
+              <a:t>，就是刚开始使用</a:t>
+            </a:r>
+            <a:r>
+              <a:rPr lang="en-US" altLang="zh-CN" dirty="0" err="1" smtClean="0">
+                <a:latin typeface="微软雅黑" panose="020B0503020204020204" pitchFamily="34" charset="-122"/>
+                <a:ea typeface="微软雅黑" panose="020B0503020204020204" pitchFamily="34" charset="-122"/>
+              </a:rPr>
+              <a:t>git</a:t>
+            </a:r>
+            <a:r>
+              <a:rPr lang="en-US" altLang="zh-CN" dirty="0" smtClean="0">
+                <a:latin typeface="微软雅黑" panose="020B0503020204020204" pitchFamily="34" charset="-122"/>
+                <a:ea typeface="微软雅黑" panose="020B0503020204020204" pitchFamily="34" charset="-122"/>
+              </a:rPr>
+              <a:t> </a:t>
+            </a:r>
+            <a:r>
+              <a:rPr lang="en-US" altLang="zh-CN" dirty="0" err="1" smtClean="0">
+                <a:latin typeface="微软雅黑" panose="020B0503020204020204" pitchFamily="34" charset="-122"/>
+                <a:ea typeface="微软雅黑" panose="020B0503020204020204" pitchFamily="34" charset="-122"/>
+              </a:rPr>
+              <a:t>config</a:t>
+            </a:r>
+            <a:r>
+              <a:rPr lang="en-US" altLang="zh-CN" dirty="0" smtClean="0">
+                <a:latin typeface="微软雅黑" panose="020B0503020204020204" pitchFamily="34" charset="-122"/>
+                <a:ea typeface="微软雅黑" panose="020B0503020204020204" pitchFamily="34" charset="-122"/>
+              </a:rPr>
+              <a:t> </a:t>
+            </a:r>
+            <a:r>
+              <a:rPr lang="zh-CN" altLang="en-US" dirty="0" smtClean="0">
+                <a:latin typeface="微软雅黑" panose="020B0503020204020204" pitchFamily="34" charset="-122"/>
+                <a:ea typeface="微软雅黑" panose="020B0503020204020204" pitchFamily="34" charset="-122"/>
+              </a:rPr>
+              <a:t>配置的用户名和邮箱</a:t>
+            </a:r>
+            <a:r>
+              <a:rPr lang="en-US" altLang="zh-CN" dirty="0" smtClean="0">
+                <a:latin typeface="微软雅黑" panose="020B0503020204020204" pitchFamily="34" charset="-122"/>
+                <a:ea typeface="微软雅黑" panose="020B0503020204020204" pitchFamily="34" charset="-122"/>
+              </a:rPr>
+              <a:t/>
+            </a:r>
+            <a:br>
+              <a:rPr lang="en-US" altLang="zh-CN" dirty="0" smtClean="0">
+                <a:latin typeface="微软雅黑" panose="020B0503020204020204" pitchFamily="34" charset="-122"/>
+                <a:ea typeface="微软雅黑" panose="020B0503020204020204" pitchFamily="34" charset="-122"/>
+              </a:rPr>
+            </a:br>
+            <a:r>
+              <a:rPr lang="zh-CN" altLang="en-US" dirty="0" smtClean="0">
+                <a:latin typeface="微软雅黑" panose="020B0503020204020204" pitchFamily="34" charset="-122"/>
+                <a:ea typeface="微软雅黑" panose="020B0503020204020204" pitchFamily="34" charset="-122"/>
+              </a:rPr>
+              <a:t>（</a:t>
+            </a:r>
+            <a:r>
+              <a:rPr lang="en-US" altLang="zh-CN" dirty="0" smtClean="0">
+                <a:latin typeface="微软雅黑" panose="020B0503020204020204" pitchFamily="34" charset="-122"/>
+                <a:ea typeface="微软雅黑" panose="020B0503020204020204" pitchFamily="34" charset="-122"/>
+              </a:rPr>
+              <a:t>4</a:t>
+            </a:r>
+            <a:r>
+              <a:rPr lang="zh-CN" altLang="en-US" dirty="0" smtClean="0">
+                <a:latin typeface="微软雅黑" panose="020B0503020204020204" pitchFamily="34" charset="-122"/>
+                <a:ea typeface="微软雅黑" panose="020B0503020204020204" pitchFamily="34" charset="-122"/>
+              </a:rPr>
+              <a:t>）执行</a:t>
+            </a:r>
+            <a:r>
+              <a:rPr lang="en-US" altLang="zh-CN" dirty="0" err="1">
+                <a:latin typeface="微软雅黑" panose="020B0503020204020204" pitchFamily="34" charset="-122"/>
+                <a:ea typeface="微软雅黑" panose="020B0503020204020204" pitchFamily="34" charset="-122"/>
+              </a:rPr>
+              <a:t>gpg</a:t>
+            </a:r>
+            <a:r>
+              <a:rPr lang="en-US" altLang="zh-CN" dirty="0">
+                <a:latin typeface="微软雅黑" panose="020B0503020204020204" pitchFamily="34" charset="-122"/>
+                <a:ea typeface="微软雅黑" panose="020B0503020204020204" pitchFamily="34" charset="-122"/>
+              </a:rPr>
+              <a:t> --list-secret-keys --</a:t>
+            </a:r>
+            <a:r>
+              <a:rPr lang="en-US" altLang="zh-CN" dirty="0" err="1" smtClean="0">
+                <a:latin typeface="微软雅黑" panose="020B0503020204020204" pitchFamily="34" charset="-122"/>
+                <a:ea typeface="微软雅黑" panose="020B0503020204020204" pitchFamily="34" charset="-122"/>
+              </a:rPr>
+              <a:t>keyid</a:t>
+            </a:r>
+            <a:r>
+              <a:rPr lang="en-US" altLang="zh-CN" dirty="0" smtClean="0">
+                <a:latin typeface="微软雅黑" panose="020B0503020204020204" pitchFamily="34" charset="-122"/>
+                <a:ea typeface="微软雅黑" panose="020B0503020204020204" pitchFamily="34" charset="-122"/>
+              </a:rPr>
+              <a:t>-format=long</a:t>
+            </a:r>
+            <a:r>
+              <a:rPr lang="zh-CN" altLang="en-US" dirty="0" smtClean="0">
+                <a:latin typeface="微软雅黑" panose="020B0503020204020204" pitchFamily="34" charset="-122"/>
+                <a:ea typeface="微软雅黑" panose="020B0503020204020204" pitchFamily="34" charset="-122"/>
+              </a:rPr>
+              <a:t>，可以查看生成的密钥</a:t>
+            </a:r>
+            <a:endParaRPr lang="en-US" altLang="zh-CN" dirty="0" smtClean="0">
+              <a:latin typeface="微软雅黑" panose="020B0503020204020204" pitchFamily="34" charset="-122"/>
+              <a:ea typeface="微软雅黑" panose="020B0503020204020204" pitchFamily="34" charset="-122"/>
+            </a:endParaRPr>
+          </a:p>
+        </p:txBody>
+      </p:sp>
+      <p:pic>
+        <p:nvPicPr>
+          <p:cNvPr id="4" name="图片 3"/>
+          <p:cNvPicPr>
+            <a:picLocks noChangeAspect="1"/>
+          </p:cNvPicPr>
+          <p:nvPr/>
+        </p:nvPicPr>
+        <p:blipFill>
+          <a:blip r:embed="rId4"/>
+          <a:stretch>
+            <a:fillRect/>
+          </a:stretch>
+        </p:blipFill>
+        <p:spPr>
+          <a:xfrm>
+            <a:off x="1067020" y="3814884"/>
+            <a:ext cx="6953250" cy="2076450"/>
+          </a:xfrm>
+          <a:prstGeom prst="rect">
+            <a:avLst/>
+          </a:prstGeom>
+        </p:spPr>
+      </p:pic>
+    </p:spTree>
+    <p:extLst>
+      <p:ext uri="{BB962C8B-B14F-4D97-AF65-F5344CB8AC3E}">
+        <p14:creationId xmlns:p14="http://schemas.microsoft.com/office/powerpoint/2010/main" val="3767326442"/>
+      </p:ext>
+    </p:extLst>
+  </p:cSld>
+  <p:clrMapOvr>
+    <a:masterClrMapping/>
+  </p:clrMapOvr>
+  <mc:AlternateContent xmlns:mc="http://schemas.openxmlformats.org/markup-compatibility/2006" xmlns:p14="http://schemas.microsoft.com/office/powerpoint/2010/main">
+    <mc:Choice Requires="p14">
+      <p:transition spd="med" p14:dur="700">
+        <p:fade/>
+      </p:transition>
+    </mc:Choice>
+    <mc:Fallback xmlns="">
+      <p:transition spd="med">
+        <p:fade/>
+      </p:transition>
+    </mc:Fallback>
+  </mc:AlternateContent>
+  <p:timing>
+    <p:tnLst>
+      <p:par>
+        <p:cTn id="1" dur="indefinite" restart="never" nodeType="tmRoot"/>
+      </p:par>
+    </p:tnLst>
+  </p:timing>
+</p:sld>
+</file>
+
+<file path=ppt/slides/slide39.xml><?xml version="1.0" encoding="utf-8"?>
+<p:sld xmlns:a="http://schemas.openxmlformats.org/drawingml/2006/main" xmlns:r="http://schemas.openxmlformats.org/officeDocument/2006/relationships" xmlns:p="http://schemas.openxmlformats.org/presentationml/2006/main">
+  <p:cSld>
+    <p:spTree>
+      <p:nvGrpSpPr>
+        <p:cNvPr id="1" name=""/>
+        <p:cNvGrpSpPr/>
+        <p:nvPr/>
+      </p:nvGrpSpPr>
+      <p:grpSpPr>
+        <a:xfrm>
+          <a:off x="0" y="0"/>
+          <a:ext cx="0" cy="0"/>
+          <a:chOff x="0" y="0"/>
+          <a:chExt cx="0" cy="0"/>
+        </a:xfrm>
+      </p:grpSpPr>
+      <p:sp>
+        <p:nvSpPr>
+          <p:cNvPr id="32" name="文本框 31"/>
+          <p:cNvSpPr txBox="1"/>
+          <p:nvPr/>
+        </p:nvSpPr>
+        <p:spPr>
+          <a:xfrm>
+            <a:off x="959552" y="340946"/>
+            <a:ext cx="2377574" cy="584775"/>
+          </a:xfrm>
+          <a:prstGeom prst="rect">
+            <a:avLst/>
+          </a:prstGeom>
+          <a:noFill/>
+        </p:spPr>
+        <p:txBody>
+          <a:bodyPr wrap="none" rtlCol="0">
+            <a:spAutoFit/>
+          </a:bodyPr>
+          <a:lstStyle/>
+          <a:p>
+            <a:r>
+              <a:rPr lang="en-US" altLang="zh-CN" sz="3200" dirty="0" err="1" smtClean="0">
+                <a:latin typeface="OPPOSans R" panose="00020600040101010101" pitchFamily="18" charset="-122"/>
+                <a:ea typeface="OPPOSans R" panose="00020600040101010101" pitchFamily="18" charset="-122"/>
+                <a:cs typeface="OPPOSans R" panose="00020600040101010101" pitchFamily="18" charset="-122"/>
+              </a:rPr>
+              <a:t>Git</a:t>
+            </a:r>
+            <a:r>
+              <a:rPr lang="zh-CN" altLang="en-US" sz="3200" dirty="0" smtClean="0">
+                <a:latin typeface="OPPOSans R" panose="00020600040101010101" pitchFamily="18" charset="-122"/>
+                <a:ea typeface="OPPOSans R" panose="00020600040101010101" pitchFamily="18" charset="-122"/>
+                <a:cs typeface="OPPOSans R" panose="00020600040101010101" pitchFamily="18" charset="-122"/>
+              </a:rPr>
+              <a:t>知识扩展</a:t>
+            </a:r>
+            <a:endParaRPr lang="zh-CN" altLang="en-US" sz="3200" dirty="0">
+              <a:latin typeface="OPPOSans R" panose="00020600040101010101" pitchFamily="18" charset="-122"/>
+              <a:ea typeface="OPPOSans R" panose="00020600040101010101" pitchFamily="18" charset="-122"/>
+              <a:cs typeface="OPPOSans R" panose="00020600040101010101" pitchFamily="18" charset="-122"/>
+            </a:endParaRPr>
+          </a:p>
+        </p:txBody>
+      </p:sp>
+      <p:sp>
+        <p:nvSpPr>
+          <p:cNvPr id="39" name="矩形 38"/>
+          <p:cNvSpPr/>
+          <p:nvPr/>
+        </p:nvSpPr>
+        <p:spPr>
+          <a:xfrm>
+            <a:off x="0" y="462703"/>
+            <a:ext cx="794456" cy="738664"/>
+          </a:xfrm>
+          <a:prstGeom prst="rect">
+            <a:avLst/>
+          </a:prstGeom>
+          <a:solidFill>
+            <a:srgbClr val="9A0001"/>
+          </a:solidFill>
+          <a:ln>
+            <a:noFill/>
+          </a:ln>
+        </p:spPr>
+        <p:style>
+          <a:lnRef idx="2">
+            <a:schemeClr val="accent1">
+              <a:shade val="50000"/>
+            </a:schemeClr>
+          </a:lnRef>
+          <a:fillRef idx="1">
+            <a:schemeClr val="accent1"/>
+          </a:fillRef>
+          <a:effectRef idx="0">
+            <a:schemeClr val="accent1"/>
+          </a:effectRef>
+          <a:fontRef idx="minor">
+            <a:schemeClr val="lt1"/>
+          </a:fontRef>
+        </p:style>
+        <p:txBody>
+          <a:bodyPr rtlCol="0" anchor="ctr"/>
+          <a:lstStyle/>
+          <a:p>
+            <a:pPr algn="ctr"/>
+            <a:endParaRPr kumimoji="1" lang="zh-CN" altLang="en-US" sz="1600" dirty="0">
+              <a:latin typeface="OPPOSans R" panose="00020600040101010101" pitchFamily="18" charset="-122"/>
+              <a:ea typeface="OPPOSans R" panose="00020600040101010101" pitchFamily="18" charset="-122"/>
+            </a:endParaRPr>
+          </a:p>
+        </p:txBody>
+      </p:sp>
+      <p:sp>
+        <p:nvSpPr>
+          <p:cNvPr id="34" name="矩形 33"/>
+          <p:cNvSpPr/>
+          <p:nvPr/>
+        </p:nvSpPr>
+        <p:spPr>
+          <a:xfrm flipV="1">
+            <a:off x="7529454" y="6772905"/>
+            <a:ext cx="4682001" cy="128741"/>
+          </a:xfrm>
+          <a:prstGeom prst="rect">
+            <a:avLst/>
+          </a:prstGeom>
+          <a:solidFill>
+            <a:srgbClr val="9A0001"/>
+          </a:solidFill>
+          <a:ln>
+            <a:noFill/>
+          </a:ln>
+        </p:spPr>
+        <p:style>
+          <a:lnRef idx="2">
+            <a:schemeClr val="accent1">
+              <a:shade val="50000"/>
+            </a:schemeClr>
+          </a:lnRef>
+          <a:fillRef idx="1">
+            <a:schemeClr val="accent1"/>
+          </a:fillRef>
+          <a:effectRef idx="0">
+            <a:schemeClr val="accent1"/>
+          </a:effectRef>
+          <a:fontRef idx="minor">
+            <a:schemeClr val="lt1"/>
+          </a:fontRef>
+        </p:style>
+        <p:txBody>
+          <a:bodyPr rtlCol="0" anchor="ctr"/>
+          <a:lstStyle/>
+          <a:p>
+            <a:pPr algn="ctr"/>
+            <a:endParaRPr kumimoji="1" lang="zh-CN" altLang="en-US" sz="1600" dirty="0">
+              <a:latin typeface="OPPOSans R" panose="00020600040101010101" pitchFamily="18" charset="-122"/>
+              <a:ea typeface="OPPOSans R" panose="00020600040101010101" pitchFamily="18" charset="-122"/>
+            </a:endParaRPr>
+          </a:p>
+        </p:txBody>
+      </p:sp>
+      <p:pic>
+        <p:nvPicPr>
+          <p:cNvPr id="40" name="图片 39" descr="微信图片_20210609194104"/>
+          <p:cNvPicPr>
+            <a:picLocks noChangeAspect="1"/>
+          </p:cNvPicPr>
+          <p:nvPr/>
+        </p:nvPicPr>
+        <p:blipFill>
+          <a:blip r:embed="rId3"/>
+          <a:stretch>
+            <a:fillRect/>
+          </a:stretch>
+        </p:blipFill>
+        <p:spPr>
+          <a:xfrm>
+            <a:off x="8303298" y="453877"/>
+            <a:ext cx="3533140" cy="533400"/>
+          </a:xfrm>
+          <a:prstGeom prst="rect">
+            <a:avLst/>
+          </a:prstGeom>
+        </p:spPr>
+      </p:pic>
+      <p:sp>
+        <p:nvSpPr>
+          <p:cNvPr id="12" name="文本框 11"/>
+          <p:cNvSpPr txBox="1"/>
+          <p:nvPr/>
+        </p:nvSpPr>
+        <p:spPr>
+          <a:xfrm>
+            <a:off x="959551" y="904570"/>
+            <a:ext cx="5105087" cy="369332"/>
+          </a:xfrm>
+          <a:prstGeom prst="rect">
+            <a:avLst/>
+          </a:prstGeom>
+          <a:noFill/>
+        </p:spPr>
+        <p:txBody>
+          <a:bodyPr wrap="square">
+            <a:spAutoFit/>
+          </a:bodyPr>
+          <a:lstStyle/>
+          <a:p>
+            <a:r>
+              <a:rPr lang="zh-CN" altLang="en-US" dirty="0" smtClean="0">
+                <a:solidFill>
+                  <a:schemeClr val="tx1">
+                    <a:lumMod val="50000"/>
+                    <a:lumOff val="50000"/>
+                  </a:schemeClr>
+                </a:solidFill>
+                <a:latin typeface="OPPOSans R" panose="00020600040101010101" pitchFamily="18" charset="-122"/>
+                <a:ea typeface="OPPOSans R" panose="00020600040101010101" pitchFamily="18" charset="-122"/>
+                <a:cs typeface="OPPOSans R" panose="00020600040101010101" pitchFamily="18" charset="-122"/>
+              </a:rPr>
+              <a:t>防冒名顶替</a:t>
+            </a:r>
+            <a:endParaRPr lang="zh-CN" altLang="en-US" dirty="0">
+              <a:solidFill>
+                <a:schemeClr val="tx1">
+                  <a:lumMod val="50000"/>
+                  <a:lumOff val="50000"/>
+                </a:schemeClr>
+              </a:solidFill>
+              <a:latin typeface="OPPOSans R" panose="00020600040101010101" pitchFamily="18" charset="-122"/>
+              <a:ea typeface="OPPOSans R" panose="00020600040101010101" pitchFamily="18" charset="-122"/>
+              <a:cs typeface="OPPOSans R" panose="00020600040101010101" pitchFamily="18" charset="-122"/>
+            </a:endParaRPr>
+          </a:p>
+        </p:txBody>
+      </p:sp>
+      <p:sp>
+        <p:nvSpPr>
+          <p:cNvPr id="13" name="文本框 12"/>
+          <p:cNvSpPr txBox="1"/>
+          <p:nvPr/>
+        </p:nvSpPr>
+        <p:spPr>
+          <a:xfrm>
+            <a:off x="794456" y="1380605"/>
+            <a:ext cx="9753600" cy="2169825"/>
+          </a:xfrm>
+          <a:prstGeom prst="rect">
+            <a:avLst/>
+          </a:prstGeom>
+          <a:noFill/>
+        </p:spPr>
+        <p:txBody>
+          <a:bodyPr wrap="square" rtlCol="0">
+            <a:spAutoFit/>
+          </a:bodyPr>
+          <a:lstStyle/>
+          <a:p>
+            <a:pPr>
+              <a:lnSpc>
+                <a:spcPct val="150000"/>
+              </a:lnSpc>
+            </a:pPr>
+            <a:r>
+              <a:rPr lang="zh-CN" altLang="en-US" dirty="0" smtClean="0">
+                <a:latin typeface="微软雅黑" panose="020B0503020204020204" pitchFamily="34" charset="-122"/>
+                <a:ea typeface="微软雅黑" panose="020B0503020204020204" pitchFamily="34" charset="-122"/>
+              </a:rPr>
+              <a:t>（</a:t>
+            </a:r>
+            <a:r>
+              <a:rPr lang="en-US" altLang="zh-CN" dirty="0" smtClean="0">
+                <a:latin typeface="微软雅黑" panose="020B0503020204020204" pitchFamily="34" charset="-122"/>
+                <a:ea typeface="微软雅黑" panose="020B0503020204020204" pitchFamily="34" charset="-122"/>
+              </a:rPr>
+              <a:t>5</a:t>
+            </a:r>
+            <a:r>
+              <a:rPr lang="zh-CN" altLang="en-US" dirty="0" smtClean="0">
+                <a:latin typeface="微软雅黑" panose="020B0503020204020204" pitchFamily="34" charset="-122"/>
+                <a:ea typeface="微软雅黑" panose="020B0503020204020204" pitchFamily="34" charset="-122"/>
+              </a:rPr>
+              <a:t>）执行</a:t>
+            </a:r>
+            <a:r>
+              <a:rPr lang="en-US" altLang="zh-CN" dirty="0" err="1" smtClean="0">
+                <a:latin typeface="微软雅黑" panose="020B0503020204020204" pitchFamily="34" charset="-122"/>
+                <a:ea typeface="微软雅黑" panose="020B0503020204020204" pitchFamily="34" charset="-122"/>
+              </a:rPr>
+              <a:t>git</a:t>
+            </a:r>
+            <a:r>
+              <a:rPr lang="en-US" altLang="zh-CN" dirty="0" smtClean="0">
+                <a:latin typeface="微软雅黑" panose="020B0503020204020204" pitchFamily="34" charset="-122"/>
+                <a:ea typeface="微软雅黑" panose="020B0503020204020204" pitchFamily="34" charset="-122"/>
+              </a:rPr>
+              <a:t> </a:t>
+            </a:r>
+            <a:r>
+              <a:rPr lang="en-US" altLang="zh-CN" dirty="0" err="1">
+                <a:latin typeface="微软雅黑" panose="020B0503020204020204" pitchFamily="34" charset="-122"/>
+                <a:ea typeface="微软雅黑" panose="020B0503020204020204" pitchFamily="34" charset="-122"/>
+              </a:rPr>
+              <a:t>config</a:t>
+            </a:r>
+            <a:r>
+              <a:rPr lang="en-US" altLang="zh-CN" dirty="0">
+                <a:latin typeface="微软雅黑" panose="020B0503020204020204" pitchFamily="34" charset="-122"/>
+                <a:ea typeface="微软雅黑" panose="020B0503020204020204" pitchFamily="34" charset="-122"/>
+              </a:rPr>
+              <a:t> --global </a:t>
+            </a:r>
+            <a:r>
+              <a:rPr lang="en-US" altLang="zh-CN" dirty="0" err="1">
+                <a:latin typeface="微软雅黑" panose="020B0503020204020204" pitchFamily="34" charset="-122"/>
+                <a:ea typeface="微软雅黑" panose="020B0503020204020204" pitchFamily="34" charset="-122"/>
+              </a:rPr>
+              <a:t>user.signingkey</a:t>
+            </a:r>
+            <a:r>
+              <a:rPr lang="en-US" altLang="zh-CN" dirty="0">
+                <a:latin typeface="微软雅黑" panose="020B0503020204020204" pitchFamily="34" charset="-122"/>
+                <a:ea typeface="微软雅黑" panose="020B0503020204020204" pitchFamily="34" charset="-122"/>
+              </a:rPr>
+              <a:t> </a:t>
+            </a:r>
+            <a:r>
+              <a:rPr lang="en-US" altLang="zh-CN" dirty="0" smtClean="0">
+                <a:latin typeface="微软雅黑" panose="020B0503020204020204" pitchFamily="34" charset="-122"/>
+                <a:ea typeface="微软雅黑" panose="020B0503020204020204" pitchFamily="34" charset="-122"/>
+              </a:rPr>
+              <a:t>4D09E36335948039</a:t>
+            </a:r>
+            <a:endParaRPr lang="en-US" altLang="zh-CN" dirty="0">
+              <a:latin typeface="微软雅黑" panose="020B0503020204020204" pitchFamily="34" charset="-122"/>
+              <a:ea typeface="微软雅黑" panose="020B0503020204020204" pitchFamily="34" charset="-122"/>
+            </a:endParaRPr>
+          </a:p>
+          <a:p>
+            <a:pPr>
+              <a:lnSpc>
+                <a:spcPct val="150000"/>
+              </a:lnSpc>
+            </a:pPr>
+            <a:r>
+              <a:rPr lang="zh-CN" altLang="en-US" dirty="0" smtClean="0">
+                <a:latin typeface="微软雅黑" panose="020B0503020204020204" pitchFamily="34" charset="-122"/>
+                <a:ea typeface="微软雅黑" panose="020B0503020204020204" pitchFamily="34" charset="-122"/>
+              </a:rPr>
+              <a:t>（</a:t>
+            </a:r>
+            <a:r>
+              <a:rPr lang="en-US" altLang="zh-CN" dirty="0" smtClean="0">
+                <a:latin typeface="微软雅黑" panose="020B0503020204020204" pitchFamily="34" charset="-122"/>
+                <a:ea typeface="微软雅黑" panose="020B0503020204020204" pitchFamily="34" charset="-122"/>
+              </a:rPr>
+              <a:t>6</a:t>
+            </a:r>
+            <a:r>
+              <a:rPr lang="zh-CN" altLang="en-US" dirty="0" smtClean="0">
+                <a:latin typeface="微软雅黑" panose="020B0503020204020204" pitchFamily="34" charset="-122"/>
+                <a:ea typeface="微软雅黑" panose="020B0503020204020204" pitchFamily="34" charset="-122"/>
+              </a:rPr>
+              <a:t>）执行</a:t>
+            </a:r>
+            <a:r>
+              <a:rPr lang="en-US" altLang="zh-CN" dirty="0" err="1">
+                <a:latin typeface="微软雅黑" panose="020B0503020204020204" pitchFamily="34" charset="-122"/>
+                <a:ea typeface="微软雅黑" panose="020B0503020204020204" pitchFamily="34" charset="-122"/>
+              </a:rPr>
+              <a:t>git</a:t>
+            </a:r>
+            <a:r>
+              <a:rPr lang="en-US" altLang="zh-CN" dirty="0">
+                <a:latin typeface="微软雅黑" panose="020B0503020204020204" pitchFamily="34" charset="-122"/>
+                <a:ea typeface="微软雅黑" panose="020B0503020204020204" pitchFamily="34" charset="-122"/>
+              </a:rPr>
+              <a:t> </a:t>
+            </a:r>
+            <a:r>
+              <a:rPr lang="en-US" altLang="zh-CN" dirty="0" err="1">
+                <a:latin typeface="微软雅黑" panose="020B0503020204020204" pitchFamily="34" charset="-122"/>
+                <a:ea typeface="微软雅黑" panose="020B0503020204020204" pitchFamily="34" charset="-122"/>
+              </a:rPr>
+              <a:t>config</a:t>
+            </a:r>
+            <a:r>
+              <a:rPr lang="en-US" altLang="zh-CN" dirty="0">
+                <a:latin typeface="微软雅黑" panose="020B0503020204020204" pitchFamily="34" charset="-122"/>
+                <a:ea typeface="微软雅黑" panose="020B0503020204020204" pitchFamily="34" charset="-122"/>
+              </a:rPr>
+              <a:t> --global </a:t>
+            </a:r>
+            <a:r>
+              <a:rPr lang="en-US" altLang="zh-CN" dirty="0" err="1">
+                <a:latin typeface="微软雅黑" panose="020B0503020204020204" pitchFamily="34" charset="-122"/>
+                <a:ea typeface="微软雅黑" panose="020B0503020204020204" pitchFamily="34" charset="-122"/>
+              </a:rPr>
+              <a:t>commit.gpgsign</a:t>
+            </a:r>
+            <a:r>
+              <a:rPr lang="en-US" altLang="zh-CN" dirty="0">
+                <a:latin typeface="微软雅黑" panose="020B0503020204020204" pitchFamily="34" charset="-122"/>
+                <a:ea typeface="微软雅黑" panose="020B0503020204020204" pitchFamily="34" charset="-122"/>
+              </a:rPr>
+              <a:t> </a:t>
+            </a:r>
+            <a:r>
+              <a:rPr lang="en-US" altLang="zh-CN" dirty="0" smtClean="0">
+                <a:latin typeface="微软雅黑" panose="020B0503020204020204" pitchFamily="34" charset="-122"/>
+                <a:ea typeface="微软雅黑" panose="020B0503020204020204" pitchFamily="34" charset="-122"/>
+              </a:rPr>
+              <a:t>true</a:t>
+            </a:r>
+            <a:r>
+              <a:rPr lang="zh-CN" altLang="en-US" dirty="0" smtClean="0">
+                <a:latin typeface="微软雅黑" panose="020B0503020204020204" pitchFamily="34" charset="-122"/>
+                <a:ea typeface="微软雅黑" panose="020B0503020204020204" pitchFamily="34" charset="-122"/>
+              </a:rPr>
+              <a:t>，</a:t>
+            </a:r>
+            <a:r>
+              <a:rPr lang="en-US" altLang="zh-CN" dirty="0" smtClean="0">
+                <a:latin typeface="微软雅黑" panose="020B0503020204020204" pitchFamily="34" charset="-122"/>
+                <a:ea typeface="微软雅黑" panose="020B0503020204020204" pitchFamily="34" charset="-122"/>
+              </a:rPr>
+              <a:t> </a:t>
+            </a:r>
+            <a:r>
+              <a:rPr lang="zh-CN" altLang="en-US" dirty="0" smtClean="0">
+                <a:latin typeface="微软雅黑" panose="020B0503020204020204" pitchFamily="34" charset="-122"/>
+                <a:ea typeface="微软雅黑" panose="020B0503020204020204" pitchFamily="34" charset="-122"/>
+              </a:rPr>
+              <a:t>用</a:t>
+            </a:r>
+            <a:r>
+              <a:rPr lang="en-US" altLang="zh-CN" dirty="0" smtClean="0">
+                <a:latin typeface="微软雅黑" panose="020B0503020204020204" pitchFamily="34" charset="-122"/>
+                <a:ea typeface="微软雅黑" panose="020B0503020204020204" pitchFamily="34" charset="-122"/>
+              </a:rPr>
+              <a:t>GPG </a:t>
+            </a:r>
+            <a:r>
+              <a:rPr lang="en-US" altLang="zh-CN" dirty="0">
+                <a:latin typeface="微软雅黑" panose="020B0503020204020204" pitchFamily="34" charset="-122"/>
+                <a:ea typeface="微软雅黑" panose="020B0503020204020204" pitchFamily="34" charset="-122"/>
+              </a:rPr>
+              <a:t>key </a:t>
+            </a:r>
+            <a:r>
+              <a:rPr lang="zh-CN" altLang="en-US" dirty="0">
+                <a:latin typeface="微软雅黑" panose="020B0503020204020204" pitchFamily="34" charset="-122"/>
+                <a:ea typeface="微软雅黑" panose="020B0503020204020204" pitchFamily="34" charset="-122"/>
+              </a:rPr>
+              <a:t>为我们的 </a:t>
+            </a:r>
+            <a:r>
+              <a:rPr lang="en-US" altLang="zh-CN" dirty="0">
+                <a:latin typeface="微软雅黑" panose="020B0503020204020204" pitchFamily="34" charset="-122"/>
+                <a:ea typeface="微软雅黑" panose="020B0503020204020204" pitchFamily="34" charset="-122"/>
+              </a:rPr>
+              <a:t>commit </a:t>
+            </a:r>
+            <a:r>
+              <a:rPr lang="en-US" altLang="zh-CN" dirty="0" smtClean="0">
+                <a:latin typeface="微软雅黑" panose="020B0503020204020204" pitchFamily="34" charset="-122"/>
+                <a:ea typeface="微软雅黑" panose="020B0503020204020204" pitchFamily="34" charset="-122"/>
+              </a:rPr>
+              <a:t>  </a:t>
+            </a:r>
+          </a:p>
+          <a:p>
+            <a:pPr>
+              <a:lnSpc>
+                <a:spcPct val="150000"/>
+              </a:lnSpc>
+            </a:pPr>
+            <a:r>
+              <a:rPr lang="en-US" altLang="zh-CN" dirty="0">
+                <a:latin typeface="微软雅黑" panose="020B0503020204020204" pitchFamily="34" charset="-122"/>
+                <a:ea typeface="微软雅黑" panose="020B0503020204020204" pitchFamily="34" charset="-122"/>
+              </a:rPr>
+              <a:t> </a:t>
+            </a:r>
+            <a:r>
+              <a:rPr lang="en-US" altLang="zh-CN" dirty="0" smtClean="0">
+                <a:latin typeface="微软雅黑" panose="020B0503020204020204" pitchFamily="34" charset="-122"/>
+                <a:ea typeface="微软雅黑" panose="020B0503020204020204" pitchFamily="34" charset="-122"/>
+              </a:rPr>
+              <a:t>        </a:t>
+            </a:r>
+            <a:r>
+              <a:rPr lang="zh-CN" altLang="en-US" dirty="0" smtClean="0">
+                <a:latin typeface="微软雅黑" panose="020B0503020204020204" pitchFamily="34" charset="-122"/>
+                <a:ea typeface="微软雅黑" panose="020B0503020204020204" pitchFamily="34" charset="-122"/>
+              </a:rPr>
+              <a:t>进行签名</a:t>
+            </a:r>
+            <a:r>
+              <a:rPr lang="en-US" altLang="zh-CN" dirty="0">
+                <a:latin typeface="微软雅黑" panose="020B0503020204020204" pitchFamily="34" charset="-122"/>
+                <a:ea typeface="微软雅黑" panose="020B0503020204020204" pitchFamily="34" charset="-122"/>
+              </a:rPr>
+              <a:t>true </a:t>
+            </a:r>
+            <a:endParaRPr lang="en-US" altLang="zh-CN" dirty="0" smtClean="0">
+              <a:latin typeface="微软雅黑" panose="020B0503020204020204" pitchFamily="34" charset="-122"/>
+              <a:ea typeface="微软雅黑" panose="020B0503020204020204" pitchFamily="34" charset="-122"/>
+            </a:endParaRPr>
+          </a:p>
+          <a:p>
+            <a:pPr>
+              <a:lnSpc>
+                <a:spcPct val="150000"/>
+              </a:lnSpc>
+            </a:pPr>
+            <a:r>
+              <a:rPr lang="zh-CN" altLang="en-US" dirty="0" smtClean="0">
+                <a:latin typeface="微软雅黑" panose="020B0503020204020204" pitchFamily="34" charset="-122"/>
+                <a:ea typeface="微软雅黑" panose="020B0503020204020204" pitchFamily="34" charset="-122"/>
+              </a:rPr>
+              <a:t>（</a:t>
+            </a:r>
+            <a:r>
+              <a:rPr lang="en-US" altLang="zh-CN" dirty="0" smtClean="0">
+                <a:latin typeface="微软雅黑" panose="020B0503020204020204" pitchFamily="34" charset="-122"/>
+                <a:ea typeface="微软雅黑" panose="020B0503020204020204" pitchFamily="34" charset="-122"/>
+              </a:rPr>
+              <a:t>7</a:t>
+            </a:r>
+            <a:r>
+              <a:rPr lang="zh-CN" altLang="en-US" dirty="0" smtClean="0">
+                <a:latin typeface="微软雅黑" panose="020B0503020204020204" pitchFamily="34" charset="-122"/>
+                <a:ea typeface="微软雅黑" panose="020B0503020204020204" pitchFamily="34" charset="-122"/>
+              </a:rPr>
+              <a:t>）执行</a:t>
+            </a:r>
+            <a:r>
+              <a:rPr lang="en-US" altLang="zh-CN" dirty="0" err="1">
+                <a:latin typeface="微软雅黑" panose="020B0503020204020204" pitchFamily="34" charset="-122"/>
+                <a:ea typeface="微软雅黑" panose="020B0503020204020204" pitchFamily="34" charset="-122"/>
+              </a:rPr>
+              <a:t>gpg</a:t>
+            </a:r>
+            <a:r>
+              <a:rPr lang="en-US" altLang="zh-CN" dirty="0">
+                <a:latin typeface="微软雅黑" panose="020B0503020204020204" pitchFamily="34" charset="-122"/>
+                <a:ea typeface="微软雅黑" panose="020B0503020204020204" pitchFamily="34" charset="-122"/>
+              </a:rPr>
+              <a:t> --armor --export 4D09E36335948039 </a:t>
+            </a:r>
+            <a:r>
+              <a:rPr lang="zh-CN" altLang="en-US" dirty="0" smtClean="0">
+                <a:latin typeface="微软雅黑" panose="020B0503020204020204" pitchFamily="34" charset="-122"/>
+                <a:ea typeface="微软雅黑" panose="020B0503020204020204" pitchFamily="34" charset="-122"/>
+              </a:rPr>
+              <a:t>通过私钥生成公钥，并把密钥复制到     </a:t>
+            </a:r>
+            <a:r>
+              <a:rPr lang="en-US" altLang="zh-CN" dirty="0" smtClean="0">
+                <a:latin typeface="微软雅黑" panose="020B0503020204020204" pitchFamily="34" charset="-122"/>
+                <a:ea typeface="微软雅黑" panose="020B0503020204020204" pitchFamily="34" charset="-122"/>
+              </a:rPr>
+              <a:t/>
+            </a:r>
+            <a:br>
+              <a:rPr lang="en-US" altLang="zh-CN" dirty="0" smtClean="0">
+                <a:latin typeface="微软雅黑" panose="020B0503020204020204" pitchFamily="34" charset="-122"/>
+                <a:ea typeface="微软雅黑" panose="020B0503020204020204" pitchFamily="34" charset="-122"/>
+              </a:rPr>
+            </a:br>
+            <a:r>
+              <a:rPr lang="en-US" altLang="zh-CN" dirty="0" smtClean="0">
+                <a:latin typeface="微软雅黑" panose="020B0503020204020204" pitchFamily="34" charset="-122"/>
+                <a:ea typeface="微软雅黑" panose="020B0503020204020204" pitchFamily="34" charset="-122"/>
+              </a:rPr>
+              <a:t>         </a:t>
+            </a:r>
+            <a:r>
+              <a:rPr lang="zh-CN" altLang="en-US" dirty="0" smtClean="0">
+                <a:latin typeface="微软雅黑" panose="020B0503020204020204" pitchFamily="34" charset="-122"/>
+                <a:ea typeface="微软雅黑" panose="020B0503020204020204" pitchFamily="34" charset="-122"/>
+              </a:rPr>
+              <a:t>需要推送的</a:t>
+            </a:r>
+            <a:r>
+              <a:rPr lang="en-US" altLang="zh-CN" dirty="0" err="1" smtClean="0">
+                <a:latin typeface="微软雅黑" panose="020B0503020204020204" pitchFamily="34" charset="-122"/>
+                <a:ea typeface="微软雅黑" panose="020B0503020204020204" pitchFamily="34" charset="-122"/>
+              </a:rPr>
+              <a:t>git</a:t>
+            </a:r>
+            <a:r>
+              <a:rPr lang="zh-CN" altLang="en-US" dirty="0" smtClean="0">
+                <a:latin typeface="微软雅黑" panose="020B0503020204020204" pitchFamily="34" charset="-122"/>
+                <a:ea typeface="微软雅黑" panose="020B0503020204020204" pitchFamily="34" charset="-122"/>
+              </a:rPr>
+              <a:t>网站上 </a:t>
+            </a:r>
+            <a:endParaRPr lang="en-US" altLang="zh-CN" dirty="0" smtClean="0">
+              <a:latin typeface="微软雅黑" panose="020B0503020204020204" pitchFamily="34" charset="-122"/>
+              <a:ea typeface="微软雅黑" panose="020B0503020204020204" pitchFamily="34" charset="-122"/>
+            </a:endParaRPr>
+          </a:p>
+        </p:txBody>
+      </p:sp>
+      <p:pic>
+        <p:nvPicPr>
+          <p:cNvPr id="3" name="图片 2"/>
+          <p:cNvPicPr>
+            <a:picLocks noChangeAspect="1"/>
+          </p:cNvPicPr>
+          <p:nvPr/>
+        </p:nvPicPr>
+        <p:blipFill>
+          <a:blip r:embed="rId4"/>
+          <a:stretch>
+            <a:fillRect/>
+          </a:stretch>
+        </p:blipFill>
+        <p:spPr>
+          <a:xfrm>
+            <a:off x="1388473" y="3572793"/>
+            <a:ext cx="7429500" cy="2762250"/>
+          </a:xfrm>
+          <a:prstGeom prst="rect">
+            <a:avLst/>
+          </a:prstGeom>
+        </p:spPr>
+      </p:pic>
+    </p:spTree>
+    <p:extLst>
+      <p:ext uri="{BB962C8B-B14F-4D97-AF65-F5344CB8AC3E}">
+        <p14:creationId xmlns:p14="http://schemas.microsoft.com/office/powerpoint/2010/main" val="4190021725"/>
+      </p:ext>
+    </p:extLst>
+  </p:cSld>
+  <p:clrMapOvr>
+    <a:masterClrMapping/>
+  </p:clrMapOvr>
+  <mc:AlternateContent xmlns:mc="http://schemas.openxmlformats.org/markup-compatibility/2006" xmlns:p14="http://schemas.microsoft.com/office/powerpoint/2010/main">
+    <mc:Choice Requires="p14">
+      <p:transition spd="med" p14:dur="700">
+        <p:fade/>
+      </p:transition>
+    </mc:Choice>
+    <mc:Fallback xmlns="">
+      <p:transition spd="med">
+        <p:fade/>
+      </p:transition>
+    </mc:Fallback>
+  </mc:AlternateContent>
+  <p:timing>
+    <p:tnLst>
+      <p:par>
+        <p:cTn id="1" dur="indefinite" restart="never" nodeType="tmRoot"/>
+      </p:par>
+    </p:tnLst>
+  </p:timing>
+</p:sld>
+</file>
+
+<file path=ppt/slides/slide4.xml><?xml version="1.0" encoding="utf-8"?>
+<p:sld xmlns:a="http://schemas.openxmlformats.org/drawingml/2006/main" xmlns:r="http://schemas.openxmlformats.org/officeDocument/2006/relationships" xmlns:p="http://schemas.openxmlformats.org/presentationml/2006/main">
+  <p:cSld>
+    <p:spTree>
+      <p:nvGrpSpPr>
+        <p:cNvPr id="1" name=""/>
+        <p:cNvGrpSpPr/>
+        <p:nvPr/>
+      </p:nvGrpSpPr>
+      <p:grpSpPr>
+        <a:xfrm>
+          <a:off x="0" y="0"/>
+          <a:ext cx="0" cy="0"/>
+          <a:chOff x="0" y="0"/>
+          <a:chExt cx="0" cy="0"/>
+        </a:xfrm>
+      </p:grpSpPr>
+      <p:sp>
+        <p:nvSpPr>
+          <p:cNvPr id="32" name="文本框 31"/>
+          <p:cNvSpPr txBox="1"/>
+          <p:nvPr/>
+        </p:nvSpPr>
+        <p:spPr>
+          <a:xfrm>
+            <a:off x="959552" y="340946"/>
+            <a:ext cx="1641796" cy="584775"/>
+          </a:xfrm>
+          <a:prstGeom prst="rect">
+            <a:avLst/>
+          </a:prstGeom>
+          <a:noFill/>
+        </p:spPr>
+        <p:txBody>
+          <a:bodyPr wrap="none" rtlCol="0">
+            <a:spAutoFit/>
+          </a:bodyPr>
+          <a:lstStyle/>
+          <a:p>
+            <a:r>
+              <a:rPr lang="en-US" altLang="zh-CN" sz="3200" dirty="0" smtClean="0">
+                <a:latin typeface="OPPOSans R" panose="00020600040101010101" pitchFamily="18" charset="-122"/>
+                <a:ea typeface="OPPOSans R" panose="00020600040101010101" pitchFamily="18" charset="-122"/>
+                <a:cs typeface="OPPOSans R" panose="00020600040101010101" pitchFamily="18" charset="-122"/>
+              </a:rPr>
+              <a:t>GIT</a:t>
+            </a:r>
+            <a:r>
+              <a:rPr lang="zh-CN" altLang="en-US" sz="3200" dirty="0" smtClean="0">
+                <a:latin typeface="OPPOSans R" panose="00020600040101010101" pitchFamily="18" charset="-122"/>
+                <a:ea typeface="OPPOSans R" panose="00020600040101010101" pitchFamily="18" charset="-122"/>
+                <a:cs typeface="OPPOSans R" panose="00020600040101010101" pitchFamily="18" charset="-122"/>
+              </a:rPr>
+              <a:t>简介</a:t>
+            </a:r>
+            <a:endParaRPr lang="zh-CN" altLang="en-US" sz="3200" dirty="0">
+              <a:latin typeface="OPPOSans R" panose="00020600040101010101" pitchFamily="18" charset="-122"/>
+              <a:ea typeface="OPPOSans R" panose="00020600040101010101" pitchFamily="18" charset="-122"/>
+              <a:cs typeface="OPPOSans R" panose="00020600040101010101" pitchFamily="18" charset="-122"/>
+            </a:endParaRPr>
+          </a:p>
+        </p:txBody>
+      </p:sp>
+      <p:sp>
+        <p:nvSpPr>
+          <p:cNvPr id="39" name="矩形 38"/>
+          <p:cNvSpPr/>
+          <p:nvPr/>
+        </p:nvSpPr>
+        <p:spPr>
+          <a:xfrm>
+            <a:off x="0" y="462703"/>
+            <a:ext cx="794456" cy="738664"/>
+          </a:xfrm>
+          <a:prstGeom prst="rect">
+            <a:avLst/>
+          </a:prstGeom>
+          <a:solidFill>
+            <a:srgbClr val="9A0001"/>
+          </a:solidFill>
+          <a:ln>
+            <a:noFill/>
+          </a:ln>
+        </p:spPr>
+        <p:style>
+          <a:lnRef idx="2">
+            <a:schemeClr val="accent1">
+              <a:shade val="50000"/>
+            </a:schemeClr>
+          </a:lnRef>
+          <a:fillRef idx="1">
+            <a:schemeClr val="accent1"/>
+          </a:fillRef>
+          <a:effectRef idx="0">
+            <a:schemeClr val="accent1"/>
+          </a:effectRef>
+          <a:fontRef idx="minor">
+            <a:schemeClr val="lt1"/>
+          </a:fontRef>
+        </p:style>
+        <p:txBody>
+          <a:bodyPr rtlCol="0" anchor="ctr"/>
+          <a:lstStyle/>
+          <a:p>
+            <a:pPr algn="ctr"/>
+            <a:endParaRPr kumimoji="1" lang="zh-CN" altLang="en-US" sz="1600" dirty="0">
+              <a:latin typeface="OPPOSans R" panose="00020600040101010101" pitchFamily="18" charset="-122"/>
+              <a:ea typeface="OPPOSans R" panose="00020600040101010101" pitchFamily="18" charset="-122"/>
+            </a:endParaRPr>
+          </a:p>
+        </p:txBody>
+      </p:sp>
+      <p:sp>
+        <p:nvSpPr>
+          <p:cNvPr id="34" name="矩形 33"/>
+          <p:cNvSpPr/>
+          <p:nvPr/>
+        </p:nvSpPr>
+        <p:spPr>
+          <a:xfrm flipV="1">
+            <a:off x="7529454" y="6772905"/>
+            <a:ext cx="4682001" cy="128741"/>
+          </a:xfrm>
+          <a:prstGeom prst="rect">
+            <a:avLst/>
+          </a:prstGeom>
+          <a:solidFill>
+            <a:srgbClr val="9A0001"/>
+          </a:solidFill>
+          <a:ln>
+            <a:noFill/>
+          </a:ln>
+        </p:spPr>
+        <p:style>
+          <a:lnRef idx="2">
+            <a:schemeClr val="accent1">
+              <a:shade val="50000"/>
+            </a:schemeClr>
+          </a:lnRef>
+          <a:fillRef idx="1">
+            <a:schemeClr val="accent1"/>
+          </a:fillRef>
+          <a:effectRef idx="0">
+            <a:schemeClr val="accent1"/>
+          </a:effectRef>
+          <a:fontRef idx="minor">
+            <a:schemeClr val="lt1"/>
+          </a:fontRef>
+        </p:style>
+        <p:txBody>
+          <a:bodyPr rtlCol="0" anchor="ctr"/>
+          <a:lstStyle/>
+          <a:p>
+            <a:pPr algn="ctr"/>
+            <a:endParaRPr kumimoji="1" lang="zh-CN" altLang="en-US" sz="1600" dirty="0">
+              <a:latin typeface="OPPOSans R" panose="00020600040101010101" pitchFamily="18" charset="-122"/>
+              <a:ea typeface="OPPOSans R" panose="00020600040101010101" pitchFamily="18" charset="-122"/>
+            </a:endParaRPr>
+          </a:p>
+        </p:txBody>
+      </p:sp>
+      <p:pic>
+        <p:nvPicPr>
+          <p:cNvPr id="40" name="图片 39" descr="微信图片_20210609194104"/>
+          <p:cNvPicPr>
+            <a:picLocks noChangeAspect="1"/>
+          </p:cNvPicPr>
+          <p:nvPr/>
+        </p:nvPicPr>
+        <p:blipFill>
+          <a:blip r:embed="rId3"/>
+          <a:stretch>
+            <a:fillRect/>
+          </a:stretch>
+        </p:blipFill>
+        <p:spPr>
+          <a:xfrm>
+            <a:off x="8303298" y="453877"/>
+            <a:ext cx="3533140" cy="533400"/>
+          </a:xfrm>
+          <a:prstGeom prst="rect">
+            <a:avLst/>
+          </a:prstGeom>
+        </p:spPr>
+      </p:pic>
+      <p:sp>
+        <p:nvSpPr>
+          <p:cNvPr id="8" name="文本框 7"/>
+          <p:cNvSpPr txBox="1"/>
+          <p:nvPr/>
+        </p:nvSpPr>
+        <p:spPr>
+          <a:xfrm>
+            <a:off x="959551" y="904570"/>
+            <a:ext cx="5105087" cy="369332"/>
+          </a:xfrm>
+          <a:prstGeom prst="rect">
+            <a:avLst/>
+          </a:prstGeom>
+          <a:noFill/>
+        </p:spPr>
+        <p:txBody>
+          <a:bodyPr wrap="square">
+            <a:spAutoFit/>
+          </a:bodyPr>
+          <a:lstStyle>
+            <a:defPPr>
+              <a:defRPr lang="zh-CN"/>
+            </a:defPPr>
+            <a:lvl1pPr>
+              <a:defRPr>
+                <a:solidFill>
+                  <a:schemeClr val="tx1">
+                    <a:lumMod val="50000"/>
+                    <a:lumOff val="50000"/>
+                  </a:schemeClr>
+                </a:solidFill>
+                <a:latin typeface="OPPOSans R" panose="00020600040101010101" pitchFamily="18" charset="-122"/>
+                <a:ea typeface="OPPOSans R" panose="00020600040101010101" pitchFamily="18" charset="-122"/>
+                <a:cs typeface="OPPOSans R" panose="00020600040101010101" pitchFamily="18" charset="-122"/>
+              </a:defRPr>
+            </a:lvl1pPr>
+          </a:lstStyle>
+          <a:p>
+            <a:r>
+              <a:rPr lang="en-US" altLang="zh-CN" dirty="0"/>
+              <a:t>GIT</a:t>
+            </a:r>
+            <a:r>
+              <a:rPr lang="zh-CN" altLang="en-US" dirty="0"/>
+              <a:t>的起源</a:t>
+            </a:r>
+          </a:p>
+        </p:txBody>
+      </p:sp>
+      <p:sp>
+        <p:nvSpPr>
+          <p:cNvPr id="9" name="文本框 8"/>
+          <p:cNvSpPr txBox="1"/>
+          <p:nvPr/>
+        </p:nvSpPr>
+        <p:spPr>
+          <a:xfrm>
+            <a:off x="959551" y="1273902"/>
+            <a:ext cx="9753600" cy="5078313"/>
+          </a:xfrm>
+          <a:prstGeom prst="rect">
+            <a:avLst/>
+          </a:prstGeom>
+          <a:noFill/>
+        </p:spPr>
+        <p:txBody>
+          <a:bodyPr wrap="square" rtlCol="0">
+            <a:spAutoFit/>
+          </a:bodyPr>
+          <a:lstStyle/>
+          <a:p>
+            <a:pPr>
+              <a:lnSpc>
+                <a:spcPct val="150000"/>
+              </a:lnSpc>
+            </a:pPr>
+            <a:r>
+              <a:rPr lang="zh-CN" altLang="en-US" dirty="0" smtClean="0">
+                <a:latin typeface="微软雅黑" panose="020B0503020204020204" pitchFamily="34" charset="-122"/>
+                <a:ea typeface="微软雅黑" panose="020B0503020204020204" pitchFamily="34" charset="-122"/>
+              </a:rPr>
+              <a:t>       在</a:t>
+            </a:r>
+            <a:r>
+              <a:rPr lang="en-US" altLang="zh-CN" dirty="0" smtClean="0">
+                <a:latin typeface="微软雅黑" panose="020B0503020204020204" pitchFamily="34" charset="-122"/>
+                <a:ea typeface="微软雅黑" panose="020B0503020204020204" pitchFamily="34" charset="-122"/>
+              </a:rPr>
+              <a:t>2002</a:t>
+            </a:r>
+            <a:r>
+              <a:rPr lang="zh-CN" altLang="en-US" dirty="0" smtClean="0">
+                <a:latin typeface="微软雅黑" panose="020B0503020204020204" pitchFamily="34" charset="-122"/>
+                <a:ea typeface="微软雅黑" panose="020B0503020204020204" pitchFamily="34" charset="-122"/>
+              </a:rPr>
+              <a:t>年以前，世界各地的志愿者把源代码文件通过</a:t>
+            </a:r>
+            <a:r>
+              <a:rPr lang="en-US" altLang="zh-CN" dirty="0" smtClean="0">
+                <a:latin typeface="微软雅黑" panose="020B0503020204020204" pitchFamily="34" charset="-122"/>
+                <a:ea typeface="微软雅黑" panose="020B0503020204020204" pitchFamily="34" charset="-122"/>
+              </a:rPr>
+              <a:t>diff</a:t>
+            </a:r>
+            <a:r>
+              <a:rPr lang="zh-CN" altLang="en-US" dirty="0" smtClean="0">
+                <a:latin typeface="微软雅黑" panose="020B0503020204020204" pitchFamily="34" charset="-122"/>
+                <a:ea typeface="微软雅黑" panose="020B0503020204020204" pitchFamily="34" charset="-122"/>
+              </a:rPr>
+              <a:t>的方式发给</a:t>
+            </a:r>
+            <a:r>
+              <a:rPr lang="en-US" altLang="zh-CN" dirty="0" smtClean="0">
+                <a:latin typeface="微软雅黑" panose="020B0503020204020204" pitchFamily="34" charset="-122"/>
+                <a:ea typeface="微软雅黑" panose="020B0503020204020204" pitchFamily="34" charset="-122"/>
+              </a:rPr>
+              <a:t>Linus</a:t>
+            </a:r>
+            <a:r>
+              <a:rPr lang="zh-CN" altLang="en-US" dirty="0" smtClean="0">
+                <a:latin typeface="微软雅黑" panose="020B0503020204020204" pitchFamily="34" charset="-122"/>
+                <a:ea typeface="微软雅黑" panose="020B0503020204020204" pitchFamily="34" charset="-122"/>
+              </a:rPr>
+              <a:t>，然后由</a:t>
+            </a:r>
+            <a:r>
+              <a:rPr lang="en-US" altLang="zh-CN" dirty="0" smtClean="0">
+                <a:latin typeface="微软雅黑" panose="020B0503020204020204" pitchFamily="34" charset="-122"/>
+                <a:ea typeface="微软雅黑" panose="020B0503020204020204" pitchFamily="34" charset="-122"/>
+              </a:rPr>
+              <a:t>Linus</a:t>
+            </a:r>
+            <a:r>
+              <a:rPr lang="zh-CN" altLang="en-US" dirty="0">
+                <a:latin typeface="微软雅黑" panose="020B0503020204020204" pitchFamily="34" charset="-122"/>
+                <a:ea typeface="微软雅黑" panose="020B0503020204020204" pitchFamily="34" charset="-122"/>
+              </a:rPr>
+              <a:t>本人通过手工方式合并代码！随着代码库的不断壮大，很难继续通过手工方式进行合并。于是</a:t>
+            </a:r>
+            <a:r>
+              <a:rPr lang="en-US" altLang="zh-CN" dirty="0">
+                <a:latin typeface="微软雅黑" panose="020B0503020204020204" pitchFamily="34" charset="-122"/>
+                <a:ea typeface="微软雅黑" panose="020B0503020204020204" pitchFamily="34" charset="-122"/>
+              </a:rPr>
+              <a:t>Linus</a:t>
+            </a:r>
+            <a:r>
+              <a:rPr lang="zh-CN" altLang="en-US" dirty="0">
+                <a:latin typeface="微软雅黑" panose="020B0503020204020204" pitchFamily="34" charset="-122"/>
+                <a:ea typeface="微软雅黑" panose="020B0503020204020204" pitchFamily="34" charset="-122"/>
+              </a:rPr>
+              <a:t>选择了一个商业的版本控制系统</a:t>
+            </a:r>
+            <a:r>
+              <a:rPr lang="en-US" altLang="zh-CN" dirty="0" err="1">
+                <a:latin typeface="微软雅黑" panose="020B0503020204020204" pitchFamily="34" charset="-122"/>
+                <a:ea typeface="微软雅黑" panose="020B0503020204020204" pitchFamily="34" charset="-122"/>
+              </a:rPr>
+              <a:t>BitKeeper</a:t>
+            </a:r>
+            <a:r>
+              <a:rPr lang="zh-CN" altLang="en-US" dirty="0">
+                <a:latin typeface="微软雅黑" panose="020B0503020204020204" pitchFamily="34" charset="-122"/>
+                <a:ea typeface="微软雅黑" panose="020B0503020204020204" pitchFamily="34" charset="-122"/>
+              </a:rPr>
+              <a:t>，</a:t>
+            </a:r>
+            <a:r>
+              <a:rPr lang="en-US" altLang="zh-CN" dirty="0" err="1">
+                <a:latin typeface="微软雅黑" panose="020B0503020204020204" pitchFamily="34" charset="-122"/>
+                <a:ea typeface="微软雅黑" panose="020B0503020204020204" pitchFamily="34" charset="-122"/>
+              </a:rPr>
+              <a:t>BitKeeper</a:t>
+            </a:r>
+            <a:r>
+              <a:rPr lang="zh-CN" altLang="en-US" dirty="0">
+                <a:latin typeface="微软雅黑" panose="020B0503020204020204" pitchFamily="34" charset="-122"/>
+                <a:ea typeface="微软雅黑" panose="020B0503020204020204" pitchFamily="34" charset="-122"/>
+              </a:rPr>
+              <a:t>的东家</a:t>
+            </a:r>
+            <a:r>
+              <a:rPr lang="en-US" altLang="zh-CN" dirty="0" err="1">
+                <a:latin typeface="微软雅黑" panose="020B0503020204020204" pitchFamily="34" charset="-122"/>
+                <a:ea typeface="微软雅黑" panose="020B0503020204020204" pitchFamily="34" charset="-122"/>
+              </a:rPr>
+              <a:t>BitMover</a:t>
+            </a:r>
+            <a:r>
+              <a:rPr lang="zh-CN" altLang="en-US" dirty="0">
+                <a:latin typeface="微软雅黑" panose="020B0503020204020204" pitchFamily="34" charset="-122"/>
+                <a:ea typeface="微软雅黑" panose="020B0503020204020204" pitchFamily="34" charset="-122"/>
+              </a:rPr>
+              <a:t>公司出于人道主义精神，授权</a:t>
+            </a:r>
+            <a:r>
+              <a:rPr lang="en-US" altLang="zh-CN" dirty="0">
+                <a:latin typeface="微软雅黑" panose="020B0503020204020204" pitchFamily="34" charset="-122"/>
+                <a:ea typeface="微软雅黑" panose="020B0503020204020204" pitchFamily="34" charset="-122"/>
+              </a:rPr>
+              <a:t>Linux</a:t>
+            </a:r>
+            <a:r>
+              <a:rPr lang="zh-CN" altLang="en-US" dirty="0">
+                <a:latin typeface="微软雅黑" panose="020B0503020204020204" pitchFamily="34" charset="-122"/>
+                <a:ea typeface="微软雅黑" panose="020B0503020204020204" pitchFamily="34" charset="-122"/>
+              </a:rPr>
+              <a:t>社区免费使用这个版本控制系统</a:t>
+            </a:r>
+            <a:r>
+              <a:rPr lang="zh-CN" altLang="en-US" dirty="0" smtClean="0">
+                <a:latin typeface="微软雅黑" panose="020B0503020204020204" pitchFamily="34" charset="-122"/>
+                <a:ea typeface="微软雅黑" panose="020B0503020204020204" pitchFamily="34" charset="-122"/>
+              </a:rPr>
+              <a:t>。</a:t>
+            </a:r>
+            <a:endParaRPr lang="zh-CN" altLang="en-US" dirty="0">
+              <a:latin typeface="微软雅黑" panose="020B0503020204020204" pitchFamily="34" charset="-122"/>
+              <a:ea typeface="微软雅黑" panose="020B0503020204020204" pitchFamily="34" charset="-122"/>
+            </a:endParaRPr>
+          </a:p>
+          <a:p>
+            <a:pPr>
+              <a:lnSpc>
+                <a:spcPct val="150000"/>
+              </a:lnSpc>
+            </a:pPr>
+            <a:r>
+              <a:rPr lang="zh-CN" altLang="en-US" dirty="0" smtClean="0">
+                <a:latin typeface="微软雅黑" panose="020B0503020204020204" pitchFamily="34" charset="-122"/>
+                <a:ea typeface="微软雅黑" panose="020B0503020204020204" pitchFamily="34" charset="-122"/>
+              </a:rPr>
+              <a:t>       安定团结</a:t>
+            </a:r>
+            <a:r>
+              <a:rPr lang="zh-CN" altLang="en-US" dirty="0">
+                <a:latin typeface="微软雅黑" panose="020B0503020204020204" pitchFamily="34" charset="-122"/>
+                <a:ea typeface="微软雅黑" panose="020B0503020204020204" pitchFamily="34" charset="-122"/>
+              </a:rPr>
+              <a:t>的大好局面在</a:t>
+            </a:r>
+            <a:r>
+              <a:rPr lang="en-US" altLang="zh-CN" dirty="0">
+                <a:latin typeface="微软雅黑" panose="020B0503020204020204" pitchFamily="34" charset="-122"/>
+                <a:ea typeface="微软雅黑" panose="020B0503020204020204" pitchFamily="34" charset="-122"/>
+              </a:rPr>
+              <a:t>2005</a:t>
+            </a:r>
+            <a:r>
+              <a:rPr lang="zh-CN" altLang="en-US" dirty="0">
+                <a:latin typeface="微软雅黑" panose="020B0503020204020204" pitchFamily="34" charset="-122"/>
+                <a:ea typeface="微软雅黑" panose="020B0503020204020204" pitchFamily="34" charset="-122"/>
+              </a:rPr>
+              <a:t>年就被打破了，原因是</a:t>
+            </a:r>
+            <a:r>
+              <a:rPr lang="en-US" altLang="zh-CN" dirty="0">
+                <a:latin typeface="微软雅黑" panose="020B0503020204020204" pitchFamily="34" charset="-122"/>
+                <a:ea typeface="微软雅黑" panose="020B0503020204020204" pitchFamily="34" charset="-122"/>
+              </a:rPr>
+              <a:t>Linux</a:t>
+            </a:r>
+            <a:r>
+              <a:rPr lang="zh-CN" altLang="en-US" dirty="0">
+                <a:latin typeface="微软雅黑" panose="020B0503020204020204" pitchFamily="34" charset="-122"/>
+                <a:ea typeface="微软雅黑" panose="020B0503020204020204" pitchFamily="34" charset="-122"/>
+              </a:rPr>
+              <a:t>社区牛人聚集，不免沾染了一些梁山好汉的江湖习气。开发</a:t>
+            </a:r>
+            <a:r>
+              <a:rPr lang="en-US" altLang="zh-CN" dirty="0">
+                <a:latin typeface="微软雅黑" panose="020B0503020204020204" pitchFamily="34" charset="-122"/>
+                <a:ea typeface="微软雅黑" panose="020B0503020204020204" pitchFamily="34" charset="-122"/>
+              </a:rPr>
+              <a:t>Samba</a:t>
+            </a:r>
+            <a:r>
+              <a:rPr lang="zh-CN" altLang="en-US" dirty="0">
+                <a:latin typeface="微软雅黑" panose="020B0503020204020204" pitchFamily="34" charset="-122"/>
+                <a:ea typeface="微软雅黑" panose="020B0503020204020204" pitchFamily="34" charset="-122"/>
+              </a:rPr>
+              <a:t>的</a:t>
+            </a:r>
+            <a:r>
+              <a:rPr lang="en-US" altLang="zh-CN" dirty="0">
+                <a:latin typeface="微软雅黑" panose="020B0503020204020204" pitchFamily="34" charset="-122"/>
+                <a:ea typeface="微软雅黑" panose="020B0503020204020204" pitchFamily="34" charset="-122"/>
+              </a:rPr>
+              <a:t>Andrew</a:t>
+            </a:r>
+            <a:r>
+              <a:rPr lang="zh-CN" altLang="en-US" dirty="0">
+                <a:latin typeface="微软雅黑" panose="020B0503020204020204" pitchFamily="34" charset="-122"/>
+                <a:ea typeface="微软雅黑" panose="020B0503020204020204" pitchFamily="34" charset="-122"/>
+              </a:rPr>
+              <a:t>试图破解</a:t>
+            </a:r>
+            <a:r>
+              <a:rPr lang="en-US" altLang="zh-CN" dirty="0" err="1">
+                <a:latin typeface="微软雅黑" panose="020B0503020204020204" pitchFamily="34" charset="-122"/>
+                <a:ea typeface="微软雅黑" panose="020B0503020204020204" pitchFamily="34" charset="-122"/>
+              </a:rPr>
+              <a:t>BitKeeper</a:t>
+            </a:r>
+            <a:r>
+              <a:rPr lang="zh-CN" altLang="en-US" dirty="0">
+                <a:latin typeface="微软雅黑" panose="020B0503020204020204" pitchFamily="34" charset="-122"/>
+                <a:ea typeface="微软雅黑" panose="020B0503020204020204" pitchFamily="34" charset="-122"/>
+              </a:rPr>
+              <a:t>的协议（这么干的其实也不只他一个），被</a:t>
+            </a:r>
+            <a:r>
+              <a:rPr lang="en-US" altLang="zh-CN" dirty="0" err="1">
+                <a:latin typeface="微软雅黑" panose="020B0503020204020204" pitchFamily="34" charset="-122"/>
+                <a:ea typeface="微软雅黑" panose="020B0503020204020204" pitchFamily="34" charset="-122"/>
+              </a:rPr>
+              <a:t>BitMover</a:t>
+            </a:r>
+            <a:r>
+              <a:rPr lang="zh-CN" altLang="en-US" dirty="0">
+                <a:latin typeface="微软雅黑" panose="020B0503020204020204" pitchFamily="34" charset="-122"/>
+                <a:ea typeface="微软雅黑" panose="020B0503020204020204" pitchFamily="34" charset="-122"/>
+              </a:rPr>
+              <a:t>公司发现了（监控工作做得不错！），于是</a:t>
+            </a:r>
+            <a:r>
+              <a:rPr lang="en-US" altLang="zh-CN" dirty="0" err="1">
+                <a:latin typeface="微软雅黑" panose="020B0503020204020204" pitchFamily="34" charset="-122"/>
+                <a:ea typeface="微软雅黑" panose="020B0503020204020204" pitchFamily="34" charset="-122"/>
+              </a:rPr>
+              <a:t>BitMover</a:t>
+            </a:r>
+            <a:r>
+              <a:rPr lang="zh-CN" altLang="en-US" dirty="0">
+                <a:latin typeface="微软雅黑" panose="020B0503020204020204" pitchFamily="34" charset="-122"/>
+                <a:ea typeface="微软雅黑" panose="020B0503020204020204" pitchFamily="34" charset="-122"/>
+              </a:rPr>
+              <a:t>公司怒了，要收回</a:t>
+            </a:r>
+            <a:r>
+              <a:rPr lang="en-US" altLang="zh-CN" dirty="0">
+                <a:latin typeface="微软雅黑" panose="020B0503020204020204" pitchFamily="34" charset="-122"/>
+                <a:ea typeface="微软雅黑" panose="020B0503020204020204" pitchFamily="34" charset="-122"/>
+              </a:rPr>
+              <a:t>Linux</a:t>
+            </a:r>
+            <a:r>
+              <a:rPr lang="zh-CN" altLang="en-US" dirty="0">
+                <a:latin typeface="微软雅黑" panose="020B0503020204020204" pitchFamily="34" charset="-122"/>
+                <a:ea typeface="微软雅黑" panose="020B0503020204020204" pitchFamily="34" charset="-122"/>
+              </a:rPr>
+              <a:t>社区的免费使用权</a:t>
+            </a:r>
+            <a:r>
+              <a:rPr lang="zh-CN" altLang="en-US" dirty="0" smtClean="0">
+                <a:latin typeface="微软雅黑" panose="020B0503020204020204" pitchFamily="34" charset="-122"/>
+                <a:ea typeface="微软雅黑" panose="020B0503020204020204" pitchFamily="34" charset="-122"/>
+              </a:rPr>
+              <a:t>。</a:t>
+            </a:r>
+            <a:endParaRPr lang="zh-CN" altLang="en-US" dirty="0">
+              <a:latin typeface="微软雅黑" panose="020B0503020204020204" pitchFamily="34" charset="-122"/>
+              <a:ea typeface="微软雅黑" panose="020B0503020204020204" pitchFamily="34" charset="-122"/>
+            </a:endParaRPr>
+          </a:p>
+          <a:p>
+            <a:pPr>
+              <a:lnSpc>
+                <a:spcPct val="150000"/>
+              </a:lnSpc>
+            </a:pPr>
+            <a:r>
+              <a:rPr lang="zh-CN" altLang="en-US" dirty="0" smtClean="0">
+                <a:latin typeface="微软雅黑" panose="020B0503020204020204" pitchFamily="34" charset="-122"/>
+                <a:ea typeface="微软雅黑" panose="020B0503020204020204" pitchFamily="34" charset="-122"/>
+              </a:rPr>
+              <a:t>      于是</a:t>
+            </a:r>
+            <a:r>
+              <a:rPr lang="en-US" altLang="zh-CN" dirty="0" smtClean="0">
+                <a:latin typeface="微软雅黑" panose="020B0503020204020204" pitchFamily="34" charset="-122"/>
+                <a:ea typeface="微软雅黑" panose="020B0503020204020204" pitchFamily="34" charset="-122"/>
+              </a:rPr>
+              <a:t>Linus</a:t>
+            </a:r>
+            <a:r>
+              <a:rPr lang="zh-CN" altLang="en-US" dirty="0">
+                <a:latin typeface="微软雅黑" panose="020B0503020204020204" pitchFamily="34" charset="-122"/>
+                <a:ea typeface="微软雅黑" panose="020B0503020204020204" pitchFamily="34" charset="-122"/>
+              </a:rPr>
+              <a:t>花了两周时间自己用</a:t>
+            </a:r>
+            <a:r>
+              <a:rPr lang="en-US" altLang="zh-CN" dirty="0">
+                <a:latin typeface="微软雅黑" panose="020B0503020204020204" pitchFamily="34" charset="-122"/>
+                <a:ea typeface="微软雅黑" panose="020B0503020204020204" pitchFamily="34" charset="-122"/>
+              </a:rPr>
+              <a:t>C</a:t>
+            </a:r>
+            <a:r>
+              <a:rPr lang="zh-CN" altLang="en-US" dirty="0">
+                <a:latin typeface="微软雅黑" panose="020B0503020204020204" pitchFamily="34" charset="-122"/>
+                <a:ea typeface="微软雅黑" panose="020B0503020204020204" pitchFamily="34" charset="-122"/>
+              </a:rPr>
+              <a:t>写了一个分布式版本控制系统，这就是</a:t>
+            </a:r>
+            <a:r>
+              <a:rPr lang="en-US" altLang="zh-CN" dirty="0" err="1">
+                <a:latin typeface="微软雅黑" panose="020B0503020204020204" pitchFamily="34" charset="-122"/>
+                <a:ea typeface="微软雅黑" panose="020B0503020204020204" pitchFamily="34" charset="-122"/>
+              </a:rPr>
+              <a:t>Git</a:t>
+            </a:r>
+            <a:r>
+              <a:rPr lang="zh-CN" altLang="en-US" dirty="0">
+                <a:latin typeface="微软雅黑" panose="020B0503020204020204" pitchFamily="34" charset="-122"/>
+                <a:ea typeface="微软雅黑" panose="020B0503020204020204" pitchFamily="34" charset="-122"/>
+              </a:rPr>
+              <a:t>！一个月之内，</a:t>
+            </a:r>
+            <a:r>
+              <a:rPr lang="en-US" altLang="zh-CN" dirty="0">
+                <a:latin typeface="微软雅黑" panose="020B0503020204020204" pitchFamily="34" charset="-122"/>
+                <a:ea typeface="微软雅黑" panose="020B0503020204020204" pitchFamily="34" charset="-122"/>
+              </a:rPr>
+              <a:t>Linux</a:t>
+            </a:r>
+            <a:r>
+              <a:rPr lang="zh-CN" altLang="en-US" dirty="0">
+                <a:latin typeface="微软雅黑" panose="020B0503020204020204" pitchFamily="34" charset="-122"/>
+                <a:ea typeface="微软雅黑" panose="020B0503020204020204" pitchFamily="34" charset="-122"/>
+              </a:rPr>
+              <a:t>系统的源码已经由</a:t>
+            </a:r>
+            <a:r>
+              <a:rPr lang="en-US" altLang="zh-CN" dirty="0" err="1">
+                <a:latin typeface="微软雅黑" panose="020B0503020204020204" pitchFamily="34" charset="-122"/>
+                <a:ea typeface="微软雅黑" panose="020B0503020204020204" pitchFamily="34" charset="-122"/>
+              </a:rPr>
+              <a:t>Git</a:t>
+            </a:r>
+            <a:r>
+              <a:rPr lang="zh-CN" altLang="en-US" dirty="0">
+                <a:latin typeface="微软雅黑" panose="020B0503020204020204" pitchFamily="34" charset="-122"/>
+                <a:ea typeface="微软雅黑" panose="020B0503020204020204" pitchFamily="34" charset="-122"/>
+              </a:rPr>
+              <a:t>管理了</a:t>
+            </a:r>
+            <a:r>
+              <a:rPr lang="zh-CN" altLang="en-US" dirty="0" smtClean="0">
+                <a:latin typeface="微软雅黑" panose="020B0503020204020204" pitchFamily="34" charset="-122"/>
+                <a:ea typeface="微软雅黑" panose="020B0503020204020204" pitchFamily="34" charset="-122"/>
+              </a:rPr>
+              <a:t>！</a:t>
+            </a:r>
+            <a:r>
+              <a:rPr lang="en-US" altLang="zh-CN" dirty="0" err="1" smtClean="0">
+                <a:latin typeface="微软雅黑" panose="020B0503020204020204" pitchFamily="34" charset="-122"/>
+                <a:ea typeface="微软雅黑" panose="020B0503020204020204" pitchFamily="34" charset="-122"/>
+              </a:rPr>
+              <a:t>Git</a:t>
+            </a:r>
+            <a:r>
+              <a:rPr lang="zh-CN" altLang="en-US" dirty="0">
+                <a:latin typeface="微软雅黑" panose="020B0503020204020204" pitchFamily="34" charset="-122"/>
+                <a:ea typeface="微软雅黑" panose="020B0503020204020204" pitchFamily="34" charset="-122"/>
+              </a:rPr>
+              <a:t>迅速成为最流行的分布式版本控制系统</a:t>
+            </a:r>
+            <a:r>
+              <a:rPr lang="zh-CN" altLang="en-US" dirty="0" smtClean="0">
+                <a:latin typeface="微软雅黑" panose="020B0503020204020204" pitchFamily="34" charset="-122"/>
+                <a:ea typeface="微软雅黑" panose="020B0503020204020204" pitchFamily="34" charset="-122"/>
+              </a:rPr>
+              <a:t>，在</a:t>
+            </a:r>
+            <a:r>
+              <a:rPr lang="en-US" altLang="zh-CN" dirty="0" smtClean="0">
+                <a:latin typeface="微软雅黑" panose="020B0503020204020204" pitchFamily="34" charset="-122"/>
+                <a:ea typeface="微软雅黑" panose="020B0503020204020204" pitchFamily="34" charset="-122"/>
+              </a:rPr>
+              <a:t>2008</a:t>
+            </a:r>
+            <a:r>
+              <a:rPr lang="zh-CN" altLang="en-US" dirty="0">
+                <a:latin typeface="微软雅黑" panose="020B0503020204020204" pitchFamily="34" charset="-122"/>
+                <a:ea typeface="微软雅黑" panose="020B0503020204020204" pitchFamily="34" charset="-122"/>
+              </a:rPr>
+              <a:t>年，</a:t>
+            </a:r>
+            <a:r>
+              <a:rPr lang="en-US" altLang="zh-CN" dirty="0">
+                <a:latin typeface="微软雅黑" panose="020B0503020204020204" pitchFamily="34" charset="-122"/>
+                <a:ea typeface="微软雅黑" panose="020B0503020204020204" pitchFamily="34" charset="-122"/>
+              </a:rPr>
+              <a:t>GitHub</a:t>
+            </a:r>
+            <a:r>
+              <a:rPr lang="zh-CN" altLang="en-US" dirty="0">
+                <a:latin typeface="微软雅黑" panose="020B0503020204020204" pitchFamily="34" charset="-122"/>
+                <a:ea typeface="微软雅黑" panose="020B0503020204020204" pitchFamily="34" charset="-122"/>
+              </a:rPr>
+              <a:t>网站上线了，它为开源项目免费提供</a:t>
+            </a:r>
+            <a:r>
+              <a:rPr lang="en-US" altLang="zh-CN" dirty="0" err="1">
+                <a:latin typeface="微软雅黑" panose="020B0503020204020204" pitchFamily="34" charset="-122"/>
+                <a:ea typeface="微软雅黑" panose="020B0503020204020204" pitchFamily="34" charset="-122"/>
+              </a:rPr>
+              <a:t>Git</a:t>
+            </a:r>
+            <a:r>
+              <a:rPr lang="zh-CN" altLang="en-US" dirty="0">
+                <a:latin typeface="微软雅黑" panose="020B0503020204020204" pitchFamily="34" charset="-122"/>
+                <a:ea typeface="微软雅黑" panose="020B0503020204020204" pitchFamily="34" charset="-122"/>
+              </a:rPr>
+              <a:t>存储，无数开源项目开始迁移至</a:t>
+            </a:r>
+            <a:r>
+              <a:rPr lang="en-US" altLang="zh-CN" dirty="0">
+                <a:latin typeface="微软雅黑" panose="020B0503020204020204" pitchFamily="34" charset="-122"/>
+                <a:ea typeface="微软雅黑" panose="020B0503020204020204" pitchFamily="34" charset="-122"/>
+              </a:rPr>
+              <a:t>GitHub</a:t>
+            </a:r>
+            <a:r>
+              <a:rPr lang="zh-CN" altLang="en-US" dirty="0">
+                <a:latin typeface="微软雅黑" panose="020B0503020204020204" pitchFamily="34" charset="-122"/>
+                <a:ea typeface="微软雅黑" panose="020B0503020204020204" pitchFamily="34" charset="-122"/>
+              </a:rPr>
+              <a:t>，包括</a:t>
+            </a:r>
+            <a:r>
+              <a:rPr lang="en-US" altLang="zh-CN" dirty="0">
+                <a:latin typeface="微软雅黑" panose="020B0503020204020204" pitchFamily="34" charset="-122"/>
+                <a:ea typeface="微软雅黑" panose="020B0503020204020204" pitchFamily="34" charset="-122"/>
+              </a:rPr>
+              <a:t>jQuery</a:t>
+            </a:r>
+            <a:r>
+              <a:rPr lang="zh-CN" altLang="en-US" dirty="0">
+                <a:latin typeface="微软雅黑" panose="020B0503020204020204" pitchFamily="34" charset="-122"/>
+                <a:ea typeface="微软雅黑" panose="020B0503020204020204" pitchFamily="34" charset="-122"/>
+              </a:rPr>
+              <a:t>，</a:t>
+            </a:r>
+            <a:r>
+              <a:rPr lang="en-US" altLang="zh-CN" dirty="0">
+                <a:latin typeface="微软雅黑" panose="020B0503020204020204" pitchFamily="34" charset="-122"/>
+                <a:ea typeface="微软雅黑" panose="020B0503020204020204" pitchFamily="34" charset="-122"/>
+              </a:rPr>
+              <a:t>PHP</a:t>
+            </a:r>
+            <a:r>
+              <a:rPr lang="zh-CN" altLang="en-US" dirty="0">
+                <a:latin typeface="微软雅黑" panose="020B0503020204020204" pitchFamily="34" charset="-122"/>
+                <a:ea typeface="微软雅黑" panose="020B0503020204020204" pitchFamily="34" charset="-122"/>
+              </a:rPr>
+              <a:t>，</a:t>
+            </a:r>
+            <a:r>
+              <a:rPr lang="en-US" altLang="zh-CN" dirty="0">
+                <a:latin typeface="微软雅黑" panose="020B0503020204020204" pitchFamily="34" charset="-122"/>
+                <a:ea typeface="微软雅黑" panose="020B0503020204020204" pitchFamily="34" charset="-122"/>
+              </a:rPr>
+              <a:t>Ruby</a:t>
+            </a:r>
+            <a:r>
+              <a:rPr lang="zh-CN" altLang="en-US" dirty="0">
+                <a:latin typeface="微软雅黑" panose="020B0503020204020204" pitchFamily="34" charset="-122"/>
+                <a:ea typeface="微软雅黑" panose="020B0503020204020204" pitchFamily="34" charset="-122"/>
+              </a:rPr>
+              <a:t>等等</a:t>
+            </a:r>
+            <a:r>
+              <a:rPr lang="zh-CN" altLang="en-US" dirty="0" smtClean="0">
+                <a:latin typeface="微软雅黑" panose="020B0503020204020204" pitchFamily="34" charset="-122"/>
+                <a:ea typeface="微软雅黑" panose="020B0503020204020204" pitchFamily="34" charset="-122"/>
+              </a:rPr>
+              <a:t>。</a:t>
+            </a:r>
+            <a:endParaRPr lang="zh-CN" altLang="en-US" dirty="0">
+              <a:latin typeface="微软雅黑" panose="020B0503020204020204" pitchFamily="34" charset="-122"/>
+              <a:ea typeface="微软雅黑" panose="020B0503020204020204" pitchFamily="34" charset="-122"/>
+            </a:endParaRPr>
+          </a:p>
+        </p:txBody>
+      </p:sp>
+    </p:spTree>
+    <p:extLst>
+      <p:ext uri="{BB962C8B-B14F-4D97-AF65-F5344CB8AC3E}">
+        <p14:creationId xmlns:p14="http://schemas.microsoft.com/office/powerpoint/2010/main" val="1291325084"/>
+      </p:ext>
+    </p:extLst>
+  </p:cSld>
+  <p:clrMapOvr>
+    <a:masterClrMapping/>
+  </p:clrMapOvr>
+  <mc:AlternateContent xmlns:mc="http://schemas.openxmlformats.org/markup-compatibility/2006" xmlns:p14="http://schemas.microsoft.com/office/powerpoint/2010/main">
+    <mc:Choice Requires="p14">
+      <p:transition spd="med" p14:dur="700">
+        <p:fade/>
+      </p:transition>
+    </mc:Choice>
+    <mc:Fallback xmlns="">
+      <p:transition spd="med">
+        <p:fade/>
+      </p:transition>
+    </mc:Fallback>
+  </mc:AlternateContent>
+  <p:timing>
+    <p:tnLst>
+      <p:par>
+        <p:cTn id="1" dur="indefinite" restart="never" nodeType="tmRoot"/>
+      </p:par>
+    </p:tnLst>
+  </p:timing>
+</p:sld>
+</file>
+
+<file path=ppt/slides/slide40.xml><?xml version="1.0" encoding="utf-8"?>
+<p:sld xmlns:a="http://schemas.openxmlformats.org/drawingml/2006/main" xmlns:r="http://schemas.openxmlformats.org/officeDocument/2006/relationships" xmlns:p="http://schemas.openxmlformats.org/presentationml/2006/main">
+  <p:cSld>
+    <p:spTree>
+      <p:nvGrpSpPr>
+        <p:cNvPr id="1" name=""/>
+        <p:cNvGrpSpPr/>
+        <p:nvPr/>
+      </p:nvGrpSpPr>
+      <p:grpSpPr>
+        <a:xfrm>
+          <a:off x="0" y="0"/>
+          <a:ext cx="0" cy="0"/>
+          <a:chOff x="0" y="0"/>
+          <a:chExt cx="0" cy="0"/>
+        </a:xfrm>
+      </p:grpSpPr>
+      <p:sp>
+        <p:nvSpPr>
+          <p:cNvPr id="32" name="文本框 31"/>
+          <p:cNvSpPr txBox="1"/>
+          <p:nvPr/>
+        </p:nvSpPr>
+        <p:spPr>
+          <a:xfrm>
+            <a:off x="959552" y="340946"/>
+            <a:ext cx="2377574" cy="584775"/>
+          </a:xfrm>
+          <a:prstGeom prst="rect">
+            <a:avLst/>
+          </a:prstGeom>
+          <a:noFill/>
+        </p:spPr>
+        <p:txBody>
+          <a:bodyPr wrap="none" rtlCol="0">
+            <a:spAutoFit/>
+          </a:bodyPr>
+          <a:lstStyle/>
+          <a:p>
+            <a:r>
+              <a:rPr lang="en-US" altLang="zh-CN" sz="3200" dirty="0" err="1" smtClean="0">
+                <a:latin typeface="OPPOSans R" panose="00020600040101010101" pitchFamily="18" charset="-122"/>
+                <a:ea typeface="OPPOSans R" panose="00020600040101010101" pitchFamily="18" charset="-122"/>
+                <a:cs typeface="OPPOSans R" panose="00020600040101010101" pitchFamily="18" charset="-122"/>
+              </a:rPr>
+              <a:t>Git</a:t>
+            </a:r>
+            <a:r>
+              <a:rPr lang="zh-CN" altLang="en-US" sz="3200" dirty="0" smtClean="0">
+                <a:latin typeface="OPPOSans R" panose="00020600040101010101" pitchFamily="18" charset="-122"/>
+                <a:ea typeface="OPPOSans R" panose="00020600040101010101" pitchFamily="18" charset="-122"/>
+                <a:cs typeface="OPPOSans R" panose="00020600040101010101" pitchFamily="18" charset="-122"/>
+              </a:rPr>
+              <a:t>知识扩展</a:t>
+            </a:r>
+            <a:endParaRPr lang="zh-CN" altLang="en-US" sz="3200" dirty="0">
+              <a:latin typeface="OPPOSans R" panose="00020600040101010101" pitchFamily="18" charset="-122"/>
+              <a:ea typeface="OPPOSans R" panose="00020600040101010101" pitchFamily="18" charset="-122"/>
+              <a:cs typeface="OPPOSans R" panose="00020600040101010101" pitchFamily="18" charset="-122"/>
+            </a:endParaRPr>
+          </a:p>
+        </p:txBody>
+      </p:sp>
+      <p:sp>
+        <p:nvSpPr>
+          <p:cNvPr id="39" name="矩形 38"/>
+          <p:cNvSpPr/>
+          <p:nvPr/>
+        </p:nvSpPr>
+        <p:spPr>
+          <a:xfrm>
+            <a:off x="0" y="462703"/>
+            <a:ext cx="794456" cy="738664"/>
+          </a:xfrm>
+          <a:prstGeom prst="rect">
+            <a:avLst/>
+          </a:prstGeom>
+          <a:solidFill>
+            <a:srgbClr val="9A0001"/>
+          </a:solidFill>
+          <a:ln>
+            <a:noFill/>
+          </a:ln>
+        </p:spPr>
+        <p:style>
+          <a:lnRef idx="2">
+            <a:schemeClr val="accent1">
+              <a:shade val="50000"/>
+            </a:schemeClr>
+          </a:lnRef>
+          <a:fillRef idx="1">
+            <a:schemeClr val="accent1"/>
+          </a:fillRef>
+          <a:effectRef idx="0">
+            <a:schemeClr val="accent1"/>
+          </a:effectRef>
+          <a:fontRef idx="minor">
+            <a:schemeClr val="lt1"/>
+          </a:fontRef>
+        </p:style>
+        <p:txBody>
+          <a:bodyPr rtlCol="0" anchor="ctr"/>
+          <a:lstStyle/>
+          <a:p>
+            <a:pPr algn="ctr"/>
+            <a:endParaRPr kumimoji="1" lang="zh-CN" altLang="en-US" sz="1600" dirty="0">
+              <a:latin typeface="OPPOSans R" panose="00020600040101010101" pitchFamily="18" charset="-122"/>
+              <a:ea typeface="OPPOSans R" panose="00020600040101010101" pitchFamily="18" charset="-122"/>
+            </a:endParaRPr>
+          </a:p>
+        </p:txBody>
+      </p:sp>
+      <p:sp>
+        <p:nvSpPr>
+          <p:cNvPr id="34" name="矩形 33"/>
+          <p:cNvSpPr/>
+          <p:nvPr/>
+        </p:nvSpPr>
+        <p:spPr>
+          <a:xfrm flipV="1">
+            <a:off x="7529454" y="6772905"/>
+            <a:ext cx="4682001" cy="128741"/>
+          </a:xfrm>
+          <a:prstGeom prst="rect">
+            <a:avLst/>
+          </a:prstGeom>
+          <a:solidFill>
+            <a:srgbClr val="9A0001"/>
+          </a:solidFill>
+          <a:ln>
+            <a:noFill/>
+          </a:ln>
+        </p:spPr>
+        <p:style>
+          <a:lnRef idx="2">
+            <a:schemeClr val="accent1">
+              <a:shade val="50000"/>
+            </a:schemeClr>
+          </a:lnRef>
+          <a:fillRef idx="1">
+            <a:schemeClr val="accent1"/>
+          </a:fillRef>
+          <a:effectRef idx="0">
+            <a:schemeClr val="accent1"/>
+          </a:effectRef>
+          <a:fontRef idx="minor">
+            <a:schemeClr val="lt1"/>
+          </a:fontRef>
+        </p:style>
+        <p:txBody>
+          <a:bodyPr rtlCol="0" anchor="ctr"/>
+          <a:lstStyle/>
+          <a:p>
+            <a:pPr algn="ctr"/>
+            <a:endParaRPr kumimoji="1" lang="zh-CN" altLang="en-US" sz="1600" dirty="0">
+              <a:latin typeface="OPPOSans R" panose="00020600040101010101" pitchFamily="18" charset="-122"/>
+              <a:ea typeface="OPPOSans R" panose="00020600040101010101" pitchFamily="18" charset="-122"/>
+            </a:endParaRPr>
+          </a:p>
+        </p:txBody>
+      </p:sp>
+      <p:pic>
+        <p:nvPicPr>
+          <p:cNvPr id="40" name="图片 39" descr="微信图片_20210609194104"/>
+          <p:cNvPicPr>
+            <a:picLocks noChangeAspect="1"/>
+          </p:cNvPicPr>
+          <p:nvPr/>
+        </p:nvPicPr>
+        <p:blipFill>
+          <a:blip r:embed="rId3"/>
+          <a:stretch>
+            <a:fillRect/>
+          </a:stretch>
+        </p:blipFill>
+        <p:spPr>
+          <a:xfrm>
+            <a:off x="8303298" y="453877"/>
+            <a:ext cx="3533140" cy="533400"/>
+          </a:xfrm>
+          <a:prstGeom prst="rect">
+            <a:avLst/>
+          </a:prstGeom>
+        </p:spPr>
+      </p:pic>
+      <p:sp>
+        <p:nvSpPr>
+          <p:cNvPr id="8" name="文本框 7"/>
+          <p:cNvSpPr txBox="1"/>
+          <p:nvPr/>
+        </p:nvSpPr>
+        <p:spPr>
+          <a:xfrm>
+            <a:off x="959551" y="5262847"/>
+            <a:ext cx="9753600" cy="458908"/>
+          </a:xfrm>
+          <a:prstGeom prst="rect">
+            <a:avLst/>
+          </a:prstGeom>
+          <a:noFill/>
+        </p:spPr>
+        <p:txBody>
+          <a:bodyPr wrap="square" rtlCol="0">
+            <a:spAutoFit/>
+          </a:bodyPr>
+          <a:lstStyle/>
+          <a:p>
+            <a:pPr>
+              <a:lnSpc>
+                <a:spcPct val="150000"/>
+              </a:lnSpc>
+            </a:pPr>
+            <a:r>
+              <a:rPr lang="zh-CN" altLang="en-US" dirty="0">
+                <a:latin typeface="微软雅黑" panose="020B0503020204020204" pitchFamily="34" charset="-122"/>
+                <a:ea typeface="微软雅黑" panose="020B0503020204020204" pitchFamily="34" charset="-122"/>
+              </a:rPr>
+              <a:t>教程参见：</a:t>
+            </a:r>
+            <a:r>
+              <a:rPr lang="en-US" altLang="zh-CN" dirty="0">
+                <a:latin typeface="微软雅黑" panose="020B0503020204020204" pitchFamily="34" charset="-122"/>
+                <a:ea typeface="微软雅黑" panose="020B0503020204020204" pitchFamily="34" charset="-122"/>
+              </a:rPr>
+              <a:t>https://spencerwoo.com/blog/wait-this-is-not-my-commit</a:t>
+            </a:r>
+          </a:p>
+        </p:txBody>
+      </p:sp>
+      <p:sp>
+        <p:nvSpPr>
+          <p:cNvPr id="12" name="文本框 11"/>
+          <p:cNvSpPr txBox="1"/>
+          <p:nvPr/>
+        </p:nvSpPr>
+        <p:spPr>
+          <a:xfrm>
+            <a:off x="959551" y="904570"/>
+            <a:ext cx="5105087" cy="369332"/>
+          </a:xfrm>
+          <a:prstGeom prst="rect">
+            <a:avLst/>
+          </a:prstGeom>
+          <a:noFill/>
+        </p:spPr>
+        <p:txBody>
+          <a:bodyPr wrap="square">
+            <a:spAutoFit/>
+          </a:bodyPr>
+          <a:lstStyle/>
+          <a:p>
+            <a:r>
+              <a:rPr lang="zh-CN" altLang="en-US" dirty="0" smtClean="0">
+                <a:solidFill>
+                  <a:schemeClr val="tx1">
+                    <a:lumMod val="50000"/>
+                    <a:lumOff val="50000"/>
+                  </a:schemeClr>
+                </a:solidFill>
+                <a:latin typeface="OPPOSans R" panose="00020600040101010101" pitchFamily="18" charset="-122"/>
+                <a:ea typeface="OPPOSans R" panose="00020600040101010101" pitchFamily="18" charset="-122"/>
+                <a:cs typeface="OPPOSans R" panose="00020600040101010101" pitchFamily="18" charset="-122"/>
+              </a:rPr>
+              <a:t>防冒名顶替</a:t>
+            </a:r>
+            <a:endParaRPr lang="zh-CN" altLang="en-US" dirty="0">
+              <a:solidFill>
+                <a:schemeClr val="tx1">
+                  <a:lumMod val="50000"/>
+                  <a:lumOff val="50000"/>
+                </a:schemeClr>
+              </a:solidFill>
+              <a:latin typeface="OPPOSans R" panose="00020600040101010101" pitchFamily="18" charset="-122"/>
+              <a:ea typeface="OPPOSans R" panose="00020600040101010101" pitchFamily="18" charset="-122"/>
+              <a:cs typeface="OPPOSans R" panose="00020600040101010101" pitchFamily="18" charset="-122"/>
+            </a:endParaRPr>
+          </a:p>
+        </p:txBody>
+      </p:sp>
+      <p:sp>
+        <p:nvSpPr>
           <p:cNvPr id="10" name="文本框 9"/>
           <p:cNvSpPr txBox="1"/>
           <p:nvPr/>
@@ -26869,21 +29063,21 @@
               <a:t>上用 </a:t>
             </a:r>
             <a:r>
-              <a:rPr lang="en-US" altLang="zh-CN" dirty="0">
-                <a:latin typeface="微软雅黑" panose="020B0503020204020204" pitchFamily="34" charset="-122"/>
-                <a:ea typeface="微软雅黑" panose="020B0503020204020204" pitchFamily="34" charset="-122"/>
-              </a:rPr>
-              <a:t>GPG </a:t>
-            </a:r>
-            <a:r>
-              <a:rPr lang="zh-CN" altLang="en-US" dirty="0">
+              <a:rPr lang="en-US" altLang="zh-CN" dirty="0" smtClean="0">
+                <a:latin typeface="微软雅黑" panose="020B0503020204020204" pitchFamily="34" charset="-122"/>
+                <a:ea typeface="微软雅黑" panose="020B0503020204020204" pitchFamily="34" charset="-122"/>
+              </a:rPr>
+              <a:t>GPG</a:t>
+            </a:r>
+            <a:r>
+              <a:rPr lang="zh-CN" altLang="en-US" dirty="0" smtClean="0">
                 <a:latin typeface="微软雅黑" panose="020B0503020204020204" pitchFamily="34" charset="-122"/>
                 <a:ea typeface="微软雅黑" panose="020B0503020204020204" pitchFamily="34" charset="-122"/>
               </a:rPr>
               <a:t>私钥签名的 </a:t>
             </a:r>
             <a:r>
-              <a:rPr lang="en-US" altLang="zh-CN" dirty="0">
+              <a:rPr lang="en-US" altLang="zh-CN" dirty="0" smtClean="0">
                 <a:latin typeface="微软雅黑" panose="020B0503020204020204" pitchFamily="34" charset="-122"/>
                 <a:ea typeface="微软雅黑" panose="020B0503020204020204" pitchFamily="34" charset="-122"/>
               </a:rPr>
@@ -26894,35 +29088,21 @@
                 <a:latin typeface="微软雅黑" panose="020B0503020204020204" pitchFamily="34" charset="-122"/>
                 <a:ea typeface="微软雅黑" panose="020B0503020204020204" pitchFamily="34" charset="-122"/>
               </a:rPr>
-              <a:t>会显示</a:t>
-            </a:r>
-            <a:r>
-              <a:rPr lang="zh-CN" altLang="en-US" dirty="0">
-                <a:latin typeface="微软雅黑" panose="020B0503020204020204" pitchFamily="34" charset="-122"/>
-                <a:ea typeface="微软雅黑" panose="020B0503020204020204" pitchFamily="34" charset="-122"/>
-              </a:rPr>
-              <a:t>如下图的 </a:t>
-            </a:r>
-            <a:r>
-              <a:rPr lang="en-US" altLang="zh-CN" dirty="0">
+              <a:t>会显示如下图的 </a:t>
+            </a:r>
+            <a:r>
+              <a:rPr lang="en-US" altLang="zh-CN" dirty="0" smtClean="0">
                 <a:latin typeface="微软雅黑" panose="020B0503020204020204" pitchFamily="34" charset="-122"/>
                 <a:ea typeface="微软雅黑" panose="020B0503020204020204" pitchFamily="34" charset="-122"/>
               </a:rPr>
               <a:t>Verified </a:t>
             </a:r>
             <a:r>
-              <a:rPr lang="zh-CN" altLang="en-US" dirty="0">
-                <a:latin typeface="微软雅黑" panose="020B0503020204020204" pitchFamily="34" charset="-122"/>
-                <a:ea typeface="微软雅黑" panose="020B0503020204020204" pitchFamily="34" charset="-122"/>
-              </a:rPr>
-              <a:t>绿色钦定小</a:t>
-            </a:r>
-            <a:r>
               <a:rPr lang="zh-CN" altLang="en-US" dirty="0" smtClean="0">
                 <a:latin typeface="微软雅黑" panose="020B0503020204020204" pitchFamily="34" charset="-122"/>
                 <a:ea typeface="微软雅黑" panose="020B0503020204020204" pitchFamily="34" charset="-122"/>
               </a:rPr>
-              <a:t>标。类似于微博加</a:t>
+              <a:t>绿色钦定小标。类似于微博加</a:t>
             </a:r>
             <a:r>
               <a:rPr lang="en-US" altLang="zh-CN" dirty="0" smtClean="0">
@@ -26988,7 +29168,7 @@
 </p:sld>
 </file>
 
-<file path=ppt/slides/slide39.xml><?xml version="1.0" encoding="utf-8"?>
+<file path=ppt/slides/slide41.xml><?xml version="1.0" encoding="utf-8"?>
 <p:sld xmlns:a="http://schemas.openxmlformats.org/drawingml/2006/main" xmlns:r="http://schemas.openxmlformats.org/officeDocument/2006/relationships" xmlns:p="http://schemas.openxmlformats.org/presentationml/2006/main">
   <p:cSld>
     <p:spTree>
@@ -27396,812 +29576,6 @@
         </p:spPr>
       </p:pic>
     </p:spTree>
-  </p:cSld>
-  <p:clrMapOvr>
-    <a:masterClrMapping/>
-  </p:clrMapOvr>
-  <mc:AlternateContent xmlns:mc="http://schemas.openxmlformats.org/markup-compatibility/2006" xmlns:p14="http://schemas.microsoft.com/office/powerpoint/2010/main">
-    <mc:Choice Requires="p14">
-      <p:transition spd="med" p14:dur="700">
-        <p:fade/>
-      </p:transition>
-    </mc:Choice>
-    <mc:Fallback xmlns="">
-      <p:transition spd="med">
-        <p:fade/>
-      </p:transition>
-    </mc:Fallback>
-  </mc:AlternateContent>
-  <p:timing>
-    <p:tnLst>
-      <p:par>
-        <p:cTn id="1" dur="indefinite" restart="never" nodeType="tmRoot"/>
-      </p:par>
-    </p:tnLst>
-  </p:timing>
-</p:sld>
-</file>
-
-<file path=ppt/slides/slide4.xml><?xml version="1.0" encoding="utf-8"?>
-<p:sld xmlns:a="http://schemas.openxmlformats.org/drawingml/2006/main" xmlns:r="http://schemas.openxmlformats.org/officeDocument/2006/relationships" xmlns:p="http://schemas.openxmlformats.org/presentationml/2006/main">
-  <p:cSld>
-    <p:spTree>
-      <p:nvGrpSpPr>
-        <p:cNvPr id="1" name=""/>
-        <p:cNvGrpSpPr/>
-        <p:nvPr/>
-      </p:nvGrpSpPr>
-      <p:grpSpPr>
-        <a:xfrm>
-          <a:off x="0" y="0"/>
-          <a:ext cx="0" cy="0"/>
-          <a:chOff x="0" y="0"/>
-          <a:chExt cx="0" cy="0"/>
-        </a:xfrm>
-      </p:grpSpPr>
-      <p:sp>
-        <p:nvSpPr>
-          <p:cNvPr id="32" name="文本框 31"/>
-          <p:cNvSpPr txBox="1"/>
-          <p:nvPr/>
-        </p:nvSpPr>
-        <p:spPr>
-          <a:xfrm>
-            <a:off x="959552" y="340946"/>
-            <a:ext cx="1641796" cy="584775"/>
-          </a:xfrm>
-          <a:prstGeom prst="rect">
-            <a:avLst/>
-          </a:prstGeom>
-          <a:noFill/>
-        </p:spPr>
-        <p:txBody>
-          <a:bodyPr wrap="none" rtlCol="0">
-            <a:spAutoFit/>
-          </a:bodyPr>
-          <a:lstStyle/>
-          <a:p>
-            <a:r>
-              <a:rPr lang="en-US" altLang="zh-CN" sz="3200" dirty="0" smtClean="0">
-                <a:latin typeface="OPPOSans R" panose="00020600040101010101" pitchFamily="18" charset="-122"/>
-                <a:ea typeface="OPPOSans R" panose="00020600040101010101" pitchFamily="18" charset="-122"/>
-                <a:cs typeface="OPPOSans R" panose="00020600040101010101" pitchFamily="18" charset="-122"/>
-              </a:rPr>
-              <a:t>GIT</a:t>
-            </a:r>
-            <a:r>
-              <a:rPr lang="zh-CN" altLang="en-US" sz="3200" dirty="0" smtClean="0">
-                <a:latin typeface="OPPOSans R" panose="00020600040101010101" pitchFamily="18" charset="-122"/>
-                <a:ea typeface="OPPOSans R" panose="00020600040101010101" pitchFamily="18" charset="-122"/>
-                <a:cs typeface="OPPOSans R" panose="00020600040101010101" pitchFamily="18" charset="-122"/>
-              </a:rPr>
-              <a:t>简介</a:t>
-            </a:r>
-            <a:endParaRPr lang="zh-CN" altLang="en-US" sz="3200" dirty="0">
-              <a:latin typeface="OPPOSans R" panose="00020600040101010101" pitchFamily="18" charset="-122"/>
-              <a:ea typeface="OPPOSans R" panose="00020600040101010101" pitchFamily="18" charset="-122"/>
-              <a:cs typeface="OPPOSans R" panose="00020600040101010101" pitchFamily="18" charset="-122"/>
-            </a:endParaRPr>
-          </a:p>
-        </p:txBody>
-      </p:sp>
-      <p:sp>
-        <p:nvSpPr>
-          <p:cNvPr id="39" name="矩形 38"/>
-          <p:cNvSpPr/>
-          <p:nvPr/>
-        </p:nvSpPr>
-        <p:spPr>
-          <a:xfrm>
-            <a:off x="0" y="462703"/>
-            <a:ext cx="794456" cy="738664"/>
-          </a:xfrm>
-          <a:prstGeom prst="rect">
-            <a:avLst/>
-          </a:prstGeom>
-          <a:solidFill>
-            <a:srgbClr val="9A0001"/>
-          </a:solidFill>
-          <a:ln>
-            <a:noFill/>
-          </a:ln>
-        </p:spPr>
-        <p:style>
-          <a:lnRef idx="2">
-            <a:schemeClr val="accent1">
-              <a:shade val="50000"/>
-            </a:schemeClr>
-          </a:lnRef>
-          <a:fillRef idx="1">
-            <a:schemeClr val="accent1"/>
-          </a:fillRef>
-          <a:effectRef idx="0">
-            <a:schemeClr val="accent1"/>
-          </a:effectRef>
-          <a:fontRef idx="minor">
-            <a:schemeClr val="lt1"/>
-          </a:fontRef>
-        </p:style>
-        <p:txBody>
-          <a:bodyPr rtlCol="0" anchor="ctr"/>
-          <a:lstStyle/>
-          <a:p>
-            <a:pPr algn="ctr"/>
-            <a:endParaRPr kumimoji="1" lang="zh-CN" altLang="en-US" sz="1600" dirty="0">
-              <a:latin typeface="OPPOSans R" panose="00020600040101010101" pitchFamily="18" charset="-122"/>
-              <a:ea typeface="OPPOSans R" panose="00020600040101010101" pitchFamily="18" charset="-122"/>
-            </a:endParaRPr>
-          </a:p>
-        </p:txBody>
-      </p:sp>
-      <p:sp>
-        <p:nvSpPr>
-          <p:cNvPr id="34" name="矩形 33"/>
-          <p:cNvSpPr/>
-          <p:nvPr/>
-        </p:nvSpPr>
-        <p:spPr>
-          <a:xfrm flipV="1">
-            <a:off x="7529454" y="6772905"/>
-            <a:ext cx="4682001" cy="128741"/>
-          </a:xfrm>
-          <a:prstGeom prst="rect">
-            <a:avLst/>
-          </a:prstGeom>
-          <a:solidFill>
-            <a:srgbClr val="9A0001"/>
-          </a:solidFill>
-          <a:ln>
-            <a:noFill/>
-          </a:ln>
-        </p:spPr>
-        <p:style>
-          <a:lnRef idx="2">
-            <a:schemeClr val="accent1">
-              <a:shade val="50000"/>
-            </a:schemeClr>
-          </a:lnRef>
-          <a:fillRef idx="1">
-            <a:schemeClr val="accent1"/>
-          </a:fillRef>
-          <a:effectRef idx="0">
-            <a:schemeClr val="accent1"/>
-          </a:effectRef>
-          <a:fontRef idx="minor">
-            <a:schemeClr val="lt1"/>
-          </a:fontRef>
-        </p:style>
-        <p:txBody>
-          <a:bodyPr rtlCol="0" anchor="ctr"/>
-          <a:lstStyle/>
-          <a:p>
-            <a:pPr algn="ctr"/>
-            <a:endParaRPr kumimoji="1" lang="zh-CN" altLang="en-US" sz="1600" dirty="0">
-              <a:latin typeface="OPPOSans R" panose="00020600040101010101" pitchFamily="18" charset="-122"/>
-              <a:ea typeface="OPPOSans R" panose="00020600040101010101" pitchFamily="18" charset="-122"/>
-            </a:endParaRPr>
-          </a:p>
-        </p:txBody>
-      </p:sp>
-      <p:pic>
-        <p:nvPicPr>
-          <p:cNvPr id="40" name="图片 39" descr="微信图片_20210609194104"/>
-          <p:cNvPicPr>
-            <a:picLocks noChangeAspect="1"/>
-          </p:cNvPicPr>
-          <p:nvPr/>
-        </p:nvPicPr>
-        <p:blipFill>
-          <a:blip r:embed="rId3"/>
-          <a:stretch>
-            <a:fillRect/>
-          </a:stretch>
-        </p:blipFill>
-        <p:spPr>
-          <a:xfrm>
-            <a:off x="8303298" y="453877"/>
-            <a:ext cx="3533140" cy="533400"/>
-          </a:xfrm>
-          <a:prstGeom prst="rect">
-            <a:avLst/>
-          </a:prstGeom>
-        </p:spPr>
-      </p:pic>
-      <p:sp>
-        <p:nvSpPr>
-          <p:cNvPr id="8" name="文本框 7"/>
-          <p:cNvSpPr txBox="1"/>
-          <p:nvPr/>
-        </p:nvSpPr>
-        <p:spPr>
-          <a:xfrm>
-            <a:off x="959551" y="904570"/>
-            <a:ext cx="5105087" cy="369332"/>
-          </a:xfrm>
-          <a:prstGeom prst="rect">
-            <a:avLst/>
-          </a:prstGeom>
-          <a:noFill/>
-        </p:spPr>
-        <p:txBody>
-          <a:bodyPr wrap="square">
-            <a:spAutoFit/>
-          </a:bodyPr>
-          <a:lstStyle>
-            <a:defPPr>
-              <a:defRPr lang="zh-CN"/>
-            </a:defPPr>
-            <a:lvl1pPr>
-              <a:defRPr>
-                <a:solidFill>
-                  <a:schemeClr val="tx1">
-                    <a:lumMod val="50000"/>
-                    <a:lumOff val="50000"/>
-                  </a:schemeClr>
-                </a:solidFill>
-                <a:latin typeface="OPPOSans R" panose="00020600040101010101" pitchFamily="18" charset="-122"/>
-                <a:ea typeface="OPPOSans R" panose="00020600040101010101" pitchFamily="18" charset="-122"/>
-                <a:cs typeface="OPPOSans R" panose="00020600040101010101" pitchFamily="18" charset="-122"/>
-              </a:defRPr>
-            </a:lvl1pPr>
-          </a:lstStyle>
-          <a:p>
-            <a:r>
-              <a:rPr lang="en-US" altLang="zh-CN" dirty="0"/>
-              <a:t>GIT</a:t>
-            </a:r>
-            <a:r>
-              <a:rPr lang="zh-CN" altLang="en-US" dirty="0"/>
-              <a:t>的起源</a:t>
-            </a:r>
-          </a:p>
-        </p:txBody>
-      </p:sp>
-      <p:sp>
-        <p:nvSpPr>
-          <p:cNvPr id="9" name="文本框 8"/>
-          <p:cNvSpPr txBox="1"/>
-          <p:nvPr/>
-        </p:nvSpPr>
-        <p:spPr>
-          <a:xfrm>
-            <a:off x="959551" y="1273902"/>
-            <a:ext cx="9753600" cy="5078313"/>
-          </a:xfrm>
-          <a:prstGeom prst="rect">
-            <a:avLst/>
-          </a:prstGeom>
-          <a:noFill/>
-        </p:spPr>
-        <p:txBody>
-          <a:bodyPr wrap="square" rtlCol="0">
-            <a:spAutoFit/>
-          </a:bodyPr>
-          <a:lstStyle/>
-          <a:p>
-            <a:pPr>
-              <a:lnSpc>
-                <a:spcPct val="150000"/>
-              </a:lnSpc>
-            </a:pPr>
-            <a:r>
-              <a:rPr lang="zh-CN" altLang="en-US" dirty="0" smtClean="0">
-                <a:latin typeface="微软雅黑" panose="020B0503020204020204" pitchFamily="34" charset="-122"/>
-                <a:ea typeface="微软雅黑" panose="020B0503020204020204" pitchFamily="34" charset="-122"/>
-              </a:rPr>
-              <a:t>       在</a:t>
-            </a:r>
-            <a:r>
-              <a:rPr lang="en-US" altLang="zh-CN" dirty="0" smtClean="0">
-                <a:latin typeface="微软雅黑" panose="020B0503020204020204" pitchFamily="34" charset="-122"/>
-                <a:ea typeface="微软雅黑" panose="020B0503020204020204" pitchFamily="34" charset="-122"/>
-              </a:rPr>
-              <a:t>2002</a:t>
-            </a:r>
-            <a:r>
-              <a:rPr lang="zh-CN" altLang="en-US" dirty="0" smtClean="0">
-                <a:latin typeface="微软雅黑" panose="020B0503020204020204" pitchFamily="34" charset="-122"/>
-                <a:ea typeface="微软雅黑" panose="020B0503020204020204" pitchFamily="34" charset="-122"/>
-              </a:rPr>
-              <a:t>年以前，世界各地的志愿者把源代码文件通过</a:t>
-            </a:r>
-            <a:r>
-              <a:rPr lang="en-US" altLang="zh-CN" dirty="0" smtClean="0">
-                <a:latin typeface="微软雅黑" panose="020B0503020204020204" pitchFamily="34" charset="-122"/>
-                <a:ea typeface="微软雅黑" panose="020B0503020204020204" pitchFamily="34" charset="-122"/>
-              </a:rPr>
-              <a:t>diff</a:t>
-            </a:r>
-            <a:r>
-              <a:rPr lang="zh-CN" altLang="en-US" dirty="0" smtClean="0">
-                <a:latin typeface="微软雅黑" panose="020B0503020204020204" pitchFamily="34" charset="-122"/>
-                <a:ea typeface="微软雅黑" panose="020B0503020204020204" pitchFamily="34" charset="-122"/>
-              </a:rPr>
-              <a:t>的方式发给</a:t>
-            </a:r>
-            <a:r>
-              <a:rPr lang="en-US" altLang="zh-CN" dirty="0" smtClean="0">
-                <a:latin typeface="微软雅黑" panose="020B0503020204020204" pitchFamily="34" charset="-122"/>
-                <a:ea typeface="微软雅黑" panose="020B0503020204020204" pitchFamily="34" charset="-122"/>
-              </a:rPr>
-              <a:t>Linus</a:t>
-            </a:r>
-            <a:r>
-              <a:rPr lang="zh-CN" altLang="en-US" dirty="0" smtClean="0">
-                <a:latin typeface="微软雅黑" panose="020B0503020204020204" pitchFamily="34" charset="-122"/>
-                <a:ea typeface="微软雅黑" panose="020B0503020204020204" pitchFamily="34" charset="-122"/>
-              </a:rPr>
-              <a:t>，然后由</a:t>
-            </a:r>
-            <a:r>
-              <a:rPr lang="en-US" altLang="zh-CN" dirty="0" smtClean="0">
-                <a:latin typeface="微软雅黑" panose="020B0503020204020204" pitchFamily="34" charset="-122"/>
-                <a:ea typeface="微软雅黑" panose="020B0503020204020204" pitchFamily="34" charset="-122"/>
-              </a:rPr>
-              <a:t>Linus</a:t>
-            </a:r>
-            <a:r>
-              <a:rPr lang="zh-CN" altLang="en-US" dirty="0">
-                <a:latin typeface="微软雅黑" panose="020B0503020204020204" pitchFamily="34" charset="-122"/>
-                <a:ea typeface="微软雅黑" panose="020B0503020204020204" pitchFamily="34" charset="-122"/>
-              </a:rPr>
-              <a:t>本人通过手工方式合并代码！随着代码库的不断壮大，很难继续通过手工方式进行合并。于是</a:t>
-            </a:r>
-            <a:r>
-              <a:rPr lang="en-US" altLang="zh-CN" dirty="0">
-                <a:latin typeface="微软雅黑" panose="020B0503020204020204" pitchFamily="34" charset="-122"/>
-                <a:ea typeface="微软雅黑" panose="020B0503020204020204" pitchFamily="34" charset="-122"/>
-              </a:rPr>
-              <a:t>Linus</a:t>
-            </a:r>
-            <a:r>
-              <a:rPr lang="zh-CN" altLang="en-US" dirty="0">
-                <a:latin typeface="微软雅黑" panose="020B0503020204020204" pitchFamily="34" charset="-122"/>
-                <a:ea typeface="微软雅黑" panose="020B0503020204020204" pitchFamily="34" charset="-122"/>
-              </a:rPr>
-              <a:t>选择了一个商业的版本控制系统</a:t>
-            </a:r>
-            <a:r>
-              <a:rPr lang="en-US" altLang="zh-CN" dirty="0" err="1">
-                <a:latin typeface="微软雅黑" panose="020B0503020204020204" pitchFamily="34" charset="-122"/>
-                <a:ea typeface="微软雅黑" panose="020B0503020204020204" pitchFamily="34" charset="-122"/>
-              </a:rPr>
-              <a:t>BitKeeper</a:t>
-            </a:r>
-            <a:r>
-              <a:rPr lang="zh-CN" altLang="en-US" dirty="0">
-                <a:latin typeface="微软雅黑" panose="020B0503020204020204" pitchFamily="34" charset="-122"/>
-                <a:ea typeface="微软雅黑" panose="020B0503020204020204" pitchFamily="34" charset="-122"/>
-              </a:rPr>
-              <a:t>，</a:t>
-            </a:r>
-            <a:r>
-              <a:rPr lang="en-US" altLang="zh-CN" dirty="0" err="1">
-                <a:latin typeface="微软雅黑" panose="020B0503020204020204" pitchFamily="34" charset="-122"/>
-                <a:ea typeface="微软雅黑" panose="020B0503020204020204" pitchFamily="34" charset="-122"/>
-              </a:rPr>
-              <a:t>BitKeeper</a:t>
-            </a:r>
-            <a:r>
-              <a:rPr lang="zh-CN" altLang="en-US" dirty="0">
-                <a:latin typeface="微软雅黑" panose="020B0503020204020204" pitchFamily="34" charset="-122"/>
-                <a:ea typeface="微软雅黑" panose="020B0503020204020204" pitchFamily="34" charset="-122"/>
-              </a:rPr>
-              <a:t>的东家</a:t>
-            </a:r>
-            <a:r>
-              <a:rPr lang="en-US" altLang="zh-CN" dirty="0" err="1">
-                <a:latin typeface="微软雅黑" panose="020B0503020204020204" pitchFamily="34" charset="-122"/>
-                <a:ea typeface="微软雅黑" panose="020B0503020204020204" pitchFamily="34" charset="-122"/>
-              </a:rPr>
-              <a:t>BitMover</a:t>
-            </a:r>
-            <a:r>
-              <a:rPr lang="zh-CN" altLang="en-US" dirty="0">
-                <a:latin typeface="微软雅黑" panose="020B0503020204020204" pitchFamily="34" charset="-122"/>
-                <a:ea typeface="微软雅黑" panose="020B0503020204020204" pitchFamily="34" charset="-122"/>
-              </a:rPr>
-              <a:t>公司出于人道主义精神，授权</a:t>
-            </a:r>
-            <a:r>
-              <a:rPr lang="en-US" altLang="zh-CN" dirty="0">
-                <a:latin typeface="微软雅黑" panose="020B0503020204020204" pitchFamily="34" charset="-122"/>
-                <a:ea typeface="微软雅黑" panose="020B0503020204020204" pitchFamily="34" charset="-122"/>
-              </a:rPr>
-              <a:t>Linux</a:t>
-            </a:r>
-            <a:r>
-              <a:rPr lang="zh-CN" altLang="en-US" dirty="0">
-                <a:latin typeface="微软雅黑" panose="020B0503020204020204" pitchFamily="34" charset="-122"/>
-                <a:ea typeface="微软雅黑" panose="020B0503020204020204" pitchFamily="34" charset="-122"/>
-              </a:rPr>
-              <a:t>社区免费使用这个版本控制系统</a:t>
-            </a:r>
-            <a:r>
-              <a:rPr lang="zh-CN" altLang="en-US" dirty="0" smtClean="0">
-                <a:latin typeface="微软雅黑" panose="020B0503020204020204" pitchFamily="34" charset="-122"/>
-                <a:ea typeface="微软雅黑" panose="020B0503020204020204" pitchFamily="34" charset="-122"/>
-              </a:rPr>
-              <a:t>。</a:t>
-            </a:r>
-            <a:endParaRPr lang="zh-CN" altLang="en-US" dirty="0">
-              <a:latin typeface="微软雅黑" panose="020B0503020204020204" pitchFamily="34" charset="-122"/>
-              <a:ea typeface="微软雅黑" panose="020B0503020204020204" pitchFamily="34" charset="-122"/>
-            </a:endParaRPr>
-          </a:p>
-          <a:p>
-            <a:pPr>
-              <a:lnSpc>
-                <a:spcPct val="150000"/>
-              </a:lnSpc>
-            </a:pPr>
-            <a:r>
-              <a:rPr lang="zh-CN" altLang="en-US" dirty="0" smtClean="0">
-                <a:latin typeface="微软雅黑" panose="020B0503020204020204" pitchFamily="34" charset="-122"/>
-                <a:ea typeface="微软雅黑" panose="020B0503020204020204" pitchFamily="34" charset="-122"/>
-              </a:rPr>
-              <a:t>       安定团结</a:t>
-            </a:r>
-            <a:r>
-              <a:rPr lang="zh-CN" altLang="en-US" dirty="0">
-                <a:latin typeface="微软雅黑" panose="020B0503020204020204" pitchFamily="34" charset="-122"/>
-                <a:ea typeface="微软雅黑" panose="020B0503020204020204" pitchFamily="34" charset="-122"/>
-              </a:rPr>
-              <a:t>的大好局面在</a:t>
-            </a:r>
-            <a:r>
-              <a:rPr lang="en-US" altLang="zh-CN" dirty="0">
-                <a:latin typeface="微软雅黑" panose="020B0503020204020204" pitchFamily="34" charset="-122"/>
-                <a:ea typeface="微软雅黑" panose="020B0503020204020204" pitchFamily="34" charset="-122"/>
-              </a:rPr>
-              <a:t>2005</a:t>
-            </a:r>
-            <a:r>
-              <a:rPr lang="zh-CN" altLang="en-US" dirty="0">
-                <a:latin typeface="微软雅黑" panose="020B0503020204020204" pitchFamily="34" charset="-122"/>
-                <a:ea typeface="微软雅黑" panose="020B0503020204020204" pitchFamily="34" charset="-122"/>
-              </a:rPr>
-              <a:t>年就被打破了，原因是</a:t>
-            </a:r>
-            <a:r>
-              <a:rPr lang="en-US" altLang="zh-CN" dirty="0">
-                <a:latin typeface="微软雅黑" panose="020B0503020204020204" pitchFamily="34" charset="-122"/>
-                <a:ea typeface="微软雅黑" panose="020B0503020204020204" pitchFamily="34" charset="-122"/>
-              </a:rPr>
-              <a:t>Linux</a:t>
-            </a:r>
-            <a:r>
-              <a:rPr lang="zh-CN" altLang="en-US" dirty="0">
-                <a:latin typeface="微软雅黑" panose="020B0503020204020204" pitchFamily="34" charset="-122"/>
-                <a:ea typeface="微软雅黑" panose="020B0503020204020204" pitchFamily="34" charset="-122"/>
-              </a:rPr>
-              <a:t>社区牛人聚集，不免沾染了一些梁山好汉的江湖习气。开发</a:t>
-            </a:r>
-            <a:r>
-              <a:rPr lang="en-US" altLang="zh-CN" dirty="0">
-                <a:latin typeface="微软雅黑" panose="020B0503020204020204" pitchFamily="34" charset="-122"/>
-                <a:ea typeface="微软雅黑" panose="020B0503020204020204" pitchFamily="34" charset="-122"/>
-              </a:rPr>
-              <a:t>Samba</a:t>
-            </a:r>
-            <a:r>
-              <a:rPr lang="zh-CN" altLang="en-US" dirty="0">
-                <a:latin typeface="微软雅黑" panose="020B0503020204020204" pitchFamily="34" charset="-122"/>
-                <a:ea typeface="微软雅黑" panose="020B0503020204020204" pitchFamily="34" charset="-122"/>
-              </a:rPr>
-              <a:t>的</a:t>
-            </a:r>
-            <a:r>
-              <a:rPr lang="en-US" altLang="zh-CN" dirty="0">
-                <a:latin typeface="微软雅黑" panose="020B0503020204020204" pitchFamily="34" charset="-122"/>
-                <a:ea typeface="微软雅黑" panose="020B0503020204020204" pitchFamily="34" charset="-122"/>
-              </a:rPr>
-              <a:t>Andrew</a:t>
-            </a:r>
-            <a:r>
-              <a:rPr lang="zh-CN" altLang="en-US" dirty="0">
-                <a:latin typeface="微软雅黑" panose="020B0503020204020204" pitchFamily="34" charset="-122"/>
-                <a:ea typeface="微软雅黑" panose="020B0503020204020204" pitchFamily="34" charset="-122"/>
-              </a:rPr>
-              <a:t>试图破解</a:t>
-            </a:r>
-            <a:r>
-              <a:rPr lang="en-US" altLang="zh-CN" dirty="0" err="1">
-                <a:latin typeface="微软雅黑" panose="020B0503020204020204" pitchFamily="34" charset="-122"/>
-                <a:ea typeface="微软雅黑" panose="020B0503020204020204" pitchFamily="34" charset="-122"/>
-              </a:rPr>
-              <a:t>BitKeeper</a:t>
-            </a:r>
-            <a:r>
-              <a:rPr lang="zh-CN" altLang="en-US" dirty="0">
-                <a:latin typeface="微软雅黑" panose="020B0503020204020204" pitchFamily="34" charset="-122"/>
-                <a:ea typeface="微软雅黑" panose="020B0503020204020204" pitchFamily="34" charset="-122"/>
-              </a:rPr>
-              <a:t>的协议（这么干的其实也不只他一个），被</a:t>
-            </a:r>
-            <a:r>
-              <a:rPr lang="en-US" altLang="zh-CN" dirty="0" err="1">
-                <a:latin typeface="微软雅黑" panose="020B0503020204020204" pitchFamily="34" charset="-122"/>
-                <a:ea typeface="微软雅黑" panose="020B0503020204020204" pitchFamily="34" charset="-122"/>
-              </a:rPr>
-              <a:t>BitMover</a:t>
-            </a:r>
-            <a:r>
-              <a:rPr lang="zh-CN" altLang="en-US" dirty="0">
-                <a:latin typeface="微软雅黑" panose="020B0503020204020204" pitchFamily="34" charset="-122"/>
-                <a:ea typeface="微软雅黑" panose="020B0503020204020204" pitchFamily="34" charset="-122"/>
-              </a:rPr>
-              <a:t>公司发现了（监控工作做得不错！），于是</a:t>
-            </a:r>
-            <a:r>
-              <a:rPr lang="en-US" altLang="zh-CN" dirty="0" err="1">
-                <a:latin typeface="微软雅黑" panose="020B0503020204020204" pitchFamily="34" charset="-122"/>
-                <a:ea typeface="微软雅黑" panose="020B0503020204020204" pitchFamily="34" charset="-122"/>
-              </a:rPr>
-              <a:t>BitMover</a:t>
-            </a:r>
-            <a:r>
-              <a:rPr lang="zh-CN" altLang="en-US" dirty="0">
-                <a:latin typeface="微软雅黑" panose="020B0503020204020204" pitchFamily="34" charset="-122"/>
-                <a:ea typeface="微软雅黑" panose="020B0503020204020204" pitchFamily="34" charset="-122"/>
-              </a:rPr>
-              <a:t>公司怒了，要收回</a:t>
-            </a:r>
-            <a:r>
-              <a:rPr lang="en-US" altLang="zh-CN" dirty="0">
-                <a:latin typeface="微软雅黑" panose="020B0503020204020204" pitchFamily="34" charset="-122"/>
-                <a:ea typeface="微软雅黑" panose="020B0503020204020204" pitchFamily="34" charset="-122"/>
-              </a:rPr>
-              <a:t>Linux</a:t>
-            </a:r>
-            <a:r>
-              <a:rPr lang="zh-CN" altLang="en-US" dirty="0">
-                <a:latin typeface="微软雅黑" panose="020B0503020204020204" pitchFamily="34" charset="-122"/>
-                <a:ea typeface="微软雅黑" panose="020B0503020204020204" pitchFamily="34" charset="-122"/>
-              </a:rPr>
-              <a:t>社区的免费使用权</a:t>
-            </a:r>
-            <a:r>
-              <a:rPr lang="zh-CN" altLang="en-US" dirty="0" smtClean="0">
-                <a:latin typeface="微软雅黑" panose="020B0503020204020204" pitchFamily="34" charset="-122"/>
-                <a:ea typeface="微软雅黑" panose="020B0503020204020204" pitchFamily="34" charset="-122"/>
-              </a:rPr>
-              <a:t>。</a:t>
-            </a:r>
-            <a:endParaRPr lang="zh-CN" altLang="en-US" dirty="0">
-              <a:latin typeface="微软雅黑" panose="020B0503020204020204" pitchFamily="34" charset="-122"/>
-              <a:ea typeface="微软雅黑" panose="020B0503020204020204" pitchFamily="34" charset="-122"/>
-            </a:endParaRPr>
-          </a:p>
-          <a:p>
-            <a:pPr>
-              <a:lnSpc>
-                <a:spcPct val="150000"/>
-              </a:lnSpc>
-            </a:pPr>
-            <a:r>
-              <a:rPr lang="zh-CN" altLang="en-US" dirty="0" smtClean="0">
-                <a:latin typeface="微软雅黑" panose="020B0503020204020204" pitchFamily="34" charset="-122"/>
-                <a:ea typeface="微软雅黑" panose="020B0503020204020204" pitchFamily="34" charset="-122"/>
-              </a:rPr>
-              <a:t>      于是</a:t>
-            </a:r>
-            <a:r>
-              <a:rPr lang="en-US" altLang="zh-CN" dirty="0" smtClean="0">
-                <a:latin typeface="微软雅黑" panose="020B0503020204020204" pitchFamily="34" charset="-122"/>
-                <a:ea typeface="微软雅黑" panose="020B0503020204020204" pitchFamily="34" charset="-122"/>
-              </a:rPr>
-              <a:t>Linus</a:t>
-            </a:r>
-            <a:r>
-              <a:rPr lang="zh-CN" altLang="en-US" dirty="0">
-                <a:latin typeface="微软雅黑" panose="020B0503020204020204" pitchFamily="34" charset="-122"/>
-                <a:ea typeface="微软雅黑" panose="020B0503020204020204" pitchFamily="34" charset="-122"/>
-              </a:rPr>
-              <a:t>花了两周时间自己用</a:t>
-            </a:r>
-            <a:r>
-              <a:rPr lang="en-US" altLang="zh-CN" dirty="0">
-                <a:latin typeface="微软雅黑" panose="020B0503020204020204" pitchFamily="34" charset="-122"/>
-                <a:ea typeface="微软雅黑" panose="020B0503020204020204" pitchFamily="34" charset="-122"/>
-              </a:rPr>
-              <a:t>C</a:t>
-            </a:r>
-            <a:r>
-              <a:rPr lang="zh-CN" altLang="en-US" dirty="0">
-                <a:latin typeface="微软雅黑" panose="020B0503020204020204" pitchFamily="34" charset="-122"/>
-                <a:ea typeface="微软雅黑" panose="020B0503020204020204" pitchFamily="34" charset="-122"/>
-              </a:rPr>
-              <a:t>写了一个分布式版本控制系统，这就是</a:t>
-            </a:r>
-            <a:r>
-              <a:rPr lang="en-US" altLang="zh-CN" dirty="0" err="1">
-                <a:latin typeface="微软雅黑" panose="020B0503020204020204" pitchFamily="34" charset="-122"/>
-                <a:ea typeface="微软雅黑" panose="020B0503020204020204" pitchFamily="34" charset="-122"/>
-              </a:rPr>
-              <a:t>Git</a:t>
-            </a:r>
-            <a:r>
-              <a:rPr lang="zh-CN" altLang="en-US" dirty="0">
-                <a:latin typeface="微软雅黑" panose="020B0503020204020204" pitchFamily="34" charset="-122"/>
-                <a:ea typeface="微软雅黑" panose="020B0503020204020204" pitchFamily="34" charset="-122"/>
-              </a:rPr>
-              <a:t>！一个月之内，</a:t>
-            </a:r>
-            <a:r>
-              <a:rPr lang="en-US" altLang="zh-CN" dirty="0">
-                <a:latin typeface="微软雅黑" panose="020B0503020204020204" pitchFamily="34" charset="-122"/>
-                <a:ea typeface="微软雅黑" panose="020B0503020204020204" pitchFamily="34" charset="-122"/>
-              </a:rPr>
-              <a:t>Linux</a:t>
-            </a:r>
-            <a:r>
-              <a:rPr lang="zh-CN" altLang="en-US" dirty="0">
-                <a:latin typeface="微软雅黑" panose="020B0503020204020204" pitchFamily="34" charset="-122"/>
-                <a:ea typeface="微软雅黑" panose="020B0503020204020204" pitchFamily="34" charset="-122"/>
-              </a:rPr>
-              <a:t>系统的源码已经由</a:t>
-            </a:r>
-            <a:r>
-              <a:rPr lang="en-US" altLang="zh-CN" dirty="0" err="1">
-                <a:latin typeface="微软雅黑" panose="020B0503020204020204" pitchFamily="34" charset="-122"/>
-                <a:ea typeface="微软雅黑" panose="020B0503020204020204" pitchFamily="34" charset="-122"/>
-              </a:rPr>
-              <a:t>Git</a:t>
-            </a:r>
-            <a:r>
-              <a:rPr lang="zh-CN" altLang="en-US" dirty="0">
-                <a:latin typeface="微软雅黑" panose="020B0503020204020204" pitchFamily="34" charset="-122"/>
-                <a:ea typeface="微软雅黑" panose="020B0503020204020204" pitchFamily="34" charset="-122"/>
-              </a:rPr>
-              <a:t>管理了</a:t>
-            </a:r>
-            <a:r>
-              <a:rPr lang="zh-CN" altLang="en-US" dirty="0" smtClean="0">
-                <a:latin typeface="微软雅黑" panose="020B0503020204020204" pitchFamily="34" charset="-122"/>
-                <a:ea typeface="微软雅黑" panose="020B0503020204020204" pitchFamily="34" charset="-122"/>
-              </a:rPr>
-              <a:t>！</a:t>
-            </a:r>
-            <a:r>
-              <a:rPr lang="en-US" altLang="zh-CN" dirty="0" err="1" smtClean="0">
-                <a:latin typeface="微软雅黑" panose="020B0503020204020204" pitchFamily="34" charset="-122"/>
-                <a:ea typeface="微软雅黑" panose="020B0503020204020204" pitchFamily="34" charset="-122"/>
-              </a:rPr>
-              <a:t>Git</a:t>
-            </a:r>
-            <a:r>
-              <a:rPr lang="zh-CN" altLang="en-US" dirty="0">
-                <a:latin typeface="微软雅黑" panose="020B0503020204020204" pitchFamily="34" charset="-122"/>
-                <a:ea typeface="微软雅黑" panose="020B0503020204020204" pitchFamily="34" charset="-122"/>
-              </a:rPr>
-              <a:t>迅速成为最流行的分布式版本控制系统</a:t>
-            </a:r>
-            <a:r>
-              <a:rPr lang="zh-CN" altLang="en-US" dirty="0" smtClean="0">
-                <a:latin typeface="微软雅黑" panose="020B0503020204020204" pitchFamily="34" charset="-122"/>
-                <a:ea typeface="微软雅黑" panose="020B0503020204020204" pitchFamily="34" charset="-122"/>
-              </a:rPr>
-              <a:t>，在</a:t>
-            </a:r>
-            <a:r>
-              <a:rPr lang="en-US" altLang="zh-CN" dirty="0" smtClean="0">
-                <a:latin typeface="微软雅黑" panose="020B0503020204020204" pitchFamily="34" charset="-122"/>
-                <a:ea typeface="微软雅黑" panose="020B0503020204020204" pitchFamily="34" charset="-122"/>
-              </a:rPr>
-              <a:t>2008</a:t>
-            </a:r>
-            <a:r>
-              <a:rPr lang="zh-CN" altLang="en-US" dirty="0">
-                <a:latin typeface="微软雅黑" panose="020B0503020204020204" pitchFamily="34" charset="-122"/>
-                <a:ea typeface="微软雅黑" panose="020B0503020204020204" pitchFamily="34" charset="-122"/>
-              </a:rPr>
-              <a:t>年，</a:t>
-            </a:r>
-            <a:r>
-              <a:rPr lang="en-US" altLang="zh-CN" dirty="0">
-                <a:latin typeface="微软雅黑" panose="020B0503020204020204" pitchFamily="34" charset="-122"/>
-                <a:ea typeface="微软雅黑" panose="020B0503020204020204" pitchFamily="34" charset="-122"/>
-              </a:rPr>
-              <a:t>GitHub</a:t>
-            </a:r>
-            <a:r>
-              <a:rPr lang="zh-CN" altLang="en-US" dirty="0">
-                <a:latin typeface="微软雅黑" panose="020B0503020204020204" pitchFamily="34" charset="-122"/>
-                <a:ea typeface="微软雅黑" panose="020B0503020204020204" pitchFamily="34" charset="-122"/>
-              </a:rPr>
-              <a:t>网站上线了，它为开源项目免费提供</a:t>
-            </a:r>
-            <a:r>
-              <a:rPr lang="en-US" altLang="zh-CN" dirty="0" err="1">
-                <a:latin typeface="微软雅黑" panose="020B0503020204020204" pitchFamily="34" charset="-122"/>
-                <a:ea typeface="微软雅黑" panose="020B0503020204020204" pitchFamily="34" charset="-122"/>
-              </a:rPr>
-              <a:t>Git</a:t>
-            </a:r>
-            <a:r>
-              <a:rPr lang="zh-CN" altLang="en-US" dirty="0">
-                <a:latin typeface="微软雅黑" panose="020B0503020204020204" pitchFamily="34" charset="-122"/>
-                <a:ea typeface="微软雅黑" panose="020B0503020204020204" pitchFamily="34" charset="-122"/>
-              </a:rPr>
-              <a:t>存储，无数开源项目开始迁移至</a:t>
-            </a:r>
-            <a:r>
-              <a:rPr lang="en-US" altLang="zh-CN" dirty="0">
-                <a:latin typeface="微软雅黑" panose="020B0503020204020204" pitchFamily="34" charset="-122"/>
-                <a:ea typeface="微软雅黑" panose="020B0503020204020204" pitchFamily="34" charset="-122"/>
-              </a:rPr>
-              <a:t>GitHub</a:t>
-            </a:r>
-            <a:r>
-              <a:rPr lang="zh-CN" altLang="en-US" dirty="0">
-                <a:latin typeface="微软雅黑" panose="020B0503020204020204" pitchFamily="34" charset="-122"/>
-                <a:ea typeface="微软雅黑" panose="020B0503020204020204" pitchFamily="34" charset="-122"/>
-              </a:rPr>
-              <a:t>，包括</a:t>
-            </a:r>
-            <a:r>
-              <a:rPr lang="en-US" altLang="zh-CN" dirty="0">
-                <a:latin typeface="微软雅黑" panose="020B0503020204020204" pitchFamily="34" charset="-122"/>
-                <a:ea typeface="微软雅黑" panose="020B0503020204020204" pitchFamily="34" charset="-122"/>
-              </a:rPr>
-              <a:t>jQuery</a:t>
-            </a:r>
-            <a:r>
-              <a:rPr lang="zh-CN" altLang="en-US" dirty="0">
-                <a:latin typeface="微软雅黑" panose="020B0503020204020204" pitchFamily="34" charset="-122"/>
-                <a:ea typeface="微软雅黑" panose="020B0503020204020204" pitchFamily="34" charset="-122"/>
-              </a:rPr>
-              <a:t>，</a:t>
-            </a:r>
-            <a:r>
-              <a:rPr lang="en-US" altLang="zh-CN" dirty="0">
-                <a:latin typeface="微软雅黑" panose="020B0503020204020204" pitchFamily="34" charset="-122"/>
-                <a:ea typeface="微软雅黑" panose="020B0503020204020204" pitchFamily="34" charset="-122"/>
-              </a:rPr>
-              <a:t>PHP</a:t>
-            </a:r>
-            <a:r>
-              <a:rPr lang="zh-CN" altLang="en-US" dirty="0">
-                <a:latin typeface="微软雅黑" panose="020B0503020204020204" pitchFamily="34" charset="-122"/>
-                <a:ea typeface="微软雅黑" panose="020B0503020204020204" pitchFamily="34" charset="-122"/>
-              </a:rPr>
-              <a:t>，</a:t>
-            </a:r>
-            <a:r>
-              <a:rPr lang="en-US" altLang="zh-CN" dirty="0">
-                <a:latin typeface="微软雅黑" panose="020B0503020204020204" pitchFamily="34" charset="-122"/>
-                <a:ea typeface="微软雅黑" panose="020B0503020204020204" pitchFamily="34" charset="-122"/>
-              </a:rPr>
-              <a:t>Ruby</a:t>
-            </a:r>
-            <a:r>
-              <a:rPr lang="zh-CN" altLang="en-US" dirty="0">
-                <a:latin typeface="微软雅黑" panose="020B0503020204020204" pitchFamily="34" charset="-122"/>
-                <a:ea typeface="微软雅黑" panose="020B0503020204020204" pitchFamily="34" charset="-122"/>
-              </a:rPr>
-              <a:t>等等</a:t>
-            </a:r>
-            <a:r>
-              <a:rPr lang="zh-CN" altLang="en-US" dirty="0" smtClean="0">
-                <a:latin typeface="微软雅黑" panose="020B0503020204020204" pitchFamily="34" charset="-122"/>
-                <a:ea typeface="微软雅黑" panose="020B0503020204020204" pitchFamily="34" charset="-122"/>
-              </a:rPr>
-              <a:t>。</a:t>
-            </a:r>
-            <a:endParaRPr lang="zh-CN" altLang="en-US" dirty="0">
-              <a:latin typeface="微软雅黑" panose="020B0503020204020204" pitchFamily="34" charset="-122"/>
-              <a:ea typeface="微软雅黑" panose="020B0503020204020204" pitchFamily="34" charset="-122"/>
-            </a:endParaRPr>
-          </a:p>
-        </p:txBody>
-      </p:sp>
-    </p:spTree>
-    <p:extLst>
-      <p:ext uri="{BB962C8B-B14F-4D97-AF65-F5344CB8AC3E}">
-        <p14:creationId xmlns:p14="http://schemas.microsoft.com/office/powerpoint/2010/main" val="1291325084"/>
-      </p:ext>
-    </p:extLst>
   </p:cSld>
   <p:clrMapOvr>
     <a:masterClrMapping/>
